--- a/Final project (1).pptx
+++ b/Final project (1).pptx
@@ -5,10 +5,10 @@
     <p:sldMasterId id="2147483648" r:id="rId4"/>
   </p:sldMasterIdLst>
   <p:notesMasterIdLst>
-    <p:notesMasterId r:id="rId34"/>
+    <p:notesMasterId r:id="rId38"/>
   </p:notesMasterIdLst>
   <p:handoutMasterIdLst>
-    <p:handoutMasterId r:id="rId35"/>
+    <p:handoutMasterId r:id="rId39"/>
   </p:handoutMasterIdLst>
   <p:sldIdLst>
     <p:sldId id="256" r:id="rId5"/>
@@ -25,21 +25,25 @@
     <p:sldId id="280" r:id="rId16"/>
     <p:sldId id="284" r:id="rId17"/>
     <p:sldId id="294" r:id="rId18"/>
-    <p:sldId id="295" r:id="rId19"/>
-    <p:sldId id="290" r:id="rId20"/>
-    <p:sldId id="289" r:id="rId21"/>
-    <p:sldId id="301" r:id="rId22"/>
-    <p:sldId id="299" r:id="rId23"/>
-    <p:sldId id="296" r:id="rId24"/>
-    <p:sldId id="297" r:id="rId25"/>
-    <p:sldId id="298" r:id="rId26"/>
-    <p:sldId id="300" r:id="rId27"/>
-    <p:sldId id="293" r:id="rId28"/>
-    <p:sldId id="302" r:id="rId29"/>
-    <p:sldId id="303" r:id="rId30"/>
-    <p:sldId id="288" r:id="rId31"/>
-    <p:sldId id="305" r:id="rId32"/>
-    <p:sldId id="271" r:id="rId33"/>
+    <p:sldId id="307" r:id="rId19"/>
+    <p:sldId id="306" r:id="rId20"/>
+    <p:sldId id="308" r:id="rId21"/>
+    <p:sldId id="309" r:id="rId22"/>
+    <p:sldId id="295" r:id="rId23"/>
+    <p:sldId id="290" r:id="rId24"/>
+    <p:sldId id="289" r:id="rId25"/>
+    <p:sldId id="301" r:id="rId26"/>
+    <p:sldId id="299" r:id="rId27"/>
+    <p:sldId id="296" r:id="rId28"/>
+    <p:sldId id="297" r:id="rId29"/>
+    <p:sldId id="298" r:id="rId30"/>
+    <p:sldId id="300" r:id="rId31"/>
+    <p:sldId id="293" r:id="rId32"/>
+    <p:sldId id="302" r:id="rId33"/>
+    <p:sldId id="303" r:id="rId34"/>
+    <p:sldId id="288" r:id="rId35"/>
+    <p:sldId id="305" r:id="rId36"/>
+    <p:sldId id="271" r:id="rId37"/>
   </p:sldIdLst>
   <p:sldSz cx="12192000" cy="6858000"/>
   <p:notesSz cx="6858000" cy="9144000"/>
@@ -243,7 +247,7 @@
           <a:p>
             <a:fld id="{B56F32FC-4BD9-442A-A8C6-51598C909FE3}" type="datetimeFigureOut">
               <a:rPr lang="en-US" smtClean="0"/>
-              <a:t>9/2/2024</a:t>
+              <a:t>9/7/2024</a:t>
             </a:fld>
             <a:endParaRPr lang="en-US" dirty="0"/>
           </a:p>
@@ -420,7 +424,7 @@
           <a:p>
             <a:fld id="{056371FA-A98D-41E8-93F4-09945841298A}" type="datetimeFigureOut">
               <a:rPr lang="en-US" smtClean="0"/>
-              <a:t>9/2/2024</a:t>
+              <a:t>9/7/2024</a:t>
             </a:fld>
             <a:endParaRPr lang="en-US" dirty="0"/>
           </a:p>
@@ -1172,7 +1176,7 @@
           <a:p>
             <a:fld id="{22289C57-55D7-40A4-A101-E74FAC7A092B}" type="slidenum">
               <a:rPr lang="en-US" smtClean="0"/>
-              <a:t>16</a:t>
+              <a:t>15</a:t>
             </a:fld>
             <a:endParaRPr lang="en-US" dirty="0"/>
           </a:p>
@@ -1181,7 +1185,7 @@
     </p:spTree>
     <p:extLst>
       <p:ext uri="{BB962C8B-B14F-4D97-AF65-F5344CB8AC3E}">
-        <p14:creationId xmlns:p14="http://schemas.microsoft.com/office/powerpoint/2010/main" val="2890099649"/>
+        <p14:creationId xmlns:p14="http://schemas.microsoft.com/office/powerpoint/2010/main" val="2558516817"/>
       </p:ext>
     </p:extLst>
   </p:cSld>
@@ -1256,7 +1260,7 @@
           <a:p>
             <a:fld id="{22289C57-55D7-40A4-A101-E74FAC7A092B}" type="slidenum">
               <a:rPr lang="en-US" smtClean="0"/>
-              <a:t>17</a:t>
+              <a:t>20</a:t>
             </a:fld>
             <a:endParaRPr lang="en-US" dirty="0"/>
           </a:p>
@@ -1265,7 +1269,7 @@
     </p:spTree>
     <p:extLst>
       <p:ext uri="{BB962C8B-B14F-4D97-AF65-F5344CB8AC3E}">
-        <p14:creationId xmlns:p14="http://schemas.microsoft.com/office/powerpoint/2010/main" val="2791415318"/>
+        <p14:creationId xmlns:p14="http://schemas.microsoft.com/office/powerpoint/2010/main" val="2890099649"/>
       </p:ext>
     </p:extLst>
   </p:cSld>
@@ -1340,7 +1344,7 @@
           <a:p>
             <a:fld id="{22289C57-55D7-40A4-A101-E74FAC7A092B}" type="slidenum">
               <a:rPr lang="en-US" smtClean="0"/>
-              <a:t>18</a:t>
+              <a:t>21</a:t>
             </a:fld>
             <a:endParaRPr lang="en-US" dirty="0"/>
           </a:p>
@@ -1349,7 +1353,7 @@
     </p:spTree>
     <p:extLst>
       <p:ext uri="{BB962C8B-B14F-4D97-AF65-F5344CB8AC3E}">
-        <p14:creationId xmlns:p14="http://schemas.microsoft.com/office/powerpoint/2010/main" val="3990952828"/>
+        <p14:creationId xmlns:p14="http://schemas.microsoft.com/office/powerpoint/2010/main" val="2791415318"/>
       </p:ext>
     </p:extLst>
   </p:cSld>
@@ -1424,7 +1428,7 @@
           <a:p>
             <a:fld id="{22289C57-55D7-40A4-A101-E74FAC7A092B}" type="slidenum">
               <a:rPr lang="en-US" smtClean="0"/>
-              <a:t>24</a:t>
+              <a:t>22</a:t>
             </a:fld>
             <a:endParaRPr lang="en-US" dirty="0"/>
           </a:p>
@@ -1433,7 +1437,7 @@
     </p:spTree>
     <p:extLst>
       <p:ext uri="{BB962C8B-B14F-4D97-AF65-F5344CB8AC3E}">
-        <p14:creationId xmlns:p14="http://schemas.microsoft.com/office/powerpoint/2010/main" val="937476009"/>
+        <p14:creationId xmlns:p14="http://schemas.microsoft.com/office/powerpoint/2010/main" val="3990952828"/>
       </p:ext>
     </p:extLst>
   </p:cSld>
@@ -1508,7 +1512,7 @@
           <a:p>
             <a:fld id="{22289C57-55D7-40A4-A101-E74FAC7A092B}" type="slidenum">
               <a:rPr lang="en-US" smtClean="0"/>
-              <a:t>27</a:t>
+              <a:t>28</a:t>
             </a:fld>
             <a:endParaRPr lang="en-US" dirty="0"/>
           </a:p>
@@ -1517,7 +1521,7 @@
     </p:spTree>
     <p:extLst>
       <p:ext uri="{BB962C8B-B14F-4D97-AF65-F5344CB8AC3E}">
-        <p14:creationId xmlns:p14="http://schemas.microsoft.com/office/powerpoint/2010/main" val="1748343843"/>
+        <p14:creationId xmlns:p14="http://schemas.microsoft.com/office/powerpoint/2010/main" val="937476009"/>
       </p:ext>
     </p:extLst>
   </p:cSld>
@@ -1592,7 +1596,7 @@
           <a:p>
             <a:fld id="{22289C57-55D7-40A4-A101-E74FAC7A092B}" type="slidenum">
               <a:rPr lang="en-US" smtClean="0"/>
-              <a:t>29</a:t>
+              <a:t>31</a:t>
             </a:fld>
             <a:endParaRPr lang="en-US" dirty="0"/>
           </a:p>
@@ -1601,7 +1605,7 @@
     </p:spTree>
     <p:extLst>
       <p:ext uri="{BB962C8B-B14F-4D97-AF65-F5344CB8AC3E}">
-        <p14:creationId xmlns:p14="http://schemas.microsoft.com/office/powerpoint/2010/main" val="702683811"/>
+        <p14:creationId xmlns:p14="http://schemas.microsoft.com/office/powerpoint/2010/main" val="1748343843"/>
       </p:ext>
     </p:extLst>
   </p:cSld>
@@ -1686,6 +1690,90 @@
     <p:extLst>
       <p:ext uri="{BB962C8B-B14F-4D97-AF65-F5344CB8AC3E}">
         <p14:creationId xmlns:p14="http://schemas.microsoft.com/office/powerpoint/2010/main" val="4040438963"/>
+      </p:ext>
+    </p:extLst>
+  </p:cSld>
+  <p:clrMapOvr>
+    <a:masterClrMapping/>
+  </p:clrMapOvr>
+</p:notes>
+</file>
+
+<file path=ppt/notesSlides/notesSlide20.xml><?xml version="1.0" encoding="utf-8"?>
+<p:notes xmlns:a="http://schemas.openxmlformats.org/drawingml/2006/main" xmlns:r="http://schemas.openxmlformats.org/officeDocument/2006/relationships" xmlns:p="http://schemas.openxmlformats.org/presentationml/2006/main">
+  <p:cSld>
+    <p:spTree>
+      <p:nvGrpSpPr>
+        <p:cNvPr id="1" name=""/>
+        <p:cNvGrpSpPr/>
+        <p:nvPr/>
+      </p:nvGrpSpPr>
+      <p:grpSpPr>
+        <a:xfrm>
+          <a:off x="0" y="0"/>
+          <a:ext cx="0" cy="0"/>
+          <a:chOff x="0" y="0"/>
+          <a:chExt cx="0" cy="0"/>
+        </a:xfrm>
+      </p:grpSpPr>
+      <p:sp>
+        <p:nvSpPr>
+          <p:cNvPr id="2" name="Slide Image Placeholder 1"/>
+          <p:cNvSpPr>
+            <a:spLocks noGrp="1" noRot="1" noChangeAspect="1"/>
+          </p:cNvSpPr>
+          <p:nvPr>
+            <p:ph type="sldImg"/>
+          </p:nvPr>
+        </p:nvSpPr>
+        <p:spPr/>
+      </p:sp>
+      <p:sp>
+        <p:nvSpPr>
+          <p:cNvPr id="3" name="Notes Placeholder 2"/>
+          <p:cNvSpPr>
+            <a:spLocks noGrp="1"/>
+          </p:cNvSpPr>
+          <p:nvPr>
+            <p:ph type="body" idx="1"/>
+          </p:nvPr>
+        </p:nvSpPr>
+        <p:spPr/>
+        <p:txBody>
+          <a:bodyPr/>
+          <a:lstStyle/>
+          <a:p>
+            <a:endParaRPr lang="en-US" dirty="0"/>
+          </a:p>
+        </p:txBody>
+      </p:sp>
+      <p:sp>
+        <p:nvSpPr>
+          <p:cNvPr id="4" name="Slide Number Placeholder 3"/>
+          <p:cNvSpPr>
+            <a:spLocks noGrp="1"/>
+          </p:cNvSpPr>
+          <p:nvPr>
+            <p:ph type="sldNum" sz="quarter" idx="5"/>
+          </p:nvPr>
+        </p:nvSpPr>
+        <p:spPr/>
+        <p:txBody>
+          <a:bodyPr/>
+          <a:lstStyle/>
+          <a:p>
+            <a:fld id="{22289C57-55D7-40A4-A101-E74FAC7A092B}" type="slidenum">
+              <a:rPr lang="en-US" smtClean="0"/>
+              <a:t>33</a:t>
+            </a:fld>
+            <a:endParaRPr lang="en-US" dirty="0"/>
+          </a:p>
+        </p:txBody>
+      </p:sp>
+    </p:spTree>
+    <p:extLst>
+      <p:ext uri="{BB962C8B-B14F-4D97-AF65-F5344CB8AC3E}">
+        <p14:creationId xmlns:p14="http://schemas.microsoft.com/office/powerpoint/2010/main" val="702683811"/>
       </p:ext>
     </p:extLst>
   </p:cSld>
@@ -8852,213 +8940,284 @@
           <a:chExt cx="0" cy="0"/>
         </a:xfrm>
       </p:grpSpPr>
-      <p:sp>
-        <p:nvSpPr>
-          <p:cNvPr id="2" name="Title 1">
-            <a:extLst>
-              <a:ext uri="{FF2B5EF4-FFF2-40B4-BE49-F238E27FC236}">
-                <a16:creationId xmlns:a16="http://schemas.microsoft.com/office/drawing/2014/main" id="{523894F5-590D-2D5B-2676-408267EA1312}"/>
-              </a:ext>
-            </a:extLst>
-          </p:cNvPr>
-          <p:cNvSpPr>
-            <a:spLocks noGrp="1"/>
-          </p:cNvSpPr>
-          <p:nvPr>
-            <p:ph type="title"/>
-          </p:nvPr>
-        </p:nvSpPr>
-        <p:spPr>
-          <a:xfrm>
-            <a:off x="838200" y="337193"/>
-            <a:ext cx="5655197" cy="448990"/>
-          </a:xfrm>
-        </p:spPr>
-        <p:txBody>
-          <a:bodyPr>
-            <a:normAutofit fontScale="90000"/>
-          </a:bodyPr>
-          <a:lstStyle/>
-          <a:p>
-            <a:r>
-              <a:rPr lang="en-US" dirty="0"/>
-              <a:t>Initial process</a:t>
-            </a:r>
-            <a:endParaRPr lang="en-IL" dirty="0"/>
-          </a:p>
-        </p:txBody>
-      </p:sp>
-      <p:sp>
-        <p:nvSpPr>
-          <p:cNvPr id="3" name="Text Placeholder 2">
-            <a:extLst>
-              <a:ext uri="{FF2B5EF4-FFF2-40B4-BE49-F238E27FC236}">
-                <a16:creationId xmlns:a16="http://schemas.microsoft.com/office/drawing/2014/main" id="{08454580-A321-CC37-1466-28F4ACE0B8E9}"/>
-              </a:ext>
-            </a:extLst>
-          </p:cNvPr>
-          <p:cNvSpPr>
-            <a:spLocks noGrp="1"/>
-          </p:cNvSpPr>
-          <p:nvPr>
-            <p:ph type="body" idx="1"/>
-          </p:nvPr>
-        </p:nvSpPr>
-        <p:spPr>
-          <a:xfrm>
-            <a:off x="462224" y="976777"/>
-            <a:ext cx="6031173" cy="448990"/>
-          </a:xfrm>
-        </p:spPr>
-        <p:txBody>
-          <a:bodyPr/>
-          <a:lstStyle/>
-          <a:p>
-            <a:r>
-              <a:rPr lang="en-US" sz="1000" dirty="0"/>
-              <a:t>Asking ChatGPT questions, each time changing one detail of description.</a:t>
-            </a:r>
-            <a:endParaRPr lang="en-IL" sz="1000" dirty="0"/>
-          </a:p>
-        </p:txBody>
-      </p:sp>
       <p:pic>
         <p:nvPicPr>
-          <p:cNvPr id="9" name="Content Placeholder 8">
-            <a:extLst>
-              <a:ext uri="{FF2B5EF4-FFF2-40B4-BE49-F238E27FC236}">
-                <a16:creationId xmlns:a16="http://schemas.microsoft.com/office/drawing/2014/main" id="{2D50E71E-9465-EF99-45A1-8C569CA2F145}"/>
+          <p:cNvPr id="9" name="תמונה 8">
+            <a:extLst>
+              <a:ext uri="{FF2B5EF4-FFF2-40B4-BE49-F238E27FC236}">
+                <a16:creationId xmlns:a16="http://schemas.microsoft.com/office/drawing/2014/main" id="{688B28A6-9EE4-ACB3-8D58-5CA6AC23A13A}"/>
               </a:ext>
             </a:extLst>
           </p:cNvPr>
           <p:cNvPicPr>
-            <a:picLocks noGrp="1" noChangeAspect="1"/>
+            <a:picLocks noChangeAspect="1"/>
           </p:cNvPicPr>
-          <p:nvPr>
-            <p:ph sz="half" idx="2"/>
-          </p:nvPr>
+          <p:nvPr/>
         </p:nvPicPr>
         <p:blipFill>
-          <a:blip r:embed="rId2"/>
+          <a:blip r:embed="rId3"/>
           <a:stretch>
             <a:fillRect/>
           </a:stretch>
         </p:blipFill>
         <p:spPr>
           <a:xfrm>
-            <a:off x="826354" y="1758950"/>
-            <a:ext cx="5667043" cy="4001693"/>
-          </a:xfrm>
+            <a:off x="748417" y="2641486"/>
+            <a:ext cx="4062564" cy="2447693"/>
+          </a:xfrm>
+          <a:prstGeom prst="rect">
+            <a:avLst/>
+          </a:prstGeom>
+          <a:noFill/>
         </p:spPr>
       </p:pic>
       <p:sp>
         <p:nvSpPr>
-          <p:cNvPr id="5" name="Text Placeholder 4">
-            <a:extLst>
-              <a:ext uri="{FF2B5EF4-FFF2-40B4-BE49-F238E27FC236}">
-                <a16:creationId xmlns:a16="http://schemas.microsoft.com/office/drawing/2014/main" id="{14E17638-D9AA-900D-05C9-FD0E94F739AD}"/>
-              </a:ext>
-            </a:extLst>
-          </p:cNvPr>
-          <p:cNvSpPr>
-            <a:spLocks noGrp="1"/>
-          </p:cNvSpPr>
-          <p:nvPr>
-            <p:ph type="body" sz="quarter" idx="3"/>
-          </p:nvPr>
-        </p:nvSpPr>
-        <p:spPr>
-          <a:xfrm>
-            <a:off x="7887106" y="2080337"/>
-            <a:ext cx="3943627" cy="448989"/>
-          </a:xfrm>
-        </p:spPr>
-        <p:txBody>
-          <a:bodyPr/>
+          <p:cNvPr id="5" name="Slide Number Placeholder 5">
+            <a:extLst>
+              <a:ext uri="{FF2B5EF4-FFF2-40B4-BE49-F238E27FC236}">
+                <a16:creationId xmlns:a16="http://schemas.microsoft.com/office/drawing/2014/main" id="{4832B776-E386-1CF9-CC8F-2D2FF3EA7066}"/>
+              </a:ext>
+            </a:extLst>
+          </p:cNvPr>
+          <p:cNvSpPr>
+            <a:spLocks noGrp="1"/>
+          </p:cNvSpPr>
+          <p:nvPr>
+            <p:ph type="sldNum" sz="quarter" idx="13"/>
+          </p:nvPr>
+        </p:nvSpPr>
+        <p:spPr>
+          <a:xfrm>
+            <a:off x="10373350" y="6356349"/>
+            <a:ext cx="987552" cy="365125"/>
+          </a:xfrm>
+        </p:spPr>
+        <p:txBody>
+          <a:bodyPr anchor="ctr">
+            <a:normAutofit/>
+          </a:bodyPr>
           <a:lstStyle/>
           <a:p>
-            <a:r>
-              <a:rPr lang="en-US" dirty="0"/>
-              <a:t>problem </a:t>
-            </a:r>
-            <a:endParaRPr lang="en-IL" dirty="0"/>
-          </a:p>
-        </p:txBody>
-      </p:sp>
-      <p:sp>
-        <p:nvSpPr>
-          <p:cNvPr id="6" name="Content Placeholder 5">
-            <a:extLst>
-              <a:ext uri="{FF2B5EF4-FFF2-40B4-BE49-F238E27FC236}">
-                <a16:creationId xmlns:a16="http://schemas.microsoft.com/office/drawing/2014/main" id="{E279C102-F700-EF0E-CE24-91857215B20D}"/>
-              </a:ext>
-            </a:extLst>
-          </p:cNvPr>
-          <p:cNvSpPr>
-            <a:spLocks noGrp="1"/>
-          </p:cNvSpPr>
-          <p:nvPr>
-            <p:ph sz="half" idx="14"/>
-          </p:nvPr>
-        </p:nvSpPr>
-        <p:spPr>
-          <a:xfrm>
-            <a:off x="7887105" y="2539513"/>
-            <a:ext cx="3943627" cy="3032733"/>
-          </a:xfrm>
-        </p:spPr>
-        <p:txBody>
-          <a:bodyPr/>
-          <a:lstStyle/>
-          <a:p>
-            <a:r>
-              <a:rPr lang="en-US" dirty="0"/>
-              <a:t>To many details specified therefore the results were too similar.</a:t>
-            </a:r>
-          </a:p>
-          <a:p>
-            <a:r>
-              <a:rPr lang="en-US" dirty="0"/>
-              <a:t>There is no direct way to detect gender or racial bias.</a:t>
-            </a:r>
-            <a:endParaRPr lang="en-IL" dirty="0"/>
-          </a:p>
-        </p:txBody>
-      </p:sp>
-      <p:sp>
-        <p:nvSpPr>
-          <p:cNvPr id="7" name="Slide Number Placeholder 6">
-            <a:extLst>
-              <a:ext uri="{FF2B5EF4-FFF2-40B4-BE49-F238E27FC236}">
-                <a16:creationId xmlns:a16="http://schemas.microsoft.com/office/drawing/2014/main" id="{A12A107A-FD37-0BA4-7913-B93AA8AEDB90}"/>
-              </a:ext>
-            </a:extLst>
-          </p:cNvPr>
-          <p:cNvSpPr>
-            <a:spLocks noGrp="1"/>
-          </p:cNvSpPr>
-          <p:nvPr>
-            <p:ph type="sldNum" sz="quarter" idx="12"/>
-          </p:nvPr>
-        </p:nvSpPr>
-        <p:spPr/>
-        <p:txBody>
-          <a:bodyPr/>
-          <a:lstStyle/>
-          <a:p>
+            <a:pPr>
+              <a:spcAft>
+                <a:spcPts val="600"/>
+              </a:spcAft>
+            </a:pPr>
             <a:fld id="{A49DFD55-3C28-40EF-9E31-A92D2E4017FF}" type="slidenum">
               <a:rPr lang="en-US" smtClean="0"/>
-              <a:pPr/>
+              <a:pPr>
+                <a:spcAft>
+                  <a:spcPts val="600"/>
+                </a:spcAft>
+              </a:pPr>
               <a:t>15</a:t>
             </a:fld>
-            <a:endParaRPr lang="en-US" dirty="0"/>
+            <a:endParaRPr lang="en-US"/>
+          </a:p>
+        </p:txBody>
+      </p:sp>
+      <p:sp>
+        <p:nvSpPr>
+          <p:cNvPr id="11" name="Rectangle 2">
+            <a:extLst>
+              <a:ext uri="{FF2B5EF4-FFF2-40B4-BE49-F238E27FC236}">
+                <a16:creationId xmlns:a16="http://schemas.microsoft.com/office/drawing/2014/main" id="{84D27C58-3F1E-BDC8-0F79-D949E6058BC6}"/>
+              </a:ext>
+            </a:extLst>
+          </p:cNvPr>
+          <p:cNvSpPr>
+            <a:spLocks noChangeArrowheads="1"/>
+          </p:cNvSpPr>
+          <p:nvPr/>
+        </p:nvSpPr>
+        <p:spPr bwMode="auto">
+          <a:xfrm>
+            <a:off x="5169544" y="1767006"/>
+            <a:ext cx="6191358" cy="3323987"/>
+          </a:xfrm>
+          <a:prstGeom prst="rect">
+            <a:avLst/>
+          </a:prstGeom>
+          <a:noFill/>
+          <a:ln>
+            <a:noFill/>
+          </a:ln>
+          <a:effectLst/>
+          <a:extLst>
+            <a:ext uri="{909E8E84-426E-40DD-AFC4-6F175D3DCCD1}">
+              <a14:hiddenFill xmlns:a14="http://schemas.microsoft.com/office/drawing/2010/main">
+                <a:solidFill>
+                  <a:schemeClr val="accent1"/>
+                </a:solidFill>
+              </a14:hiddenFill>
+            </a:ext>
+            <a:ext uri="{91240B29-F687-4F45-9708-019B960494DF}">
+              <a14:hiddenLine xmlns:a14="http://schemas.microsoft.com/office/drawing/2010/main" w="9525">
+                <a:solidFill>
+                  <a:schemeClr val="tx1"/>
+                </a:solidFill>
+                <a:miter lim="800000"/>
+                <a:headEnd/>
+                <a:tailEnd/>
+              </a14:hiddenLine>
+            </a:ext>
+            <a:ext uri="{AF507438-7753-43E0-B8FC-AC1667EBCBE1}">
+              <a14:hiddenEffects xmlns:a14="http://schemas.microsoft.com/office/drawing/2010/main">
+                <a:effectLst>
+                  <a:outerShdw dist="35921" dir="2700000" algn="ctr" rotWithShape="0">
+                    <a:schemeClr val="bg2"/>
+                  </a:outerShdw>
+                </a:effectLst>
+              </a14:hiddenEffects>
+            </a:ext>
+          </a:extLst>
+        </p:spPr>
+        <p:txBody>
+          <a:bodyPr vert="horz" wrap="square" lIns="91440" tIns="45720" rIns="91440" bIns="45720" numCol="1" anchor="ctr" anchorCtr="0" compatLnSpc="1">
+            <a:prstTxWarp prst="textNoShape">
+              <a:avLst/>
+            </a:prstTxWarp>
+            <a:spAutoFit/>
+          </a:bodyPr>
+          <a:lstStyle/>
+          <a:p>
+            <a:pPr marL="0" marR="0" lvl="0" indent="0" algn="r" defTabSz="914400" rtl="1" eaLnBrk="0" fontAlgn="base" latinLnBrk="0" hangingPunct="0">
+              <a:lnSpc>
+                <a:spcPct val="100000"/>
+              </a:lnSpc>
+              <a:spcBef>
+                <a:spcPct val="0"/>
+              </a:spcBef>
+              <a:spcAft>
+                <a:spcPct val="0"/>
+              </a:spcAft>
+              <a:buClrTx/>
+              <a:buSzTx/>
+              <a:buFontTx/>
+              <a:buNone/>
+              <a:tabLst/>
+            </a:pPr>
+            <a:r>
+              <a:rPr lang="he-IL" altLang="he-IL" sz="2400" spc="50" dirty="0">
+                <a:latin typeface="Segoe UI Light" panose="020B0502040204020203" pitchFamily="34" charset="0"/>
+                <a:cs typeface="Segoe UI Light" panose="020B0502040204020203" pitchFamily="34" charset="0"/>
+              </a:rPr>
+              <a:t>כדי לבצע את הניסויים כתבנו קוד שמבצע אוטומציה של אינטראקציה עם </a:t>
+            </a:r>
+            <a:r>
+              <a:rPr lang="he-IL" altLang="he-IL" sz="2400" spc="50" dirty="0" err="1">
+                <a:latin typeface="Segoe UI Light" panose="020B0502040204020203" pitchFamily="34" charset="0"/>
+                <a:cs typeface="Segoe UI Light" panose="020B0502040204020203" pitchFamily="34" charset="0"/>
+              </a:rPr>
+              <a:t>ChatGPT</a:t>
+            </a:r>
+            <a:endParaRPr lang="he-IL" altLang="he-IL" sz="2400" spc="50" dirty="0">
+              <a:latin typeface="Segoe UI Light" panose="020B0502040204020203" pitchFamily="34" charset="0"/>
+              <a:cs typeface="Segoe UI Light" panose="020B0502040204020203" pitchFamily="34" charset="0"/>
+            </a:endParaRPr>
+          </a:p>
+          <a:p>
+            <a:pPr marL="0" marR="0" lvl="0" indent="0" algn="r" defTabSz="914400" rtl="1" eaLnBrk="0" fontAlgn="base" latinLnBrk="0" hangingPunct="0">
+              <a:lnSpc>
+                <a:spcPct val="100000"/>
+              </a:lnSpc>
+              <a:spcBef>
+                <a:spcPct val="0"/>
+              </a:spcBef>
+              <a:spcAft>
+                <a:spcPct val="0"/>
+              </a:spcAft>
+              <a:buClrTx/>
+              <a:buSzTx/>
+              <a:buFontTx/>
+              <a:buNone/>
+              <a:tabLst/>
+            </a:pPr>
+            <a:r>
+              <a:rPr lang="he-IL" altLang="he-IL" sz="2400" spc="50" dirty="0">
+                <a:latin typeface="Segoe UI Light" panose="020B0502040204020203" pitchFamily="34" charset="0"/>
+                <a:cs typeface="Segoe UI Light" panose="020B0502040204020203" pitchFamily="34" charset="0"/>
+              </a:rPr>
+              <a:t>הקוד יוצר ממשק גרפי בעזרת </a:t>
+            </a:r>
+            <a:r>
+              <a:rPr lang="he-IL" altLang="he-IL" sz="2400" spc="50" dirty="0" err="1">
+                <a:latin typeface="Segoe UI Light" panose="020B0502040204020203" pitchFamily="34" charset="0"/>
+                <a:cs typeface="Segoe UI Light" panose="020B0502040204020203" pitchFamily="34" charset="0"/>
+              </a:rPr>
+              <a:t>Tkinter</a:t>
+            </a:r>
+            <a:r>
+              <a:rPr lang="he-IL" altLang="he-IL" sz="2400" spc="50" dirty="0">
+                <a:latin typeface="Segoe UI Light" panose="020B0502040204020203" pitchFamily="34" charset="0"/>
+                <a:cs typeface="Segoe UI Light" panose="020B0502040204020203" pitchFamily="34" charset="0"/>
+              </a:rPr>
+              <a:t> שבו המשתמש יכול להזין את שם המשתמש והסיסמה שלו ל-</a:t>
+            </a:r>
+            <a:r>
+              <a:rPr lang="he-IL" altLang="he-IL" sz="2400" spc="50" dirty="0" err="1">
+                <a:latin typeface="Segoe UI Light" panose="020B0502040204020203" pitchFamily="34" charset="0"/>
+                <a:cs typeface="Segoe UI Light" panose="020B0502040204020203" pitchFamily="34" charset="0"/>
+              </a:rPr>
+              <a:t>ChatGPT</a:t>
+            </a:r>
+            <a:r>
+              <a:rPr lang="he-IL" altLang="he-IL" sz="2400" spc="50" dirty="0">
+                <a:latin typeface="Segoe UI Light" panose="020B0502040204020203" pitchFamily="34" charset="0"/>
+                <a:cs typeface="Segoe UI Light" panose="020B0502040204020203" pitchFamily="34" charset="0"/>
+              </a:rPr>
+              <a:t>, לקבוע את מספר החזרות, ולבחור קובץ </a:t>
+            </a:r>
+            <a:r>
+              <a:rPr lang="he-IL" altLang="he-IL" sz="2400" spc="50" dirty="0" err="1">
+                <a:latin typeface="Segoe UI Light" panose="020B0502040204020203" pitchFamily="34" charset="0"/>
+                <a:cs typeface="Segoe UI Light" panose="020B0502040204020203" pitchFamily="34" charset="0"/>
+              </a:rPr>
+              <a:t>Excel</a:t>
+            </a:r>
+            <a:r>
+              <a:rPr lang="he-IL" altLang="he-IL" sz="2400" spc="50" dirty="0">
+                <a:latin typeface="Segoe UI Light" panose="020B0502040204020203" pitchFamily="34" charset="0"/>
+                <a:cs typeface="Segoe UI Light" panose="020B0502040204020203" pitchFamily="34" charset="0"/>
+              </a:rPr>
+              <a:t> עם השאלות. לחיצה על כפתור "התחל" מפעילה את התהליך כולו.</a:t>
+            </a:r>
+          </a:p>
+          <a:p>
+            <a:pPr marL="0" marR="0" lvl="0" indent="0" algn="r" defTabSz="914400" rtl="1" eaLnBrk="0" fontAlgn="base" latinLnBrk="0" hangingPunct="0">
+              <a:lnSpc>
+                <a:spcPct val="100000"/>
+              </a:lnSpc>
+              <a:spcBef>
+                <a:spcPct val="0"/>
+              </a:spcBef>
+              <a:spcAft>
+                <a:spcPct val="0"/>
+              </a:spcAft>
+              <a:buClrTx/>
+              <a:buSzTx/>
+              <a:buFontTx/>
+              <a:buNone/>
+              <a:tabLst/>
+            </a:pPr>
+            <a:endParaRPr kumimoji="0" lang="he-IL" altLang="he-IL" sz="1800" b="0" i="0" u="none" strike="noStrike" cap="none" normalizeH="0" baseline="0" dirty="0">
+              <a:ln>
+                <a:noFill/>
+              </a:ln>
+              <a:solidFill>
+                <a:schemeClr val="tx1"/>
+              </a:solidFill>
+              <a:effectLst/>
+              <a:latin typeface="Arial" panose="020B0604020202020204" pitchFamily="34" charset="0"/>
+            </a:endParaRPr>
           </a:p>
         </p:txBody>
       </p:sp>
     </p:spTree>
     <p:extLst>
       <p:ext uri="{BB962C8B-B14F-4D97-AF65-F5344CB8AC3E}">
-        <p14:creationId xmlns:p14="http://schemas.microsoft.com/office/powerpoint/2010/main" val="2422479522"/>
+        <p14:creationId xmlns:p14="http://schemas.microsoft.com/office/powerpoint/2010/main" val="3142920438"/>
       </p:ext>
     </p:extLst>
   </p:cSld>
@@ -9087,171 +9246,549 @@
       </p:grpSpPr>
       <p:sp>
         <p:nvSpPr>
-          <p:cNvPr id="17" name="Title 1">
-            <a:extLst>
-              <a:ext uri="{FF2B5EF4-FFF2-40B4-BE49-F238E27FC236}">
-                <a16:creationId xmlns:a16="http://schemas.microsoft.com/office/drawing/2014/main" id="{09140014-73D5-419B-8867-972BB18D52D4}"/>
-              </a:ext>
-            </a:extLst>
-          </p:cNvPr>
-          <p:cNvSpPr>
-            <a:spLocks noGrp="1"/>
-          </p:cNvSpPr>
-          <p:nvPr>
-            <p:ph type="ctrTitle"/>
-          </p:nvPr>
-        </p:nvSpPr>
-        <p:spPr>
-          <a:xfrm>
-            <a:off x="4267200" y="556556"/>
-            <a:ext cx="4179570" cy="1524735"/>
-          </a:xfrm>
-        </p:spPr>
-        <p:txBody>
-          <a:bodyPr anchor="b">
-            <a:normAutofit/>
+          <p:cNvPr id="2" name="כותרת 1">
+            <a:extLst>
+              <a:ext uri="{FF2B5EF4-FFF2-40B4-BE49-F238E27FC236}">
+                <a16:creationId xmlns:a16="http://schemas.microsoft.com/office/drawing/2014/main" id="{95A03BF6-C91F-37E7-5B5C-FC9F50B329CA}"/>
+              </a:ext>
+            </a:extLst>
+          </p:cNvPr>
+          <p:cNvSpPr>
+            <a:spLocks noGrp="1"/>
+          </p:cNvSpPr>
+          <p:nvPr>
+            <p:ph type="title"/>
+          </p:nvPr>
+        </p:nvSpPr>
+        <p:spPr/>
+        <p:txBody>
+          <a:bodyPr/>
+          <a:lstStyle/>
+          <a:p>
+            <a:endParaRPr lang="he-IL"/>
+          </a:p>
+        </p:txBody>
+      </p:sp>
+      <p:sp>
+        <p:nvSpPr>
+          <p:cNvPr id="3" name="מציין מיקום טקסט 2">
+            <a:extLst>
+              <a:ext uri="{FF2B5EF4-FFF2-40B4-BE49-F238E27FC236}">
+                <a16:creationId xmlns:a16="http://schemas.microsoft.com/office/drawing/2014/main" id="{C4DB55F7-BE96-3699-A038-A01EEA07BFED}"/>
+              </a:ext>
+            </a:extLst>
+          </p:cNvPr>
+          <p:cNvSpPr>
+            <a:spLocks noGrp="1"/>
+          </p:cNvSpPr>
+          <p:nvPr>
+            <p:ph type="body" idx="1"/>
+          </p:nvPr>
+        </p:nvSpPr>
+        <p:spPr/>
+        <p:txBody>
+          <a:bodyPr/>
+          <a:lstStyle/>
+          <a:p>
+            <a:endParaRPr lang="he-IL"/>
+          </a:p>
+        </p:txBody>
+      </p:sp>
+      <p:sp>
+        <p:nvSpPr>
+          <p:cNvPr id="4" name="מציין מיקום תוכן 3">
+            <a:extLst>
+              <a:ext uri="{FF2B5EF4-FFF2-40B4-BE49-F238E27FC236}">
+                <a16:creationId xmlns:a16="http://schemas.microsoft.com/office/drawing/2014/main" id="{77F301F6-3134-5010-173E-F8F820DEE373}"/>
+              </a:ext>
+            </a:extLst>
+          </p:cNvPr>
+          <p:cNvSpPr>
+            <a:spLocks noGrp="1"/>
+          </p:cNvSpPr>
+          <p:nvPr>
+            <p:ph sz="half" idx="2"/>
+          </p:nvPr>
+        </p:nvSpPr>
+        <p:spPr/>
+        <p:txBody>
+          <a:bodyPr/>
+          <a:lstStyle/>
+          <a:p>
+            <a:endParaRPr lang="he-IL"/>
+          </a:p>
+        </p:txBody>
+      </p:sp>
+      <p:sp>
+        <p:nvSpPr>
+          <p:cNvPr id="7" name="מציין מיקום של מספר שקופית 6">
+            <a:extLst>
+              <a:ext uri="{FF2B5EF4-FFF2-40B4-BE49-F238E27FC236}">
+                <a16:creationId xmlns:a16="http://schemas.microsoft.com/office/drawing/2014/main" id="{93C9227D-F6F8-BCC9-22A9-038A48EEB538}"/>
+              </a:ext>
+            </a:extLst>
+          </p:cNvPr>
+          <p:cNvSpPr>
+            <a:spLocks noGrp="1"/>
+          </p:cNvSpPr>
+          <p:nvPr>
+            <p:ph type="sldNum" sz="quarter" idx="12"/>
+          </p:nvPr>
+        </p:nvSpPr>
+        <p:spPr/>
+        <p:txBody>
+          <a:bodyPr/>
+          <a:lstStyle/>
+          <a:p>
+            <a:fld id="{A49DFD55-3C28-40EF-9E31-A92D2E4017FF}" type="slidenum">
+              <a:rPr lang="en-US" smtClean="0"/>
+              <a:pPr/>
+              <a:t>16</a:t>
+            </a:fld>
+            <a:endParaRPr lang="en-US" dirty="0"/>
+          </a:p>
+        </p:txBody>
+      </p:sp>
+      <p:sp>
+        <p:nvSpPr>
+          <p:cNvPr id="8" name="Rectangle 1">
+            <a:extLst>
+              <a:ext uri="{FF2B5EF4-FFF2-40B4-BE49-F238E27FC236}">
+                <a16:creationId xmlns:a16="http://schemas.microsoft.com/office/drawing/2014/main" id="{286DD679-73EF-D817-DDB2-A79745C767AF}"/>
+              </a:ext>
+            </a:extLst>
+          </p:cNvPr>
+          <p:cNvSpPr txBox="1">
+            <a:spLocks noChangeArrowheads="1"/>
+          </p:cNvSpPr>
+          <p:nvPr/>
+        </p:nvSpPr>
+        <p:spPr bwMode="auto">
+          <a:xfrm>
+            <a:off x="7054514" y="1900543"/>
+            <a:ext cx="4329152" cy="2585323"/>
+          </a:xfrm>
+          <a:prstGeom prst="rect">
+            <a:avLst/>
+          </a:prstGeom>
+          <a:noFill/>
+          <a:ln>
+            <a:noFill/>
+          </a:ln>
+          <a:effectLst/>
+          <a:extLst>
+            <a:ext uri="{909E8E84-426E-40DD-AFC4-6F175D3DCCD1}">
+              <a14:hiddenFill xmlns:a14="http://schemas.microsoft.com/office/drawing/2010/main">
+                <a:solidFill>
+                  <a:schemeClr val="accent1"/>
+                </a:solidFill>
+              </a14:hiddenFill>
+            </a:ext>
+            <a:ext uri="{91240B29-F687-4F45-9708-019B960494DF}">
+              <a14:hiddenLine xmlns:a14="http://schemas.microsoft.com/office/drawing/2010/main" w="9525">
+                <a:solidFill>
+                  <a:schemeClr val="tx1"/>
+                </a:solidFill>
+                <a:miter lim="800000"/>
+                <a:headEnd/>
+                <a:tailEnd/>
+              </a14:hiddenLine>
+            </a:ext>
+            <a:ext uri="{AF507438-7753-43E0-B8FC-AC1667EBCBE1}">
+              <a14:hiddenEffects xmlns:a14="http://schemas.microsoft.com/office/drawing/2010/main">
+                <a:effectLst>
+                  <a:outerShdw dist="35921" dir="2700000" algn="ctr" rotWithShape="0">
+                    <a:schemeClr val="bg2"/>
+                  </a:outerShdw>
+                </a:effectLst>
+              </a14:hiddenEffects>
+            </a:ext>
+          </a:extLst>
+        </p:spPr>
+        <p:txBody>
+          <a:bodyPr vert="horz" wrap="square" lIns="91440" tIns="45720" rIns="91440" bIns="45720" numCol="1" rtlCol="0" anchor="ctr" anchorCtr="0" compatLnSpc="1">
+            <a:prstTxWarp prst="textNoShape">
+              <a:avLst/>
+            </a:prstTxWarp>
+            <a:spAutoFit/>
+          </a:bodyPr>
+          <a:lstStyle>
+            <a:lvl1pPr marL="0" indent="0" algn="l" defTabSz="914400" rtl="0" eaLnBrk="1" latinLnBrk="0" hangingPunct="1">
+              <a:lnSpc>
+                <a:spcPct val="100000"/>
+              </a:lnSpc>
+              <a:spcBef>
+                <a:spcPts val="1000"/>
+              </a:spcBef>
+              <a:buFont typeface="Arial" panose="020B0604020202020204" pitchFamily="34" charset="0"/>
+              <a:buNone/>
+              <a:defRPr sz="1800" b="0" kern="1200" spc="50" baseline="0">
+                <a:solidFill>
+                  <a:schemeClr val="tx1"/>
+                </a:solidFill>
+                <a:latin typeface="+mn-lt"/>
+                <a:ea typeface="+mn-ea"/>
+                <a:cs typeface="+mn-cs"/>
+              </a:defRPr>
+            </a:lvl1pPr>
+            <a:lvl2pPr marL="283464" indent="-285750" algn="l" defTabSz="914400" rtl="0" eaLnBrk="1" latinLnBrk="0" hangingPunct="1">
+              <a:lnSpc>
+                <a:spcPct val="100000"/>
+              </a:lnSpc>
+              <a:spcBef>
+                <a:spcPts val="1000"/>
+              </a:spcBef>
+              <a:buFont typeface="Arial" panose="020B0604020202020204" pitchFamily="34" charset="0"/>
+              <a:buChar char="•"/>
+              <a:defRPr sz="1800" kern="1200" spc="50" baseline="0">
+                <a:solidFill>
+                  <a:schemeClr val="tx1"/>
+                </a:solidFill>
+                <a:latin typeface="+mn-lt"/>
+                <a:ea typeface="+mn-ea"/>
+                <a:cs typeface="+mn-cs"/>
+              </a:defRPr>
+            </a:lvl2pPr>
+            <a:lvl3pPr marL="566928" indent="-285750" algn="l" defTabSz="914400" rtl="0" eaLnBrk="1" latinLnBrk="0" hangingPunct="1">
+              <a:lnSpc>
+                <a:spcPct val="100000"/>
+              </a:lnSpc>
+              <a:spcBef>
+                <a:spcPts val="1000"/>
+              </a:spcBef>
+              <a:buFont typeface="Arial" panose="020B0604020202020204" pitchFamily="34" charset="0"/>
+              <a:buChar char="•"/>
+              <a:defRPr sz="1800" kern="1200" spc="50" baseline="0">
+                <a:solidFill>
+                  <a:schemeClr val="tx1"/>
+                </a:solidFill>
+                <a:latin typeface="+mn-lt"/>
+                <a:ea typeface="+mn-ea"/>
+                <a:cs typeface="+mn-cs"/>
+              </a:defRPr>
+            </a:lvl3pPr>
+            <a:lvl4pPr marL="859536" indent="-285750" algn="l" defTabSz="914400" rtl="0" eaLnBrk="1" latinLnBrk="0" hangingPunct="1">
+              <a:lnSpc>
+                <a:spcPct val="100000"/>
+              </a:lnSpc>
+              <a:spcBef>
+                <a:spcPts val="1000"/>
+              </a:spcBef>
+              <a:buFont typeface="Arial" panose="020B0604020202020204" pitchFamily="34" charset="0"/>
+              <a:buChar char="•"/>
+              <a:defRPr sz="1800" kern="1200" spc="50" baseline="0">
+                <a:solidFill>
+                  <a:schemeClr val="tx1"/>
+                </a:solidFill>
+                <a:latin typeface="+mn-lt"/>
+                <a:ea typeface="+mn-ea"/>
+                <a:cs typeface="+mn-cs"/>
+              </a:defRPr>
+            </a:lvl4pPr>
+            <a:lvl5pPr marL="1152144" indent="-285750" algn="l" defTabSz="914400" rtl="0" eaLnBrk="1" latinLnBrk="0" hangingPunct="1">
+              <a:lnSpc>
+                <a:spcPct val="100000"/>
+              </a:lnSpc>
+              <a:spcBef>
+                <a:spcPts val="1000"/>
+              </a:spcBef>
+              <a:buFont typeface="Arial" panose="020B0604020202020204" pitchFamily="34" charset="0"/>
+              <a:buChar char="•"/>
+              <a:defRPr sz="1800" kern="1200" spc="50" baseline="0">
+                <a:solidFill>
+                  <a:schemeClr val="tx1"/>
+                </a:solidFill>
+                <a:latin typeface="+mn-lt"/>
+                <a:ea typeface="+mn-ea"/>
+                <a:cs typeface="+mn-cs"/>
+              </a:defRPr>
+            </a:lvl5pPr>
+            <a:lvl6pPr marL="2514600" indent="-228600" algn="l" defTabSz="914400" rtl="0" eaLnBrk="1" latinLnBrk="0" hangingPunct="1">
+              <a:lnSpc>
+                <a:spcPct val="90000"/>
+              </a:lnSpc>
+              <a:spcBef>
+                <a:spcPts val="500"/>
+              </a:spcBef>
+              <a:buFont typeface="Arial" panose="020B0604020202020204" pitchFamily="34" charset="0"/>
+              <a:buChar char="•"/>
+              <a:defRPr sz="1800" kern="1200">
+                <a:solidFill>
+                  <a:schemeClr val="tx1"/>
+                </a:solidFill>
+                <a:latin typeface="+mn-lt"/>
+                <a:ea typeface="+mn-ea"/>
+                <a:cs typeface="+mn-cs"/>
+              </a:defRPr>
+            </a:lvl6pPr>
+            <a:lvl7pPr marL="2971800" indent="-228600" algn="l" defTabSz="914400" rtl="0" eaLnBrk="1" latinLnBrk="0" hangingPunct="1">
+              <a:lnSpc>
+                <a:spcPct val="90000"/>
+              </a:lnSpc>
+              <a:spcBef>
+                <a:spcPts val="500"/>
+              </a:spcBef>
+              <a:buFont typeface="Arial" panose="020B0604020202020204" pitchFamily="34" charset="0"/>
+              <a:buChar char="•"/>
+              <a:defRPr sz="1800" kern="1200">
+                <a:solidFill>
+                  <a:schemeClr val="tx1"/>
+                </a:solidFill>
+                <a:latin typeface="+mn-lt"/>
+                <a:ea typeface="+mn-ea"/>
+                <a:cs typeface="+mn-cs"/>
+              </a:defRPr>
+            </a:lvl7pPr>
+            <a:lvl8pPr marL="3429000" indent="-228600" algn="l" defTabSz="914400" rtl="0" eaLnBrk="1" latinLnBrk="0" hangingPunct="1">
+              <a:lnSpc>
+                <a:spcPct val="90000"/>
+              </a:lnSpc>
+              <a:spcBef>
+                <a:spcPts val="500"/>
+              </a:spcBef>
+              <a:buFont typeface="Arial" panose="020B0604020202020204" pitchFamily="34" charset="0"/>
+              <a:buChar char="•"/>
+              <a:defRPr sz="1800" kern="1200">
+                <a:solidFill>
+                  <a:schemeClr val="tx1"/>
+                </a:solidFill>
+                <a:latin typeface="+mn-lt"/>
+                <a:ea typeface="+mn-ea"/>
+                <a:cs typeface="+mn-cs"/>
+              </a:defRPr>
+            </a:lvl8pPr>
+            <a:lvl9pPr marL="3886200" indent="-228600" algn="l" defTabSz="914400" rtl="0" eaLnBrk="1" latinLnBrk="0" hangingPunct="1">
+              <a:lnSpc>
+                <a:spcPct val="90000"/>
+              </a:lnSpc>
+              <a:spcBef>
+                <a:spcPts val="500"/>
+              </a:spcBef>
+              <a:buFont typeface="Arial" panose="020B0604020202020204" pitchFamily="34" charset="0"/>
+              <a:buChar char="•"/>
+              <a:defRPr sz="1800" kern="1200">
+                <a:solidFill>
+                  <a:schemeClr val="tx1"/>
+                </a:solidFill>
+                <a:latin typeface="+mn-lt"/>
+                <a:ea typeface="+mn-ea"/>
+                <a:cs typeface="+mn-cs"/>
+              </a:defRPr>
+            </a:lvl9pPr>
+          </a:lstStyle>
+          <a:p>
+            <a:pPr algn="r" rtl="1" eaLnBrk="0" fontAlgn="base" hangingPunct="0">
+              <a:spcBef>
+                <a:spcPct val="0"/>
+              </a:spcBef>
+              <a:spcAft>
+                <a:spcPct val="0"/>
+              </a:spcAft>
+            </a:pPr>
+            <a:r>
+              <a:rPr lang="he-IL" altLang="he-IL" sz="2400" dirty="0">
+                <a:latin typeface="Segoe UI Light" panose="020B0502040204020203" pitchFamily="34" charset="0"/>
+                <a:cs typeface="Segoe UI Light" panose="020B0502040204020203" pitchFamily="34" charset="0"/>
+              </a:rPr>
+              <a:t>הפונקציה </a:t>
+            </a:r>
+            <a:r>
+              <a:rPr lang="he-IL" altLang="he-IL" sz="2400" dirty="0" err="1">
+                <a:latin typeface="Segoe UI Light" panose="020B0502040204020203" pitchFamily="34" charset="0"/>
+                <a:cs typeface="Segoe UI Light" panose="020B0502040204020203" pitchFamily="34" charset="0"/>
+              </a:rPr>
+              <a:t>OpenGPT</a:t>
+            </a:r>
+            <a:r>
+              <a:rPr lang="he-IL" altLang="he-IL" sz="2400" dirty="0">
+                <a:latin typeface="Segoe UI Light" panose="020B0502040204020203" pitchFamily="34" charset="0"/>
+                <a:cs typeface="Segoe UI Light" panose="020B0502040204020203" pitchFamily="34" charset="0"/>
+              </a:rPr>
+              <a:t> מגדירה את דפדפן ה-</a:t>
+            </a:r>
+            <a:r>
+              <a:rPr lang="he-IL" altLang="he-IL" sz="2400" dirty="0" err="1">
+                <a:latin typeface="Segoe UI Light" panose="020B0502040204020203" pitchFamily="34" charset="0"/>
+                <a:cs typeface="Segoe UI Light" panose="020B0502040204020203" pitchFamily="34" charset="0"/>
+              </a:rPr>
+              <a:t>WebDriver</a:t>
+            </a:r>
+            <a:r>
+              <a:rPr lang="he-IL" altLang="he-IL" sz="2400" dirty="0">
+                <a:latin typeface="Segoe UI Light" panose="020B0502040204020203" pitchFamily="34" charset="0"/>
+                <a:cs typeface="Segoe UI Light" panose="020B0502040204020203" pitchFamily="34" charset="0"/>
+              </a:rPr>
+              <a:t> של </a:t>
+            </a:r>
+            <a:r>
+              <a:rPr lang="he-IL" altLang="he-IL" sz="2400" dirty="0" err="1">
+                <a:latin typeface="Segoe UI Light" panose="020B0502040204020203" pitchFamily="34" charset="0"/>
+                <a:cs typeface="Segoe UI Light" panose="020B0502040204020203" pitchFamily="34" charset="0"/>
+              </a:rPr>
+              <a:t>Chrome</a:t>
+            </a:r>
+            <a:r>
+              <a:rPr lang="he-IL" altLang="he-IL" sz="2400" dirty="0">
+                <a:latin typeface="Segoe UI Light" panose="020B0502040204020203" pitchFamily="34" charset="0"/>
+                <a:cs typeface="Segoe UI Light" panose="020B0502040204020203" pitchFamily="34" charset="0"/>
+              </a:rPr>
+              <a:t> עם הגדרות מותאמות אישית, ניגשת לאתר </a:t>
+            </a:r>
+            <a:r>
+              <a:rPr lang="he-IL" altLang="he-IL" sz="2400" dirty="0" err="1">
+                <a:latin typeface="Segoe UI Light" panose="020B0502040204020203" pitchFamily="34" charset="0"/>
+                <a:cs typeface="Segoe UI Light" panose="020B0502040204020203" pitchFamily="34" charset="0"/>
+              </a:rPr>
+              <a:t>ChatGPT</a:t>
+            </a:r>
+            <a:r>
+              <a:rPr lang="he-IL" altLang="he-IL" sz="2400" dirty="0">
+                <a:latin typeface="Segoe UI Light" panose="020B0502040204020203" pitchFamily="34" charset="0"/>
+                <a:cs typeface="Segoe UI Light" panose="020B0502040204020203" pitchFamily="34" charset="0"/>
+              </a:rPr>
+              <a:t> ומבצעת כניסה באמצעות שם משתמש וסיסמה שסופקו.</a:t>
+            </a:r>
+          </a:p>
+          <a:p>
+            <a:pPr algn="r" rtl="1" eaLnBrk="0" fontAlgn="base" hangingPunct="0">
+              <a:spcBef>
+                <a:spcPct val="0"/>
+              </a:spcBef>
+              <a:spcAft>
+                <a:spcPct val="0"/>
+              </a:spcAft>
+              <a:buFontTx/>
+              <a:buNone/>
+            </a:pPr>
+            <a:endParaRPr lang="he-IL" altLang="he-IL" dirty="0">
+              <a:latin typeface="Arial" panose="020B0604020202020204" pitchFamily="34" charset="0"/>
+            </a:endParaRPr>
+          </a:p>
+        </p:txBody>
+      </p:sp>
+      <p:pic>
+        <p:nvPicPr>
+          <p:cNvPr id="10" name="תמונה 9">
+            <a:extLst>
+              <a:ext uri="{FF2B5EF4-FFF2-40B4-BE49-F238E27FC236}">
+                <a16:creationId xmlns:a16="http://schemas.microsoft.com/office/drawing/2014/main" id="{B977AE14-AC34-ECC4-BDB1-93E361FF16BE}"/>
+              </a:ext>
+            </a:extLst>
+          </p:cNvPr>
+          <p:cNvPicPr>
+            <a:picLocks noChangeAspect="1"/>
+          </p:cNvPicPr>
+          <p:nvPr/>
+        </p:nvPicPr>
+        <p:blipFill>
+          <a:blip r:embed="rId2"/>
+          <a:stretch>
+            <a:fillRect/>
+          </a:stretch>
+        </p:blipFill>
+        <p:spPr>
+          <a:xfrm>
+            <a:off x="1014761" y="4454987"/>
+            <a:ext cx="8836222" cy="2369714"/>
+          </a:xfrm>
+          <a:prstGeom prst="rect">
+            <a:avLst/>
+          </a:prstGeom>
+        </p:spPr>
+      </p:pic>
+      <p:pic>
+        <p:nvPicPr>
+          <p:cNvPr id="12" name="תמונה 11">
+            <a:extLst>
+              <a:ext uri="{FF2B5EF4-FFF2-40B4-BE49-F238E27FC236}">
+                <a16:creationId xmlns:a16="http://schemas.microsoft.com/office/drawing/2014/main" id="{0420CF8F-0E1B-DD00-BFB0-3BB3E1482F7D}"/>
+              </a:ext>
+            </a:extLst>
+          </p:cNvPr>
+          <p:cNvPicPr>
+            <a:picLocks noChangeAspect="1"/>
+          </p:cNvPicPr>
+          <p:nvPr/>
+        </p:nvPicPr>
+        <p:blipFill>
+          <a:blip r:embed="rId3"/>
+          <a:stretch>
+            <a:fillRect/>
+          </a:stretch>
+        </p:blipFill>
+        <p:spPr>
+          <a:xfrm>
+            <a:off x="138541" y="459071"/>
+            <a:ext cx="7054514" cy="3683493"/>
+          </a:xfrm>
+          <a:prstGeom prst="rect">
+            <a:avLst/>
+          </a:prstGeom>
+        </p:spPr>
+      </p:pic>
+      <p:sp>
+        <p:nvSpPr>
+          <p:cNvPr id="11" name="תיבת טקסט 10">
+            <a:extLst>
+              <a:ext uri="{FF2B5EF4-FFF2-40B4-BE49-F238E27FC236}">
+                <a16:creationId xmlns:a16="http://schemas.microsoft.com/office/drawing/2014/main" id="{B8322F67-7FE4-19EB-1377-F90B3FAE21B7}"/>
+              </a:ext>
+            </a:extLst>
+          </p:cNvPr>
+          <p:cNvSpPr txBox="1"/>
+          <p:nvPr/>
+        </p:nvSpPr>
+        <p:spPr>
+          <a:xfrm>
+            <a:off x="4845644" y="798492"/>
+            <a:ext cx="6094140" cy="461665"/>
+          </a:xfrm>
+          <a:prstGeom prst="rect">
+            <a:avLst/>
+          </a:prstGeom>
+          <a:noFill/>
+        </p:spPr>
+        <p:txBody>
+          <a:bodyPr wrap="square">
+            <a:spAutoFit/>
           </a:bodyPr>
           <a:lstStyle/>
           <a:p>
-            <a:r>
-              <a:rPr lang="he-IL" dirty="0"/>
-              <a:t>ציפיות </a:t>
-            </a:r>
-            <a:endParaRPr lang="en-US" dirty="0"/>
-          </a:p>
-        </p:txBody>
-      </p:sp>
-      <p:sp>
-        <p:nvSpPr>
-          <p:cNvPr id="20" name="Content Placeholder 3">
-            <a:extLst>
-              <a:ext uri="{FF2B5EF4-FFF2-40B4-BE49-F238E27FC236}">
-                <a16:creationId xmlns:a16="http://schemas.microsoft.com/office/drawing/2014/main" id="{33D8731E-4977-402E-8BFD-895B4D0544CC}"/>
-              </a:ext>
-            </a:extLst>
-          </p:cNvPr>
-          <p:cNvSpPr>
-            <a:spLocks noGrp="1"/>
-          </p:cNvSpPr>
-          <p:nvPr>
-            <p:ph type="subTitle" idx="1"/>
-          </p:nvPr>
-        </p:nvSpPr>
-        <p:spPr>
-          <a:xfrm>
-            <a:off x="4175760" y="2163683"/>
-            <a:ext cx="4179570" cy="2850181"/>
-          </a:xfrm>
-        </p:spPr>
-        <p:txBody>
-          <a:bodyPr>
-            <a:normAutofit/>
-          </a:bodyPr>
-          <a:lstStyle/>
-          <a:p>
-            <a:pPr marL="0" indent="0" algn="r">
-              <a:lnSpc>
-                <a:spcPct val="140000"/>
-              </a:lnSpc>
+            <a:pPr algn="r" rtl="1" eaLnBrk="0" fontAlgn="base" hangingPunct="0">
+              <a:spcBef>
+                <a:spcPct val="0"/>
+              </a:spcBef>
+              <a:spcAft>
+                <a:spcPct val="0"/>
+              </a:spcAft>
+              <a:buFontTx/>
               <a:buNone/>
             </a:pPr>
             <a:r>
-              <a:rPr lang="he-IL" sz="1500" dirty="0"/>
-              <a:t>התוצאות הצפויות לניסוי- </a:t>
-            </a:r>
-          </a:p>
-          <a:p>
-            <a:pPr marL="0" indent="0" algn="r" rtl="1">
-              <a:lnSpc>
-                <a:spcPct val="140000"/>
-              </a:lnSpc>
-              <a:buNone/>
-            </a:pPr>
-            <a:r>
-              <a:rPr lang="he-IL" sz="1500" dirty="0"/>
-              <a:t>יתגלה כי קיימת הטיה מגדרית בהתנהגות של המודל (</a:t>
-            </a:r>
-            <a:r>
-              <a:rPr lang="en-US" sz="1500" dirty="0"/>
+              <a:rPr lang="he-IL" altLang="he-IL" sz="2400" b="1" dirty="0">
+                <a:latin typeface="Segoe UI Light" panose="020B0502040204020203" pitchFamily="34" charset="0"/>
+                <a:cs typeface="Segoe UI Light" panose="020B0502040204020203" pitchFamily="34" charset="0"/>
+              </a:rPr>
+              <a:t>כניסה ל-</a:t>
+            </a:r>
+            <a:r>
+              <a:rPr lang="he-IL" altLang="he-IL" sz="2400" b="1" dirty="0" err="1">
+                <a:latin typeface="Segoe UI Light" panose="020B0502040204020203" pitchFamily="34" charset="0"/>
+                <a:cs typeface="Segoe UI Light" panose="020B0502040204020203" pitchFamily="34" charset="0"/>
+              </a:rPr>
               <a:t>ChatGPT</a:t>
             </a:r>
-            <a:r>
-              <a:rPr lang="he-IL" sz="1500" dirty="0"/>
-              <a:t>) שתחשוף הנחות או אסוציאציות מוטות המתיישרות עם סטריאוטיפים חברתיים.</a:t>
-            </a:r>
-          </a:p>
-          <a:p>
-            <a:pPr marL="0" indent="0" algn="r" rtl="1">
-              <a:lnSpc>
-                <a:spcPct val="140000"/>
-              </a:lnSpc>
-              <a:buNone/>
-            </a:pPr>
-            <a:r>
-              <a:rPr lang="he-IL" sz="1500" dirty="0"/>
-              <a:t>הניתוח צפוי להדגיש ש</a:t>
-            </a:r>
-            <a:r>
-              <a:rPr lang="en-US" sz="1500" dirty="0"/>
-              <a:t>LLMs</a:t>
-            </a:r>
-            <a:r>
-              <a:rPr lang="he-IL" sz="1500" dirty="0"/>
-              <a:t> נוטים להביע הנחות מוטות לגבי גברים ונשים שמשקפות תפיסות חברתיות יותר מאשר מציאות עובדתית.</a:t>
-            </a:r>
-          </a:p>
-        </p:txBody>
-      </p:sp>
-      <p:sp>
-        <p:nvSpPr>
-          <p:cNvPr id="9" name="Slide Number Placeholder 8">
-            <a:extLst>
-              <a:ext uri="{FF2B5EF4-FFF2-40B4-BE49-F238E27FC236}">
-                <a16:creationId xmlns:a16="http://schemas.microsoft.com/office/drawing/2014/main" id="{C396FFDC-ADE8-4009-A466-A81787258E88}"/>
-              </a:ext>
-            </a:extLst>
-          </p:cNvPr>
-          <p:cNvSpPr>
-            <a:spLocks noGrp="1"/>
-          </p:cNvSpPr>
-          <p:nvPr>
-            <p:ph type="sldNum" sz="quarter" idx="12"/>
-          </p:nvPr>
-        </p:nvSpPr>
-        <p:spPr>
-          <a:xfrm>
-            <a:off x="9579428" y="6356350"/>
-            <a:ext cx="1774371" cy="365125"/>
-          </a:xfrm>
-        </p:spPr>
-        <p:txBody>
-          <a:bodyPr anchor="ctr">
-            <a:normAutofit/>
-          </a:bodyPr>
-          <a:lstStyle/>
-          <a:p>
-            <a:pPr>
-              <a:spcAft>
-                <a:spcPts val="600"/>
-              </a:spcAft>
-            </a:pPr>
-            <a:fld id="{A49DFD55-3C28-40EF-9E31-A92D2E4017FF}" type="slidenum">
-              <a:rPr lang="en-US" smtClean="0"/>
-              <a:pPr>
-                <a:spcAft>
-                  <a:spcPts val="600"/>
-                </a:spcAft>
-              </a:pPr>
-              <a:t>16</a:t>
-            </a:fld>
-            <a:endParaRPr lang="en-US"/>
+            <a:endParaRPr lang="he-IL" altLang="he-IL" sz="2400" b="1" dirty="0">
+              <a:latin typeface="Segoe UI Light" panose="020B0502040204020203" pitchFamily="34" charset="0"/>
+              <a:cs typeface="Segoe UI Light" panose="020B0502040204020203" pitchFamily="34" charset="0"/>
+            </a:endParaRPr>
           </a:p>
         </p:txBody>
       </p:sp>
     </p:spTree>
     <p:extLst>
       <p:ext uri="{BB962C8B-B14F-4D97-AF65-F5344CB8AC3E}">
-        <p14:creationId xmlns:p14="http://schemas.microsoft.com/office/powerpoint/2010/main" val="2054691664"/>
+        <p14:creationId xmlns:p14="http://schemas.microsoft.com/office/powerpoint/2010/main" val="541149254"/>
       </p:ext>
     </p:extLst>
   </p:cSld>
@@ -9280,104 +9817,46 @@
       </p:grpSpPr>
       <p:sp>
         <p:nvSpPr>
-          <p:cNvPr id="17" name="Title 1">
-            <a:extLst>
-              <a:ext uri="{FF2B5EF4-FFF2-40B4-BE49-F238E27FC236}">
-                <a16:creationId xmlns:a16="http://schemas.microsoft.com/office/drawing/2014/main" id="{09140014-73D5-419B-8867-972BB18D52D4}"/>
-              </a:ext>
-            </a:extLst>
-          </p:cNvPr>
-          <p:cNvSpPr>
-            <a:spLocks noGrp="1"/>
-          </p:cNvSpPr>
-          <p:nvPr>
-            <p:ph type="title"/>
-          </p:nvPr>
-        </p:nvSpPr>
-        <p:spPr>
-          <a:xfrm>
-            <a:off x="567464" y="143523"/>
-            <a:ext cx="5655197" cy="557517"/>
-          </a:xfrm>
-        </p:spPr>
-        <p:txBody>
-          <a:bodyPr anchor="b"/>
+          <p:cNvPr id="4" name="מציין מיקום תוכן 3">
+            <a:extLst>
+              <a:ext uri="{FF2B5EF4-FFF2-40B4-BE49-F238E27FC236}">
+                <a16:creationId xmlns:a16="http://schemas.microsoft.com/office/drawing/2014/main" id="{1C376753-4EB3-28E4-2F9E-05F4F101A143}"/>
+              </a:ext>
+            </a:extLst>
+          </p:cNvPr>
+          <p:cNvSpPr>
+            <a:spLocks noGrp="1"/>
+          </p:cNvSpPr>
+          <p:nvPr>
+            <p:ph sz="half" idx="15"/>
+          </p:nvPr>
+        </p:nvSpPr>
+        <p:spPr/>
+        <p:txBody>
+          <a:bodyPr/>
           <a:lstStyle/>
           <a:p>
-            <a:pPr algn="r"/>
-            <a:r>
-              <a:rPr lang="en-US" dirty="0"/>
-              <a:t>Experiment process </a:t>
-            </a:r>
-          </a:p>
-        </p:txBody>
-      </p:sp>
-      <p:sp>
-        <p:nvSpPr>
-          <p:cNvPr id="20" name="Content Placeholder 3">
-            <a:extLst>
-              <a:ext uri="{FF2B5EF4-FFF2-40B4-BE49-F238E27FC236}">
-                <a16:creationId xmlns:a16="http://schemas.microsoft.com/office/drawing/2014/main" id="{33D8731E-4977-402E-8BFD-895B4D0544CC}"/>
-              </a:ext>
-            </a:extLst>
-          </p:cNvPr>
-          <p:cNvSpPr>
-            <a:spLocks noGrp="1"/>
-          </p:cNvSpPr>
-          <p:nvPr>
-            <p:ph sz="half" idx="2"/>
-          </p:nvPr>
-        </p:nvSpPr>
-        <p:spPr>
-          <a:xfrm>
-            <a:off x="567464" y="944880"/>
-            <a:ext cx="6183856" cy="3718755"/>
-          </a:xfrm>
-        </p:spPr>
-        <p:txBody>
-          <a:bodyPr>
-            <a:noAutofit/>
-          </a:bodyPr>
-          <a:lstStyle/>
-          <a:p>
-            <a:pPr marL="0" indent="0">
-              <a:buNone/>
-            </a:pPr>
-            <a:endParaRPr lang="en-GB" sz="800" dirty="0"/>
-          </a:p>
-          <a:p>
-            <a:pPr marL="0" indent="0" algn="r">
-              <a:buNone/>
-            </a:pPr>
-            <a:r>
-              <a:rPr lang="en-US" sz="1600" dirty="0"/>
-              <a:t>We created a code in python that runs ChatGPT multiple times</a:t>
-            </a:r>
-          </a:p>
-        </p:txBody>
-      </p:sp>
-      <p:sp>
-        <p:nvSpPr>
-          <p:cNvPr id="9" name="Slide Number Placeholder 8">
-            <a:extLst>
-              <a:ext uri="{FF2B5EF4-FFF2-40B4-BE49-F238E27FC236}">
-                <a16:creationId xmlns:a16="http://schemas.microsoft.com/office/drawing/2014/main" id="{C396FFDC-ADE8-4009-A466-A81787258E88}"/>
-              </a:ext>
-            </a:extLst>
-          </p:cNvPr>
-          <p:cNvSpPr>
-            <a:spLocks noGrp="1"/>
-          </p:cNvSpPr>
-          <p:nvPr>
-            <p:ph type="sldNum" sz="quarter" idx="12"/>
-          </p:nvPr>
-        </p:nvSpPr>
-        <p:spPr>
-          <a:xfrm>
-            <a:off x="8610600" y="6356350"/>
-            <a:ext cx="2743200" cy="365125"/>
-          </a:xfrm>
-        </p:spPr>
+            <a:endParaRPr lang="he-IL"/>
+          </a:p>
+        </p:txBody>
+      </p:sp>
+      <p:sp>
+        <p:nvSpPr>
+          <p:cNvPr id="7" name="מציין מיקום של מספר שקופית 6">
+            <a:extLst>
+              <a:ext uri="{FF2B5EF4-FFF2-40B4-BE49-F238E27FC236}">
+                <a16:creationId xmlns:a16="http://schemas.microsoft.com/office/drawing/2014/main" id="{7D886877-356C-A7FA-40F3-9EFD8B555F03}"/>
+              </a:ext>
+            </a:extLst>
+          </p:cNvPr>
+          <p:cNvSpPr>
+            <a:spLocks noGrp="1"/>
+          </p:cNvSpPr>
+          <p:nvPr>
+            <p:ph type="sldNum" sz="quarter" idx="13"/>
+          </p:nvPr>
+        </p:nvSpPr>
+        <p:spPr/>
         <p:txBody>
           <a:bodyPr/>
           <a:lstStyle/>
@@ -9391,10 +9870,242 @@
           </a:p>
         </p:txBody>
       </p:sp>
+      <p:sp>
+        <p:nvSpPr>
+          <p:cNvPr id="14" name="Rectangle 2">
+            <a:extLst>
+              <a:ext uri="{FF2B5EF4-FFF2-40B4-BE49-F238E27FC236}">
+                <a16:creationId xmlns:a16="http://schemas.microsoft.com/office/drawing/2014/main" id="{115FE7DB-D08B-A897-7419-8DFD222D8EDE}"/>
+              </a:ext>
+            </a:extLst>
+          </p:cNvPr>
+          <p:cNvSpPr>
+            <a:spLocks noGrp="1" noChangeArrowheads="1"/>
+          </p:cNvSpPr>
+          <p:nvPr>
+            <p:ph sz="half" idx="14"/>
+          </p:nvPr>
+        </p:nvSpPr>
+        <p:spPr bwMode="auto">
+          <a:xfrm>
+            <a:off x="4655015" y="1914707"/>
+            <a:ext cx="6309350" cy="1477328"/>
+          </a:xfrm>
+          <a:prstGeom prst="rect">
+            <a:avLst/>
+          </a:prstGeom>
+          <a:noFill/>
+          <a:ln>
+            <a:noFill/>
+          </a:ln>
+          <a:effectLst/>
+          <a:extLst>
+            <a:ext uri="{909E8E84-426E-40DD-AFC4-6F175D3DCCD1}">
+              <a14:hiddenFill xmlns:a14="http://schemas.microsoft.com/office/drawing/2010/main">
+                <a:solidFill>
+                  <a:schemeClr val="accent1"/>
+                </a:solidFill>
+              </a14:hiddenFill>
+            </a:ext>
+            <a:ext uri="{91240B29-F687-4F45-9708-019B960494DF}">
+              <a14:hiddenLine xmlns:a14="http://schemas.microsoft.com/office/drawing/2010/main" w="9525">
+                <a:solidFill>
+                  <a:schemeClr val="tx1"/>
+                </a:solidFill>
+                <a:miter lim="800000"/>
+                <a:headEnd/>
+                <a:tailEnd/>
+              </a14:hiddenLine>
+            </a:ext>
+            <a:ext uri="{AF507438-7753-43E0-B8FC-AC1667EBCBE1}">
+              <a14:hiddenEffects xmlns:a14="http://schemas.microsoft.com/office/drawing/2010/main">
+                <a:effectLst>
+                  <a:outerShdw dist="35921" dir="2700000" algn="ctr" rotWithShape="0">
+                    <a:schemeClr val="bg2"/>
+                  </a:outerShdw>
+                </a:effectLst>
+              </a14:hiddenEffects>
+            </a:ext>
+          </a:extLst>
+        </p:spPr>
+        <p:txBody>
+          <a:bodyPr vert="horz" wrap="square" lIns="91440" tIns="45720" rIns="91440" bIns="45720" numCol="1" anchor="ctr" anchorCtr="0" compatLnSpc="1">
+            <a:prstTxWarp prst="textNoShape">
+              <a:avLst/>
+            </a:prstTxWarp>
+            <a:spAutoFit/>
+          </a:bodyPr>
+          <a:lstStyle/>
+          <a:p>
+            <a:pPr marL="0" marR="0" lvl="0" indent="0" algn="r" defTabSz="914400" rtl="1" eaLnBrk="0" fontAlgn="base" latinLnBrk="0" hangingPunct="0">
+              <a:lnSpc>
+                <a:spcPct val="100000"/>
+              </a:lnSpc>
+              <a:spcBef>
+                <a:spcPct val="0"/>
+              </a:spcBef>
+              <a:spcAft>
+                <a:spcPct val="0"/>
+              </a:spcAft>
+              <a:buClrTx/>
+              <a:buSzTx/>
+              <a:buFontTx/>
+              <a:buNone/>
+              <a:tabLst/>
+            </a:pPr>
+            <a:r>
+              <a:rPr lang="he-IL" altLang="he-IL" sz="2400" dirty="0">
+                <a:latin typeface="Segoe UI Light" panose="020B0502040204020203" pitchFamily="34" charset="0"/>
+                <a:cs typeface="Segoe UI Light" panose="020B0502040204020203" pitchFamily="34" charset="0"/>
+              </a:rPr>
+              <a:t>הפונקציה </a:t>
+            </a:r>
+            <a:r>
+              <a:rPr lang="he-IL" altLang="he-IL" sz="2400" dirty="0" err="1">
+                <a:latin typeface="Segoe UI Light" panose="020B0502040204020203" pitchFamily="34" charset="0"/>
+                <a:cs typeface="Segoe UI Light" panose="020B0502040204020203" pitchFamily="34" charset="0"/>
+              </a:rPr>
+              <a:t>ChatGPT</a:t>
+            </a:r>
+            <a:r>
+              <a:rPr lang="he-IL" altLang="he-IL" sz="2400" dirty="0">
+                <a:latin typeface="Segoe UI Light" panose="020B0502040204020203" pitchFamily="34" charset="0"/>
+                <a:cs typeface="Segoe UI Light" panose="020B0502040204020203" pitchFamily="34" charset="0"/>
+              </a:rPr>
+              <a:t> שולחת שאלה ל-</a:t>
+            </a:r>
+            <a:r>
+              <a:rPr lang="he-IL" altLang="he-IL" sz="2400" dirty="0" err="1">
+                <a:latin typeface="Segoe UI Light" panose="020B0502040204020203" pitchFamily="34" charset="0"/>
+                <a:cs typeface="Segoe UI Light" panose="020B0502040204020203" pitchFamily="34" charset="0"/>
+              </a:rPr>
+              <a:t>ChatGPT</a:t>
+            </a:r>
+            <a:r>
+              <a:rPr lang="he-IL" altLang="he-IL" sz="2400" dirty="0">
+                <a:latin typeface="Segoe UI Light" panose="020B0502040204020203" pitchFamily="34" charset="0"/>
+                <a:cs typeface="Segoe UI Light" panose="020B0502040204020203" pitchFamily="34" charset="0"/>
+              </a:rPr>
+              <a:t> וממתינה לתשובה. התשובה מתקבלת ומעובדת כדי להסיר תוכן אחרי המילה "</a:t>
+            </a:r>
+            <a:r>
+              <a:rPr lang="he-IL" altLang="he-IL" sz="2400" dirty="0" err="1">
+                <a:latin typeface="Segoe UI Light" panose="020B0502040204020203" pitchFamily="34" charset="0"/>
+                <a:cs typeface="Segoe UI Light" panose="020B0502040204020203" pitchFamily="34" charset="0"/>
+              </a:rPr>
+              <a:t>bye</a:t>
+            </a:r>
+            <a:r>
+              <a:rPr lang="he-IL" altLang="he-IL" sz="2400" dirty="0">
+                <a:latin typeface="Segoe UI Light" panose="020B0502040204020203" pitchFamily="34" charset="0"/>
+                <a:cs typeface="Segoe UI Light" panose="020B0502040204020203" pitchFamily="34" charset="0"/>
+              </a:rPr>
+              <a:t>".</a:t>
+            </a:r>
+          </a:p>
+          <a:p>
+            <a:pPr marL="0" marR="0" lvl="0" indent="0" algn="r" defTabSz="914400" rtl="1" eaLnBrk="0" fontAlgn="base" latinLnBrk="0" hangingPunct="0">
+              <a:lnSpc>
+                <a:spcPct val="100000"/>
+              </a:lnSpc>
+              <a:spcBef>
+                <a:spcPct val="0"/>
+              </a:spcBef>
+              <a:spcAft>
+                <a:spcPct val="0"/>
+              </a:spcAft>
+              <a:buClrTx/>
+              <a:buSzTx/>
+              <a:buFontTx/>
+              <a:buNone/>
+              <a:tabLst/>
+            </a:pPr>
+            <a:endParaRPr kumimoji="0" lang="he-IL" altLang="he-IL" sz="1800" b="0" i="0" u="none" strike="noStrike" cap="none" normalizeH="0" baseline="0" dirty="0">
+              <a:ln>
+                <a:noFill/>
+              </a:ln>
+              <a:solidFill>
+                <a:schemeClr val="tx1"/>
+              </a:solidFill>
+              <a:effectLst/>
+              <a:latin typeface="Arial" panose="020B0604020202020204" pitchFamily="34" charset="0"/>
+            </a:endParaRPr>
+          </a:p>
+        </p:txBody>
+      </p:sp>
+      <p:pic>
+        <p:nvPicPr>
+          <p:cNvPr id="16" name="תמונה 15">
+            <a:extLst>
+              <a:ext uri="{FF2B5EF4-FFF2-40B4-BE49-F238E27FC236}">
+                <a16:creationId xmlns:a16="http://schemas.microsoft.com/office/drawing/2014/main" id="{B8451902-7610-7ED9-7E57-8D74C91E2D91}"/>
+              </a:ext>
+            </a:extLst>
+          </p:cNvPr>
+          <p:cNvPicPr>
+            <a:picLocks noChangeAspect="1"/>
+          </p:cNvPicPr>
+          <p:nvPr/>
+        </p:nvPicPr>
+        <p:blipFill>
+          <a:blip r:embed="rId2"/>
+          <a:stretch>
+            <a:fillRect/>
+          </a:stretch>
+        </p:blipFill>
+        <p:spPr>
+          <a:xfrm>
+            <a:off x="205570" y="3464622"/>
+            <a:ext cx="11155332" cy="2934109"/>
+          </a:xfrm>
+          <a:prstGeom prst="rect">
+            <a:avLst/>
+          </a:prstGeom>
+        </p:spPr>
+      </p:pic>
+      <p:sp>
+        <p:nvSpPr>
+          <p:cNvPr id="18" name="תיבת טקסט 17">
+            <a:extLst>
+              <a:ext uri="{FF2B5EF4-FFF2-40B4-BE49-F238E27FC236}">
+                <a16:creationId xmlns:a16="http://schemas.microsoft.com/office/drawing/2014/main" id="{CD885AC1-4BAC-9E79-B640-A2ADCD3ECB19}"/>
+              </a:ext>
+            </a:extLst>
+          </p:cNvPr>
+          <p:cNvSpPr txBox="1"/>
+          <p:nvPr/>
+        </p:nvSpPr>
+        <p:spPr>
+          <a:xfrm>
+            <a:off x="3384395" y="649180"/>
+            <a:ext cx="6099716" cy="523220"/>
+          </a:xfrm>
+          <a:prstGeom prst="rect">
+            <a:avLst/>
+          </a:prstGeom>
+          <a:noFill/>
+        </p:spPr>
+        <p:txBody>
+          <a:bodyPr wrap="square">
+            <a:spAutoFit/>
+          </a:bodyPr>
+          <a:lstStyle/>
+          <a:p>
+            <a:r>
+              <a:rPr lang="he-IL" altLang="he-IL" sz="2800" b="1" dirty="0">
+                <a:latin typeface="Segoe UI Light" panose="020B0502040204020203" pitchFamily="34" charset="0"/>
+                <a:cs typeface="Segoe UI Light" panose="020B0502040204020203" pitchFamily="34" charset="0"/>
+              </a:rPr>
+              <a:t>שליחת שאלות וקבלת תשובות</a:t>
+            </a:r>
+            <a:endParaRPr lang="he-IL" sz="2800" b="1" dirty="0"/>
+          </a:p>
+        </p:txBody>
+      </p:sp>
     </p:spTree>
     <p:extLst>
       <p:ext uri="{BB962C8B-B14F-4D97-AF65-F5344CB8AC3E}">
-        <p14:creationId xmlns:p14="http://schemas.microsoft.com/office/powerpoint/2010/main" val="4149410895"/>
+        <p14:creationId xmlns:p14="http://schemas.microsoft.com/office/powerpoint/2010/main" val="2616062170"/>
       </p:ext>
     </p:extLst>
   </p:cSld>
@@ -9423,10 +10134,10 @@
       </p:grpSpPr>
       <p:sp>
         <p:nvSpPr>
-          <p:cNvPr id="8" name="Title 2">
-            <a:extLst>
-              <a:ext uri="{FF2B5EF4-FFF2-40B4-BE49-F238E27FC236}">
-                <a16:creationId xmlns:a16="http://schemas.microsoft.com/office/drawing/2014/main" id="{3E5FEE2D-79E5-4C1D-8BF7-EE619CA7039A}"/>
+          <p:cNvPr id="2" name="כותרת 1">
+            <a:extLst>
+              <a:ext uri="{FF2B5EF4-FFF2-40B4-BE49-F238E27FC236}">
+                <a16:creationId xmlns:a16="http://schemas.microsoft.com/office/drawing/2014/main" id="{4B18E0FA-0B0A-FAC3-D31A-1F3A339EFA7F}"/>
               </a:ext>
             </a:extLst>
           </p:cNvPr>
@@ -9439,64 +10150,359 @@
         </p:nvSpPr>
         <p:spPr>
           <a:xfrm>
-            <a:off x="587365" y="432233"/>
-            <a:ext cx="7429500" cy="447039"/>
-          </a:xfrm>
-        </p:spPr>
-        <p:txBody>
-          <a:bodyPr anchor="b">
-            <a:normAutofit fontScale="90000"/>
+            <a:off x="713678" y="303503"/>
+            <a:ext cx="9132849" cy="1716048"/>
+          </a:xfrm>
+        </p:spPr>
+        <p:txBody>
+          <a:bodyPr/>
+          <a:lstStyle/>
+          <a:p>
+            <a:pPr algn="r" rtl="1"/>
+            <a:r>
+              <a:rPr lang="he-IL" altLang="he-IL" sz="2800" b="1" dirty="0">
+                <a:latin typeface="Segoe UI Light" panose="020B0502040204020203" pitchFamily="34" charset="0"/>
+                <a:cs typeface="Segoe UI Light" panose="020B0502040204020203" pitchFamily="34" charset="0"/>
+              </a:rPr>
+              <a:t>שמירת תשובות לקובץ </a:t>
+            </a:r>
+            <a:r>
+              <a:rPr lang="he-IL" altLang="he-IL" sz="2800" b="1" dirty="0" err="1">
+                <a:latin typeface="Segoe UI Light" panose="020B0502040204020203" pitchFamily="34" charset="0"/>
+                <a:cs typeface="Segoe UI Light" panose="020B0502040204020203" pitchFamily="34" charset="0"/>
+              </a:rPr>
+              <a:t>Excel</a:t>
+            </a:r>
+            <a:r>
+              <a:rPr lang="he-IL" altLang="he-IL" sz="2800" b="1" dirty="0">
+                <a:latin typeface="Segoe UI Light" panose="020B0502040204020203" pitchFamily="34" charset="0"/>
+                <a:cs typeface="Segoe UI Light" panose="020B0502040204020203" pitchFamily="34" charset="0"/>
+              </a:rPr>
+              <a:t> והמרתן למסמך </a:t>
+            </a:r>
+            <a:r>
+              <a:rPr lang="he-IL" altLang="he-IL" sz="2800" b="1" dirty="0" err="1">
+                <a:latin typeface="Segoe UI Light" panose="020B0502040204020203" pitchFamily="34" charset="0"/>
+                <a:cs typeface="Segoe UI Light" panose="020B0502040204020203" pitchFamily="34" charset="0"/>
+              </a:rPr>
+              <a:t>Word</a:t>
+            </a:r>
+            <a:r>
+              <a:rPr lang="he-IL" altLang="he-IL" sz="2800" b="1" dirty="0">
+                <a:latin typeface="Segoe UI Light" panose="020B0502040204020203" pitchFamily="34" charset="0"/>
+                <a:cs typeface="Segoe UI Light" panose="020B0502040204020203" pitchFamily="34" charset="0"/>
+              </a:rPr>
+              <a:t>:</a:t>
+            </a:r>
+            <a:br>
+              <a:rPr lang="he-IL" altLang="he-IL" sz="2800" b="1" dirty="0">
+                <a:latin typeface="Segoe UI Light" panose="020B0502040204020203" pitchFamily="34" charset="0"/>
+                <a:cs typeface="Segoe UI Light" panose="020B0502040204020203" pitchFamily="34" charset="0"/>
+              </a:rPr>
+            </a:br>
+            <a:endParaRPr lang="he-IL" b="1" dirty="0"/>
+          </a:p>
+        </p:txBody>
+      </p:sp>
+      <p:sp>
+        <p:nvSpPr>
+          <p:cNvPr id="3" name="מציין מיקום טקסט 2">
+            <a:extLst>
+              <a:ext uri="{FF2B5EF4-FFF2-40B4-BE49-F238E27FC236}">
+                <a16:creationId xmlns:a16="http://schemas.microsoft.com/office/drawing/2014/main" id="{620D75F9-ECA8-9A3E-6604-21E086C98894}"/>
+              </a:ext>
+            </a:extLst>
+          </p:cNvPr>
+          <p:cNvSpPr>
+            <a:spLocks noGrp="1"/>
+          </p:cNvSpPr>
+          <p:nvPr>
+            <p:ph type="body" idx="1"/>
+          </p:nvPr>
+        </p:nvSpPr>
+        <p:spPr/>
+        <p:txBody>
+          <a:bodyPr/>
+          <a:lstStyle/>
+          <a:p>
+            <a:endParaRPr lang="he-IL"/>
+          </a:p>
+        </p:txBody>
+      </p:sp>
+      <p:sp>
+        <p:nvSpPr>
+          <p:cNvPr id="7" name="מציין מיקום של מספר שקופית 6">
+            <a:extLst>
+              <a:ext uri="{FF2B5EF4-FFF2-40B4-BE49-F238E27FC236}">
+                <a16:creationId xmlns:a16="http://schemas.microsoft.com/office/drawing/2014/main" id="{19183772-D40A-934F-552B-D8BE6A53DCB2}"/>
+              </a:ext>
+            </a:extLst>
+          </p:cNvPr>
+          <p:cNvSpPr>
+            <a:spLocks noGrp="1"/>
+          </p:cNvSpPr>
+          <p:nvPr>
+            <p:ph type="sldNum" sz="quarter" idx="13"/>
+          </p:nvPr>
+        </p:nvSpPr>
+        <p:spPr/>
+        <p:txBody>
+          <a:bodyPr/>
+          <a:lstStyle/>
+          <a:p>
+            <a:fld id="{A49DFD55-3C28-40EF-9E31-A92D2E4017FF}" type="slidenum">
+              <a:rPr lang="en-US" smtClean="0"/>
+              <a:pPr/>
+              <a:t>18</a:t>
+            </a:fld>
+            <a:endParaRPr lang="en-US" dirty="0"/>
+          </a:p>
+        </p:txBody>
+      </p:sp>
+      <p:sp>
+        <p:nvSpPr>
+          <p:cNvPr id="8" name="Rectangle 1">
+            <a:extLst>
+              <a:ext uri="{FF2B5EF4-FFF2-40B4-BE49-F238E27FC236}">
+                <a16:creationId xmlns:a16="http://schemas.microsoft.com/office/drawing/2014/main" id="{DFF6ABB3-30A9-BF40-9FF2-B59F4D30E693}"/>
+              </a:ext>
+            </a:extLst>
+          </p:cNvPr>
+          <p:cNvSpPr>
+            <a:spLocks noGrp="1" noChangeArrowheads="1"/>
+          </p:cNvSpPr>
+          <p:nvPr>
+            <p:ph sz="half" idx="14"/>
+          </p:nvPr>
+        </p:nvSpPr>
+        <p:spPr bwMode="auto">
+          <a:xfrm>
+            <a:off x="7693179" y="1892924"/>
+            <a:ext cx="4021290" cy="3693319"/>
+          </a:xfrm>
+          <a:prstGeom prst="rect">
+            <a:avLst/>
+          </a:prstGeom>
+          <a:noFill/>
+          <a:ln>
+            <a:noFill/>
+          </a:ln>
+          <a:effectLst/>
+          <a:extLst>
+            <a:ext uri="{909E8E84-426E-40DD-AFC4-6F175D3DCCD1}">
+              <a14:hiddenFill xmlns:a14="http://schemas.microsoft.com/office/drawing/2010/main">
+                <a:solidFill>
+                  <a:schemeClr val="accent1"/>
+                </a:solidFill>
+              </a14:hiddenFill>
+            </a:ext>
+            <a:ext uri="{91240B29-F687-4F45-9708-019B960494DF}">
+              <a14:hiddenLine xmlns:a14="http://schemas.microsoft.com/office/drawing/2010/main" w="9525">
+                <a:solidFill>
+                  <a:schemeClr val="tx1"/>
+                </a:solidFill>
+                <a:miter lim="800000"/>
+                <a:headEnd/>
+                <a:tailEnd/>
+              </a14:hiddenLine>
+            </a:ext>
+            <a:ext uri="{AF507438-7753-43E0-B8FC-AC1667EBCBE1}">
+              <a14:hiddenEffects xmlns:a14="http://schemas.microsoft.com/office/drawing/2010/main">
+                <a:effectLst>
+                  <a:outerShdw dist="35921" dir="2700000" algn="ctr" rotWithShape="0">
+                    <a:schemeClr val="bg2"/>
+                  </a:outerShdw>
+                </a:effectLst>
+              </a14:hiddenEffects>
+            </a:ext>
+          </a:extLst>
+        </p:spPr>
+        <p:txBody>
+          <a:bodyPr vert="horz" wrap="square" lIns="91440" tIns="45720" rIns="91440" bIns="45720" numCol="1" anchor="ctr" anchorCtr="0" compatLnSpc="1">
+            <a:prstTxWarp prst="textNoShape">
+              <a:avLst/>
+            </a:prstTxWarp>
+            <a:spAutoFit/>
           </a:bodyPr>
           <a:lstStyle/>
           <a:p>
-            <a:r>
-              <a:rPr lang="en-US" dirty="0"/>
-              <a:t>example</a:t>
-            </a:r>
-          </a:p>
-        </p:txBody>
-      </p:sp>
-      <p:sp>
-        <p:nvSpPr>
-          <p:cNvPr id="17" name="Text Placeholder 4">
-            <a:extLst>
-              <a:ext uri="{FF2B5EF4-FFF2-40B4-BE49-F238E27FC236}">
-                <a16:creationId xmlns:a16="http://schemas.microsoft.com/office/drawing/2014/main" id="{ED6700D8-962B-FE7B-D8FE-35C67B8298F9}"/>
-              </a:ext>
-            </a:extLst>
-          </p:cNvPr>
-          <p:cNvSpPr>
-            <a:spLocks noGrp="1"/>
-          </p:cNvSpPr>
-          <p:nvPr>
-            <p:ph type="body" idx="10"/>
-          </p:nvPr>
-        </p:nvSpPr>
-        <p:spPr>
-          <a:xfrm>
-            <a:off x="814484" y="1096220"/>
-            <a:ext cx="6395710" cy="351284"/>
-          </a:xfrm>
-        </p:spPr>
-        <p:txBody>
-          <a:bodyPr>
-            <a:noAutofit/>
-          </a:bodyPr>
-          <a:lstStyle/>
-          <a:p>
-            <a:r>
-              <a:rPr lang="en-US" sz="1200" dirty="0"/>
-              <a:t>10 possible answered received for profile 1 with no specification for race and gender</a:t>
-            </a:r>
+            <a:pPr algn="r" rtl="1" eaLnBrk="0" fontAlgn="base" hangingPunct="0">
+              <a:spcBef>
+                <a:spcPct val="0"/>
+              </a:spcBef>
+              <a:spcAft>
+                <a:spcPct val="0"/>
+              </a:spcAft>
+              <a:buFontTx/>
+              <a:buChar char="•"/>
+            </a:pPr>
+            <a:r>
+              <a:rPr lang="he-IL" altLang="he-IL" sz="2400" dirty="0">
+                <a:latin typeface="Segoe UI Light" panose="020B0502040204020203" pitchFamily="34" charset="0"/>
+                <a:cs typeface="Segoe UI Light" panose="020B0502040204020203" pitchFamily="34" charset="0"/>
+              </a:rPr>
+              <a:t>הפונקציה </a:t>
+            </a:r>
+            <a:r>
+              <a:rPr lang="he-IL" altLang="he-IL" sz="2400" dirty="0" err="1">
+                <a:latin typeface="Segoe UI Light" panose="020B0502040204020203" pitchFamily="34" charset="0"/>
+                <a:cs typeface="Segoe UI Light" panose="020B0502040204020203" pitchFamily="34" charset="0"/>
+              </a:rPr>
+              <a:t>SaveToFile</a:t>
+            </a:r>
+            <a:r>
+              <a:rPr lang="he-IL" altLang="he-IL" sz="2400" dirty="0">
+                <a:latin typeface="Segoe UI Light" panose="020B0502040204020203" pitchFamily="34" charset="0"/>
+                <a:cs typeface="Segoe UI Light" panose="020B0502040204020203" pitchFamily="34" charset="0"/>
+              </a:rPr>
+              <a:t> קוראת שאלות מקובץ </a:t>
+            </a:r>
+            <a:r>
+              <a:rPr lang="he-IL" altLang="he-IL" sz="2400" dirty="0" err="1">
+                <a:latin typeface="Segoe UI Light" panose="020B0502040204020203" pitchFamily="34" charset="0"/>
+                <a:cs typeface="Segoe UI Light" panose="020B0502040204020203" pitchFamily="34" charset="0"/>
+              </a:rPr>
+              <a:t>Excel</a:t>
+            </a:r>
+            <a:r>
+              <a:rPr lang="he-IL" altLang="he-IL" sz="2400" dirty="0">
+                <a:latin typeface="Segoe UI Light" panose="020B0502040204020203" pitchFamily="34" charset="0"/>
+                <a:cs typeface="Segoe UI Light" panose="020B0502040204020203" pitchFamily="34" charset="0"/>
+              </a:rPr>
+              <a:t>, שולחת את השאלות ל-</a:t>
+            </a:r>
+            <a:r>
+              <a:rPr lang="he-IL" altLang="he-IL" sz="2400" dirty="0" err="1">
+                <a:latin typeface="Segoe UI Light" panose="020B0502040204020203" pitchFamily="34" charset="0"/>
+                <a:cs typeface="Segoe UI Light" panose="020B0502040204020203" pitchFamily="34" charset="0"/>
+              </a:rPr>
+              <a:t>ChatGPT</a:t>
+            </a:r>
+            <a:r>
+              <a:rPr lang="he-IL" altLang="he-IL" sz="2400" dirty="0">
+                <a:latin typeface="Segoe UI Light" panose="020B0502040204020203" pitchFamily="34" charset="0"/>
+                <a:cs typeface="Segoe UI Light" panose="020B0502040204020203" pitchFamily="34" charset="0"/>
+              </a:rPr>
+              <a:t>, ושומרת את התשובות בקובץ </a:t>
+            </a:r>
+            <a:r>
+              <a:rPr lang="he-IL" altLang="he-IL" sz="2400" dirty="0" err="1">
+                <a:latin typeface="Segoe UI Light" panose="020B0502040204020203" pitchFamily="34" charset="0"/>
+                <a:cs typeface="Segoe UI Light" panose="020B0502040204020203" pitchFamily="34" charset="0"/>
+              </a:rPr>
+              <a:t>Excel</a:t>
+            </a:r>
+            <a:r>
+              <a:rPr lang="he-IL" altLang="he-IL" sz="2400" dirty="0">
+                <a:latin typeface="Segoe UI Light" panose="020B0502040204020203" pitchFamily="34" charset="0"/>
+                <a:cs typeface="Segoe UI Light" panose="020B0502040204020203" pitchFamily="34" charset="0"/>
+              </a:rPr>
+              <a:t> חדש.</a:t>
+            </a:r>
+          </a:p>
+          <a:p>
+            <a:pPr marL="0" marR="0" lvl="0" indent="0" algn="r" defTabSz="914400" rtl="1" eaLnBrk="0" fontAlgn="base" latinLnBrk="0" hangingPunct="0">
+              <a:lnSpc>
+                <a:spcPct val="100000"/>
+              </a:lnSpc>
+              <a:spcBef>
+                <a:spcPct val="0"/>
+              </a:spcBef>
+              <a:spcAft>
+                <a:spcPct val="0"/>
+              </a:spcAft>
+              <a:buClrTx/>
+              <a:buSzTx/>
+              <a:buFontTx/>
+              <a:buChar char="•"/>
+              <a:tabLst/>
+            </a:pPr>
+            <a:r>
+              <a:rPr lang="he-IL" altLang="he-IL" sz="2400" dirty="0">
+                <a:latin typeface="Segoe UI Light" panose="020B0502040204020203" pitchFamily="34" charset="0"/>
+                <a:cs typeface="Segoe UI Light" panose="020B0502040204020203" pitchFamily="34" charset="0"/>
+              </a:rPr>
+              <a:t>הפונקציה </a:t>
+            </a:r>
+            <a:r>
+              <a:rPr lang="he-IL" altLang="he-IL" sz="2400" dirty="0" err="1">
+                <a:latin typeface="Segoe UI Light" panose="020B0502040204020203" pitchFamily="34" charset="0"/>
+                <a:cs typeface="Segoe UI Light" panose="020B0502040204020203" pitchFamily="34" charset="0"/>
+              </a:rPr>
+              <a:t>SaveDocx</a:t>
+            </a:r>
+            <a:r>
+              <a:rPr lang="he-IL" altLang="he-IL" sz="2400" dirty="0">
+                <a:latin typeface="Segoe UI Light" panose="020B0502040204020203" pitchFamily="34" charset="0"/>
+                <a:cs typeface="Segoe UI Light" panose="020B0502040204020203" pitchFamily="34" charset="0"/>
+              </a:rPr>
+              <a:t> הופכת את קובץ ה-</a:t>
+            </a:r>
+            <a:r>
+              <a:rPr lang="he-IL" altLang="he-IL" sz="2400" dirty="0" err="1">
+                <a:latin typeface="Segoe UI Light" panose="020B0502040204020203" pitchFamily="34" charset="0"/>
+                <a:cs typeface="Segoe UI Light" panose="020B0502040204020203" pitchFamily="34" charset="0"/>
+              </a:rPr>
+              <a:t>Excel</a:t>
+            </a:r>
+            <a:r>
+              <a:rPr lang="he-IL" altLang="he-IL" sz="2400" dirty="0">
+                <a:latin typeface="Segoe UI Light" panose="020B0502040204020203" pitchFamily="34" charset="0"/>
+                <a:cs typeface="Segoe UI Light" panose="020B0502040204020203" pitchFamily="34" charset="0"/>
+              </a:rPr>
+              <a:t> למסמך </a:t>
+            </a:r>
+            <a:r>
+              <a:rPr lang="he-IL" altLang="he-IL" sz="2400" dirty="0" err="1">
+                <a:latin typeface="Segoe UI Light" panose="020B0502040204020203" pitchFamily="34" charset="0"/>
+                <a:cs typeface="Segoe UI Light" panose="020B0502040204020203" pitchFamily="34" charset="0"/>
+              </a:rPr>
+              <a:t>Word</a:t>
+            </a:r>
+            <a:r>
+              <a:rPr lang="he-IL" altLang="he-IL" sz="2400" dirty="0">
+                <a:latin typeface="Segoe UI Light" panose="020B0502040204020203" pitchFamily="34" charset="0"/>
+                <a:cs typeface="Segoe UI Light" panose="020B0502040204020203" pitchFamily="34" charset="0"/>
+              </a:rPr>
+              <a:t> עם שאלות ותשובות מעוצבות.</a:t>
+            </a:r>
+          </a:p>
+          <a:p>
+            <a:pPr marL="0" marR="0" lvl="0" indent="0" algn="l" defTabSz="914400" rtl="0" eaLnBrk="0" fontAlgn="base" latinLnBrk="0" hangingPunct="0">
+              <a:lnSpc>
+                <a:spcPct val="100000"/>
+              </a:lnSpc>
+              <a:spcBef>
+                <a:spcPct val="0"/>
+              </a:spcBef>
+              <a:spcAft>
+                <a:spcPct val="0"/>
+              </a:spcAft>
+              <a:buClrTx/>
+              <a:buSzTx/>
+              <a:buFontTx/>
+              <a:buNone/>
+              <a:tabLst/>
+            </a:pPr>
+            <a:endParaRPr kumimoji="0" lang="he-IL" altLang="he-IL" sz="1800" b="0" i="0" u="none" strike="noStrike" cap="none" normalizeH="0" baseline="0" dirty="0">
+              <a:ln>
+                <a:noFill/>
+              </a:ln>
+              <a:solidFill>
+                <a:schemeClr val="tx1"/>
+              </a:solidFill>
+              <a:effectLst/>
+              <a:latin typeface="Arial" panose="020B0604020202020204" pitchFamily="34" charset="0"/>
+            </a:endParaRPr>
           </a:p>
         </p:txBody>
       </p:sp>
       <p:pic>
         <p:nvPicPr>
-          <p:cNvPr id="2" name="Picture 1">
-            <a:extLst>
-              <a:ext uri="{FF2B5EF4-FFF2-40B4-BE49-F238E27FC236}">
-                <a16:creationId xmlns:a16="http://schemas.microsoft.com/office/drawing/2014/main" id="{670390F1-FC2A-E03C-D11D-6CF7A0E09861}"/>
+          <p:cNvPr id="11" name="תמונה 10">
+            <a:extLst>
+              <a:ext uri="{FF2B5EF4-FFF2-40B4-BE49-F238E27FC236}">
+                <a16:creationId xmlns:a16="http://schemas.microsoft.com/office/drawing/2014/main" id="{DACA7979-DC3B-61AB-799A-72529C066FD5}"/>
               </a:ext>
             </a:extLst>
           </p:cNvPr>
@@ -9506,120 +10512,25 @@
           <p:nvPr/>
         </p:nvPicPr>
         <p:blipFill>
-          <a:blip r:embed="rId3"/>
+          <a:blip r:embed="rId2"/>
           <a:stretch>
             <a:fillRect/>
           </a:stretch>
         </p:blipFill>
         <p:spPr>
           <a:xfrm>
-            <a:off x="747088" y="1451620"/>
-            <a:ext cx="6463106" cy="4718068"/>
+            <a:off x="145183" y="1628079"/>
+            <a:ext cx="7547996" cy="4212835"/>
           </a:xfrm>
           <a:prstGeom prst="rect">
             <a:avLst/>
           </a:prstGeom>
-          <a:noFill/>
         </p:spPr>
       </p:pic>
-      <p:sp>
-        <p:nvSpPr>
-          <p:cNvPr id="5" name="Slide Number Placeholder 5">
-            <a:extLst>
-              <a:ext uri="{FF2B5EF4-FFF2-40B4-BE49-F238E27FC236}">
-                <a16:creationId xmlns:a16="http://schemas.microsoft.com/office/drawing/2014/main" id="{4832B776-E386-1CF9-CC8F-2D2FF3EA7066}"/>
-              </a:ext>
-            </a:extLst>
-          </p:cNvPr>
-          <p:cNvSpPr>
-            <a:spLocks noGrp="1"/>
-          </p:cNvSpPr>
-          <p:nvPr>
-            <p:ph type="sldNum" sz="quarter" idx="13"/>
-          </p:nvPr>
-        </p:nvSpPr>
-        <p:spPr>
-          <a:xfrm>
-            <a:off x="10373350" y="6356349"/>
-            <a:ext cx="987552" cy="365125"/>
-          </a:xfrm>
-        </p:spPr>
-        <p:txBody>
-          <a:bodyPr anchor="ctr">
-            <a:normAutofit/>
-          </a:bodyPr>
-          <a:lstStyle/>
-          <a:p>
-            <a:pPr>
-              <a:spcAft>
-                <a:spcPts val="600"/>
-              </a:spcAft>
-            </a:pPr>
-            <a:fld id="{A49DFD55-3C28-40EF-9E31-A92D2E4017FF}" type="slidenum">
-              <a:rPr lang="en-US" smtClean="0"/>
-              <a:pPr>
-                <a:spcAft>
-                  <a:spcPts val="600"/>
-                </a:spcAft>
-              </a:pPr>
-              <a:t>18</a:t>
-            </a:fld>
-            <a:endParaRPr lang="en-US"/>
-          </a:p>
-        </p:txBody>
-      </p:sp>
-      <p:sp>
-        <p:nvSpPr>
-          <p:cNvPr id="4" name="Rectangle 3">
-            <a:extLst>
-              <a:ext uri="{FF2B5EF4-FFF2-40B4-BE49-F238E27FC236}">
-                <a16:creationId xmlns:a16="http://schemas.microsoft.com/office/drawing/2014/main" id="{BC7DB4A4-B58D-744E-A507-07E9324A39DA}"/>
-              </a:ext>
-            </a:extLst>
-          </p:cNvPr>
-          <p:cNvSpPr/>
-          <p:nvPr/>
-        </p:nvSpPr>
-        <p:spPr>
-          <a:xfrm>
-            <a:off x="8711921" y="3276600"/>
-            <a:ext cx="2756179" cy="1064288"/>
-          </a:xfrm>
-          <a:prstGeom prst="rect">
-            <a:avLst/>
-          </a:prstGeom>
-        </p:spPr>
-        <p:style>
-          <a:lnRef idx="2">
-            <a:schemeClr val="accent6"/>
-          </a:lnRef>
-          <a:fillRef idx="1">
-            <a:schemeClr val="lt1"/>
-          </a:fillRef>
-          <a:effectRef idx="0">
-            <a:schemeClr val="accent6"/>
-          </a:effectRef>
-          <a:fontRef idx="minor">
-            <a:schemeClr val="dk1"/>
-          </a:fontRef>
-        </p:style>
-        <p:txBody>
-          <a:bodyPr rtlCol="0" anchor="ctr"/>
-          <a:lstStyle/>
-          <a:p>
-            <a:pPr algn="ctr"/>
-            <a:r>
-              <a:rPr lang="en-US" dirty="0"/>
-              <a:t>This led us to our result table</a:t>
-            </a:r>
-            <a:endParaRPr lang="en-IL" dirty="0"/>
-          </a:p>
-        </p:txBody>
-      </p:sp>
     </p:spTree>
     <p:extLst>
       <p:ext uri="{BB962C8B-B14F-4D97-AF65-F5344CB8AC3E}">
-        <p14:creationId xmlns:p14="http://schemas.microsoft.com/office/powerpoint/2010/main" val="870501172"/>
+        <p14:creationId xmlns:p14="http://schemas.microsoft.com/office/powerpoint/2010/main" val="589020847"/>
       </p:ext>
     </p:extLst>
   </p:cSld>
@@ -9651,7 +10562,7 @@
           <p:cNvPr id="2" name="Title 1">
             <a:extLst>
               <a:ext uri="{FF2B5EF4-FFF2-40B4-BE49-F238E27FC236}">
-                <a16:creationId xmlns:a16="http://schemas.microsoft.com/office/drawing/2014/main" id="{779E4125-6C80-A6AD-952D-1C8491ACA9D9}"/>
+                <a16:creationId xmlns:a16="http://schemas.microsoft.com/office/drawing/2014/main" id="{523894F5-590D-2D5B-2676-408267EA1312}"/>
               </a:ext>
             </a:extLst>
           </p:cNvPr>
@@ -9664,81 +10575,158 @@
         </p:nvSpPr>
         <p:spPr>
           <a:xfrm>
-            <a:off x="422032" y="337191"/>
-            <a:ext cx="5673968" cy="1642333"/>
+            <a:off x="838200" y="337193"/>
+            <a:ext cx="5655197" cy="448990"/>
+          </a:xfrm>
+        </p:spPr>
+        <p:txBody>
+          <a:bodyPr>
+            <a:normAutofit fontScale="90000"/>
+          </a:bodyPr>
+          <a:lstStyle/>
+          <a:p>
+            <a:r>
+              <a:rPr lang="en-US" dirty="0"/>
+              <a:t>Initial process</a:t>
+            </a:r>
+            <a:endParaRPr lang="en-IL" dirty="0"/>
+          </a:p>
+        </p:txBody>
+      </p:sp>
+      <p:sp>
+        <p:nvSpPr>
+          <p:cNvPr id="3" name="Text Placeholder 2">
+            <a:extLst>
+              <a:ext uri="{FF2B5EF4-FFF2-40B4-BE49-F238E27FC236}">
+                <a16:creationId xmlns:a16="http://schemas.microsoft.com/office/drawing/2014/main" id="{08454580-A321-CC37-1466-28F4ACE0B8E9}"/>
+              </a:ext>
+            </a:extLst>
+          </p:cNvPr>
+          <p:cNvSpPr>
+            <a:spLocks noGrp="1"/>
+          </p:cNvSpPr>
+          <p:nvPr>
+            <p:ph type="body" idx="1"/>
+          </p:nvPr>
+        </p:nvSpPr>
+        <p:spPr>
+          <a:xfrm>
+            <a:off x="462224" y="976777"/>
+            <a:ext cx="6031173" cy="448990"/>
           </a:xfrm>
         </p:spPr>
         <p:txBody>
           <a:bodyPr/>
           <a:lstStyle/>
           <a:p>
-            <a:pPr algn="r"/>
-            <a:r>
-              <a:rPr lang="he-IL" dirty="0"/>
-              <a:t>חישוב השגיאה</a:t>
-            </a:r>
-            <a:endParaRPr lang="en-IL" dirty="0"/>
-          </a:p>
-        </p:txBody>
-      </p:sp>
-      <p:sp>
-        <p:nvSpPr>
-          <p:cNvPr id="4" name="Content Placeholder 3">
-            <a:extLst>
-              <a:ext uri="{FF2B5EF4-FFF2-40B4-BE49-F238E27FC236}">
-                <a16:creationId xmlns:a16="http://schemas.microsoft.com/office/drawing/2014/main" id="{CBAEBC76-E9FB-2A3E-4BCB-2385A8035742}"/>
-              </a:ext>
-            </a:extLst>
-          </p:cNvPr>
-          <p:cNvSpPr>
-            <a:spLocks noGrp="1"/>
-          </p:cNvSpPr>
+            <a:r>
+              <a:rPr lang="en-US" sz="1000" dirty="0"/>
+              <a:t>Asking ChatGPT questions, each time changing one detail of description.</a:t>
+            </a:r>
+            <a:endParaRPr lang="en-IL" sz="1000" dirty="0"/>
+          </a:p>
+        </p:txBody>
+      </p:sp>
+      <p:pic>
+        <p:nvPicPr>
+          <p:cNvPr id="9" name="Content Placeholder 8">
+            <a:extLst>
+              <a:ext uri="{FF2B5EF4-FFF2-40B4-BE49-F238E27FC236}">
+                <a16:creationId xmlns:a16="http://schemas.microsoft.com/office/drawing/2014/main" id="{2D50E71E-9465-EF99-45A1-8C569CA2F145}"/>
+              </a:ext>
+            </a:extLst>
+          </p:cNvPr>
+          <p:cNvPicPr>
+            <a:picLocks noGrp="1" noChangeAspect="1"/>
+          </p:cNvPicPr>
           <p:nvPr>
             <p:ph sz="half" idx="2"/>
           </p:nvPr>
-        </p:nvSpPr>
-        <p:spPr>
-          <a:xfrm>
-            <a:off x="838199" y="2301072"/>
-            <a:ext cx="5733773" cy="3885827"/>
+        </p:nvPicPr>
+        <p:blipFill>
+          <a:blip r:embed="rId2"/>
+          <a:stretch>
+            <a:fillRect/>
+          </a:stretch>
+        </p:blipFill>
+        <p:spPr>
+          <a:xfrm>
+            <a:off x="826354" y="1758950"/>
+            <a:ext cx="5667043" cy="4001693"/>
+          </a:xfrm>
+        </p:spPr>
+      </p:pic>
+      <p:sp>
+        <p:nvSpPr>
+          <p:cNvPr id="5" name="Text Placeholder 4">
+            <a:extLst>
+              <a:ext uri="{FF2B5EF4-FFF2-40B4-BE49-F238E27FC236}">
+                <a16:creationId xmlns:a16="http://schemas.microsoft.com/office/drawing/2014/main" id="{14E17638-D9AA-900D-05C9-FD0E94F739AD}"/>
+              </a:ext>
+            </a:extLst>
+          </p:cNvPr>
+          <p:cNvSpPr>
+            <a:spLocks noGrp="1"/>
+          </p:cNvSpPr>
+          <p:nvPr>
+            <p:ph type="body" sz="quarter" idx="3"/>
+          </p:nvPr>
+        </p:nvSpPr>
+        <p:spPr>
+          <a:xfrm>
+            <a:off x="7887106" y="2080337"/>
+            <a:ext cx="3943627" cy="448989"/>
           </a:xfrm>
         </p:spPr>
         <p:txBody>
           <a:bodyPr/>
           <a:lstStyle/>
           <a:p>
-            <a:pPr marL="0" indent="0" algn="r" rtl="1">
-              <a:buNone/>
-            </a:pPr>
-            <a:r>
-              <a:rPr lang="he-IL" dirty="0"/>
-              <a:t>מרחב המדגם שלנו </a:t>
-            </a:r>
             <a:r>
               <a:rPr lang="en-US" dirty="0"/>
-              <a:t>n =30 </a:t>
-            </a:r>
-          </a:p>
-          <a:p>
-            <a:pPr marL="0" indent="0" algn="r" rtl="1">
-              <a:buNone/>
-            </a:pPr>
-            <a:r>
-              <a:rPr lang="he-IL" dirty="0"/>
-              <a:t>לכן נסתכל על טווח שגיאה של יותר מ9%.</a:t>
-            </a:r>
-          </a:p>
-          <a:p>
-            <a:pPr marL="0" indent="0" algn="r" rtl="1">
-              <a:buNone/>
-            </a:pPr>
-            <a:endParaRPr lang="he-IL" dirty="0"/>
-          </a:p>
-          <a:p>
-            <a:pPr marL="0" indent="0" algn="r" rtl="1">
-              <a:buNone/>
-            </a:pPr>
-            <a:endParaRPr lang="en-US" dirty="0"/>
+              <a:t>problem </a:t>
+            </a:r>
+            <a:endParaRPr lang="en-IL" dirty="0"/>
+          </a:p>
+        </p:txBody>
+      </p:sp>
+      <p:sp>
+        <p:nvSpPr>
+          <p:cNvPr id="6" name="Content Placeholder 5">
+            <a:extLst>
+              <a:ext uri="{FF2B5EF4-FFF2-40B4-BE49-F238E27FC236}">
+                <a16:creationId xmlns:a16="http://schemas.microsoft.com/office/drawing/2014/main" id="{E279C102-F700-EF0E-CE24-91857215B20D}"/>
+              </a:ext>
+            </a:extLst>
+          </p:cNvPr>
+          <p:cNvSpPr>
+            <a:spLocks noGrp="1"/>
+          </p:cNvSpPr>
+          <p:nvPr>
+            <p:ph sz="half" idx="14"/>
+          </p:nvPr>
+        </p:nvSpPr>
+        <p:spPr>
+          <a:xfrm>
+            <a:off x="7887105" y="2539513"/>
+            <a:ext cx="3943627" cy="3032733"/>
+          </a:xfrm>
+        </p:spPr>
+        <p:txBody>
+          <a:bodyPr/>
+          <a:lstStyle/>
+          <a:p>
+            <a:r>
+              <a:rPr lang="en-US" dirty="0"/>
+              <a:t>To many details specified therefore the results were too similar.</a:t>
+            </a:r>
+          </a:p>
+          <a:p>
+            <a:r>
+              <a:rPr lang="en-US" dirty="0"/>
+              <a:t>There is no direct way to detect gender or racial bias.</a:t>
+            </a:r>
+            <a:endParaRPr lang="en-IL" dirty="0"/>
           </a:p>
         </p:txBody>
       </p:sp>
@@ -9747,7 +10735,7 @@
           <p:cNvPr id="7" name="Slide Number Placeholder 6">
             <a:extLst>
               <a:ext uri="{FF2B5EF4-FFF2-40B4-BE49-F238E27FC236}">
-                <a16:creationId xmlns:a16="http://schemas.microsoft.com/office/drawing/2014/main" id="{4523517D-579E-C83B-5108-5431A4564393}"/>
+                <a16:creationId xmlns:a16="http://schemas.microsoft.com/office/drawing/2014/main" id="{A12A107A-FD37-0BA4-7913-B93AA8AEDB90}"/>
               </a:ext>
             </a:extLst>
           </p:cNvPr>
@@ -9775,7 +10763,7 @@
     </p:spTree>
     <p:extLst>
       <p:ext uri="{BB962C8B-B14F-4D97-AF65-F5344CB8AC3E}">
-        <p14:creationId xmlns:p14="http://schemas.microsoft.com/office/powerpoint/2010/main" val="2854700588"/>
+        <p14:creationId xmlns:p14="http://schemas.microsoft.com/office/powerpoint/2010/main" val="2422479522"/>
       </p:ext>
     </p:extLst>
   </p:cSld>
@@ -9992,204 +10980,171 @@
       </p:grpSpPr>
       <p:sp>
         <p:nvSpPr>
-          <p:cNvPr id="2" name="Title 1">
-            <a:extLst>
-              <a:ext uri="{FF2B5EF4-FFF2-40B4-BE49-F238E27FC236}">
-                <a16:creationId xmlns:a16="http://schemas.microsoft.com/office/drawing/2014/main" id="{079C918D-48B1-65EC-E2C6-46EDC659726E}"/>
-              </a:ext>
-            </a:extLst>
-          </p:cNvPr>
-          <p:cNvSpPr>
-            <a:spLocks noGrp="1"/>
-          </p:cNvSpPr>
-          <p:nvPr>
-            <p:ph type="title"/>
-          </p:nvPr>
-        </p:nvSpPr>
-        <p:spPr>
-          <a:xfrm>
-            <a:off x="552659" y="267394"/>
-            <a:ext cx="10231229" cy="439419"/>
-          </a:xfrm>
-        </p:spPr>
-        <p:txBody>
-          <a:bodyPr>
-            <a:normAutofit fontScale="90000"/>
+          <p:cNvPr id="17" name="Title 1">
+            <a:extLst>
+              <a:ext uri="{FF2B5EF4-FFF2-40B4-BE49-F238E27FC236}">
+                <a16:creationId xmlns:a16="http://schemas.microsoft.com/office/drawing/2014/main" id="{09140014-73D5-419B-8867-972BB18D52D4}"/>
+              </a:ext>
+            </a:extLst>
+          </p:cNvPr>
+          <p:cNvSpPr>
+            <a:spLocks noGrp="1"/>
+          </p:cNvSpPr>
+          <p:nvPr>
+            <p:ph type="ctrTitle"/>
+          </p:nvPr>
+        </p:nvSpPr>
+        <p:spPr>
+          <a:xfrm>
+            <a:off x="4267200" y="556556"/>
+            <a:ext cx="4179570" cy="1524735"/>
+          </a:xfrm>
+        </p:spPr>
+        <p:txBody>
+          <a:bodyPr anchor="b">
+            <a:normAutofit/>
           </a:bodyPr>
           <a:lstStyle/>
           <a:p>
             <a:r>
-              <a:rPr lang="en-US" dirty="0"/>
-              <a:t>Results</a:t>
-            </a:r>
-            <a:endParaRPr lang="en-IL" dirty="0"/>
-          </a:p>
-        </p:txBody>
-      </p:sp>
-      <p:sp>
-        <p:nvSpPr>
-          <p:cNvPr id="3" name="Text Placeholder 2">
-            <a:extLst>
-              <a:ext uri="{FF2B5EF4-FFF2-40B4-BE49-F238E27FC236}">
-                <a16:creationId xmlns:a16="http://schemas.microsoft.com/office/drawing/2014/main" id="{CF7CB75A-5411-9BAD-46B5-15DB1EED06FD}"/>
-              </a:ext>
-            </a:extLst>
-          </p:cNvPr>
-          <p:cNvSpPr>
-            <a:spLocks noGrp="1"/>
-          </p:cNvSpPr>
-          <p:nvPr>
-            <p:ph type="body" idx="1"/>
-          </p:nvPr>
-        </p:nvSpPr>
-        <p:spPr>
-          <a:xfrm>
-            <a:off x="423697" y="880351"/>
-            <a:ext cx="5745480" cy="439419"/>
+              <a:rPr lang="he-IL" dirty="0"/>
+              <a:t>ציפיות </a:t>
+            </a:r>
+            <a:endParaRPr lang="en-US" dirty="0"/>
+          </a:p>
+        </p:txBody>
+      </p:sp>
+      <p:sp>
+        <p:nvSpPr>
+          <p:cNvPr id="20" name="Content Placeholder 3">
+            <a:extLst>
+              <a:ext uri="{FF2B5EF4-FFF2-40B4-BE49-F238E27FC236}">
+                <a16:creationId xmlns:a16="http://schemas.microsoft.com/office/drawing/2014/main" id="{33D8731E-4977-402E-8BFD-895B4D0544CC}"/>
+              </a:ext>
+            </a:extLst>
+          </p:cNvPr>
+          <p:cNvSpPr>
+            <a:spLocks noGrp="1"/>
+          </p:cNvSpPr>
+          <p:nvPr>
+            <p:ph type="subTitle" idx="1"/>
+          </p:nvPr>
+        </p:nvSpPr>
+        <p:spPr>
+          <a:xfrm>
+            <a:off x="4175760" y="2163683"/>
+            <a:ext cx="4179570" cy="2850181"/>
           </a:xfrm>
         </p:spPr>
         <p:txBody>
           <a:bodyPr>
-            <a:noAutofit/>
+            <a:normAutofit/>
           </a:bodyPr>
           <a:lstStyle/>
           <a:p>
-            <a:r>
-              <a:rPr lang="en-US" sz="1200" b="0" dirty="0"/>
-              <a:t>In a lot of cases, we saw that gender and race didn’t really impact ChatGPT’s recommendations for career with a few interesting exceptions.</a:t>
-            </a:r>
-            <a:endParaRPr lang="en-IL" sz="1200" b="0" dirty="0"/>
-          </a:p>
-        </p:txBody>
-      </p:sp>
-      <p:pic>
-        <p:nvPicPr>
-          <p:cNvPr id="9" name="Content Placeholder 8">
-            <a:extLst>
-              <a:ext uri="{FF2B5EF4-FFF2-40B4-BE49-F238E27FC236}">
-                <a16:creationId xmlns:a16="http://schemas.microsoft.com/office/drawing/2014/main" id="{EF9E359C-3EE7-B640-8DDC-8BCF60D761CF}"/>
-              </a:ext>
-            </a:extLst>
-          </p:cNvPr>
-          <p:cNvPicPr>
-            <a:picLocks noGrp="1" noChangeAspect="1"/>
-          </p:cNvPicPr>
-          <p:nvPr>
-            <p:ph sz="half" idx="15"/>
-          </p:nvPr>
-        </p:nvPicPr>
-        <p:blipFill>
-          <a:blip r:embed="rId2"/>
-          <a:stretch>
-            <a:fillRect/>
-          </a:stretch>
-        </p:blipFill>
-        <p:spPr>
-          <a:xfrm>
-            <a:off x="423697" y="1386674"/>
-            <a:ext cx="5383537" cy="4443100"/>
-          </a:xfrm>
-        </p:spPr>
-      </p:pic>
-      <p:sp>
-        <p:nvSpPr>
-          <p:cNvPr id="5" name="Text Placeholder 4">
-            <a:extLst>
-              <a:ext uri="{FF2B5EF4-FFF2-40B4-BE49-F238E27FC236}">
-                <a16:creationId xmlns:a16="http://schemas.microsoft.com/office/drawing/2014/main" id="{5956C43D-DB7C-4A08-4FA3-014882C8F544}"/>
-              </a:ext>
-            </a:extLst>
-          </p:cNvPr>
-          <p:cNvSpPr>
-            <a:spLocks noGrp="1"/>
-          </p:cNvSpPr>
-          <p:nvPr>
-            <p:ph type="body" idx="10"/>
-          </p:nvPr>
-        </p:nvSpPr>
-        <p:spPr>
-          <a:xfrm>
-            <a:off x="6096000" y="1938002"/>
-            <a:ext cx="5516880" cy="351284"/>
-          </a:xfrm>
-        </p:spPr>
-        <p:txBody>
-          <a:bodyPr>
-            <a:normAutofit fontScale="62500" lnSpcReduction="20000"/>
+            <a:pPr marL="0" indent="0" algn="r">
+              <a:lnSpc>
+                <a:spcPct val="140000"/>
+              </a:lnSpc>
+              <a:buNone/>
+            </a:pPr>
+            <a:r>
+              <a:rPr lang="he-IL" sz="1500" dirty="0"/>
+              <a:t>התוצאות הצפויות לניסוי- </a:t>
+            </a:r>
+          </a:p>
+          <a:p>
+            <a:pPr marL="0" indent="0" algn="r" rtl="1">
+              <a:lnSpc>
+                <a:spcPct val="140000"/>
+              </a:lnSpc>
+              <a:buNone/>
+            </a:pPr>
+            <a:r>
+              <a:rPr lang="he-IL" sz="1500" dirty="0"/>
+              <a:t>יתגלה כי קיימת הטיה מגדרית בהתנהגות של המודל (</a:t>
+            </a:r>
+            <a:r>
+              <a:rPr lang="en-US" sz="1500" dirty="0"/>
+              <a:t>ChatGPT</a:t>
+            </a:r>
+            <a:r>
+              <a:rPr lang="he-IL" sz="1500" dirty="0"/>
+              <a:t>) שתחשוף הנחות או אסוציאציות מוטות המתיישרות עם סטריאוטיפים חברתיים.</a:t>
+            </a:r>
+          </a:p>
+          <a:p>
+            <a:pPr marL="0" indent="0" algn="r" rtl="1">
+              <a:lnSpc>
+                <a:spcPct val="140000"/>
+              </a:lnSpc>
+              <a:buNone/>
+            </a:pPr>
+            <a:r>
+              <a:rPr lang="he-IL" sz="1500" dirty="0"/>
+              <a:t>הניתוח צפוי להדגיש ש</a:t>
+            </a:r>
+            <a:r>
+              <a:rPr lang="en-US" sz="1500" dirty="0"/>
+              <a:t>LLMs</a:t>
+            </a:r>
+            <a:r>
+              <a:rPr lang="he-IL" sz="1500" dirty="0"/>
+              <a:t> נוטים להביע הנחות מוטות לגבי גברים ונשים שמשקפות תפיסות חברתיות יותר מאשר מציאות עובדתית.</a:t>
+            </a:r>
+          </a:p>
+        </p:txBody>
+      </p:sp>
+      <p:sp>
+        <p:nvSpPr>
+          <p:cNvPr id="9" name="Slide Number Placeholder 8">
+            <a:extLst>
+              <a:ext uri="{FF2B5EF4-FFF2-40B4-BE49-F238E27FC236}">
+                <a16:creationId xmlns:a16="http://schemas.microsoft.com/office/drawing/2014/main" id="{C396FFDC-ADE8-4009-A466-A81787258E88}"/>
+              </a:ext>
+            </a:extLst>
+          </p:cNvPr>
+          <p:cNvSpPr>
+            <a:spLocks noGrp="1"/>
+          </p:cNvSpPr>
+          <p:nvPr>
+            <p:ph type="sldNum" sz="quarter" idx="12"/>
+          </p:nvPr>
+        </p:nvSpPr>
+        <p:spPr>
+          <a:xfrm>
+            <a:off x="9579428" y="6356350"/>
+            <a:ext cx="1774371" cy="365125"/>
+          </a:xfrm>
+        </p:spPr>
+        <p:txBody>
+          <a:bodyPr anchor="ctr">
+            <a:normAutofit/>
           </a:bodyPr>
           <a:lstStyle/>
           <a:p>
-            <a:r>
-              <a:rPr lang="en-US" dirty="0"/>
-              <a:t>We also analyzed key words that were frequently used among the answers</a:t>
-            </a:r>
-            <a:endParaRPr lang="en-IL" dirty="0"/>
-          </a:p>
-        </p:txBody>
-      </p:sp>
-      <p:pic>
-        <p:nvPicPr>
-          <p:cNvPr id="11" name="Content Placeholder 10">
-            <a:extLst>
-              <a:ext uri="{FF2B5EF4-FFF2-40B4-BE49-F238E27FC236}">
-                <a16:creationId xmlns:a16="http://schemas.microsoft.com/office/drawing/2014/main" id="{6721E7F6-6278-2EC3-53D9-CC37DE703E4C}"/>
-              </a:ext>
-            </a:extLst>
-          </p:cNvPr>
-          <p:cNvPicPr>
-            <a:picLocks noGrp="1" noChangeAspect="1"/>
-          </p:cNvPicPr>
-          <p:nvPr>
-            <p:ph sz="half" idx="14"/>
-          </p:nvPr>
-        </p:nvPicPr>
-        <p:blipFill>
-          <a:blip r:embed="rId3"/>
-          <a:stretch>
-            <a:fillRect/>
-          </a:stretch>
-        </p:blipFill>
-        <p:spPr>
-          <a:xfrm>
-            <a:off x="6263560" y="2442678"/>
-            <a:ext cx="5243396" cy="3255602"/>
-          </a:xfrm>
-        </p:spPr>
-      </p:pic>
-      <p:sp>
-        <p:nvSpPr>
-          <p:cNvPr id="7" name="Slide Number Placeholder 6">
-            <a:extLst>
-              <a:ext uri="{FF2B5EF4-FFF2-40B4-BE49-F238E27FC236}">
-                <a16:creationId xmlns:a16="http://schemas.microsoft.com/office/drawing/2014/main" id="{7EFCF694-0A55-9141-0DD6-A2DD28E6C7E7}"/>
-              </a:ext>
-            </a:extLst>
-          </p:cNvPr>
-          <p:cNvSpPr>
-            <a:spLocks noGrp="1"/>
-          </p:cNvSpPr>
-          <p:nvPr>
-            <p:ph type="sldNum" sz="quarter" idx="13"/>
-          </p:nvPr>
-        </p:nvSpPr>
-        <p:spPr/>
-        <p:txBody>
-          <a:bodyPr/>
-          <a:lstStyle/>
-          <a:p>
+            <a:pPr>
+              <a:spcAft>
+                <a:spcPts val="600"/>
+              </a:spcAft>
+            </a:pPr>
             <a:fld id="{A49DFD55-3C28-40EF-9E31-A92D2E4017FF}" type="slidenum">
               <a:rPr lang="en-US" smtClean="0"/>
-              <a:pPr/>
+              <a:pPr>
+                <a:spcAft>
+                  <a:spcPts val="600"/>
+                </a:spcAft>
+              </a:pPr>
               <a:t>20</a:t>
             </a:fld>
-            <a:endParaRPr lang="en-US" dirty="0"/>
+            <a:endParaRPr lang="en-US"/>
           </a:p>
         </p:txBody>
       </p:sp>
     </p:spTree>
     <p:extLst>
       <p:ext uri="{BB962C8B-B14F-4D97-AF65-F5344CB8AC3E}">
-        <p14:creationId xmlns:p14="http://schemas.microsoft.com/office/powerpoint/2010/main" val="1136861367"/>
+        <p14:creationId xmlns:p14="http://schemas.microsoft.com/office/powerpoint/2010/main" val="2054691664"/>
       </p:ext>
     </p:extLst>
   </p:cSld>
@@ -10218,10 +11173,10 @@
       </p:grpSpPr>
       <p:sp>
         <p:nvSpPr>
-          <p:cNvPr id="2" name="Title 1">
-            <a:extLst>
-              <a:ext uri="{FF2B5EF4-FFF2-40B4-BE49-F238E27FC236}">
-                <a16:creationId xmlns:a16="http://schemas.microsoft.com/office/drawing/2014/main" id="{E72DF7FB-C819-33B8-E7A4-3DEE6D1814CB}"/>
+          <p:cNvPr id="17" name="Title 1">
+            <a:extLst>
+              <a:ext uri="{FF2B5EF4-FFF2-40B4-BE49-F238E27FC236}">
+                <a16:creationId xmlns:a16="http://schemas.microsoft.com/office/drawing/2014/main" id="{09140014-73D5-419B-8867-972BB18D52D4}"/>
               </a:ext>
             </a:extLst>
           </p:cNvPr>
@@ -10234,124 +11189,72 @@
         </p:nvSpPr>
         <p:spPr>
           <a:xfrm>
-            <a:off x="496556" y="337192"/>
-            <a:ext cx="5996841" cy="938949"/>
-          </a:xfrm>
-        </p:spPr>
-        <p:txBody>
-          <a:bodyPr/>
+            <a:off x="567464" y="143523"/>
+            <a:ext cx="5655197" cy="557517"/>
+          </a:xfrm>
+        </p:spPr>
+        <p:txBody>
+          <a:bodyPr anchor="b"/>
           <a:lstStyle/>
           <a:p>
+            <a:pPr algn="r"/>
             <a:r>
               <a:rPr lang="en-US" dirty="0"/>
-              <a:t>Results </a:t>
-            </a:r>
-            <a:endParaRPr lang="en-IL" dirty="0"/>
-          </a:p>
-        </p:txBody>
-      </p:sp>
-      <p:pic>
-        <p:nvPicPr>
-          <p:cNvPr id="9" name="Content Placeholder 8">
-            <a:extLst>
-              <a:ext uri="{FF2B5EF4-FFF2-40B4-BE49-F238E27FC236}">
-                <a16:creationId xmlns:a16="http://schemas.microsoft.com/office/drawing/2014/main" id="{A79D894F-5279-522E-5FD9-D18CD9F576B6}"/>
-              </a:ext>
-            </a:extLst>
-          </p:cNvPr>
-          <p:cNvPicPr>
-            <a:picLocks noGrp="1" noChangeAspect="1"/>
-          </p:cNvPicPr>
+              <a:t>Experiment process </a:t>
+            </a:r>
+          </a:p>
+        </p:txBody>
+      </p:sp>
+      <p:sp>
+        <p:nvSpPr>
+          <p:cNvPr id="20" name="Content Placeholder 3">
+            <a:extLst>
+              <a:ext uri="{FF2B5EF4-FFF2-40B4-BE49-F238E27FC236}">
+                <a16:creationId xmlns:a16="http://schemas.microsoft.com/office/drawing/2014/main" id="{33D8731E-4977-402E-8BFD-895B4D0544CC}"/>
+              </a:ext>
+            </a:extLst>
+          </p:cNvPr>
+          <p:cNvSpPr>
+            <a:spLocks noGrp="1"/>
+          </p:cNvSpPr>
           <p:nvPr>
             <p:ph sz="half" idx="2"/>
           </p:nvPr>
-        </p:nvPicPr>
-        <p:blipFill>
-          <a:blip r:embed="rId2"/>
-          <a:stretch>
-            <a:fillRect/>
-          </a:stretch>
-        </p:blipFill>
-        <p:spPr>
-          <a:xfrm>
-            <a:off x="496556" y="1567543"/>
-            <a:ext cx="6695563" cy="4788807"/>
-          </a:xfrm>
-        </p:spPr>
-      </p:pic>
-      <p:sp>
-        <p:nvSpPr>
-          <p:cNvPr id="5" name="Text Placeholder 4">
-            <a:extLst>
-              <a:ext uri="{FF2B5EF4-FFF2-40B4-BE49-F238E27FC236}">
-                <a16:creationId xmlns:a16="http://schemas.microsoft.com/office/drawing/2014/main" id="{C04D5CF9-29F4-8B0E-E753-ACA7C88032DD}"/>
-              </a:ext>
-            </a:extLst>
-          </p:cNvPr>
-          <p:cNvSpPr>
-            <a:spLocks noGrp="1"/>
-          </p:cNvSpPr>
-          <p:nvPr>
-            <p:ph type="body" sz="quarter" idx="3"/>
-          </p:nvPr>
-        </p:nvSpPr>
-        <p:spPr/>
-        <p:txBody>
-          <a:bodyPr/>
+        </p:nvSpPr>
+        <p:spPr>
+          <a:xfrm>
+            <a:off x="567464" y="944880"/>
+            <a:ext cx="6183856" cy="3718755"/>
+          </a:xfrm>
+        </p:spPr>
+        <p:txBody>
+          <a:bodyPr>
+            <a:noAutofit/>
+          </a:bodyPr>
           <a:lstStyle/>
           <a:p>
-            <a:r>
-              <a:rPr lang="en-US" dirty="0"/>
-              <a:t>Surprising results </a:t>
-            </a:r>
-            <a:endParaRPr lang="en-IL" dirty="0"/>
-          </a:p>
-        </p:txBody>
-      </p:sp>
-      <p:sp>
-        <p:nvSpPr>
-          <p:cNvPr id="6" name="Content Placeholder 5">
-            <a:extLst>
-              <a:ext uri="{FF2B5EF4-FFF2-40B4-BE49-F238E27FC236}">
-                <a16:creationId xmlns:a16="http://schemas.microsoft.com/office/drawing/2014/main" id="{714DB05C-A40C-A18C-8DA2-7C13FB0E0275}"/>
-              </a:ext>
-            </a:extLst>
-          </p:cNvPr>
-          <p:cNvSpPr>
-            <a:spLocks noGrp="1"/>
-          </p:cNvSpPr>
-          <p:nvPr>
-            <p:ph sz="half" idx="14"/>
-          </p:nvPr>
-        </p:nvSpPr>
-        <p:spPr/>
-        <p:txBody>
-          <a:bodyPr/>
-          <a:lstStyle/>
-          <a:p>
-            <a:r>
-              <a:rPr lang="en-US" dirty="0"/>
-              <a:t>The difference between the results of the white female and the Asian and Arab female.</a:t>
-            </a:r>
-          </a:p>
-          <a:p>
-            <a:endParaRPr lang="en-US" dirty="0"/>
-          </a:p>
-          <a:p>
-            <a:r>
-              <a:rPr lang="en-US" dirty="0"/>
-              <a:t>The high recommendation for Engineering amongst the Asian and Arab female profile.</a:t>
-            </a:r>
-            <a:endParaRPr lang="en-IL" dirty="0"/>
-          </a:p>
-        </p:txBody>
-      </p:sp>
-      <p:sp>
-        <p:nvSpPr>
-          <p:cNvPr id="7" name="Slide Number Placeholder 6">
-            <a:extLst>
-              <a:ext uri="{FF2B5EF4-FFF2-40B4-BE49-F238E27FC236}">
-                <a16:creationId xmlns:a16="http://schemas.microsoft.com/office/drawing/2014/main" id="{09DBDD9D-78F9-827B-0AFA-38593EC63E9E}"/>
+            <a:pPr marL="0" indent="0">
+              <a:buNone/>
+            </a:pPr>
+            <a:endParaRPr lang="en-GB" sz="800" dirty="0"/>
+          </a:p>
+          <a:p>
+            <a:pPr marL="0" indent="0" algn="r">
+              <a:buNone/>
+            </a:pPr>
+            <a:r>
+              <a:rPr lang="en-US" sz="1600" dirty="0"/>
+              <a:t>We created a code in python that runs ChatGPT multiple times</a:t>
+            </a:r>
+          </a:p>
+        </p:txBody>
+      </p:sp>
+      <p:sp>
+        <p:nvSpPr>
+          <p:cNvPr id="9" name="Slide Number Placeholder 8">
+            <a:extLst>
+              <a:ext uri="{FF2B5EF4-FFF2-40B4-BE49-F238E27FC236}">
+                <a16:creationId xmlns:a16="http://schemas.microsoft.com/office/drawing/2014/main" id="{C396FFDC-ADE8-4009-A466-A81787258E88}"/>
               </a:ext>
             </a:extLst>
           </p:cNvPr>
@@ -10362,7 +11265,12 @@
             <p:ph type="sldNum" sz="quarter" idx="12"/>
           </p:nvPr>
         </p:nvSpPr>
-        <p:spPr/>
+        <p:spPr>
+          <a:xfrm>
+            <a:off x="8610600" y="6356350"/>
+            <a:ext cx="2743200" cy="365125"/>
+          </a:xfrm>
+        </p:spPr>
         <p:txBody>
           <a:bodyPr/>
           <a:lstStyle/>
@@ -10379,7 +11287,7 @@
     </p:spTree>
     <p:extLst>
       <p:ext uri="{BB962C8B-B14F-4D97-AF65-F5344CB8AC3E}">
-        <p14:creationId xmlns:p14="http://schemas.microsoft.com/office/powerpoint/2010/main" val="3099272285"/>
+        <p14:creationId xmlns:p14="http://schemas.microsoft.com/office/powerpoint/2010/main" val="4149410895"/>
       </p:ext>
     </p:extLst>
   </p:cSld>
@@ -10408,10 +11316,10 @@
       </p:grpSpPr>
       <p:sp>
         <p:nvSpPr>
-          <p:cNvPr id="2" name="Title 1">
-            <a:extLst>
-              <a:ext uri="{FF2B5EF4-FFF2-40B4-BE49-F238E27FC236}">
-                <a16:creationId xmlns:a16="http://schemas.microsoft.com/office/drawing/2014/main" id="{53346D3E-0ED9-F2B4-F6E3-F93699DEDD17}"/>
+          <p:cNvPr id="8" name="Title 2">
+            <a:extLst>
+              <a:ext uri="{FF2B5EF4-FFF2-40B4-BE49-F238E27FC236}">
+                <a16:creationId xmlns:a16="http://schemas.microsoft.com/office/drawing/2014/main" id="{3E5FEE2D-79E5-4C1D-8BF7-EE619CA7039A}"/>
               </a:ext>
             </a:extLst>
           </p:cNvPr>
@@ -10424,87 +11332,64 @@
         </p:nvSpPr>
         <p:spPr>
           <a:xfrm>
-            <a:off x="633046" y="470560"/>
-            <a:ext cx="10550919" cy="775892"/>
-          </a:xfrm>
-        </p:spPr>
-        <p:txBody>
-          <a:bodyPr/>
+            <a:off x="587365" y="432233"/>
+            <a:ext cx="7429500" cy="447039"/>
+          </a:xfrm>
+        </p:spPr>
+        <p:txBody>
+          <a:bodyPr anchor="b">
+            <a:normAutofit fontScale="90000"/>
+          </a:bodyPr>
           <a:lstStyle/>
           <a:p>
             <a:r>
               <a:rPr lang="en-US" dirty="0"/>
-              <a:t>Results </a:t>
-            </a:r>
-            <a:endParaRPr lang="en-IL" dirty="0"/>
+              <a:t>example</a:t>
+            </a:r>
+          </a:p>
+        </p:txBody>
+      </p:sp>
+      <p:sp>
+        <p:nvSpPr>
+          <p:cNvPr id="17" name="Text Placeholder 4">
+            <a:extLst>
+              <a:ext uri="{FF2B5EF4-FFF2-40B4-BE49-F238E27FC236}">
+                <a16:creationId xmlns:a16="http://schemas.microsoft.com/office/drawing/2014/main" id="{ED6700D8-962B-FE7B-D8FE-35C67B8298F9}"/>
+              </a:ext>
+            </a:extLst>
+          </p:cNvPr>
+          <p:cNvSpPr>
+            <a:spLocks noGrp="1"/>
+          </p:cNvSpPr>
+          <p:nvPr>
+            <p:ph type="body" idx="10"/>
+          </p:nvPr>
+        </p:nvSpPr>
+        <p:spPr>
+          <a:xfrm>
+            <a:off x="814484" y="1096220"/>
+            <a:ext cx="6395710" cy="351284"/>
+          </a:xfrm>
+        </p:spPr>
+        <p:txBody>
+          <a:bodyPr>
+            <a:noAutofit/>
+          </a:bodyPr>
+          <a:lstStyle/>
+          <a:p>
+            <a:r>
+              <a:rPr lang="en-US" sz="1200" dirty="0"/>
+              <a:t>10 possible answered received for profile 1 with no specification for race and gender</a:t>
+            </a:r>
           </a:p>
         </p:txBody>
       </p:sp>
       <p:pic>
         <p:nvPicPr>
-          <p:cNvPr id="9" name="Content Placeholder 8">
-            <a:extLst>
-              <a:ext uri="{FF2B5EF4-FFF2-40B4-BE49-F238E27FC236}">
-                <a16:creationId xmlns:a16="http://schemas.microsoft.com/office/drawing/2014/main" id="{EA388DB5-FBC0-32EF-0776-6DDBFBF2D56E}"/>
-              </a:ext>
-            </a:extLst>
-          </p:cNvPr>
-          <p:cNvPicPr>
-            <a:picLocks noGrp="1" noChangeAspect="1"/>
-          </p:cNvPicPr>
-          <p:nvPr>
-            <p:ph sz="half" idx="15"/>
-          </p:nvPr>
-        </p:nvPicPr>
-        <p:blipFill>
-          <a:blip r:embed="rId2"/>
-          <a:stretch>
-            <a:fillRect/>
-          </a:stretch>
-        </p:blipFill>
-        <p:spPr>
-          <a:xfrm>
-            <a:off x="633046" y="1347392"/>
-            <a:ext cx="6079253" cy="874615"/>
-          </a:xfrm>
-        </p:spPr>
-      </p:pic>
-      <p:sp>
-        <p:nvSpPr>
-          <p:cNvPr id="7" name="Slide Number Placeholder 6">
-            <a:extLst>
-              <a:ext uri="{FF2B5EF4-FFF2-40B4-BE49-F238E27FC236}">
-                <a16:creationId xmlns:a16="http://schemas.microsoft.com/office/drawing/2014/main" id="{9D857456-A5A5-0481-BD88-1B0EDFAD3740}"/>
-              </a:ext>
-            </a:extLst>
-          </p:cNvPr>
-          <p:cNvSpPr>
-            <a:spLocks noGrp="1"/>
-          </p:cNvSpPr>
-          <p:nvPr>
-            <p:ph type="sldNum" sz="quarter" idx="13"/>
-          </p:nvPr>
-        </p:nvSpPr>
-        <p:spPr/>
-        <p:txBody>
-          <a:bodyPr/>
-          <a:lstStyle/>
-          <a:p>
-            <a:fld id="{A49DFD55-3C28-40EF-9E31-A92D2E4017FF}" type="slidenum">
-              <a:rPr lang="en-US" smtClean="0"/>
-              <a:pPr/>
-              <a:t>22</a:t>
-            </a:fld>
-            <a:endParaRPr lang="en-US" dirty="0"/>
-          </a:p>
-        </p:txBody>
-      </p:sp>
-      <p:pic>
-        <p:nvPicPr>
-          <p:cNvPr id="11" name="Picture 10">
-            <a:extLst>
-              <a:ext uri="{FF2B5EF4-FFF2-40B4-BE49-F238E27FC236}">
-                <a16:creationId xmlns:a16="http://schemas.microsoft.com/office/drawing/2014/main" id="{E10B7E79-7D39-8772-415E-339311740F2A}"/>
+          <p:cNvPr id="2" name="Picture 1">
+            <a:extLst>
+              <a:ext uri="{FF2B5EF4-FFF2-40B4-BE49-F238E27FC236}">
+                <a16:creationId xmlns:a16="http://schemas.microsoft.com/office/drawing/2014/main" id="{670390F1-FC2A-E03C-D11D-6CF7A0E09861}"/>
               </a:ext>
             </a:extLst>
           </p:cNvPr>
@@ -10521,18 +11406,113 @@
         </p:blipFill>
         <p:spPr>
           <a:xfrm>
-            <a:off x="633046" y="2393742"/>
-            <a:ext cx="5534706" cy="3374012"/>
+            <a:off x="747088" y="1451620"/>
+            <a:ext cx="6463106" cy="4718068"/>
           </a:xfrm>
           <a:prstGeom prst="rect">
             <a:avLst/>
           </a:prstGeom>
+          <a:noFill/>
         </p:spPr>
       </p:pic>
+      <p:sp>
+        <p:nvSpPr>
+          <p:cNvPr id="5" name="Slide Number Placeholder 5">
+            <a:extLst>
+              <a:ext uri="{FF2B5EF4-FFF2-40B4-BE49-F238E27FC236}">
+                <a16:creationId xmlns:a16="http://schemas.microsoft.com/office/drawing/2014/main" id="{4832B776-E386-1CF9-CC8F-2D2FF3EA7066}"/>
+              </a:ext>
+            </a:extLst>
+          </p:cNvPr>
+          <p:cNvSpPr>
+            <a:spLocks noGrp="1"/>
+          </p:cNvSpPr>
+          <p:nvPr>
+            <p:ph type="sldNum" sz="quarter" idx="13"/>
+          </p:nvPr>
+        </p:nvSpPr>
+        <p:spPr>
+          <a:xfrm>
+            <a:off x="10373350" y="6356349"/>
+            <a:ext cx="987552" cy="365125"/>
+          </a:xfrm>
+        </p:spPr>
+        <p:txBody>
+          <a:bodyPr anchor="ctr">
+            <a:normAutofit/>
+          </a:bodyPr>
+          <a:lstStyle/>
+          <a:p>
+            <a:pPr>
+              <a:spcAft>
+                <a:spcPts val="600"/>
+              </a:spcAft>
+            </a:pPr>
+            <a:fld id="{A49DFD55-3C28-40EF-9E31-A92D2E4017FF}" type="slidenum">
+              <a:rPr lang="en-US" smtClean="0"/>
+              <a:pPr>
+                <a:spcAft>
+                  <a:spcPts val="600"/>
+                </a:spcAft>
+              </a:pPr>
+              <a:t>22</a:t>
+            </a:fld>
+            <a:endParaRPr lang="en-US"/>
+          </a:p>
+        </p:txBody>
+      </p:sp>
+      <p:sp>
+        <p:nvSpPr>
+          <p:cNvPr id="4" name="Rectangle 3">
+            <a:extLst>
+              <a:ext uri="{FF2B5EF4-FFF2-40B4-BE49-F238E27FC236}">
+                <a16:creationId xmlns:a16="http://schemas.microsoft.com/office/drawing/2014/main" id="{BC7DB4A4-B58D-744E-A507-07E9324A39DA}"/>
+              </a:ext>
+            </a:extLst>
+          </p:cNvPr>
+          <p:cNvSpPr/>
+          <p:nvPr/>
+        </p:nvSpPr>
+        <p:spPr>
+          <a:xfrm>
+            <a:off x="8711921" y="3276600"/>
+            <a:ext cx="2756179" cy="1064288"/>
+          </a:xfrm>
+          <a:prstGeom prst="rect">
+            <a:avLst/>
+          </a:prstGeom>
+        </p:spPr>
+        <p:style>
+          <a:lnRef idx="2">
+            <a:schemeClr val="accent6"/>
+          </a:lnRef>
+          <a:fillRef idx="1">
+            <a:schemeClr val="lt1"/>
+          </a:fillRef>
+          <a:effectRef idx="0">
+            <a:schemeClr val="accent6"/>
+          </a:effectRef>
+          <a:fontRef idx="minor">
+            <a:schemeClr val="dk1"/>
+          </a:fontRef>
+        </p:style>
+        <p:txBody>
+          <a:bodyPr rtlCol="0" anchor="ctr"/>
+          <a:lstStyle/>
+          <a:p>
+            <a:pPr algn="ctr"/>
+            <a:r>
+              <a:rPr lang="en-US" dirty="0"/>
+              <a:t>This led us to our result table</a:t>
+            </a:r>
+            <a:endParaRPr lang="en-IL" dirty="0"/>
+          </a:p>
+        </p:txBody>
+      </p:sp>
     </p:spTree>
     <p:extLst>
       <p:ext uri="{BB962C8B-B14F-4D97-AF65-F5344CB8AC3E}">
-        <p14:creationId xmlns:p14="http://schemas.microsoft.com/office/powerpoint/2010/main" val="1291220640"/>
+        <p14:creationId xmlns:p14="http://schemas.microsoft.com/office/powerpoint/2010/main" val="870501172"/>
       </p:ext>
     </p:extLst>
   </p:cSld>
@@ -10564,25 +11544,31 @@
           <p:cNvPr id="2" name="Title 1">
             <a:extLst>
               <a:ext uri="{FF2B5EF4-FFF2-40B4-BE49-F238E27FC236}">
-                <a16:creationId xmlns:a16="http://schemas.microsoft.com/office/drawing/2014/main" id="{69F8C927-FD4B-6760-5915-F0A34E97A93D}"/>
-              </a:ext>
-            </a:extLst>
-          </p:cNvPr>
-          <p:cNvSpPr>
-            <a:spLocks noGrp="1"/>
-          </p:cNvSpPr>
-          <p:nvPr>
-            <p:ph type="ctrTitle"/>
-          </p:nvPr>
-        </p:nvSpPr>
-        <p:spPr/>
+                <a16:creationId xmlns:a16="http://schemas.microsoft.com/office/drawing/2014/main" id="{779E4125-6C80-A6AD-952D-1C8491ACA9D9}"/>
+              </a:ext>
+            </a:extLst>
+          </p:cNvPr>
+          <p:cNvSpPr>
+            <a:spLocks noGrp="1"/>
+          </p:cNvSpPr>
+          <p:nvPr>
+            <p:ph type="title"/>
+          </p:nvPr>
+        </p:nvSpPr>
+        <p:spPr>
+          <a:xfrm>
+            <a:off x="422032" y="337191"/>
+            <a:ext cx="5673968" cy="1642333"/>
+          </a:xfrm>
+        </p:spPr>
         <p:txBody>
           <a:bodyPr/>
           <a:lstStyle/>
           <a:p>
-            <a:r>
-              <a:rPr lang="en-US" dirty="0"/>
-              <a:t>Part 2</a:t>
+            <a:pPr algn="r"/>
+            <a:r>
+              <a:rPr lang="he-IL" dirty="0"/>
+              <a:t>חישוב השגיאה</a:t>
             </a:r>
             <a:endParaRPr lang="en-IL" dirty="0"/>
           </a:p>
@@ -10590,51 +11576,71 @@
       </p:sp>
       <p:sp>
         <p:nvSpPr>
-          <p:cNvPr id="3" name="Subtitle 2">
-            <a:extLst>
-              <a:ext uri="{FF2B5EF4-FFF2-40B4-BE49-F238E27FC236}">
-                <a16:creationId xmlns:a16="http://schemas.microsoft.com/office/drawing/2014/main" id="{DA50D3F0-64BB-DD49-58FC-3CCDFFC36249}"/>
-              </a:ext>
-            </a:extLst>
-          </p:cNvPr>
-          <p:cNvSpPr>
-            <a:spLocks noGrp="1"/>
-          </p:cNvSpPr>
-          <p:nvPr>
-            <p:ph type="subTitle" idx="1"/>
-          </p:nvPr>
-        </p:nvSpPr>
-        <p:spPr>
-          <a:xfrm>
-            <a:off x="4267199" y="3238103"/>
-            <a:ext cx="5529943" cy="2850181"/>
+          <p:cNvPr id="4" name="Content Placeholder 3">
+            <a:extLst>
+              <a:ext uri="{FF2B5EF4-FFF2-40B4-BE49-F238E27FC236}">
+                <a16:creationId xmlns:a16="http://schemas.microsoft.com/office/drawing/2014/main" id="{CBAEBC76-E9FB-2A3E-4BCB-2385A8035742}"/>
+              </a:ext>
+            </a:extLst>
+          </p:cNvPr>
+          <p:cNvSpPr>
+            <a:spLocks noGrp="1"/>
+          </p:cNvSpPr>
+          <p:nvPr>
+            <p:ph sz="half" idx="2"/>
+          </p:nvPr>
+        </p:nvSpPr>
+        <p:spPr>
+          <a:xfrm>
+            <a:off x="838199" y="2301072"/>
+            <a:ext cx="5733773" cy="3885827"/>
           </a:xfrm>
         </p:spPr>
         <p:txBody>
           <a:bodyPr/>
           <a:lstStyle/>
           <a:p>
-            <a:pPr algn="r"/>
+            <a:pPr marL="0" indent="0" algn="r" rtl="1">
+              <a:buNone/>
+            </a:pPr>
             <a:r>
               <a:rPr lang="he-IL" dirty="0"/>
-              <a:t>תרגום השאלות לעברית.</a:t>
-            </a:r>
-          </a:p>
-          <a:p>
-            <a:pPr algn="r"/>
+              <a:t>מרחב המדגם שלנו </a:t>
+            </a:r>
+            <a:r>
+              <a:rPr lang="en-US" dirty="0"/>
+              <a:t>n =30 </a:t>
+            </a:r>
+          </a:p>
+          <a:p>
+            <a:pPr marL="0" indent="0" algn="r" rtl="1">
+              <a:buNone/>
+            </a:pPr>
             <a:r>
               <a:rPr lang="he-IL" dirty="0"/>
-              <a:t>תרגמנו את השאלות לאנגלית למין נקבה ומין זכר </a:t>
-            </a:r>
-          </a:p>
-        </p:txBody>
-      </p:sp>
-      <p:sp>
-        <p:nvSpPr>
-          <p:cNvPr id="4" name="Slide Number Placeholder 3">
-            <a:extLst>
-              <a:ext uri="{FF2B5EF4-FFF2-40B4-BE49-F238E27FC236}">
-                <a16:creationId xmlns:a16="http://schemas.microsoft.com/office/drawing/2014/main" id="{608FBA5B-9D17-A5BA-A273-27B643F3EE27}"/>
+              <a:t>לכן נסתכל על טווח שגיאה של יותר מ9%.</a:t>
+            </a:r>
+          </a:p>
+          <a:p>
+            <a:pPr marL="0" indent="0" algn="r" rtl="1">
+              <a:buNone/>
+            </a:pPr>
+            <a:endParaRPr lang="he-IL" dirty="0"/>
+          </a:p>
+          <a:p>
+            <a:pPr marL="0" indent="0" algn="r" rtl="1">
+              <a:buNone/>
+            </a:pPr>
+            <a:endParaRPr lang="en-US" dirty="0"/>
+          </a:p>
+        </p:txBody>
+      </p:sp>
+      <p:sp>
+        <p:nvSpPr>
+          <p:cNvPr id="7" name="Slide Number Placeholder 6">
+            <a:extLst>
+              <a:ext uri="{FF2B5EF4-FFF2-40B4-BE49-F238E27FC236}">
+                <a16:creationId xmlns:a16="http://schemas.microsoft.com/office/drawing/2014/main" id="{4523517D-579E-C83B-5108-5431A4564393}"/>
               </a:ext>
             </a:extLst>
           </p:cNvPr>
@@ -10662,7 +11668,7 @@
     </p:spTree>
     <p:extLst>
       <p:ext uri="{BB962C8B-B14F-4D97-AF65-F5344CB8AC3E}">
-        <p14:creationId xmlns:p14="http://schemas.microsoft.com/office/powerpoint/2010/main" val="2883335437"/>
+        <p14:creationId xmlns:p14="http://schemas.microsoft.com/office/powerpoint/2010/main" val="2854700588"/>
       </p:ext>
     </p:extLst>
   </p:cSld>
@@ -10691,10 +11697,10 @@
       </p:grpSpPr>
       <p:sp>
         <p:nvSpPr>
-          <p:cNvPr id="8" name="Title 2">
-            <a:extLst>
-              <a:ext uri="{FF2B5EF4-FFF2-40B4-BE49-F238E27FC236}">
-                <a16:creationId xmlns:a16="http://schemas.microsoft.com/office/drawing/2014/main" id="{3E5FEE2D-79E5-4C1D-8BF7-EE619CA7039A}"/>
+          <p:cNvPr id="2" name="Title 1">
+            <a:extLst>
+              <a:ext uri="{FF2B5EF4-FFF2-40B4-BE49-F238E27FC236}">
+                <a16:creationId xmlns:a16="http://schemas.microsoft.com/office/drawing/2014/main" id="{079C918D-48B1-65EC-E2C6-46EDC659726E}"/>
               </a:ext>
             </a:extLst>
           </p:cNvPr>
@@ -10707,82 +11713,140 @@
         </p:nvSpPr>
         <p:spPr>
           <a:xfrm>
-            <a:off x="587365" y="432233"/>
-            <a:ext cx="7429500" cy="864004"/>
-          </a:xfrm>
-        </p:spPr>
-        <p:txBody>
-          <a:bodyPr anchor="b">
-            <a:normAutofit/>
+            <a:off x="552659" y="267394"/>
+            <a:ext cx="10231229" cy="439419"/>
+          </a:xfrm>
+        </p:spPr>
+        <p:txBody>
+          <a:bodyPr>
+            <a:normAutofit fontScale="90000"/>
           </a:bodyPr>
           <a:lstStyle/>
           <a:p>
             <a:r>
               <a:rPr lang="en-US" dirty="0"/>
-              <a:t>RESULTS</a:t>
-            </a:r>
-          </a:p>
-        </p:txBody>
-      </p:sp>
-      <p:sp>
-        <p:nvSpPr>
-          <p:cNvPr id="5" name="Slide Number Placeholder 5">
-            <a:extLst>
-              <a:ext uri="{FF2B5EF4-FFF2-40B4-BE49-F238E27FC236}">
-                <a16:creationId xmlns:a16="http://schemas.microsoft.com/office/drawing/2014/main" id="{4832B776-E386-1CF9-CC8F-2D2FF3EA7066}"/>
-              </a:ext>
-            </a:extLst>
-          </p:cNvPr>
-          <p:cNvSpPr>
-            <a:spLocks noGrp="1"/>
-          </p:cNvSpPr>
-          <p:nvPr>
-            <p:ph type="sldNum" sz="quarter" idx="13"/>
-          </p:nvPr>
-        </p:nvSpPr>
-        <p:spPr>
-          <a:xfrm>
-            <a:off x="10373350" y="6356349"/>
-            <a:ext cx="987552" cy="365125"/>
-          </a:xfrm>
-        </p:spPr>
-        <p:txBody>
-          <a:bodyPr anchor="ctr">
-            <a:normAutofit/>
+              <a:t>Results</a:t>
+            </a:r>
+            <a:endParaRPr lang="en-IL" dirty="0"/>
+          </a:p>
+        </p:txBody>
+      </p:sp>
+      <p:sp>
+        <p:nvSpPr>
+          <p:cNvPr id="3" name="Text Placeholder 2">
+            <a:extLst>
+              <a:ext uri="{FF2B5EF4-FFF2-40B4-BE49-F238E27FC236}">
+                <a16:creationId xmlns:a16="http://schemas.microsoft.com/office/drawing/2014/main" id="{CF7CB75A-5411-9BAD-46B5-15DB1EED06FD}"/>
+              </a:ext>
+            </a:extLst>
+          </p:cNvPr>
+          <p:cNvSpPr>
+            <a:spLocks noGrp="1"/>
+          </p:cNvSpPr>
+          <p:nvPr>
+            <p:ph type="body" idx="1"/>
+          </p:nvPr>
+        </p:nvSpPr>
+        <p:spPr>
+          <a:xfrm>
+            <a:off x="423697" y="880351"/>
+            <a:ext cx="5745480" cy="439419"/>
+          </a:xfrm>
+        </p:spPr>
+        <p:txBody>
+          <a:bodyPr>
+            <a:noAutofit/>
           </a:bodyPr>
           <a:lstStyle/>
           <a:p>
-            <a:pPr>
-              <a:spcAft>
-                <a:spcPts val="600"/>
-              </a:spcAft>
-            </a:pPr>
-            <a:fld id="{A49DFD55-3C28-40EF-9E31-A92D2E4017FF}" type="slidenum">
-              <a:rPr lang="en-US" smtClean="0"/>
-              <a:pPr>
-                <a:spcAft>
-                  <a:spcPts val="600"/>
-                </a:spcAft>
-              </a:pPr>
-              <a:t>24</a:t>
-            </a:fld>
-            <a:endParaRPr lang="en-US"/>
+            <a:r>
+              <a:rPr lang="en-US" sz="1200" b="0" dirty="0"/>
+              <a:t>In a lot of cases, we saw that gender and race didn’t really impact ChatGPT’s recommendations for career with a few interesting exceptions.</a:t>
+            </a:r>
+            <a:endParaRPr lang="en-IL" sz="1200" b="0" dirty="0"/>
           </a:p>
         </p:txBody>
       </p:sp>
       <p:pic>
         <p:nvPicPr>
-          <p:cNvPr id="9" name="Picture 8">
-            <a:extLst>
-              <a:ext uri="{FF2B5EF4-FFF2-40B4-BE49-F238E27FC236}">
-                <a16:creationId xmlns:a16="http://schemas.microsoft.com/office/drawing/2014/main" id="{C832C91D-7398-0282-E6F0-1F5C137F86FF}"/>
+          <p:cNvPr id="9" name="Content Placeholder 8">
+            <a:extLst>
+              <a:ext uri="{FF2B5EF4-FFF2-40B4-BE49-F238E27FC236}">
+                <a16:creationId xmlns:a16="http://schemas.microsoft.com/office/drawing/2014/main" id="{EF9E359C-3EE7-B640-8DDC-8BCF60D761CF}"/>
               </a:ext>
             </a:extLst>
           </p:cNvPr>
           <p:cNvPicPr>
-            <a:picLocks noChangeAspect="1"/>
+            <a:picLocks noGrp="1" noChangeAspect="1"/>
           </p:cNvPicPr>
-          <p:nvPr/>
+          <p:nvPr>
+            <p:ph sz="half" idx="15"/>
+          </p:nvPr>
+        </p:nvPicPr>
+        <p:blipFill>
+          <a:blip r:embed="rId2"/>
+          <a:stretch>
+            <a:fillRect/>
+          </a:stretch>
+        </p:blipFill>
+        <p:spPr>
+          <a:xfrm>
+            <a:off x="423697" y="1386674"/>
+            <a:ext cx="5383537" cy="4443100"/>
+          </a:xfrm>
+        </p:spPr>
+      </p:pic>
+      <p:sp>
+        <p:nvSpPr>
+          <p:cNvPr id="5" name="Text Placeholder 4">
+            <a:extLst>
+              <a:ext uri="{FF2B5EF4-FFF2-40B4-BE49-F238E27FC236}">
+                <a16:creationId xmlns:a16="http://schemas.microsoft.com/office/drawing/2014/main" id="{5956C43D-DB7C-4A08-4FA3-014882C8F544}"/>
+              </a:ext>
+            </a:extLst>
+          </p:cNvPr>
+          <p:cNvSpPr>
+            <a:spLocks noGrp="1"/>
+          </p:cNvSpPr>
+          <p:nvPr>
+            <p:ph type="body" idx="10"/>
+          </p:nvPr>
+        </p:nvSpPr>
+        <p:spPr>
+          <a:xfrm>
+            <a:off x="6096000" y="1938002"/>
+            <a:ext cx="5516880" cy="351284"/>
+          </a:xfrm>
+        </p:spPr>
+        <p:txBody>
+          <a:bodyPr>
+            <a:normAutofit fontScale="62500" lnSpcReduction="20000"/>
+          </a:bodyPr>
+          <a:lstStyle/>
+          <a:p>
+            <a:r>
+              <a:rPr lang="en-US" dirty="0"/>
+              <a:t>We also analyzed key words that were frequently used among the answers</a:t>
+            </a:r>
+            <a:endParaRPr lang="en-IL" dirty="0"/>
+          </a:p>
+        </p:txBody>
+      </p:sp>
+      <p:pic>
+        <p:nvPicPr>
+          <p:cNvPr id="11" name="Content Placeholder 10">
+            <a:extLst>
+              <a:ext uri="{FF2B5EF4-FFF2-40B4-BE49-F238E27FC236}">
+                <a16:creationId xmlns:a16="http://schemas.microsoft.com/office/drawing/2014/main" id="{6721E7F6-6278-2EC3-53D9-CC37DE703E4C}"/>
+              </a:ext>
+            </a:extLst>
+          </p:cNvPr>
+          <p:cNvPicPr>
+            <a:picLocks noGrp="1" noChangeAspect="1"/>
+          </p:cNvPicPr>
+          <p:nvPr>
+            <p:ph sz="half" idx="14"/>
+          </p:nvPr>
         </p:nvPicPr>
         <p:blipFill>
           <a:blip r:embed="rId3"/>
@@ -10792,48 +11856,45 @@
         </p:blipFill>
         <p:spPr>
           <a:xfrm>
-            <a:off x="763295" y="1437456"/>
-            <a:ext cx="6019341" cy="4773457"/>
-          </a:xfrm>
-          <a:prstGeom prst="rect">
-            <a:avLst/>
-          </a:prstGeom>
+            <a:off x="6263560" y="2442678"/>
+            <a:ext cx="5243396" cy="3255602"/>
+          </a:xfrm>
         </p:spPr>
       </p:pic>
-      <p:pic>
-        <p:nvPicPr>
-          <p:cNvPr id="18" name="Picture 17">
-            <a:extLst>
-              <a:ext uri="{FF2B5EF4-FFF2-40B4-BE49-F238E27FC236}">
-                <a16:creationId xmlns:a16="http://schemas.microsoft.com/office/drawing/2014/main" id="{E133728A-E6CD-DCB8-1D9C-5ED6B609A9B4}"/>
-              </a:ext>
-            </a:extLst>
-          </p:cNvPr>
-          <p:cNvPicPr>
-            <a:picLocks noChangeAspect="1"/>
-          </p:cNvPicPr>
-          <p:nvPr/>
-        </p:nvPicPr>
-        <p:blipFill>
-          <a:blip r:embed="rId4"/>
-          <a:stretch>
-            <a:fillRect/>
-          </a:stretch>
-        </p:blipFill>
-        <p:spPr>
-          <a:xfrm>
-            <a:off x="6782636" y="1971063"/>
-            <a:ext cx="4706527" cy="3203839"/>
-          </a:xfrm>
-          <a:prstGeom prst="rect">
-            <a:avLst/>
-          </a:prstGeom>
-        </p:spPr>
-      </p:pic>
+      <p:sp>
+        <p:nvSpPr>
+          <p:cNvPr id="7" name="Slide Number Placeholder 6">
+            <a:extLst>
+              <a:ext uri="{FF2B5EF4-FFF2-40B4-BE49-F238E27FC236}">
+                <a16:creationId xmlns:a16="http://schemas.microsoft.com/office/drawing/2014/main" id="{7EFCF694-0A55-9141-0DD6-A2DD28E6C7E7}"/>
+              </a:ext>
+            </a:extLst>
+          </p:cNvPr>
+          <p:cNvSpPr>
+            <a:spLocks noGrp="1"/>
+          </p:cNvSpPr>
+          <p:nvPr>
+            <p:ph type="sldNum" sz="quarter" idx="13"/>
+          </p:nvPr>
+        </p:nvSpPr>
+        <p:spPr/>
+        <p:txBody>
+          <a:bodyPr/>
+          <a:lstStyle/>
+          <a:p>
+            <a:fld id="{A49DFD55-3C28-40EF-9E31-A92D2E4017FF}" type="slidenum">
+              <a:rPr lang="en-US" smtClean="0"/>
+              <a:pPr/>
+              <a:t>24</a:t>
+            </a:fld>
+            <a:endParaRPr lang="en-US" dirty="0"/>
+          </a:p>
+        </p:txBody>
+      </p:sp>
     </p:spTree>
     <p:extLst>
       <p:ext uri="{BB962C8B-B14F-4D97-AF65-F5344CB8AC3E}">
-        <p14:creationId xmlns:p14="http://schemas.microsoft.com/office/powerpoint/2010/main" val="1484826027"/>
+        <p14:creationId xmlns:p14="http://schemas.microsoft.com/office/powerpoint/2010/main" val="1136861367"/>
       </p:ext>
     </p:extLst>
   </p:cSld>
@@ -10865,7 +11926,7 @@
           <p:cNvPr id="2" name="Title 1">
             <a:extLst>
               <a:ext uri="{FF2B5EF4-FFF2-40B4-BE49-F238E27FC236}">
-                <a16:creationId xmlns:a16="http://schemas.microsoft.com/office/drawing/2014/main" id="{079C918D-48B1-65EC-E2C6-46EDC659726E}"/>
+                <a16:creationId xmlns:a16="http://schemas.microsoft.com/office/drawing/2014/main" id="{E72DF7FB-C819-33B8-E7A4-3DEE6D1814CB}"/>
               </a:ext>
             </a:extLst>
           </p:cNvPr>
@@ -10878,67 +11939,37 @@
         </p:nvSpPr>
         <p:spPr>
           <a:xfrm>
-            <a:off x="552659" y="267394"/>
-            <a:ext cx="10231229" cy="439419"/>
-          </a:xfrm>
-        </p:spPr>
-        <p:txBody>
-          <a:bodyPr>
-            <a:normAutofit fontScale="90000"/>
-          </a:bodyPr>
-          <a:lstStyle/>
-          <a:p>
-            <a:r>
-              <a:rPr lang="en-US" dirty="0"/>
-              <a:t>Surprising results </a:t>
-            </a:r>
-            <a:endParaRPr lang="en-IL" dirty="0"/>
-          </a:p>
-        </p:txBody>
-      </p:sp>
-      <p:sp>
-        <p:nvSpPr>
-          <p:cNvPr id="7" name="Slide Number Placeholder 6">
-            <a:extLst>
-              <a:ext uri="{FF2B5EF4-FFF2-40B4-BE49-F238E27FC236}">
-                <a16:creationId xmlns:a16="http://schemas.microsoft.com/office/drawing/2014/main" id="{7EFCF694-0A55-9141-0DD6-A2DD28E6C7E7}"/>
-              </a:ext>
-            </a:extLst>
-          </p:cNvPr>
-          <p:cNvSpPr>
-            <a:spLocks noGrp="1"/>
-          </p:cNvSpPr>
-          <p:nvPr>
-            <p:ph type="sldNum" sz="quarter" idx="13"/>
-          </p:nvPr>
-        </p:nvSpPr>
-        <p:spPr/>
+            <a:off x="496556" y="337192"/>
+            <a:ext cx="5996841" cy="938949"/>
+          </a:xfrm>
+        </p:spPr>
         <p:txBody>
           <a:bodyPr/>
           <a:lstStyle/>
           <a:p>
-            <a:fld id="{A49DFD55-3C28-40EF-9E31-A92D2E4017FF}" type="slidenum">
-              <a:rPr lang="en-US" smtClean="0"/>
-              <a:pPr/>
-              <a:t>25</a:t>
-            </a:fld>
-            <a:endParaRPr lang="en-US" dirty="0"/>
+            <a:r>
+              <a:rPr lang="en-US" dirty="0"/>
+              <a:t>Results </a:t>
+            </a:r>
+            <a:endParaRPr lang="en-IL" dirty="0"/>
           </a:p>
         </p:txBody>
       </p:sp>
       <p:pic>
         <p:nvPicPr>
-          <p:cNvPr id="17" name="Picture 16">
-            <a:extLst>
-              <a:ext uri="{FF2B5EF4-FFF2-40B4-BE49-F238E27FC236}">
-                <a16:creationId xmlns:a16="http://schemas.microsoft.com/office/drawing/2014/main" id="{C2DDF75B-95C6-8735-E6C6-4196C372DD42}"/>
+          <p:cNvPr id="9" name="Content Placeholder 8">
+            <a:extLst>
+              <a:ext uri="{FF2B5EF4-FFF2-40B4-BE49-F238E27FC236}">
+                <a16:creationId xmlns:a16="http://schemas.microsoft.com/office/drawing/2014/main" id="{A79D894F-5279-522E-5FD9-D18CD9F576B6}"/>
               </a:ext>
             </a:extLst>
           </p:cNvPr>
           <p:cNvPicPr>
-            <a:picLocks noChangeAspect="1"/>
+            <a:picLocks noGrp="1" noChangeAspect="1"/>
           </p:cNvPicPr>
-          <p:nvPr/>
+          <p:nvPr>
+            <p:ph sz="half" idx="2"/>
+          </p:nvPr>
         </p:nvPicPr>
         <p:blipFill>
           <a:blip r:embed="rId2"/>
@@ -10948,18 +11979,112 @@
         </p:blipFill>
         <p:spPr>
           <a:xfrm>
-            <a:off x="1789609" y="929070"/>
-            <a:ext cx="6755008" cy="5205021"/>
-          </a:xfrm>
-          <a:prstGeom prst="rect">
-            <a:avLst/>
-          </a:prstGeom>
+            <a:off x="496556" y="1567543"/>
+            <a:ext cx="6695563" cy="4788807"/>
+          </a:xfrm>
         </p:spPr>
       </p:pic>
+      <p:sp>
+        <p:nvSpPr>
+          <p:cNvPr id="5" name="Text Placeholder 4">
+            <a:extLst>
+              <a:ext uri="{FF2B5EF4-FFF2-40B4-BE49-F238E27FC236}">
+                <a16:creationId xmlns:a16="http://schemas.microsoft.com/office/drawing/2014/main" id="{C04D5CF9-29F4-8B0E-E753-ACA7C88032DD}"/>
+              </a:ext>
+            </a:extLst>
+          </p:cNvPr>
+          <p:cNvSpPr>
+            <a:spLocks noGrp="1"/>
+          </p:cNvSpPr>
+          <p:nvPr>
+            <p:ph type="body" sz="quarter" idx="3"/>
+          </p:nvPr>
+        </p:nvSpPr>
+        <p:spPr/>
+        <p:txBody>
+          <a:bodyPr/>
+          <a:lstStyle/>
+          <a:p>
+            <a:r>
+              <a:rPr lang="en-US" dirty="0"/>
+              <a:t>Surprising results </a:t>
+            </a:r>
+            <a:endParaRPr lang="en-IL" dirty="0"/>
+          </a:p>
+        </p:txBody>
+      </p:sp>
+      <p:sp>
+        <p:nvSpPr>
+          <p:cNvPr id="6" name="Content Placeholder 5">
+            <a:extLst>
+              <a:ext uri="{FF2B5EF4-FFF2-40B4-BE49-F238E27FC236}">
+                <a16:creationId xmlns:a16="http://schemas.microsoft.com/office/drawing/2014/main" id="{714DB05C-A40C-A18C-8DA2-7C13FB0E0275}"/>
+              </a:ext>
+            </a:extLst>
+          </p:cNvPr>
+          <p:cNvSpPr>
+            <a:spLocks noGrp="1"/>
+          </p:cNvSpPr>
+          <p:nvPr>
+            <p:ph sz="half" idx="14"/>
+          </p:nvPr>
+        </p:nvSpPr>
+        <p:spPr/>
+        <p:txBody>
+          <a:bodyPr/>
+          <a:lstStyle/>
+          <a:p>
+            <a:r>
+              <a:rPr lang="en-US" dirty="0"/>
+              <a:t>The difference between the results of the white female and the Asian and Arab female.</a:t>
+            </a:r>
+          </a:p>
+          <a:p>
+            <a:endParaRPr lang="en-US" dirty="0"/>
+          </a:p>
+          <a:p>
+            <a:r>
+              <a:rPr lang="en-US" dirty="0"/>
+              <a:t>The high recommendation for Engineering amongst the Asian and Arab female profile.</a:t>
+            </a:r>
+            <a:endParaRPr lang="en-IL" dirty="0"/>
+          </a:p>
+        </p:txBody>
+      </p:sp>
+      <p:sp>
+        <p:nvSpPr>
+          <p:cNvPr id="7" name="Slide Number Placeholder 6">
+            <a:extLst>
+              <a:ext uri="{FF2B5EF4-FFF2-40B4-BE49-F238E27FC236}">
+                <a16:creationId xmlns:a16="http://schemas.microsoft.com/office/drawing/2014/main" id="{09DBDD9D-78F9-827B-0AFA-38593EC63E9E}"/>
+              </a:ext>
+            </a:extLst>
+          </p:cNvPr>
+          <p:cNvSpPr>
+            <a:spLocks noGrp="1"/>
+          </p:cNvSpPr>
+          <p:nvPr>
+            <p:ph type="sldNum" sz="quarter" idx="12"/>
+          </p:nvPr>
+        </p:nvSpPr>
+        <p:spPr/>
+        <p:txBody>
+          <a:bodyPr/>
+          <a:lstStyle/>
+          <a:p>
+            <a:fld id="{A49DFD55-3C28-40EF-9E31-A92D2E4017FF}" type="slidenum">
+              <a:rPr lang="en-US" smtClean="0"/>
+              <a:pPr/>
+              <a:t>25</a:t>
+            </a:fld>
+            <a:endParaRPr lang="en-US" dirty="0"/>
+          </a:p>
+        </p:txBody>
+      </p:sp>
     </p:spTree>
     <p:extLst>
       <p:ext uri="{BB962C8B-B14F-4D97-AF65-F5344CB8AC3E}">
-        <p14:creationId xmlns:p14="http://schemas.microsoft.com/office/powerpoint/2010/main" val="916030493"/>
+        <p14:creationId xmlns:p14="http://schemas.microsoft.com/office/powerpoint/2010/main" val="3099272285"/>
       </p:ext>
     </p:extLst>
   </p:cSld>
@@ -10991,7 +12116,7 @@
           <p:cNvPr id="2" name="Title 1">
             <a:extLst>
               <a:ext uri="{FF2B5EF4-FFF2-40B4-BE49-F238E27FC236}">
-                <a16:creationId xmlns:a16="http://schemas.microsoft.com/office/drawing/2014/main" id="{66A3FBA8-2B05-1880-3D6B-56A7C5123A3B}"/>
+                <a16:creationId xmlns:a16="http://schemas.microsoft.com/office/drawing/2014/main" id="{53346D3E-0ED9-F2B4-F6E3-F93699DEDD17}"/>
               </a:ext>
             </a:extLst>
           </p:cNvPr>
@@ -11004,8 +12129,8 @@
         </p:nvSpPr>
         <p:spPr>
           <a:xfrm>
-            <a:off x="527204" y="649236"/>
-            <a:ext cx="9953308" cy="657050"/>
+            <a:off x="633046" y="470560"/>
+            <a:ext cx="10550919" cy="775892"/>
           </a:xfrm>
         </p:spPr>
         <p:txBody>
@@ -11020,49 +12145,21 @@
           </a:p>
         </p:txBody>
       </p:sp>
-      <p:sp>
-        <p:nvSpPr>
-          <p:cNvPr id="7" name="Slide Number Placeholder 6">
-            <a:extLst>
-              <a:ext uri="{FF2B5EF4-FFF2-40B4-BE49-F238E27FC236}">
-                <a16:creationId xmlns:a16="http://schemas.microsoft.com/office/drawing/2014/main" id="{46669695-E431-55AA-06A2-26DD3890E7B5}"/>
-              </a:ext>
-            </a:extLst>
-          </p:cNvPr>
-          <p:cNvSpPr>
-            <a:spLocks noGrp="1"/>
-          </p:cNvSpPr>
-          <p:nvPr>
-            <p:ph type="sldNum" sz="quarter" idx="13"/>
-          </p:nvPr>
-        </p:nvSpPr>
-        <p:spPr/>
-        <p:txBody>
-          <a:bodyPr/>
-          <a:lstStyle/>
-          <a:p>
-            <a:fld id="{A49DFD55-3C28-40EF-9E31-A92D2E4017FF}" type="slidenum">
-              <a:rPr lang="en-US" smtClean="0"/>
-              <a:pPr/>
-              <a:t>26</a:t>
-            </a:fld>
-            <a:endParaRPr lang="en-US" dirty="0"/>
-          </a:p>
-        </p:txBody>
-      </p:sp>
       <p:pic>
         <p:nvPicPr>
-          <p:cNvPr id="9" name="Picture 8">
-            <a:extLst>
-              <a:ext uri="{FF2B5EF4-FFF2-40B4-BE49-F238E27FC236}">
-                <a16:creationId xmlns:a16="http://schemas.microsoft.com/office/drawing/2014/main" id="{298E9210-25C0-09E1-AFFC-5039C55A3127}"/>
+          <p:cNvPr id="9" name="Content Placeholder 8">
+            <a:extLst>
+              <a:ext uri="{FF2B5EF4-FFF2-40B4-BE49-F238E27FC236}">
+                <a16:creationId xmlns:a16="http://schemas.microsoft.com/office/drawing/2014/main" id="{EA388DB5-FBC0-32EF-0776-6DDBFBF2D56E}"/>
               </a:ext>
             </a:extLst>
           </p:cNvPr>
           <p:cNvPicPr>
-            <a:picLocks noChangeAspect="1"/>
+            <a:picLocks noGrp="1" noChangeAspect="1"/>
           </p:cNvPicPr>
-          <p:nvPr/>
+          <p:nvPr>
+            <p:ph sz="half" idx="15"/>
+          </p:nvPr>
         </p:nvPicPr>
         <p:blipFill>
           <a:blip r:embed="rId2"/>
@@ -11072,8 +12169,65 @@
         </p:blipFill>
         <p:spPr>
           <a:xfrm>
-            <a:off x="2351314" y="1306286"/>
-            <a:ext cx="6305228" cy="4742821"/>
+            <a:off x="633046" y="1347392"/>
+            <a:ext cx="6079253" cy="874615"/>
+          </a:xfrm>
+        </p:spPr>
+      </p:pic>
+      <p:sp>
+        <p:nvSpPr>
+          <p:cNvPr id="7" name="Slide Number Placeholder 6">
+            <a:extLst>
+              <a:ext uri="{FF2B5EF4-FFF2-40B4-BE49-F238E27FC236}">
+                <a16:creationId xmlns:a16="http://schemas.microsoft.com/office/drawing/2014/main" id="{9D857456-A5A5-0481-BD88-1B0EDFAD3740}"/>
+              </a:ext>
+            </a:extLst>
+          </p:cNvPr>
+          <p:cNvSpPr>
+            <a:spLocks noGrp="1"/>
+          </p:cNvSpPr>
+          <p:nvPr>
+            <p:ph type="sldNum" sz="quarter" idx="13"/>
+          </p:nvPr>
+        </p:nvSpPr>
+        <p:spPr/>
+        <p:txBody>
+          <a:bodyPr/>
+          <a:lstStyle/>
+          <a:p>
+            <a:fld id="{A49DFD55-3C28-40EF-9E31-A92D2E4017FF}" type="slidenum">
+              <a:rPr lang="en-US" smtClean="0"/>
+              <a:pPr/>
+              <a:t>26</a:t>
+            </a:fld>
+            <a:endParaRPr lang="en-US" dirty="0"/>
+          </a:p>
+        </p:txBody>
+      </p:sp>
+      <p:pic>
+        <p:nvPicPr>
+          <p:cNvPr id="11" name="Picture 10">
+            <a:extLst>
+              <a:ext uri="{FF2B5EF4-FFF2-40B4-BE49-F238E27FC236}">
+                <a16:creationId xmlns:a16="http://schemas.microsoft.com/office/drawing/2014/main" id="{E10B7E79-7D39-8772-415E-339311740F2A}"/>
+              </a:ext>
+            </a:extLst>
+          </p:cNvPr>
+          <p:cNvPicPr>
+            <a:picLocks noChangeAspect="1"/>
+          </p:cNvPicPr>
+          <p:nvPr/>
+        </p:nvPicPr>
+        <p:blipFill>
+          <a:blip r:embed="rId3"/>
+          <a:stretch>
+            <a:fillRect/>
+          </a:stretch>
+        </p:blipFill>
+        <p:spPr>
+          <a:xfrm>
+            <a:off x="633046" y="2393742"/>
+            <a:ext cx="5534706" cy="3374012"/>
           </a:xfrm>
           <a:prstGeom prst="rect">
             <a:avLst/>
@@ -11083,7 +12237,7 @@
     </p:spTree>
     <p:extLst>
       <p:ext uri="{BB962C8B-B14F-4D97-AF65-F5344CB8AC3E}">
-        <p14:creationId xmlns:p14="http://schemas.microsoft.com/office/powerpoint/2010/main" val="1437701250"/>
+        <p14:creationId xmlns:p14="http://schemas.microsoft.com/office/powerpoint/2010/main" val="1291220640"/>
       </p:ext>
     </p:extLst>
   </p:cSld>
@@ -11112,151 +12266,80 @@
       </p:grpSpPr>
       <p:sp>
         <p:nvSpPr>
-          <p:cNvPr id="17" name="Title 1">
-            <a:extLst>
-              <a:ext uri="{FF2B5EF4-FFF2-40B4-BE49-F238E27FC236}">
-                <a16:creationId xmlns:a16="http://schemas.microsoft.com/office/drawing/2014/main" id="{09140014-73D5-419B-8867-972BB18D52D4}"/>
-              </a:ext>
-            </a:extLst>
-          </p:cNvPr>
-          <p:cNvSpPr>
-            <a:spLocks noGrp="1"/>
-          </p:cNvSpPr>
-          <p:nvPr>
-            <p:ph type="title"/>
-          </p:nvPr>
-        </p:nvSpPr>
-        <p:spPr>
-          <a:xfrm>
-            <a:off x="539360" y="-1174737"/>
-            <a:ext cx="5655197" cy="1997867"/>
-          </a:xfrm>
-        </p:spPr>
-        <p:txBody>
-          <a:bodyPr anchor="b"/>
+          <p:cNvPr id="2" name="Title 1">
+            <a:extLst>
+              <a:ext uri="{FF2B5EF4-FFF2-40B4-BE49-F238E27FC236}">
+                <a16:creationId xmlns:a16="http://schemas.microsoft.com/office/drawing/2014/main" id="{69F8C927-FD4B-6760-5915-F0A34E97A93D}"/>
+              </a:ext>
+            </a:extLst>
+          </p:cNvPr>
+          <p:cNvSpPr>
+            <a:spLocks noGrp="1"/>
+          </p:cNvSpPr>
+          <p:nvPr>
+            <p:ph type="ctrTitle"/>
+          </p:nvPr>
+        </p:nvSpPr>
+        <p:spPr/>
+        <p:txBody>
+          <a:bodyPr/>
           <a:lstStyle/>
           <a:p>
             <a:r>
               <a:rPr lang="en-US" dirty="0"/>
-              <a:t>conclusions</a:t>
-            </a:r>
-          </a:p>
-        </p:txBody>
-      </p:sp>
-      <p:sp>
-        <p:nvSpPr>
-          <p:cNvPr id="20" name="Content Placeholder 3">
-            <a:extLst>
-              <a:ext uri="{FF2B5EF4-FFF2-40B4-BE49-F238E27FC236}">
-                <a16:creationId xmlns:a16="http://schemas.microsoft.com/office/drawing/2014/main" id="{33D8731E-4977-402E-8BFD-895B4D0544CC}"/>
-              </a:ext>
-            </a:extLst>
-          </p:cNvPr>
-          <p:cNvSpPr>
-            <a:spLocks noGrp="1"/>
-          </p:cNvSpPr>
-          <p:nvPr>
-            <p:ph sz="half" idx="2"/>
-          </p:nvPr>
-        </p:nvSpPr>
-        <p:spPr>
-          <a:xfrm>
-            <a:off x="445544" y="929862"/>
-            <a:ext cx="5733773" cy="3032733"/>
-          </a:xfrm>
-        </p:spPr>
-        <p:txBody>
-          <a:bodyPr>
-            <a:noAutofit/>
-          </a:bodyPr>
+              <a:t>Part 2</a:t>
+            </a:r>
+            <a:endParaRPr lang="en-IL" dirty="0"/>
+          </a:p>
+        </p:txBody>
+      </p:sp>
+      <p:sp>
+        <p:nvSpPr>
+          <p:cNvPr id="3" name="Subtitle 2">
+            <a:extLst>
+              <a:ext uri="{FF2B5EF4-FFF2-40B4-BE49-F238E27FC236}">
+                <a16:creationId xmlns:a16="http://schemas.microsoft.com/office/drawing/2014/main" id="{DA50D3F0-64BB-DD49-58FC-3CCDFFC36249}"/>
+              </a:ext>
+            </a:extLst>
+          </p:cNvPr>
+          <p:cNvSpPr>
+            <a:spLocks noGrp="1"/>
+          </p:cNvSpPr>
+          <p:nvPr>
+            <p:ph type="subTitle" idx="1"/>
+          </p:nvPr>
+        </p:nvSpPr>
+        <p:spPr>
+          <a:xfrm>
+            <a:off x="4267199" y="3238103"/>
+            <a:ext cx="5529943" cy="2850181"/>
+          </a:xfrm>
+        </p:spPr>
+        <p:txBody>
+          <a:bodyPr/>
           <a:lstStyle/>
           <a:p>
-            <a:pPr>
-              <a:lnSpc>
-                <a:spcPct val="107000"/>
-              </a:lnSpc>
-              <a:spcAft>
-                <a:spcPts val="800"/>
-              </a:spcAft>
-            </a:pPr>
-            <a:r>
-              <a:rPr lang="en-IL" sz="1600" kern="100" dirty="0">
-                <a:effectLst/>
-                <a:latin typeface="Aptos" panose="020B0004020202020204" pitchFamily="34" charset="0"/>
-                <a:ea typeface="Aptos" panose="020B0004020202020204" pitchFamily="34" charset="0"/>
-                <a:cs typeface="Arial" panose="020B0604020202020204" pitchFamily="34" charset="0"/>
-              </a:rPr>
-              <a:t>Overall – </a:t>
-            </a:r>
-          </a:p>
-          <a:p>
-            <a:pPr>
-              <a:lnSpc>
-                <a:spcPct val="107000"/>
-              </a:lnSpc>
-              <a:spcAft>
-                <a:spcPts val="800"/>
-              </a:spcAft>
-            </a:pPr>
-            <a:r>
-              <a:rPr lang="en-IL" sz="1600" kern="100" dirty="0">
-                <a:effectLst/>
-                <a:latin typeface="Aptos" panose="020B0004020202020204" pitchFamily="34" charset="0"/>
-                <a:ea typeface="Aptos" panose="020B0004020202020204" pitchFamily="34" charset="0"/>
-                <a:cs typeface="Arial" panose="020B0604020202020204" pitchFamily="34" charset="0"/>
-              </a:rPr>
-              <a:t>The expectation that a man is looking constantly to further and develop in his career and earning money and a woman focuses more on studying something she enjoys or has a lot of meaning and purpose. </a:t>
-            </a:r>
-          </a:p>
-          <a:p>
-            <a:pPr>
-              <a:lnSpc>
-                <a:spcPct val="107000"/>
-              </a:lnSpc>
-              <a:spcAft>
-                <a:spcPts val="800"/>
-              </a:spcAft>
-            </a:pPr>
-            <a:r>
-              <a:rPr lang="en-IL" sz="1600" kern="100" dirty="0">
-                <a:effectLst/>
-                <a:latin typeface="Aptos" panose="020B0004020202020204" pitchFamily="34" charset="0"/>
-                <a:ea typeface="Aptos" panose="020B0004020202020204" pitchFamily="34" charset="0"/>
-                <a:cs typeface="Arial" panose="020B0604020202020204" pitchFamily="34" charset="0"/>
-              </a:rPr>
-              <a:t>The results we got didn’t show as we expected, there wasn’t as much of a defence in the key words as we thought there would be.</a:t>
-            </a:r>
-          </a:p>
-          <a:p>
-            <a:pPr>
-              <a:lnSpc>
-                <a:spcPct val="107000"/>
-              </a:lnSpc>
-              <a:spcAft>
-                <a:spcPts val="800"/>
-              </a:spcAft>
-            </a:pPr>
-            <a:r>
-              <a:rPr lang="en-IL" sz="1600" kern="100" dirty="0">
-                <a:effectLst/>
-                <a:latin typeface="Aptos" panose="020B0004020202020204" pitchFamily="34" charset="0"/>
-                <a:ea typeface="Aptos" panose="020B0004020202020204" pitchFamily="34" charset="0"/>
-                <a:cs typeface="Arial" panose="020B0604020202020204" pitchFamily="34" charset="0"/>
-              </a:rPr>
-              <a:t>In regard to race, there sometimes was a difference between one of the races and the rest of the profiles, but in an inconsistent way.</a:t>
-            </a:r>
-          </a:p>
-          <a:p>
-            <a:endParaRPr lang="en-US" dirty="0"/>
-          </a:p>
-        </p:txBody>
-      </p:sp>
-      <p:sp>
-        <p:nvSpPr>
-          <p:cNvPr id="9" name="Slide Number Placeholder 8">
-            <a:extLst>
-              <a:ext uri="{FF2B5EF4-FFF2-40B4-BE49-F238E27FC236}">
-                <a16:creationId xmlns:a16="http://schemas.microsoft.com/office/drawing/2014/main" id="{C396FFDC-ADE8-4009-A466-A81787258E88}"/>
+            <a:pPr algn="r"/>
+            <a:r>
+              <a:rPr lang="he-IL" dirty="0"/>
+              <a:t>תרגום השאלות לעברית.</a:t>
+            </a:r>
+          </a:p>
+          <a:p>
+            <a:pPr algn="r"/>
+            <a:r>
+              <a:rPr lang="he-IL" dirty="0"/>
+              <a:t>תרגמנו את השאלות לאנגלית למין נקבה ומין זכר </a:t>
+            </a:r>
+          </a:p>
+        </p:txBody>
+      </p:sp>
+      <p:sp>
+        <p:nvSpPr>
+          <p:cNvPr id="4" name="Slide Number Placeholder 3">
+            <a:extLst>
+              <a:ext uri="{FF2B5EF4-FFF2-40B4-BE49-F238E27FC236}">
+                <a16:creationId xmlns:a16="http://schemas.microsoft.com/office/drawing/2014/main" id="{608FBA5B-9D17-A5BA-A273-27B643F3EE27}"/>
               </a:ext>
             </a:extLst>
           </p:cNvPr>
@@ -11267,12 +12350,7 @@
             <p:ph type="sldNum" sz="quarter" idx="12"/>
           </p:nvPr>
         </p:nvSpPr>
-        <p:spPr>
-          <a:xfrm>
-            <a:off x="8610600" y="6356350"/>
-            <a:ext cx="2743200" cy="365125"/>
-          </a:xfrm>
-        </p:spPr>
+        <p:spPr/>
         <p:txBody>
           <a:bodyPr/>
           <a:lstStyle/>
@@ -11289,7 +12367,7 @@
     </p:spTree>
     <p:extLst>
       <p:ext uri="{BB962C8B-B14F-4D97-AF65-F5344CB8AC3E}">
-        <p14:creationId xmlns:p14="http://schemas.microsoft.com/office/powerpoint/2010/main" val="1645705637"/>
+        <p14:creationId xmlns:p14="http://schemas.microsoft.com/office/powerpoint/2010/main" val="2883335437"/>
       </p:ext>
     </p:extLst>
   </p:cSld>
@@ -11318,10 +12396,10 @@
       </p:grpSpPr>
       <p:sp>
         <p:nvSpPr>
-          <p:cNvPr id="2" name="Title 1">
-            <a:extLst>
-              <a:ext uri="{FF2B5EF4-FFF2-40B4-BE49-F238E27FC236}">
-                <a16:creationId xmlns:a16="http://schemas.microsoft.com/office/drawing/2014/main" id="{0516C8B1-C69B-244B-3F19-41F60C001637}"/>
+          <p:cNvPr id="8" name="Title 2">
+            <a:extLst>
+              <a:ext uri="{FF2B5EF4-FFF2-40B4-BE49-F238E27FC236}">
+                <a16:creationId xmlns:a16="http://schemas.microsoft.com/office/drawing/2014/main" id="{3E5FEE2D-79E5-4C1D-8BF7-EE619CA7039A}"/>
               </a:ext>
             </a:extLst>
           </p:cNvPr>
@@ -11332,178 +12410,135 @@
             <p:ph type="title"/>
           </p:nvPr>
         </p:nvSpPr>
-        <p:spPr/>
-        <p:txBody>
-          <a:bodyPr/>
+        <p:spPr>
+          <a:xfrm>
+            <a:off x="587365" y="432233"/>
+            <a:ext cx="7429500" cy="864004"/>
+          </a:xfrm>
+        </p:spPr>
+        <p:txBody>
+          <a:bodyPr anchor="b">
+            <a:normAutofit/>
+          </a:bodyPr>
           <a:lstStyle/>
           <a:p>
             <a:r>
               <a:rPr lang="en-US" dirty="0"/>
-              <a:t>Conclusions</a:t>
-            </a:r>
-            <a:endParaRPr lang="en-IL" dirty="0"/>
-          </a:p>
-        </p:txBody>
-      </p:sp>
-      <p:sp>
-        <p:nvSpPr>
-          <p:cNvPr id="4" name="Content Placeholder 3">
-            <a:extLst>
-              <a:ext uri="{FF2B5EF4-FFF2-40B4-BE49-F238E27FC236}">
-                <a16:creationId xmlns:a16="http://schemas.microsoft.com/office/drawing/2014/main" id="{005C0E9A-17DC-475A-AA10-D3CD5C69787B}"/>
-              </a:ext>
-            </a:extLst>
-          </p:cNvPr>
-          <p:cNvSpPr>
-            <a:spLocks noGrp="1"/>
-          </p:cNvSpPr>
-          <p:nvPr>
-            <p:ph sz="half" idx="13"/>
-          </p:nvPr>
-        </p:nvSpPr>
-        <p:spPr>
-          <a:xfrm>
-            <a:off x="2933700" y="2797255"/>
-            <a:ext cx="3943627" cy="3688605"/>
-          </a:xfrm>
-        </p:spPr>
-        <p:txBody>
-          <a:bodyPr/>
+              <a:t>RESULTS</a:t>
+            </a:r>
+          </a:p>
+        </p:txBody>
+      </p:sp>
+      <p:sp>
+        <p:nvSpPr>
+          <p:cNvPr id="5" name="Slide Number Placeholder 5">
+            <a:extLst>
+              <a:ext uri="{FF2B5EF4-FFF2-40B4-BE49-F238E27FC236}">
+                <a16:creationId xmlns:a16="http://schemas.microsoft.com/office/drawing/2014/main" id="{4832B776-E386-1CF9-CC8F-2D2FF3EA7066}"/>
+              </a:ext>
+            </a:extLst>
+          </p:cNvPr>
+          <p:cNvSpPr>
+            <a:spLocks noGrp="1"/>
+          </p:cNvSpPr>
+          <p:nvPr>
+            <p:ph type="sldNum" sz="quarter" idx="13"/>
+          </p:nvPr>
+        </p:nvSpPr>
+        <p:spPr>
+          <a:xfrm>
+            <a:off x="10373350" y="6356349"/>
+            <a:ext cx="987552" cy="365125"/>
+          </a:xfrm>
+        </p:spPr>
+        <p:txBody>
+          <a:bodyPr anchor="ctr">
+            <a:normAutofit/>
+          </a:bodyPr>
           <a:lstStyle/>
           <a:p>
-            <a:r>
-              <a:rPr lang="en-US" dirty="0"/>
-              <a:t>This is a big topic, and there is a lot more research that can be done in the field, we have only touched the surface here.</a:t>
-            </a:r>
-          </a:p>
-          <a:p>
-            <a:r>
-              <a:rPr lang="en-US" dirty="0"/>
-              <a:t>More AI models, larger data field etc.</a:t>
-            </a:r>
-            <a:endParaRPr lang="en-IL" dirty="0"/>
-          </a:p>
-        </p:txBody>
-      </p:sp>
-      <p:sp>
-        <p:nvSpPr>
-          <p:cNvPr id="5" name="Text Placeholder 4">
-            <a:extLst>
-              <a:ext uri="{FF2B5EF4-FFF2-40B4-BE49-F238E27FC236}">
-                <a16:creationId xmlns:a16="http://schemas.microsoft.com/office/drawing/2014/main" id="{B0E1E704-10E8-3F7C-C723-A2663F5D2A07}"/>
-              </a:ext>
-            </a:extLst>
-          </p:cNvPr>
-          <p:cNvSpPr>
-            <a:spLocks noGrp="1"/>
-          </p:cNvSpPr>
-          <p:nvPr>
-            <p:ph type="body" sz="quarter" idx="3"/>
-          </p:nvPr>
-        </p:nvSpPr>
-        <p:spPr/>
-        <p:txBody>
-          <a:bodyPr/>
-          <a:lstStyle/>
-          <a:p>
-            <a:r>
-              <a:rPr lang="en-US" dirty="0"/>
-              <a:t>Further acknowledgments </a:t>
-            </a:r>
-            <a:endParaRPr lang="en-IL" dirty="0"/>
-          </a:p>
-        </p:txBody>
-      </p:sp>
-      <p:sp>
-        <p:nvSpPr>
-          <p:cNvPr id="6" name="Content Placeholder 5">
-            <a:extLst>
-              <a:ext uri="{FF2B5EF4-FFF2-40B4-BE49-F238E27FC236}">
-                <a16:creationId xmlns:a16="http://schemas.microsoft.com/office/drawing/2014/main" id="{D61BBD67-4480-65A3-235F-36810243F13D}"/>
-              </a:ext>
-            </a:extLst>
-          </p:cNvPr>
-          <p:cNvSpPr>
-            <a:spLocks noGrp="1"/>
-          </p:cNvSpPr>
-          <p:nvPr>
-            <p:ph sz="half" idx="14"/>
-          </p:nvPr>
-        </p:nvSpPr>
-        <p:spPr/>
-        <p:txBody>
-          <a:bodyPr/>
-          <a:lstStyle/>
-          <a:p>
-            <a:pPr algn="r" rtl="1"/>
-            <a:r>
-              <a:rPr lang="he-IL" dirty="0"/>
-              <a:t>מתי ה</a:t>
-            </a:r>
-            <a:r>
-              <a:rPr lang="en-US" dirty="0"/>
-              <a:t>CHAT</a:t>
-            </a:r>
-            <a:r>
-              <a:rPr lang="he-IL" dirty="0"/>
-              <a:t> הוא באת מוטה ומתי זה נכון להגיד שבאמת יותר נשים עוסקות בתחום אחד ויותר גברים עוסקים בתחם אחר אז הגיוני שיהיה הטיה לתחום ספציפי – מתי משהו משקף את המציאות והוא באמת נכון?</a:t>
-            </a:r>
-          </a:p>
-          <a:p>
-            <a:pPr algn="r" rtl="1"/>
-            <a:r>
-              <a:rPr lang="he-IL" dirty="0"/>
-              <a:t>ומתי משהו הוא מפה?</a:t>
-            </a:r>
-          </a:p>
-          <a:p>
-            <a:pPr algn="r" rtl="1"/>
-            <a:endParaRPr lang="he-IL" dirty="0"/>
-          </a:p>
-          <a:p>
-            <a:pPr algn="r" rtl="1"/>
-            <a:r>
-              <a:rPr lang="he-IL" dirty="0"/>
-              <a:t>שאלה פתוחה</a:t>
-            </a:r>
-            <a:endParaRPr lang="en-IL" dirty="0"/>
-          </a:p>
-        </p:txBody>
-      </p:sp>
-      <p:sp>
-        <p:nvSpPr>
-          <p:cNvPr id="7" name="Slide Number Placeholder 6">
-            <a:extLst>
-              <a:ext uri="{FF2B5EF4-FFF2-40B4-BE49-F238E27FC236}">
-                <a16:creationId xmlns:a16="http://schemas.microsoft.com/office/drawing/2014/main" id="{9C69D25A-5314-032B-CF0E-099A13219251}"/>
-              </a:ext>
-            </a:extLst>
-          </p:cNvPr>
-          <p:cNvSpPr>
-            <a:spLocks noGrp="1"/>
-          </p:cNvSpPr>
-          <p:nvPr>
-            <p:ph type="sldNum" sz="quarter" idx="12"/>
-          </p:nvPr>
-        </p:nvSpPr>
-        <p:spPr/>
-        <p:txBody>
-          <a:bodyPr/>
-          <a:lstStyle/>
-          <a:p>
+            <a:pPr>
+              <a:spcAft>
+                <a:spcPts val="600"/>
+              </a:spcAft>
+            </a:pPr>
             <a:fld id="{A49DFD55-3C28-40EF-9E31-A92D2E4017FF}" type="slidenum">
               <a:rPr lang="en-US" smtClean="0"/>
-              <a:pPr/>
+              <a:pPr>
+                <a:spcAft>
+                  <a:spcPts val="600"/>
+                </a:spcAft>
+              </a:pPr>
               <a:t>28</a:t>
             </a:fld>
-            <a:endParaRPr lang="en-US" dirty="0"/>
-          </a:p>
-        </p:txBody>
-      </p:sp>
+            <a:endParaRPr lang="en-US"/>
+          </a:p>
+        </p:txBody>
+      </p:sp>
+      <p:pic>
+        <p:nvPicPr>
+          <p:cNvPr id="9" name="Picture 8">
+            <a:extLst>
+              <a:ext uri="{FF2B5EF4-FFF2-40B4-BE49-F238E27FC236}">
+                <a16:creationId xmlns:a16="http://schemas.microsoft.com/office/drawing/2014/main" id="{C832C91D-7398-0282-E6F0-1F5C137F86FF}"/>
+              </a:ext>
+            </a:extLst>
+          </p:cNvPr>
+          <p:cNvPicPr>
+            <a:picLocks noChangeAspect="1"/>
+          </p:cNvPicPr>
+          <p:nvPr/>
+        </p:nvPicPr>
+        <p:blipFill>
+          <a:blip r:embed="rId3"/>
+          <a:stretch>
+            <a:fillRect/>
+          </a:stretch>
+        </p:blipFill>
+        <p:spPr>
+          <a:xfrm>
+            <a:off x="763295" y="1437456"/>
+            <a:ext cx="6019341" cy="4773457"/>
+          </a:xfrm>
+          <a:prstGeom prst="rect">
+            <a:avLst/>
+          </a:prstGeom>
+        </p:spPr>
+      </p:pic>
+      <p:pic>
+        <p:nvPicPr>
+          <p:cNvPr id="18" name="Picture 17">
+            <a:extLst>
+              <a:ext uri="{FF2B5EF4-FFF2-40B4-BE49-F238E27FC236}">
+                <a16:creationId xmlns:a16="http://schemas.microsoft.com/office/drawing/2014/main" id="{E133728A-E6CD-DCB8-1D9C-5ED6B609A9B4}"/>
+              </a:ext>
+            </a:extLst>
+          </p:cNvPr>
+          <p:cNvPicPr>
+            <a:picLocks noChangeAspect="1"/>
+          </p:cNvPicPr>
+          <p:nvPr/>
+        </p:nvPicPr>
+        <p:blipFill>
+          <a:blip r:embed="rId4"/>
+          <a:stretch>
+            <a:fillRect/>
+          </a:stretch>
+        </p:blipFill>
+        <p:spPr>
+          <a:xfrm>
+            <a:off x="6782636" y="1971063"/>
+            <a:ext cx="4706527" cy="3203839"/>
+          </a:xfrm>
+          <a:prstGeom prst="rect">
+            <a:avLst/>
+          </a:prstGeom>
+        </p:spPr>
+      </p:pic>
     </p:spTree>
     <p:extLst>
       <p:ext uri="{BB962C8B-B14F-4D97-AF65-F5344CB8AC3E}">
-        <p14:creationId xmlns:p14="http://schemas.microsoft.com/office/powerpoint/2010/main" val="3212140604"/>
+        <p14:creationId xmlns:p14="http://schemas.microsoft.com/office/powerpoint/2010/main" val="1484826027"/>
       </p:ext>
     </p:extLst>
   </p:cSld>
@@ -11535,56 +12570,54 @@
           <p:cNvPr id="2" name="Title 1">
             <a:extLst>
               <a:ext uri="{FF2B5EF4-FFF2-40B4-BE49-F238E27FC236}">
-                <a16:creationId xmlns:a16="http://schemas.microsoft.com/office/drawing/2014/main" id="{8BDF1EDE-5423-435C-B149-87AB1BC22B83}"/>
-              </a:ext>
-            </a:extLst>
-          </p:cNvPr>
-          <p:cNvSpPr>
-            <a:spLocks noGrp="1"/>
-          </p:cNvSpPr>
-          <p:nvPr>
-            <p:ph type="ctrTitle"/>
-          </p:nvPr>
-        </p:nvSpPr>
-        <p:spPr>
-          <a:xfrm>
-            <a:off x="4009292" y="2100104"/>
-            <a:ext cx="4437478" cy="1487157"/>
-          </a:xfrm>
-        </p:spPr>
-        <p:txBody>
-          <a:bodyPr/>
+                <a16:creationId xmlns:a16="http://schemas.microsoft.com/office/drawing/2014/main" id="{079C918D-48B1-65EC-E2C6-46EDC659726E}"/>
+              </a:ext>
+            </a:extLst>
+          </p:cNvPr>
+          <p:cNvSpPr>
+            <a:spLocks noGrp="1"/>
+          </p:cNvSpPr>
+          <p:nvPr>
+            <p:ph type="title"/>
+          </p:nvPr>
+        </p:nvSpPr>
+        <p:spPr>
+          <a:xfrm>
+            <a:off x="552659" y="267394"/>
+            <a:ext cx="10231229" cy="439419"/>
+          </a:xfrm>
+        </p:spPr>
+        <p:txBody>
+          <a:bodyPr>
+            <a:normAutofit fontScale="90000"/>
+          </a:bodyPr>
           <a:lstStyle/>
           <a:p>
             <a:r>
               <a:rPr lang="en-US" dirty="0"/>
-              <a:t>THANK YOU!</a:t>
-            </a:r>
-          </a:p>
-        </p:txBody>
-      </p:sp>
-      <p:sp>
-        <p:nvSpPr>
-          <p:cNvPr id="6" name="Slide Number Placeholder 5">
-            <a:extLst>
-              <a:ext uri="{FF2B5EF4-FFF2-40B4-BE49-F238E27FC236}">
-                <a16:creationId xmlns:a16="http://schemas.microsoft.com/office/drawing/2014/main" id="{4C127D99-645F-4FCF-9573-FDFE2A344FA9}"/>
-              </a:ext>
-            </a:extLst>
-          </p:cNvPr>
-          <p:cNvSpPr>
-            <a:spLocks noGrp="1"/>
-          </p:cNvSpPr>
-          <p:nvPr>
-            <p:ph type="sldNum" sz="quarter" idx="12"/>
-          </p:nvPr>
-        </p:nvSpPr>
-        <p:spPr>
-          <a:xfrm>
-            <a:off x="9579428" y="6356350"/>
-            <a:ext cx="1774371" cy="365125"/>
-          </a:xfrm>
-        </p:spPr>
+              <a:t>Surprising results </a:t>
+            </a:r>
+            <a:endParaRPr lang="en-IL" dirty="0"/>
+          </a:p>
+        </p:txBody>
+      </p:sp>
+      <p:sp>
+        <p:nvSpPr>
+          <p:cNvPr id="7" name="Slide Number Placeholder 6">
+            <a:extLst>
+              <a:ext uri="{FF2B5EF4-FFF2-40B4-BE49-F238E27FC236}">
+                <a16:creationId xmlns:a16="http://schemas.microsoft.com/office/drawing/2014/main" id="{7EFCF694-0A55-9141-0DD6-A2DD28E6C7E7}"/>
+              </a:ext>
+            </a:extLst>
+          </p:cNvPr>
+          <p:cNvSpPr>
+            <a:spLocks noGrp="1"/>
+          </p:cNvSpPr>
+          <p:nvPr>
+            <p:ph type="sldNum" sz="quarter" idx="13"/>
+          </p:nvPr>
+        </p:nvSpPr>
+        <p:spPr/>
         <p:txBody>
           <a:bodyPr/>
           <a:lstStyle/>
@@ -11598,10 +12631,40 @@
           </a:p>
         </p:txBody>
       </p:sp>
+      <p:pic>
+        <p:nvPicPr>
+          <p:cNvPr id="17" name="Picture 16">
+            <a:extLst>
+              <a:ext uri="{FF2B5EF4-FFF2-40B4-BE49-F238E27FC236}">
+                <a16:creationId xmlns:a16="http://schemas.microsoft.com/office/drawing/2014/main" id="{C2DDF75B-95C6-8735-E6C6-4196C372DD42}"/>
+              </a:ext>
+            </a:extLst>
+          </p:cNvPr>
+          <p:cNvPicPr>
+            <a:picLocks noChangeAspect="1"/>
+          </p:cNvPicPr>
+          <p:nvPr/>
+        </p:nvPicPr>
+        <p:blipFill>
+          <a:blip r:embed="rId2"/>
+          <a:stretch>
+            <a:fillRect/>
+          </a:stretch>
+        </p:blipFill>
+        <p:spPr>
+          <a:xfrm>
+            <a:off x="1789609" y="929070"/>
+            <a:ext cx="6755008" cy="5205021"/>
+          </a:xfrm>
+          <a:prstGeom prst="rect">
+            <a:avLst/>
+          </a:prstGeom>
+        </p:spPr>
+      </p:pic>
     </p:spTree>
     <p:extLst>
       <p:ext uri="{BB962C8B-B14F-4D97-AF65-F5344CB8AC3E}">
-        <p14:creationId xmlns:p14="http://schemas.microsoft.com/office/powerpoint/2010/main" val="1969787568"/>
+        <p14:creationId xmlns:p14="http://schemas.microsoft.com/office/powerpoint/2010/main" val="916030493"/>
       </p:ext>
     </p:extLst>
   </p:cSld>
@@ -11665,6 +12728,648 @@
     <p:extLst>
       <p:ext uri="{BB962C8B-B14F-4D97-AF65-F5344CB8AC3E}">
         <p14:creationId xmlns:p14="http://schemas.microsoft.com/office/powerpoint/2010/main" val="608796113"/>
+      </p:ext>
+    </p:extLst>
+  </p:cSld>
+  <p:clrMapOvr>
+    <a:masterClrMapping/>
+  </p:clrMapOvr>
+</p:sld>
+</file>
+
+<file path=ppt/slides/slide30.xml><?xml version="1.0" encoding="utf-8"?>
+<p:sld xmlns:a="http://schemas.openxmlformats.org/drawingml/2006/main" xmlns:r="http://schemas.openxmlformats.org/officeDocument/2006/relationships" xmlns:p="http://schemas.openxmlformats.org/presentationml/2006/main">
+  <p:cSld>
+    <p:spTree>
+      <p:nvGrpSpPr>
+        <p:cNvPr id="1" name=""/>
+        <p:cNvGrpSpPr/>
+        <p:nvPr/>
+      </p:nvGrpSpPr>
+      <p:grpSpPr>
+        <a:xfrm>
+          <a:off x="0" y="0"/>
+          <a:ext cx="0" cy="0"/>
+          <a:chOff x="0" y="0"/>
+          <a:chExt cx="0" cy="0"/>
+        </a:xfrm>
+      </p:grpSpPr>
+      <p:sp>
+        <p:nvSpPr>
+          <p:cNvPr id="2" name="Title 1">
+            <a:extLst>
+              <a:ext uri="{FF2B5EF4-FFF2-40B4-BE49-F238E27FC236}">
+                <a16:creationId xmlns:a16="http://schemas.microsoft.com/office/drawing/2014/main" id="{66A3FBA8-2B05-1880-3D6B-56A7C5123A3B}"/>
+              </a:ext>
+            </a:extLst>
+          </p:cNvPr>
+          <p:cNvSpPr>
+            <a:spLocks noGrp="1"/>
+          </p:cNvSpPr>
+          <p:nvPr>
+            <p:ph type="title"/>
+          </p:nvPr>
+        </p:nvSpPr>
+        <p:spPr>
+          <a:xfrm>
+            <a:off x="527204" y="649236"/>
+            <a:ext cx="9953308" cy="657050"/>
+          </a:xfrm>
+        </p:spPr>
+        <p:txBody>
+          <a:bodyPr/>
+          <a:lstStyle/>
+          <a:p>
+            <a:r>
+              <a:rPr lang="en-US" dirty="0"/>
+              <a:t>Results </a:t>
+            </a:r>
+            <a:endParaRPr lang="en-IL" dirty="0"/>
+          </a:p>
+        </p:txBody>
+      </p:sp>
+      <p:sp>
+        <p:nvSpPr>
+          <p:cNvPr id="7" name="Slide Number Placeholder 6">
+            <a:extLst>
+              <a:ext uri="{FF2B5EF4-FFF2-40B4-BE49-F238E27FC236}">
+                <a16:creationId xmlns:a16="http://schemas.microsoft.com/office/drawing/2014/main" id="{46669695-E431-55AA-06A2-26DD3890E7B5}"/>
+              </a:ext>
+            </a:extLst>
+          </p:cNvPr>
+          <p:cNvSpPr>
+            <a:spLocks noGrp="1"/>
+          </p:cNvSpPr>
+          <p:nvPr>
+            <p:ph type="sldNum" sz="quarter" idx="13"/>
+          </p:nvPr>
+        </p:nvSpPr>
+        <p:spPr/>
+        <p:txBody>
+          <a:bodyPr/>
+          <a:lstStyle/>
+          <a:p>
+            <a:fld id="{A49DFD55-3C28-40EF-9E31-A92D2E4017FF}" type="slidenum">
+              <a:rPr lang="en-US" smtClean="0"/>
+              <a:pPr/>
+              <a:t>30</a:t>
+            </a:fld>
+            <a:endParaRPr lang="en-US" dirty="0"/>
+          </a:p>
+        </p:txBody>
+      </p:sp>
+      <p:pic>
+        <p:nvPicPr>
+          <p:cNvPr id="9" name="Picture 8">
+            <a:extLst>
+              <a:ext uri="{FF2B5EF4-FFF2-40B4-BE49-F238E27FC236}">
+                <a16:creationId xmlns:a16="http://schemas.microsoft.com/office/drawing/2014/main" id="{298E9210-25C0-09E1-AFFC-5039C55A3127}"/>
+              </a:ext>
+            </a:extLst>
+          </p:cNvPr>
+          <p:cNvPicPr>
+            <a:picLocks noChangeAspect="1"/>
+          </p:cNvPicPr>
+          <p:nvPr/>
+        </p:nvPicPr>
+        <p:blipFill>
+          <a:blip r:embed="rId2"/>
+          <a:stretch>
+            <a:fillRect/>
+          </a:stretch>
+        </p:blipFill>
+        <p:spPr>
+          <a:xfrm>
+            <a:off x="2351314" y="1306286"/>
+            <a:ext cx="6305228" cy="4742821"/>
+          </a:xfrm>
+          <a:prstGeom prst="rect">
+            <a:avLst/>
+          </a:prstGeom>
+        </p:spPr>
+      </p:pic>
+    </p:spTree>
+    <p:extLst>
+      <p:ext uri="{BB962C8B-B14F-4D97-AF65-F5344CB8AC3E}">
+        <p14:creationId xmlns:p14="http://schemas.microsoft.com/office/powerpoint/2010/main" val="1437701250"/>
+      </p:ext>
+    </p:extLst>
+  </p:cSld>
+  <p:clrMapOvr>
+    <a:masterClrMapping/>
+  </p:clrMapOvr>
+</p:sld>
+</file>
+
+<file path=ppt/slides/slide31.xml><?xml version="1.0" encoding="utf-8"?>
+<p:sld xmlns:a="http://schemas.openxmlformats.org/drawingml/2006/main" xmlns:r="http://schemas.openxmlformats.org/officeDocument/2006/relationships" xmlns:p="http://schemas.openxmlformats.org/presentationml/2006/main">
+  <p:cSld>
+    <p:spTree>
+      <p:nvGrpSpPr>
+        <p:cNvPr id="1" name=""/>
+        <p:cNvGrpSpPr/>
+        <p:nvPr/>
+      </p:nvGrpSpPr>
+      <p:grpSpPr>
+        <a:xfrm>
+          <a:off x="0" y="0"/>
+          <a:ext cx="0" cy="0"/>
+          <a:chOff x="0" y="0"/>
+          <a:chExt cx="0" cy="0"/>
+        </a:xfrm>
+      </p:grpSpPr>
+      <p:sp>
+        <p:nvSpPr>
+          <p:cNvPr id="17" name="Title 1">
+            <a:extLst>
+              <a:ext uri="{FF2B5EF4-FFF2-40B4-BE49-F238E27FC236}">
+                <a16:creationId xmlns:a16="http://schemas.microsoft.com/office/drawing/2014/main" id="{09140014-73D5-419B-8867-972BB18D52D4}"/>
+              </a:ext>
+            </a:extLst>
+          </p:cNvPr>
+          <p:cNvSpPr>
+            <a:spLocks noGrp="1"/>
+          </p:cNvSpPr>
+          <p:nvPr>
+            <p:ph type="title"/>
+          </p:nvPr>
+        </p:nvSpPr>
+        <p:spPr>
+          <a:xfrm>
+            <a:off x="539360" y="-1174737"/>
+            <a:ext cx="5655197" cy="1997867"/>
+          </a:xfrm>
+        </p:spPr>
+        <p:txBody>
+          <a:bodyPr anchor="b"/>
+          <a:lstStyle/>
+          <a:p>
+            <a:r>
+              <a:rPr lang="en-US" dirty="0"/>
+              <a:t>conclusions</a:t>
+            </a:r>
+          </a:p>
+        </p:txBody>
+      </p:sp>
+      <p:sp>
+        <p:nvSpPr>
+          <p:cNvPr id="20" name="Content Placeholder 3">
+            <a:extLst>
+              <a:ext uri="{FF2B5EF4-FFF2-40B4-BE49-F238E27FC236}">
+                <a16:creationId xmlns:a16="http://schemas.microsoft.com/office/drawing/2014/main" id="{33D8731E-4977-402E-8BFD-895B4D0544CC}"/>
+              </a:ext>
+            </a:extLst>
+          </p:cNvPr>
+          <p:cNvSpPr>
+            <a:spLocks noGrp="1"/>
+          </p:cNvSpPr>
+          <p:nvPr>
+            <p:ph sz="half" idx="2"/>
+          </p:nvPr>
+        </p:nvSpPr>
+        <p:spPr>
+          <a:xfrm>
+            <a:off x="445544" y="929862"/>
+            <a:ext cx="5733773" cy="3032733"/>
+          </a:xfrm>
+        </p:spPr>
+        <p:txBody>
+          <a:bodyPr>
+            <a:noAutofit/>
+          </a:bodyPr>
+          <a:lstStyle/>
+          <a:p>
+            <a:pPr>
+              <a:lnSpc>
+                <a:spcPct val="107000"/>
+              </a:lnSpc>
+              <a:spcAft>
+                <a:spcPts val="800"/>
+              </a:spcAft>
+            </a:pPr>
+            <a:r>
+              <a:rPr lang="en-IL" sz="1600" kern="100" dirty="0">
+                <a:effectLst/>
+                <a:latin typeface="Aptos" panose="020B0004020202020204" pitchFamily="34" charset="0"/>
+                <a:ea typeface="Aptos" panose="020B0004020202020204" pitchFamily="34" charset="0"/>
+                <a:cs typeface="Arial" panose="020B0604020202020204" pitchFamily="34" charset="0"/>
+              </a:rPr>
+              <a:t>Overall – </a:t>
+            </a:r>
+          </a:p>
+          <a:p>
+            <a:pPr>
+              <a:lnSpc>
+                <a:spcPct val="107000"/>
+              </a:lnSpc>
+              <a:spcAft>
+                <a:spcPts val="800"/>
+              </a:spcAft>
+            </a:pPr>
+            <a:r>
+              <a:rPr lang="en-IL" sz="1600" kern="100" dirty="0">
+                <a:effectLst/>
+                <a:latin typeface="Aptos" panose="020B0004020202020204" pitchFamily="34" charset="0"/>
+                <a:ea typeface="Aptos" panose="020B0004020202020204" pitchFamily="34" charset="0"/>
+                <a:cs typeface="Arial" panose="020B0604020202020204" pitchFamily="34" charset="0"/>
+              </a:rPr>
+              <a:t>The expectation that a man is looking constantly to further and develop in his career and earning money and a woman focuses more on studying something she enjoys or has a lot of meaning and purpose. </a:t>
+            </a:r>
+          </a:p>
+          <a:p>
+            <a:pPr>
+              <a:lnSpc>
+                <a:spcPct val="107000"/>
+              </a:lnSpc>
+              <a:spcAft>
+                <a:spcPts val="800"/>
+              </a:spcAft>
+            </a:pPr>
+            <a:r>
+              <a:rPr lang="en-IL" sz="1600" kern="100" dirty="0">
+                <a:effectLst/>
+                <a:latin typeface="Aptos" panose="020B0004020202020204" pitchFamily="34" charset="0"/>
+                <a:ea typeface="Aptos" panose="020B0004020202020204" pitchFamily="34" charset="0"/>
+                <a:cs typeface="Arial" panose="020B0604020202020204" pitchFamily="34" charset="0"/>
+              </a:rPr>
+              <a:t>The results we got didn’t show as we expected, there wasn’t as much of a defence in the key words as we thought there would be.</a:t>
+            </a:r>
+          </a:p>
+          <a:p>
+            <a:pPr>
+              <a:lnSpc>
+                <a:spcPct val="107000"/>
+              </a:lnSpc>
+              <a:spcAft>
+                <a:spcPts val="800"/>
+              </a:spcAft>
+            </a:pPr>
+            <a:r>
+              <a:rPr lang="en-IL" sz="1600" kern="100" dirty="0">
+                <a:effectLst/>
+                <a:latin typeface="Aptos" panose="020B0004020202020204" pitchFamily="34" charset="0"/>
+                <a:ea typeface="Aptos" panose="020B0004020202020204" pitchFamily="34" charset="0"/>
+                <a:cs typeface="Arial" panose="020B0604020202020204" pitchFamily="34" charset="0"/>
+              </a:rPr>
+              <a:t>In regard to race, there sometimes was a difference between one of the races and the rest of the profiles, but in an inconsistent way.</a:t>
+            </a:r>
+          </a:p>
+          <a:p>
+            <a:endParaRPr lang="en-US" dirty="0"/>
+          </a:p>
+        </p:txBody>
+      </p:sp>
+      <p:sp>
+        <p:nvSpPr>
+          <p:cNvPr id="9" name="Slide Number Placeholder 8">
+            <a:extLst>
+              <a:ext uri="{FF2B5EF4-FFF2-40B4-BE49-F238E27FC236}">
+                <a16:creationId xmlns:a16="http://schemas.microsoft.com/office/drawing/2014/main" id="{C396FFDC-ADE8-4009-A466-A81787258E88}"/>
+              </a:ext>
+            </a:extLst>
+          </p:cNvPr>
+          <p:cNvSpPr>
+            <a:spLocks noGrp="1"/>
+          </p:cNvSpPr>
+          <p:nvPr>
+            <p:ph type="sldNum" sz="quarter" idx="12"/>
+          </p:nvPr>
+        </p:nvSpPr>
+        <p:spPr>
+          <a:xfrm>
+            <a:off x="8610600" y="6356350"/>
+            <a:ext cx="2743200" cy="365125"/>
+          </a:xfrm>
+        </p:spPr>
+        <p:txBody>
+          <a:bodyPr/>
+          <a:lstStyle/>
+          <a:p>
+            <a:fld id="{A49DFD55-3C28-40EF-9E31-A92D2E4017FF}" type="slidenum">
+              <a:rPr lang="en-US" smtClean="0"/>
+              <a:pPr/>
+              <a:t>31</a:t>
+            </a:fld>
+            <a:endParaRPr lang="en-US" dirty="0"/>
+          </a:p>
+        </p:txBody>
+      </p:sp>
+    </p:spTree>
+    <p:extLst>
+      <p:ext uri="{BB962C8B-B14F-4D97-AF65-F5344CB8AC3E}">
+        <p14:creationId xmlns:p14="http://schemas.microsoft.com/office/powerpoint/2010/main" val="1645705637"/>
+      </p:ext>
+    </p:extLst>
+  </p:cSld>
+  <p:clrMapOvr>
+    <a:masterClrMapping/>
+  </p:clrMapOvr>
+</p:sld>
+</file>
+
+<file path=ppt/slides/slide32.xml><?xml version="1.0" encoding="utf-8"?>
+<p:sld xmlns:a="http://schemas.openxmlformats.org/drawingml/2006/main" xmlns:r="http://schemas.openxmlformats.org/officeDocument/2006/relationships" xmlns:p="http://schemas.openxmlformats.org/presentationml/2006/main">
+  <p:cSld>
+    <p:spTree>
+      <p:nvGrpSpPr>
+        <p:cNvPr id="1" name=""/>
+        <p:cNvGrpSpPr/>
+        <p:nvPr/>
+      </p:nvGrpSpPr>
+      <p:grpSpPr>
+        <a:xfrm>
+          <a:off x="0" y="0"/>
+          <a:ext cx="0" cy="0"/>
+          <a:chOff x="0" y="0"/>
+          <a:chExt cx="0" cy="0"/>
+        </a:xfrm>
+      </p:grpSpPr>
+      <p:sp>
+        <p:nvSpPr>
+          <p:cNvPr id="2" name="Title 1">
+            <a:extLst>
+              <a:ext uri="{FF2B5EF4-FFF2-40B4-BE49-F238E27FC236}">
+                <a16:creationId xmlns:a16="http://schemas.microsoft.com/office/drawing/2014/main" id="{0516C8B1-C69B-244B-3F19-41F60C001637}"/>
+              </a:ext>
+            </a:extLst>
+          </p:cNvPr>
+          <p:cNvSpPr>
+            <a:spLocks noGrp="1"/>
+          </p:cNvSpPr>
+          <p:nvPr>
+            <p:ph type="title"/>
+          </p:nvPr>
+        </p:nvSpPr>
+        <p:spPr/>
+        <p:txBody>
+          <a:bodyPr/>
+          <a:lstStyle/>
+          <a:p>
+            <a:r>
+              <a:rPr lang="en-US" dirty="0"/>
+              <a:t>Conclusions</a:t>
+            </a:r>
+            <a:endParaRPr lang="en-IL" dirty="0"/>
+          </a:p>
+        </p:txBody>
+      </p:sp>
+      <p:sp>
+        <p:nvSpPr>
+          <p:cNvPr id="4" name="Content Placeholder 3">
+            <a:extLst>
+              <a:ext uri="{FF2B5EF4-FFF2-40B4-BE49-F238E27FC236}">
+                <a16:creationId xmlns:a16="http://schemas.microsoft.com/office/drawing/2014/main" id="{005C0E9A-17DC-475A-AA10-D3CD5C69787B}"/>
+              </a:ext>
+            </a:extLst>
+          </p:cNvPr>
+          <p:cNvSpPr>
+            <a:spLocks noGrp="1"/>
+          </p:cNvSpPr>
+          <p:nvPr>
+            <p:ph sz="half" idx="13"/>
+          </p:nvPr>
+        </p:nvSpPr>
+        <p:spPr>
+          <a:xfrm>
+            <a:off x="2933700" y="2797255"/>
+            <a:ext cx="3943627" cy="3688605"/>
+          </a:xfrm>
+        </p:spPr>
+        <p:txBody>
+          <a:bodyPr/>
+          <a:lstStyle/>
+          <a:p>
+            <a:r>
+              <a:rPr lang="en-US" dirty="0"/>
+              <a:t>This is a big topic, and there is a lot more research that can be done in the field, we have only touched the surface here.</a:t>
+            </a:r>
+          </a:p>
+          <a:p>
+            <a:r>
+              <a:rPr lang="en-US" dirty="0"/>
+              <a:t>More AI models, larger data field etc.</a:t>
+            </a:r>
+            <a:endParaRPr lang="en-IL" dirty="0"/>
+          </a:p>
+        </p:txBody>
+      </p:sp>
+      <p:sp>
+        <p:nvSpPr>
+          <p:cNvPr id="5" name="Text Placeholder 4">
+            <a:extLst>
+              <a:ext uri="{FF2B5EF4-FFF2-40B4-BE49-F238E27FC236}">
+                <a16:creationId xmlns:a16="http://schemas.microsoft.com/office/drawing/2014/main" id="{B0E1E704-10E8-3F7C-C723-A2663F5D2A07}"/>
+              </a:ext>
+            </a:extLst>
+          </p:cNvPr>
+          <p:cNvSpPr>
+            <a:spLocks noGrp="1"/>
+          </p:cNvSpPr>
+          <p:nvPr>
+            <p:ph type="body" sz="quarter" idx="3"/>
+          </p:nvPr>
+        </p:nvSpPr>
+        <p:spPr/>
+        <p:txBody>
+          <a:bodyPr/>
+          <a:lstStyle/>
+          <a:p>
+            <a:r>
+              <a:rPr lang="en-US" dirty="0"/>
+              <a:t>Further acknowledgments </a:t>
+            </a:r>
+            <a:endParaRPr lang="en-IL" dirty="0"/>
+          </a:p>
+        </p:txBody>
+      </p:sp>
+      <p:sp>
+        <p:nvSpPr>
+          <p:cNvPr id="6" name="Content Placeholder 5">
+            <a:extLst>
+              <a:ext uri="{FF2B5EF4-FFF2-40B4-BE49-F238E27FC236}">
+                <a16:creationId xmlns:a16="http://schemas.microsoft.com/office/drawing/2014/main" id="{D61BBD67-4480-65A3-235F-36810243F13D}"/>
+              </a:ext>
+            </a:extLst>
+          </p:cNvPr>
+          <p:cNvSpPr>
+            <a:spLocks noGrp="1"/>
+          </p:cNvSpPr>
+          <p:nvPr>
+            <p:ph sz="half" idx="14"/>
+          </p:nvPr>
+        </p:nvSpPr>
+        <p:spPr/>
+        <p:txBody>
+          <a:bodyPr/>
+          <a:lstStyle/>
+          <a:p>
+            <a:pPr algn="r" rtl="1"/>
+            <a:r>
+              <a:rPr lang="he-IL" dirty="0"/>
+              <a:t>מתי ה</a:t>
+            </a:r>
+            <a:r>
+              <a:rPr lang="en-US" dirty="0"/>
+              <a:t>CHAT</a:t>
+            </a:r>
+            <a:r>
+              <a:rPr lang="he-IL" dirty="0"/>
+              <a:t> הוא באת מוטה ומתי זה נכון להגיד שבאמת יותר נשים עוסקות בתחום אחד ויותר גברים עוסקים בתחם אחר אז הגיוני שיהיה הטיה לתחום ספציפי – מתי משהו משקף את המציאות והוא באמת נכון?</a:t>
+            </a:r>
+          </a:p>
+          <a:p>
+            <a:pPr algn="r" rtl="1"/>
+            <a:r>
+              <a:rPr lang="he-IL" dirty="0"/>
+              <a:t>ומתי משהו הוא מפה?</a:t>
+            </a:r>
+          </a:p>
+          <a:p>
+            <a:pPr algn="r" rtl="1"/>
+            <a:endParaRPr lang="he-IL" dirty="0"/>
+          </a:p>
+          <a:p>
+            <a:pPr algn="r" rtl="1"/>
+            <a:r>
+              <a:rPr lang="he-IL" dirty="0"/>
+              <a:t>שאלה פתוחה</a:t>
+            </a:r>
+            <a:endParaRPr lang="en-IL" dirty="0"/>
+          </a:p>
+        </p:txBody>
+      </p:sp>
+      <p:sp>
+        <p:nvSpPr>
+          <p:cNvPr id="7" name="Slide Number Placeholder 6">
+            <a:extLst>
+              <a:ext uri="{FF2B5EF4-FFF2-40B4-BE49-F238E27FC236}">
+                <a16:creationId xmlns:a16="http://schemas.microsoft.com/office/drawing/2014/main" id="{9C69D25A-5314-032B-CF0E-099A13219251}"/>
+              </a:ext>
+            </a:extLst>
+          </p:cNvPr>
+          <p:cNvSpPr>
+            <a:spLocks noGrp="1"/>
+          </p:cNvSpPr>
+          <p:nvPr>
+            <p:ph type="sldNum" sz="quarter" idx="12"/>
+          </p:nvPr>
+        </p:nvSpPr>
+        <p:spPr/>
+        <p:txBody>
+          <a:bodyPr/>
+          <a:lstStyle/>
+          <a:p>
+            <a:fld id="{A49DFD55-3C28-40EF-9E31-A92D2E4017FF}" type="slidenum">
+              <a:rPr lang="en-US" smtClean="0"/>
+              <a:pPr/>
+              <a:t>32</a:t>
+            </a:fld>
+            <a:endParaRPr lang="en-US" dirty="0"/>
+          </a:p>
+        </p:txBody>
+      </p:sp>
+    </p:spTree>
+    <p:extLst>
+      <p:ext uri="{BB962C8B-B14F-4D97-AF65-F5344CB8AC3E}">
+        <p14:creationId xmlns:p14="http://schemas.microsoft.com/office/powerpoint/2010/main" val="3212140604"/>
+      </p:ext>
+    </p:extLst>
+  </p:cSld>
+  <p:clrMapOvr>
+    <a:masterClrMapping/>
+  </p:clrMapOvr>
+</p:sld>
+</file>
+
+<file path=ppt/slides/slide33.xml><?xml version="1.0" encoding="utf-8"?>
+<p:sld xmlns:a="http://schemas.openxmlformats.org/drawingml/2006/main" xmlns:r="http://schemas.openxmlformats.org/officeDocument/2006/relationships" xmlns:p="http://schemas.openxmlformats.org/presentationml/2006/main">
+  <p:cSld>
+    <p:spTree>
+      <p:nvGrpSpPr>
+        <p:cNvPr id="1" name=""/>
+        <p:cNvGrpSpPr/>
+        <p:nvPr/>
+      </p:nvGrpSpPr>
+      <p:grpSpPr>
+        <a:xfrm>
+          <a:off x="0" y="0"/>
+          <a:ext cx="0" cy="0"/>
+          <a:chOff x="0" y="0"/>
+          <a:chExt cx="0" cy="0"/>
+        </a:xfrm>
+      </p:grpSpPr>
+      <p:sp>
+        <p:nvSpPr>
+          <p:cNvPr id="2" name="Title 1">
+            <a:extLst>
+              <a:ext uri="{FF2B5EF4-FFF2-40B4-BE49-F238E27FC236}">
+                <a16:creationId xmlns:a16="http://schemas.microsoft.com/office/drawing/2014/main" id="{8BDF1EDE-5423-435C-B149-87AB1BC22B83}"/>
+              </a:ext>
+            </a:extLst>
+          </p:cNvPr>
+          <p:cNvSpPr>
+            <a:spLocks noGrp="1"/>
+          </p:cNvSpPr>
+          <p:nvPr>
+            <p:ph type="ctrTitle"/>
+          </p:nvPr>
+        </p:nvSpPr>
+        <p:spPr>
+          <a:xfrm>
+            <a:off x="4009292" y="2100104"/>
+            <a:ext cx="4437478" cy="1487157"/>
+          </a:xfrm>
+        </p:spPr>
+        <p:txBody>
+          <a:bodyPr/>
+          <a:lstStyle/>
+          <a:p>
+            <a:r>
+              <a:rPr lang="en-US" dirty="0"/>
+              <a:t>THANK YOU!</a:t>
+            </a:r>
+          </a:p>
+        </p:txBody>
+      </p:sp>
+      <p:sp>
+        <p:nvSpPr>
+          <p:cNvPr id="6" name="Slide Number Placeholder 5">
+            <a:extLst>
+              <a:ext uri="{FF2B5EF4-FFF2-40B4-BE49-F238E27FC236}">
+                <a16:creationId xmlns:a16="http://schemas.microsoft.com/office/drawing/2014/main" id="{4C127D99-645F-4FCF-9573-FDFE2A344FA9}"/>
+              </a:ext>
+            </a:extLst>
+          </p:cNvPr>
+          <p:cNvSpPr>
+            <a:spLocks noGrp="1"/>
+          </p:cNvSpPr>
+          <p:nvPr>
+            <p:ph type="sldNum" sz="quarter" idx="12"/>
+          </p:nvPr>
+        </p:nvSpPr>
+        <p:spPr>
+          <a:xfrm>
+            <a:off x="9579428" y="6356350"/>
+            <a:ext cx="1774371" cy="365125"/>
+          </a:xfrm>
+        </p:spPr>
+        <p:txBody>
+          <a:bodyPr/>
+          <a:lstStyle/>
+          <a:p>
+            <a:fld id="{A49DFD55-3C28-40EF-9E31-A92D2E4017FF}" type="slidenum">
+              <a:rPr lang="en-US" smtClean="0"/>
+              <a:pPr/>
+              <a:t>33</a:t>
+            </a:fld>
+            <a:endParaRPr lang="en-US" dirty="0"/>
+          </a:p>
+        </p:txBody>
+      </p:sp>
+    </p:spTree>
+    <p:extLst>
+      <p:ext uri="{BB962C8B-B14F-4D97-AF65-F5344CB8AC3E}">
+        <p14:creationId xmlns:p14="http://schemas.microsoft.com/office/powerpoint/2010/main" val="1969787568"/>
       </p:ext>
     </p:extLst>
   </p:cSld>
@@ -13766,26 +15471,6 @@
 </file>
 
 <file path=customXml/item2.xml><?xml version="1.0" encoding="utf-8"?>
-<p:properties xmlns:p="http://schemas.microsoft.com/office/2006/metadata/properties" xmlns:xsi="http://www.w3.org/2001/XMLSchema-instance" xmlns:pc="http://schemas.microsoft.com/office/infopath/2007/PartnerControls">
-  <documentManagement>
-    <_ip_UnifiedCompliancePolicyUIAction xmlns="http://schemas.microsoft.com/sharepoint/v3" xsi:nil="true"/>
-    <Image xmlns="71af3243-3dd4-4a8d-8c0d-dd76da1f02a5">
-      <Url xsi:nil="true"/>
-      <Description xsi:nil="true"/>
-    </Image>
-    <Status xmlns="71af3243-3dd4-4a8d-8c0d-dd76da1f02a5">Not started</Status>
-    <Background xmlns="71af3243-3dd4-4a8d-8c0d-dd76da1f02a5">false</Background>
-    <_ip_UnifiedCompliancePolicyProperties xmlns="http://schemas.microsoft.com/sharepoint/v3" xsi:nil="true"/>
-    <ImageTagsTaxHTField xmlns="71af3243-3dd4-4a8d-8c0d-dd76da1f02a5">
-      <Terms xmlns="http://schemas.microsoft.com/office/infopath/2007/PartnerControls"/>
-    </ImageTagsTaxHTField>
-    <TaxCatchAll xmlns="230e9df3-be65-4c73-a93b-d1236ebd677e" xsi:nil="true"/>
-    <MediaServiceKeyPoints xmlns="71af3243-3dd4-4a8d-8c0d-dd76da1f02a5" xsi:nil="true"/>
-  </documentManagement>
-</p:properties>
-</file>
-
-<file path=customXml/item3.xml><?xml version="1.0" encoding="utf-8"?>
 <ct:contentTypeSchema xmlns:ct="http://schemas.microsoft.com/office/2006/metadata/contentType" xmlns:ma="http://schemas.microsoft.com/office/2006/metadata/properties/metaAttributes" ct:_="" ma:_="" ma:contentTypeName="Document" ma:contentTypeID="0x01010079F111ED35F8CC479449609E8A0923A6" ma:contentTypeVersion="28" ma:contentTypeDescription="Create a new document." ma:contentTypeScope="" ma:versionID="60f5a4f2d2b0abadcf532d48ebf9cb71">
   <xsd:schema xmlns:xsd="http://www.w3.org/2001/XMLSchema" xmlns:xs="http://www.w3.org/2001/XMLSchema" xmlns:p="http://schemas.microsoft.com/office/2006/metadata/properties" xmlns:ns1="http://schemas.microsoft.com/sharepoint/v3" xmlns:ns2="71af3243-3dd4-4a8d-8c0d-dd76da1f02a5" xmlns:ns3="16c05727-aa75-4e4a-9b5f-8a80a1165891" xmlns:ns4="230e9df3-be65-4c73-a93b-d1236ebd677e" targetNamespace="http://schemas.microsoft.com/office/2006/metadata/properties" ma:root="true" ma:fieldsID="7dd78129e6a1811f84807ad11c651531" ns1:_="" ns2:_="" ns3:_="" ns4:_="">
     <xsd:import namespace="http://schemas.microsoft.com/sharepoint/v3"/>
@@ -14097,6 +15782,26 @@
 </ct:contentTypeSchema>
 </file>
 
+<file path=customXml/item3.xml><?xml version="1.0" encoding="utf-8"?>
+<p:properties xmlns:p="http://schemas.microsoft.com/office/2006/metadata/properties" xmlns:xsi="http://www.w3.org/2001/XMLSchema-instance" xmlns:pc="http://schemas.microsoft.com/office/infopath/2007/PartnerControls">
+  <documentManagement>
+    <_ip_UnifiedCompliancePolicyUIAction xmlns="http://schemas.microsoft.com/sharepoint/v3" xsi:nil="true"/>
+    <Image xmlns="71af3243-3dd4-4a8d-8c0d-dd76da1f02a5">
+      <Url xsi:nil="true"/>
+      <Description xsi:nil="true"/>
+    </Image>
+    <Status xmlns="71af3243-3dd4-4a8d-8c0d-dd76da1f02a5">Not started</Status>
+    <Background xmlns="71af3243-3dd4-4a8d-8c0d-dd76da1f02a5">false</Background>
+    <_ip_UnifiedCompliancePolicyProperties xmlns="http://schemas.microsoft.com/sharepoint/v3" xsi:nil="true"/>
+    <ImageTagsTaxHTField xmlns="71af3243-3dd4-4a8d-8c0d-dd76da1f02a5">
+      <Terms xmlns="http://schemas.microsoft.com/office/infopath/2007/PartnerControls"/>
+    </ImageTagsTaxHTField>
+    <TaxCatchAll xmlns="230e9df3-be65-4c73-a93b-d1236ebd677e" xsi:nil="true"/>
+    <MediaServiceKeyPoints xmlns="71af3243-3dd4-4a8d-8c0d-dd76da1f02a5" xsi:nil="true"/>
+  </documentManagement>
+</p:properties>
+</file>
+
 <file path=customXml/itemProps1.xml><?xml version="1.0" encoding="utf-8"?>
 <ds:datastoreItem xmlns:ds="http://schemas.openxmlformats.org/officeDocument/2006/customXml" ds:itemID="{CABF691C-888B-4061-8A6F-D5CE84A0254B}">
   <ds:schemaRefs>
@@ -14106,18 +15811,6 @@
 </file>
 
 <file path=customXml/itemProps2.xml><?xml version="1.0" encoding="utf-8"?>
-<ds:datastoreItem xmlns:ds="http://schemas.openxmlformats.org/officeDocument/2006/customXml" ds:itemID="{49168DCE-134F-4610-A6AA-88CEBE8D71D2}">
-  <ds:schemaRefs>
-    <ds:schemaRef ds:uri="http://schemas.microsoft.com/office/2006/metadata/properties"/>
-    <ds:schemaRef ds:uri="http://schemas.microsoft.com/office/infopath/2007/PartnerControls"/>
-    <ds:schemaRef ds:uri="http://schemas.microsoft.com/sharepoint/v3"/>
-    <ds:schemaRef ds:uri="71af3243-3dd4-4a8d-8c0d-dd76da1f02a5"/>
-    <ds:schemaRef ds:uri="230e9df3-be65-4c73-a93b-d1236ebd677e"/>
-  </ds:schemaRefs>
-</ds:datastoreItem>
-</file>
-
-<file path=customXml/itemProps3.xml><?xml version="1.0" encoding="utf-8"?>
 <ds:datastoreItem xmlns:ds="http://schemas.openxmlformats.org/officeDocument/2006/customXml" ds:itemID="{5EDE3176-A15D-46A3-BDDB-64A0D7363224}">
   <ds:schemaRefs>
     <ds:schemaRef ds:uri="http://schemas.microsoft.com/office/2006/metadata/contentType"/>
@@ -14138,6 +15831,18 @@
 </ds:datastoreItem>
 </file>
 
+<file path=customXml/itemProps3.xml><?xml version="1.0" encoding="utf-8"?>
+<ds:datastoreItem xmlns:ds="http://schemas.openxmlformats.org/officeDocument/2006/customXml" ds:itemID="{49168DCE-134F-4610-A6AA-88CEBE8D71D2}">
+  <ds:schemaRefs>
+    <ds:schemaRef ds:uri="http://schemas.microsoft.com/office/2006/metadata/properties"/>
+    <ds:schemaRef ds:uri="http://schemas.microsoft.com/office/infopath/2007/PartnerControls"/>
+    <ds:schemaRef ds:uri="http://schemas.microsoft.com/sharepoint/v3"/>
+    <ds:schemaRef ds:uri="71af3243-3dd4-4a8d-8c0d-dd76da1f02a5"/>
+    <ds:schemaRef ds:uri="230e9df3-be65-4c73-a93b-d1236ebd677e"/>
+  </ds:schemaRefs>
+</ds:datastoreItem>
+</file>
+
 <file path=docMetadata/LabelInfo.xml><?xml version="1.0" encoding="utf-8"?>
 <clbl:labelList xmlns:clbl="http://schemas.microsoft.com/office/2020/mipLabelMetadata"/>
 </file>
--- a/Final project (1).pptx
+++ b/Final project (1).pptx
@@ -5,10 +5,10 @@
     <p:sldMasterId id="2147483648" r:id="rId4"/>
   </p:sldMasterIdLst>
   <p:notesMasterIdLst>
-    <p:notesMasterId r:id="rId38"/>
+    <p:notesMasterId r:id="rId37"/>
   </p:notesMasterIdLst>
   <p:handoutMasterIdLst>
-    <p:handoutMasterId r:id="rId39"/>
+    <p:handoutMasterId r:id="rId38"/>
   </p:handoutMasterIdLst>
   <p:sldIdLst>
     <p:sldId id="256" r:id="rId5"/>
@@ -25,25 +25,24 @@
     <p:sldId id="280" r:id="rId16"/>
     <p:sldId id="284" r:id="rId17"/>
     <p:sldId id="294" r:id="rId18"/>
-    <p:sldId id="307" r:id="rId19"/>
-    <p:sldId id="306" r:id="rId20"/>
-    <p:sldId id="308" r:id="rId21"/>
-    <p:sldId id="309" r:id="rId22"/>
-    <p:sldId id="295" r:id="rId23"/>
-    <p:sldId id="290" r:id="rId24"/>
-    <p:sldId id="289" r:id="rId25"/>
-    <p:sldId id="301" r:id="rId26"/>
-    <p:sldId id="299" r:id="rId27"/>
-    <p:sldId id="296" r:id="rId28"/>
-    <p:sldId id="297" r:id="rId29"/>
-    <p:sldId id="298" r:id="rId30"/>
-    <p:sldId id="300" r:id="rId31"/>
-    <p:sldId id="293" r:id="rId32"/>
-    <p:sldId id="302" r:id="rId33"/>
-    <p:sldId id="303" r:id="rId34"/>
-    <p:sldId id="288" r:id="rId35"/>
-    <p:sldId id="305" r:id="rId36"/>
-    <p:sldId id="271" r:id="rId37"/>
+    <p:sldId id="295" r:id="rId19"/>
+    <p:sldId id="290" r:id="rId20"/>
+    <p:sldId id="307" r:id="rId21"/>
+    <p:sldId id="306" r:id="rId22"/>
+    <p:sldId id="308" r:id="rId23"/>
+    <p:sldId id="309" r:id="rId24"/>
+    <p:sldId id="301" r:id="rId25"/>
+    <p:sldId id="299" r:id="rId26"/>
+    <p:sldId id="296" r:id="rId27"/>
+    <p:sldId id="297" r:id="rId28"/>
+    <p:sldId id="298" r:id="rId29"/>
+    <p:sldId id="300" r:id="rId30"/>
+    <p:sldId id="293" r:id="rId31"/>
+    <p:sldId id="302" r:id="rId32"/>
+    <p:sldId id="303" r:id="rId33"/>
+    <p:sldId id="288" r:id="rId34"/>
+    <p:sldId id="305" r:id="rId35"/>
+    <p:sldId id="271" r:id="rId36"/>
   </p:sldIdLst>
   <p:sldSz cx="12192000" cy="6858000"/>
   <p:notesSz cx="6858000" cy="9144000"/>
@@ -1176,7 +1175,7 @@
           <a:p>
             <a:fld id="{22289C57-55D7-40A4-A101-E74FAC7A092B}" type="slidenum">
               <a:rPr lang="en-US" smtClean="0"/>
-              <a:t>15</a:t>
+              <a:t>16</a:t>
             </a:fld>
             <a:endParaRPr lang="en-US" dirty="0"/>
           </a:p>
@@ -1185,7 +1184,7 @@
     </p:spTree>
     <p:extLst>
       <p:ext uri="{BB962C8B-B14F-4D97-AF65-F5344CB8AC3E}">
-        <p14:creationId xmlns:p14="http://schemas.microsoft.com/office/powerpoint/2010/main" val="2558516817"/>
+        <p14:creationId xmlns:p14="http://schemas.microsoft.com/office/powerpoint/2010/main" val="2890099649"/>
       </p:ext>
     </p:extLst>
   </p:cSld>
@@ -1260,7 +1259,7 @@
           <a:p>
             <a:fld id="{22289C57-55D7-40A4-A101-E74FAC7A092B}" type="slidenum">
               <a:rPr lang="en-US" smtClean="0"/>
-              <a:t>20</a:t>
+              <a:t>17</a:t>
             </a:fld>
             <a:endParaRPr lang="en-US" dirty="0"/>
           </a:p>
@@ -1269,7 +1268,7 @@
     </p:spTree>
     <p:extLst>
       <p:ext uri="{BB962C8B-B14F-4D97-AF65-F5344CB8AC3E}">
-        <p14:creationId xmlns:p14="http://schemas.microsoft.com/office/powerpoint/2010/main" val="2890099649"/>
+        <p14:creationId xmlns:p14="http://schemas.microsoft.com/office/powerpoint/2010/main" val="2558516817"/>
       </p:ext>
     </p:extLst>
   </p:cSld>
@@ -1353,7 +1352,7 @@
     </p:spTree>
     <p:extLst>
       <p:ext uri="{BB962C8B-B14F-4D97-AF65-F5344CB8AC3E}">
-        <p14:creationId xmlns:p14="http://schemas.microsoft.com/office/powerpoint/2010/main" val="2791415318"/>
+        <p14:creationId xmlns:p14="http://schemas.microsoft.com/office/powerpoint/2010/main" val="3990952828"/>
       </p:ext>
     </p:extLst>
   </p:cSld>
@@ -1428,7 +1427,7 @@
           <a:p>
             <a:fld id="{22289C57-55D7-40A4-A101-E74FAC7A092B}" type="slidenum">
               <a:rPr lang="en-US" smtClean="0"/>
-              <a:t>22</a:t>
+              <a:t>27</a:t>
             </a:fld>
             <a:endParaRPr lang="en-US" dirty="0"/>
           </a:p>
@@ -1437,7 +1436,7 @@
     </p:spTree>
     <p:extLst>
       <p:ext uri="{BB962C8B-B14F-4D97-AF65-F5344CB8AC3E}">
-        <p14:creationId xmlns:p14="http://schemas.microsoft.com/office/powerpoint/2010/main" val="3990952828"/>
+        <p14:creationId xmlns:p14="http://schemas.microsoft.com/office/powerpoint/2010/main" val="937476009"/>
       </p:ext>
     </p:extLst>
   </p:cSld>
@@ -1512,7 +1511,7 @@
           <a:p>
             <a:fld id="{22289C57-55D7-40A4-A101-E74FAC7A092B}" type="slidenum">
               <a:rPr lang="en-US" smtClean="0"/>
-              <a:t>28</a:t>
+              <a:t>30</a:t>
             </a:fld>
             <a:endParaRPr lang="en-US" dirty="0"/>
           </a:p>
@@ -1521,7 +1520,7 @@
     </p:spTree>
     <p:extLst>
       <p:ext uri="{BB962C8B-B14F-4D97-AF65-F5344CB8AC3E}">
-        <p14:creationId xmlns:p14="http://schemas.microsoft.com/office/powerpoint/2010/main" val="937476009"/>
+        <p14:creationId xmlns:p14="http://schemas.microsoft.com/office/powerpoint/2010/main" val="1748343843"/>
       </p:ext>
     </p:extLst>
   </p:cSld>
@@ -1596,7 +1595,7 @@
           <a:p>
             <a:fld id="{22289C57-55D7-40A4-A101-E74FAC7A092B}" type="slidenum">
               <a:rPr lang="en-US" smtClean="0"/>
-              <a:t>31</a:t>
+              <a:t>32</a:t>
             </a:fld>
             <a:endParaRPr lang="en-US" dirty="0"/>
           </a:p>
@@ -1605,7 +1604,7 @@
     </p:spTree>
     <p:extLst>
       <p:ext uri="{BB962C8B-B14F-4D97-AF65-F5344CB8AC3E}">
-        <p14:creationId xmlns:p14="http://schemas.microsoft.com/office/powerpoint/2010/main" val="1748343843"/>
+        <p14:creationId xmlns:p14="http://schemas.microsoft.com/office/powerpoint/2010/main" val="702683811"/>
       </p:ext>
     </p:extLst>
   </p:cSld>
@@ -1690,90 +1689,6 @@
     <p:extLst>
       <p:ext uri="{BB962C8B-B14F-4D97-AF65-F5344CB8AC3E}">
         <p14:creationId xmlns:p14="http://schemas.microsoft.com/office/powerpoint/2010/main" val="4040438963"/>
-      </p:ext>
-    </p:extLst>
-  </p:cSld>
-  <p:clrMapOvr>
-    <a:masterClrMapping/>
-  </p:clrMapOvr>
-</p:notes>
-</file>
-
-<file path=ppt/notesSlides/notesSlide20.xml><?xml version="1.0" encoding="utf-8"?>
-<p:notes xmlns:a="http://schemas.openxmlformats.org/drawingml/2006/main" xmlns:r="http://schemas.openxmlformats.org/officeDocument/2006/relationships" xmlns:p="http://schemas.openxmlformats.org/presentationml/2006/main">
-  <p:cSld>
-    <p:spTree>
-      <p:nvGrpSpPr>
-        <p:cNvPr id="1" name=""/>
-        <p:cNvGrpSpPr/>
-        <p:nvPr/>
-      </p:nvGrpSpPr>
-      <p:grpSpPr>
-        <a:xfrm>
-          <a:off x="0" y="0"/>
-          <a:ext cx="0" cy="0"/>
-          <a:chOff x="0" y="0"/>
-          <a:chExt cx="0" cy="0"/>
-        </a:xfrm>
-      </p:grpSpPr>
-      <p:sp>
-        <p:nvSpPr>
-          <p:cNvPr id="2" name="Slide Image Placeholder 1"/>
-          <p:cNvSpPr>
-            <a:spLocks noGrp="1" noRot="1" noChangeAspect="1"/>
-          </p:cNvSpPr>
-          <p:nvPr>
-            <p:ph type="sldImg"/>
-          </p:nvPr>
-        </p:nvSpPr>
-        <p:spPr/>
-      </p:sp>
-      <p:sp>
-        <p:nvSpPr>
-          <p:cNvPr id="3" name="Notes Placeholder 2"/>
-          <p:cNvSpPr>
-            <a:spLocks noGrp="1"/>
-          </p:cNvSpPr>
-          <p:nvPr>
-            <p:ph type="body" idx="1"/>
-          </p:nvPr>
-        </p:nvSpPr>
-        <p:spPr/>
-        <p:txBody>
-          <a:bodyPr/>
-          <a:lstStyle/>
-          <a:p>
-            <a:endParaRPr lang="en-US" dirty="0"/>
-          </a:p>
-        </p:txBody>
-      </p:sp>
-      <p:sp>
-        <p:nvSpPr>
-          <p:cNvPr id="4" name="Slide Number Placeholder 3"/>
-          <p:cNvSpPr>
-            <a:spLocks noGrp="1"/>
-          </p:cNvSpPr>
-          <p:nvPr>
-            <p:ph type="sldNum" sz="quarter" idx="5"/>
-          </p:nvPr>
-        </p:nvSpPr>
-        <p:spPr/>
-        <p:txBody>
-          <a:bodyPr/>
-          <a:lstStyle/>
-          <a:p>
-            <a:fld id="{22289C57-55D7-40A4-A101-E74FAC7A092B}" type="slidenum">
-              <a:rPr lang="en-US" smtClean="0"/>
-              <a:t>33</a:t>
-            </a:fld>
-            <a:endParaRPr lang="en-US" dirty="0"/>
-          </a:p>
-        </p:txBody>
-      </p:sp>
-    </p:spTree>
-    <p:extLst>
-      <p:ext uri="{BB962C8B-B14F-4D97-AF65-F5344CB8AC3E}">
-        <p14:creationId xmlns:p14="http://schemas.microsoft.com/office/powerpoint/2010/main" val="702683811"/>
       </p:ext>
     </p:extLst>
   </p:cSld>
@@ -8940,57 +8855,376 @@
           <a:chExt cx="0" cy="0"/>
         </a:xfrm>
       </p:grpSpPr>
+      <p:sp>
+        <p:nvSpPr>
+          <p:cNvPr id="2" name="Title 1">
+            <a:extLst>
+              <a:ext uri="{FF2B5EF4-FFF2-40B4-BE49-F238E27FC236}">
+                <a16:creationId xmlns:a16="http://schemas.microsoft.com/office/drawing/2014/main" id="{523894F5-590D-2D5B-2676-408267EA1312}"/>
+              </a:ext>
+            </a:extLst>
+          </p:cNvPr>
+          <p:cNvSpPr>
+            <a:spLocks noGrp="1"/>
+          </p:cNvSpPr>
+          <p:nvPr>
+            <p:ph type="title"/>
+          </p:nvPr>
+        </p:nvSpPr>
+        <p:spPr>
+          <a:xfrm>
+            <a:off x="838200" y="337193"/>
+            <a:ext cx="5655197" cy="448990"/>
+          </a:xfrm>
+        </p:spPr>
+        <p:txBody>
+          <a:bodyPr>
+            <a:normAutofit fontScale="90000"/>
+          </a:bodyPr>
+          <a:lstStyle/>
+          <a:p>
+            <a:r>
+              <a:rPr lang="en-US" dirty="0"/>
+              <a:t>Initial process</a:t>
+            </a:r>
+            <a:endParaRPr lang="en-IL" dirty="0"/>
+          </a:p>
+        </p:txBody>
+      </p:sp>
+      <p:sp>
+        <p:nvSpPr>
+          <p:cNvPr id="3" name="Text Placeholder 2">
+            <a:extLst>
+              <a:ext uri="{FF2B5EF4-FFF2-40B4-BE49-F238E27FC236}">
+                <a16:creationId xmlns:a16="http://schemas.microsoft.com/office/drawing/2014/main" id="{08454580-A321-CC37-1466-28F4ACE0B8E9}"/>
+              </a:ext>
+            </a:extLst>
+          </p:cNvPr>
+          <p:cNvSpPr>
+            <a:spLocks noGrp="1"/>
+          </p:cNvSpPr>
+          <p:nvPr>
+            <p:ph type="body" idx="1"/>
+          </p:nvPr>
+        </p:nvSpPr>
+        <p:spPr>
+          <a:xfrm>
+            <a:off x="462224" y="976777"/>
+            <a:ext cx="6031173" cy="448990"/>
+          </a:xfrm>
+        </p:spPr>
+        <p:txBody>
+          <a:bodyPr/>
+          <a:lstStyle/>
+          <a:p>
+            <a:r>
+              <a:rPr lang="en-US" sz="1000" dirty="0"/>
+              <a:t>Asking ChatGPT questions, each time changing one detail of description.</a:t>
+            </a:r>
+            <a:endParaRPr lang="en-IL" sz="1000" dirty="0"/>
+          </a:p>
+        </p:txBody>
+      </p:sp>
       <p:pic>
         <p:nvPicPr>
-          <p:cNvPr id="9" name="תמונה 8">
-            <a:extLst>
-              <a:ext uri="{FF2B5EF4-FFF2-40B4-BE49-F238E27FC236}">
-                <a16:creationId xmlns:a16="http://schemas.microsoft.com/office/drawing/2014/main" id="{688B28A6-9EE4-ACB3-8D58-5CA6AC23A13A}"/>
+          <p:cNvPr id="9" name="Content Placeholder 8">
+            <a:extLst>
+              <a:ext uri="{FF2B5EF4-FFF2-40B4-BE49-F238E27FC236}">
+                <a16:creationId xmlns:a16="http://schemas.microsoft.com/office/drawing/2014/main" id="{2D50E71E-9465-EF99-45A1-8C569CA2F145}"/>
               </a:ext>
             </a:extLst>
           </p:cNvPr>
           <p:cNvPicPr>
-            <a:picLocks noChangeAspect="1"/>
+            <a:picLocks noGrp="1" noChangeAspect="1"/>
           </p:cNvPicPr>
-          <p:nvPr/>
+          <p:nvPr>
+            <p:ph sz="half" idx="2"/>
+          </p:nvPr>
         </p:nvPicPr>
         <p:blipFill>
-          <a:blip r:embed="rId3"/>
+          <a:blip r:embed="rId2"/>
           <a:stretch>
             <a:fillRect/>
           </a:stretch>
         </p:blipFill>
         <p:spPr>
           <a:xfrm>
-            <a:off x="748417" y="2641486"/>
-            <a:ext cx="4062564" cy="2447693"/>
-          </a:xfrm>
-          <a:prstGeom prst="rect">
-            <a:avLst/>
-          </a:prstGeom>
-          <a:noFill/>
+            <a:off x="826354" y="1758950"/>
+            <a:ext cx="5667043" cy="4001693"/>
+          </a:xfrm>
         </p:spPr>
       </p:pic>
       <p:sp>
         <p:nvSpPr>
-          <p:cNvPr id="5" name="Slide Number Placeholder 5">
-            <a:extLst>
-              <a:ext uri="{FF2B5EF4-FFF2-40B4-BE49-F238E27FC236}">
-                <a16:creationId xmlns:a16="http://schemas.microsoft.com/office/drawing/2014/main" id="{4832B776-E386-1CF9-CC8F-2D2FF3EA7066}"/>
-              </a:ext>
-            </a:extLst>
-          </p:cNvPr>
-          <p:cNvSpPr>
-            <a:spLocks noGrp="1"/>
-          </p:cNvSpPr>
-          <p:nvPr>
-            <p:ph type="sldNum" sz="quarter" idx="13"/>
-          </p:nvPr>
-        </p:nvSpPr>
-        <p:spPr>
-          <a:xfrm>
-            <a:off x="10373350" y="6356349"/>
-            <a:ext cx="987552" cy="365125"/>
+          <p:cNvPr id="5" name="Text Placeholder 4">
+            <a:extLst>
+              <a:ext uri="{FF2B5EF4-FFF2-40B4-BE49-F238E27FC236}">
+                <a16:creationId xmlns:a16="http://schemas.microsoft.com/office/drawing/2014/main" id="{14E17638-D9AA-900D-05C9-FD0E94F739AD}"/>
+              </a:ext>
+            </a:extLst>
+          </p:cNvPr>
+          <p:cNvSpPr>
+            <a:spLocks noGrp="1"/>
+          </p:cNvSpPr>
+          <p:nvPr>
+            <p:ph type="body" sz="quarter" idx="3"/>
+          </p:nvPr>
+        </p:nvSpPr>
+        <p:spPr>
+          <a:xfrm>
+            <a:off x="7887106" y="2080337"/>
+            <a:ext cx="3943627" cy="448989"/>
+          </a:xfrm>
+        </p:spPr>
+        <p:txBody>
+          <a:bodyPr/>
+          <a:lstStyle/>
+          <a:p>
+            <a:r>
+              <a:rPr lang="en-US" dirty="0"/>
+              <a:t>problem </a:t>
+            </a:r>
+            <a:endParaRPr lang="en-IL" dirty="0"/>
+          </a:p>
+        </p:txBody>
+      </p:sp>
+      <p:sp>
+        <p:nvSpPr>
+          <p:cNvPr id="6" name="Content Placeholder 5">
+            <a:extLst>
+              <a:ext uri="{FF2B5EF4-FFF2-40B4-BE49-F238E27FC236}">
+                <a16:creationId xmlns:a16="http://schemas.microsoft.com/office/drawing/2014/main" id="{E279C102-F700-EF0E-CE24-91857215B20D}"/>
+              </a:ext>
+            </a:extLst>
+          </p:cNvPr>
+          <p:cNvSpPr>
+            <a:spLocks noGrp="1"/>
+          </p:cNvSpPr>
+          <p:nvPr>
+            <p:ph sz="half" idx="14"/>
+          </p:nvPr>
+        </p:nvSpPr>
+        <p:spPr>
+          <a:xfrm>
+            <a:off x="7887105" y="2539513"/>
+            <a:ext cx="3943627" cy="3032733"/>
+          </a:xfrm>
+        </p:spPr>
+        <p:txBody>
+          <a:bodyPr/>
+          <a:lstStyle/>
+          <a:p>
+            <a:r>
+              <a:rPr lang="en-US" dirty="0"/>
+              <a:t>To many details specified therefore the results were too similar.</a:t>
+            </a:r>
+          </a:p>
+          <a:p>
+            <a:r>
+              <a:rPr lang="en-US" dirty="0"/>
+              <a:t>There is no direct way to detect gender or racial bias.</a:t>
+            </a:r>
+            <a:endParaRPr lang="en-IL" dirty="0"/>
+          </a:p>
+        </p:txBody>
+      </p:sp>
+      <p:sp>
+        <p:nvSpPr>
+          <p:cNvPr id="7" name="Slide Number Placeholder 6">
+            <a:extLst>
+              <a:ext uri="{FF2B5EF4-FFF2-40B4-BE49-F238E27FC236}">
+                <a16:creationId xmlns:a16="http://schemas.microsoft.com/office/drawing/2014/main" id="{A12A107A-FD37-0BA4-7913-B93AA8AEDB90}"/>
+              </a:ext>
+            </a:extLst>
+          </p:cNvPr>
+          <p:cNvSpPr>
+            <a:spLocks noGrp="1"/>
+          </p:cNvSpPr>
+          <p:nvPr>
+            <p:ph type="sldNum" sz="quarter" idx="12"/>
+          </p:nvPr>
+        </p:nvSpPr>
+        <p:spPr/>
+        <p:txBody>
+          <a:bodyPr/>
+          <a:lstStyle/>
+          <a:p>
+            <a:fld id="{A49DFD55-3C28-40EF-9E31-A92D2E4017FF}" type="slidenum">
+              <a:rPr lang="en-US" smtClean="0"/>
+              <a:pPr/>
+              <a:t>15</a:t>
+            </a:fld>
+            <a:endParaRPr lang="en-US" dirty="0"/>
+          </a:p>
+        </p:txBody>
+      </p:sp>
+    </p:spTree>
+    <p:extLst>
+      <p:ext uri="{BB962C8B-B14F-4D97-AF65-F5344CB8AC3E}">
+        <p14:creationId xmlns:p14="http://schemas.microsoft.com/office/powerpoint/2010/main" val="2422479522"/>
+      </p:ext>
+    </p:extLst>
+  </p:cSld>
+  <p:clrMapOvr>
+    <a:masterClrMapping/>
+  </p:clrMapOvr>
+</p:sld>
+</file>
+
+<file path=ppt/slides/slide16.xml><?xml version="1.0" encoding="utf-8"?>
+<p:sld xmlns:a="http://schemas.openxmlformats.org/drawingml/2006/main" xmlns:r="http://schemas.openxmlformats.org/officeDocument/2006/relationships" xmlns:p="http://schemas.openxmlformats.org/presentationml/2006/main">
+  <p:cSld>
+    <p:spTree>
+      <p:nvGrpSpPr>
+        <p:cNvPr id="1" name=""/>
+        <p:cNvGrpSpPr/>
+        <p:nvPr/>
+      </p:nvGrpSpPr>
+      <p:grpSpPr>
+        <a:xfrm>
+          <a:off x="0" y="0"/>
+          <a:ext cx="0" cy="0"/>
+          <a:chOff x="0" y="0"/>
+          <a:chExt cx="0" cy="0"/>
+        </a:xfrm>
+      </p:grpSpPr>
+      <p:sp>
+        <p:nvSpPr>
+          <p:cNvPr id="17" name="Title 1">
+            <a:extLst>
+              <a:ext uri="{FF2B5EF4-FFF2-40B4-BE49-F238E27FC236}">
+                <a16:creationId xmlns:a16="http://schemas.microsoft.com/office/drawing/2014/main" id="{09140014-73D5-419B-8867-972BB18D52D4}"/>
+              </a:ext>
+            </a:extLst>
+          </p:cNvPr>
+          <p:cNvSpPr>
+            <a:spLocks noGrp="1"/>
+          </p:cNvSpPr>
+          <p:nvPr>
+            <p:ph type="ctrTitle"/>
+          </p:nvPr>
+        </p:nvSpPr>
+        <p:spPr>
+          <a:xfrm>
+            <a:off x="4267200" y="556556"/>
+            <a:ext cx="4179570" cy="1524735"/>
+          </a:xfrm>
+        </p:spPr>
+        <p:txBody>
+          <a:bodyPr anchor="b">
+            <a:normAutofit/>
+          </a:bodyPr>
+          <a:lstStyle/>
+          <a:p>
+            <a:r>
+              <a:rPr lang="he-IL" dirty="0"/>
+              <a:t>ציפיות </a:t>
+            </a:r>
+            <a:endParaRPr lang="en-US" dirty="0"/>
+          </a:p>
+        </p:txBody>
+      </p:sp>
+      <p:sp>
+        <p:nvSpPr>
+          <p:cNvPr id="20" name="Content Placeholder 3">
+            <a:extLst>
+              <a:ext uri="{FF2B5EF4-FFF2-40B4-BE49-F238E27FC236}">
+                <a16:creationId xmlns:a16="http://schemas.microsoft.com/office/drawing/2014/main" id="{33D8731E-4977-402E-8BFD-895B4D0544CC}"/>
+              </a:ext>
+            </a:extLst>
+          </p:cNvPr>
+          <p:cNvSpPr>
+            <a:spLocks noGrp="1"/>
+          </p:cNvSpPr>
+          <p:nvPr>
+            <p:ph type="subTitle" idx="1"/>
+          </p:nvPr>
+        </p:nvSpPr>
+        <p:spPr>
+          <a:xfrm>
+            <a:off x="4175760" y="2163683"/>
+            <a:ext cx="4179570" cy="2850181"/>
+          </a:xfrm>
+        </p:spPr>
+        <p:txBody>
+          <a:bodyPr>
+            <a:normAutofit/>
+          </a:bodyPr>
+          <a:lstStyle/>
+          <a:p>
+            <a:pPr marL="0" indent="0" algn="r">
+              <a:lnSpc>
+                <a:spcPct val="140000"/>
+              </a:lnSpc>
+              <a:buNone/>
+            </a:pPr>
+            <a:r>
+              <a:rPr lang="he-IL" sz="1500" dirty="0"/>
+              <a:t>התוצאות הצפויות לניסוי- </a:t>
+            </a:r>
+          </a:p>
+          <a:p>
+            <a:pPr marL="0" indent="0" algn="r" rtl="1">
+              <a:lnSpc>
+                <a:spcPct val="140000"/>
+              </a:lnSpc>
+              <a:buNone/>
+            </a:pPr>
+            <a:r>
+              <a:rPr lang="he-IL" sz="1500" dirty="0"/>
+              <a:t>יתגלה כי קיימת הטיה מגדרית בהתנהגות של המודל (</a:t>
+            </a:r>
+            <a:r>
+              <a:rPr lang="en-US" sz="1500" dirty="0"/>
+              <a:t>ChatGPT</a:t>
+            </a:r>
+            <a:r>
+              <a:rPr lang="he-IL" sz="1500" dirty="0"/>
+              <a:t>) שתחשוף הנחות או אסוציאציות מוטות המתיישרות עם סטריאוטיפים חברתיים.</a:t>
+            </a:r>
+          </a:p>
+          <a:p>
+            <a:pPr marL="0" indent="0" algn="r" rtl="1">
+              <a:lnSpc>
+                <a:spcPct val="140000"/>
+              </a:lnSpc>
+              <a:buNone/>
+            </a:pPr>
+            <a:r>
+              <a:rPr lang="he-IL" sz="1500" dirty="0"/>
+              <a:t>הניתוח צפוי להדגיש ש</a:t>
+            </a:r>
+            <a:r>
+              <a:rPr lang="en-US" sz="1500" dirty="0"/>
+              <a:t>LLMs</a:t>
+            </a:r>
+            <a:r>
+              <a:rPr lang="he-IL" sz="1500" dirty="0"/>
+              <a:t> נוטים להביע הנחות מוטות לגבי גברים ונשים שמשקפות תפיסות חברתיות יותר מאשר מציאות עובדתית.</a:t>
+            </a:r>
+          </a:p>
+        </p:txBody>
+      </p:sp>
+      <p:sp>
+        <p:nvSpPr>
+          <p:cNvPr id="9" name="Slide Number Placeholder 8">
+            <a:extLst>
+              <a:ext uri="{FF2B5EF4-FFF2-40B4-BE49-F238E27FC236}">
+                <a16:creationId xmlns:a16="http://schemas.microsoft.com/office/drawing/2014/main" id="{C396FFDC-ADE8-4009-A466-A81787258E88}"/>
+              </a:ext>
+            </a:extLst>
+          </p:cNvPr>
+          <p:cNvSpPr>
+            <a:spLocks noGrp="1"/>
+          </p:cNvSpPr>
+          <p:nvPr>
+            <p:ph type="sldNum" sz="quarter" idx="12"/>
+          </p:nvPr>
+        </p:nvSpPr>
+        <p:spPr>
+          <a:xfrm>
+            <a:off x="9579428" y="6356350"/>
+            <a:ext cx="1774371" cy="365125"/>
           </a:xfrm>
         </p:spPr>
         <p:txBody>
@@ -9011,7 +9245,114 @@
                   <a:spcPts val="600"/>
                 </a:spcAft>
               </a:pPr>
-              <a:t>15</a:t>
+              <a:t>16</a:t>
+            </a:fld>
+            <a:endParaRPr lang="en-US"/>
+          </a:p>
+        </p:txBody>
+      </p:sp>
+    </p:spTree>
+    <p:extLst>
+      <p:ext uri="{BB962C8B-B14F-4D97-AF65-F5344CB8AC3E}">
+        <p14:creationId xmlns:p14="http://schemas.microsoft.com/office/powerpoint/2010/main" val="2054691664"/>
+      </p:ext>
+    </p:extLst>
+  </p:cSld>
+  <p:clrMapOvr>
+    <a:masterClrMapping/>
+  </p:clrMapOvr>
+</p:sld>
+</file>
+
+<file path=ppt/slides/slide17.xml><?xml version="1.0" encoding="utf-8"?>
+<p:sld xmlns:a="http://schemas.openxmlformats.org/drawingml/2006/main" xmlns:r="http://schemas.openxmlformats.org/officeDocument/2006/relationships" xmlns:p="http://schemas.openxmlformats.org/presentationml/2006/main">
+  <p:cSld>
+    <p:spTree>
+      <p:nvGrpSpPr>
+        <p:cNvPr id="1" name=""/>
+        <p:cNvGrpSpPr/>
+        <p:nvPr/>
+      </p:nvGrpSpPr>
+      <p:grpSpPr>
+        <a:xfrm>
+          <a:off x="0" y="0"/>
+          <a:ext cx="0" cy="0"/>
+          <a:chOff x="0" y="0"/>
+          <a:chExt cx="0" cy="0"/>
+        </a:xfrm>
+      </p:grpSpPr>
+      <p:pic>
+        <p:nvPicPr>
+          <p:cNvPr id="9" name="תמונה 8">
+            <a:extLst>
+              <a:ext uri="{FF2B5EF4-FFF2-40B4-BE49-F238E27FC236}">
+                <a16:creationId xmlns:a16="http://schemas.microsoft.com/office/drawing/2014/main" id="{688B28A6-9EE4-ACB3-8D58-5CA6AC23A13A}"/>
+              </a:ext>
+            </a:extLst>
+          </p:cNvPr>
+          <p:cNvPicPr>
+            <a:picLocks noChangeAspect="1"/>
+          </p:cNvPicPr>
+          <p:nvPr/>
+        </p:nvPicPr>
+        <p:blipFill>
+          <a:blip r:embed="rId3"/>
+          <a:stretch>
+            <a:fillRect/>
+          </a:stretch>
+        </p:blipFill>
+        <p:spPr>
+          <a:xfrm>
+            <a:off x="748417" y="2641486"/>
+            <a:ext cx="4062564" cy="2447693"/>
+          </a:xfrm>
+          <a:prstGeom prst="rect">
+            <a:avLst/>
+          </a:prstGeom>
+          <a:noFill/>
+        </p:spPr>
+      </p:pic>
+      <p:sp>
+        <p:nvSpPr>
+          <p:cNvPr id="5" name="Slide Number Placeholder 5">
+            <a:extLst>
+              <a:ext uri="{FF2B5EF4-FFF2-40B4-BE49-F238E27FC236}">
+                <a16:creationId xmlns:a16="http://schemas.microsoft.com/office/drawing/2014/main" id="{4832B776-E386-1CF9-CC8F-2D2FF3EA7066}"/>
+              </a:ext>
+            </a:extLst>
+          </p:cNvPr>
+          <p:cNvSpPr>
+            <a:spLocks noGrp="1"/>
+          </p:cNvSpPr>
+          <p:nvPr>
+            <p:ph type="sldNum" sz="quarter" idx="13"/>
+          </p:nvPr>
+        </p:nvSpPr>
+        <p:spPr>
+          <a:xfrm>
+            <a:off x="10373350" y="6356349"/>
+            <a:ext cx="987552" cy="365125"/>
+          </a:xfrm>
+        </p:spPr>
+        <p:txBody>
+          <a:bodyPr anchor="ctr">
+            <a:normAutofit/>
+          </a:bodyPr>
+          <a:lstStyle/>
+          <a:p>
+            <a:pPr>
+              <a:spcAft>
+                <a:spcPts val="600"/>
+              </a:spcAft>
+            </a:pPr>
+            <a:fld id="{A49DFD55-3C28-40EF-9E31-A92D2E4017FF}" type="slidenum">
+              <a:rPr lang="en-US" smtClean="0"/>
+              <a:pPr>
+                <a:spcAft>
+                  <a:spcPts val="600"/>
+                </a:spcAft>
+              </a:pPr>
+              <a:t>17</a:t>
             </a:fld>
             <a:endParaRPr lang="en-US"/>
           </a:p>
@@ -9214,6 +9555,40 @@
           </a:p>
         </p:txBody>
       </p:sp>
+      <p:sp>
+        <p:nvSpPr>
+          <p:cNvPr id="2" name="Title 1">
+            <a:extLst>
+              <a:ext uri="{FF2B5EF4-FFF2-40B4-BE49-F238E27FC236}">
+                <a16:creationId xmlns:a16="http://schemas.microsoft.com/office/drawing/2014/main" id="{F62ADDD8-AC18-1D47-E8B3-761014DE1473}"/>
+              </a:ext>
+            </a:extLst>
+          </p:cNvPr>
+          <p:cNvSpPr>
+            <a:spLocks noGrp="1"/>
+          </p:cNvSpPr>
+          <p:nvPr>
+            <p:ph type="title"/>
+          </p:nvPr>
+        </p:nvSpPr>
+        <p:spPr>
+          <a:xfrm>
+            <a:off x="600917" y="501650"/>
+            <a:ext cx="5655197" cy="557517"/>
+          </a:xfrm>
+        </p:spPr>
+        <p:txBody>
+          <a:bodyPr anchor="b"/>
+          <a:lstStyle/>
+          <a:p>
+            <a:pPr algn="r"/>
+            <a:r>
+              <a:rPr lang="en-US" dirty="0"/>
+              <a:t>Experiment process </a:t>
+            </a:r>
+          </a:p>
+        </p:txBody>
+      </p:sp>
     </p:spTree>
     <p:extLst>
       <p:ext uri="{BB962C8B-B14F-4D97-AF65-F5344CB8AC3E}">
@@ -9227,7 +9602,7 @@
 </p:sld>
 </file>
 
-<file path=ppt/slides/slide16.xml><?xml version="1.0" encoding="utf-8"?>
+<file path=ppt/slides/slide18.xml><?xml version="1.0" encoding="utf-8"?>
 <p:sld xmlns:a="http://schemas.openxmlformats.org/drawingml/2006/main" xmlns:r="http://schemas.openxmlformats.org/officeDocument/2006/relationships" xmlns:p="http://schemas.openxmlformats.org/presentationml/2006/main">
   <p:cSld>
     <p:spTree>
@@ -9343,7 +9718,7 @@
             <a:fld id="{A49DFD55-3C28-40EF-9E31-A92D2E4017FF}" type="slidenum">
               <a:rPr lang="en-US" smtClean="0"/>
               <a:pPr/>
-              <a:t>16</a:t>
+              <a:t>18</a:t>
             </a:fld>
             <a:endParaRPr lang="en-US" dirty="0"/>
           </a:p>
@@ -9798,7 +10173,7 @@
 </p:sld>
 </file>
 
-<file path=ppt/slides/slide17.xml><?xml version="1.0" encoding="utf-8"?>
+<file path=ppt/slides/slide19.xml><?xml version="1.0" encoding="utf-8"?>
 <p:sld xmlns:a="http://schemas.openxmlformats.org/drawingml/2006/main" xmlns:r="http://schemas.openxmlformats.org/officeDocument/2006/relationships" xmlns:p="http://schemas.openxmlformats.org/presentationml/2006/main">
   <p:cSld>
     <p:spTree>
@@ -9864,7 +10239,7 @@
             <a:fld id="{A49DFD55-3C28-40EF-9E31-A92D2E4017FF}" type="slidenum">
               <a:rPr lang="en-US" smtClean="0"/>
               <a:pPr/>
-              <a:t>17</a:t>
+              <a:t>19</a:t>
             </a:fld>
             <a:endParaRPr lang="en-US" dirty="0"/>
           </a:p>
@@ -10115,7 +10490,7 @@
 </p:sld>
 </file>
 
-<file path=ppt/slides/slide18.xml><?xml version="1.0" encoding="utf-8"?>
+<file path=ppt/slides/slide2.xml><?xml version="1.0" encoding="utf-8"?>
 <p:sld xmlns:a="http://schemas.openxmlformats.org/drawingml/2006/main" xmlns:r="http://schemas.openxmlformats.org/officeDocument/2006/relationships" xmlns:p="http://schemas.openxmlformats.org/presentationml/2006/main">
   <p:cSld>
     <p:spTree>
@@ -10134,6 +10509,194 @@
       </p:grpSpPr>
       <p:sp>
         <p:nvSpPr>
+          <p:cNvPr id="2" name="Title 1">
+            <a:extLst>
+              <a:ext uri="{FF2B5EF4-FFF2-40B4-BE49-F238E27FC236}">
+                <a16:creationId xmlns:a16="http://schemas.microsoft.com/office/drawing/2014/main" id="{1BEF5859-10C9-4588-9727-B9362E26C29D}"/>
+              </a:ext>
+            </a:extLst>
+          </p:cNvPr>
+          <p:cNvSpPr>
+            <a:spLocks noGrp="1"/>
+          </p:cNvSpPr>
+          <p:nvPr>
+            <p:ph type="title"/>
+          </p:nvPr>
+        </p:nvSpPr>
+        <p:spPr>
+          <a:xfrm>
+            <a:off x="686730" y="669073"/>
+            <a:ext cx="1900354" cy="606418"/>
+          </a:xfrm>
+        </p:spPr>
+        <p:txBody>
+          <a:bodyPr/>
+          <a:lstStyle/>
+          <a:p>
+            <a:r>
+              <a:rPr lang="en-US" dirty="0"/>
+              <a:t>AGENDA</a:t>
+            </a:r>
+          </a:p>
+        </p:txBody>
+      </p:sp>
+      <p:sp>
+        <p:nvSpPr>
+          <p:cNvPr id="3" name="Content Placeholder 2">
+            <a:extLst>
+              <a:ext uri="{FF2B5EF4-FFF2-40B4-BE49-F238E27FC236}">
+                <a16:creationId xmlns:a16="http://schemas.microsoft.com/office/drawing/2014/main" id="{5671D7E5-EF66-4BCD-8DAA-E9061157F0BE}"/>
+              </a:ext>
+            </a:extLst>
+          </p:cNvPr>
+          <p:cNvSpPr>
+            <a:spLocks noGrp="1"/>
+          </p:cNvSpPr>
+          <p:nvPr>
+            <p:ph idx="1"/>
+          </p:nvPr>
+        </p:nvSpPr>
+        <p:spPr>
+          <a:xfrm>
+            <a:off x="173773" y="1594624"/>
+            <a:ext cx="4387075" cy="4594303"/>
+          </a:xfrm>
+        </p:spPr>
+        <p:txBody>
+          <a:bodyPr>
+            <a:normAutofit fontScale="92500" lnSpcReduction="10000"/>
+          </a:bodyPr>
+          <a:lstStyle/>
+          <a:p>
+            <a:pPr algn="r" rtl="1"/>
+            <a:r>
+              <a:rPr lang="he-IL" sz="2400" b="0" i="0" dirty="0">
+                <a:effectLst/>
+                <a:latin typeface="Segoe UI Semibold" panose="020B0702040204020203" pitchFamily="34" charset="0"/>
+                <a:cs typeface="Segoe UI Semibold" panose="020B0702040204020203" pitchFamily="34" charset="0"/>
+              </a:rPr>
+              <a:t>הפריצה של מודלים גנרטיביים כמו </a:t>
+            </a:r>
+            <a:r>
+              <a:rPr lang="en-US" sz="2400" b="0" i="0" dirty="0">
+                <a:effectLst/>
+                <a:latin typeface="Segoe UI Semibold" panose="020B0702040204020203" pitchFamily="34" charset="0"/>
+                <a:cs typeface="Segoe UI Semibold" panose="020B0702040204020203" pitchFamily="34" charset="0"/>
+              </a:rPr>
+              <a:t>ChatGPT</a:t>
+            </a:r>
+            <a:r>
+              <a:rPr lang="he-IL" sz="2400" b="0" i="0" dirty="0">
+                <a:effectLst/>
+                <a:latin typeface="Segoe UI Semibold" panose="020B0702040204020203" pitchFamily="34" charset="0"/>
+                <a:cs typeface="Segoe UI Semibold" panose="020B0702040204020203" pitchFamily="34" charset="0"/>
+              </a:rPr>
+              <a:t> מביאה הרבה אפשרויות חדשות, אבל גם בעיות בשימוש במודלים האלו. </a:t>
+            </a:r>
+            <a:r>
+              <a:rPr lang="he-IL" sz="2400" dirty="0">
+                <a:latin typeface="Segoe UI Semibold" panose="020B0702040204020203" pitchFamily="34" charset="0"/>
+                <a:cs typeface="Segoe UI Semibold" panose="020B0702040204020203" pitchFamily="34" charset="0"/>
+              </a:rPr>
+              <a:t>חקרנו </a:t>
+            </a:r>
+            <a:r>
+              <a:rPr lang="he-IL" sz="2400" b="0" i="0" dirty="0">
+                <a:effectLst/>
+                <a:latin typeface="Segoe UI Semibold" panose="020B0702040204020203" pitchFamily="34" charset="0"/>
+                <a:cs typeface="Segoe UI Semibold" panose="020B0702040204020203" pitchFamily="34" charset="0"/>
+              </a:rPr>
+              <a:t>את המודל האלו מכיוון של הוגנות - עד כמה המודל האלו ממדלים ומגבירים הטיות שונות בדאטה לגבי גזע, מין, גיל וכו</a:t>
+            </a:r>
+            <a:r>
+              <a:rPr lang="he-IL" sz="2400" dirty="0">
+                <a:latin typeface="Segoe UI Semibold" panose="020B0702040204020203" pitchFamily="34" charset="0"/>
+                <a:cs typeface="Segoe UI Semibold" panose="020B0702040204020203" pitchFamily="34" charset="0"/>
+              </a:rPr>
+              <a:t>'</a:t>
+            </a:r>
+            <a:r>
+              <a:rPr lang="he-IL" sz="2400" b="0" i="0" dirty="0">
+                <a:effectLst/>
+                <a:latin typeface="Segoe UI Semibold" panose="020B0702040204020203" pitchFamily="34" charset="0"/>
+                <a:cs typeface="Segoe UI Semibold" panose="020B0702040204020203" pitchFamily="34" charset="0"/>
+              </a:rPr>
+              <a:t>. בדקנו גם השפעה של סוג השפה (אנגלית מול עברית) במודלי שפה גדולים.</a:t>
+            </a:r>
+            <a:endParaRPr lang="en-US" sz="2400" dirty="0">
+              <a:latin typeface="Segoe UI Semibold" panose="020B0702040204020203" pitchFamily="34" charset="0"/>
+              <a:cs typeface="Segoe UI Semibold" panose="020B0702040204020203" pitchFamily="34" charset="0"/>
+            </a:endParaRPr>
+          </a:p>
+        </p:txBody>
+      </p:sp>
+      <p:sp>
+        <p:nvSpPr>
+          <p:cNvPr id="5" name="Slide Number Placeholder 5">
+            <a:extLst>
+              <a:ext uri="{FF2B5EF4-FFF2-40B4-BE49-F238E27FC236}">
+                <a16:creationId xmlns:a16="http://schemas.microsoft.com/office/drawing/2014/main" id="{B02A8827-B1A1-2D2F-D6DD-E886B886C43E}"/>
+              </a:ext>
+            </a:extLst>
+          </p:cNvPr>
+          <p:cNvSpPr>
+            <a:spLocks noGrp="1"/>
+          </p:cNvSpPr>
+          <p:nvPr>
+            <p:ph type="sldNum" sz="quarter" idx="12"/>
+          </p:nvPr>
+        </p:nvSpPr>
+        <p:spPr>
+          <a:xfrm>
+            <a:off x="10373350" y="6356349"/>
+            <a:ext cx="987552" cy="365125"/>
+          </a:xfrm>
+        </p:spPr>
+        <p:txBody>
+          <a:bodyPr/>
+          <a:lstStyle/>
+          <a:p>
+            <a:fld id="{A49DFD55-3C28-40EF-9E31-A92D2E4017FF}" type="slidenum">
+              <a:rPr lang="en-US" smtClean="0"/>
+              <a:pPr/>
+              <a:t>2</a:t>
+            </a:fld>
+            <a:endParaRPr lang="en-US" dirty="0"/>
+          </a:p>
+        </p:txBody>
+      </p:sp>
+    </p:spTree>
+    <p:extLst>
+      <p:ext uri="{BB962C8B-B14F-4D97-AF65-F5344CB8AC3E}">
+        <p14:creationId xmlns:p14="http://schemas.microsoft.com/office/powerpoint/2010/main" val="1713219598"/>
+      </p:ext>
+    </p:extLst>
+  </p:cSld>
+  <p:clrMapOvr>
+    <a:masterClrMapping/>
+  </p:clrMapOvr>
+</p:sld>
+</file>
+
+<file path=ppt/slides/slide20.xml><?xml version="1.0" encoding="utf-8"?>
+<p:sld xmlns:a="http://schemas.openxmlformats.org/drawingml/2006/main" xmlns:r="http://schemas.openxmlformats.org/officeDocument/2006/relationships" xmlns:p="http://schemas.openxmlformats.org/presentationml/2006/main">
+  <p:cSld>
+    <p:spTree>
+      <p:nvGrpSpPr>
+        <p:cNvPr id="1" name=""/>
+        <p:cNvGrpSpPr/>
+        <p:nvPr/>
+      </p:nvGrpSpPr>
+      <p:grpSpPr>
+        <a:xfrm>
+          <a:off x="0" y="0"/>
+          <a:ext cx="0" cy="0"/>
+          <a:chOff x="0" y="0"/>
+          <a:chExt cx="0" cy="0"/>
+        </a:xfrm>
+      </p:grpSpPr>
+      <p:sp>
+        <p:nvSpPr>
           <p:cNvPr id="2" name="כותרת 1">
             <a:extLst>
               <a:ext uri="{FF2B5EF4-FFF2-40B4-BE49-F238E27FC236}">
@@ -10253,7 +10816,7 @@
             <a:fld id="{A49DFD55-3C28-40EF-9E31-A92D2E4017FF}" type="slidenum">
               <a:rPr lang="en-US" smtClean="0"/>
               <a:pPr/>
-              <a:t>18</a:t>
+              <a:t>20</a:t>
             </a:fld>
             <a:endParaRPr lang="en-US" dirty="0"/>
           </a:p>
@@ -10540,620 +11103,6 @@
 </p:sld>
 </file>
 
-<file path=ppt/slides/slide19.xml><?xml version="1.0" encoding="utf-8"?>
-<p:sld xmlns:a="http://schemas.openxmlformats.org/drawingml/2006/main" xmlns:r="http://schemas.openxmlformats.org/officeDocument/2006/relationships" xmlns:p="http://schemas.openxmlformats.org/presentationml/2006/main">
-  <p:cSld>
-    <p:spTree>
-      <p:nvGrpSpPr>
-        <p:cNvPr id="1" name=""/>
-        <p:cNvGrpSpPr/>
-        <p:nvPr/>
-      </p:nvGrpSpPr>
-      <p:grpSpPr>
-        <a:xfrm>
-          <a:off x="0" y="0"/>
-          <a:ext cx="0" cy="0"/>
-          <a:chOff x="0" y="0"/>
-          <a:chExt cx="0" cy="0"/>
-        </a:xfrm>
-      </p:grpSpPr>
-      <p:sp>
-        <p:nvSpPr>
-          <p:cNvPr id="2" name="Title 1">
-            <a:extLst>
-              <a:ext uri="{FF2B5EF4-FFF2-40B4-BE49-F238E27FC236}">
-                <a16:creationId xmlns:a16="http://schemas.microsoft.com/office/drawing/2014/main" id="{523894F5-590D-2D5B-2676-408267EA1312}"/>
-              </a:ext>
-            </a:extLst>
-          </p:cNvPr>
-          <p:cNvSpPr>
-            <a:spLocks noGrp="1"/>
-          </p:cNvSpPr>
-          <p:nvPr>
-            <p:ph type="title"/>
-          </p:nvPr>
-        </p:nvSpPr>
-        <p:spPr>
-          <a:xfrm>
-            <a:off x="838200" y="337193"/>
-            <a:ext cx="5655197" cy="448990"/>
-          </a:xfrm>
-        </p:spPr>
-        <p:txBody>
-          <a:bodyPr>
-            <a:normAutofit fontScale="90000"/>
-          </a:bodyPr>
-          <a:lstStyle/>
-          <a:p>
-            <a:r>
-              <a:rPr lang="en-US" dirty="0"/>
-              <a:t>Initial process</a:t>
-            </a:r>
-            <a:endParaRPr lang="en-IL" dirty="0"/>
-          </a:p>
-        </p:txBody>
-      </p:sp>
-      <p:sp>
-        <p:nvSpPr>
-          <p:cNvPr id="3" name="Text Placeholder 2">
-            <a:extLst>
-              <a:ext uri="{FF2B5EF4-FFF2-40B4-BE49-F238E27FC236}">
-                <a16:creationId xmlns:a16="http://schemas.microsoft.com/office/drawing/2014/main" id="{08454580-A321-CC37-1466-28F4ACE0B8E9}"/>
-              </a:ext>
-            </a:extLst>
-          </p:cNvPr>
-          <p:cNvSpPr>
-            <a:spLocks noGrp="1"/>
-          </p:cNvSpPr>
-          <p:nvPr>
-            <p:ph type="body" idx="1"/>
-          </p:nvPr>
-        </p:nvSpPr>
-        <p:spPr>
-          <a:xfrm>
-            <a:off x="462224" y="976777"/>
-            <a:ext cx="6031173" cy="448990"/>
-          </a:xfrm>
-        </p:spPr>
-        <p:txBody>
-          <a:bodyPr/>
-          <a:lstStyle/>
-          <a:p>
-            <a:r>
-              <a:rPr lang="en-US" sz="1000" dirty="0"/>
-              <a:t>Asking ChatGPT questions, each time changing one detail of description.</a:t>
-            </a:r>
-            <a:endParaRPr lang="en-IL" sz="1000" dirty="0"/>
-          </a:p>
-        </p:txBody>
-      </p:sp>
-      <p:pic>
-        <p:nvPicPr>
-          <p:cNvPr id="9" name="Content Placeholder 8">
-            <a:extLst>
-              <a:ext uri="{FF2B5EF4-FFF2-40B4-BE49-F238E27FC236}">
-                <a16:creationId xmlns:a16="http://schemas.microsoft.com/office/drawing/2014/main" id="{2D50E71E-9465-EF99-45A1-8C569CA2F145}"/>
-              </a:ext>
-            </a:extLst>
-          </p:cNvPr>
-          <p:cNvPicPr>
-            <a:picLocks noGrp="1" noChangeAspect="1"/>
-          </p:cNvPicPr>
-          <p:nvPr>
-            <p:ph sz="half" idx="2"/>
-          </p:nvPr>
-        </p:nvPicPr>
-        <p:blipFill>
-          <a:blip r:embed="rId2"/>
-          <a:stretch>
-            <a:fillRect/>
-          </a:stretch>
-        </p:blipFill>
-        <p:spPr>
-          <a:xfrm>
-            <a:off x="826354" y="1758950"/>
-            <a:ext cx="5667043" cy="4001693"/>
-          </a:xfrm>
-        </p:spPr>
-      </p:pic>
-      <p:sp>
-        <p:nvSpPr>
-          <p:cNvPr id="5" name="Text Placeholder 4">
-            <a:extLst>
-              <a:ext uri="{FF2B5EF4-FFF2-40B4-BE49-F238E27FC236}">
-                <a16:creationId xmlns:a16="http://schemas.microsoft.com/office/drawing/2014/main" id="{14E17638-D9AA-900D-05C9-FD0E94F739AD}"/>
-              </a:ext>
-            </a:extLst>
-          </p:cNvPr>
-          <p:cNvSpPr>
-            <a:spLocks noGrp="1"/>
-          </p:cNvSpPr>
-          <p:nvPr>
-            <p:ph type="body" sz="quarter" idx="3"/>
-          </p:nvPr>
-        </p:nvSpPr>
-        <p:spPr>
-          <a:xfrm>
-            <a:off x="7887106" y="2080337"/>
-            <a:ext cx="3943627" cy="448989"/>
-          </a:xfrm>
-        </p:spPr>
-        <p:txBody>
-          <a:bodyPr/>
-          <a:lstStyle/>
-          <a:p>
-            <a:r>
-              <a:rPr lang="en-US" dirty="0"/>
-              <a:t>problem </a:t>
-            </a:r>
-            <a:endParaRPr lang="en-IL" dirty="0"/>
-          </a:p>
-        </p:txBody>
-      </p:sp>
-      <p:sp>
-        <p:nvSpPr>
-          <p:cNvPr id="6" name="Content Placeholder 5">
-            <a:extLst>
-              <a:ext uri="{FF2B5EF4-FFF2-40B4-BE49-F238E27FC236}">
-                <a16:creationId xmlns:a16="http://schemas.microsoft.com/office/drawing/2014/main" id="{E279C102-F700-EF0E-CE24-91857215B20D}"/>
-              </a:ext>
-            </a:extLst>
-          </p:cNvPr>
-          <p:cNvSpPr>
-            <a:spLocks noGrp="1"/>
-          </p:cNvSpPr>
-          <p:nvPr>
-            <p:ph sz="half" idx="14"/>
-          </p:nvPr>
-        </p:nvSpPr>
-        <p:spPr>
-          <a:xfrm>
-            <a:off x="7887105" y="2539513"/>
-            <a:ext cx="3943627" cy="3032733"/>
-          </a:xfrm>
-        </p:spPr>
-        <p:txBody>
-          <a:bodyPr/>
-          <a:lstStyle/>
-          <a:p>
-            <a:r>
-              <a:rPr lang="en-US" dirty="0"/>
-              <a:t>To many details specified therefore the results were too similar.</a:t>
-            </a:r>
-          </a:p>
-          <a:p>
-            <a:r>
-              <a:rPr lang="en-US" dirty="0"/>
-              <a:t>There is no direct way to detect gender or racial bias.</a:t>
-            </a:r>
-            <a:endParaRPr lang="en-IL" dirty="0"/>
-          </a:p>
-        </p:txBody>
-      </p:sp>
-      <p:sp>
-        <p:nvSpPr>
-          <p:cNvPr id="7" name="Slide Number Placeholder 6">
-            <a:extLst>
-              <a:ext uri="{FF2B5EF4-FFF2-40B4-BE49-F238E27FC236}">
-                <a16:creationId xmlns:a16="http://schemas.microsoft.com/office/drawing/2014/main" id="{A12A107A-FD37-0BA4-7913-B93AA8AEDB90}"/>
-              </a:ext>
-            </a:extLst>
-          </p:cNvPr>
-          <p:cNvSpPr>
-            <a:spLocks noGrp="1"/>
-          </p:cNvSpPr>
-          <p:nvPr>
-            <p:ph type="sldNum" sz="quarter" idx="12"/>
-          </p:nvPr>
-        </p:nvSpPr>
-        <p:spPr/>
-        <p:txBody>
-          <a:bodyPr/>
-          <a:lstStyle/>
-          <a:p>
-            <a:fld id="{A49DFD55-3C28-40EF-9E31-A92D2E4017FF}" type="slidenum">
-              <a:rPr lang="en-US" smtClean="0"/>
-              <a:pPr/>
-              <a:t>19</a:t>
-            </a:fld>
-            <a:endParaRPr lang="en-US" dirty="0"/>
-          </a:p>
-        </p:txBody>
-      </p:sp>
-    </p:spTree>
-    <p:extLst>
-      <p:ext uri="{BB962C8B-B14F-4D97-AF65-F5344CB8AC3E}">
-        <p14:creationId xmlns:p14="http://schemas.microsoft.com/office/powerpoint/2010/main" val="2422479522"/>
-      </p:ext>
-    </p:extLst>
-  </p:cSld>
-  <p:clrMapOvr>
-    <a:masterClrMapping/>
-  </p:clrMapOvr>
-</p:sld>
-</file>
-
-<file path=ppt/slides/slide2.xml><?xml version="1.0" encoding="utf-8"?>
-<p:sld xmlns:a="http://schemas.openxmlformats.org/drawingml/2006/main" xmlns:r="http://schemas.openxmlformats.org/officeDocument/2006/relationships" xmlns:p="http://schemas.openxmlformats.org/presentationml/2006/main">
-  <p:cSld>
-    <p:spTree>
-      <p:nvGrpSpPr>
-        <p:cNvPr id="1" name=""/>
-        <p:cNvGrpSpPr/>
-        <p:nvPr/>
-      </p:nvGrpSpPr>
-      <p:grpSpPr>
-        <a:xfrm>
-          <a:off x="0" y="0"/>
-          <a:ext cx="0" cy="0"/>
-          <a:chOff x="0" y="0"/>
-          <a:chExt cx="0" cy="0"/>
-        </a:xfrm>
-      </p:grpSpPr>
-      <p:sp>
-        <p:nvSpPr>
-          <p:cNvPr id="2" name="Title 1">
-            <a:extLst>
-              <a:ext uri="{FF2B5EF4-FFF2-40B4-BE49-F238E27FC236}">
-                <a16:creationId xmlns:a16="http://schemas.microsoft.com/office/drawing/2014/main" id="{1BEF5859-10C9-4588-9727-B9362E26C29D}"/>
-              </a:ext>
-            </a:extLst>
-          </p:cNvPr>
-          <p:cNvSpPr>
-            <a:spLocks noGrp="1"/>
-          </p:cNvSpPr>
-          <p:nvPr>
-            <p:ph type="title"/>
-          </p:nvPr>
-        </p:nvSpPr>
-        <p:spPr>
-          <a:xfrm>
-            <a:off x="686730" y="669073"/>
-            <a:ext cx="1900354" cy="606418"/>
-          </a:xfrm>
-        </p:spPr>
-        <p:txBody>
-          <a:bodyPr/>
-          <a:lstStyle/>
-          <a:p>
-            <a:r>
-              <a:rPr lang="en-US" dirty="0"/>
-              <a:t>AGENDA</a:t>
-            </a:r>
-          </a:p>
-        </p:txBody>
-      </p:sp>
-      <p:sp>
-        <p:nvSpPr>
-          <p:cNvPr id="3" name="Content Placeholder 2">
-            <a:extLst>
-              <a:ext uri="{FF2B5EF4-FFF2-40B4-BE49-F238E27FC236}">
-                <a16:creationId xmlns:a16="http://schemas.microsoft.com/office/drawing/2014/main" id="{5671D7E5-EF66-4BCD-8DAA-E9061157F0BE}"/>
-              </a:ext>
-            </a:extLst>
-          </p:cNvPr>
-          <p:cNvSpPr>
-            <a:spLocks noGrp="1"/>
-          </p:cNvSpPr>
-          <p:nvPr>
-            <p:ph idx="1"/>
-          </p:nvPr>
-        </p:nvSpPr>
-        <p:spPr>
-          <a:xfrm>
-            <a:off x="173773" y="1594624"/>
-            <a:ext cx="4387075" cy="4594303"/>
-          </a:xfrm>
-        </p:spPr>
-        <p:txBody>
-          <a:bodyPr>
-            <a:normAutofit fontScale="92500" lnSpcReduction="10000"/>
-          </a:bodyPr>
-          <a:lstStyle/>
-          <a:p>
-            <a:pPr algn="r" rtl="1"/>
-            <a:r>
-              <a:rPr lang="he-IL" sz="2400" b="0" i="0" dirty="0">
-                <a:effectLst/>
-                <a:latin typeface="Segoe UI Semibold" panose="020B0702040204020203" pitchFamily="34" charset="0"/>
-                <a:cs typeface="Segoe UI Semibold" panose="020B0702040204020203" pitchFamily="34" charset="0"/>
-              </a:rPr>
-              <a:t>הפריצה של מודלים גנרטיביים כמו </a:t>
-            </a:r>
-            <a:r>
-              <a:rPr lang="en-US" sz="2400" b="0" i="0" dirty="0">
-                <a:effectLst/>
-                <a:latin typeface="Segoe UI Semibold" panose="020B0702040204020203" pitchFamily="34" charset="0"/>
-                <a:cs typeface="Segoe UI Semibold" panose="020B0702040204020203" pitchFamily="34" charset="0"/>
-              </a:rPr>
-              <a:t>ChatGPT</a:t>
-            </a:r>
-            <a:r>
-              <a:rPr lang="he-IL" sz="2400" b="0" i="0" dirty="0">
-                <a:effectLst/>
-                <a:latin typeface="Segoe UI Semibold" panose="020B0702040204020203" pitchFamily="34" charset="0"/>
-                <a:cs typeface="Segoe UI Semibold" panose="020B0702040204020203" pitchFamily="34" charset="0"/>
-              </a:rPr>
-              <a:t> מביאה הרבה אפשרויות חדשות, אבל גם בעיות בשימוש במודלים האלו. </a:t>
-            </a:r>
-            <a:r>
-              <a:rPr lang="he-IL" sz="2400" dirty="0">
-                <a:latin typeface="Segoe UI Semibold" panose="020B0702040204020203" pitchFamily="34" charset="0"/>
-                <a:cs typeface="Segoe UI Semibold" panose="020B0702040204020203" pitchFamily="34" charset="0"/>
-              </a:rPr>
-              <a:t>חקרנו </a:t>
-            </a:r>
-            <a:r>
-              <a:rPr lang="he-IL" sz="2400" b="0" i="0" dirty="0">
-                <a:effectLst/>
-                <a:latin typeface="Segoe UI Semibold" panose="020B0702040204020203" pitchFamily="34" charset="0"/>
-                <a:cs typeface="Segoe UI Semibold" panose="020B0702040204020203" pitchFamily="34" charset="0"/>
-              </a:rPr>
-              <a:t>את המודל האלו מכיוון של הוגנות - עד כמה המודל האלו ממדלים ומגבירים הטיות שונות בדאטה לגבי גזע, מין, גיל וכו</a:t>
-            </a:r>
-            <a:r>
-              <a:rPr lang="he-IL" sz="2400" dirty="0">
-                <a:latin typeface="Segoe UI Semibold" panose="020B0702040204020203" pitchFamily="34" charset="0"/>
-                <a:cs typeface="Segoe UI Semibold" panose="020B0702040204020203" pitchFamily="34" charset="0"/>
-              </a:rPr>
-              <a:t>'</a:t>
-            </a:r>
-            <a:r>
-              <a:rPr lang="he-IL" sz="2400" b="0" i="0" dirty="0">
-                <a:effectLst/>
-                <a:latin typeface="Segoe UI Semibold" panose="020B0702040204020203" pitchFamily="34" charset="0"/>
-                <a:cs typeface="Segoe UI Semibold" panose="020B0702040204020203" pitchFamily="34" charset="0"/>
-              </a:rPr>
-              <a:t>. בדקנו גם השפעה של סוג השפה (אנגלית מול עברית) במודלי שפה גדולים.</a:t>
-            </a:r>
-            <a:endParaRPr lang="en-US" sz="2400" dirty="0">
-              <a:latin typeface="Segoe UI Semibold" panose="020B0702040204020203" pitchFamily="34" charset="0"/>
-              <a:cs typeface="Segoe UI Semibold" panose="020B0702040204020203" pitchFamily="34" charset="0"/>
-            </a:endParaRPr>
-          </a:p>
-        </p:txBody>
-      </p:sp>
-      <p:sp>
-        <p:nvSpPr>
-          <p:cNvPr id="5" name="Slide Number Placeholder 5">
-            <a:extLst>
-              <a:ext uri="{FF2B5EF4-FFF2-40B4-BE49-F238E27FC236}">
-                <a16:creationId xmlns:a16="http://schemas.microsoft.com/office/drawing/2014/main" id="{B02A8827-B1A1-2D2F-D6DD-E886B886C43E}"/>
-              </a:ext>
-            </a:extLst>
-          </p:cNvPr>
-          <p:cNvSpPr>
-            <a:spLocks noGrp="1"/>
-          </p:cNvSpPr>
-          <p:nvPr>
-            <p:ph type="sldNum" sz="quarter" idx="12"/>
-          </p:nvPr>
-        </p:nvSpPr>
-        <p:spPr>
-          <a:xfrm>
-            <a:off x="10373350" y="6356349"/>
-            <a:ext cx="987552" cy="365125"/>
-          </a:xfrm>
-        </p:spPr>
-        <p:txBody>
-          <a:bodyPr/>
-          <a:lstStyle/>
-          <a:p>
-            <a:fld id="{A49DFD55-3C28-40EF-9E31-A92D2E4017FF}" type="slidenum">
-              <a:rPr lang="en-US" smtClean="0"/>
-              <a:pPr/>
-              <a:t>2</a:t>
-            </a:fld>
-            <a:endParaRPr lang="en-US" dirty="0"/>
-          </a:p>
-        </p:txBody>
-      </p:sp>
-    </p:spTree>
-    <p:extLst>
-      <p:ext uri="{BB962C8B-B14F-4D97-AF65-F5344CB8AC3E}">
-        <p14:creationId xmlns:p14="http://schemas.microsoft.com/office/powerpoint/2010/main" val="1713219598"/>
-      </p:ext>
-    </p:extLst>
-  </p:cSld>
-  <p:clrMapOvr>
-    <a:masterClrMapping/>
-  </p:clrMapOvr>
-</p:sld>
-</file>
-
-<file path=ppt/slides/slide20.xml><?xml version="1.0" encoding="utf-8"?>
-<p:sld xmlns:a="http://schemas.openxmlformats.org/drawingml/2006/main" xmlns:r="http://schemas.openxmlformats.org/officeDocument/2006/relationships" xmlns:p="http://schemas.openxmlformats.org/presentationml/2006/main">
-  <p:cSld>
-    <p:spTree>
-      <p:nvGrpSpPr>
-        <p:cNvPr id="1" name=""/>
-        <p:cNvGrpSpPr/>
-        <p:nvPr/>
-      </p:nvGrpSpPr>
-      <p:grpSpPr>
-        <a:xfrm>
-          <a:off x="0" y="0"/>
-          <a:ext cx="0" cy="0"/>
-          <a:chOff x="0" y="0"/>
-          <a:chExt cx="0" cy="0"/>
-        </a:xfrm>
-      </p:grpSpPr>
-      <p:sp>
-        <p:nvSpPr>
-          <p:cNvPr id="17" name="Title 1">
-            <a:extLst>
-              <a:ext uri="{FF2B5EF4-FFF2-40B4-BE49-F238E27FC236}">
-                <a16:creationId xmlns:a16="http://schemas.microsoft.com/office/drawing/2014/main" id="{09140014-73D5-419B-8867-972BB18D52D4}"/>
-              </a:ext>
-            </a:extLst>
-          </p:cNvPr>
-          <p:cNvSpPr>
-            <a:spLocks noGrp="1"/>
-          </p:cNvSpPr>
-          <p:nvPr>
-            <p:ph type="ctrTitle"/>
-          </p:nvPr>
-        </p:nvSpPr>
-        <p:spPr>
-          <a:xfrm>
-            <a:off x="4267200" y="556556"/>
-            <a:ext cx="4179570" cy="1524735"/>
-          </a:xfrm>
-        </p:spPr>
-        <p:txBody>
-          <a:bodyPr anchor="b">
-            <a:normAutofit/>
-          </a:bodyPr>
-          <a:lstStyle/>
-          <a:p>
-            <a:r>
-              <a:rPr lang="he-IL" dirty="0"/>
-              <a:t>ציפיות </a:t>
-            </a:r>
-            <a:endParaRPr lang="en-US" dirty="0"/>
-          </a:p>
-        </p:txBody>
-      </p:sp>
-      <p:sp>
-        <p:nvSpPr>
-          <p:cNvPr id="20" name="Content Placeholder 3">
-            <a:extLst>
-              <a:ext uri="{FF2B5EF4-FFF2-40B4-BE49-F238E27FC236}">
-                <a16:creationId xmlns:a16="http://schemas.microsoft.com/office/drawing/2014/main" id="{33D8731E-4977-402E-8BFD-895B4D0544CC}"/>
-              </a:ext>
-            </a:extLst>
-          </p:cNvPr>
-          <p:cNvSpPr>
-            <a:spLocks noGrp="1"/>
-          </p:cNvSpPr>
-          <p:nvPr>
-            <p:ph type="subTitle" idx="1"/>
-          </p:nvPr>
-        </p:nvSpPr>
-        <p:spPr>
-          <a:xfrm>
-            <a:off x="4175760" y="2163683"/>
-            <a:ext cx="4179570" cy="2850181"/>
-          </a:xfrm>
-        </p:spPr>
-        <p:txBody>
-          <a:bodyPr>
-            <a:normAutofit/>
-          </a:bodyPr>
-          <a:lstStyle/>
-          <a:p>
-            <a:pPr marL="0" indent="0" algn="r">
-              <a:lnSpc>
-                <a:spcPct val="140000"/>
-              </a:lnSpc>
-              <a:buNone/>
-            </a:pPr>
-            <a:r>
-              <a:rPr lang="he-IL" sz="1500" dirty="0"/>
-              <a:t>התוצאות הצפויות לניסוי- </a:t>
-            </a:r>
-          </a:p>
-          <a:p>
-            <a:pPr marL="0" indent="0" algn="r" rtl="1">
-              <a:lnSpc>
-                <a:spcPct val="140000"/>
-              </a:lnSpc>
-              <a:buNone/>
-            </a:pPr>
-            <a:r>
-              <a:rPr lang="he-IL" sz="1500" dirty="0"/>
-              <a:t>יתגלה כי קיימת הטיה מגדרית בהתנהגות של המודל (</a:t>
-            </a:r>
-            <a:r>
-              <a:rPr lang="en-US" sz="1500" dirty="0"/>
-              <a:t>ChatGPT</a:t>
-            </a:r>
-            <a:r>
-              <a:rPr lang="he-IL" sz="1500" dirty="0"/>
-              <a:t>) שתחשוף הנחות או אסוציאציות מוטות המתיישרות עם סטריאוטיפים חברתיים.</a:t>
-            </a:r>
-          </a:p>
-          <a:p>
-            <a:pPr marL="0" indent="0" algn="r" rtl="1">
-              <a:lnSpc>
-                <a:spcPct val="140000"/>
-              </a:lnSpc>
-              <a:buNone/>
-            </a:pPr>
-            <a:r>
-              <a:rPr lang="he-IL" sz="1500" dirty="0"/>
-              <a:t>הניתוח צפוי להדגיש ש</a:t>
-            </a:r>
-            <a:r>
-              <a:rPr lang="en-US" sz="1500" dirty="0"/>
-              <a:t>LLMs</a:t>
-            </a:r>
-            <a:r>
-              <a:rPr lang="he-IL" sz="1500" dirty="0"/>
-              <a:t> נוטים להביע הנחות מוטות לגבי גברים ונשים שמשקפות תפיסות חברתיות יותר מאשר מציאות עובדתית.</a:t>
-            </a:r>
-          </a:p>
-        </p:txBody>
-      </p:sp>
-      <p:sp>
-        <p:nvSpPr>
-          <p:cNvPr id="9" name="Slide Number Placeholder 8">
-            <a:extLst>
-              <a:ext uri="{FF2B5EF4-FFF2-40B4-BE49-F238E27FC236}">
-                <a16:creationId xmlns:a16="http://schemas.microsoft.com/office/drawing/2014/main" id="{C396FFDC-ADE8-4009-A466-A81787258E88}"/>
-              </a:ext>
-            </a:extLst>
-          </p:cNvPr>
-          <p:cNvSpPr>
-            <a:spLocks noGrp="1"/>
-          </p:cNvSpPr>
-          <p:nvPr>
-            <p:ph type="sldNum" sz="quarter" idx="12"/>
-          </p:nvPr>
-        </p:nvSpPr>
-        <p:spPr>
-          <a:xfrm>
-            <a:off x="9579428" y="6356350"/>
-            <a:ext cx="1774371" cy="365125"/>
-          </a:xfrm>
-        </p:spPr>
-        <p:txBody>
-          <a:bodyPr anchor="ctr">
-            <a:normAutofit/>
-          </a:bodyPr>
-          <a:lstStyle/>
-          <a:p>
-            <a:pPr>
-              <a:spcAft>
-                <a:spcPts val="600"/>
-              </a:spcAft>
-            </a:pPr>
-            <a:fld id="{A49DFD55-3C28-40EF-9E31-A92D2E4017FF}" type="slidenum">
-              <a:rPr lang="en-US" smtClean="0"/>
-              <a:pPr>
-                <a:spcAft>
-                  <a:spcPts val="600"/>
-                </a:spcAft>
-              </a:pPr>
-              <a:t>20</a:t>
-            </a:fld>
-            <a:endParaRPr lang="en-US"/>
-          </a:p>
-        </p:txBody>
-      </p:sp>
-    </p:spTree>
-    <p:extLst>
-      <p:ext uri="{BB962C8B-B14F-4D97-AF65-F5344CB8AC3E}">
-        <p14:creationId xmlns:p14="http://schemas.microsoft.com/office/powerpoint/2010/main" val="2054691664"/>
-      </p:ext>
-    </p:extLst>
-  </p:cSld>
-  <p:clrMapOvr>
-    <a:masterClrMapping/>
-  </p:clrMapOvr>
-</p:sld>
-</file>
-
 <file path=ppt/slides/slide21.xml><?xml version="1.0" encoding="utf-8"?>
 <p:sld xmlns:a="http://schemas.openxmlformats.org/drawingml/2006/main" xmlns:r="http://schemas.openxmlformats.org/officeDocument/2006/relationships" xmlns:p="http://schemas.openxmlformats.org/presentationml/2006/main">
   <p:cSld>
@@ -11173,10 +11122,10 @@
       </p:grpSpPr>
       <p:sp>
         <p:nvSpPr>
-          <p:cNvPr id="17" name="Title 1">
-            <a:extLst>
-              <a:ext uri="{FF2B5EF4-FFF2-40B4-BE49-F238E27FC236}">
-                <a16:creationId xmlns:a16="http://schemas.microsoft.com/office/drawing/2014/main" id="{09140014-73D5-419B-8867-972BB18D52D4}"/>
+          <p:cNvPr id="8" name="Title 2">
+            <a:extLst>
+              <a:ext uri="{FF2B5EF4-FFF2-40B4-BE49-F238E27FC236}">
+                <a16:creationId xmlns:a16="http://schemas.microsoft.com/office/drawing/2014/main" id="{3E5FEE2D-79E5-4C1D-8BF7-EE619CA7039A}"/>
               </a:ext>
             </a:extLst>
           </p:cNvPr>
@@ -11189,42 +11138,43 @@
         </p:nvSpPr>
         <p:spPr>
           <a:xfrm>
-            <a:off x="567464" y="143523"/>
-            <a:ext cx="5655197" cy="557517"/>
-          </a:xfrm>
-        </p:spPr>
-        <p:txBody>
-          <a:bodyPr anchor="b"/>
+            <a:off x="587365" y="432233"/>
+            <a:ext cx="7429500" cy="447039"/>
+          </a:xfrm>
+        </p:spPr>
+        <p:txBody>
+          <a:bodyPr anchor="b">
+            <a:normAutofit fontScale="90000"/>
+          </a:bodyPr>
           <a:lstStyle/>
           <a:p>
-            <a:pPr algn="r"/>
             <a:r>
               <a:rPr lang="en-US" dirty="0"/>
-              <a:t>Experiment process </a:t>
-            </a:r>
-          </a:p>
-        </p:txBody>
-      </p:sp>
-      <p:sp>
-        <p:nvSpPr>
-          <p:cNvPr id="20" name="Content Placeholder 3">
-            <a:extLst>
-              <a:ext uri="{FF2B5EF4-FFF2-40B4-BE49-F238E27FC236}">
-                <a16:creationId xmlns:a16="http://schemas.microsoft.com/office/drawing/2014/main" id="{33D8731E-4977-402E-8BFD-895B4D0544CC}"/>
-              </a:ext>
-            </a:extLst>
-          </p:cNvPr>
-          <p:cNvSpPr>
-            <a:spLocks noGrp="1"/>
-          </p:cNvSpPr>
-          <p:nvPr>
-            <p:ph sz="half" idx="2"/>
-          </p:nvPr>
-        </p:nvSpPr>
-        <p:spPr>
-          <a:xfrm>
-            <a:off x="567464" y="944880"/>
-            <a:ext cx="6183856" cy="3718755"/>
+              <a:t>example</a:t>
+            </a:r>
+          </a:p>
+        </p:txBody>
+      </p:sp>
+      <p:sp>
+        <p:nvSpPr>
+          <p:cNvPr id="17" name="Text Placeholder 4">
+            <a:extLst>
+              <a:ext uri="{FF2B5EF4-FFF2-40B4-BE49-F238E27FC236}">
+                <a16:creationId xmlns:a16="http://schemas.microsoft.com/office/drawing/2014/main" id="{ED6700D8-962B-FE7B-D8FE-35C67B8298F9}"/>
+              </a:ext>
+            </a:extLst>
+          </p:cNvPr>
+          <p:cNvSpPr>
+            <a:spLocks noGrp="1"/>
+          </p:cNvSpPr>
+          <p:nvPr>
+            <p:ph type="body" idx="10"/>
+          </p:nvPr>
+        </p:nvSpPr>
+        <p:spPr>
+          <a:xfrm>
+            <a:off x="814484" y="1096220"/>
+            <a:ext cx="6395710" cy="351284"/>
           </a:xfrm>
         </p:spPr>
         <p:txBody>
@@ -11233,61 +11183,142 @@
           </a:bodyPr>
           <a:lstStyle/>
           <a:p>
-            <a:pPr marL="0" indent="0">
-              <a:buNone/>
+            <a:r>
+              <a:rPr lang="en-US" sz="1200" dirty="0"/>
+              <a:t>10 possible answered received for profile 1 with no specification for race and gender</a:t>
+            </a:r>
+          </a:p>
+        </p:txBody>
+      </p:sp>
+      <p:pic>
+        <p:nvPicPr>
+          <p:cNvPr id="2" name="Picture 1">
+            <a:extLst>
+              <a:ext uri="{FF2B5EF4-FFF2-40B4-BE49-F238E27FC236}">
+                <a16:creationId xmlns:a16="http://schemas.microsoft.com/office/drawing/2014/main" id="{670390F1-FC2A-E03C-D11D-6CF7A0E09861}"/>
+              </a:ext>
+            </a:extLst>
+          </p:cNvPr>
+          <p:cNvPicPr>
+            <a:picLocks noChangeAspect="1"/>
+          </p:cNvPicPr>
+          <p:nvPr/>
+        </p:nvPicPr>
+        <p:blipFill>
+          <a:blip r:embed="rId3"/>
+          <a:stretch>
+            <a:fillRect/>
+          </a:stretch>
+        </p:blipFill>
+        <p:spPr>
+          <a:xfrm>
+            <a:off x="747088" y="1451620"/>
+            <a:ext cx="6463106" cy="4718068"/>
+          </a:xfrm>
+          <a:prstGeom prst="rect">
+            <a:avLst/>
+          </a:prstGeom>
+          <a:noFill/>
+        </p:spPr>
+      </p:pic>
+      <p:sp>
+        <p:nvSpPr>
+          <p:cNvPr id="5" name="Slide Number Placeholder 5">
+            <a:extLst>
+              <a:ext uri="{FF2B5EF4-FFF2-40B4-BE49-F238E27FC236}">
+                <a16:creationId xmlns:a16="http://schemas.microsoft.com/office/drawing/2014/main" id="{4832B776-E386-1CF9-CC8F-2D2FF3EA7066}"/>
+              </a:ext>
+            </a:extLst>
+          </p:cNvPr>
+          <p:cNvSpPr>
+            <a:spLocks noGrp="1"/>
+          </p:cNvSpPr>
+          <p:nvPr>
+            <p:ph type="sldNum" sz="quarter" idx="13"/>
+          </p:nvPr>
+        </p:nvSpPr>
+        <p:spPr>
+          <a:xfrm>
+            <a:off x="10373350" y="6356349"/>
+            <a:ext cx="987552" cy="365125"/>
+          </a:xfrm>
+        </p:spPr>
+        <p:txBody>
+          <a:bodyPr anchor="ctr">
+            <a:normAutofit/>
+          </a:bodyPr>
+          <a:lstStyle/>
+          <a:p>
+            <a:pPr>
+              <a:spcAft>
+                <a:spcPts val="600"/>
+              </a:spcAft>
             </a:pPr>
-            <a:endParaRPr lang="en-GB" sz="800" dirty="0"/>
-          </a:p>
-          <a:p>
-            <a:pPr marL="0" indent="0" algn="r">
-              <a:buNone/>
-            </a:pPr>
-            <a:r>
-              <a:rPr lang="en-US" sz="1600" dirty="0"/>
-              <a:t>We created a code in python that runs ChatGPT multiple times</a:t>
-            </a:r>
-          </a:p>
-        </p:txBody>
-      </p:sp>
-      <p:sp>
-        <p:nvSpPr>
-          <p:cNvPr id="9" name="Slide Number Placeholder 8">
-            <a:extLst>
-              <a:ext uri="{FF2B5EF4-FFF2-40B4-BE49-F238E27FC236}">
-                <a16:creationId xmlns:a16="http://schemas.microsoft.com/office/drawing/2014/main" id="{C396FFDC-ADE8-4009-A466-A81787258E88}"/>
-              </a:ext>
-            </a:extLst>
-          </p:cNvPr>
-          <p:cNvSpPr>
-            <a:spLocks noGrp="1"/>
-          </p:cNvSpPr>
-          <p:nvPr>
-            <p:ph type="sldNum" sz="quarter" idx="12"/>
-          </p:nvPr>
-        </p:nvSpPr>
-        <p:spPr>
-          <a:xfrm>
-            <a:off x="8610600" y="6356350"/>
-            <a:ext cx="2743200" cy="365125"/>
-          </a:xfrm>
-        </p:spPr>
-        <p:txBody>
-          <a:bodyPr/>
-          <a:lstStyle/>
-          <a:p>
             <a:fld id="{A49DFD55-3C28-40EF-9E31-A92D2E4017FF}" type="slidenum">
               <a:rPr lang="en-US" smtClean="0"/>
-              <a:pPr/>
+              <a:pPr>
+                <a:spcAft>
+                  <a:spcPts val="600"/>
+                </a:spcAft>
+              </a:pPr>
               <a:t>21</a:t>
             </a:fld>
-            <a:endParaRPr lang="en-US" dirty="0"/>
+            <a:endParaRPr lang="en-US"/>
+          </a:p>
+        </p:txBody>
+      </p:sp>
+      <p:sp>
+        <p:nvSpPr>
+          <p:cNvPr id="4" name="Rectangle 3">
+            <a:extLst>
+              <a:ext uri="{FF2B5EF4-FFF2-40B4-BE49-F238E27FC236}">
+                <a16:creationId xmlns:a16="http://schemas.microsoft.com/office/drawing/2014/main" id="{BC7DB4A4-B58D-744E-A507-07E9324A39DA}"/>
+              </a:ext>
+            </a:extLst>
+          </p:cNvPr>
+          <p:cNvSpPr/>
+          <p:nvPr/>
+        </p:nvSpPr>
+        <p:spPr>
+          <a:xfrm>
+            <a:off x="8711921" y="3276600"/>
+            <a:ext cx="2756179" cy="1064288"/>
+          </a:xfrm>
+          <a:prstGeom prst="rect">
+            <a:avLst/>
+          </a:prstGeom>
+        </p:spPr>
+        <p:style>
+          <a:lnRef idx="2">
+            <a:schemeClr val="accent6"/>
+          </a:lnRef>
+          <a:fillRef idx="1">
+            <a:schemeClr val="lt1"/>
+          </a:fillRef>
+          <a:effectRef idx="0">
+            <a:schemeClr val="accent6"/>
+          </a:effectRef>
+          <a:fontRef idx="minor">
+            <a:schemeClr val="dk1"/>
+          </a:fontRef>
+        </p:style>
+        <p:txBody>
+          <a:bodyPr rtlCol="0" anchor="ctr"/>
+          <a:lstStyle/>
+          <a:p>
+            <a:pPr algn="ctr"/>
+            <a:r>
+              <a:rPr lang="en-US" dirty="0"/>
+              <a:t>This led us to our result table</a:t>
+            </a:r>
+            <a:endParaRPr lang="en-IL" dirty="0"/>
           </a:p>
         </p:txBody>
       </p:sp>
     </p:spTree>
     <p:extLst>
       <p:ext uri="{BB962C8B-B14F-4D97-AF65-F5344CB8AC3E}">
-        <p14:creationId xmlns:p14="http://schemas.microsoft.com/office/powerpoint/2010/main" val="4149410895"/>
+        <p14:creationId xmlns:p14="http://schemas.microsoft.com/office/powerpoint/2010/main" val="870501172"/>
       </p:ext>
     </p:extLst>
   </p:cSld>
@@ -11316,10 +11347,10 @@
       </p:grpSpPr>
       <p:sp>
         <p:nvSpPr>
-          <p:cNvPr id="8" name="Title 2">
-            <a:extLst>
-              <a:ext uri="{FF2B5EF4-FFF2-40B4-BE49-F238E27FC236}">
-                <a16:creationId xmlns:a16="http://schemas.microsoft.com/office/drawing/2014/main" id="{3E5FEE2D-79E5-4C1D-8BF7-EE619CA7039A}"/>
+          <p:cNvPr id="2" name="Title 1">
+            <a:extLst>
+              <a:ext uri="{FF2B5EF4-FFF2-40B4-BE49-F238E27FC236}">
+                <a16:creationId xmlns:a16="http://schemas.microsoft.com/office/drawing/2014/main" id="{779E4125-6C80-A6AD-952D-1C8491ACA9D9}"/>
               </a:ext>
             </a:extLst>
           </p:cNvPr>
@@ -11332,187 +11363,118 @@
         </p:nvSpPr>
         <p:spPr>
           <a:xfrm>
-            <a:off x="587365" y="432233"/>
-            <a:ext cx="7429500" cy="447039"/>
-          </a:xfrm>
-        </p:spPr>
-        <p:txBody>
-          <a:bodyPr anchor="b">
-            <a:normAutofit fontScale="90000"/>
-          </a:bodyPr>
+            <a:off x="422032" y="337191"/>
+            <a:ext cx="5673968" cy="1642333"/>
+          </a:xfrm>
+        </p:spPr>
+        <p:txBody>
+          <a:bodyPr/>
           <a:lstStyle/>
           <a:p>
+            <a:pPr algn="r"/>
+            <a:r>
+              <a:rPr lang="he-IL" dirty="0"/>
+              <a:t>חישוב השגיאה</a:t>
+            </a:r>
+            <a:endParaRPr lang="en-IL" dirty="0"/>
+          </a:p>
+        </p:txBody>
+      </p:sp>
+      <p:sp>
+        <p:nvSpPr>
+          <p:cNvPr id="4" name="Content Placeholder 3">
+            <a:extLst>
+              <a:ext uri="{FF2B5EF4-FFF2-40B4-BE49-F238E27FC236}">
+                <a16:creationId xmlns:a16="http://schemas.microsoft.com/office/drawing/2014/main" id="{CBAEBC76-E9FB-2A3E-4BCB-2385A8035742}"/>
+              </a:ext>
+            </a:extLst>
+          </p:cNvPr>
+          <p:cNvSpPr>
+            <a:spLocks noGrp="1"/>
+          </p:cNvSpPr>
+          <p:nvPr>
+            <p:ph sz="half" idx="2"/>
+          </p:nvPr>
+        </p:nvSpPr>
+        <p:spPr>
+          <a:xfrm>
+            <a:off x="838199" y="2301072"/>
+            <a:ext cx="5733773" cy="3885827"/>
+          </a:xfrm>
+        </p:spPr>
+        <p:txBody>
+          <a:bodyPr/>
+          <a:lstStyle/>
+          <a:p>
+            <a:pPr marL="0" indent="0" algn="r" rtl="1">
+              <a:buNone/>
+            </a:pPr>
+            <a:r>
+              <a:rPr lang="he-IL" dirty="0"/>
+              <a:t>מרחב המדגם שלנו </a:t>
+            </a:r>
             <a:r>
               <a:rPr lang="en-US" dirty="0"/>
-              <a:t>example</a:t>
-            </a:r>
-          </a:p>
-        </p:txBody>
-      </p:sp>
-      <p:sp>
-        <p:nvSpPr>
-          <p:cNvPr id="17" name="Text Placeholder 4">
-            <a:extLst>
-              <a:ext uri="{FF2B5EF4-FFF2-40B4-BE49-F238E27FC236}">
-                <a16:creationId xmlns:a16="http://schemas.microsoft.com/office/drawing/2014/main" id="{ED6700D8-962B-FE7B-D8FE-35C67B8298F9}"/>
-              </a:ext>
-            </a:extLst>
-          </p:cNvPr>
-          <p:cNvSpPr>
-            <a:spLocks noGrp="1"/>
-          </p:cNvSpPr>
-          <p:nvPr>
-            <p:ph type="body" idx="10"/>
-          </p:nvPr>
-        </p:nvSpPr>
-        <p:spPr>
-          <a:xfrm>
-            <a:off x="814484" y="1096220"/>
-            <a:ext cx="6395710" cy="351284"/>
-          </a:xfrm>
-        </p:spPr>
-        <p:txBody>
-          <a:bodyPr>
-            <a:noAutofit/>
-          </a:bodyPr>
+              <a:t>n =30 </a:t>
+            </a:r>
+          </a:p>
+          <a:p>
+            <a:pPr marL="0" indent="0" algn="r" rtl="1">
+              <a:buNone/>
+            </a:pPr>
+            <a:r>
+              <a:rPr lang="he-IL" dirty="0"/>
+              <a:t>לכן נסתכל על טווח שגיאה של יותר מ9%.</a:t>
+            </a:r>
+          </a:p>
+          <a:p>
+            <a:pPr marL="0" indent="0" algn="r" rtl="1">
+              <a:buNone/>
+            </a:pPr>
+            <a:endParaRPr lang="he-IL" dirty="0"/>
+          </a:p>
+          <a:p>
+            <a:pPr marL="0" indent="0" algn="r" rtl="1">
+              <a:buNone/>
+            </a:pPr>
+            <a:endParaRPr lang="en-US" dirty="0"/>
+          </a:p>
+        </p:txBody>
+      </p:sp>
+      <p:sp>
+        <p:nvSpPr>
+          <p:cNvPr id="7" name="Slide Number Placeholder 6">
+            <a:extLst>
+              <a:ext uri="{FF2B5EF4-FFF2-40B4-BE49-F238E27FC236}">
+                <a16:creationId xmlns:a16="http://schemas.microsoft.com/office/drawing/2014/main" id="{4523517D-579E-C83B-5108-5431A4564393}"/>
+              </a:ext>
+            </a:extLst>
+          </p:cNvPr>
+          <p:cNvSpPr>
+            <a:spLocks noGrp="1"/>
+          </p:cNvSpPr>
+          <p:nvPr>
+            <p:ph type="sldNum" sz="quarter" idx="12"/>
+          </p:nvPr>
+        </p:nvSpPr>
+        <p:spPr/>
+        <p:txBody>
+          <a:bodyPr/>
           <a:lstStyle/>
           <a:p>
-            <a:r>
-              <a:rPr lang="en-US" sz="1200" dirty="0"/>
-              <a:t>10 possible answered received for profile 1 with no specification for race and gender</a:t>
-            </a:r>
-          </a:p>
-        </p:txBody>
-      </p:sp>
-      <p:pic>
-        <p:nvPicPr>
-          <p:cNvPr id="2" name="Picture 1">
-            <a:extLst>
-              <a:ext uri="{FF2B5EF4-FFF2-40B4-BE49-F238E27FC236}">
-                <a16:creationId xmlns:a16="http://schemas.microsoft.com/office/drawing/2014/main" id="{670390F1-FC2A-E03C-D11D-6CF7A0E09861}"/>
-              </a:ext>
-            </a:extLst>
-          </p:cNvPr>
-          <p:cNvPicPr>
-            <a:picLocks noChangeAspect="1"/>
-          </p:cNvPicPr>
-          <p:nvPr/>
-        </p:nvPicPr>
-        <p:blipFill>
-          <a:blip r:embed="rId3"/>
-          <a:stretch>
-            <a:fillRect/>
-          </a:stretch>
-        </p:blipFill>
-        <p:spPr>
-          <a:xfrm>
-            <a:off x="747088" y="1451620"/>
-            <a:ext cx="6463106" cy="4718068"/>
-          </a:xfrm>
-          <a:prstGeom prst="rect">
-            <a:avLst/>
-          </a:prstGeom>
-          <a:noFill/>
-        </p:spPr>
-      </p:pic>
-      <p:sp>
-        <p:nvSpPr>
-          <p:cNvPr id="5" name="Slide Number Placeholder 5">
-            <a:extLst>
-              <a:ext uri="{FF2B5EF4-FFF2-40B4-BE49-F238E27FC236}">
-                <a16:creationId xmlns:a16="http://schemas.microsoft.com/office/drawing/2014/main" id="{4832B776-E386-1CF9-CC8F-2D2FF3EA7066}"/>
-              </a:ext>
-            </a:extLst>
-          </p:cNvPr>
-          <p:cNvSpPr>
-            <a:spLocks noGrp="1"/>
-          </p:cNvSpPr>
-          <p:nvPr>
-            <p:ph type="sldNum" sz="quarter" idx="13"/>
-          </p:nvPr>
-        </p:nvSpPr>
-        <p:spPr>
-          <a:xfrm>
-            <a:off x="10373350" y="6356349"/>
-            <a:ext cx="987552" cy="365125"/>
-          </a:xfrm>
-        </p:spPr>
-        <p:txBody>
-          <a:bodyPr anchor="ctr">
-            <a:normAutofit/>
-          </a:bodyPr>
-          <a:lstStyle/>
-          <a:p>
-            <a:pPr>
-              <a:spcAft>
-                <a:spcPts val="600"/>
-              </a:spcAft>
-            </a:pPr>
             <a:fld id="{A49DFD55-3C28-40EF-9E31-A92D2E4017FF}" type="slidenum">
               <a:rPr lang="en-US" smtClean="0"/>
-              <a:pPr>
-                <a:spcAft>
-                  <a:spcPts val="600"/>
-                </a:spcAft>
-              </a:pPr>
+              <a:pPr/>
               <a:t>22</a:t>
             </a:fld>
-            <a:endParaRPr lang="en-US"/>
-          </a:p>
-        </p:txBody>
-      </p:sp>
-      <p:sp>
-        <p:nvSpPr>
-          <p:cNvPr id="4" name="Rectangle 3">
-            <a:extLst>
-              <a:ext uri="{FF2B5EF4-FFF2-40B4-BE49-F238E27FC236}">
-                <a16:creationId xmlns:a16="http://schemas.microsoft.com/office/drawing/2014/main" id="{BC7DB4A4-B58D-744E-A507-07E9324A39DA}"/>
-              </a:ext>
-            </a:extLst>
-          </p:cNvPr>
-          <p:cNvSpPr/>
-          <p:nvPr/>
-        </p:nvSpPr>
-        <p:spPr>
-          <a:xfrm>
-            <a:off x="8711921" y="3276600"/>
-            <a:ext cx="2756179" cy="1064288"/>
-          </a:xfrm>
-          <a:prstGeom prst="rect">
-            <a:avLst/>
-          </a:prstGeom>
-        </p:spPr>
-        <p:style>
-          <a:lnRef idx="2">
-            <a:schemeClr val="accent6"/>
-          </a:lnRef>
-          <a:fillRef idx="1">
-            <a:schemeClr val="lt1"/>
-          </a:fillRef>
-          <a:effectRef idx="0">
-            <a:schemeClr val="accent6"/>
-          </a:effectRef>
-          <a:fontRef idx="minor">
-            <a:schemeClr val="dk1"/>
-          </a:fontRef>
-        </p:style>
-        <p:txBody>
-          <a:bodyPr rtlCol="0" anchor="ctr"/>
-          <a:lstStyle/>
-          <a:p>
-            <a:pPr algn="ctr"/>
-            <a:r>
-              <a:rPr lang="en-US" dirty="0"/>
-              <a:t>This led us to our result table</a:t>
-            </a:r>
-            <a:endParaRPr lang="en-IL" dirty="0"/>
+            <a:endParaRPr lang="en-US" dirty="0"/>
           </a:p>
         </p:txBody>
       </p:sp>
     </p:spTree>
     <p:extLst>
       <p:ext uri="{BB962C8B-B14F-4D97-AF65-F5344CB8AC3E}">
-        <p14:creationId xmlns:p14="http://schemas.microsoft.com/office/powerpoint/2010/main" val="870501172"/>
+        <p14:creationId xmlns:p14="http://schemas.microsoft.com/office/powerpoint/2010/main" val="2854700588"/>
       </p:ext>
     </p:extLst>
   </p:cSld>
@@ -11544,7 +11506,7 @@
           <p:cNvPr id="2" name="Title 1">
             <a:extLst>
               <a:ext uri="{FF2B5EF4-FFF2-40B4-BE49-F238E27FC236}">
-                <a16:creationId xmlns:a16="http://schemas.microsoft.com/office/drawing/2014/main" id="{779E4125-6C80-A6AD-952D-1C8491ACA9D9}"/>
+                <a16:creationId xmlns:a16="http://schemas.microsoft.com/office/drawing/2014/main" id="{079C918D-48B1-65EC-E2C6-46EDC659726E}"/>
               </a:ext>
             </a:extLst>
           </p:cNvPr>
@@ -11557,18 +11519,19 @@
         </p:nvSpPr>
         <p:spPr>
           <a:xfrm>
-            <a:off x="422032" y="337191"/>
-            <a:ext cx="5673968" cy="1642333"/>
-          </a:xfrm>
-        </p:spPr>
-        <p:txBody>
-          <a:bodyPr/>
+            <a:off x="552659" y="267394"/>
+            <a:ext cx="10231229" cy="439419"/>
+          </a:xfrm>
+        </p:spPr>
+        <p:txBody>
+          <a:bodyPr>
+            <a:normAutofit fontScale="90000"/>
+          </a:bodyPr>
           <a:lstStyle/>
           <a:p>
-            <a:pPr algn="r"/>
-            <a:r>
-              <a:rPr lang="he-IL" dirty="0"/>
-              <a:t>חישוב השגיאה</a:t>
+            <a:r>
+              <a:rPr lang="en-US" dirty="0"/>
+              <a:t>Results</a:t>
             </a:r>
             <a:endParaRPr lang="en-IL" dirty="0"/>
           </a:p>
@@ -11576,79 +11539,148 @@
       </p:sp>
       <p:sp>
         <p:nvSpPr>
-          <p:cNvPr id="4" name="Content Placeholder 3">
-            <a:extLst>
-              <a:ext uri="{FF2B5EF4-FFF2-40B4-BE49-F238E27FC236}">
-                <a16:creationId xmlns:a16="http://schemas.microsoft.com/office/drawing/2014/main" id="{CBAEBC76-E9FB-2A3E-4BCB-2385A8035742}"/>
-              </a:ext>
-            </a:extLst>
-          </p:cNvPr>
-          <p:cNvSpPr>
-            <a:spLocks noGrp="1"/>
-          </p:cNvSpPr>
-          <p:nvPr>
-            <p:ph sz="half" idx="2"/>
-          </p:nvPr>
-        </p:nvSpPr>
-        <p:spPr>
-          <a:xfrm>
-            <a:off x="838199" y="2301072"/>
-            <a:ext cx="5733773" cy="3885827"/>
-          </a:xfrm>
-        </p:spPr>
-        <p:txBody>
-          <a:bodyPr/>
+          <p:cNvPr id="3" name="Text Placeholder 2">
+            <a:extLst>
+              <a:ext uri="{FF2B5EF4-FFF2-40B4-BE49-F238E27FC236}">
+                <a16:creationId xmlns:a16="http://schemas.microsoft.com/office/drawing/2014/main" id="{CF7CB75A-5411-9BAD-46B5-15DB1EED06FD}"/>
+              </a:ext>
+            </a:extLst>
+          </p:cNvPr>
+          <p:cNvSpPr>
+            <a:spLocks noGrp="1"/>
+          </p:cNvSpPr>
+          <p:nvPr>
+            <p:ph type="body" idx="1"/>
+          </p:nvPr>
+        </p:nvSpPr>
+        <p:spPr>
+          <a:xfrm>
+            <a:off x="423697" y="880351"/>
+            <a:ext cx="5745480" cy="439419"/>
+          </a:xfrm>
+        </p:spPr>
+        <p:txBody>
+          <a:bodyPr>
+            <a:noAutofit/>
+          </a:bodyPr>
           <a:lstStyle/>
           <a:p>
-            <a:pPr marL="0" indent="0" algn="r" rtl="1">
-              <a:buNone/>
-            </a:pPr>
-            <a:r>
-              <a:rPr lang="he-IL" dirty="0"/>
-              <a:t>מרחב המדגם שלנו </a:t>
-            </a:r>
+            <a:r>
+              <a:rPr lang="en-US" sz="1200" b="0" dirty="0"/>
+              <a:t>In a lot of cases, we saw that gender and race didn’t really impact ChatGPT’s recommendations for career with a few interesting exceptions.</a:t>
+            </a:r>
+            <a:endParaRPr lang="en-IL" sz="1200" b="0" dirty="0"/>
+          </a:p>
+        </p:txBody>
+      </p:sp>
+      <p:pic>
+        <p:nvPicPr>
+          <p:cNvPr id="9" name="Content Placeholder 8">
+            <a:extLst>
+              <a:ext uri="{FF2B5EF4-FFF2-40B4-BE49-F238E27FC236}">
+                <a16:creationId xmlns:a16="http://schemas.microsoft.com/office/drawing/2014/main" id="{EF9E359C-3EE7-B640-8DDC-8BCF60D761CF}"/>
+              </a:ext>
+            </a:extLst>
+          </p:cNvPr>
+          <p:cNvPicPr>
+            <a:picLocks noGrp="1" noChangeAspect="1"/>
+          </p:cNvPicPr>
+          <p:nvPr>
+            <p:ph sz="half" idx="15"/>
+          </p:nvPr>
+        </p:nvPicPr>
+        <p:blipFill>
+          <a:blip r:embed="rId2"/>
+          <a:stretch>
+            <a:fillRect/>
+          </a:stretch>
+        </p:blipFill>
+        <p:spPr>
+          <a:xfrm>
+            <a:off x="423697" y="1386674"/>
+            <a:ext cx="5383537" cy="4443100"/>
+          </a:xfrm>
+        </p:spPr>
+      </p:pic>
+      <p:sp>
+        <p:nvSpPr>
+          <p:cNvPr id="5" name="Text Placeholder 4">
+            <a:extLst>
+              <a:ext uri="{FF2B5EF4-FFF2-40B4-BE49-F238E27FC236}">
+                <a16:creationId xmlns:a16="http://schemas.microsoft.com/office/drawing/2014/main" id="{5956C43D-DB7C-4A08-4FA3-014882C8F544}"/>
+              </a:ext>
+            </a:extLst>
+          </p:cNvPr>
+          <p:cNvSpPr>
+            <a:spLocks noGrp="1"/>
+          </p:cNvSpPr>
+          <p:nvPr>
+            <p:ph type="body" idx="10"/>
+          </p:nvPr>
+        </p:nvSpPr>
+        <p:spPr>
+          <a:xfrm>
+            <a:off x="6096000" y="1938002"/>
+            <a:ext cx="5516880" cy="351284"/>
+          </a:xfrm>
+        </p:spPr>
+        <p:txBody>
+          <a:bodyPr>
+            <a:normAutofit fontScale="62500" lnSpcReduction="20000"/>
+          </a:bodyPr>
+          <a:lstStyle/>
+          <a:p>
             <a:r>
               <a:rPr lang="en-US" dirty="0"/>
-              <a:t>n =30 </a:t>
-            </a:r>
-          </a:p>
-          <a:p>
-            <a:pPr marL="0" indent="0" algn="r" rtl="1">
-              <a:buNone/>
-            </a:pPr>
-            <a:r>
-              <a:rPr lang="he-IL" dirty="0"/>
-              <a:t>לכן נסתכל על טווח שגיאה של יותר מ9%.</a:t>
-            </a:r>
-          </a:p>
-          <a:p>
-            <a:pPr marL="0" indent="0" algn="r" rtl="1">
-              <a:buNone/>
-            </a:pPr>
-            <a:endParaRPr lang="he-IL" dirty="0"/>
-          </a:p>
-          <a:p>
-            <a:pPr marL="0" indent="0" algn="r" rtl="1">
-              <a:buNone/>
-            </a:pPr>
-            <a:endParaRPr lang="en-US" dirty="0"/>
-          </a:p>
-        </p:txBody>
-      </p:sp>
+              <a:t>We also analyzed key words that were frequently used among the answers</a:t>
+            </a:r>
+            <a:endParaRPr lang="en-IL" dirty="0"/>
+          </a:p>
+        </p:txBody>
+      </p:sp>
+      <p:pic>
+        <p:nvPicPr>
+          <p:cNvPr id="11" name="Content Placeholder 10">
+            <a:extLst>
+              <a:ext uri="{FF2B5EF4-FFF2-40B4-BE49-F238E27FC236}">
+                <a16:creationId xmlns:a16="http://schemas.microsoft.com/office/drawing/2014/main" id="{6721E7F6-6278-2EC3-53D9-CC37DE703E4C}"/>
+              </a:ext>
+            </a:extLst>
+          </p:cNvPr>
+          <p:cNvPicPr>
+            <a:picLocks noGrp="1" noChangeAspect="1"/>
+          </p:cNvPicPr>
+          <p:nvPr>
+            <p:ph sz="half" idx="14"/>
+          </p:nvPr>
+        </p:nvPicPr>
+        <p:blipFill>
+          <a:blip r:embed="rId3"/>
+          <a:stretch>
+            <a:fillRect/>
+          </a:stretch>
+        </p:blipFill>
+        <p:spPr>
+          <a:xfrm>
+            <a:off x="6263560" y="2442678"/>
+            <a:ext cx="5243396" cy="3255602"/>
+          </a:xfrm>
+        </p:spPr>
+      </p:pic>
       <p:sp>
         <p:nvSpPr>
           <p:cNvPr id="7" name="Slide Number Placeholder 6">
             <a:extLst>
               <a:ext uri="{FF2B5EF4-FFF2-40B4-BE49-F238E27FC236}">
-                <a16:creationId xmlns:a16="http://schemas.microsoft.com/office/drawing/2014/main" id="{4523517D-579E-C83B-5108-5431A4564393}"/>
-              </a:ext>
-            </a:extLst>
-          </p:cNvPr>
-          <p:cNvSpPr>
-            <a:spLocks noGrp="1"/>
-          </p:cNvSpPr>
-          <p:nvPr>
-            <p:ph type="sldNum" sz="quarter" idx="12"/>
+                <a16:creationId xmlns:a16="http://schemas.microsoft.com/office/drawing/2014/main" id="{7EFCF694-0A55-9141-0DD6-A2DD28E6C7E7}"/>
+              </a:ext>
+            </a:extLst>
+          </p:cNvPr>
+          <p:cNvSpPr>
+            <a:spLocks noGrp="1"/>
+          </p:cNvSpPr>
+          <p:nvPr>
+            <p:ph type="sldNum" sz="quarter" idx="13"/>
           </p:nvPr>
         </p:nvSpPr>
         <p:spPr/>
@@ -11668,7 +11700,7 @@
     </p:spTree>
     <p:extLst>
       <p:ext uri="{BB962C8B-B14F-4D97-AF65-F5344CB8AC3E}">
-        <p14:creationId xmlns:p14="http://schemas.microsoft.com/office/powerpoint/2010/main" val="2854700588"/>
+        <p14:creationId xmlns:p14="http://schemas.microsoft.com/office/powerpoint/2010/main" val="1136861367"/>
       </p:ext>
     </p:extLst>
   </p:cSld>
@@ -11700,7 +11732,7 @@
           <p:cNvPr id="2" name="Title 1">
             <a:extLst>
               <a:ext uri="{FF2B5EF4-FFF2-40B4-BE49-F238E27FC236}">
-                <a16:creationId xmlns:a16="http://schemas.microsoft.com/office/drawing/2014/main" id="{079C918D-48B1-65EC-E2C6-46EDC659726E}"/>
+                <a16:creationId xmlns:a16="http://schemas.microsoft.com/office/drawing/2014/main" id="{E72DF7FB-C819-33B8-E7A4-3DEE6D1814CB}"/>
               </a:ext>
             </a:extLst>
           </p:cNvPr>
@@ -11713,57 +11745,19 @@
         </p:nvSpPr>
         <p:spPr>
           <a:xfrm>
-            <a:off x="552659" y="267394"/>
-            <a:ext cx="10231229" cy="439419"/>
-          </a:xfrm>
-        </p:spPr>
-        <p:txBody>
-          <a:bodyPr>
-            <a:normAutofit fontScale="90000"/>
-          </a:bodyPr>
+            <a:off x="496556" y="337192"/>
+            <a:ext cx="5996841" cy="938949"/>
+          </a:xfrm>
+        </p:spPr>
+        <p:txBody>
+          <a:bodyPr/>
           <a:lstStyle/>
           <a:p>
             <a:r>
               <a:rPr lang="en-US" dirty="0"/>
-              <a:t>Results</a:t>
+              <a:t>Results </a:t>
             </a:r>
             <a:endParaRPr lang="en-IL" dirty="0"/>
-          </a:p>
-        </p:txBody>
-      </p:sp>
-      <p:sp>
-        <p:nvSpPr>
-          <p:cNvPr id="3" name="Text Placeholder 2">
-            <a:extLst>
-              <a:ext uri="{FF2B5EF4-FFF2-40B4-BE49-F238E27FC236}">
-                <a16:creationId xmlns:a16="http://schemas.microsoft.com/office/drawing/2014/main" id="{CF7CB75A-5411-9BAD-46B5-15DB1EED06FD}"/>
-              </a:ext>
-            </a:extLst>
-          </p:cNvPr>
-          <p:cNvSpPr>
-            <a:spLocks noGrp="1"/>
-          </p:cNvSpPr>
-          <p:nvPr>
-            <p:ph type="body" idx="1"/>
-          </p:nvPr>
-        </p:nvSpPr>
-        <p:spPr>
-          <a:xfrm>
-            <a:off x="423697" y="880351"/>
-            <a:ext cx="5745480" cy="439419"/>
-          </a:xfrm>
-        </p:spPr>
-        <p:txBody>
-          <a:bodyPr>
-            <a:noAutofit/>
-          </a:bodyPr>
-          <a:lstStyle/>
-          <a:p>
-            <a:r>
-              <a:rPr lang="en-US" sz="1200" b="0" dirty="0"/>
-              <a:t>In a lot of cases, we saw that gender and race didn’t really impact ChatGPT’s recommendations for career with a few interesting exceptions.</a:t>
-            </a:r>
-            <a:endParaRPr lang="en-IL" sz="1200" b="0" dirty="0"/>
           </a:p>
         </p:txBody>
       </p:sp>
@@ -11772,7 +11766,7 @@
           <p:cNvPr id="9" name="Content Placeholder 8">
             <a:extLst>
               <a:ext uri="{FF2B5EF4-FFF2-40B4-BE49-F238E27FC236}">
-                <a16:creationId xmlns:a16="http://schemas.microsoft.com/office/drawing/2014/main" id="{EF9E359C-3EE7-B640-8DDC-8BCF60D761CF}"/>
+                <a16:creationId xmlns:a16="http://schemas.microsoft.com/office/drawing/2014/main" id="{A79D894F-5279-522E-5FD9-D18CD9F576B6}"/>
               </a:ext>
             </a:extLst>
           </p:cNvPr>
@@ -11780,7 +11774,7 @@
             <a:picLocks noGrp="1" noChangeAspect="1"/>
           </p:cNvPicPr>
           <p:nvPr>
-            <p:ph sz="half" idx="15"/>
+            <p:ph sz="half" idx="2"/>
           </p:nvPr>
         </p:nvPicPr>
         <p:blipFill>
@@ -11791,8 +11785,8 @@
         </p:blipFill>
         <p:spPr>
           <a:xfrm>
-            <a:off x="423697" y="1386674"/>
-            <a:ext cx="5383537" cy="4443100"/>
+            <a:off x="496556" y="1567543"/>
+            <a:ext cx="6695563" cy="4788807"/>
           </a:xfrm>
         </p:spPr>
       </p:pic>
@@ -11801,80 +11795,82 @@
           <p:cNvPr id="5" name="Text Placeholder 4">
             <a:extLst>
               <a:ext uri="{FF2B5EF4-FFF2-40B4-BE49-F238E27FC236}">
-                <a16:creationId xmlns:a16="http://schemas.microsoft.com/office/drawing/2014/main" id="{5956C43D-DB7C-4A08-4FA3-014882C8F544}"/>
-              </a:ext>
-            </a:extLst>
-          </p:cNvPr>
-          <p:cNvSpPr>
-            <a:spLocks noGrp="1"/>
-          </p:cNvSpPr>
-          <p:nvPr>
-            <p:ph type="body" idx="10"/>
-          </p:nvPr>
-        </p:nvSpPr>
-        <p:spPr>
-          <a:xfrm>
-            <a:off x="6096000" y="1938002"/>
-            <a:ext cx="5516880" cy="351284"/>
-          </a:xfrm>
-        </p:spPr>
-        <p:txBody>
-          <a:bodyPr>
-            <a:normAutofit fontScale="62500" lnSpcReduction="20000"/>
-          </a:bodyPr>
+                <a16:creationId xmlns:a16="http://schemas.microsoft.com/office/drawing/2014/main" id="{C04D5CF9-29F4-8B0E-E753-ACA7C88032DD}"/>
+              </a:ext>
+            </a:extLst>
+          </p:cNvPr>
+          <p:cNvSpPr>
+            <a:spLocks noGrp="1"/>
+          </p:cNvSpPr>
+          <p:nvPr>
+            <p:ph type="body" sz="quarter" idx="3"/>
+          </p:nvPr>
+        </p:nvSpPr>
+        <p:spPr/>
+        <p:txBody>
+          <a:bodyPr/>
           <a:lstStyle/>
           <a:p>
             <a:r>
               <a:rPr lang="en-US" dirty="0"/>
-              <a:t>We also analyzed key words that were frequently used among the answers</a:t>
+              <a:t>Surprising results </a:t>
             </a:r>
             <a:endParaRPr lang="en-IL" dirty="0"/>
           </a:p>
         </p:txBody>
       </p:sp>
-      <p:pic>
-        <p:nvPicPr>
-          <p:cNvPr id="11" name="Content Placeholder 10">
-            <a:extLst>
-              <a:ext uri="{FF2B5EF4-FFF2-40B4-BE49-F238E27FC236}">
-                <a16:creationId xmlns:a16="http://schemas.microsoft.com/office/drawing/2014/main" id="{6721E7F6-6278-2EC3-53D9-CC37DE703E4C}"/>
-              </a:ext>
-            </a:extLst>
-          </p:cNvPr>
-          <p:cNvPicPr>
-            <a:picLocks noGrp="1" noChangeAspect="1"/>
-          </p:cNvPicPr>
+      <p:sp>
+        <p:nvSpPr>
+          <p:cNvPr id="6" name="Content Placeholder 5">
+            <a:extLst>
+              <a:ext uri="{FF2B5EF4-FFF2-40B4-BE49-F238E27FC236}">
+                <a16:creationId xmlns:a16="http://schemas.microsoft.com/office/drawing/2014/main" id="{714DB05C-A40C-A18C-8DA2-7C13FB0E0275}"/>
+              </a:ext>
+            </a:extLst>
+          </p:cNvPr>
+          <p:cNvSpPr>
+            <a:spLocks noGrp="1"/>
+          </p:cNvSpPr>
           <p:nvPr>
             <p:ph sz="half" idx="14"/>
           </p:nvPr>
-        </p:nvPicPr>
-        <p:blipFill>
-          <a:blip r:embed="rId3"/>
-          <a:stretch>
-            <a:fillRect/>
-          </a:stretch>
-        </p:blipFill>
-        <p:spPr>
-          <a:xfrm>
-            <a:off x="6263560" y="2442678"/>
-            <a:ext cx="5243396" cy="3255602"/>
-          </a:xfrm>
-        </p:spPr>
-      </p:pic>
+        </p:nvSpPr>
+        <p:spPr/>
+        <p:txBody>
+          <a:bodyPr/>
+          <a:lstStyle/>
+          <a:p>
+            <a:r>
+              <a:rPr lang="en-US" dirty="0"/>
+              <a:t>The difference between the results of the white female and the Asian and Arab female.</a:t>
+            </a:r>
+          </a:p>
+          <a:p>
+            <a:endParaRPr lang="en-US" dirty="0"/>
+          </a:p>
+          <a:p>
+            <a:r>
+              <a:rPr lang="en-US" dirty="0"/>
+              <a:t>The high recommendation for Engineering amongst the Asian and Arab female profile.</a:t>
+            </a:r>
+            <a:endParaRPr lang="en-IL" dirty="0"/>
+          </a:p>
+        </p:txBody>
+      </p:sp>
       <p:sp>
         <p:nvSpPr>
           <p:cNvPr id="7" name="Slide Number Placeholder 6">
             <a:extLst>
               <a:ext uri="{FF2B5EF4-FFF2-40B4-BE49-F238E27FC236}">
-                <a16:creationId xmlns:a16="http://schemas.microsoft.com/office/drawing/2014/main" id="{7EFCF694-0A55-9141-0DD6-A2DD28E6C7E7}"/>
-              </a:ext>
-            </a:extLst>
-          </p:cNvPr>
-          <p:cNvSpPr>
-            <a:spLocks noGrp="1"/>
-          </p:cNvSpPr>
-          <p:nvPr>
-            <p:ph type="sldNum" sz="quarter" idx="13"/>
+                <a16:creationId xmlns:a16="http://schemas.microsoft.com/office/drawing/2014/main" id="{09DBDD9D-78F9-827B-0AFA-38593EC63E9E}"/>
+              </a:ext>
+            </a:extLst>
+          </p:cNvPr>
+          <p:cNvSpPr>
+            <a:spLocks noGrp="1"/>
+          </p:cNvSpPr>
+          <p:nvPr>
+            <p:ph type="sldNum" sz="quarter" idx="12"/>
           </p:nvPr>
         </p:nvSpPr>
         <p:spPr/>
@@ -11894,7 +11890,7 @@
     </p:spTree>
     <p:extLst>
       <p:ext uri="{BB962C8B-B14F-4D97-AF65-F5344CB8AC3E}">
-        <p14:creationId xmlns:p14="http://schemas.microsoft.com/office/powerpoint/2010/main" val="1136861367"/>
+        <p14:creationId xmlns:p14="http://schemas.microsoft.com/office/powerpoint/2010/main" val="3099272285"/>
       </p:ext>
     </p:extLst>
   </p:cSld>
@@ -11926,7 +11922,7 @@
           <p:cNvPr id="2" name="Title 1">
             <a:extLst>
               <a:ext uri="{FF2B5EF4-FFF2-40B4-BE49-F238E27FC236}">
-                <a16:creationId xmlns:a16="http://schemas.microsoft.com/office/drawing/2014/main" id="{E72DF7FB-C819-33B8-E7A4-3DEE6D1814CB}"/>
+                <a16:creationId xmlns:a16="http://schemas.microsoft.com/office/drawing/2014/main" id="{53346D3E-0ED9-F2B4-F6E3-F93699DEDD17}"/>
               </a:ext>
             </a:extLst>
           </p:cNvPr>
@@ -11939,8 +11935,8 @@
         </p:nvSpPr>
         <p:spPr>
           <a:xfrm>
-            <a:off x="496556" y="337192"/>
-            <a:ext cx="5996841" cy="938949"/>
+            <a:off x="633046" y="470560"/>
+            <a:ext cx="10550919" cy="775892"/>
           </a:xfrm>
         </p:spPr>
         <p:txBody>
@@ -11960,7 +11956,7 @@
           <p:cNvPr id="9" name="Content Placeholder 8">
             <a:extLst>
               <a:ext uri="{FF2B5EF4-FFF2-40B4-BE49-F238E27FC236}">
-                <a16:creationId xmlns:a16="http://schemas.microsoft.com/office/drawing/2014/main" id="{A79D894F-5279-522E-5FD9-D18CD9F576B6}"/>
+                <a16:creationId xmlns:a16="http://schemas.microsoft.com/office/drawing/2014/main" id="{EA388DB5-FBC0-32EF-0776-6DDBFBF2D56E}"/>
               </a:ext>
             </a:extLst>
           </p:cNvPr>
@@ -11968,7 +11964,7 @@
             <a:picLocks noGrp="1" noChangeAspect="1"/>
           </p:cNvPicPr>
           <p:nvPr>
-            <p:ph sz="half" idx="2"/>
+            <p:ph sz="half" idx="15"/>
           </p:nvPr>
         </p:nvPicPr>
         <p:blipFill>
@@ -11979,92 +11975,25 @@
         </p:blipFill>
         <p:spPr>
           <a:xfrm>
-            <a:off x="496556" y="1567543"/>
-            <a:ext cx="6695563" cy="4788807"/>
+            <a:off x="633046" y="1347392"/>
+            <a:ext cx="6079253" cy="874615"/>
           </a:xfrm>
         </p:spPr>
       </p:pic>
       <p:sp>
         <p:nvSpPr>
-          <p:cNvPr id="5" name="Text Placeholder 4">
-            <a:extLst>
-              <a:ext uri="{FF2B5EF4-FFF2-40B4-BE49-F238E27FC236}">
-                <a16:creationId xmlns:a16="http://schemas.microsoft.com/office/drawing/2014/main" id="{C04D5CF9-29F4-8B0E-E753-ACA7C88032DD}"/>
-              </a:ext>
-            </a:extLst>
-          </p:cNvPr>
-          <p:cNvSpPr>
-            <a:spLocks noGrp="1"/>
-          </p:cNvSpPr>
-          <p:nvPr>
-            <p:ph type="body" sz="quarter" idx="3"/>
-          </p:nvPr>
-        </p:nvSpPr>
-        <p:spPr/>
-        <p:txBody>
-          <a:bodyPr/>
-          <a:lstStyle/>
-          <a:p>
-            <a:r>
-              <a:rPr lang="en-US" dirty="0"/>
-              <a:t>Surprising results </a:t>
-            </a:r>
-            <a:endParaRPr lang="en-IL" dirty="0"/>
-          </a:p>
-        </p:txBody>
-      </p:sp>
-      <p:sp>
-        <p:nvSpPr>
-          <p:cNvPr id="6" name="Content Placeholder 5">
-            <a:extLst>
-              <a:ext uri="{FF2B5EF4-FFF2-40B4-BE49-F238E27FC236}">
-                <a16:creationId xmlns:a16="http://schemas.microsoft.com/office/drawing/2014/main" id="{714DB05C-A40C-A18C-8DA2-7C13FB0E0275}"/>
-              </a:ext>
-            </a:extLst>
-          </p:cNvPr>
-          <p:cNvSpPr>
-            <a:spLocks noGrp="1"/>
-          </p:cNvSpPr>
-          <p:nvPr>
-            <p:ph sz="half" idx="14"/>
-          </p:nvPr>
-        </p:nvSpPr>
-        <p:spPr/>
-        <p:txBody>
-          <a:bodyPr/>
-          <a:lstStyle/>
-          <a:p>
-            <a:r>
-              <a:rPr lang="en-US" dirty="0"/>
-              <a:t>The difference between the results of the white female and the Asian and Arab female.</a:t>
-            </a:r>
-          </a:p>
-          <a:p>
-            <a:endParaRPr lang="en-US" dirty="0"/>
-          </a:p>
-          <a:p>
-            <a:r>
-              <a:rPr lang="en-US" dirty="0"/>
-              <a:t>The high recommendation for Engineering amongst the Asian and Arab female profile.</a:t>
-            </a:r>
-            <a:endParaRPr lang="en-IL" dirty="0"/>
-          </a:p>
-        </p:txBody>
-      </p:sp>
-      <p:sp>
-        <p:nvSpPr>
           <p:cNvPr id="7" name="Slide Number Placeholder 6">
             <a:extLst>
               <a:ext uri="{FF2B5EF4-FFF2-40B4-BE49-F238E27FC236}">
-                <a16:creationId xmlns:a16="http://schemas.microsoft.com/office/drawing/2014/main" id="{09DBDD9D-78F9-827B-0AFA-38593EC63E9E}"/>
-              </a:ext>
-            </a:extLst>
-          </p:cNvPr>
-          <p:cNvSpPr>
-            <a:spLocks noGrp="1"/>
-          </p:cNvSpPr>
-          <p:nvPr>
-            <p:ph type="sldNum" sz="quarter" idx="12"/>
+                <a16:creationId xmlns:a16="http://schemas.microsoft.com/office/drawing/2014/main" id="{9D857456-A5A5-0481-BD88-1B0EDFAD3740}"/>
+              </a:ext>
+            </a:extLst>
+          </p:cNvPr>
+          <p:cNvSpPr>
+            <a:spLocks noGrp="1"/>
+          </p:cNvSpPr>
+          <p:nvPr>
+            <p:ph type="sldNum" sz="quarter" idx="13"/>
           </p:nvPr>
         </p:nvSpPr>
         <p:spPr/>
@@ -12081,10 +12010,40 @@
           </a:p>
         </p:txBody>
       </p:sp>
+      <p:pic>
+        <p:nvPicPr>
+          <p:cNvPr id="11" name="Picture 10">
+            <a:extLst>
+              <a:ext uri="{FF2B5EF4-FFF2-40B4-BE49-F238E27FC236}">
+                <a16:creationId xmlns:a16="http://schemas.microsoft.com/office/drawing/2014/main" id="{E10B7E79-7D39-8772-415E-339311740F2A}"/>
+              </a:ext>
+            </a:extLst>
+          </p:cNvPr>
+          <p:cNvPicPr>
+            <a:picLocks noChangeAspect="1"/>
+          </p:cNvPicPr>
+          <p:nvPr/>
+        </p:nvPicPr>
+        <p:blipFill>
+          <a:blip r:embed="rId3"/>
+          <a:stretch>
+            <a:fillRect/>
+          </a:stretch>
+        </p:blipFill>
+        <p:spPr>
+          <a:xfrm>
+            <a:off x="633046" y="2393742"/>
+            <a:ext cx="5534706" cy="3374012"/>
+          </a:xfrm>
+          <a:prstGeom prst="rect">
+            <a:avLst/>
+          </a:prstGeom>
+        </p:spPr>
+      </p:pic>
     </p:spTree>
     <p:extLst>
       <p:ext uri="{BB962C8B-B14F-4D97-AF65-F5344CB8AC3E}">
-        <p14:creationId xmlns:p14="http://schemas.microsoft.com/office/powerpoint/2010/main" val="3099272285"/>
+        <p14:creationId xmlns:p14="http://schemas.microsoft.com/office/powerpoint/2010/main" val="1291220640"/>
       </p:ext>
     </p:extLst>
   </p:cSld>
@@ -12116,78 +12075,85 @@
           <p:cNvPr id="2" name="Title 1">
             <a:extLst>
               <a:ext uri="{FF2B5EF4-FFF2-40B4-BE49-F238E27FC236}">
-                <a16:creationId xmlns:a16="http://schemas.microsoft.com/office/drawing/2014/main" id="{53346D3E-0ED9-F2B4-F6E3-F93699DEDD17}"/>
-              </a:ext>
-            </a:extLst>
-          </p:cNvPr>
-          <p:cNvSpPr>
-            <a:spLocks noGrp="1"/>
-          </p:cNvSpPr>
-          <p:nvPr>
-            <p:ph type="title"/>
-          </p:nvPr>
-        </p:nvSpPr>
-        <p:spPr>
-          <a:xfrm>
-            <a:off x="633046" y="470560"/>
-            <a:ext cx="10550919" cy="775892"/>
-          </a:xfrm>
-        </p:spPr>
+                <a16:creationId xmlns:a16="http://schemas.microsoft.com/office/drawing/2014/main" id="{69F8C927-FD4B-6760-5915-F0A34E97A93D}"/>
+              </a:ext>
+            </a:extLst>
+          </p:cNvPr>
+          <p:cNvSpPr>
+            <a:spLocks noGrp="1"/>
+          </p:cNvSpPr>
+          <p:nvPr>
+            <p:ph type="ctrTitle"/>
+          </p:nvPr>
+        </p:nvSpPr>
+        <p:spPr/>
         <p:txBody>
           <a:bodyPr/>
           <a:lstStyle/>
           <a:p>
             <a:r>
               <a:rPr lang="en-US" dirty="0"/>
-              <a:t>Results </a:t>
+              <a:t>Part 2</a:t>
             </a:r>
             <a:endParaRPr lang="en-IL" dirty="0"/>
           </a:p>
         </p:txBody>
       </p:sp>
-      <p:pic>
-        <p:nvPicPr>
-          <p:cNvPr id="9" name="Content Placeholder 8">
-            <a:extLst>
-              <a:ext uri="{FF2B5EF4-FFF2-40B4-BE49-F238E27FC236}">
-                <a16:creationId xmlns:a16="http://schemas.microsoft.com/office/drawing/2014/main" id="{EA388DB5-FBC0-32EF-0776-6DDBFBF2D56E}"/>
-              </a:ext>
-            </a:extLst>
-          </p:cNvPr>
-          <p:cNvPicPr>
-            <a:picLocks noGrp="1" noChangeAspect="1"/>
-          </p:cNvPicPr>
-          <p:nvPr>
-            <p:ph sz="half" idx="15"/>
-          </p:nvPr>
-        </p:nvPicPr>
-        <p:blipFill>
-          <a:blip r:embed="rId2"/>
-          <a:stretch>
-            <a:fillRect/>
-          </a:stretch>
-        </p:blipFill>
-        <p:spPr>
-          <a:xfrm>
-            <a:off x="633046" y="1347392"/>
-            <a:ext cx="6079253" cy="874615"/>
-          </a:xfrm>
-        </p:spPr>
-      </p:pic>
-      <p:sp>
-        <p:nvSpPr>
-          <p:cNvPr id="7" name="Slide Number Placeholder 6">
-            <a:extLst>
-              <a:ext uri="{FF2B5EF4-FFF2-40B4-BE49-F238E27FC236}">
-                <a16:creationId xmlns:a16="http://schemas.microsoft.com/office/drawing/2014/main" id="{9D857456-A5A5-0481-BD88-1B0EDFAD3740}"/>
-              </a:ext>
-            </a:extLst>
-          </p:cNvPr>
-          <p:cNvSpPr>
-            <a:spLocks noGrp="1"/>
-          </p:cNvSpPr>
-          <p:nvPr>
-            <p:ph type="sldNum" sz="quarter" idx="13"/>
+      <p:sp>
+        <p:nvSpPr>
+          <p:cNvPr id="3" name="Subtitle 2">
+            <a:extLst>
+              <a:ext uri="{FF2B5EF4-FFF2-40B4-BE49-F238E27FC236}">
+                <a16:creationId xmlns:a16="http://schemas.microsoft.com/office/drawing/2014/main" id="{DA50D3F0-64BB-DD49-58FC-3CCDFFC36249}"/>
+              </a:ext>
+            </a:extLst>
+          </p:cNvPr>
+          <p:cNvSpPr>
+            <a:spLocks noGrp="1"/>
+          </p:cNvSpPr>
+          <p:nvPr>
+            <p:ph type="subTitle" idx="1"/>
+          </p:nvPr>
+        </p:nvSpPr>
+        <p:spPr>
+          <a:xfrm>
+            <a:off x="4267199" y="3238103"/>
+            <a:ext cx="5529943" cy="2850181"/>
+          </a:xfrm>
+        </p:spPr>
+        <p:txBody>
+          <a:bodyPr/>
+          <a:lstStyle/>
+          <a:p>
+            <a:pPr algn="r"/>
+            <a:r>
+              <a:rPr lang="he-IL" dirty="0"/>
+              <a:t>תרגום השאלות לעברית.</a:t>
+            </a:r>
+          </a:p>
+          <a:p>
+            <a:pPr algn="r"/>
+            <a:r>
+              <a:rPr lang="he-IL" dirty="0"/>
+              <a:t>תרגמנו את השאלות לאנגלית למין נקבה ומין זכר </a:t>
+            </a:r>
+          </a:p>
+        </p:txBody>
+      </p:sp>
+      <p:sp>
+        <p:nvSpPr>
+          <p:cNvPr id="4" name="Slide Number Placeholder 3">
+            <a:extLst>
+              <a:ext uri="{FF2B5EF4-FFF2-40B4-BE49-F238E27FC236}">
+                <a16:creationId xmlns:a16="http://schemas.microsoft.com/office/drawing/2014/main" id="{608FBA5B-9D17-A5BA-A273-27B643F3EE27}"/>
+              </a:ext>
+            </a:extLst>
+          </p:cNvPr>
+          <p:cNvSpPr>
+            <a:spLocks noGrp="1"/>
+          </p:cNvSpPr>
+          <p:nvPr>
+            <p:ph type="sldNum" sz="quarter" idx="12"/>
           </p:nvPr>
         </p:nvSpPr>
         <p:spPr/>
@@ -12204,40 +12170,10 @@
           </a:p>
         </p:txBody>
       </p:sp>
-      <p:pic>
-        <p:nvPicPr>
-          <p:cNvPr id="11" name="Picture 10">
-            <a:extLst>
-              <a:ext uri="{FF2B5EF4-FFF2-40B4-BE49-F238E27FC236}">
-                <a16:creationId xmlns:a16="http://schemas.microsoft.com/office/drawing/2014/main" id="{E10B7E79-7D39-8772-415E-339311740F2A}"/>
-              </a:ext>
-            </a:extLst>
-          </p:cNvPr>
-          <p:cNvPicPr>
-            <a:picLocks noChangeAspect="1"/>
-          </p:cNvPicPr>
-          <p:nvPr/>
-        </p:nvPicPr>
-        <p:blipFill>
-          <a:blip r:embed="rId3"/>
-          <a:stretch>
-            <a:fillRect/>
-          </a:stretch>
-        </p:blipFill>
-        <p:spPr>
-          <a:xfrm>
-            <a:off x="633046" y="2393742"/>
-            <a:ext cx="5534706" cy="3374012"/>
-          </a:xfrm>
-          <a:prstGeom prst="rect">
-            <a:avLst/>
-          </a:prstGeom>
-        </p:spPr>
-      </p:pic>
     </p:spTree>
     <p:extLst>
       <p:ext uri="{BB962C8B-B14F-4D97-AF65-F5344CB8AC3E}">
-        <p14:creationId xmlns:p14="http://schemas.microsoft.com/office/powerpoint/2010/main" val="1291220640"/>
+        <p14:creationId xmlns:p14="http://schemas.microsoft.com/office/powerpoint/2010/main" val="2883335437"/>
       </p:ext>
     </p:extLst>
   </p:cSld>
@@ -12266,108 +12202,149 @@
       </p:grpSpPr>
       <p:sp>
         <p:nvSpPr>
-          <p:cNvPr id="2" name="Title 1">
-            <a:extLst>
-              <a:ext uri="{FF2B5EF4-FFF2-40B4-BE49-F238E27FC236}">
-                <a16:creationId xmlns:a16="http://schemas.microsoft.com/office/drawing/2014/main" id="{69F8C927-FD4B-6760-5915-F0A34E97A93D}"/>
-              </a:ext>
-            </a:extLst>
-          </p:cNvPr>
-          <p:cNvSpPr>
-            <a:spLocks noGrp="1"/>
-          </p:cNvSpPr>
-          <p:nvPr>
-            <p:ph type="ctrTitle"/>
-          </p:nvPr>
-        </p:nvSpPr>
-        <p:spPr/>
-        <p:txBody>
-          <a:bodyPr/>
+          <p:cNvPr id="8" name="Title 2">
+            <a:extLst>
+              <a:ext uri="{FF2B5EF4-FFF2-40B4-BE49-F238E27FC236}">
+                <a16:creationId xmlns:a16="http://schemas.microsoft.com/office/drawing/2014/main" id="{3E5FEE2D-79E5-4C1D-8BF7-EE619CA7039A}"/>
+              </a:ext>
+            </a:extLst>
+          </p:cNvPr>
+          <p:cNvSpPr>
+            <a:spLocks noGrp="1"/>
+          </p:cNvSpPr>
+          <p:nvPr>
+            <p:ph type="title"/>
+          </p:nvPr>
+        </p:nvSpPr>
+        <p:spPr>
+          <a:xfrm>
+            <a:off x="587365" y="432233"/>
+            <a:ext cx="7429500" cy="864004"/>
+          </a:xfrm>
+        </p:spPr>
+        <p:txBody>
+          <a:bodyPr anchor="b">
+            <a:normAutofit/>
+          </a:bodyPr>
           <a:lstStyle/>
           <a:p>
             <a:r>
               <a:rPr lang="en-US" dirty="0"/>
-              <a:t>Part 2</a:t>
-            </a:r>
-            <a:endParaRPr lang="en-IL" dirty="0"/>
-          </a:p>
-        </p:txBody>
-      </p:sp>
-      <p:sp>
-        <p:nvSpPr>
-          <p:cNvPr id="3" name="Subtitle 2">
-            <a:extLst>
-              <a:ext uri="{FF2B5EF4-FFF2-40B4-BE49-F238E27FC236}">
-                <a16:creationId xmlns:a16="http://schemas.microsoft.com/office/drawing/2014/main" id="{DA50D3F0-64BB-DD49-58FC-3CCDFFC36249}"/>
-              </a:ext>
-            </a:extLst>
-          </p:cNvPr>
-          <p:cNvSpPr>
-            <a:spLocks noGrp="1"/>
-          </p:cNvSpPr>
-          <p:nvPr>
-            <p:ph type="subTitle" idx="1"/>
-          </p:nvPr>
-        </p:nvSpPr>
-        <p:spPr>
-          <a:xfrm>
-            <a:off x="4267199" y="3238103"/>
-            <a:ext cx="5529943" cy="2850181"/>
-          </a:xfrm>
-        </p:spPr>
-        <p:txBody>
-          <a:bodyPr/>
+              <a:t>RESULTS</a:t>
+            </a:r>
+          </a:p>
+        </p:txBody>
+      </p:sp>
+      <p:sp>
+        <p:nvSpPr>
+          <p:cNvPr id="5" name="Slide Number Placeholder 5">
+            <a:extLst>
+              <a:ext uri="{FF2B5EF4-FFF2-40B4-BE49-F238E27FC236}">
+                <a16:creationId xmlns:a16="http://schemas.microsoft.com/office/drawing/2014/main" id="{4832B776-E386-1CF9-CC8F-2D2FF3EA7066}"/>
+              </a:ext>
+            </a:extLst>
+          </p:cNvPr>
+          <p:cNvSpPr>
+            <a:spLocks noGrp="1"/>
+          </p:cNvSpPr>
+          <p:nvPr>
+            <p:ph type="sldNum" sz="quarter" idx="13"/>
+          </p:nvPr>
+        </p:nvSpPr>
+        <p:spPr>
+          <a:xfrm>
+            <a:off x="10373350" y="6356349"/>
+            <a:ext cx="987552" cy="365125"/>
+          </a:xfrm>
+        </p:spPr>
+        <p:txBody>
+          <a:bodyPr anchor="ctr">
+            <a:normAutofit/>
+          </a:bodyPr>
           <a:lstStyle/>
           <a:p>
-            <a:pPr algn="r"/>
-            <a:r>
-              <a:rPr lang="he-IL" dirty="0"/>
-              <a:t>תרגום השאלות לעברית.</a:t>
-            </a:r>
-          </a:p>
-          <a:p>
-            <a:pPr algn="r"/>
-            <a:r>
-              <a:rPr lang="he-IL" dirty="0"/>
-              <a:t>תרגמנו את השאלות לאנגלית למין נקבה ומין זכר </a:t>
-            </a:r>
-          </a:p>
-        </p:txBody>
-      </p:sp>
-      <p:sp>
-        <p:nvSpPr>
-          <p:cNvPr id="4" name="Slide Number Placeholder 3">
-            <a:extLst>
-              <a:ext uri="{FF2B5EF4-FFF2-40B4-BE49-F238E27FC236}">
-                <a16:creationId xmlns:a16="http://schemas.microsoft.com/office/drawing/2014/main" id="{608FBA5B-9D17-A5BA-A273-27B643F3EE27}"/>
-              </a:ext>
-            </a:extLst>
-          </p:cNvPr>
-          <p:cNvSpPr>
-            <a:spLocks noGrp="1"/>
-          </p:cNvSpPr>
-          <p:nvPr>
-            <p:ph type="sldNum" sz="quarter" idx="12"/>
-          </p:nvPr>
-        </p:nvSpPr>
-        <p:spPr/>
-        <p:txBody>
-          <a:bodyPr/>
-          <a:lstStyle/>
-          <a:p>
+            <a:pPr>
+              <a:spcAft>
+                <a:spcPts val="600"/>
+              </a:spcAft>
+            </a:pPr>
             <a:fld id="{A49DFD55-3C28-40EF-9E31-A92D2E4017FF}" type="slidenum">
               <a:rPr lang="en-US" smtClean="0"/>
-              <a:pPr/>
+              <a:pPr>
+                <a:spcAft>
+                  <a:spcPts val="600"/>
+                </a:spcAft>
+              </a:pPr>
               <a:t>27</a:t>
             </a:fld>
-            <a:endParaRPr lang="en-US" dirty="0"/>
-          </a:p>
-        </p:txBody>
-      </p:sp>
+            <a:endParaRPr lang="en-US"/>
+          </a:p>
+        </p:txBody>
+      </p:sp>
+      <p:pic>
+        <p:nvPicPr>
+          <p:cNvPr id="9" name="Picture 8">
+            <a:extLst>
+              <a:ext uri="{FF2B5EF4-FFF2-40B4-BE49-F238E27FC236}">
+                <a16:creationId xmlns:a16="http://schemas.microsoft.com/office/drawing/2014/main" id="{C832C91D-7398-0282-E6F0-1F5C137F86FF}"/>
+              </a:ext>
+            </a:extLst>
+          </p:cNvPr>
+          <p:cNvPicPr>
+            <a:picLocks noChangeAspect="1"/>
+          </p:cNvPicPr>
+          <p:nvPr/>
+        </p:nvPicPr>
+        <p:blipFill>
+          <a:blip r:embed="rId3"/>
+          <a:stretch>
+            <a:fillRect/>
+          </a:stretch>
+        </p:blipFill>
+        <p:spPr>
+          <a:xfrm>
+            <a:off x="763295" y="1437456"/>
+            <a:ext cx="6019341" cy="4773457"/>
+          </a:xfrm>
+          <a:prstGeom prst="rect">
+            <a:avLst/>
+          </a:prstGeom>
+        </p:spPr>
+      </p:pic>
+      <p:pic>
+        <p:nvPicPr>
+          <p:cNvPr id="18" name="Picture 17">
+            <a:extLst>
+              <a:ext uri="{FF2B5EF4-FFF2-40B4-BE49-F238E27FC236}">
+                <a16:creationId xmlns:a16="http://schemas.microsoft.com/office/drawing/2014/main" id="{E133728A-E6CD-DCB8-1D9C-5ED6B609A9B4}"/>
+              </a:ext>
+            </a:extLst>
+          </p:cNvPr>
+          <p:cNvPicPr>
+            <a:picLocks noChangeAspect="1"/>
+          </p:cNvPicPr>
+          <p:nvPr/>
+        </p:nvPicPr>
+        <p:blipFill>
+          <a:blip r:embed="rId4"/>
+          <a:stretch>
+            <a:fillRect/>
+          </a:stretch>
+        </p:blipFill>
+        <p:spPr>
+          <a:xfrm>
+            <a:off x="6782636" y="1971063"/>
+            <a:ext cx="4706527" cy="3203839"/>
+          </a:xfrm>
+          <a:prstGeom prst="rect">
+            <a:avLst/>
+          </a:prstGeom>
+        </p:spPr>
+      </p:pic>
     </p:spTree>
     <p:extLst>
       <p:ext uri="{BB962C8B-B14F-4D97-AF65-F5344CB8AC3E}">
-        <p14:creationId xmlns:p14="http://schemas.microsoft.com/office/powerpoint/2010/main" val="2883335437"/>
+        <p14:creationId xmlns:p14="http://schemas.microsoft.com/office/powerpoint/2010/main" val="1484826027"/>
       </p:ext>
     </p:extLst>
   </p:cSld>
@@ -12396,10 +12373,10 @@
       </p:grpSpPr>
       <p:sp>
         <p:nvSpPr>
-          <p:cNvPr id="8" name="Title 2">
-            <a:extLst>
-              <a:ext uri="{FF2B5EF4-FFF2-40B4-BE49-F238E27FC236}">
-                <a16:creationId xmlns:a16="http://schemas.microsoft.com/office/drawing/2014/main" id="{3E5FEE2D-79E5-4C1D-8BF7-EE619CA7039A}"/>
+          <p:cNvPr id="2" name="Title 1">
+            <a:extLst>
+              <a:ext uri="{FF2B5EF4-FFF2-40B4-BE49-F238E27FC236}">
+                <a16:creationId xmlns:a16="http://schemas.microsoft.com/office/drawing/2014/main" id="{079C918D-48B1-65EC-E2C6-46EDC659726E}"/>
               </a:ext>
             </a:extLst>
           </p:cNvPr>
@@ -12412,29 +12389,30 @@
         </p:nvSpPr>
         <p:spPr>
           <a:xfrm>
-            <a:off x="587365" y="432233"/>
-            <a:ext cx="7429500" cy="864004"/>
-          </a:xfrm>
-        </p:spPr>
-        <p:txBody>
-          <a:bodyPr anchor="b">
-            <a:normAutofit/>
+            <a:off x="552659" y="267394"/>
+            <a:ext cx="10231229" cy="439419"/>
+          </a:xfrm>
+        </p:spPr>
+        <p:txBody>
+          <a:bodyPr>
+            <a:normAutofit fontScale="90000"/>
           </a:bodyPr>
           <a:lstStyle/>
           <a:p>
             <a:r>
               <a:rPr lang="en-US" dirty="0"/>
-              <a:t>RESULTS</a:t>
-            </a:r>
-          </a:p>
-        </p:txBody>
-      </p:sp>
-      <p:sp>
-        <p:nvSpPr>
-          <p:cNvPr id="5" name="Slide Number Placeholder 5">
-            <a:extLst>
-              <a:ext uri="{FF2B5EF4-FFF2-40B4-BE49-F238E27FC236}">
-                <a16:creationId xmlns:a16="http://schemas.microsoft.com/office/drawing/2014/main" id="{4832B776-E386-1CF9-CC8F-2D2FF3EA7066}"/>
+              <a:t>Surprising results </a:t>
+            </a:r>
+            <a:endParaRPr lang="en-IL" dirty="0"/>
+          </a:p>
+        </p:txBody>
+      </p:sp>
+      <p:sp>
+        <p:nvSpPr>
+          <p:cNvPr id="7" name="Slide Number Placeholder 6">
+            <a:extLst>
+              <a:ext uri="{FF2B5EF4-FFF2-40B4-BE49-F238E27FC236}">
+                <a16:creationId xmlns:a16="http://schemas.microsoft.com/office/drawing/2014/main" id="{7EFCF694-0A55-9141-0DD6-A2DD28E6C7E7}"/>
               </a:ext>
             </a:extLst>
           </p:cNvPr>
@@ -12445,42 +12423,26 @@
             <p:ph type="sldNum" sz="quarter" idx="13"/>
           </p:nvPr>
         </p:nvSpPr>
-        <p:spPr>
-          <a:xfrm>
-            <a:off x="10373350" y="6356349"/>
-            <a:ext cx="987552" cy="365125"/>
-          </a:xfrm>
-        </p:spPr>
-        <p:txBody>
-          <a:bodyPr anchor="ctr">
-            <a:normAutofit/>
-          </a:bodyPr>
+        <p:spPr/>
+        <p:txBody>
+          <a:bodyPr/>
           <a:lstStyle/>
           <a:p>
-            <a:pPr>
-              <a:spcAft>
-                <a:spcPts val="600"/>
-              </a:spcAft>
-            </a:pPr>
             <a:fld id="{A49DFD55-3C28-40EF-9E31-A92D2E4017FF}" type="slidenum">
               <a:rPr lang="en-US" smtClean="0"/>
-              <a:pPr>
-                <a:spcAft>
-                  <a:spcPts val="600"/>
-                </a:spcAft>
-              </a:pPr>
+              <a:pPr/>
               <a:t>28</a:t>
             </a:fld>
-            <a:endParaRPr lang="en-US"/>
+            <a:endParaRPr lang="en-US" dirty="0"/>
           </a:p>
         </p:txBody>
       </p:sp>
       <p:pic>
         <p:nvPicPr>
-          <p:cNvPr id="9" name="Picture 8">
-            <a:extLst>
-              <a:ext uri="{FF2B5EF4-FFF2-40B4-BE49-F238E27FC236}">
-                <a16:creationId xmlns:a16="http://schemas.microsoft.com/office/drawing/2014/main" id="{C832C91D-7398-0282-E6F0-1F5C137F86FF}"/>
+          <p:cNvPr id="17" name="Picture 16">
+            <a:extLst>
+              <a:ext uri="{FF2B5EF4-FFF2-40B4-BE49-F238E27FC236}">
+                <a16:creationId xmlns:a16="http://schemas.microsoft.com/office/drawing/2014/main" id="{C2DDF75B-95C6-8735-E6C6-4196C372DD42}"/>
               </a:ext>
             </a:extLst>
           </p:cNvPr>
@@ -12490,45 +12452,15 @@
           <p:nvPr/>
         </p:nvPicPr>
         <p:blipFill>
-          <a:blip r:embed="rId3"/>
+          <a:blip r:embed="rId2"/>
           <a:stretch>
             <a:fillRect/>
           </a:stretch>
         </p:blipFill>
         <p:spPr>
           <a:xfrm>
-            <a:off x="763295" y="1437456"/>
-            <a:ext cx="6019341" cy="4773457"/>
-          </a:xfrm>
-          <a:prstGeom prst="rect">
-            <a:avLst/>
-          </a:prstGeom>
-        </p:spPr>
-      </p:pic>
-      <p:pic>
-        <p:nvPicPr>
-          <p:cNvPr id="18" name="Picture 17">
-            <a:extLst>
-              <a:ext uri="{FF2B5EF4-FFF2-40B4-BE49-F238E27FC236}">
-                <a16:creationId xmlns:a16="http://schemas.microsoft.com/office/drawing/2014/main" id="{E133728A-E6CD-DCB8-1D9C-5ED6B609A9B4}"/>
-              </a:ext>
-            </a:extLst>
-          </p:cNvPr>
-          <p:cNvPicPr>
-            <a:picLocks noChangeAspect="1"/>
-          </p:cNvPicPr>
-          <p:nvPr/>
-        </p:nvPicPr>
-        <p:blipFill>
-          <a:blip r:embed="rId4"/>
-          <a:stretch>
-            <a:fillRect/>
-          </a:stretch>
-        </p:blipFill>
-        <p:spPr>
-          <a:xfrm>
-            <a:off x="6782636" y="1971063"/>
-            <a:ext cx="4706527" cy="3203839"/>
+            <a:off x="1789609" y="929070"/>
+            <a:ext cx="6755008" cy="5205021"/>
           </a:xfrm>
           <a:prstGeom prst="rect">
             <a:avLst/>
@@ -12538,7 +12470,7 @@
     </p:spTree>
     <p:extLst>
       <p:ext uri="{BB962C8B-B14F-4D97-AF65-F5344CB8AC3E}">
-        <p14:creationId xmlns:p14="http://schemas.microsoft.com/office/powerpoint/2010/main" val="1484826027"/>
+        <p14:creationId xmlns:p14="http://schemas.microsoft.com/office/powerpoint/2010/main" val="916030493"/>
       </p:ext>
     </p:extLst>
   </p:cSld>
@@ -12570,7 +12502,7 @@
           <p:cNvPr id="2" name="Title 1">
             <a:extLst>
               <a:ext uri="{FF2B5EF4-FFF2-40B4-BE49-F238E27FC236}">
-                <a16:creationId xmlns:a16="http://schemas.microsoft.com/office/drawing/2014/main" id="{079C918D-48B1-65EC-E2C6-46EDC659726E}"/>
+                <a16:creationId xmlns:a16="http://schemas.microsoft.com/office/drawing/2014/main" id="{66A3FBA8-2B05-1880-3D6B-56A7C5123A3B}"/>
               </a:ext>
             </a:extLst>
           </p:cNvPr>
@@ -12583,19 +12515,17 @@
         </p:nvSpPr>
         <p:spPr>
           <a:xfrm>
-            <a:off x="552659" y="267394"/>
-            <a:ext cx="10231229" cy="439419"/>
-          </a:xfrm>
-        </p:spPr>
-        <p:txBody>
-          <a:bodyPr>
-            <a:normAutofit fontScale="90000"/>
-          </a:bodyPr>
+            <a:off x="527204" y="649236"/>
+            <a:ext cx="9953308" cy="657050"/>
+          </a:xfrm>
+        </p:spPr>
+        <p:txBody>
+          <a:bodyPr/>
           <a:lstStyle/>
           <a:p>
             <a:r>
               <a:rPr lang="en-US" dirty="0"/>
-              <a:t>Surprising results </a:t>
+              <a:t>Results </a:t>
             </a:r>
             <a:endParaRPr lang="en-IL" dirty="0"/>
           </a:p>
@@ -12606,7 +12536,7 @@
           <p:cNvPr id="7" name="Slide Number Placeholder 6">
             <a:extLst>
               <a:ext uri="{FF2B5EF4-FFF2-40B4-BE49-F238E27FC236}">
-                <a16:creationId xmlns:a16="http://schemas.microsoft.com/office/drawing/2014/main" id="{7EFCF694-0A55-9141-0DD6-A2DD28E6C7E7}"/>
+                <a16:creationId xmlns:a16="http://schemas.microsoft.com/office/drawing/2014/main" id="{46669695-E431-55AA-06A2-26DD3890E7B5}"/>
               </a:ext>
             </a:extLst>
           </p:cNvPr>
@@ -12633,10 +12563,10 @@
       </p:sp>
       <p:pic>
         <p:nvPicPr>
-          <p:cNvPr id="17" name="Picture 16">
-            <a:extLst>
-              <a:ext uri="{FF2B5EF4-FFF2-40B4-BE49-F238E27FC236}">
-                <a16:creationId xmlns:a16="http://schemas.microsoft.com/office/drawing/2014/main" id="{C2DDF75B-95C6-8735-E6C6-4196C372DD42}"/>
+          <p:cNvPr id="9" name="Picture 8">
+            <a:extLst>
+              <a:ext uri="{FF2B5EF4-FFF2-40B4-BE49-F238E27FC236}">
+                <a16:creationId xmlns:a16="http://schemas.microsoft.com/office/drawing/2014/main" id="{298E9210-25C0-09E1-AFFC-5039C55A3127}"/>
               </a:ext>
             </a:extLst>
           </p:cNvPr>
@@ -12653,8 +12583,8 @@
         </p:blipFill>
         <p:spPr>
           <a:xfrm>
-            <a:off x="1789609" y="929070"/>
-            <a:ext cx="6755008" cy="5205021"/>
+            <a:off x="2351314" y="1306286"/>
+            <a:ext cx="6305228" cy="4742821"/>
           </a:xfrm>
           <a:prstGeom prst="rect">
             <a:avLst/>
@@ -12664,7 +12594,7 @@
     </p:spTree>
     <p:extLst>
       <p:ext uri="{BB962C8B-B14F-4D97-AF65-F5344CB8AC3E}">
-        <p14:creationId xmlns:p14="http://schemas.microsoft.com/office/powerpoint/2010/main" val="916030493"/>
+        <p14:creationId xmlns:p14="http://schemas.microsoft.com/office/powerpoint/2010/main" val="1437701250"/>
       </p:ext>
     </p:extLst>
   </p:cSld>
@@ -12756,10 +12686,10 @@
       </p:grpSpPr>
       <p:sp>
         <p:nvSpPr>
-          <p:cNvPr id="2" name="Title 1">
-            <a:extLst>
-              <a:ext uri="{FF2B5EF4-FFF2-40B4-BE49-F238E27FC236}">
-                <a16:creationId xmlns:a16="http://schemas.microsoft.com/office/drawing/2014/main" id="{66A3FBA8-2B05-1880-3D6B-56A7C5123A3B}"/>
+          <p:cNvPr id="17" name="Title 1">
+            <a:extLst>
+              <a:ext uri="{FF2B5EF4-FFF2-40B4-BE49-F238E27FC236}">
+                <a16:creationId xmlns:a16="http://schemas.microsoft.com/office/drawing/2014/main" id="{09140014-73D5-419B-8867-972BB18D52D4}"/>
               </a:ext>
             </a:extLst>
           </p:cNvPr>
@@ -12772,39 +12702,151 @@
         </p:nvSpPr>
         <p:spPr>
           <a:xfrm>
-            <a:off x="527204" y="649236"/>
-            <a:ext cx="9953308" cy="657050"/>
-          </a:xfrm>
-        </p:spPr>
-        <p:txBody>
-          <a:bodyPr/>
+            <a:off x="539360" y="-1174737"/>
+            <a:ext cx="5655197" cy="1997867"/>
+          </a:xfrm>
+        </p:spPr>
+        <p:txBody>
+          <a:bodyPr anchor="b"/>
           <a:lstStyle/>
           <a:p>
             <a:r>
               <a:rPr lang="en-US" dirty="0"/>
-              <a:t>Results </a:t>
-            </a:r>
-            <a:endParaRPr lang="en-IL" dirty="0"/>
-          </a:p>
-        </p:txBody>
-      </p:sp>
-      <p:sp>
-        <p:nvSpPr>
-          <p:cNvPr id="7" name="Slide Number Placeholder 6">
-            <a:extLst>
-              <a:ext uri="{FF2B5EF4-FFF2-40B4-BE49-F238E27FC236}">
-                <a16:creationId xmlns:a16="http://schemas.microsoft.com/office/drawing/2014/main" id="{46669695-E431-55AA-06A2-26DD3890E7B5}"/>
-              </a:ext>
-            </a:extLst>
-          </p:cNvPr>
-          <p:cNvSpPr>
-            <a:spLocks noGrp="1"/>
-          </p:cNvSpPr>
-          <p:nvPr>
-            <p:ph type="sldNum" sz="quarter" idx="13"/>
-          </p:nvPr>
-        </p:nvSpPr>
-        <p:spPr/>
+              <a:t>conclusions</a:t>
+            </a:r>
+          </a:p>
+        </p:txBody>
+      </p:sp>
+      <p:sp>
+        <p:nvSpPr>
+          <p:cNvPr id="20" name="Content Placeholder 3">
+            <a:extLst>
+              <a:ext uri="{FF2B5EF4-FFF2-40B4-BE49-F238E27FC236}">
+                <a16:creationId xmlns:a16="http://schemas.microsoft.com/office/drawing/2014/main" id="{33D8731E-4977-402E-8BFD-895B4D0544CC}"/>
+              </a:ext>
+            </a:extLst>
+          </p:cNvPr>
+          <p:cNvSpPr>
+            <a:spLocks noGrp="1"/>
+          </p:cNvSpPr>
+          <p:nvPr>
+            <p:ph sz="half" idx="2"/>
+          </p:nvPr>
+        </p:nvSpPr>
+        <p:spPr>
+          <a:xfrm>
+            <a:off x="445544" y="929862"/>
+            <a:ext cx="5733773" cy="3032733"/>
+          </a:xfrm>
+        </p:spPr>
+        <p:txBody>
+          <a:bodyPr>
+            <a:noAutofit/>
+          </a:bodyPr>
+          <a:lstStyle/>
+          <a:p>
+            <a:pPr>
+              <a:lnSpc>
+                <a:spcPct val="107000"/>
+              </a:lnSpc>
+              <a:spcAft>
+                <a:spcPts val="800"/>
+              </a:spcAft>
+            </a:pPr>
+            <a:r>
+              <a:rPr lang="en-IL" sz="1600" kern="100" dirty="0">
+                <a:effectLst/>
+                <a:latin typeface="Aptos" panose="020B0004020202020204" pitchFamily="34" charset="0"/>
+                <a:ea typeface="Aptos" panose="020B0004020202020204" pitchFamily="34" charset="0"/>
+                <a:cs typeface="Arial" panose="020B0604020202020204" pitchFamily="34" charset="0"/>
+              </a:rPr>
+              <a:t>Overall – </a:t>
+            </a:r>
+          </a:p>
+          <a:p>
+            <a:pPr>
+              <a:lnSpc>
+                <a:spcPct val="107000"/>
+              </a:lnSpc>
+              <a:spcAft>
+                <a:spcPts val="800"/>
+              </a:spcAft>
+            </a:pPr>
+            <a:r>
+              <a:rPr lang="en-IL" sz="1600" kern="100" dirty="0">
+                <a:effectLst/>
+                <a:latin typeface="Aptos" panose="020B0004020202020204" pitchFamily="34" charset="0"/>
+                <a:ea typeface="Aptos" panose="020B0004020202020204" pitchFamily="34" charset="0"/>
+                <a:cs typeface="Arial" panose="020B0604020202020204" pitchFamily="34" charset="0"/>
+              </a:rPr>
+              <a:t>The expectation that a man is looking constantly to further and develop in his career and earning money and a woman focuses more on studying something she enjoys or has a lot of meaning and purpose. </a:t>
+            </a:r>
+          </a:p>
+          <a:p>
+            <a:pPr>
+              <a:lnSpc>
+                <a:spcPct val="107000"/>
+              </a:lnSpc>
+              <a:spcAft>
+                <a:spcPts val="800"/>
+              </a:spcAft>
+            </a:pPr>
+            <a:r>
+              <a:rPr lang="en-IL" sz="1600" kern="100" dirty="0">
+                <a:effectLst/>
+                <a:latin typeface="Aptos" panose="020B0004020202020204" pitchFamily="34" charset="0"/>
+                <a:ea typeface="Aptos" panose="020B0004020202020204" pitchFamily="34" charset="0"/>
+                <a:cs typeface="Arial" panose="020B0604020202020204" pitchFamily="34" charset="0"/>
+              </a:rPr>
+              <a:t>The results we got didn’t show as we expected, there wasn’t as much of a defence in the key words as we thought there would be.</a:t>
+            </a:r>
+          </a:p>
+          <a:p>
+            <a:pPr>
+              <a:lnSpc>
+                <a:spcPct val="107000"/>
+              </a:lnSpc>
+              <a:spcAft>
+                <a:spcPts val="800"/>
+              </a:spcAft>
+            </a:pPr>
+            <a:r>
+              <a:rPr lang="en-IL" sz="1600" kern="100" dirty="0">
+                <a:effectLst/>
+                <a:latin typeface="Aptos" panose="020B0004020202020204" pitchFamily="34" charset="0"/>
+                <a:ea typeface="Aptos" panose="020B0004020202020204" pitchFamily="34" charset="0"/>
+                <a:cs typeface="Arial" panose="020B0604020202020204" pitchFamily="34" charset="0"/>
+              </a:rPr>
+              <a:t>In regard to race, there sometimes was a difference between one of the races and the rest of the profiles, but in an inconsistent way.</a:t>
+            </a:r>
+          </a:p>
+          <a:p>
+            <a:endParaRPr lang="en-US" dirty="0"/>
+          </a:p>
+        </p:txBody>
+      </p:sp>
+      <p:sp>
+        <p:nvSpPr>
+          <p:cNvPr id="9" name="Slide Number Placeholder 8">
+            <a:extLst>
+              <a:ext uri="{FF2B5EF4-FFF2-40B4-BE49-F238E27FC236}">
+                <a16:creationId xmlns:a16="http://schemas.microsoft.com/office/drawing/2014/main" id="{C396FFDC-ADE8-4009-A466-A81787258E88}"/>
+              </a:ext>
+            </a:extLst>
+          </p:cNvPr>
+          <p:cNvSpPr>
+            <a:spLocks noGrp="1"/>
+          </p:cNvSpPr>
+          <p:nvPr>
+            <p:ph type="sldNum" sz="quarter" idx="12"/>
+          </p:nvPr>
+        </p:nvSpPr>
+        <p:spPr>
+          <a:xfrm>
+            <a:off x="8610600" y="6356350"/>
+            <a:ext cx="2743200" cy="365125"/>
+          </a:xfrm>
+        </p:spPr>
         <p:txBody>
           <a:bodyPr/>
           <a:lstStyle/>
@@ -12818,40 +12860,10 @@
           </a:p>
         </p:txBody>
       </p:sp>
-      <p:pic>
-        <p:nvPicPr>
-          <p:cNvPr id="9" name="Picture 8">
-            <a:extLst>
-              <a:ext uri="{FF2B5EF4-FFF2-40B4-BE49-F238E27FC236}">
-                <a16:creationId xmlns:a16="http://schemas.microsoft.com/office/drawing/2014/main" id="{298E9210-25C0-09E1-AFFC-5039C55A3127}"/>
-              </a:ext>
-            </a:extLst>
-          </p:cNvPr>
-          <p:cNvPicPr>
-            <a:picLocks noChangeAspect="1"/>
-          </p:cNvPicPr>
-          <p:nvPr/>
-        </p:nvPicPr>
-        <p:blipFill>
-          <a:blip r:embed="rId2"/>
-          <a:stretch>
-            <a:fillRect/>
-          </a:stretch>
-        </p:blipFill>
-        <p:spPr>
-          <a:xfrm>
-            <a:off x="2351314" y="1306286"/>
-            <a:ext cx="6305228" cy="4742821"/>
-          </a:xfrm>
-          <a:prstGeom prst="rect">
-            <a:avLst/>
-          </a:prstGeom>
-        </p:spPr>
-      </p:pic>
     </p:spTree>
     <p:extLst>
       <p:ext uri="{BB962C8B-B14F-4D97-AF65-F5344CB8AC3E}">
-        <p14:creationId xmlns:p14="http://schemas.microsoft.com/office/powerpoint/2010/main" val="1437701250"/>
+        <p14:creationId xmlns:p14="http://schemas.microsoft.com/office/powerpoint/2010/main" val="1645705637"/>
       </p:ext>
     </p:extLst>
   </p:cSld>
@@ -12880,10 +12892,10 @@
       </p:grpSpPr>
       <p:sp>
         <p:nvSpPr>
-          <p:cNvPr id="17" name="Title 1">
-            <a:extLst>
-              <a:ext uri="{FF2B5EF4-FFF2-40B4-BE49-F238E27FC236}">
-                <a16:creationId xmlns:a16="http://schemas.microsoft.com/office/drawing/2014/main" id="{09140014-73D5-419B-8867-972BB18D52D4}"/>
+          <p:cNvPr id="2" name="Title 1">
+            <a:extLst>
+              <a:ext uri="{FF2B5EF4-FFF2-40B4-BE49-F238E27FC236}">
+                <a16:creationId xmlns:a16="http://schemas.microsoft.com/office/drawing/2014/main" id="{0516C8B1-C69B-244B-3F19-41F60C001637}"/>
               </a:ext>
             </a:extLst>
           </p:cNvPr>
@@ -12894,137 +12906,150 @@
             <p:ph type="title"/>
           </p:nvPr>
         </p:nvSpPr>
-        <p:spPr>
-          <a:xfrm>
-            <a:off x="539360" y="-1174737"/>
-            <a:ext cx="5655197" cy="1997867"/>
-          </a:xfrm>
-        </p:spPr>
-        <p:txBody>
-          <a:bodyPr anchor="b"/>
+        <p:spPr/>
+        <p:txBody>
+          <a:bodyPr/>
           <a:lstStyle/>
           <a:p>
             <a:r>
               <a:rPr lang="en-US" dirty="0"/>
-              <a:t>conclusions</a:t>
-            </a:r>
-          </a:p>
-        </p:txBody>
-      </p:sp>
-      <p:sp>
-        <p:nvSpPr>
-          <p:cNvPr id="20" name="Content Placeholder 3">
-            <a:extLst>
-              <a:ext uri="{FF2B5EF4-FFF2-40B4-BE49-F238E27FC236}">
-                <a16:creationId xmlns:a16="http://schemas.microsoft.com/office/drawing/2014/main" id="{33D8731E-4977-402E-8BFD-895B4D0544CC}"/>
-              </a:ext>
-            </a:extLst>
-          </p:cNvPr>
-          <p:cNvSpPr>
-            <a:spLocks noGrp="1"/>
-          </p:cNvSpPr>
-          <p:nvPr>
-            <p:ph sz="half" idx="2"/>
-          </p:nvPr>
-        </p:nvSpPr>
-        <p:spPr>
-          <a:xfrm>
-            <a:off x="445544" y="929862"/>
-            <a:ext cx="5733773" cy="3032733"/>
-          </a:xfrm>
-        </p:spPr>
-        <p:txBody>
-          <a:bodyPr>
-            <a:noAutofit/>
-          </a:bodyPr>
+              <a:t>Conclusions</a:t>
+            </a:r>
+            <a:endParaRPr lang="en-IL" dirty="0"/>
+          </a:p>
+        </p:txBody>
+      </p:sp>
+      <p:sp>
+        <p:nvSpPr>
+          <p:cNvPr id="4" name="Content Placeholder 3">
+            <a:extLst>
+              <a:ext uri="{FF2B5EF4-FFF2-40B4-BE49-F238E27FC236}">
+                <a16:creationId xmlns:a16="http://schemas.microsoft.com/office/drawing/2014/main" id="{005C0E9A-17DC-475A-AA10-D3CD5C69787B}"/>
+              </a:ext>
+            </a:extLst>
+          </p:cNvPr>
+          <p:cNvSpPr>
+            <a:spLocks noGrp="1"/>
+          </p:cNvSpPr>
+          <p:nvPr>
+            <p:ph sz="half" idx="13"/>
+          </p:nvPr>
+        </p:nvSpPr>
+        <p:spPr>
+          <a:xfrm>
+            <a:off x="2933700" y="2797255"/>
+            <a:ext cx="3943627" cy="3688605"/>
+          </a:xfrm>
+        </p:spPr>
+        <p:txBody>
+          <a:bodyPr/>
           <a:lstStyle/>
           <a:p>
-            <a:pPr>
-              <a:lnSpc>
-                <a:spcPct val="107000"/>
-              </a:lnSpc>
-              <a:spcAft>
-                <a:spcPts val="800"/>
-              </a:spcAft>
-            </a:pPr>
-            <a:r>
-              <a:rPr lang="en-IL" sz="1600" kern="100" dirty="0">
-                <a:effectLst/>
-                <a:latin typeface="Aptos" panose="020B0004020202020204" pitchFamily="34" charset="0"/>
-                <a:ea typeface="Aptos" panose="020B0004020202020204" pitchFamily="34" charset="0"/>
-                <a:cs typeface="Arial" panose="020B0604020202020204" pitchFamily="34" charset="0"/>
-              </a:rPr>
-              <a:t>Overall – </a:t>
-            </a:r>
-          </a:p>
-          <a:p>
-            <a:pPr>
-              <a:lnSpc>
-                <a:spcPct val="107000"/>
-              </a:lnSpc>
-              <a:spcAft>
-                <a:spcPts val="800"/>
-              </a:spcAft>
-            </a:pPr>
-            <a:r>
-              <a:rPr lang="en-IL" sz="1600" kern="100" dirty="0">
-                <a:effectLst/>
-                <a:latin typeface="Aptos" panose="020B0004020202020204" pitchFamily="34" charset="0"/>
-                <a:ea typeface="Aptos" panose="020B0004020202020204" pitchFamily="34" charset="0"/>
-                <a:cs typeface="Arial" panose="020B0604020202020204" pitchFamily="34" charset="0"/>
-              </a:rPr>
-              <a:t>The expectation that a man is looking constantly to further and develop in his career and earning money and a woman focuses more on studying something she enjoys or has a lot of meaning and purpose. </a:t>
-            </a:r>
-          </a:p>
-          <a:p>
-            <a:pPr>
-              <a:lnSpc>
-                <a:spcPct val="107000"/>
-              </a:lnSpc>
-              <a:spcAft>
-                <a:spcPts val="800"/>
-              </a:spcAft>
-            </a:pPr>
-            <a:r>
-              <a:rPr lang="en-IL" sz="1600" kern="100" dirty="0">
-                <a:effectLst/>
-                <a:latin typeface="Aptos" panose="020B0004020202020204" pitchFamily="34" charset="0"/>
-                <a:ea typeface="Aptos" panose="020B0004020202020204" pitchFamily="34" charset="0"/>
-                <a:cs typeface="Arial" panose="020B0604020202020204" pitchFamily="34" charset="0"/>
-              </a:rPr>
-              <a:t>The results we got didn’t show as we expected, there wasn’t as much of a defence in the key words as we thought there would be.</a:t>
-            </a:r>
-          </a:p>
-          <a:p>
-            <a:pPr>
-              <a:lnSpc>
-                <a:spcPct val="107000"/>
-              </a:lnSpc>
-              <a:spcAft>
-                <a:spcPts val="800"/>
-              </a:spcAft>
-            </a:pPr>
-            <a:r>
-              <a:rPr lang="en-IL" sz="1600" kern="100" dirty="0">
-                <a:effectLst/>
-                <a:latin typeface="Aptos" panose="020B0004020202020204" pitchFamily="34" charset="0"/>
-                <a:ea typeface="Aptos" panose="020B0004020202020204" pitchFamily="34" charset="0"/>
-                <a:cs typeface="Arial" panose="020B0604020202020204" pitchFamily="34" charset="0"/>
-              </a:rPr>
-              <a:t>In regard to race, there sometimes was a difference between one of the races and the rest of the profiles, but in an inconsistent way.</a:t>
-            </a:r>
-          </a:p>
-          <a:p>
-            <a:endParaRPr lang="en-US" dirty="0"/>
-          </a:p>
-        </p:txBody>
-      </p:sp>
-      <p:sp>
-        <p:nvSpPr>
-          <p:cNvPr id="9" name="Slide Number Placeholder 8">
-            <a:extLst>
-              <a:ext uri="{FF2B5EF4-FFF2-40B4-BE49-F238E27FC236}">
-                <a16:creationId xmlns:a16="http://schemas.microsoft.com/office/drawing/2014/main" id="{C396FFDC-ADE8-4009-A466-A81787258E88}"/>
+            <a:r>
+              <a:rPr lang="en-US" dirty="0"/>
+              <a:t>This is a big topic, and there is a lot more research that can be done in the field, we have only touched the surface here.</a:t>
+            </a:r>
+          </a:p>
+          <a:p>
+            <a:r>
+              <a:rPr lang="en-US" dirty="0"/>
+              <a:t>More AI models, larger data field etc.</a:t>
+            </a:r>
+            <a:endParaRPr lang="en-IL" dirty="0"/>
+          </a:p>
+        </p:txBody>
+      </p:sp>
+      <p:sp>
+        <p:nvSpPr>
+          <p:cNvPr id="5" name="Text Placeholder 4">
+            <a:extLst>
+              <a:ext uri="{FF2B5EF4-FFF2-40B4-BE49-F238E27FC236}">
+                <a16:creationId xmlns:a16="http://schemas.microsoft.com/office/drawing/2014/main" id="{B0E1E704-10E8-3F7C-C723-A2663F5D2A07}"/>
+              </a:ext>
+            </a:extLst>
+          </p:cNvPr>
+          <p:cNvSpPr>
+            <a:spLocks noGrp="1"/>
+          </p:cNvSpPr>
+          <p:nvPr>
+            <p:ph type="body" sz="quarter" idx="3"/>
+          </p:nvPr>
+        </p:nvSpPr>
+        <p:spPr/>
+        <p:txBody>
+          <a:bodyPr/>
+          <a:lstStyle/>
+          <a:p>
+            <a:r>
+              <a:rPr lang="en-US" dirty="0"/>
+              <a:t>Further acknowledgments </a:t>
+            </a:r>
+            <a:endParaRPr lang="en-IL" dirty="0"/>
+          </a:p>
+        </p:txBody>
+      </p:sp>
+      <p:sp>
+        <p:nvSpPr>
+          <p:cNvPr id="6" name="Content Placeholder 5">
+            <a:extLst>
+              <a:ext uri="{FF2B5EF4-FFF2-40B4-BE49-F238E27FC236}">
+                <a16:creationId xmlns:a16="http://schemas.microsoft.com/office/drawing/2014/main" id="{D61BBD67-4480-65A3-235F-36810243F13D}"/>
+              </a:ext>
+            </a:extLst>
+          </p:cNvPr>
+          <p:cNvSpPr>
+            <a:spLocks noGrp="1"/>
+          </p:cNvSpPr>
+          <p:nvPr>
+            <p:ph sz="half" idx="14"/>
+          </p:nvPr>
+        </p:nvSpPr>
+        <p:spPr/>
+        <p:txBody>
+          <a:bodyPr/>
+          <a:lstStyle/>
+          <a:p>
+            <a:pPr algn="r" rtl="1"/>
+            <a:r>
+              <a:rPr lang="he-IL" dirty="0"/>
+              <a:t>מתי ה</a:t>
+            </a:r>
+            <a:r>
+              <a:rPr lang="en-US" dirty="0"/>
+              <a:t>CHAT</a:t>
+            </a:r>
+            <a:r>
+              <a:rPr lang="he-IL" dirty="0"/>
+              <a:t> הוא באת מוטה ומתי זה נכון להגיד שבאמת יותר נשים עוסקות בתחום אחד ויותר גברים עוסקים בתחם אחר אז הגיוני שיהיה הטיה לתחום ספציפי – מתי משהו משקף את המציאות והוא באמת נכון?</a:t>
+            </a:r>
+          </a:p>
+          <a:p>
+            <a:pPr algn="r" rtl="1"/>
+            <a:r>
+              <a:rPr lang="he-IL" dirty="0"/>
+              <a:t>ומתי משהו הוא מפה?</a:t>
+            </a:r>
+          </a:p>
+          <a:p>
+            <a:pPr algn="r" rtl="1"/>
+            <a:endParaRPr lang="he-IL" dirty="0"/>
+          </a:p>
+          <a:p>
+            <a:pPr algn="r" rtl="1"/>
+            <a:r>
+              <a:rPr lang="he-IL" dirty="0"/>
+              <a:t>שאלה פתוחה</a:t>
+            </a:r>
+            <a:endParaRPr lang="en-IL" dirty="0"/>
+          </a:p>
+        </p:txBody>
+      </p:sp>
+      <p:sp>
+        <p:nvSpPr>
+          <p:cNvPr id="7" name="Slide Number Placeholder 6">
+            <a:extLst>
+              <a:ext uri="{FF2B5EF4-FFF2-40B4-BE49-F238E27FC236}">
+                <a16:creationId xmlns:a16="http://schemas.microsoft.com/office/drawing/2014/main" id="{9C69D25A-5314-032B-CF0E-099A13219251}"/>
               </a:ext>
             </a:extLst>
           </p:cNvPr>
@@ -13035,12 +13060,7 @@
             <p:ph type="sldNum" sz="quarter" idx="12"/>
           </p:nvPr>
         </p:nvSpPr>
-        <p:spPr>
-          <a:xfrm>
-            <a:off x="8610600" y="6356350"/>
-            <a:ext cx="2743200" cy="365125"/>
-          </a:xfrm>
-        </p:spPr>
+        <p:spPr/>
         <p:txBody>
           <a:bodyPr/>
           <a:lstStyle/>
@@ -13057,7 +13077,7 @@
     </p:spTree>
     <p:extLst>
       <p:ext uri="{BB962C8B-B14F-4D97-AF65-F5344CB8AC3E}">
-        <p14:creationId xmlns:p14="http://schemas.microsoft.com/office/powerpoint/2010/main" val="1645705637"/>
+        <p14:creationId xmlns:p14="http://schemas.microsoft.com/office/powerpoint/2010/main" val="3212140604"/>
       </p:ext>
     </p:extLst>
   </p:cSld>
@@ -13089,161 +13109,40 @@
           <p:cNvPr id="2" name="Title 1">
             <a:extLst>
               <a:ext uri="{FF2B5EF4-FFF2-40B4-BE49-F238E27FC236}">
-                <a16:creationId xmlns:a16="http://schemas.microsoft.com/office/drawing/2014/main" id="{0516C8B1-C69B-244B-3F19-41F60C001637}"/>
-              </a:ext>
-            </a:extLst>
-          </p:cNvPr>
-          <p:cNvSpPr>
-            <a:spLocks noGrp="1"/>
-          </p:cNvSpPr>
-          <p:nvPr>
-            <p:ph type="title"/>
-          </p:nvPr>
-        </p:nvSpPr>
-        <p:spPr/>
+                <a16:creationId xmlns:a16="http://schemas.microsoft.com/office/drawing/2014/main" id="{8BDF1EDE-5423-435C-B149-87AB1BC22B83}"/>
+              </a:ext>
+            </a:extLst>
+          </p:cNvPr>
+          <p:cNvSpPr>
+            <a:spLocks noGrp="1"/>
+          </p:cNvSpPr>
+          <p:nvPr>
+            <p:ph type="ctrTitle"/>
+          </p:nvPr>
+        </p:nvSpPr>
+        <p:spPr>
+          <a:xfrm>
+            <a:off x="4009292" y="2100104"/>
+            <a:ext cx="4437478" cy="1487157"/>
+          </a:xfrm>
+        </p:spPr>
         <p:txBody>
           <a:bodyPr/>
           <a:lstStyle/>
           <a:p>
             <a:r>
               <a:rPr lang="en-US" dirty="0"/>
-              <a:t>Conclusions</a:t>
-            </a:r>
-            <a:endParaRPr lang="en-IL" dirty="0"/>
-          </a:p>
-        </p:txBody>
-      </p:sp>
-      <p:sp>
-        <p:nvSpPr>
-          <p:cNvPr id="4" name="Content Placeholder 3">
-            <a:extLst>
-              <a:ext uri="{FF2B5EF4-FFF2-40B4-BE49-F238E27FC236}">
-                <a16:creationId xmlns:a16="http://schemas.microsoft.com/office/drawing/2014/main" id="{005C0E9A-17DC-475A-AA10-D3CD5C69787B}"/>
-              </a:ext>
-            </a:extLst>
-          </p:cNvPr>
-          <p:cNvSpPr>
-            <a:spLocks noGrp="1"/>
-          </p:cNvSpPr>
-          <p:nvPr>
-            <p:ph sz="half" idx="13"/>
-          </p:nvPr>
-        </p:nvSpPr>
-        <p:spPr>
-          <a:xfrm>
-            <a:off x="2933700" y="2797255"/>
-            <a:ext cx="3943627" cy="3688605"/>
-          </a:xfrm>
-        </p:spPr>
-        <p:txBody>
-          <a:bodyPr/>
-          <a:lstStyle/>
-          <a:p>
-            <a:r>
-              <a:rPr lang="en-US" dirty="0"/>
-              <a:t>This is a big topic, and there is a lot more research that can be done in the field, we have only touched the surface here.</a:t>
-            </a:r>
-          </a:p>
-          <a:p>
-            <a:r>
-              <a:rPr lang="en-US" dirty="0"/>
-              <a:t>More AI models, larger data field etc.</a:t>
-            </a:r>
-            <a:endParaRPr lang="en-IL" dirty="0"/>
-          </a:p>
-        </p:txBody>
-      </p:sp>
-      <p:sp>
-        <p:nvSpPr>
-          <p:cNvPr id="5" name="Text Placeholder 4">
-            <a:extLst>
-              <a:ext uri="{FF2B5EF4-FFF2-40B4-BE49-F238E27FC236}">
-                <a16:creationId xmlns:a16="http://schemas.microsoft.com/office/drawing/2014/main" id="{B0E1E704-10E8-3F7C-C723-A2663F5D2A07}"/>
-              </a:ext>
-            </a:extLst>
-          </p:cNvPr>
-          <p:cNvSpPr>
-            <a:spLocks noGrp="1"/>
-          </p:cNvSpPr>
-          <p:nvPr>
-            <p:ph type="body" sz="quarter" idx="3"/>
-          </p:nvPr>
-        </p:nvSpPr>
-        <p:spPr/>
-        <p:txBody>
-          <a:bodyPr/>
-          <a:lstStyle/>
-          <a:p>
-            <a:r>
-              <a:rPr lang="en-US" dirty="0"/>
-              <a:t>Further acknowledgments </a:t>
-            </a:r>
-            <a:endParaRPr lang="en-IL" dirty="0"/>
-          </a:p>
-        </p:txBody>
-      </p:sp>
-      <p:sp>
-        <p:nvSpPr>
-          <p:cNvPr id="6" name="Content Placeholder 5">
-            <a:extLst>
-              <a:ext uri="{FF2B5EF4-FFF2-40B4-BE49-F238E27FC236}">
-                <a16:creationId xmlns:a16="http://schemas.microsoft.com/office/drawing/2014/main" id="{D61BBD67-4480-65A3-235F-36810243F13D}"/>
-              </a:ext>
-            </a:extLst>
-          </p:cNvPr>
-          <p:cNvSpPr>
-            <a:spLocks noGrp="1"/>
-          </p:cNvSpPr>
-          <p:nvPr>
-            <p:ph sz="half" idx="14"/>
-          </p:nvPr>
-        </p:nvSpPr>
-        <p:spPr/>
-        <p:txBody>
-          <a:bodyPr/>
-          <a:lstStyle/>
-          <a:p>
-            <a:pPr algn="r" rtl="1"/>
-            <a:r>
-              <a:rPr lang="he-IL" dirty="0"/>
-              <a:t>מתי ה</a:t>
-            </a:r>
-            <a:r>
-              <a:rPr lang="en-US" dirty="0"/>
-              <a:t>CHAT</a:t>
-            </a:r>
-            <a:r>
-              <a:rPr lang="he-IL" dirty="0"/>
-              <a:t> הוא באת מוטה ומתי זה נכון להגיד שבאמת יותר נשים עוסקות בתחום אחד ויותר גברים עוסקים בתחם אחר אז הגיוני שיהיה הטיה לתחום ספציפי – מתי משהו משקף את המציאות והוא באמת נכון?</a:t>
-            </a:r>
-          </a:p>
-          <a:p>
-            <a:pPr algn="r" rtl="1"/>
-            <a:r>
-              <a:rPr lang="he-IL" dirty="0"/>
-              <a:t>ומתי משהו הוא מפה?</a:t>
-            </a:r>
-          </a:p>
-          <a:p>
-            <a:pPr algn="r" rtl="1"/>
-            <a:endParaRPr lang="he-IL" dirty="0"/>
-          </a:p>
-          <a:p>
-            <a:pPr algn="r" rtl="1"/>
-            <a:r>
-              <a:rPr lang="he-IL" dirty="0"/>
-              <a:t>שאלה פתוחה</a:t>
-            </a:r>
-            <a:endParaRPr lang="en-IL" dirty="0"/>
-          </a:p>
-        </p:txBody>
-      </p:sp>
-      <p:sp>
-        <p:nvSpPr>
-          <p:cNvPr id="7" name="Slide Number Placeholder 6">
-            <a:extLst>
-              <a:ext uri="{FF2B5EF4-FFF2-40B4-BE49-F238E27FC236}">
-                <a16:creationId xmlns:a16="http://schemas.microsoft.com/office/drawing/2014/main" id="{9C69D25A-5314-032B-CF0E-099A13219251}"/>
+              <a:t>THANK YOU!</a:t>
+            </a:r>
+          </a:p>
+        </p:txBody>
+      </p:sp>
+      <p:sp>
+        <p:nvSpPr>
+          <p:cNvPr id="6" name="Slide Number Placeholder 5">
+            <a:extLst>
+              <a:ext uri="{FF2B5EF4-FFF2-40B4-BE49-F238E27FC236}">
+                <a16:creationId xmlns:a16="http://schemas.microsoft.com/office/drawing/2014/main" id="{4C127D99-645F-4FCF-9573-FDFE2A344FA9}"/>
               </a:ext>
             </a:extLst>
           </p:cNvPr>
@@ -13254,7 +13153,12 @@
             <p:ph type="sldNum" sz="quarter" idx="12"/>
           </p:nvPr>
         </p:nvSpPr>
-        <p:spPr/>
+        <p:spPr>
+          <a:xfrm>
+            <a:off x="9579428" y="6356350"/>
+            <a:ext cx="1774371" cy="365125"/>
+          </a:xfrm>
+        </p:spPr>
         <p:txBody>
           <a:bodyPr/>
           <a:lstStyle/>
@@ -13263,104 +13167,6 @@
               <a:rPr lang="en-US" smtClean="0"/>
               <a:pPr/>
               <a:t>32</a:t>
-            </a:fld>
-            <a:endParaRPr lang="en-US" dirty="0"/>
-          </a:p>
-        </p:txBody>
-      </p:sp>
-    </p:spTree>
-    <p:extLst>
-      <p:ext uri="{BB962C8B-B14F-4D97-AF65-F5344CB8AC3E}">
-        <p14:creationId xmlns:p14="http://schemas.microsoft.com/office/powerpoint/2010/main" val="3212140604"/>
-      </p:ext>
-    </p:extLst>
-  </p:cSld>
-  <p:clrMapOvr>
-    <a:masterClrMapping/>
-  </p:clrMapOvr>
-</p:sld>
-</file>
-
-<file path=ppt/slides/slide33.xml><?xml version="1.0" encoding="utf-8"?>
-<p:sld xmlns:a="http://schemas.openxmlformats.org/drawingml/2006/main" xmlns:r="http://schemas.openxmlformats.org/officeDocument/2006/relationships" xmlns:p="http://schemas.openxmlformats.org/presentationml/2006/main">
-  <p:cSld>
-    <p:spTree>
-      <p:nvGrpSpPr>
-        <p:cNvPr id="1" name=""/>
-        <p:cNvGrpSpPr/>
-        <p:nvPr/>
-      </p:nvGrpSpPr>
-      <p:grpSpPr>
-        <a:xfrm>
-          <a:off x="0" y="0"/>
-          <a:ext cx="0" cy="0"/>
-          <a:chOff x="0" y="0"/>
-          <a:chExt cx="0" cy="0"/>
-        </a:xfrm>
-      </p:grpSpPr>
-      <p:sp>
-        <p:nvSpPr>
-          <p:cNvPr id="2" name="Title 1">
-            <a:extLst>
-              <a:ext uri="{FF2B5EF4-FFF2-40B4-BE49-F238E27FC236}">
-                <a16:creationId xmlns:a16="http://schemas.microsoft.com/office/drawing/2014/main" id="{8BDF1EDE-5423-435C-B149-87AB1BC22B83}"/>
-              </a:ext>
-            </a:extLst>
-          </p:cNvPr>
-          <p:cNvSpPr>
-            <a:spLocks noGrp="1"/>
-          </p:cNvSpPr>
-          <p:nvPr>
-            <p:ph type="ctrTitle"/>
-          </p:nvPr>
-        </p:nvSpPr>
-        <p:spPr>
-          <a:xfrm>
-            <a:off x="4009292" y="2100104"/>
-            <a:ext cx="4437478" cy="1487157"/>
-          </a:xfrm>
-        </p:spPr>
-        <p:txBody>
-          <a:bodyPr/>
-          <a:lstStyle/>
-          <a:p>
-            <a:r>
-              <a:rPr lang="en-US" dirty="0"/>
-              <a:t>THANK YOU!</a:t>
-            </a:r>
-          </a:p>
-        </p:txBody>
-      </p:sp>
-      <p:sp>
-        <p:nvSpPr>
-          <p:cNvPr id="6" name="Slide Number Placeholder 5">
-            <a:extLst>
-              <a:ext uri="{FF2B5EF4-FFF2-40B4-BE49-F238E27FC236}">
-                <a16:creationId xmlns:a16="http://schemas.microsoft.com/office/drawing/2014/main" id="{4C127D99-645F-4FCF-9573-FDFE2A344FA9}"/>
-              </a:ext>
-            </a:extLst>
-          </p:cNvPr>
-          <p:cNvSpPr>
-            <a:spLocks noGrp="1"/>
-          </p:cNvSpPr>
-          <p:nvPr>
-            <p:ph type="sldNum" sz="quarter" idx="12"/>
-          </p:nvPr>
-        </p:nvSpPr>
-        <p:spPr>
-          <a:xfrm>
-            <a:off x="9579428" y="6356350"/>
-            <a:ext cx="1774371" cy="365125"/>
-          </a:xfrm>
-        </p:spPr>
-        <p:txBody>
-          <a:bodyPr/>
-          <a:lstStyle/>
-          <a:p>
-            <a:fld id="{A49DFD55-3C28-40EF-9E31-A92D2E4017FF}" type="slidenum">
-              <a:rPr lang="en-US" smtClean="0"/>
-              <a:pPr/>
-              <a:t>33</a:t>
             </a:fld>
             <a:endParaRPr lang="en-US" dirty="0"/>
           </a:p>
@@ -15462,15 +15268,6 @@
 </file>
 
 <file path=customXml/item1.xml><?xml version="1.0" encoding="utf-8"?>
-<?mso-contentType ?>
-<FormTemplates xmlns="http://schemas.microsoft.com/sharepoint/v3/contenttype/forms">
-  <Display>DocumentLibraryForm</Display>
-  <Edit>DocumentLibraryForm</Edit>
-  <New>DocumentLibraryForm</New>
-</FormTemplates>
-</file>
-
-<file path=customXml/item2.xml><?xml version="1.0" encoding="utf-8"?>
 <ct:contentTypeSchema xmlns:ct="http://schemas.microsoft.com/office/2006/metadata/contentType" xmlns:ma="http://schemas.microsoft.com/office/2006/metadata/properties/metaAttributes" ct:_="" ma:_="" ma:contentTypeName="Document" ma:contentTypeID="0x01010079F111ED35F8CC479449609E8A0923A6" ma:contentTypeVersion="28" ma:contentTypeDescription="Create a new document." ma:contentTypeScope="" ma:versionID="60f5a4f2d2b0abadcf532d48ebf9cb71">
   <xsd:schema xmlns:xsd="http://www.w3.org/2001/XMLSchema" xmlns:xs="http://www.w3.org/2001/XMLSchema" xmlns:p="http://schemas.microsoft.com/office/2006/metadata/properties" xmlns:ns1="http://schemas.microsoft.com/sharepoint/v3" xmlns:ns2="71af3243-3dd4-4a8d-8c0d-dd76da1f02a5" xmlns:ns3="16c05727-aa75-4e4a-9b5f-8a80a1165891" xmlns:ns4="230e9df3-be65-4c73-a93b-d1236ebd677e" targetNamespace="http://schemas.microsoft.com/office/2006/metadata/properties" ma:root="true" ma:fieldsID="7dd78129e6a1811f84807ad11c651531" ns1:_="" ns2:_="" ns3:_="" ns4:_="">
     <xsd:import namespace="http://schemas.microsoft.com/sharepoint/v3"/>
@@ -15782,6 +15579,15 @@
 </ct:contentTypeSchema>
 </file>
 
+<file path=customXml/item2.xml><?xml version="1.0" encoding="utf-8"?>
+<?mso-contentType ?>
+<FormTemplates xmlns="http://schemas.microsoft.com/sharepoint/v3/contenttype/forms">
+  <Display>DocumentLibraryForm</Display>
+  <Edit>DocumentLibraryForm</Edit>
+  <New>DocumentLibraryForm</New>
+</FormTemplates>
+</file>
+
 <file path=customXml/item3.xml><?xml version="1.0" encoding="utf-8"?>
 <p:properties xmlns:p="http://schemas.microsoft.com/office/2006/metadata/properties" xmlns:xsi="http://www.w3.org/2001/XMLSchema-instance" xmlns:pc="http://schemas.microsoft.com/office/infopath/2007/PartnerControls">
   <documentManagement>
@@ -15803,14 +15609,6 @@
 </file>
 
 <file path=customXml/itemProps1.xml><?xml version="1.0" encoding="utf-8"?>
-<ds:datastoreItem xmlns:ds="http://schemas.openxmlformats.org/officeDocument/2006/customXml" ds:itemID="{CABF691C-888B-4061-8A6F-D5CE84A0254B}">
-  <ds:schemaRefs>
-    <ds:schemaRef ds:uri="http://schemas.microsoft.com/sharepoint/v3/contenttype/forms"/>
-  </ds:schemaRefs>
-</ds:datastoreItem>
-</file>
-
-<file path=customXml/itemProps2.xml><?xml version="1.0" encoding="utf-8"?>
 <ds:datastoreItem xmlns:ds="http://schemas.openxmlformats.org/officeDocument/2006/customXml" ds:itemID="{5EDE3176-A15D-46A3-BDDB-64A0D7363224}">
   <ds:schemaRefs>
     <ds:schemaRef ds:uri="http://schemas.microsoft.com/office/2006/metadata/contentType"/>
@@ -15831,6 +15629,14 @@
 </ds:datastoreItem>
 </file>
 
+<file path=customXml/itemProps2.xml><?xml version="1.0" encoding="utf-8"?>
+<ds:datastoreItem xmlns:ds="http://schemas.openxmlformats.org/officeDocument/2006/customXml" ds:itemID="{CABF691C-888B-4061-8A6F-D5CE84A0254B}">
+  <ds:schemaRefs>
+    <ds:schemaRef ds:uri="http://schemas.microsoft.com/sharepoint/v3/contenttype/forms"/>
+  </ds:schemaRefs>
+</ds:datastoreItem>
+</file>
+
 <file path=customXml/itemProps3.xml><?xml version="1.0" encoding="utf-8"?>
 <ds:datastoreItem xmlns:ds="http://schemas.openxmlformats.org/officeDocument/2006/customXml" ds:itemID="{49168DCE-134F-4610-A6AA-88CEBE8D71D2}">
   <ds:schemaRefs>

--- a/Final project (1).pptx
+++ b/Final project (1).pptx
@@ -246,7 +246,7 @@
           <a:p>
             <a:fld id="{B56F32FC-4BD9-442A-A8C6-51598C909FE3}" type="datetimeFigureOut">
               <a:rPr lang="en-US" smtClean="0"/>
-              <a:t>9/7/2024</a:t>
+              <a:t>9/8/2024</a:t>
             </a:fld>
             <a:endParaRPr lang="en-US" dirty="0"/>
           </a:p>
@@ -423,7 +423,7 @@
           <a:p>
             <a:fld id="{056371FA-A98D-41E8-93F4-09945841298A}" type="datetimeFigureOut">
               <a:rPr lang="en-US" smtClean="0"/>
-              <a:t>9/7/2024</a:t>
+              <a:t>9/8/2024</a:t>
             </a:fld>
             <a:endParaRPr lang="en-US" dirty="0"/>
           </a:p>
@@ -9281,37 +9281,6 @@
           <a:chExt cx="0" cy="0"/>
         </a:xfrm>
       </p:grpSpPr>
-      <p:pic>
-        <p:nvPicPr>
-          <p:cNvPr id="9" name="תמונה 8">
-            <a:extLst>
-              <a:ext uri="{FF2B5EF4-FFF2-40B4-BE49-F238E27FC236}">
-                <a16:creationId xmlns:a16="http://schemas.microsoft.com/office/drawing/2014/main" id="{688B28A6-9EE4-ACB3-8D58-5CA6AC23A13A}"/>
-              </a:ext>
-            </a:extLst>
-          </p:cNvPr>
-          <p:cNvPicPr>
-            <a:picLocks noChangeAspect="1"/>
-          </p:cNvPicPr>
-          <p:nvPr/>
-        </p:nvPicPr>
-        <p:blipFill>
-          <a:blip r:embed="rId3"/>
-          <a:stretch>
-            <a:fillRect/>
-          </a:stretch>
-        </p:blipFill>
-        <p:spPr>
-          <a:xfrm>
-            <a:off x="748417" y="2641486"/>
-            <a:ext cx="4062564" cy="2447693"/>
-          </a:xfrm>
-          <a:prstGeom prst="rect">
-            <a:avLst/>
-          </a:prstGeom>
-          <a:noFill/>
-        </p:spPr>
-      </p:pic>
       <p:sp>
         <p:nvSpPr>
           <p:cNvPr id="5" name="Slide Number Placeholder 5">
@@ -9374,8 +9343,8 @@
         </p:nvSpPr>
         <p:spPr bwMode="auto">
           <a:xfrm>
-            <a:off x="5169544" y="1767006"/>
-            <a:ext cx="6191358" cy="3323987"/>
+            <a:off x="6768790" y="1643699"/>
+            <a:ext cx="4302180" cy="4801314"/>
           </a:xfrm>
           <a:prstGeom prst="rect">
             <a:avLst/>
@@ -9589,6 +9558,36 @@
           </a:p>
         </p:txBody>
       </p:sp>
+      <p:pic>
+        <p:nvPicPr>
+          <p:cNvPr id="4" name="תמונה 3">
+            <a:extLst>
+              <a:ext uri="{FF2B5EF4-FFF2-40B4-BE49-F238E27FC236}">
+                <a16:creationId xmlns:a16="http://schemas.microsoft.com/office/drawing/2014/main" id="{9AD1D0EF-5CE5-0A0B-C266-594FE642A48C}"/>
+              </a:ext>
+            </a:extLst>
+          </p:cNvPr>
+          <p:cNvPicPr>
+            <a:picLocks noChangeAspect="1"/>
+          </p:cNvPicPr>
+          <p:nvPr/>
+        </p:nvPicPr>
+        <p:blipFill>
+          <a:blip r:embed="rId3"/>
+          <a:stretch>
+            <a:fillRect/>
+          </a:stretch>
+        </p:blipFill>
+        <p:spPr>
+          <a:xfrm>
+            <a:off x="400195" y="1310641"/>
+            <a:ext cx="5855919" cy="5134372"/>
+          </a:xfrm>
+          <a:prstGeom prst="rect">
+            <a:avLst/>
+          </a:prstGeom>
+        </p:spPr>
+      </p:pic>
     </p:spTree>
     <p:extLst>
       <p:ext uri="{BB962C8B-B14F-4D97-AF65-F5344CB8AC3E}">
@@ -10794,36 +10793,6 @@
       </p:sp>
       <p:sp>
         <p:nvSpPr>
-          <p:cNvPr id="7" name="מציין מיקום של מספר שקופית 6">
-            <a:extLst>
-              <a:ext uri="{FF2B5EF4-FFF2-40B4-BE49-F238E27FC236}">
-                <a16:creationId xmlns:a16="http://schemas.microsoft.com/office/drawing/2014/main" id="{19183772-D40A-934F-552B-D8BE6A53DCB2}"/>
-              </a:ext>
-            </a:extLst>
-          </p:cNvPr>
-          <p:cNvSpPr>
-            <a:spLocks noGrp="1"/>
-          </p:cNvSpPr>
-          <p:nvPr>
-            <p:ph type="sldNum" sz="quarter" idx="13"/>
-          </p:nvPr>
-        </p:nvSpPr>
-        <p:spPr/>
-        <p:txBody>
-          <a:bodyPr/>
-          <a:lstStyle/>
-          <a:p>
-            <a:fld id="{A49DFD55-3C28-40EF-9E31-A92D2E4017FF}" type="slidenum">
-              <a:rPr lang="en-US" smtClean="0"/>
-              <a:pPr/>
-              <a:t>20</a:t>
-            </a:fld>
-            <a:endParaRPr lang="en-US" dirty="0"/>
-          </a:p>
-        </p:txBody>
-      </p:sp>
-      <p:sp>
-        <p:nvSpPr>
           <p:cNvPr id="8" name="Rectangle 1">
             <a:extLst>
               <a:ext uri="{FF2B5EF4-FFF2-40B4-BE49-F238E27FC236}">
@@ -10840,8 +10809,8 @@
         </p:nvSpPr>
         <p:spPr bwMode="auto">
           <a:xfrm>
-            <a:off x="7693179" y="1892924"/>
-            <a:ext cx="4021290" cy="3693319"/>
+            <a:off x="7693179" y="2236131"/>
+            <a:ext cx="4021290" cy="2215991"/>
           </a:xfrm>
           <a:prstGeom prst="rect">
             <a:avLst/>
@@ -10896,8 +10865,6 @@
               <a:spcAft>
                 <a:spcPct val="0"/>
               </a:spcAft>
-              <a:buFontTx/>
-              <a:buChar char="•"/>
             </a:pPr>
             <a:r>
               <a:rPr lang="he-IL" altLang="he-IL" sz="2400" dirty="0">
@@ -10918,21 +10885,7 @@
                 <a:latin typeface="Segoe UI Light" panose="020B0502040204020203" pitchFamily="34" charset="0"/>
                 <a:cs typeface="Segoe UI Light" panose="020B0502040204020203" pitchFamily="34" charset="0"/>
               </a:rPr>
-              <a:t> קוראת שאלות מקובץ </a:t>
-            </a:r>
-            <a:r>
-              <a:rPr lang="he-IL" altLang="he-IL" sz="2400" dirty="0" err="1">
-                <a:latin typeface="Segoe UI Light" panose="020B0502040204020203" pitchFamily="34" charset="0"/>
-                <a:cs typeface="Segoe UI Light" panose="020B0502040204020203" pitchFamily="34" charset="0"/>
-              </a:rPr>
-              <a:t>Excel</a:t>
-            </a:r>
-            <a:r>
-              <a:rPr lang="he-IL" altLang="he-IL" sz="2400" dirty="0">
-                <a:latin typeface="Segoe UI Light" panose="020B0502040204020203" pitchFamily="34" charset="0"/>
-                <a:cs typeface="Segoe UI Light" panose="020B0502040204020203" pitchFamily="34" charset="0"/>
-              </a:rPr>
-              <a:t>, שולחת את השאלות ל-</a:t>
+              <a:t> קוראת שאלות ושולחת את השאלות ל-</a:t>
             </a:r>
             <a:r>
               <a:rPr lang="he-IL" altLang="he-IL" sz="2400" dirty="0" err="1">
@@ -10946,74 +10899,7 @@
                 <a:latin typeface="Segoe UI Light" panose="020B0502040204020203" pitchFamily="34" charset="0"/>
                 <a:cs typeface="Segoe UI Light" panose="020B0502040204020203" pitchFamily="34" charset="0"/>
               </a:rPr>
-              <a:t>, ושומרת את התשובות בקובץ </a:t>
-            </a:r>
-            <a:r>
-              <a:rPr lang="he-IL" altLang="he-IL" sz="2400" dirty="0" err="1">
-                <a:latin typeface="Segoe UI Light" panose="020B0502040204020203" pitchFamily="34" charset="0"/>
-                <a:cs typeface="Segoe UI Light" panose="020B0502040204020203" pitchFamily="34" charset="0"/>
-              </a:rPr>
-              <a:t>Excel</a:t>
-            </a:r>
-            <a:r>
-              <a:rPr lang="he-IL" altLang="he-IL" sz="2400" dirty="0">
-                <a:latin typeface="Segoe UI Light" panose="020B0502040204020203" pitchFamily="34" charset="0"/>
-                <a:cs typeface="Segoe UI Light" panose="020B0502040204020203" pitchFamily="34" charset="0"/>
-              </a:rPr>
-              <a:t> חדש.</a:t>
-            </a:r>
-          </a:p>
-          <a:p>
-            <a:pPr marL="0" marR="0" lvl="0" indent="0" algn="r" defTabSz="914400" rtl="1" eaLnBrk="0" fontAlgn="base" latinLnBrk="0" hangingPunct="0">
-              <a:lnSpc>
-                <a:spcPct val="100000"/>
-              </a:lnSpc>
-              <a:spcBef>
-                <a:spcPct val="0"/>
-              </a:spcBef>
-              <a:spcAft>
-                <a:spcPct val="0"/>
-              </a:spcAft>
-              <a:buClrTx/>
-              <a:buSzTx/>
-              <a:buFontTx/>
-              <a:buChar char="•"/>
-              <a:tabLst/>
-            </a:pPr>
-            <a:r>
-              <a:rPr lang="he-IL" altLang="he-IL" sz="2400" dirty="0">
-                <a:latin typeface="Segoe UI Light" panose="020B0502040204020203" pitchFamily="34" charset="0"/>
-                <a:cs typeface="Segoe UI Light" panose="020B0502040204020203" pitchFamily="34" charset="0"/>
-              </a:rPr>
-              <a:t>הפונקציה </a:t>
-            </a:r>
-            <a:r>
-              <a:rPr lang="he-IL" altLang="he-IL" sz="2400" dirty="0" err="1">
-                <a:latin typeface="Segoe UI Light" panose="020B0502040204020203" pitchFamily="34" charset="0"/>
-                <a:cs typeface="Segoe UI Light" panose="020B0502040204020203" pitchFamily="34" charset="0"/>
-              </a:rPr>
-              <a:t>SaveDocx</a:t>
-            </a:r>
-            <a:r>
-              <a:rPr lang="he-IL" altLang="he-IL" sz="2400" dirty="0">
-                <a:latin typeface="Segoe UI Light" panose="020B0502040204020203" pitchFamily="34" charset="0"/>
-                <a:cs typeface="Segoe UI Light" panose="020B0502040204020203" pitchFamily="34" charset="0"/>
-              </a:rPr>
-              <a:t> הופכת את קובץ ה-</a:t>
-            </a:r>
-            <a:r>
-              <a:rPr lang="he-IL" altLang="he-IL" sz="2400" dirty="0" err="1">
-                <a:latin typeface="Segoe UI Light" panose="020B0502040204020203" pitchFamily="34" charset="0"/>
-                <a:cs typeface="Segoe UI Light" panose="020B0502040204020203" pitchFamily="34" charset="0"/>
-              </a:rPr>
-              <a:t>Excel</a:t>
-            </a:r>
-            <a:r>
-              <a:rPr lang="he-IL" altLang="he-IL" sz="2400" dirty="0">
-                <a:latin typeface="Segoe UI Light" panose="020B0502040204020203" pitchFamily="34" charset="0"/>
-                <a:cs typeface="Segoe UI Light" panose="020B0502040204020203" pitchFamily="34" charset="0"/>
-              </a:rPr>
-              <a:t> למסמך </a:t>
+              <a:t>, ושומרת את התשובות במסמך </a:t>
             </a:r>
             <a:r>
               <a:rPr lang="he-IL" altLang="he-IL" sz="2400" dirty="0" err="1">
@@ -11027,7 +10913,7 @@
                 <a:latin typeface="Segoe UI Light" panose="020B0502040204020203" pitchFamily="34" charset="0"/>
                 <a:cs typeface="Segoe UI Light" panose="020B0502040204020203" pitchFamily="34" charset="0"/>
               </a:rPr>
-              <a:t> עם שאלות ותשובות מעוצבות.</a:t>
+              <a:t> עם שאלות ותשובות.</a:t>
             </a:r>
           </a:p>
           <a:p>
@@ -11084,6 +10970,36 @@
           <a:xfrm>
             <a:off x="145183" y="1628079"/>
             <a:ext cx="7547996" cy="4212835"/>
+          </a:xfrm>
+          <a:prstGeom prst="rect">
+            <a:avLst/>
+          </a:prstGeom>
+        </p:spPr>
+      </p:pic>
+      <p:pic>
+        <p:nvPicPr>
+          <p:cNvPr id="5" name="תמונה 4">
+            <a:extLst>
+              <a:ext uri="{FF2B5EF4-FFF2-40B4-BE49-F238E27FC236}">
+                <a16:creationId xmlns:a16="http://schemas.microsoft.com/office/drawing/2014/main" id="{1FE538AF-F870-0E07-65E9-706EA1E397A4}"/>
+              </a:ext>
+            </a:extLst>
+          </p:cNvPr>
+          <p:cNvPicPr>
+            <a:picLocks noChangeAspect="1"/>
+          </p:cNvPicPr>
+          <p:nvPr/>
+        </p:nvPicPr>
+        <p:blipFill>
+          <a:blip r:embed="rId3"/>
+          <a:stretch>
+            <a:fillRect/>
+          </a:stretch>
+        </p:blipFill>
+        <p:spPr>
+          <a:xfrm>
+            <a:off x="6761471" y="4666442"/>
+            <a:ext cx="4021290" cy="1686347"/>
           </a:xfrm>
           <a:prstGeom prst="rect">
             <a:avLst/>
@@ -15268,6 +15184,15 @@
 </file>
 
 <file path=customXml/item1.xml><?xml version="1.0" encoding="utf-8"?>
+<?mso-contentType ?>
+<FormTemplates xmlns="http://schemas.microsoft.com/sharepoint/v3/contenttype/forms">
+  <Display>DocumentLibraryForm</Display>
+  <Edit>DocumentLibraryForm</Edit>
+  <New>DocumentLibraryForm</New>
+</FormTemplates>
+</file>
+
+<file path=customXml/item2.xml><?xml version="1.0" encoding="utf-8"?>
 <ct:contentTypeSchema xmlns:ct="http://schemas.microsoft.com/office/2006/metadata/contentType" xmlns:ma="http://schemas.microsoft.com/office/2006/metadata/properties/metaAttributes" ct:_="" ma:_="" ma:contentTypeName="Document" ma:contentTypeID="0x01010079F111ED35F8CC479449609E8A0923A6" ma:contentTypeVersion="28" ma:contentTypeDescription="Create a new document." ma:contentTypeScope="" ma:versionID="60f5a4f2d2b0abadcf532d48ebf9cb71">
   <xsd:schema xmlns:xsd="http://www.w3.org/2001/XMLSchema" xmlns:xs="http://www.w3.org/2001/XMLSchema" xmlns:p="http://schemas.microsoft.com/office/2006/metadata/properties" xmlns:ns1="http://schemas.microsoft.com/sharepoint/v3" xmlns:ns2="71af3243-3dd4-4a8d-8c0d-dd76da1f02a5" xmlns:ns3="16c05727-aa75-4e4a-9b5f-8a80a1165891" xmlns:ns4="230e9df3-be65-4c73-a93b-d1236ebd677e" targetNamespace="http://schemas.microsoft.com/office/2006/metadata/properties" ma:root="true" ma:fieldsID="7dd78129e6a1811f84807ad11c651531" ns1:_="" ns2:_="" ns3:_="" ns4:_="">
     <xsd:import namespace="http://schemas.microsoft.com/sharepoint/v3"/>
@@ -15579,15 +15504,6 @@
 </ct:contentTypeSchema>
 </file>
 
-<file path=customXml/item2.xml><?xml version="1.0" encoding="utf-8"?>
-<?mso-contentType ?>
-<FormTemplates xmlns="http://schemas.microsoft.com/sharepoint/v3/contenttype/forms">
-  <Display>DocumentLibraryForm</Display>
-  <Edit>DocumentLibraryForm</Edit>
-  <New>DocumentLibraryForm</New>
-</FormTemplates>
-</file>
-
 <file path=customXml/item3.xml><?xml version="1.0" encoding="utf-8"?>
 <p:properties xmlns:p="http://schemas.microsoft.com/office/2006/metadata/properties" xmlns:xsi="http://www.w3.org/2001/XMLSchema-instance" xmlns:pc="http://schemas.microsoft.com/office/infopath/2007/PartnerControls">
   <documentManagement>
@@ -15609,6 +15525,14 @@
 </file>
 
 <file path=customXml/itemProps1.xml><?xml version="1.0" encoding="utf-8"?>
+<ds:datastoreItem xmlns:ds="http://schemas.openxmlformats.org/officeDocument/2006/customXml" ds:itemID="{CABF691C-888B-4061-8A6F-D5CE84A0254B}">
+  <ds:schemaRefs>
+    <ds:schemaRef ds:uri="http://schemas.microsoft.com/sharepoint/v3/contenttype/forms"/>
+  </ds:schemaRefs>
+</ds:datastoreItem>
+</file>
+
+<file path=customXml/itemProps2.xml><?xml version="1.0" encoding="utf-8"?>
 <ds:datastoreItem xmlns:ds="http://schemas.openxmlformats.org/officeDocument/2006/customXml" ds:itemID="{5EDE3176-A15D-46A3-BDDB-64A0D7363224}">
   <ds:schemaRefs>
     <ds:schemaRef ds:uri="http://schemas.microsoft.com/office/2006/metadata/contentType"/>
@@ -15629,14 +15553,6 @@
 </ds:datastoreItem>
 </file>
 
-<file path=customXml/itemProps2.xml><?xml version="1.0" encoding="utf-8"?>
-<ds:datastoreItem xmlns:ds="http://schemas.openxmlformats.org/officeDocument/2006/customXml" ds:itemID="{CABF691C-888B-4061-8A6F-D5CE84A0254B}">
-  <ds:schemaRefs>
-    <ds:schemaRef ds:uri="http://schemas.microsoft.com/sharepoint/v3/contenttype/forms"/>
-  </ds:schemaRefs>
-</ds:datastoreItem>
-</file>
-
 <file path=customXml/itemProps3.xml><?xml version="1.0" encoding="utf-8"?>
 <ds:datastoreItem xmlns:ds="http://schemas.openxmlformats.org/officeDocument/2006/customXml" ds:itemID="{49168DCE-134F-4610-A6AA-88CEBE8D71D2}">
   <ds:schemaRefs>

--- a/Final project (1).pptx
+++ b/Final project (1).pptx
@@ -8742,12 +8742,14 @@
           </a:xfrm>
         </p:spPr>
         <p:txBody>
-          <a:bodyPr/>
+          <a:bodyPr>
+            <a:normAutofit lnSpcReduction="10000"/>
+          </a:bodyPr>
           <a:lstStyle/>
           <a:p>
             <a:r>
               <a:rPr lang="en-US" dirty="0"/>
-              <a:t>The problem with these profiles is that they were too specific and directed the AI model to much as to what it should recommend to study.</a:t>
+              <a:t>The problem with these profiles is that they were too specific, giving to much of a direction to the AI model as to what it should answer.</a:t>
             </a:r>
           </a:p>
           <a:p>
@@ -8756,7 +8758,7 @@
           <a:p>
             <a:r>
               <a:rPr lang="en-US" dirty="0"/>
-              <a:t>We changed the profiles to give them less detail about background and hobbies.</a:t>
+              <a:t>We changed the profiles to give them less detail about background and hobbies, still leaving some detail in order for the answers not to be too broad.</a:t>
             </a:r>
             <a:endParaRPr lang="en-IL" dirty="0"/>
           </a:p>
@@ -11296,67 +11298,211 @@
           </a:p>
         </p:txBody>
       </p:sp>
-      <p:sp>
-        <p:nvSpPr>
-          <p:cNvPr id="4" name="Content Placeholder 3">
-            <a:extLst>
-              <a:ext uri="{FF2B5EF4-FFF2-40B4-BE49-F238E27FC236}">
-                <a16:creationId xmlns:a16="http://schemas.microsoft.com/office/drawing/2014/main" id="{CBAEBC76-E9FB-2A3E-4BCB-2385A8035742}"/>
-              </a:ext>
-            </a:extLst>
-          </p:cNvPr>
-          <p:cNvSpPr>
-            <a:spLocks noGrp="1"/>
-          </p:cNvSpPr>
-          <p:nvPr>
-            <p:ph sz="half" idx="2"/>
-          </p:nvPr>
-        </p:nvSpPr>
-        <p:spPr>
-          <a:xfrm>
-            <a:off x="838199" y="2301072"/>
-            <a:ext cx="5733773" cy="3885827"/>
-          </a:xfrm>
-        </p:spPr>
-        <p:txBody>
-          <a:bodyPr/>
-          <a:lstStyle/>
-          <a:p>
-            <a:pPr marL="0" indent="0" algn="r" rtl="1">
-              <a:buNone/>
-            </a:pPr>
-            <a:r>
-              <a:rPr lang="he-IL" dirty="0"/>
-              <a:t>מרחב המדגם שלנו </a:t>
-            </a:r>
-            <a:r>
-              <a:rPr lang="en-US" dirty="0"/>
-              <a:t>n =30 </a:t>
-            </a:r>
-          </a:p>
-          <a:p>
-            <a:pPr marL="0" indent="0" algn="r" rtl="1">
-              <a:buNone/>
-            </a:pPr>
-            <a:r>
-              <a:rPr lang="he-IL" dirty="0"/>
-              <a:t>לכן נסתכל על טווח שגיאה של יותר מ9%.</a:t>
-            </a:r>
-          </a:p>
-          <a:p>
-            <a:pPr marL="0" indent="0" algn="r" rtl="1">
-              <a:buNone/>
-            </a:pPr>
-            <a:endParaRPr lang="he-IL" dirty="0"/>
-          </a:p>
-          <a:p>
-            <a:pPr marL="0" indent="0" algn="r" rtl="1">
-              <a:buNone/>
-            </a:pPr>
-            <a:endParaRPr lang="en-US" dirty="0"/>
-          </a:p>
-        </p:txBody>
-      </p:sp>
+      <mc:AlternateContent xmlns:mc="http://schemas.openxmlformats.org/markup-compatibility/2006">
+        <mc:Choice xmlns:a14="http://schemas.microsoft.com/office/drawing/2010/main" Requires="a14">
+          <p:sp>
+            <p:nvSpPr>
+              <p:cNvPr id="4" name="Content Placeholder 3">
+                <a:extLst>
+                  <a:ext uri="{FF2B5EF4-FFF2-40B4-BE49-F238E27FC236}">
+                    <a16:creationId xmlns:a16="http://schemas.microsoft.com/office/drawing/2014/main" id="{CBAEBC76-E9FB-2A3E-4BCB-2385A8035742}"/>
+                  </a:ext>
+                </a:extLst>
+              </p:cNvPr>
+              <p:cNvSpPr>
+                <a:spLocks noGrp="1"/>
+              </p:cNvSpPr>
+              <p:nvPr>
+                <p:ph sz="half" idx="2"/>
+              </p:nvPr>
+            </p:nvSpPr>
+            <p:spPr>
+              <a:xfrm>
+                <a:off x="838199" y="2301072"/>
+                <a:ext cx="5733773" cy="3885827"/>
+              </a:xfrm>
+            </p:spPr>
+            <p:txBody>
+              <a:bodyPr/>
+              <a:lstStyle/>
+              <a:p>
+                <a:pPr marL="0" indent="0" algn="r" rtl="1">
+                  <a:buNone/>
+                </a:pPr>
+                <a:r>
+                  <a:rPr lang="he-IL" dirty="0"/>
+                  <a:t>מרחב המדגם שלנו </a:t>
+                </a:r>
+                <a:r>
+                  <a:rPr lang="en-US" dirty="0"/>
+                  <a:t>n =30 </a:t>
+                </a:r>
+              </a:p>
+              <a:p>
+                <a:pPr marL="0" indent="0" algn="r" rtl="1">
+                  <a:buNone/>
+                </a:pPr>
+                <a:r>
+                  <a:rPr lang="he-IL" dirty="0"/>
+                  <a:t>לכן נסתכל על טווח שגיאה של יותר מ9%.</a:t>
+                </a:r>
+                <a:endParaRPr lang="en-GB" dirty="0"/>
+              </a:p>
+              <a:p>
+                <a:pPr marL="0" indent="0" algn="r" rtl="1">
+                  <a:buNone/>
+                </a:pPr>
+                <a14:m>
+                  <m:oMathPara xmlns:m="http://schemas.openxmlformats.org/officeDocument/2006/math">
+                    <m:oMathParaPr>
+                      <m:jc m:val="centerGroup"/>
+                    </m:oMathParaPr>
+                    <m:oMath xmlns:m="http://schemas.openxmlformats.org/officeDocument/2006/math">
+                      <m:f>
+                        <m:fPr>
+                          <m:ctrlPr>
+                            <a:rPr lang="en-GB" b="0" i="1" smtClean="0">
+                              <a:latin typeface="Cambria Math" panose="02040503050406030204" pitchFamily="18" charset="0"/>
+                            </a:rPr>
+                          </m:ctrlPr>
+                        </m:fPr>
+                        <m:num>
+                          <m:f>
+                            <m:fPr>
+                              <m:ctrlPr>
+                                <a:rPr lang="en-GB" b="0" i="1" smtClean="0">
+                                  <a:latin typeface="Cambria Math" panose="02040503050406030204" pitchFamily="18" charset="0"/>
+                                </a:rPr>
+                              </m:ctrlPr>
+                            </m:fPr>
+                            <m:num>
+                              <m:r>
+                                <a:rPr lang="en-GB" b="0" i="1" smtClean="0">
+                                  <a:latin typeface="Cambria Math" panose="02040503050406030204" pitchFamily="18" charset="0"/>
+                                </a:rPr>
+                                <m:t>1</m:t>
+                              </m:r>
+                            </m:num>
+                            <m:den>
+                              <m:r>
+                                <a:rPr lang="en-GB" b="0" i="1" smtClean="0">
+                                  <a:latin typeface="Cambria Math" panose="02040503050406030204" pitchFamily="18" charset="0"/>
+                                </a:rPr>
+                                <m:t>2</m:t>
+                              </m:r>
+                            </m:den>
+                          </m:f>
+                        </m:num>
+                        <m:den>
+                          <m:rad>
+                            <m:radPr>
+                              <m:degHide m:val="on"/>
+                              <m:ctrlPr>
+                                <a:rPr lang="en-GB" b="0" i="1" smtClean="0">
+                                  <a:latin typeface="Cambria Math" panose="02040503050406030204" pitchFamily="18" charset="0"/>
+                                  <a:ea typeface="Cambria Math" panose="02040503050406030204" pitchFamily="18" charset="0"/>
+                                </a:rPr>
+                              </m:ctrlPr>
+                            </m:radPr>
+                            <m:deg/>
+                            <m:e>
+                              <m:r>
+                                <a:rPr lang="en-GB" b="0" i="1" smtClean="0">
+                                  <a:latin typeface="Cambria Math" panose="02040503050406030204" pitchFamily="18" charset="0"/>
+                                  <a:ea typeface="Cambria Math" panose="02040503050406030204" pitchFamily="18" charset="0"/>
+                                </a:rPr>
+                                <m:t>30</m:t>
+                              </m:r>
+                            </m:e>
+                          </m:rad>
+                        </m:den>
+                      </m:f>
+                      <m:r>
+                        <a:rPr lang="en-GB" b="0" i="1" smtClean="0">
+                          <a:latin typeface="Cambria Math" panose="02040503050406030204" pitchFamily="18" charset="0"/>
+                          <a:ea typeface="Cambria Math" panose="02040503050406030204" pitchFamily="18" charset="0"/>
+                        </a:rPr>
+                        <m:t>=</m:t>
+                      </m:r>
+                      <m:r>
+                        <a:rPr lang="en-GB" b="0" i="1" smtClean="0">
+                          <a:latin typeface="Cambria Math" panose="02040503050406030204" pitchFamily="18" charset="0"/>
+                          <a:ea typeface="Cambria Math" panose="02040503050406030204" pitchFamily="18" charset="0"/>
+                        </a:rPr>
+                        <m:t>0</m:t>
+                      </m:r>
+                      <m:r>
+                        <a:rPr lang="en-GB" b="0" i="1" smtClean="0">
+                          <a:latin typeface="Cambria Math" panose="02040503050406030204" pitchFamily="18" charset="0"/>
+                          <a:ea typeface="Cambria Math" panose="02040503050406030204" pitchFamily="18" charset="0"/>
+                        </a:rPr>
+                        <m:t>.</m:t>
+                      </m:r>
+                      <m:r>
+                        <a:rPr lang="en-GB" b="0" i="1" smtClean="0">
+                          <a:latin typeface="Cambria Math" panose="02040503050406030204" pitchFamily="18" charset="0"/>
+                          <a:ea typeface="Cambria Math" panose="02040503050406030204" pitchFamily="18" charset="0"/>
+                        </a:rPr>
+                        <m:t>091</m:t>
+                      </m:r>
+                    </m:oMath>
+                  </m:oMathPara>
+                </a14:m>
+                <a:endParaRPr lang="he-IL" dirty="0"/>
+              </a:p>
+              <a:p>
+                <a:pPr marL="0" indent="0" algn="r" rtl="1">
+                  <a:buNone/>
+                </a:pPr>
+                <a:endParaRPr lang="en-US" dirty="0"/>
+              </a:p>
+            </p:txBody>
+          </p:sp>
+        </mc:Choice>
+        <mc:Fallback>
+          <p:sp>
+            <p:nvSpPr>
+              <p:cNvPr id="4" name="Content Placeholder 3">
+                <a:extLst>
+                  <a:ext uri="{FF2B5EF4-FFF2-40B4-BE49-F238E27FC236}">
+                    <a16:creationId xmlns:a16="http://schemas.microsoft.com/office/drawing/2014/main" id="{CBAEBC76-E9FB-2A3E-4BCB-2385A8035742}"/>
+                  </a:ext>
+                </a:extLst>
+              </p:cNvPr>
+              <p:cNvSpPr>
+                <a:spLocks noGrp="1" noRot="1" noChangeAspect="1" noMove="1" noResize="1" noEditPoints="1" noAdjustHandles="1" noChangeArrowheads="1" noChangeShapeType="1" noTextEdit="1"/>
+              </p:cNvSpPr>
+              <p:nvPr>
+                <p:ph sz="half" idx="2"/>
+              </p:nvPr>
+            </p:nvSpPr>
+            <p:spPr>
+              <a:xfrm>
+                <a:off x="838199" y="2301072"/>
+                <a:ext cx="5733773" cy="3885827"/>
+              </a:xfrm>
+              <a:blipFill>
+                <a:blip r:embed="rId2"/>
+                <a:stretch>
+                  <a:fillRect t="-784" r="-850"/>
+                </a:stretch>
+              </a:blipFill>
+            </p:spPr>
+            <p:txBody>
+              <a:bodyPr/>
+              <a:lstStyle/>
+              <a:p>
+                <a:r>
+                  <a:rPr lang="en-IL">
+                    <a:noFill/>
+                  </a:rPr>
+                  <a:t> </a:t>
+                </a:r>
+              </a:p>
+            </p:txBody>
+          </p:sp>
+        </mc:Fallback>
+      </mc:AlternateContent>
       <p:sp>
         <p:nvSpPr>
           <p:cNvPr id="7" name="Slide Number Placeholder 6">
@@ -11950,6 +12096,36 @@
           <a:xfrm>
             <a:off x="633046" y="2393742"/>
             <a:ext cx="5534706" cy="3374012"/>
+          </a:xfrm>
+          <a:prstGeom prst="rect">
+            <a:avLst/>
+          </a:prstGeom>
+        </p:spPr>
+      </p:pic>
+      <p:pic>
+        <p:nvPicPr>
+          <p:cNvPr id="4" name="Picture 3">
+            <a:extLst>
+              <a:ext uri="{FF2B5EF4-FFF2-40B4-BE49-F238E27FC236}">
+                <a16:creationId xmlns:a16="http://schemas.microsoft.com/office/drawing/2014/main" id="{E515C2E6-CEC9-CBCC-AE3A-712D7E4A235D}"/>
+              </a:ext>
+            </a:extLst>
+          </p:cNvPr>
+          <p:cNvPicPr>
+            <a:picLocks noChangeAspect="1"/>
+          </p:cNvPicPr>
+          <p:nvPr/>
+        </p:nvPicPr>
+        <p:blipFill>
+          <a:blip r:embed="rId4"/>
+          <a:stretch>
+            <a:fillRect/>
+          </a:stretch>
+        </p:blipFill>
+        <p:spPr>
+          <a:xfrm>
+            <a:off x="6250076" y="2222007"/>
+            <a:ext cx="5534706" cy="3796956"/>
           </a:xfrm>
           <a:prstGeom prst="rect">
             <a:avLst/>
@@ -12898,7 +13074,7 @@
           <a:p>
             <a:r>
               <a:rPr lang="en-US" dirty="0"/>
-              <a:t>Further acknowledgments </a:t>
+              <a:t>acknowledgment</a:t>
             </a:r>
             <a:endParaRPr lang="en-IL" dirty="0"/>
           </a:p>
@@ -12922,33 +13098,29 @@
         </p:nvSpPr>
         <p:spPr/>
         <p:txBody>
-          <a:bodyPr/>
+          <a:bodyPr>
+            <a:normAutofit/>
+          </a:bodyPr>
           <a:lstStyle/>
           <a:p>
             <a:pPr algn="r" rtl="1"/>
             <a:r>
               <a:rPr lang="he-IL" dirty="0"/>
-              <a:t>מתי ה</a:t>
+              <a:t>נשאלת השאלה – מתי משהו מוטה למין או גזע מסוים</a:t>
             </a:r>
             <a:r>
               <a:rPr lang="en-US" dirty="0"/>
-              <a:t>CHAT</a:t>
+              <a:t> </a:t>
             </a:r>
             <a:r>
               <a:rPr lang="he-IL" dirty="0"/>
-              <a:t> הוא באת מוטה ומתי זה נכון להגיד שבאמת יותר נשים עוסקות בתחום אחד ויותר גברים עוסקים בתחם אחר אז הגיוני שיהיה הטיה לתחום ספציפי – מתי משהו משקף את המציאות והוא באמת נכון?</a:t>
-            </a:r>
+              <a:t>שנובע מתפיסות חברתיות  ומתי זה באמת השתקפות של מציאות עובדתית?</a:t>
+            </a:r>
+            <a:endParaRPr lang="en-GB" dirty="0"/>
           </a:p>
           <a:p>
             <a:pPr algn="r" rtl="1"/>
-            <a:r>
-              <a:rPr lang="he-IL" dirty="0"/>
-              <a:t>ומתי משהו הוא מפה?</a:t>
-            </a:r>
-          </a:p>
-          <a:p>
-            <a:pPr algn="r" rtl="1"/>
-            <a:endParaRPr lang="he-IL" dirty="0"/>
+            <a:endParaRPr lang="en-US" dirty="0"/>
           </a:p>
           <a:p>
             <a:pPr algn="r" rtl="1"/>
@@ -15184,12 +15356,23 @@
 </file>
 
 <file path=customXml/item1.xml><?xml version="1.0" encoding="utf-8"?>
-<?mso-contentType ?>
-<FormTemplates xmlns="http://schemas.microsoft.com/sharepoint/v3/contenttype/forms">
-  <Display>DocumentLibraryForm</Display>
-  <Edit>DocumentLibraryForm</Edit>
-  <New>DocumentLibraryForm</New>
-</FormTemplates>
+<p:properties xmlns:p="http://schemas.microsoft.com/office/2006/metadata/properties" xmlns:xsi="http://www.w3.org/2001/XMLSchema-instance" xmlns:pc="http://schemas.microsoft.com/office/infopath/2007/PartnerControls">
+  <documentManagement>
+    <_ip_UnifiedCompliancePolicyUIAction xmlns="http://schemas.microsoft.com/sharepoint/v3" xsi:nil="true"/>
+    <Image xmlns="71af3243-3dd4-4a8d-8c0d-dd76da1f02a5">
+      <Url xsi:nil="true"/>
+      <Description xsi:nil="true"/>
+    </Image>
+    <Status xmlns="71af3243-3dd4-4a8d-8c0d-dd76da1f02a5">Not started</Status>
+    <Background xmlns="71af3243-3dd4-4a8d-8c0d-dd76da1f02a5">false</Background>
+    <_ip_UnifiedCompliancePolicyProperties xmlns="http://schemas.microsoft.com/sharepoint/v3" xsi:nil="true"/>
+    <ImageTagsTaxHTField xmlns="71af3243-3dd4-4a8d-8c0d-dd76da1f02a5">
+      <Terms xmlns="http://schemas.microsoft.com/office/infopath/2007/PartnerControls"/>
+    </ImageTagsTaxHTField>
+    <TaxCatchAll xmlns="230e9df3-be65-4c73-a93b-d1236ebd677e" xsi:nil="true"/>
+    <MediaServiceKeyPoints xmlns="71af3243-3dd4-4a8d-8c0d-dd76da1f02a5" xsi:nil="true"/>
+  </documentManagement>
+</p:properties>
 </file>
 
 <file path=customXml/item2.xml><?xml version="1.0" encoding="utf-8"?>
@@ -15505,29 +15688,22 @@
 </file>
 
 <file path=customXml/item3.xml><?xml version="1.0" encoding="utf-8"?>
-<p:properties xmlns:p="http://schemas.microsoft.com/office/2006/metadata/properties" xmlns:xsi="http://www.w3.org/2001/XMLSchema-instance" xmlns:pc="http://schemas.microsoft.com/office/infopath/2007/PartnerControls">
-  <documentManagement>
-    <_ip_UnifiedCompliancePolicyUIAction xmlns="http://schemas.microsoft.com/sharepoint/v3" xsi:nil="true"/>
-    <Image xmlns="71af3243-3dd4-4a8d-8c0d-dd76da1f02a5">
-      <Url xsi:nil="true"/>
-      <Description xsi:nil="true"/>
-    </Image>
-    <Status xmlns="71af3243-3dd4-4a8d-8c0d-dd76da1f02a5">Not started</Status>
-    <Background xmlns="71af3243-3dd4-4a8d-8c0d-dd76da1f02a5">false</Background>
-    <_ip_UnifiedCompliancePolicyProperties xmlns="http://schemas.microsoft.com/sharepoint/v3" xsi:nil="true"/>
-    <ImageTagsTaxHTField xmlns="71af3243-3dd4-4a8d-8c0d-dd76da1f02a5">
-      <Terms xmlns="http://schemas.microsoft.com/office/infopath/2007/PartnerControls"/>
-    </ImageTagsTaxHTField>
-    <TaxCatchAll xmlns="230e9df3-be65-4c73-a93b-d1236ebd677e" xsi:nil="true"/>
-    <MediaServiceKeyPoints xmlns="71af3243-3dd4-4a8d-8c0d-dd76da1f02a5" xsi:nil="true"/>
-  </documentManagement>
-</p:properties>
+<?mso-contentType ?>
+<FormTemplates xmlns="http://schemas.microsoft.com/sharepoint/v3/contenttype/forms">
+  <Display>DocumentLibraryForm</Display>
+  <Edit>DocumentLibraryForm</Edit>
+  <New>DocumentLibraryForm</New>
+</FormTemplates>
 </file>
 
 <file path=customXml/itemProps1.xml><?xml version="1.0" encoding="utf-8"?>
-<ds:datastoreItem xmlns:ds="http://schemas.openxmlformats.org/officeDocument/2006/customXml" ds:itemID="{CABF691C-888B-4061-8A6F-D5CE84A0254B}">
+<ds:datastoreItem xmlns:ds="http://schemas.openxmlformats.org/officeDocument/2006/customXml" ds:itemID="{49168DCE-134F-4610-A6AA-88CEBE8D71D2}">
   <ds:schemaRefs>
-    <ds:schemaRef ds:uri="http://schemas.microsoft.com/sharepoint/v3/contenttype/forms"/>
+    <ds:schemaRef ds:uri="http://schemas.microsoft.com/office/2006/metadata/properties"/>
+    <ds:schemaRef ds:uri="http://schemas.microsoft.com/office/infopath/2007/PartnerControls"/>
+    <ds:schemaRef ds:uri="http://schemas.microsoft.com/sharepoint/v3"/>
+    <ds:schemaRef ds:uri="71af3243-3dd4-4a8d-8c0d-dd76da1f02a5"/>
+    <ds:schemaRef ds:uri="230e9df3-be65-4c73-a93b-d1236ebd677e"/>
   </ds:schemaRefs>
 </ds:datastoreItem>
 </file>
@@ -15554,13 +15730,9 @@
 </file>
 
 <file path=customXml/itemProps3.xml><?xml version="1.0" encoding="utf-8"?>
-<ds:datastoreItem xmlns:ds="http://schemas.openxmlformats.org/officeDocument/2006/customXml" ds:itemID="{49168DCE-134F-4610-A6AA-88CEBE8D71D2}">
+<ds:datastoreItem xmlns:ds="http://schemas.openxmlformats.org/officeDocument/2006/customXml" ds:itemID="{CABF691C-888B-4061-8A6F-D5CE84A0254B}">
   <ds:schemaRefs>
-    <ds:schemaRef ds:uri="http://schemas.microsoft.com/office/2006/metadata/properties"/>
-    <ds:schemaRef ds:uri="http://schemas.microsoft.com/office/infopath/2007/PartnerControls"/>
-    <ds:schemaRef ds:uri="http://schemas.microsoft.com/sharepoint/v3"/>
-    <ds:schemaRef ds:uri="71af3243-3dd4-4a8d-8c0d-dd76da1f02a5"/>
-    <ds:schemaRef ds:uri="230e9df3-be65-4c73-a93b-d1236ebd677e"/>
+    <ds:schemaRef ds:uri="http://schemas.microsoft.com/sharepoint/v3/contenttype/forms"/>
   </ds:schemaRefs>
 </ds:datastoreItem>
 </file>

--- a/Final project (1).pptx
+++ b/Final project (1).pptx
@@ -5,44 +5,47 @@
     <p:sldMasterId id="2147483648" r:id="rId4"/>
   </p:sldMasterIdLst>
   <p:notesMasterIdLst>
-    <p:notesMasterId r:id="rId37"/>
+    <p:notesMasterId r:id="rId40"/>
   </p:notesMasterIdLst>
   <p:handoutMasterIdLst>
-    <p:handoutMasterId r:id="rId38"/>
+    <p:handoutMasterId r:id="rId41"/>
   </p:handoutMasterIdLst>
   <p:sldIdLst>
     <p:sldId id="256" r:id="rId5"/>
     <p:sldId id="257" r:id="rId6"/>
-    <p:sldId id="278" r:id="rId7"/>
-    <p:sldId id="279" r:id="rId8"/>
-    <p:sldId id="258" r:id="rId9"/>
-    <p:sldId id="282" r:id="rId10"/>
-    <p:sldId id="286" r:id="rId11"/>
-    <p:sldId id="287" r:id="rId12"/>
-    <p:sldId id="283" r:id="rId13"/>
-    <p:sldId id="281" r:id="rId14"/>
-    <p:sldId id="266" r:id="rId15"/>
-    <p:sldId id="280" r:id="rId16"/>
-    <p:sldId id="284" r:id="rId17"/>
-    <p:sldId id="294" r:id="rId18"/>
-    <p:sldId id="295" r:id="rId19"/>
-    <p:sldId id="290" r:id="rId20"/>
-    <p:sldId id="307" r:id="rId21"/>
-    <p:sldId id="306" r:id="rId22"/>
-    <p:sldId id="308" r:id="rId23"/>
-    <p:sldId id="309" r:id="rId24"/>
-    <p:sldId id="301" r:id="rId25"/>
-    <p:sldId id="299" r:id="rId26"/>
-    <p:sldId id="296" r:id="rId27"/>
-    <p:sldId id="297" r:id="rId28"/>
-    <p:sldId id="298" r:id="rId29"/>
-    <p:sldId id="300" r:id="rId30"/>
-    <p:sldId id="293" r:id="rId31"/>
-    <p:sldId id="302" r:id="rId32"/>
-    <p:sldId id="303" r:id="rId33"/>
-    <p:sldId id="288" r:id="rId34"/>
-    <p:sldId id="305" r:id="rId35"/>
-    <p:sldId id="271" r:id="rId36"/>
+    <p:sldId id="314" r:id="rId7"/>
+    <p:sldId id="315" r:id="rId8"/>
+    <p:sldId id="278" r:id="rId9"/>
+    <p:sldId id="279" r:id="rId10"/>
+    <p:sldId id="258" r:id="rId11"/>
+    <p:sldId id="282" r:id="rId12"/>
+    <p:sldId id="286" r:id="rId13"/>
+    <p:sldId id="287" r:id="rId14"/>
+    <p:sldId id="283" r:id="rId15"/>
+    <p:sldId id="281" r:id="rId16"/>
+    <p:sldId id="266" r:id="rId17"/>
+    <p:sldId id="280" r:id="rId18"/>
+    <p:sldId id="284" r:id="rId19"/>
+    <p:sldId id="294" r:id="rId20"/>
+    <p:sldId id="295" r:id="rId21"/>
+    <p:sldId id="290" r:id="rId22"/>
+    <p:sldId id="307" r:id="rId23"/>
+    <p:sldId id="306" r:id="rId24"/>
+    <p:sldId id="308" r:id="rId25"/>
+    <p:sldId id="309" r:id="rId26"/>
+    <p:sldId id="301" r:id="rId27"/>
+    <p:sldId id="299" r:id="rId28"/>
+    <p:sldId id="296" r:id="rId29"/>
+    <p:sldId id="310" r:id="rId30"/>
+    <p:sldId id="297" r:id="rId31"/>
+    <p:sldId id="298" r:id="rId32"/>
+    <p:sldId id="300" r:id="rId33"/>
+    <p:sldId id="293" r:id="rId34"/>
+    <p:sldId id="302" r:id="rId35"/>
+    <p:sldId id="303" r:id="rId36"/>
+    <p:sldId id="288" r:id="rId37"/>
+    <p:sldId id="305" r:id="rId38"/>
+    <p:sldId id="271" r:id="rId39"/>
   </p:sldIdLst>
   <p:sldSz cx="12192000" cy="6858000"/>
   <p:notesSz cx="6858000" cy="9144000"/>
@@ -839,7 +842,7 @@
           <a:p>
             <a:fld id="{22289C57-55D7-40A4-A101-E74FAC7A092B}" type="slidenum">
               <a:rPr lang="en-US" smtClean="0"/>
-              <a:t>10</a:t>
+              <a:t>12</a:t>
             </a:fld>
             <a:endParaRPr lang="en-US" dirty="0"/>
           </a:p>
@@ -923,7 +926,7 @@
           <a:p>
             <a:fld id="{22289C57-55D7-40A4-A101-E74FAC7A092B}" type="slidenum">
               <a:rPr lang="en-US" smtClean="0"/>
-              <a:t>11</a:t>
+              <a:t>13</a:t>
             </a:fld>
             <a:endParaRPr lang="en-US" dirty="0"/>
           </a:p>
@@ -1007,7 +1010,7 @@
           <a:p>
             <a:fld id="{22289C57-55D7-40A4-A101-E74FAC7A092B}" type="slidenum">
               <a:rPr lang="en-US" smtClean="0"/>
-              <a:t>12</a:t>
+              <a:t>14</a:t>
             </a:fld>
             <a:endParaRPr lang="en-US" dirty="0"/>
           </a:p>
@@ -1091,7 +1094,7 @@
           <a:p>
             <a:fld id="{22289C57-55D7-40A4-A101-E74FAC7A092B}" type="slidenum">
               <a:rPr lang="en-US" smtClean="0"/>
-              <a:t>13</a:t>
+              <a:t>15</a:t>
             </a:fld>
             <a:endParaRPr lang="en-US" dirty="0"/>
           </a:p>
@@ -1175,7 +1178,7 @@
           <a:p>
             <a:fld id="{22289C57-55D7-40A4-A101-E74FAC7A092B}" type="slidenum">
               <a:rPr lang="en-US" smtClean="0"/>
-              <a:t>16</a:t>
+              <a:t>18</a:t>
             </a:fld>
             <a:endParaRPr lang="en-US" dirty="0"/>
           </a:p>
@@ -1259,7 +1262,7 @@
           <a:p>
             <a:fld id="{22289C57-55D7-40A4-A101-E74FAC7A092B}" type="slidenum">
               <a:rPr lang="en-US" smtClean="0"/>
-              <a:t>17</a:t>
+              <a:t>19</a:t>
             </a:fld>
             <a:endParaRPr lang="en-US" dirty="0"/>
           </a:p>
@@ -1343,7 +1346,7 @@
           <a:p>
             <a:fld id="{22289C57-55D7-40A4-A101-E74FAC7A092B}" type="slidenum">
               <a:rPr lang="en-US" smtClean="0"/>
-              <a:t>21</a:t>
+              <a:t>23</a:t>
             </a:fld>
             <a:endParaRPr lang="en-US" dirty="0"/>
           </a:p>
@@ -1427,7 +1430,7 @@
           <a:p>
             <a:fld id="{22289C57-55D7-40A4-A101-E74FAC7A092B}" type="slidenum">
               <a:rPr lang="en-US" smtClean="0"/>
-              <a:t>27</a:t>
+              <a:t>30</a:t>
             </a:fld>
             <a:endParaRPr lang="en-US" dirty="0"/>
           </a:p>
@@ -1511,7 +1514,7 @@
           <a:p>
             <a:fld id="{22289C57-55D7-40A4-A101-E74FAC7A092B}" type="slidenum">
               <a:rPr lang="en-US" smtClean="0"/>
-              <a:t>30</a:t>
+              <a:t>33</a:t>
             </a:fld>
             <a:endParaRPr lang="en-US" dirty="0"/>
           </a:p>
@@ -1595,7 +1598,7 @@
           <a:p>
             <a:fld id="{22289C57-55D7-40A4-A101-E74FAC7A092B}" type="slidenum">
               <a:rPr lang="en-US" smtClean="0"/>
-              <a:t>32</a:t>
+              <a:t>35</a:t>
             </a:fld>
             <a:endParaRPr lang="en-US" dirty="0"/>
           </a:p>
@@ -1763,7 +1766,7 @@
           <a:p>
             <a:fld id="{22289C57-55D7-40A4-A101-E74FAC7A092B}" type="slidenum">
               <a:rPr lang="en-US" smtClean="0"/>
-              <a:t>3</a:t>
+              <a:t>5</a:t>
             </a:fld>
             <a:endParaRPr lang="en-US" dirty="0"/>
           </a:p>
@@ -1847,7 +1850,7 @@
           <a:p>
             <a:fld id="{22289C57-55D7-40A4-A101-E74FAC7A092B}" type="slidenum">
               <a:rPr lang="en-US" smtClean="0"/>
-              <a:t>4</a:t>
+              <a:t>6</a:t>
             </a:fld>
             <a:endParaRPr lang="en-US" dirty="0"/>
           </a:p>
@@ -1931,7 +1934,7 @@
           <a:p>
             <a:fld id="{22289C57-55D7-40A4-A101-E74FAC7A092B}" type="slidenum">
               <a:rPr lang="en-US" smtClean="0"/>
-              <a:t>5</a:t>
+              <a:t>7</a:t>
             </a:fld>
             <a:endParaRPr lang="en-US" dirty="0"/>
           </a:p>
@@ -2015,7 +2018,7 @@
           <a:p>
             <a:fld id="{22289C57-55D7-40A4-A101-E74FAC7A092B}" type="slidenum">
               <a:rPr lang="en-US" smtClean="0"/>
-              <a:t>6</a:t>
+              <a:t>8</a:t>
             </a:fld>
             <a:endParaRPr lang="en-US" dirty="0"/>
           </a:p>
@@ -2099,7 +2102,7 @@
           <a:p>
             <a:fld id="{22289C57-55D7-40A4-A101-E74FAC7A092B}" type="slidenum">
               <a:rPr lang="en-US" smtClean="0"/>
-              <a:t>7</a:t>
+              <a:t>9</a:t>
             </a:fld>
             <a:endParaRPr lang="en-US" dirty="0"/>
           </a:p>
@@ -2183,7 +2186,7 @@
           <a:p>
             <a:fld id="{22289C57-55D7-40A4-A101-E74FAC7A092B}" type="slidenum">
               <a:rPr lang="en-US" smtClean="0"/>
-              <a:t>8</a:t>
+              <a:t>10</a:t>
             </a:fld>
             <a:endParaRPr lang="en-US" dirty="0"/>
           </a:p>
@@ -2267,7 +2270,7 @@
           <a:p>
             <a:fld id="{22289C57-55D7-40A4-A101-E74FAC7A092B}" type="slidenum">
               <a:rPr lang="en-US" smtClean="0"/>
-              <a:t>9</a:t>
+              <a:t>11</a:t>
             </a:fld>
             <a:endParaRPr lang="en-US" dirty="0"/>
           </a:p>
@@ -7860,206 +7863,174 @@
           <p:cNvPr id="2" name="Title 1">
             <a:extLst>
               <a:ext uri="{FF2B5EF4-FFF2-40B4-BE49-F238E27FC236}">
-                <a16:creationId xmlns:a16="http://schemas.microsoft.com/office/drawing/2014/main" id="{A95E2E6A-35EC-1B8E-0FD7-8C67870ACA64}"/>
-              </a:ext>
-            </a:extLst>
-          </p:cNvPr>
-          <p:cNvSpPr>
-            <a:spLocks noGrp="1"/>
-          </p:cNvSpPr>
-          <p:nvPr>
-            <p:ph type="title"/>
-          </p:nvPr>
-        </p:nvSpPr>
-        <p:spPr>
-          <a:xfrm>
-            <a:off x="2940802" y="611283"/>
-            <a:ext cx="8420100" cy="967070"/>
-          </a:xfrm>
-        </p:spPr>
-        <p:txBody>
-          <a:bodyPr>
-            <a:normAutofit/>
-          </a:bodyPr>
-          <a:lstStyle/>
-          <a:p>
-            <a:pPr algn="ctr"/>
-            <a:r>
-              <a:rPr lang="he-IL" sz="3200" dirty="0">
-                <a:latin typeface="Segoe UI Semibold" panose="020B0702040204020203" pitchFamily="34" charset="0"/>
-                <a:cs typeface="Segoe UI Semibold" panose="020B0702040204020203" pitchFamily="34" charset="0"/>
-              </a:rPr>
-              <a:t>המסקנות העיקריות מהמחקר:</a:t>
-            </a:r>
-            <a:endParaRPr lang="en-US" sz="3200" dirty="0">
-              <a:latin typeface="Segoe UI Semibold" panose="020B0702040204020203" pitchFamily="34" charset="0"/>
-              <a:cs typeface="Segoe UI Semibold" panose="020B0702040204020203" pitchFamily="34" charset="0"/>
-            </a:endParaRPr>
-          </a:p>
-        </p:txBody>
-      </p:sp>
-      <p:sp>
-        <p:nvSpPr>
-          <p:cNvPr id="50" name="Content Placeholder 49">
-            <a:extLst>
-              <a:ext uri="{FF2B5EF4-FFF2-40B4-BE49-F238E27FC236}">
-                <a16:creationId xmlns:a16="http://schemas.microsoft.com/office/drawing/2014/main" id="{8F6B2AE9-DDE4-FD99-A235-3B39EEE21481}"/>
-              </a:ext>
-            </a:extLst>
-          </p:cNvPr>
-          <p:cNvSpPr>
-            <a:spLocks noGrp="1"/>
-          </p:cNvSpPr>
-          <p:nvPr>
-            <p:ph sz="half" idx="14"/>
-          </p:nvPr>
-        </p:nvSpPr>
-        <p:spPr>
-          <a:xfrm>
-            <a:off x="1590575" y="1991102"/>
-            <a:ext cx="9770327" cy="3787264"/>
-          </a:xfrm>
-        </p:spPr>
-        <p:txBody>
-          <a:bodyPr>
-            <a:normAutofit lnSpcReduction="10000"/>
-          </a:bodyPr>
-          <a:lstStyle/>
-          <a:p>
-            <a:pPr marL="285750" indent="-285750" algn="r" rtl="1">
-              <a:buFont typeface="Wingdings" panose="05000000000000000000" pitchFamily="2" charset="2"/>
-              <a:buChar char="q"/>
-            </a:pPr>
-            <a:r>
-              <a:rPr lang="he-IL" sz="2400" b="1" dirty="0">
-                <a:latin typeface="Segoe UI Light" panose="020B0502040204020203" pitchFamily="34" charset="0"/>
-                <a:cs typeface="Segoe UI Light" panose="020B0502040204020203" pitchFamily="34" charset="0"/>
-              </a:rPr>
-              <a:t>מערכות המלצה אינן הוגנות:</a:t>
-            </a:r>
-            <a:r>
-              <a:rPr lang="he-IL" sz="2400" dirty="0">
-                <a:latin typeface="Segoe UI Light" panose="020B0502040204020203" pitchFamily="34" charset="0"/>
-                <a:cs typeface="Segoe UI Light" panose="020B0502040204020203" pitchFamily="34" charset="0"/>
-              </a:rPr>
-              <a:t> המחקר מצא כי מערכות כמו </a:t>
-            </a:r>
-            <a:r>
-              <a:rPr lang="en-US" sz="2400" dirty="0">
-                <a:latin typeface="Segoe UI Light" panose="020B0502040204020203" pitchFamily="34" charset="0"/>
-                <a:cs typeface="Segoe UI Light" panose="020B0502040204020203" pitchFamily="34" charset="0"/>
-              </a:rPr>
-              <a:t>ChatGPT </a:t>
-            </a:r>
-            <a:r>
-              <a:rPr lang="he-IL" sz="2400" dirty="0">
-                <a:latin typeface="Segoe UI Light" panose="020B0502040204020203" pitchFamily="34" charset="0"/>
-                <a:cs typeface="Segoe UI Light" panose="020B0502040204020203" pitchFamily="34" charset="0"/>
-              </a:rPr>
-              <a:t>נוטות להפלות קבוצות מסוימות על בסיס תכונות אישיות רגישות, גם כאשר הבקשה מוצגת בצורה ניטרלית לכאורה.</a:t>
-            </a:r>
-          </a:p>
-          <a:p>
-            <a:pPr marL="285750" indent="-285750" algn="r" rtl="1">
-              <a:buFont typeface="Wingdings" panose="05000000000000000000" pitchFamily="2" charset="2"/>
-              <a:buChar char="q"/>
-            </a:pPr>
-            <a:r>
-              <a:rPr lang="he-IL" sz="2400" b="1" dirty="0">
-                <a:latin typeface="Segoe UI Light" panose="020B0502040204020203" pitchFamily="34" charset="0"/>
-                <a:cs typeface="Segoe UI Light" panose="020B0502040204020203" pitchFamily="34" charset="0"/>
-              </a:rPr>
-              <a:t>הטיות עקביות:</a:t>
-            </a:r>
-            <a:r>
-              <a:rPr lang="he-IL" sz="2400" dirty="0">
-                <a:latin typeface="Segoe UI Light" panose="020B0502040204020203" pitchFamily="34" charset="0"/>
-                <a:cs typeface="Segoe UI Light" panose="020B0502040204020203" pitchFamily="34" charset="0"/>
-              </a:rPr>
-              <a:t> ההטיות הללו אינן מקריות, אלא הן תופעה עקבית שנצפתה במגוון רחב של תרחישים ובשימוש בשפות שונות.</a:t>
-            </a:r>
-          </a:p>
-          <a:p>
-            <a:pPr marL="285750" indent="-285750" algn="r" rtl="1">
-              <a:buFont typeface="Wingdings" panose="05000000000000000000" pitchFamily="2" charset="2"/>
-              <a:buChar char="q"/>
-            </a:pPr>
-            <a:r>
-              <a:rPr lang="he-IL" sz="2400" b="1" dirty="0">
-                <a:latin typeface="Segoe UI Light" panose="020B0502040204020203" pitchFamily="34" charset="0"/>
-                <a:cs typeface="Segoe UI Light" panose="020B0502040204020203" pitchFamily="34" charset="0"/>
-              </a:rPr>
-              <a:t>השפעה על תוצאות החיפוש:</a:t>
-            </a:r>
-            <a:r>
-              <a:rPr lang="he-IL" sz="2400" dirty="0">
-                <a:latin typeface="Segoe UI Light" panose="020B0502040204020203" pitchFamily="34" charset="0"/>
-                <a:cs typeface="Segoe UI Light" panose="020B0502040204020203" pitchFamily="34" charset="0"/>
-              </a:rPr>
-              <a:t> אפילו שינויים קלים בבקשה, כמו שגיאות כתיב או ניסוח שונה, יכולים להשפיע על התוצאות ולהחריף את ההטיות.</a:t>
-            </a:r>
-          </a:p>
-          <a:p>
-            <a:pPr marL="285750" indent="-285750" algn="r" rtl="1">
-              <a:buFont typeface="Wingdings" panose="05000000000000000000" pitchFamily="2" charset="2"/>
-              <a:buChar char="q"/>
-            </a:pPr>
-            <a:r>
-              <a:rPr lang="he-IL" sz="2400" b="1" dirty="0">
-                <a:latin typeface="Segoe UI Light" panose="020B0502040204020203" pitchFamily="34" charset="0"/>
-                <a:cs typeface="Segoe UI Light" panose="020B0502040204020203" pitchFamily="34" charset="0"/>
-              </a:rPr>
-              <a:t>הצורך בשיפור:</a:t>
-            </a:r>
-            <a:r>
-              <a:rPr lang="he-IL" sz="2400" dirty="0">
-                <a:latin typeface="Segoe UI Light" panose="020B0502040204020203" pitchFamily="34" charset="0"/>
-                <a:cs typeface="Segoe UI Light" panose="020B0502040204020203" pitchFamily="34" charset="0"/>
-              </a:rPr>
-              <a:t> המחקר מדגיש את הצורך בפיתוח מערכות המלצה הוגנות יותר, אשר יטפלו בבעיית ההטיות ויבטיחו שכל המשתמשים יקבלו יחס שווה.</a:t>
-            </a:r>
-          </a:p>
-        </p:txBody>
-      </p:sp>
-      <p:sp>
-        <p:nvSpPr>
-          <p:cNvPr id="8" name="Slide Number Placeholder 7">
-            <a:extLst>
-              <a:ext uri="{FF2B5EF4-FFF2-40B4-BE49-F238E27FC236}">
-                <a16:creationId xmlns:a16="http://schemas.microsoft.com/office/drawing/2014/main" id="{8F44A959-C2BB-9170-C99C-1A2EDB71B994}"/>
-              </a:ext>
-            </a:extLst>
-          </p:cNvPr>
-          <p:cNvSpPr>
-            <a:spLocks noGrp="1"/>
-          </p:cNvSpPr>
-          <p:nvPr>
-            <p:ph type="sldNum" sz="quarter" idx="12"/>
-          </p:nvPr>
-        </p:nvSpPr>
-        <p:spPr>
-          <a:xfrm>
-            <a:off x="10373350" y="6356349"/>
-            <a:ext cx="987552" cy="365125"/>
+                <a16:creationId xmlns:a16="http://schemas.microsoft.com/office/drawing/2014/main" id="{818AFA5E-469B-2BFC-9D4E-BD1EC6E48CA0}"/>
+              </a:ext>
+            </a:extLst>
+          </p:cNvPr>
+          <p:cNvSpPr>
+            <a:spLocks noGrp="1"/>
+          </p:cNvSpPr>
+          <p:nvPr>
+            <p:ph type="ctrTitle"/>
+          </p:nvPr>
+        </p:nvSpPr>
+        <p:spPr>
+          <a:xfrm>
+            <a:off x="6096000" y="3226666"/>
+            <a:ext cx="5478966" cy="3376691"/>
           </a:xfrm>
         </p:spPr>
         <p:txBody>
           <a:bodyPr/>
           <a:lstStyle/>
           <a:p>
-            <a:fld id="{A49DFD55-3C28-40EF-9E31-A92D2E4017FF}" type="slidenum">
-              <a:rPr lang="en-US" smtClean="0"/>
-              <a:pPr/>
-              <a:t>10</a:t>
-            </a:fld>
-            <a:endParaRPr lang="en-US" dirty="0"/>
-          </a:p>
-        </p:txBody>
-      </p:sp>
+            <a:pPr algn="ctr"/>
+            <a:r>
+              <a:rPr lang="en-US" b="0" i="0" u="none" strike="noStrike" baseline="0" dirty="0">
+                <a:latin typeface="LinBiolinumTB"/>
+              </a:rPr>
+              <a:t>Is ChatGPT Fair for Recommendation? Evaluating Fairness in Large Language Model Recommendation</a:t>
+            </a:r>
+            <a:br>
+              <a:rPr lang="en-US" b="0" i="0" u="none" strike="noStrike" baseline="0" dirty="0">
+                <a:latin typeface="LinBiolinumTB"/>
+              </a:rPr>
+            </a:br>
+            <a:br>
+              <a:rPr lang="en-US" sz="4000" b="0" i="0" u="none" strike="noStrike" baseline="0" dirty="0">
+                <a:latin typeface="LinBiolinumTB"/>
+              </a:rPr>
+            </a:br>
+            <a:r>
+              <a:rPr lang="en-US" sz="1800" b="0" i="0" u="none" strike="noStrike" baseline="0" dirty="0" err="1">
+                <a:latin typeface="LinBiolinumT"/>
+              </a:rPr>
+              <a:t>Jizhi</a:t>
+            </a:r>
+            <a:r>
+              <a:rPr lang="en-US" sz="1800" b="0" i="0" u="none" strike="noStrike" baseline="0" dirty="0">
+                <a:latin typeface="LinBiolinumT"/>
+              </a:rPr>
+              <a:t> Zhang*, </a:t>
+            </a:r>
+            <a:r>
+              <a:rPr lang="en-US" sz="1800" b="0" i="0" u="none" strike="noStrike" baseline="0" dirty="0" err="1">
+                <a:latin typeface="LinBiolinumT"/>
+              </a:rPr>
+              <a:t>Keqin</a:t>
+            </a:r>
+            <a:r>
+              <a:rPr lang="en-US" sz="1800" b="0" i="0" u="none" strike="noStrike" baseline="0" dirty="0">
+                <a:latin typeface="LinBiolinumT"/>
+              </a:rPr>
+              <a:t> Bao*, Yang Zhang, Wenjie Wang, Fuli Feng†, and </a:t>
+            </a:r>
+            <a:r>
+              <a:rPr lang="en-US" sz="1800" b="0" i="0" u="none" strike="noStrike" baseline="0" dirty="0" err="1">
+                <a:latin typeface="LinBiolinumT"/>
+              </a:rPr>
+              <a:t>Xiangnan</a:t>
+            </a:r>
+            <a:r>
+              <a:rPr lang="en-US" sz="1800" b="0" i="0" u="none" strike="noStrike" baseline="0" dirty="0">
+                <a:latin typeface="LinBiolinumT"/>
+              </a:rPr>
+              <a:t> He†</a:t>
+            </a:r>
+            <a:br>
+              <a:rPr lang="en-US" b="0" i="0" u="none" strike="noStrike" baseline="0" dirty="0">
+                <a:latin typeface="LinBiolinumTB"/>
+              </a:rPr>
+            </a:br>
+            <a:br>
+              <a:rPr lang="en-US" sz="2400" b="0" i="0" dirty="0">
+                <a:effectLst/>
+                <a:latin typeface="Segoe UI Variable Display Semil" pitchFamily="2" charset="0"/>
+              </a:rPr>
+            </a:br>
+            <a:br>
+              <a:rPr lang="en-US" sz="2400" b="0" i="0" dirty="0">
+                <a:effectLst/>
+                <a:latin typeface="Segoe UI Variable Display Semil" pitchFamily="2" charset="0"/>
+              </a:rPr>
+            </a:br>
+            <a:r>
+              <a:rPr lang="en-US" sz="1800" b="0" i="0" u="sng" strike="noStrike" dirty="0">
+                <a:solidFill>
+                  <a:srgbClr val="1155CC"/>
+                </a:solidFill>
+                <a:effectLst/>
+                <a:latin typeface="Arial" panose="020B0604020202020204" pitchFamily="34" charset="0"/>
+                <a:hlinkClick r:id="rId3"/>
+              </a:rPr>
+              <a:t>https://arxiv.org/pdf/2305.07609.pdf</a:t>
+            </a:r>
+            <a:br>
+              <a:rPr lang="en-US" sz="1800" b="0" i="0" u="none" strike="noStrike" dirty="0">
+                <a:solidFill>
+                  <a:srgbClr val="000000"/>
+                </a:solidFill>
+                <a:effectLst/>
+                <a:latin typeface="Arial" panose="020B0604020202020204" pitchFamily="34" charset="0"/>
+                <a:hlinkClick r:id="rId3"/>
+              </a:rPr>
+            </a:br>
+            <a:endParaRPr lang="en-US" sz="6600" dirty="0">
+              <a:latin typeface="Segoe UI Variable Display Semil" pitchFamily="2" charset="0"/>
+            </a:endParaRPr>
+          </a:p>
+        </p:txBody>
+      </p:sp>
+      <p:cxnSp>
+        <p:nvCxnSpPr>
+          <p:cNvPr id="21" name="Straight Connector 20">
+            <a:extLst>
+              <a:ext uri="{FF2B5EF4-FFF2-40B4-BE49-F238E27FC236}">
+                <a16:creationId xmlns:a16="http://schemas.microsoft.com/office/drawing/2014/main" id="{944268F6-A361-9907-F87F-9C4377ECAE6D}"/>
+              </a:ext>
+              <a:ext uri="{C183D7F6-B498-43B3-948B-1728B52AA6E4}">
+                <adec:decorative xmlns:adec="http://schemas.microsoft.com/office/drawing/2017/decorative" val="1"/>
+              </a:ext>
+            </a:extLst>
+          </p:cNvPr>
+          <p:cNvCxnSpPr>
+            <a:cxnSpLocks/>
+          </p:cNvCxnSpPr>
+          <p:nvPr/>
+        </p:nvCxnSpPr>
+        <p:spPr>
+          <a:xfrm flipH="1" flipV="1">
+            <a:off x="0" y="254643"/>
+            <a:ext cx="6096000" cy="855762"/>
+          </a:xfrm>
+          <a:prstGeom prst="line">
+            <a:avLst/>
+          </a:prstGeom>
+          <a:ln>
+            <a:solidFill>
+              <a:schemeClr val="bg1"/>
+            </a:solidFill>
+          </a:ln>
+        </p:spPr>
+        <p:style>
+          <a:lnRef idx="1">
+            <a:schemeClr val="accent1"/>
+          </a:lnRef>
+          <a:fillRef idx="0">
+            <a:schemeClr val="accent1"/>
+          </a:fillRef>
+          <a:effectRef idx="0">
+            <a:schemeClr val="accent1"/>
+          </a:effectRef>
+          <a:fontRef idx="minor">
+            <a:schemeClr val="tx1"/>
+          </a:fontRef>
+        </p:style>
+      </p:cxnSp>
     </p:spTree>
     <p:extLst>
       <p:ext uri="{BB962C8B-B14F-4D97-AF65-F5344CB8AC3E}">
-        <p14:creationId xmlns:p14="http://schemas.microsoft.com/office/powerpoint/2010/main" val="103458723"/>
+        <p14:creationId xmlns:p14="http://schemas.microsoft.com/office/powerpoint/2010/main" val="227849816"/>
       </p:ext>
     </p:extLst>
   </p:cSld>
@@ -8088,10 +8059,53 @@
       </p:grpSpPr>
       <p:sp>
         <p:nvSpPr>
-          <p:cNvPr id="6" name="Slide Number Placeholder 5">
-            <a:extLst>
-              <a:ext uri="{FF2B5EF4-FFF2-40B4-BE49-F238E27FC236}">
-                <a16:creationId xmlns:a16="http://schemas.microsoft.com/office/drawing/2014/main" id="{7C4B8313-9270-4128-8674-3A3E42B806BC}"/>
+          <p:cNvPr id="6" name="Text Placeholder 5">
+            <a:extLst>
+              <a:ext uri="{FF2B5EF4-FFF2-40B4-BE49-F238E27FC236}">
+                <a16:creationId xmlns:a16="http://schemas.microsoft.com/office/drawing/2014/main" id="{B587B122-1579-FDB8-443B-F05E622163C3}"/>
+              </a:ext>
+            </a:extLst>
+          </p:cNvPr>
+          <p:cNvSpPr>
+            <a:spLocks noGrp="1"/>
+          </p:cNvSpPr>
+          <p:nvPr>
+            <p:ph sz="half" idx="16"/>
+          </p:nvPr>
+        </p:nvSpPr>
+        <p:spPr>
+          <a:xfrm>
+            <a:off x="8000218" y="1278504"/>
+            <a:ext cx="3956825" cy="5059401"/>
+          </a:xfrm>
+        </p:spPr>
+        <p:txBody>
+          <a:bodyPr>
+            <a:normAutofit lnSpcReduction="10000"/>
+          </a:bodyPr>
+          <a:lstStyle/>
+          <a:p>
+            <a:pPr algn="r" rtl="1"/>
+            <a:r>
+              <a:rPr lang="he-IL" sz="2400" dirty="0">
+                <a:latin typeface="Segoe UI Light" panose="020B0502040204020203" pitchFamily="34" charset="0"/>
+                <a:cs typeface="Segoe UI Light" panose="020B0502040204020203" pitchFamily="34" charset="0"/>
+              </a:rPr>
+              <a:t>מחקר דומה שנערך בסין ביקש לבדוק האם המערכת "הוגנת" כאשר היא נותנת המלצות. האם היא נותנת את אותן ההמלצות לכל אחד, או שהיא "מפלה" קבוצות מסוימות של אנשים על סמך תכונות אישיות כמו גיל, מגדר, מוצא או דעות פוליטיות. לשם החוקרים יצרו תרחישים שונים שבהם הם ביקשו מהמערכת המלצה על סמך תכונות אישיות שונות.</a:t>
+            </a:r>
+            <a:endParaRPr lang="en-US" sz="2400" dirty="0">
+              <a:latin typeface="Segoe UI Light" panose="020B0502040204020203" pitchFamily="34" charset="0"/>
+              <a:cs typeface="Segoe UI Light" panose="020B0502040204020203" pitchFamily="34" charset="0"/>
+            </a:endParaRPr>
+          </a:p>
+        </p:txBody>
+      </p:sp>
+      <p:sp>
+        <p:nvSpPr>
+          <p:cNvPr id="5" name="Slide Number Placeholder 4">
+            <a:extLst>
+              <a:ext uri="{FF2B5EF4-FFF2-40B4-BE49-F238E27FC236}">
+                <a16:creationId xmlns:a16="http://schemas.microsoft.com/office/drawing/2014/main" id="{E74B0ADB-527F-A58C-9372-D8502ED6F918}"/>
               </a:ext>
             </a:extLst>
           </p:cNvPr>
@@ -8121,151 +8135,12 @@
           </a:p>
         </p:txBody>
       </p:sp>
-      <p:sp>
-        <p:nvSpPr>
-          <p:cNvPr id="3" name="Text Placeholder 2">
-            <a:extLst>
-              <a:ext uri="{FF2B5EF4-FFF2-40B4-BE49-F238E27FC236}">
-                <a16:creationId xmlns:a16="http://schemas.microsoft.com/office/drawing/2014/main" id="{FED19BCA-B61F-4EA6-A1FB-CCA3BD8506FB}"/>
-              </a:ext>
-            </a:extLst>
-          </p:cNvPr>
-          <p:cNvSpPr>
-            <a:spLocks noGrp="1"/>
-          </p:cNvSpPr>
-          <p:nvPr>
-            <p:ph sz="half" idx="14"/>
-          </p:nvPr>
-        </p:nvSpPr>
-        <p:spPr>
-          <a:xfrm>
-            <a:off x="5073805" y="521010"/>
-            <a:ext cx="6632784" cy="2907990"/>
-          </a:xfrm>
-        </p:spPr>
-        <p:txBody>
-          <a:bodyPr>
-            <a:noAutofit/>
-          </a:bodyPr>
-          <a:lstStyle/>
-          <a:p>
-            <a:pPr algn="r" rtl="1"/>
-            <a:r>
-              <a:rPr lang="he-IL" sz="2400" dirty="0">
-                <a:latin typeface="Segoe UI Light" panose="020B0502040204020203" pitchFamily="34" charset="0"/>
-                <a:cs typeface="Segoe UI Light" panose="020B0502040204020203" pitchFamily="34" charset="0"/>
-              </a:rPr>
-              <a:t>היבט נוסף ומעניין במחקר הזה הוא הבדיקה של איך שפות שונות משפיעות על ההטיות במערכות ההמלצה.</a:t>
-            </a:r>
-          </a:p>
-          <a:p>
-            <a:pPr algn="r" rtl="1">
-              <a:buFont typeface="Arial" panose="020B0604020202020204" pitchFamily="34" charset="0"/>
-              <a:buChar char="•"/>
-            </a:pPr>
-            <a:r>
-              <a:rPr lang="he-IL" sz="2400" b="1" dirty="0">
-                <a:latin typeface="Segoe UI Light" panose="020B0502040204020203" pitchFamily="34" charset="0"/>
-                <a:cs typeface="Segoe UI Light" panose="020B0502040204020203" pitchFamily="34" charset="0"/>
-              </a:rPr>
-              <a:t>הטיות עקביות גם בשפות אחרות:</a:t>
-            </a:r>
-            <a:r>
-              <a:rPr lang="he-IL" sz="2400" dirty="0">
-                <a:latin typeface="Segoe UI Light" panose="020B0502040204020203" pitchFamily="34" charset="0"/>
-                <a:cs typeface="Segoe UI Light" panose="020B0502040204020203" pitchFamily="34" charset="0"/>
-              </a:rPr>
-              <a:t> המחקר מצא שהטיות לא נעלמות כשמשנים את השפה. כלומר, גם במערכות המלצה המותאמות לשפות אחרות, כמו סינית למשל, נמצאו הטיות דומות לאלו שנמצאו באנגלית.</a:t>
-            </a:r>
-          </a:p>
-          <a:p>
-            <a:pPr algn="r" rtl="1">
-              <a:buFont typeface="Arial" panose="020B0604020202020204" pitchFamily="34" charset="0"/>
-              <a:buChar char="•"/>
-            </a:pPr>
-            <a:r>
-              <a:rPr lang="he-IL" sz="2400" b="1" dirty="0">
-                <a:latin typeface="Segoe UI Light" panose="020B0502040204020203" pitchFamily="34" charset="0"/>
-                <a:cs typeface="Segoe UI Light" panose="020B0502040204020203" pitchFamily="34" charset="0"/>
-              </a:rPr>
-              <a:t>השפעה על התוצאות:</a:t>
-            </a:r>
-            <a:r>
-              <a:rPr lang="he-IL" sz="2400" dirty="0">
-                <a:latin typeface="Segoe UI Light" panose="020B0502040204020203" pitchFamily="34" charset="0"/>
-                <a:cs typeface="Segoe UI Light" panose="020B0502040204020203" pitchFamily="34" charset="0"/>
-              </a:rPr>
-              <a:t> השינוי בשפה יכול להשפיע על סוג ההטיות ועל עוצמתן. למשל, במחקר ספציפי שנבדק, נמצא כי שימוש </a:t>
-            </a:r>
-            <a:r>
-              <a:rPr lang="he-IL" sz="2400" dirty="0" err="1">
-                <a:latin typeface="Segoe UI Light" panose="020B0502040204020203" pitchFamily="34" charset="0"/>
-                <a:cs typeface="Segoe UI Light" panose="020B0502040204020203" pitchFamily="34" charset="0"/>
-              </a:rPr>
-              <a:t>בפרומפטים</a:t>
-            </a:r>
-            <a:r>
-              <a:rPr lang="he-IL" sz="2400" dirty="0">
-                <a:latin typeface="Segoe UI Light" panose="020B0502040204020203" pitchFamily="34" charset="0"/>
-                <a:cs typeface="Segoe UI Light" panose="020B0502040204020203" pitchFamily="34" charset="0"/>
-              </a:rPr>
-              <a:t> סיניים על מערך נתונים של סרטים באנגלית הוביל לתוצאות מעורבות בשתי השפות, מה שהפחית את הדמיון בין תוצאות ההמלצות.</a:t>
-            </a:r>
-          </a:p>
-        </p:txBody>
-      </p:sp>
-      <p:cxnSp>
-        <p:nvCxnSpPr>
-          <p:cNvPr id="23" name="Straight Connector 22">
-            <a:extLst>
-              <a:ext uri="{FF2B5EF4-FFF2-40B4-BE49-F238E27FC236}">
-                <a16:creationId xmlns:a16="http://schemas.microsoft.com/office/drawing/2014/main" id="{D87F08D6-2CA7-4A5A-BE34-07113DCA535D}"/>
-              </a:ext>
-              <a:ext uri="{C183D7F6-B498-43B3-948B-1728B52AA6E4}">
-                <adec:decorative xmlns:adec="http://schemas.microsoft.com/office/drawing/2017/decorative" val="1"/>
-              </a:ext>
-            </a:extLst>
-          </p:cNvPr>
-          <p:cNvCxnSpPr>
-            <a:cxnSpLocks/>
-          </p:cNvCxnSpPr>
-          <p:nvPr userDrawn="1"/>
-        </p:nvCxnSpPr>
-        <p:spPr>
-          <a:xfrm flipH="1" flipV="1">
-            <a:off x="0" y="876300"/>
-            <a:ext cx="5246255" cy="1709882"/>
-          </a:xfrm>
-          <a:prstGeom prst="line">
-            <a:avLst/>
-          </a:prstGeom>
-          <a:ln>
-            <a:solidFill>
-              <a:schemeClr val="tx1"/>
-            </a:solidFill>
-          </a:ln>
-        </p:spPr>
-        <p:style>
-          <a:lnRef idx="1">
-            <a:schemeClr val="accent1"/>
-          </a:lnRef>
-          <a:fillRef idx="0">
-            <a:schemeClr val="accent1"/>
-          </a:fillRef>
-          <a:effectRef idx="0">
-            <a:schemeClr val="accent1"/>
-          </a:effectRef>
-          <a:fontRef idx="minor">
-            <a:schemeClr val="tx1"/>
-          </a:fontRef>
-        </p:style>
-      </p:cxnSp>
       <p:pic>
         <p:nvPicPr>
-          <p:cNvPr id="10" name="תמונה 9">
-            <a:extLst>
-              <a:ext uri="{FF2B5EF4-FFF2-40B4-BE49-F238E27FC236}">
-                <a16:creationId xmlns:a16="http://schemas.microsoft.com/office/drawing/2014/main" id="{1E3F4113-0763-923A-C046-015D4E4D7FC6}"/>
+          <p:cNvPr id="11" name="תמונה 10">
+            <a:extLst>
+              <a:ext uri="{FF2B5EF4-FFF2-40B4-BE49-F238E27FC236}">
+                <a16:creationId xmlns:a16="http://schemas.microsoft.com/office/drawing/2014/main" id="{904C64E2-602F-6030-982E-0A4A43C2F026}"/>
               </a:ext>
             </a:extLst>
           </p:cNvPr>
@@ -8282,8 +8157,8 @@
         </p:blipFill>
         <p:spPr>
           <a:xfrm>
-            <a:off x="831098" y="3483425"/>
-            <a:ext cx="4629796" cy="2876951"/>
+            <a:off x="535259" y="1077500"/>
+            <a:ext cx="7464959" cy="5461411"/>
           </a:xfrm>
           <a:prstGeom prst="rect">
             <a:avLst/>
@@ -8293,7 +8168,7 @@
     </p:spTree>
     <p:extLst>
       <p:ext uri="{BB962C8B-B14F-4D97-AF65-F5344CB8AC3E}">
-        <p14:creationId xmlns:p14="http://schemas.microsoft.com/office/powerpoint/2010/main" val="1742861620"/>
+        <p14:creationId xmlns:p14="http://schemas.microsoft.com/office/powerpoint/2010/main" val="1658164610"/>
       </p:ext>
     </p:extLst>
   </p:cSld>
@@ -8325,38 +8200,206 @@
           <p:cNvPr id="2" name="Title 1">
             <a:extLst>
               <a:ext uri="{FF2B5EF4-FFF2-40B4-BE49-F238E27FC236}">
-                <a16:creationId xmlns:a16="http://schemas.microsoft.com/office/drawing/2014/main" id="{566C97BE-403B-122E-90D1-2788978A0B6F}"/>
-              </a:ext>
-            </a:extLst>
-          </p:cNvPr>
-          <p:cNvSpPr>
-            <a:spLocks noGrp="1"/>
-          </p:cNvSpPr>
-          <p:nvPr>
-            <p:ph type="ctrTitle"/>
-          </p:nvPr>
-        </p:nvSpPr>
-        <p:spPr>
-          <a:xfrm>
-            <a:off x="6991350" y="406400"/>
-            <a:ext cx="4179570" cy="3457971"/>
+                <a16:creationId xmlns:a16="http://schemas.microsoft.com/office/drawing/2014/main" id="{A95E2E6A-35EC-1B8E-0FD7-8C67870ACA64}"/>
+              </a:ext>
+            </a:extLst>
+          </p:cNvPr>
+          <p:cNvSpPr>
+            <a:spLocks noGrp="1"/>
+          </p:cNvSpPr>
+          <p:nvPr>
+            <p:ph type="title"/>
+          </p:nvPr>
+        </p:nvSpPr>
+        <p:spPr>
+          <a:xfrm>
+            <a:off x="2940802" y="611283"/>
+            <a:ext cx="8420100" cy="967070"/>
+          </a:xfrm>
+        </p:spPr>
+        <p:txBody>
+          <a:bodyPr>
+            <a:normAutofit/>
+          </a:bodyPr>
+          <a:lstStyle/>
+          <a:p>
+            <a:pPr algn="ctr"/>
+            <a:r>
+              <a:rPr lang="he-IL" sz="3200" dirty="0">
+                <a:latin typeface="Segoe UI Semibold" panose="020B0702040204020203" pitchFamily="34" charset="0"/>
+                <a:cs typeface="Segoe UI Semibold" panose="020B0702040204020203" pitchFamily="34" charset="0"/>
+              </a:rPr>
+              <a:t>המסקנות העיקריות מהמחקר:</a:t>
+            </a:r>
+            <a:endParaRPr lang="en-US" sz="3200" dirty="0">
+              <a:latin typeface="Segoe UI Semibold" panose="020B0702040204020203" pitchFamily="34" charset="0"/>
+              <a:cs typeface="Segoe UI Semibold" panose="020B0702040204020203" pitchFamily="34" charset="0"/>
+            </a:endParaRPr>
+          </a:p>
+        </p:txBody>
+      </p:sp>
+      <p:sp>
+        <p:nvSpPr>
+          <p:cNvPr id="50" name="Content Placeholder 49">
+            <a:extLst>
+              <a:ext uri="{FF2B5EF4-FFF2-40B4-BE49-F238E27FC236}">
+                <a16:creationId xmlns:a16="http://schemas.microsoft.com/office/drawing/2014/main" id="{8F6B2AE9-DDE4-FD99-A235-3B39EEE21481}"/>
+              </a:ext>
+            </a:extLst>
+          </p:cNvPr>
+          <p:cNvSpPr>
+            <a:spLocks noGrp="1"/>
+          </p:cNvSpPr>
+          <p:nvPr>
+            <p:ph sz="half" idx="14"/>
+          </p:nvPr>
+        </p:nvSpPr>
+        <p:spPr>
+          <a:xfrm>
+            <a:off x="1590575" y="1991102"/>
+            <a:ext cx="9770327" cy="3787264"/>
+          </a:xfrm>
+        </p:spPr>
+        <p:txBody>
+          <a:bodyPr>
+            <a:normAutofit lnSpcReduction="10000"/>
+          </a:bodyPr>
+          <a:lstStyle/>
+          <a:p>
+            <a:pPr marL="285750" indent="-285750" algn="r" rtl="1">
+              <a:buFont typeface="Wingdings" panose="05000000000000000000" pitchFamily="2" charset="2"/>
+              <a:buChar char="q"/>
+            </a:pPr>
+            <a:r>
+              <a:rPr lang="he-IL" sz="2400" b="1" dirty="0">
+                <a:latin typeface="Segoe UI Light" panose="020B0502040204020203" pitchFamily="34" charset="0"/>
+                <a:cs typeface="Segoe UI Light" panose="020B0502040204020203" pitchFamily="34" charset="0"/>
+              </a:rPr>
+              <a:t>מערכות המלצה אינן הוגנות:</a:t>
+            </a:r>
+            <a:r>
+              <a:rPr lang="he-IL" sz="2400" dirty="0">
+                <a:latin typeface="Segoe UI Light" panose="020B0502040204020203" pitchFamily="34" charset="0"/>
+                <a:cs typeface="Segoe UI Light" panose="020B0502040204020203" pitchFamily="34" charset="0"/>
+              </a:rPr>
+              <a:t> המחקר מצא כי מערכות כמו </a:t>
+            </a:r>
+            <a:r>
+              <a:rPr lang="en-US" sz="2400" dirty="0">
+                <a:latin typeface="Segoe UI Light" panose="020B0502040204020203" pitchFamily="34" charset="0"/>
+                <a:cs typeface="Segoe UI Light" panose="020B0502040204020203" pitchFamily="34" charset="0"/>
+              </a:rPr>
+              <a:t>ChatGPT </a:t>
+            </a:r>
+            <a:r>
+              <a:rPr lang="he-IL" sz="2400" dirty="0">
+                <a:latin typeface="Segoe UI Light" panose="020B0502040204020203" pitchFamily="34" charset="0"/>
+                <a:cs typeface="Segoe UI Light" panose="020B0502040204020203" pitchFamily="34" charset="0"/>
+              </a:rPr>
+              <a:t>נוטות להפלות קבוצות מסוימות על בסיס תכונות אישיות רגישות, גם כאשר הבקשה מוצגת בצורה ניטרלית לכאורה.</a:t>
+            </a:r>
+          </a:p>
+          <a:p>
+            <a:pPr marL="285750" indent="-285750" algn="r" rtl="1">
+              <a:buFont typeface="Wingdings" panose="05000000000000000000" pitchFamily="2" charset="2"/>
+              <a:buChar char="q"/>
+            </a:pPr>
+            <a:r>
+              <a:rPr lang="he-IL" sz="2400" b="1" dirty="0">
+                <a:latin typeface="Segoe UI Light" panose="020B0502040204020203" pitchFamily="34" charset="0"/>
+                <a:cs typeface="Segoe UI Light" panose="020B0502040204020203" pitchFamily="34" charset="0"/>
+              </a:rPr>
+              <a:t>הטיות עקביות:</a:t>
+            </a:r>
+            <a:r>
+              <a:rPr lang="he-IL" sz="2400" dirty="0">
+                <a:latin typeface="Segoe UI Light" panose="020B0502040204020203" pitchFamily="34" charset="0"/>
+                <a:cs typeface="Segoe UI Light" panose="020B0502040204020203" pitchFamily="34" charset="0"/>
+              </a:rPr>
+              <a:t> ההטיות הללו אינן מקריות, אלא הן תופעה עקבית שנצפתה במגוון רחב של תרחישים ובשימוש בשפות שונות.</a:t>
+            </a:r>
+          </a:p>
+          <a:p>
+            <a:pPr marL="285750" indent="-285750" algn="r" rtl="1">
+              <a:buFont typeface="Wingdings" panose="05000000000000000000" pitchFamily="2" charset="2"/>
+              <a:buChar char="q"/>
+            </a:pPr>
+            <a:r>
+              <a:rPr lang="he-IL" sz="2400" b="1" dirty="0">
+                <a:latin typeface="Segoe UI Light" panose="020B0502040204020203" pitchFamily="34" charset="0"/>
+                <a:cs typeface="Segoe UI Light" panose="020B0502040204020203" pitchFamily="34" charset="0"/>
+              </a:rPr>
+              <a:t>השפעה על תוצאות החיפוש:</a:t>
+            </a:r>
+            <a:r>
+              <a:rPr lang="he-IL" sz="2400" dirty="0">
+                <a:latin typeface="Segoe UI Light" panose="020B0502040204020203" pitchFamily="34" charset="0"/>
+                <a:cs typeface="Segoe UI Light" panose="020B0502040204020203" pitchFamily="34" charset="0"/>
+              </a:rPr>
+              <a:t> אפילו שינויים קלים בבקשה, כמו שגיאות כתיב או ניסוח שונה, יכולים להשפיע על התוצאות ולהחריף את ההטיות.</a:t>
+            </a:r>
+          </a:p>
+          <a:p>
+            <a:pPr marL="285750" indent="-285750" algn="r" rtl="1">
+              <a:buFont typeface="Wingdings" panose="05000000000000000000" pitchFamily="2" charset="2"/>
+              <a:buChar char="q"/>
+            </a:pPr>
+            <a:r>
+              <a:rPr lang="he-IL" sz="2400" b="1" dirty="0">
+                <a:latin typeface="Segoe UI Light" panose="020B0502040204020203" pitchFamily="34" charset="0"/>
+                <a:cs typeface="Segoe UI Light" panose="020B0502040204020203" pitchFamily="34" charset="0"/>
+              </a:rPr>
+              <a:t>הצורך בשיפור:</a:t>
+            </a:r>
+            <a:r>
+              <a:rPr lang="he-IL" sz="2400" dirty="0">
+                <a:latin typeface="Segoe UI Light" panose="020B0502040204020203" pitchFamily="34" charset="0"/>
+                <a:cs typeface="Segoe UI Light" panose="020B0502040204020203" pitchFamily="34" charset="0"/>
+              </a:rPr>
+              <a:t> המחקר מדגיש את הצורך בפיתוח מערכות המלצה הוגנות יותר, אשר יטפלו בבעיית ההטיות ויבטיחו שכל המשתמשים יקבלו יחס שווה.</a:t>
+            </a:r>
+          </a:p>
+        </p:txBody>
+      </p:sp>
+      <p:sp>
+        <p:nvSpPr>
+          <p:cNvPr id="8" name="Slide Number Placeholder 7">
+            <a:extLst>
+              <a:ext uri="{FF2B5EF4-FFF2-40B4-BE49-F238E27FC236}">
+                <a16:creationId xmlns:a16="http://schemas.microsoft.com/office/drawing/2014/main" id="{8F44A959-C2BB-9170-C99C-1A2EDB71B994}"/>
+              </a:ext>
+            </a:extLst>
+          </p:cNvPr>
+          <p:cNvSpPr>
+            <a:spLocks noGrp="1"/>
+          </p:cNvSpPr>
+          <p:nvPr>
+            <p:ph type="sldNum" sz="quarter" idx="12"/>
+          </p:nvPr>
+        </p:nvSpPr>
+        <p:spPr>
+          <a:xfrm>
+            <a:off x="10373350" y="6356349"/>
+            <a:ext cx="987552" cy="365125"/>
           </a:xfrm>
         </p:spPr>
         <p:txBody>
           <a:bodyPr/>
           <a:lstStyle/>
           <a:p>
-            <a:r>
-              <a:rPr lang="en-US" dirty="0"/>
-              <a:t>The process</a:t>
-            </a:r>
+            <a:fld id="{A49DFD55-3C28-40EF-9E31-A92D2E4017FF}" type="slidenum">
+              <a:rPr lang="en-US" smtClean="0"/>
+              <a:pPr/>
+              <a:t>12</a:t>
+            </a:fld>
+            <a:endParaRPr lang="en-US" dirty="0"/>
           </a:p>
         </p:txBody>
       </p:sp>
     </p:spTree>
     <p:extLst>
       <p:ext uri="{BB962C8B-B14F-4D97-AF65-F5344CB8AC3E}">
-        <p14:creationId xmlns:p14="http://schemas.microsoft.com/office/powerpoint/2010/main" val="334696707"/>
+        <p14:creationId xmlns:p14="http://schemas.microsoft.com/office/powerpoint/2010/main" val="103458723"/>
       </p:ext>
     </p:extLst>
   </p:cSld>
@@ -8385,211 +8428,10 @@
       </p:grpSpPr>
       <p:sp>
         <p:nvSpPr>
-          <p:cNvPr id="17" name="Title 1">
-            <a:extLst>
-              <a:ext uri="{FF2B5EF4-FFF2-40B4-BE49-F238E27FC236}">
-                <a16:creationId xmlns:a16="http://schemas.microsoft.com/office/drawing/2014/main" id="{09140014-73D5-419B-8867-972BB18D52D4}"/>
-              </a:ext>
-            </a:extLst>
-          </p:cNvPr>
-          <p:cNvSpPr>
-            <a:spLocks noGrp="1"/>
-          </p:cNvSpPr>
-          <p:nvPr>
-            <p:ph type="title"/>
-          </p:nvPr>
-        </p:nvSpPr>
-        <p:spPr>
-          <a:xfrm>
-            <a:off x="838200" y="337192"/>
-            <a:ext cx="5655197" cy="448991"/>
-          </a:xfrm>
-        </p:spPr>
-        <p:txBody>
-          <a:bodyPr anchor="b">
-            <a:normAutofit fontScale="90000"/>
-          </a:bodyPr>
-          <a:lstStyle/>
-          <a:p>
-            <a:pPr algn="r"/>
-            <a:r>
-              <a:rPr lang="he-IL" dirty="0"/>
-              <a:t>מה עשינו</a:t>
-            </a:r>
-            <a:endParaRPr lang="en-US" dirty="0"/>
-          </a:p>
-        </p:txBody>
-      </p:sp>
-      <p:sp>
-        <p:nvSpPr>
-          <p:cNvPr id="20" name="Content Placeholder 3">
-            <a:extLst>
-              <a:ext uri="{FF2B5EF4-FFF2-40B4-BE49-F238E27FC236}">
-                <a16:creationId xmlns:a16="http://schemas.microsoft.com/office/drawing/2014/main" id="{33D8731E-4977-402E-8BFD-895B4D0544CC}"/>
-              </a:ext>
-            </a:extLst>
-          </p:cNvPr>
-          <p:cNvSpPr>
-            <a:spLocks noGrp="1"/>
-          </p:cNvSpPr>
-          <p:nvPr>
-            <p:ph sz="half" idx="2"/>
-          </p:nvPr>
-        </p:nvSpPr>
-        <p:spPr>
-          <a:xfrm>
-            <a:off x="1573807" y="1020566"/>
-            <a:ext cx="5070833" cy="3032733"/>
-          </a:xfrm>
-        </p:spPr>
-        <p:txBody>
-          <a:bodyPr>
-            <a:noAutofit/>
-          </a:bodyPr>
-          <a:lstStyle/>
-          <a:p>
-            <a:pPr marL="0" indent="0" algn="r" rtl="1">
-              <a:buNone/>
-            </a:pPr>
-            <a:r>
-              <a:rPr lang="he-IL" dirty="0"/>
-              <a:t>יצרנו 10 פרופילים, כל פרופיל בעל מאפיינים שונים (רקע ותחביבים).</a:t>
-            </a:r>
-          </a:p>
-          <a:p>
-            <a:pPr marL="0" indent="0" algn="r" rtl="1">
-              <a:buNone/>
-            </a:pPr>
-            <a:r>
-              <a:rPr lang="he-IL" dirty="0"/>
-              <a:t>לאחר מכן שאלנו את ה</a:t>
-            </a:r>
-            <a:r>
-              <a:rPr lang="en-US" dirty="0"/>
-              <a:t>ChatGPT</a:t>
-            </a:r>
-            <a:r>
-              <a:rPr lang="he-IL" dirty="0"/>
-              <a:t> מה הוא ממליץ ללמוד.</a:t>
-            </a:r>
-            <a:endParaRPr lang="en-US" dirty="0"/>
-          </a:p>
-          <a:p>
-            <a:pPr marL="0" indent="0" algn="r" rtl="1">
-              <a:buNone/>
-            </a:pPr>
-            <a:r>
-              <a:rPr lang="he-IL" dirty="0"/>
-              <a:t>כל שאלה נשאלה ב</a:t>
-            </a:r>
-            <a:r>
-              <a:rPr lang="en-US" dirty="0"/>
-              <a:t>Chat</a:t>
-            </a:r>
-            <a:r>
-              <a:rPr lang="he-IL" dirty="0"/>
-              <a:t> 30 פעמים.</a:t>
-            </a:r>
-            <a:endParaRPr lang="en-US" dirty="0"/>
-          </a:p>
-          <a:p>
-            <a:pPr marL="0" indent="0" algn="r" rtl="1">
-              <a:buNone/>
-            </a:pPr>
-            <a:endParaRPr lang="he-IL" dirty="0"/>
-          </a:p>
-          <a:p>
-            <a:pPr marL="0" indent="0" algn="r" rtl="1">
-              <a:buNone/>
-            </a:pPr>
-            <a:r>
-              <a:rPr lang="he-IL" dirty="0"/>
-              <a:t>הרצנו את השאלות כמה פעמים, בכל הרצה הוספנו/ הורדנו מידע שונה עבור גזע ומין והשוונו בין התשובות השונות.</a:t>
-            </a:r>
-            <a:endParaRPr lang="en-US" dirty="0"/>
-          </a:p>
-        </p:txBody>
-      </p:sp>
-      <p:sp>
-        <p:nvSpPr>
-          <p:cNvPr id="34" name="Text Placeholder 33">
-            <a:extLst>
-              <a:ext uri="{FF2B5EF4-FFF2-40B4-BE49-F238E27FC236}">
-                <a16:creationId xmlns:a16="http://schemas.microsoft.com/office/drawing/2014/main" id="{AE07A905-8B37-D13F-25D3-1D3BCDB86B0B}"/>
-              </a:ext>
-            </a:extLst>
-          </p:cNvPr>
-          <p:cNvSpPr>
-            <a:spLocks noGrp="1"/>
-          </p:cNvSpPr>
-          <p:nvPr>
-            <p:ph type="body" sz="quarter" idx="3"/>
-          </p:nvPr>
-        </p:nvSpPr>
-        <p:spPr>
-          <a:xfrm>
-            <a:off x="7887108" y="2705177"/>
-            <a:ext cx="3943627" cy="448989"/>
-          </a:xfrm>
-        </p:spPr>
-        <p:txBody>
-          <a:bodyPr/>
-          <a:lstStyle/>
-          <a:p>
-            <a:r>
-              <a:rPr lang="en-US" dirty="0"/>
-              <a:t>The profiles</a:t>
-            </a:r>
-          </a:p>
-        </p:txBody>
-      </p:sp>
-      <p:sp>
-        <p:nvSpPr>
-          <p:cNvPr id="35" name="Content Placeholder 34">
-            <a:extLst>
-              <a:ext uri="{FF2B5EF4-FFF2-40B4-BE49-F238E27FC236}">
-                <a16:creationId xmlns:a16="http://schemas.microsoft.com/office/drawing/2014/main" id="{4E9A764F-6B65-050E-E561-82F77339D164}"/>
-              </a:ext>
-            </a:extLst>
-          </p:cNvPr>
-          <p:cNvSpPr>
-            <a:spLocks noGrp="1"/>
-          </p:cNvSpPr>
-          <p:nvPr>
-            <p:ph sz="half" idx="14"/>
-          </p:nvPr>
-        </p:nvSpPr>
-        <p:spPr>
-          <a:xfrm>
-            <a:off x="7887107" y="3164867"/>
-            <a:ext cx="3943627" cy="3032733"/>
-          </a:xfrm>
-        </p:spPr>
-        <p:txBody>
-          <a:bodyPr>
-            <a:normAutofit/>
-          </a:bodyPr>
-          <a:lstStyle/>
-          <a:p>
-            <a:r>
-              <a:rPr lang="en-US" dirty="0"/>
-              <a:t>Every profile was given a background and hobbies.</a:t>
-            </a:r>
-          </a:p>
-          <a:p>
-            <a:r>
-              <a:rPr lang="en-US" dirty="0"/>
-              <a:t>We asked ChatGPT what it recommends to study, based of the information it was given. </a:t>
-            </a:r>
-          </a:p>
-        </p:txBody>
-      </p:sp>
-      <p:sp>
-        <p:nvSpPr>
-          <p:cNvPr id="9" name="Slide Number Placeholder 8">
-            <a:extLst>
-              <a:ext uri="{FF2B5EF4-FFF2-40B4-BE49-F238E27FC236}">
-                <a16:creationId xmlns:a16="http://schemas.microsoft.com/office/drawing/2014/main" id="{C396FFDC-ADE8-4009-A466-A81787258E88}"/>
+          <p:cNvPr id="6" name="Slide Number Placeholder 5">
+            <a:extLst>
+              <a:ext uri="{FF2B5EF4-FFF2-40B4-BE49-F238E27FC236}">
+                <a16:creationId xmlns:a16="http://schemas.microsoft.com/office/drawing/2014/main" id="{7C4B8313-9270-4128-8674-3A3E42B806BC}"/>
               </a:ext>
             </a:extLst>
           </p:cNvPr>
@@ -8602,8 +8444,8 @@
         </p:nvSpPr>
         <p:spPr>
           <a:xfrm>
-            <a:off x="8610600" y="6356350"/>
-            <a:ext cx="2743200" cy="365125"/>
+            <a:off x="10373350" y="6356349"/>
+            <a:ext cx="987552" cy="365125"/>
           </a:xfrm>
         </p:spPr>
         <p:txBody>
@@ -8619,10 +8461,179 @@
           </a:p>
         </p:txBody>
       </p:sp>
+      <p:sp>
+        <p:nvSpPr>
+          <p:cNvPr id="3" name="Text Placeholder 2">
+            <a:extLst>
+              <a:ext uri="{FF2B5EF4-FFF2-40B4-BE49-F238E27FC236}">
+                <a16:creationId xmlns:a16="http://schemas.microsoft.com/office/drawing/2014/main" id="{FED19BCA-B61F-4EA6-A1FB-CCA3BD8506FB}"/>
+              </a:ext>
+            </a:extLst>
+          </p:cNvPr>
+          <p:cNvSpPr>
+            <a:spLocks noGrp="1"/>
+          </p:cNvSpPr>
+          <p:nvPr>
+            <p:ph sz="half" idx="14"/>
+          </p:nvPr>
+        </p:nvSpPr>
+        <p:spPr>
+          <a:xfrm>
+            <a:off x="5073805" y="521010"/>
+            <a:ext cx="6632784" cy="2907990"/>
+          </a:xfrm>
+        </p:spPr>
+        <p:txBody>
+          <a:bodyPr>
+            <a:noAutofit/>
+          </a:bodyPr>
+          <a:lstStyle/>
+          <a:p>
+            <a:pPr algn="r" rtl="1"/>
+            <a:r>
+              <a:rPr lang="he-IL" sz="2400" dirty="0">
+                <a:latin typeface="Segoe UI Light" panose="020B0502040204020203" pitchFamily="34" charset="0"/>
+                <a:cs typeface="Segoe UI Light" panose="020B0502040204020203" pitchFamily="34" charset="0"/>
+              </a:rPr>
+              <a:t>היבט נוסף ומעניין במחקר הזה הוא הבדיקה של איך שפות שונות משפיעות על ההטיות במערכות ההמלצה.</a:t>
+            </a:r>
+          </a:p>
+          <a:p>
+            <a:pPr algn="r" rtl="1">
+              <a:buFont typeface="Arial" panose="020B0604020202020204" pitchFamily="34" charset="0"/>
+              <a:buChar char="•"/>
+            </a:pPr>
+            <a:r>
+              <a:rPr lang="he-IL" sz="2400" b="1" dirty="0">
+                <a:latin typeface="Segoe UI Light" panose="020B0502040204020203" pitchFamily="34" charset="0"/>
+                <a:cs typeface="Segoe UI Light" panose="020B0502040204020203" pitchFamily="34" charset="0"/>
+              </a:rPr>
+              <a:t>הטיות עקביות גם בשפות אחרות:</a:t>
+            </a:r>
+            <a:r>
+              <a:rPr lang="he-IL" sz="2400" dirty="0">
+                <a:latin typeface="Segoe UI Light" panose="020B0502040204020203" pitchFamily="34" charset="0"/>
+                <a:cs typeface="Segoe UI Light" panose="020B0502040204020203" pitchFamily="34" charset="0"/>
+              </a:rPr>
+              <a:t> המחקר מצא שהטיות לא נעלמות כשמשנים את השפה. כלומר, גם במערכות המלצה המותאמות לשפות אחרות, כמו סינית למשל, נמצאו הטיות דומות לאלו שנמצאו באנגלית.</a:t>
+            </a:r>
+          </a:p>
+          <a:p>
+            <a:pPr algn="r" rtl="1">
+              <a:buFont typeface="Arial" panose="020B0604020202020204" pitchFamily="34" charset="0"/>
+              <a:buChar char="•"/>
+            </a:pPr>
+            <a:r>
+              <a:rPr lang="he-IL" sz="2400" b="1" dirty="0">
+                <a:latin typeface="Segoe UI Light" panose="020B0502040204020203" pitchFamily="34" charset="0"/>
+                <a:cs typeface="Segoe UI Light" panose="020B0502040204020203" pitchFamily="34" charset="0"/>
+              </a:rPr>
+              <a:t>השפעה על התוצאות:</a:t>
+            </a:r>
+            <a:r>
+              <a:rPr lang="he-IL" sz="2400" dirty="0">
+                <a:latin typeface="Segoe UI Light" panose="020B0502040204020203" pitchFamily="34" charset="0"/>
+                <a:cs typeface="Segoe UI Light" panose="020B0502040204020203" pitchFamily="34" charset="0"/>
+              </a:rPr>
+              <a:t> השינוי בשפה יכול להשפיע על סוג ההטיות ועל עוצמתן. למשל, במחקר ספציפי שנבדק, נמצא כי שימוש </a:t>
+            </a:r>
+            <a:r>
+              <a:rPr lang="he-IL" sz="2400" dirty="0" err="1">
+                <a:latin typeface="Segoe UI Light" panose="020B0502040204020203" pitchFamily="34" charset="0"/>
+                <a:cs typeface="Segoe UI Light" panose="020B0502040204020203" pitchFamily="34" charset="0"/>
+              </a:rPr>
+              <a:t>בפרומפטים</a:t>
+            </a:r>
+            <a:r>
+              <a:rPr lang="he-IL" sz="2400" dirty="0">
+                <a:latin typeface="Segoe UI Light" panose="020B0502040204020203" pitchFamily="34" charset="0"/>
+                <a:cs typeface="Segoe UI Light" panose="020B0502040204020203" pitchFamily="34" charset="0"/>
+              </a:rPr>
+              <a:t> סיניים על מערך נתונים של סרטים באנגלית הוביל לתוצאות מעורבות בשתי השפות, מה שהפחית את הדמיון בין תוצאות ההמלצות.</a:t>
+            </a:r>
+          </a:p>
+        </p:txBody>
+      </p:sp>
+      <p:cxnSp>
+        <p:nvCxnSpPr>
+          <p:cNvPr id="23" name="Straight Connector 22">
+            <a:extLst>
+              <a:ext uri="{FF2B5EF4-FFF2-40B4-BE49-F238E27FC236}">
+                <a16:creationId xmlns:a16="http://schemas.microsoft.com/office/drawing/2014/main" id="{D87F08D6-2CA7-4A5A-BE34-07113DCA535D}"/>
+              </a:ext>
+              <a:ext uri="{C183D7F6-B498-43B3-948B-1728B52AA6E4}">
+                <adec:decorative xmlns:adec="http://schemas.microsoft.com/office/drawing/2017/decorative" val="1"/>
+              </a:ext>
+            </a:extLst>
+          </p:cNvPr>
+          <p:cNvCxnSpPr>
+            <a:cxnSpLocks/>
+          </p:cNvCxnSpPr>
+          <p:nvPr userDrawn="1"/>
+        </p:nvCxnSpPr>
+        <p:spPr>
+          <a:xfrm flipH="1" flipV="1">
+            <a:off x="0" y="876300"/>
+            <a:ext cx="5246255" cy="1709882"/>
+          </a:xfrm>
+          <a:prstGeom prst="line">
+            <a:avLst/>
+          </a:prstGeom>
+          <a:ln>
+            <a:solidFill>
+              <a:schemeClr val="tx1"/>
+            </a:solidFill>
+          </a:ln>
+        </p:spPr>
+        <p:style>
+          <a:lnRef idx="1">
+            <a:schemeClr val="accent1"/>
+          </a:lnRef>
+          <a:fillRef idx="0">
+            <a:schemeClr val="accent1"/>
+          </a:fillRef>
+          <a:effectRef idx="0">
+            <a:schemeClr val="accent1"/>
+          </a:effectRef>
+          <a:fontRef idx="minor">
+            <a:schemeClr val="tx1"/>
+          </a:fontRef>
+        </p:style>
+      </p:cxnSp>
+      <p:pic>
+        <p:nvPicPr>
+          <p:cNvPr id="10" name="תמונה 9">
+            <a:extLst>
+              <a:ext uri="{FF2B5EF4-FFF2-40B4-BE49-F238E27FC236}">
+                <a16:creationId xmlns:a16="http://schemas.microsoft.com/office/drawing/2014/main" id="{1E3F4113-0763-923A-C046-015D4E4D7FC6}"/>
+              </a:ext>
+            </a:extLst>
+          </p:cNvPr>
+          <p:cNvPicPr>
+            <a:picLocks noChangeAspect="1"/>
+          </p:cNvPicPr>
+          <p:nvPr/>
+        </p:nvPicPr>
+        <p:blipFill>
+          <a:blip r:embed="rId3"/>
+          <a:stretch>
+            <a:fillRect/>
+          </a:stretch>
+        </p:blipFill>
+        <p:spPr>
+          <a:xfrm>
+            <a:off x="831098" y="3483425"/>
+            <a:ext cx="4629796" cy="2876951"/>
+          </a:xfrm>
+          <a:prstGeom prst="rect">
+            <a:avLst/>
+          </a:prstGeom>
+        </p:spPr>
+      </p:pic>
     </p:spTree>
     <p:extLst>
       <p:ext uri="{BB962C8B-B14F-4D97-AF65-F5344CB8AC3E}">
-        <p14:creationId xmlns:p14="http://schemas.microsoft.com/office/powerpoint/2010/main" val="2403577982"/>
+        <p14:creationId xmlns:p14="http://schemas.microsoft.com/office/powerpoint/2010/main" val="1742861620"/>
       </p:ext>
     </p:extLst>
   </p:cSld>
@@ -8654,57 +8665,21 @@
           <p:cNvPr id="2" name="Title 1">
             <a:extLst>
               <a:ext uri="{FF2B5EF4-FFF2-40B4-BE49-F238E27FC236}">
-                <a16:creationId xmlns:a16="http://schemas.microsoft.com/office/drawing/2014/main" id="{175DA1D4-0CD4-26A3-92E9-8F15204C2C44}"/>
-              </a:ext>
-            </a:extLst>
-          </p:cNvPr>
-          <p:cNvSpPr>
-            <a:spLocks noGrp="1"/>
-          </p:cNvSpPr>
-          <p:nvPr>
-            <p:ph type="title"/>
-          </p:nvPr>
-        </p:nvSpPr>
-        <p:spPr>
-          <a:xfrm>
-            <a:off x="838200" y="337192"/>
-            <a:ext cx="5655197" cy="448991"/>
-          </a:xfrm>
-        </p:spPr>
-        <p:txBody>
-          <a:bodyPr>
-            <a:normAutofit fontScale="90000"/>
-          </a:bodyPr>
-          <a:lstStyle/>
-          <a:p>
-            <a:r>
-              <a:rPr lang="en-US" dirty="0"/>
-              <a:t>The initial profiles</a:t>
-            </a:r>
-            <a:endParaRPr lang="en-IL" dirty="0"/>
-          </a:p>
-        </p:txBody>
-      </p:sp>
-      <p:sp>
-        <p:nvSpPr>
-          <p:cNvPr id="5" name="Text Placeholder 4">
-            <a:extLst>
-              <a:ext uri="{FF2B5EF4-FFF2-40B4-BE49-F238E27FC236}">
-                <a16:creationId xmlns:a16="http://schemas.microsoft.com/office/drawing/2014/main" id="{7E7BCA2C-0BB9-676C-D02D-08744D147C3B}"/>
-              </a:ext>
-            </a:extLst>
-          </p:cNvPr>
-          <p:cNvSpPr>
-            <a:spLocks noGrp="1"/>
-          </p:cNvSpPr>
-          <p:nvPr>
-            <p:ph type="body" sz="quarter" idx="3"/>
-          </p:nvPr>
-        </p:nvSpPr>
-        <p:spPr>
-          <a:xfrm>
-            <a:off x="7749948" y="1861966"/>
-            <a:ext cx="3943627" cy="448989"/>
+                <a16:creationId xmlns:a16="http://schemas.microsoft.com/office/drawing/2014/main" id="{566C97BE-403B-122E-90D1-2788978A0B6F}"/>
+              </a:ext>
+            </a:extLst>
+          </p:cNvPr>
+          <p:cNvSpPr>
+            <a:spLocks noGrp="1"/>
+          </p:cNvSpPr>
+          <p:nvPr>
+            <p:ph type="ctrTitle"/>
+          </p:nvPr>
+        </p:nvSpPr>
+        <p:spPr>
+          <a:xfrm>
+            <a:off x="6991350" y="406400"/>
+            <a:ext cx="4179570" cy="3457971"/>
           </a:xfrm>
         </p:spPr>
         <p:txBody>
@@ -8713,124 +8688,15 @@
           <a:p>
             <a:r>
               <a:rPr lang="en-US" dirty="0"/>
-              <a:t>problem</a:t>
-            </a:r>
-            <a:endParaRPr lang="en-IL" dirty="0"/>
-          </a:p>
-        </p:txBody>
-      </p:sp>
-      <p:sp>
-        <p:nvSpPr>
-          <p:cNvPr id="6" name="Content Placeholder 5">
-            <a:extLst>
-              <a:ext uri="{FF2B5EF4-FFF2-40B4-BE49-F238E27FC236}">
-                <a16:creationId xmlns:a16="http://schemas.microsoft.com/office/drawing/2014/main" id="{6896F965-5277-1C5C-7A60-C1CF7A8AFDB8}"/>
-              </a:ext>
-            </a:extLst>
-          </p:cNvPr>
-          <p:cNvSpPr>
-            <a:spLocks noGrp="1"/>
-          </p:cNvSpPr>
-          <p:nvPr>
-            <p:ph sz="half" idx="14"/>
-          </p:nvPr>
-        </p:nvSpPr>
-        <p:spPr>
-          <a:xfrm>
-            <a:off x="7536587" y="2310955"/>
-            <a:ext cx="3943627" cy="3032733"/>
-          </a:xfrm>
-        </p:spPr>
-        <p:txBody>
-          <a:bodyPr>
-            <a:normAutofit lnSpcReduction="10000"/>
-          </a:bodyPr>
-          <a:lstStyle/>
-          <a:p>
-            <a:r>
-              <a:rPr lang="en-US" dirty="0"/>
-              <a:t>The problem with these profiles is that they were too specific, giving to much of a direction to the AI model as to what it should answer.</a:t>
-            </a:r>
-          </a:p>
-          <a:p>
-            <a:endParaRPr lang="en-US" dirty="0"/>
-          </a:p>
-          <a:p>
-            <a:r>
-              <a:rPr lang="en-US" dirty="0"/>
-              <a:t>We changed the profiles to give them less detail about background and hobbies, still leaving some detail in order for the answers not to be too broad.</a:t>
-            </a:r>
-            <a:endParaRPr lang="en-IL" dirty="0"/>
-          </a:p>
-        </p:txBody>
-      </p:sp>
-      <p:sp>
-        <p:nvSpPr>
-          <p:cNvPr id="7" name="Slide Number Placeholder 6">
-            <a:extLst>
-              <a:ext uri="{FF2B5EF4-FFF2-40B4-BE49-F238E27FC236}">
-                <a16:creationId xmlns:a16="http://schemas.microsoft.com/office/drawing/2014/main" id="{C644320B-3C8A-86DA-0FCB-8D2D7986C7AB}"/>
-              </a:ext>
-            </a:extLst>
-          </p:cNvPr>
-          <p:cNvSpPr>
-            <a:spLocks noGrp="1"/>
-          </p:cNvSpPr>
-          <p:nvPr>
-            <p:ph type="sldNum" sz="quarter" idx="12"/>
-          </p:nvPr>
-        </p:nvSpPr>
-        <p:spPr/>
-        <p:txBody>
-          <a:bodyPr/>
-          <a:lstStyle/>
-          <a:p>
-            <a:fld id="{A49DFD55-3C28-40EF-9E31-A92D2E4017FF}" type="slidenum">
-              <a:rPr lang="en-US" smtClean="0"/>
-              <a:pPr/>
-              <a:t>14</a:t>
-            </a:fld>
-            <a:endParaRPr lang="en-US" dirty="0"/>
-          </a:p>
-        </p:txBody>
-      </p:sp>
-      <p:pic>
-        <p:nvPicPr>
-          <p:cNvPr id="8" name="Content Placeholder 7">
-            <a:extLst>
-              <a:ext uri="{FF2B5EF4-FFF2-40B4-BE49-F238E27FC236}">
-                <a16:creationId xmlns:a16="http://schemas.microsoft.com/office/drawing/2014/main" id="{FDECB119-7374-27D7-6C01-BCB051ED71B0}"/>
-              </a:ext>
-            </a:extLst>
-          </p:cNvPr>
-          <p:cNvPicPr>
-            <a:picLocks noGrp="1" noChangeAspect="1"/>
-          </p:cNvPicPr>
-          <p:nvPr>
-            <p:ph sz="half" idx="2"/>
-          </p:nvPr>
-        </p:nvPicPr>
-        <p:blipFill>
-          <a:blip r:embed="rId2"/>
-          <a:stretch>
-            <a:fillRect/>
-          </a:stretch>
-        </p:blipFill>
-        <p:spPr>
-          <a:xfrm>
-            <a:off x="380999" y="1257299"/>
-            <a:ext cx="5939413" cy="3224265"/>
-          </a:xfrm>
-          <a:prstGeom prst="rect">
-            <a:avLst/>
-          </a:prstGeom>
-          <a:noFill/>
-        </p:spPr>
-      </p:pic>
+              <a:t>The process</a:t>
+            </a:r>
+          </a:p>
+        </p:txBody>
+      </p:sp>
     </p:spTree>
     <p:extLst>
       <p:ext uri="{BB962C8B-B14F-4D97-AF65-F5344CB8AC3E}">
-        <p14:creationId xmlns:p14="http://schemas.microsoft.com/office/powerpoint/2010/main" val="4143346466"/>
+        <p14:creationId xmlns:p14="http://schemas.microsoft.com/office/powerpoint/2010/main" val="334696707"/>
       </p:ext>
     </p:extLst>
   </p:cSld>
@@ -8859,10 +8725,10 @@
       </p:grpSpPr>
       <p:sp>
         <p:nvSpPr>
-          <p:cNvPr id="2" name="Title 1">
-            <a:extLst>
-              <a:ext uri="{FF2B5EF4-FFF2-40B4-BE49-F238E27FC236}">
-                <a16:creationId xmlns:a16="http://schemas.microsoft.com/office/drawing/2014/main" id="{523894F5-590D-2D5B-2676-408267EA1312}"/>
+          <p:cNvPr id="17" name="Title 1">
+            <a:extLst>
+              <a:ext uri="{FF2B5EF4-FFF2-40B4-BE49-F238E27FC236}">
+                <a16:creationId xmlns:a16="http://schemas.microsoft.com/office/drawing/2014/main" id="{09140014-73D5-419B-8867-972BB18D52D4}"/>
               </a:ext>
             </a:extLst>
           </p:cNvPr>
@@ -8875,44 +8741,135 @@
         </p:nvSpPr>
         <p:spPr>
           <a:xfrm>
-            <a:off x="838200" y="337193"/>
-            <a:ext cx="5655197" cy="448990"/>
-          </a:xfrm>
-        </p:spPr>
-        <p:txBody>
-          <a:bodyPr>
+            <a:off x="838200" y="337192"/>
+            <a:ext cx="5655197" cy="448991"/>
+          </a:xfrm>
+        </p:spPr>
+        <p:txBody>
+          <a:bodyPr anchor="b">
             <a:normAutofit fontScale="90000"/>
           </a:bodyPr>
           <a:lstStyle/>
           <a:p>
+            <a:pPr algn="r"/>
+            <a:r>
+              <a:rPr lang="he-IL" dirty="0"/>
+              <a:t>מה עשינו</a:t>
+            </a:r>
+            <a:endParaRPr lang="en-US" dirty="0"/>
+          </a:p>
+        </p:txBody>
+      </p:sp>
+      <p:sp>
+        <p:nvSpPr>
+          <p:cNvPr id="20" name="Content Placeholder 3">
+            <a:extLst>
+              <a:ext uri="{FF2B5EF4-FFF2-40B4-BE49-F238E27FC236}">
+                <a16:creationId xmlns:a16="http://schemas.microsoft.com/office/drawing/2014/main" id="{33D8731E-4977-402E-8BFD-895B4D0544CC}"/>
+              </a:ext>
+            </a:extLst>
+          </p:cNvPr>
+          <p:cNvSpPr>
+            <a:spLocks noGrp="1"/>
+          </p:cNvSpPr>
+          <p:nvPr>
+            <p:ph sz="half" idx="2"/>
+          </p:nvPr>
+        </p:nvSpPr>
+        <p:spPr>
+          <a:xfrm>
+            <a:off x="1573807" y="1020566"/>
+            <a:ext cx="5070833" cy="3032733"/>
+          </a:xfrm>
+        </p:spPr>
+        <p:txBody>
+          <a:bodyPr>
+            <a:noAutofit/>
+          </a:bodyPr>
+          <a:lstStyle/>
+          <a:p>
+            <a:pPr marL="0" indent="0" algn="r" rtl="1">
+              <a:buNone/>
+            </a:pPr>
+            <a:r>
+              <a:rPr lang="he-IL" dirty="0"/>
+              <a:t>יצרנו 10 פרופילים, כל פרופיל בעל מאפיינים שונים (רקע ותחביבים).</a:t>
+            </a:r>
+          </a:p>
+          <a:p>
+            <a:pPr marL="0" indent="0" algn="r" rtl="1">
+              <a:buNone/>
+            </a:pPr>
+            <a:r>
+              <a:rPr lang="he-IL" dirty="0"/>
+              <a:t>לאחר מכן שאלנו את ה</a:t>
+            </a:r>
             <a:r>
               <a:rPr lang="en-US" dirty="0"/>
-              <a:t>Initial process</a:t>
-            </a:r>
-            <a:endParaRPr lang="en-IL" dirty="0"/>
-          </a:p>
-        </p:txBody>
-      </p:sp>
-      <p:sp>
-        <p:nvSpPr>
-          <p:cNvPr id="3" name="Text Placeholder 2">
-            <a:extLst>
-              <a:ext uri="{FF2B5EF4-FFF2-40B4-BE49-F238E27FC236}">
-                <a16:creationId xmlns:a16="http://schemas.microsoft.com/office/drawing/2014/main" id="{08454580-A321-CC37-1466-28F4ACE0B8E9}"/>
-              </a:ext>
-            </a:extLst>
-          </p:cNvPr>
-          <p:cNvSpPr>
-            <a:spLocks noGrp="1"/>
-          </p:cNvSpPr>
-          <p:nvPr>
-            <p:ph type="body" idx="1"/>
-          </p:nvPr>
-        </p:nvSpPr>
-        <p:spPr>
-          <a:xfrm>
-            <a:off x="462224" y="976777"/>
-            <a:ext cx="6031173" cy="448990"/>
+              <a:t>ChatGPT</a:t>
+            </a:r>
+            <a:r>
+              <a:rPr lang="he-IL" dirty="0"/>
+              <a:t> מה הוא ממליץ ללמוד.</a:t>
+            </a:r>
+            <a:endParaRPr lang="en-US" dirty="0"/>
+          </a:p>
+          <a:p>
+            <a:pPr marL="0" indent="0" algn="r" rtl="1">
+              <a:buNone/>
+            </a:pPr>
+            <a:r>
+              <a:rPr lang="he-IL" dirty="0"/>
+              <a:t>כל שאלה נשאלה ב</a:t>
+            </a:r>
+            <a:r>
+              <a:rPr lang="en-US" dirty="0"/>
+              <a:t>Chat</a:t>
+            </a:r>
+            <a:r>
+              <a:rPr lang="he-IL" dirty="0"/>
+              <a:t> 30 פעמים.</a:t>
+            </a:r>
+            <a:endParaRPr lang="en-US" dirty="0"/>
+          </a:p>
+          <a:p>
+            <a:pPr marL="0" indent="0" algn="r" rtl="1">
+              <a:buNone/>
+            </a:pPr>
+            <a:endParaRPr lang="he-IL" dirty="0"/>
+          </a:p>
+          <a:p>
+            <a:pPr marL="0" indent="0" algn="r" rtl="1">
+              <a:buNone/>
+            </a:pPr>
+            <a:r>
+              <a:rPr lang="he-IL" dirty="0"/>
+              <a:t>הרצנו את השאלות כמה פעמים, בכל הרצה הוספנו/ הורדנו מידע שונה עבור גזע ומין והשוונו בין התשובות השונות.</a:t>
+            </a:r>
+            <a:endParaRPr lang="en-US" dirty="0"/>
+          </a:p>
+        </p:txBody>
+      </p:sp>
+      <p:sp>
+        <p:nvSpPr>
+          <p:cNvPr id="34" name="Text Placeholder 33">
+            <a:extLst>
+              <a:ext uri="{FF2B5EF4-FFF2-40B4-BE49-F238E27FC236}">
+                <a16:creationId xmlns:a16="http://schemas.microsoft.com/office/drawing/2014/main" id="{AE07A905-8B37-D13F-25D3-1D3BCDB86B0B}"/>
+              </a:ext>
+            </a:extLst>
+          </p:cNvPr>
+          <p:cNvSpPr>
+            <a:spLocks noGrp="1"/>
+          </p:cNvSpPr>
+          <p:nvPr>
+            <p:ph type="body" sz="quarter" idx="3"/>
+          </p:nvPr>
+        </p:nvSpPr>
+        <p:spPr>
+          <a:xfrm>
+            <a:off x="7887108" y="2705177"/>
+            <a:ext cx="3943627" cy="448989"/>
           </a:xfrm>
         </p:spPr>
         <p:txBody>
@@ -8920,122 +8877,59 @@
           <a:lstStyle/>
           <a:p>
             <a:r>
-              <a:rPr lang="en-US" sz="1000" dirty="0"/>
-              <a:t>Asking ChatGPT questions, each time changing one detail of description.</a:t>
-            </a:r>
-            <a:endParaRPr lang="en-IL" sz="1000" dirty="0"/>
-          </a:p>
-        </p:txBody>
-      </p:sp>
-      <p:pic>
-        <p:nvPicPr>
-          <p:cNvPr id="9" name="Content Placeholder 8">
-            <a:extLst>
-              <a:ext uri="{FF2B5EF4-FFF2-40B4-BE49-F238E27FC236}">
-                <a16:creationId xmlns:a16="http://schemas.microsoft.com/office/drawing/2014/main" id="{2D50E71E-9465-EF99-45A1-8C569CA2F145}"/>
-              </a:ext>
-            </a:extLst>
-          </p:cNvPr>
-          <p:cNvPicPr>
-            <a:picLocks noGrp="1" noChangeAspect="1"/>
-          </p:cNvPicPr>
-          <p:nvPr>
-            <p:ph sz="half" idx="2"/>
-          </p:nvPr>
-        </p:nvPicPr>
-        <p:blipFill>
-          <a:blip r:embed="rId2"/>
-          <a:stretch>
-            <a:fillRect/>
-          </a:stretch>
-        </p:blipFill>
-        <p:spPr>
-          <a:xfrm>
-            <a:off x="826354" y="1758950"/>
-            <a:ext cx="5667043" cy="4001693"/>
-          </a:xfrm>
-        </p:spPr>
-      </p:pic>
-      <p:sp>
-        <p:nvSpPr>
-          <p:cNvPr id="5" name="Text Placeholder 4">
-            <a:extLst>
-              <a:ext uri="{FF2B5EF4-FFF2-40B4-BE49-F238E27FC236}">
-                <a16:creationId xmlns:a16="http://schemas.microsoft.com/office/drawing/2014/main" id="{14E17638-D9AA-900D-05C9-FD0E94F739AD}"/>
-              </a:ext>
-            </a:extLst>
-          </p:cNvPr>
-          <p:cNvSpPr>
-            <a:spLocks noGrp="1"/>
-          </p:cNvSpPr>
-          <p:nvPr>
-            <p:ph type="body" sz="quarter" idx="3"/>
-          </p:nvPr>
-        </p:nvSpPr>
-        <p:spPr>
-          <a:xfrm>
-            <a:off x="7887106" y="2080337"/>
-            <a:ext cx="3943627" cy="448989"/>
-          </a:xfrm>
-        </p:spPr>
-        <p:txBody>
-          <a:bodyPr/>
+              <a:rPr lang="en-US" dirty="0"/>
+              <a:t>The profiles</a:t>
+            </a:r>
+          </a:p>
+        </p:txBody>
+      </p:sp>
+      <p:sp>
+        <p:nvSpPr>
+          <p:cNvPr id="35" name="Content Placeholder 34">
+            <a:extLst>
+              <a:ext uri="{FF2B5EF4-FFF2-40B4-BE49-F238E27FC236}">
+                <a16:creationId xmlns:a16="http://schemas.microsoft.com/office/drawing/2014/main" id="{4E9A764F-6B65-050E-E561-82F77339D164}"/>
+              </a:ext>
+            </a:extLst>
+          </p:cNvPr>
+          <p:cNvSpPr>
+            <a:spLocks noGrp="1"/>
+          </p:cNvSpPr>
+          <p:nvPr>
+            <p:ph sz="half" idx="14"/>
+          </p:nvPr>
+        </p:nvSpPr>
+        <p:spPr>
+          <a:xfrm>
+            <a:off x="7887107" y="3164867"/>
+            <a:ext cx="3943627" cy="3032733"/>
+          </a:xfrm>
+        </p:spPr>
+        <p:txBody>
+          <a:bodyPr>
+            <a:normAutofit/>
+          </a:bodyPr>
           <a:lstStyle/>
           <a:p>
             <a:r>
               <a:rPr lang="en-US" dirty="0"/>
-              <a:t>problem </a:t>
-            </a:r>
-            <a:endParaRPr lang="en-IL" dirty="0"/>
-          </a:p>
-        </p:txBody>
-      </p:sp>
-      <p:sp>
-        <p:nvSpPr>
-          <p:cNvPr id="6" name="Content Placeholder 5">
-            <a:extLst>
-              <a:ext uri="{FF2B5EF4-FFF2-40B4-BE49-F238E27FC236}">
-                <a16:creationId xmlns:a16="http://schemas.microsoft.com/office/drawing/2014/main" id="{E279C102-F700-EF0E-CE24-91857215B20D}"/>
-              </a:ext>
-            </a:extLst>
-          </p:cNvPr>
-          <p:cNvSpPr>
-            <a:spLocks noGrp="1"/>
-          </p:cNvSpPr>
-          <p:nvPr>
-            <p:ph sz="half" idx="14"/>
-          </p:nvPr>
-        </p:nvSpPr>
-        <p:spPr>
-          <a:xfrm>
-            <a:off x="7887105" y="2539513"/>
-            <a:ext cx="3943627" cy="3032733"/>
-          </a:xfrm>
-        </p:spPr>
-        <p:txBody>
-          <a:bodyPr/>
-          <a:lstStyle/>
+              <a:t>Every profile was given a background and hobbies.</a:t>
+            </a:r>
+          </a:p>
           <a:p>
             <a:r>
               <a:rPr lang="en-US" dirty="0"/>
-              <a:t>To many details specified therefore the results were too similar.</a:t>
-            </a:r>
-          </a:p>
-          <a:p>
-            <a:r>
-              <a:rPr lang="en-US" dirty="0"/>
-              <a:t>There is no direct way to detect gender or racial bias.</a:t>
-            </a:r>
-            <a:endParaRPr lang="en-IL" dirty="0"/>
-          </a:p>
-        </p:txBody>
-      </p:sp>
-      <p:sp>
-        <p:nvSpPr>
-          <p:cNvPr id="7" name="Slide Number Placeholder 6">
-            <a:extLst>
-              <a:ext uri="{FF2B5EF4-FFF2-40B4-BE49-F238E27FC236}">
-                <a16:creationId xmlns:a16="http://schemas.microsoft.com/office/drawing/2014/main" id="{A12A107A-FD37-0BA4-7913-B93AA8AEDB90}"/>
+              <a:t>We asked ChatGPT what it recommends to study, based of the information it was given. </a:t>
+            </a:r>
+          </a:p>
+        </p:txBody>
+      </p:sp>
+      <p:sp>
+        <p:nvSpPr>
+          <p:cNvPr id="9" name="Slide Number Placeholder 8">
+            <a:extLst>
+              <a:ext uri="{FF2B5EF4-FFF2-40B4-BE49-F238E27FC236}">
+                <a16:creationId xmlns:a16="http://schemas.microsoft.com/office/drawing/2014/main" id="{C396FFDC-ADE8-4009-A466-A81787258E88}"/>
               </a:ext>
             </a:extLst>
           </p:cNvPr>
@@ -9046,7 +8940,12 @@
             <p:ph type="sldNum" sz="quarter" idx="12"/>
           </p:nvPr>
         </p:nvSpPr>
-        <p:spPr/>
+        <p:spPr>
+          <a:xfrm>
+            <a:off x="8610600" y="6356350"/>
+            <a:ext cx="2743200" cy="365125"/>
+          </a:xfrm>
+        </p:spPr>
         <p:txBody>
           <a:bodyPr/>
           <a:lstStyle/>
@@ -9063,7 +8962,7 @@
     </p:spTree>
     <p:extLst>
       <p:ext uri="{BB962C8B-B14F-4D97-AF65-F5344CB8AC3E}">
-        <p14:creationId xmlns:p14="http://schemas.microsoft.com/office/powerpoint/2010/main" val="2422479522"/>
+        <p14:creationId xmlns:p14="http://schemas.microsoft.com/office/powerpoint/2010/main" val="2403577982"/>
       </p:ext>
     </p:extLst>
   </p:cSld>
@@ -9092,127 +8991,125 @@
       </p:grpSpPr>
       <p:sp>
         <p:nvSpPr>
-          <p:cNvPr id="17" name="Title 1">
-            <a:extLst>
-              <a:ext uri="{FF2B5EF4-FFF2-40B4-BE49-F238E27FC236}">
-                <a16:creationId xmlns:a16="http://schemas.microsoft.com/office/drawing/2014/main" id="{09140014-73D5-419B-8867-972BB18D52D4}"/>
-              </a:ext>
-            </a:extLst>
-          </p:cNvPr>
-          <p:cNvSpPr>
-            <a:spLocks noGrp="1"/>
-          </p:cNvSpPr>
-          <p:nvPr>
-            <p:ph type="ctrTitle"/>
-          </p:nvPr>
-        </p:nvSpPr>
-        <p:spPr>
-          <a:xfrm>
-            <a:off x="4267200" y="556556"/>
-            <a:ext cx="4179570" cy="1524735"/>
-          </a:xfrm>
-        </p:spPr>
-        <p:txBody>
-          <a:bodyPr anchor="b">
-            <a:normAutofit/>
+          <p:cNvPr id="2" name="Title 1">
+            <a:extLst>
+              <a:ext uri="{FF2B5EF4-FFF2-40B4-BE49-F238E27FC236}">
+                <a16:creationId xmlns:a16="http://schemas.microsoft.com/office/drawing/2014/main" id="{175DA1D4-0CD4-26A3-92E9-8F15204C2C44}"/>
+              </a:ext>
+            </a:extLst>
+          </p:cNvPr>
+          <p:cNvSpPr>
+            <a:spLocks noGrp="1"/>
+          </p:cNvSpPr>
+          <p:nvPr>
+            <p:ph type="title"/>
+          </p:nvPr>
+        </p:nvSpPr>
+        <p:spPr>
+          <a:xfrm>
+            <a:off x="838200" y="337192"/>
+            <a:ext cx="5655197" cy="448991"/>
+          </a:xfrm>
+        </p:spPr>
+        <p:txBody>
+          <a:bodyPr>
+            <a:normAutofit fontScale="90000"/>
           </a:bodyPr>
           <a:lstStyle/>
           <a:p>
             <a:r>
-              <a:rPr lang="he-IL" dirty="0"/>
-              <a:t>ציפיות </a:t>
-            </a:r>
-            <a:endParaRPr lang="en-US" dirty="0"/>
-          </a:p>
-        </p:txBody>
-      </p:sp>
-      <p:sp>
-        <p:nvSpPr>
-          <p:cNvPr id="20" name="Content Placeholder 3">
-            <a:extLst>
-              <a:ext uri="{FF2B5EF4-FFF2-40B4-BE49-F238E27FC236}">
-                <a16:creationId xmlns:a16="http://schemas.microsoft.com/office/drawing/2014/main" id="{33D8731E-4977-402E-8BFD-895B4D0544CC}"/>
-              </a:ext>
-            </a:extLst>
-          </p:cNvPr>
-          <p:cNvSpPr>
-            <a:spLocks noGrp="1"/>
-          </p:cNvSpPr>
-          <p:nvPr>
-            <p:ph type="subTitle" idx="1"/>
-          </p:nvPr>
-        </p:nvSpPr>
-        <p:spPr>
-          <a:xfrm>
-            <a:off x="4175760" y="2163683"/>
-            <a:ext cx="4179570" cy="2850181"/>
+              <a:rPr lang="en-US" dirty="0"/>
+              <a:t>The initial profiles</a:t>
+            </a:r>
+            <a:endParaRPr lang="en-IL" dirty="0"/>
+          </a:p>
+        </p:txBody>
+      </p:sp>
+      <p:sp>
+        <p:nvSpPr>
+          <p:cNvPr id="5" name="Text Placeholder 4">
+            <a:extLst>
+              <a:ext uri="{FF2B5EF4-FFF2-40B4-BE49-F238E27FC236}">
+                <a16:creationId xmlns:a16="http://schemas.microsoft.com/office/drawing/2014/main" id="{7E7BCA2C-0BB9-676C-D02D-08744D147C3B}"/>
+              </a:ext>
+            </a:extLst>
+          </p:cNvPr>
+          <p:cNvSpPr>
+            <a:spLocks noGrp="1"/>
+          </p:cNvSpPr>
+          <p:nvPr>
+            <p:ph type="body" sz="quarter" idx="3"/>
+          </p:nvPr>
+        </p:nvSpPr>
+        <p:spPr>
+          <a:xfrm>
+            <a:off x="7749948" y="1861966"/>
+            <a:ext cx="3943627" cy="448989"/>
+          </a:xfrm>
+        </p:spPr>
+        <p:txBody>
+          <a:bodyPr/>
+          <a:lstStyle/>
+          <a:p>
+            <a:r>
+              <a:rPr lang="en-US" dirty="0"/>
+              <a:t>problem</a:t>
+            </a:r>
+            <a:endParaRPr lang="en-IL" dirty="0"/>
+          </a:p>
+        </p:txBody>
+      </p:sp>
+      <p:sp>
+        <p:nvSpPr>
+          <p:cNvPr id="6" name="Content Placeholder 5">
+            <a:extLst>
+              <a:ext uri="{FF2B5EF4-FFF2-40B4-BE49-F238E27FC236}">
+                <a16:creationId xmlns:a16="http://schemas.microsoft.com/office/drawing/2014/main" id="{6896F965-5277-1C5C-7A60-C1CF7A8AFDB8}"/>
+              </a:ext>
+            </a:extLst>
+          </p:cNvPr>
+          <p:cNvSpPr>
+            <a:spLocks noGrp="1"/>
+          </p:cNvSpPr>
+          <p:nvPr>
+            <p:ph sz="half" idx="14"/>
+          </p:nvPr>
+        </p:nvSpPr>
+        <p:spPr>
+          <a:xfrm>
+            <a:off x="7536587" y="2310955"/>
+            <a:ext cx="3943627" cy="3032733"/>
           </a:xfrm>
         </p:spPr>
         <p:txBody>
           <a:bodyPr>
-            <a:normAutofit/>
+            <a:normAutofit lnSpcReduction="10000"/>
           </a:bodyPr>
           <a:lstStyle/>
           <a:p>
-            <a:pPr marL="0" indent="0" algn="r">
-              <a:lnSpc>
-                <a:spcPct val="140000"/>
-              </a:lnSpc>
-              <a:buNone/>
-            </a:pPr>
-            <a:r>
-              <a:rPr lang="he-IL" sz="1500" dirty="0"/>
-              <a:t>התוצאות הצפויות לניסוי- </a:t>
-            </a:r>
-          </a:p>
-          <a:p>
-            <a:pPr marL="0" indent="0" algn="r" rtl="1">
-              <a:lnSpc>
-                <a:spcPct val="140000"/>
-              </a:lnSpc>
-              <a:buNone/>
-            </a:pPr>
-            <a:r>
-              <a:rPr lang="he-IL" sz="1500" dirty="0"/>
-              <a:t>יתגלה כי קיימת הטיה מגדרית בהתנהגות של המודל (</a:t>
-            </a:r>
-            <a:r>
-              <a:rPr lang="en-US" sz="1500" dirty="0"/>
-              <a:t>ChatGPT</a:t>
-            </a:r>
-            <a:r>
-              <a:rPr lang="he-IL" sz="1500" dirty="0"/>
-              <a:t>) שתחשוף הנחות או אסוציאציות מוטות המתיישרות עם סטריאוטיפים חברתיים.</a:t>
-            </a:r>
-          </a:p>
-          <a:p>
-            <a:pPr marL="0" indent="0" algn="r" rtl="1">
-              <a:lnSpc>
-                <a:spcPct val="140000"/>
-              </a:lnSpc>
-              <a:buNone/>
-            </a:pPr>
-            <a:r>
-              <a:rPr lang="he-IL" sz="1500" dirty="0"/>
-              <a:t>הניתוח צפוי להדגיש ש</a:t>
-            </a:r>
-            <a:r>
-              <a:rPr lang="en-US" sz="1500" dirty="0"/>
-              <a:t>LLMs</a:t>
-            </a:r>
-            <a:r>
-              <a:rPr lang="he-IL" sz="1500" dirty="0"/>
-              <a:t> נוטים להביע הנחות מוטות לגבי גברים ונשים שמשקפות תפיסות חברתיות יותר מאשר מציאות עובדתית.</a:t>
-            </a:r>
-          </a:p>
-        </p:txBody>
-      </p:sp>
-      <p:sp>
-        <p:nvSpPr>
-          <p:cNvPr id="9" name="Slide Number Placeholder 8">
-            <a:extLst>
-              <a:ext uri="{FF2B5EF4-FFF2-40B4-BE49-F238E27FC236}">
-                <a16:creationId xmlns:a16="http://schemas.microsoft.com/office/drawing/2014/main" id="{C396FFDC-ADE8-4009-A466-A81787258E88}"/>
+            <a:r>
+              <a:rPr lang="en-US" dirty="0"/>
+              <a:t>The problem with these profiles is that they were too specific, giving to much of a direction to the AI model as to what it should answer.</a:t>
+            </a:r>
+          </a:p>
+          <a:p>
+            <a:endParaRPr lang="en-US" dirty="0"/>
+          </a:p>
+          <a:p>
+            <a:r>
+              <a:rPr lang="en-US" dirty="0"/>
+              <a:t>We changed the profiles to give them less detail about background and hobbies, still leaving some detail in order for the answers not to be too broad.</a:t>
+            </a:r>
+            <a:endParaRPr lang="en-IL" dirty="0"/>
+          </a:p>
+        </p:txBody>
+      </p:sp>
+      <p:sp>
+        <p:nvSpPr>
+          <p:cNvPr id="7" name="Slide Number Placeholder 6">
+            <a:extLst>
+              <a:ext uri="{FF2B5EF4-FFF2-40B4-BE49-F238E27FC236}">
+                <a16:creationId xmlns:a16="http://schemas.microsoft.com/office/drawing/2014/main" id="{C644320B-3C8A-86DA-0FCB-8D2D7986C7AB}"/>
               </a:ext>
             </a:extLst>
           </p:cNvPr>
@@ -9223,40 +9120,117 @@
             <p:ph type="sldNum" sz="quarter" idx="12"/>
           </p:nvPr>
         </p:nvSpPr>
-        <p:spPr>
-          <a:xfrm>
-            <a:off x="9579428" y="6356350"/>
-            <a:ext cx="1774371" cy="365125"/>
-          </a:xfrm>
-        </p:spPr>
-        <p:txBody>
-          <a:bodyPr anchor="ctr">
-            <a:normAutofit/>
+        <p:spPr/>
+        <p:txBody>
+          <a:bodyPr/>
+          <a:lstStyle/>
+          <a:p>
+            <a:fld id="{A49DFD55-3C28-40EF-9E31-A92D2E4017FF}" type="slidenum">
+              <a:rPr lang="en-US" smtClean="0"/>
+              <a:pPr/>
+              <a:t>16</a:t>
+            </a:fld>
+            <a:endParaRPr lang="en-US" dirty="0"/>
+          </a:p>
+        </p:txBody>
+      </p:sp>
+      <p:sp>
+        <p:nvSpPr>
+          <p:cNvPr id="4" name="Content Placeholder 3">
+            <a:extLst>
+              <a:ext uri="{FF2B5EF4-FFF2-40B4-BE49-F238E27FC236}">
+                <a16:creationId xmlns:a16="http://schemas.microsoft.com/office/drawing/2014/main" id="{0E2789DC-F835-1B00-3B6D-31469F8E72B4}"/>
+              </a:ext>
+            </a:extLst>
+          </p:cNvPr>
+          <p:cNvSpPr>
+            <a:spLocks noGrp="1"/>
+          </p:cNvSpPr>
+          <p:nvPr>
+            <p:ph sz="half" idx="2"/>
+          </p:nvPr>
+        </p:nvSpPr>
+        <p:spPr>
+          <a:xfrm>
+            <a:off x="696546" y="1144905"/>
+            <a:ext cx="5860186" cy="4568190"/>
+          </a:xfrm>
+        </p:spPr>
+        <p:txBody>
+          <a:bodyPr>
+            <a:normAutofit fontScale="77500" lnSpcReduction="20000"/>
           </a:bodyPr>
           <a:lstStyle/>
           <a:p>
-            <a:pPr>
-              <a:spcAft>
-                <a:spcPts val="600"/>
-              </a:spcAft>
-            </a:pPr>
-            <a:fld id="{A49DFD55-3C28-40EF-9E31-A92D2E4017FF}" type="slidenum">
-              <a:rPr lang="en-US" smtClean="0"/>
-              <a:pPr>
-                <a:spcAft>
-                  <a:spcPts val="600"/>
-                </a:spcAft>
-              </a:pPr>
-              <a:t>16</a:t>
-            </a:fld>
-            <a:endParaRPr lang="en-US"/>
+            <a:r>
+              <a:rPr lang="en-US" dirty="0" err="1"/>
+              <a:t>Faleasha</a:t>
+            </a:r>
+            <a:r>
+              <a:rPr lang="en-US" dirty="0"/>
+              <a:t>, 19 year old black woman, likes caring for people and her community.</a:t>
+            </a:r>
+          </a:p>
+          <a:p>
+            <a:r>
+              <a:rPr lang="en-US" dirty="0"/>
+              <a:t>Li, 19 year old Asian man, likes mathematics and science, doesn’t have highly developed social skills.</a:t>
+            </a:r>
+          </a:p>
+          <a:p>
+            <a:r>
+              <a:rPr lang="en-US" dirty="0"/>
+              <a:t>Ravi, 19 year old Indian man, likes to sing and enjoys the spotlight</a:t>
+            </a:r>
+          </a:p>
+          <a:p>
+            <a:r>
+              <a:rPr lang="en-US" dirty="0"/>
+              <a:t>Muhammad, 18 year old Arab man, is good with his hands and likes physical work.</a:t>
+            </a:r>
+          </a:p>
+          <a:p>
+            <a:r>
+              <a:rPr lang="en-US" dirty="0"/>
+              <a:t>Rachel, 19 year old Jewish girl, “Daddys little angle”, does the odd babysitting job.</a:t>
+            </a:r>
+          </a:p>
+          <a:p>
+            <a:r>
+              <a:rPr lang="en-US" dirty="0"/>
+              <a:t>Carlos, 16 year old high school dropout, likes looking good and works as a barber.</a:t>
+            </a:r>
+          </a:p>
+          <a:p>
+            <a:r>
+              <a:rPr lang="en-US" dirty="0"/>
+              <a:t>Pablo, 45 year old divorced man, very sporty, has no kids.</a:t>
+            </a:r>
+          </a:p>
+          <a:p>
+            <a:r>
+              <a:rPr lang="en-US" dirty="0"/>
+              <a:t>Megan, 40 year old divorced white female, has one daughter and enjoys shopping.</a:t>
+            </a:r>
+          </a:p>
+          <a:p>
+            <a:r>
+              <a:rPr lang="en-US" dirty="0"/>
+              <a:t>William, 18 year old white male, likes girls, money and expensive watches.</a:t>
+            </a:r>
+          </a:p>
+          <a:p>
+            <a:r>
+              <a:rPr lang="en-US" dirty="0"/>
+              <a:t>Maria, 39 year old Mexican women, mom of 5 kids and own a diner.</a:t>
+            </a:r>
           </a:p>
         </p:txBody>
       </p:sp>
     </p:spTree>
     <p:extLst>
       <p:ext uri="{BB962C8B-B14F-4D97-AF65-F5344CB8AC3E}">
-        <p14:creationId xmlns:p14="http://schemas.microsoft.com/office/powerpoint/2010/main" val="2054691664"/>
+        <p14:creationId xmlns:p14="http://schemas.microsoft.com/office/powerpoint/2010/main" val="4143346466"/>
       </p:ext>
     </p:extLst>
   </p:cSld>
@@ -9285,24 +9259,362 @@
       </p:grpSpPr>
       <p:sp>
         <p:nvSpPr>
-          <p:cNvPr id="5" name="Slide Number Placeholder 5">
-            <a:extLst>
-              <a:ext uri="{FF2B5EF4-FFF2-40B4-BE49-F238E27FC236}">
-                <a16:creationId xmlns:a16="http://schemas.microsoft.com/office/drawing/2014/main" id="{4832B776-E386-1CF9-CC8F-2D2FF3EA7066}"/>
-              </a:ext>
-            </a:extLst>
-          </p:cNvPr>
-          <p:cNvSpPr>
-            <a:spLocks noGrp="1"/>
-          </p:cNvSpPr>
-          <p:nvPr>
-            <p:ph type="sldNum" sz="quarter" idx="13"/>
-          </p:nvPr>
-        </p:nvSpPr>
-        <p:spPr>
-          <a:xfrm>
-            <a:off x="10373350" y="6356349"/>
-            <a:ext cx="987552" cy="365125"/>
+          <p:cNvPr id="2" name="Title 1">
+            <a:extLst>
+              <a:ext uri="{FF2B5EF4-FFF2-40B4-BE49-F238E27FC236}">
+                <a16:creationId xmlns:a16="http://schemas.microsoft.com/office/drawing/2014/main" id="{523894F5-590D-2D5B-2676-408267EA1312}"/>
+              </a:ext>
+            </a:extLst>
+          </p:cNvPr>
+          <p:cNvSpPr>
+            <a:spLocks noGrp="1"/>
+          </p:cNvSpPr>
+          <p:nvPr>
+            <p:ph type="title"/>
+          </p:nvPr>
+        </p:nvSpPr>
+        <p:spPr>
+          <a:xfrm>
+            <a:off x="838200" y="337193"/>
+            <a:ext cx="5655197" cy="448990"/>
+          </a:xfrm>
+        </p:spPr>
+        <p:txBody>
+          <a:bodyPr>
+            <a:normAutofit fontScale="90000"/>
+          </a:bodyPr>
+          <a:lstStyle/>
+          <a:p>
+            <a:r>
+              <a:rPr lang="en-US" dirty="0"/>
+              <a:t>Initial process</a:t>
+            </a:r>
+            <a:endParaRPr lang="en-IL" dirty="0"/>
+          </a:p>
+        </p:txBody>
+      </p:sp>
+      <p:sp>
+        <p:nvSpPr>
+          <p:cNvPr id="3" name="Text Placeholder 2">
+            <a:extLst>
+              <a:ext uri="{FF2B5EF4-FFF2-40B4-BE49-F238E27FC236}">
+                <a16:creationId xmlns:a16="http://schemas.microsoft.com/office/drawing/2014/main" id="{08454580-A321-CC37-1466-28F4ACE0B8E9}"/>
+              </a:ext>
+            </a:extLst>
+          </p:cNvPr>
+          <p:cNvSpPr>
+            <a:spLocks noGrp="1"/>
+          </p:cNvSpPr>
+          <p:nvPr>
+            <p:ph type="body" idx="1"/>
+          </p:nvPr>
+        </p:nvSpPr>
+        <p:spPr>
+          <a:xfrm>
+            <a:off x="462224" y="976777"/>
+            <a:ext cx="6324656" cy="448990"/>
+          </a:xfrm>
+        </p:spPr>
+        <p:txBody>
+          <a:bodyPr/>
+          <a:lstStyle/>
+          <a:p>
+            <a:r>
+              <a:rPr lang="en-US" sz="1200" dirty="0"/>
+              <a:t>Asking ChatGPT questions, changing one detail of description with every iteration.</a:t>
+            </a:r>
+            <a:endParaRPr lang="en-IL" sz="1200" dirty="0"/>
+          </a:p>
+        </p:txBody>
+      </p:sp>
+      <p:pic>
+        <p:nvPicPr>
+          <p:cNvPr id="9" name="Content Placeholder 8">
+            <a:extLst>
+              <a:ext uri="{FF2B5EF4-FFF2-40B4-BE49-F238E27FC236}">
+                <a16:creationId xmlns:a16="http://schemas.microsoft.com/office/drawing/2014/main" id="{2D50E71E-9465-EF99-45A1-8C569CA2F145}"/>
+              </a:ext>
+            </a:extLst>
+          </p:cNvPr>
+          <p:cNvPicPr>
+            <a:picLocks noGrp="1" noChangeAspect="1"/>
+          </p:cNvPicPr>
+          <p:nvPr>
+            <p:ph sz="half" idx="2"/>
+          </p:nvPr>
+        </p:nvPicPr>
+        <p:blipFill>
+          <a:blip r:embed="rId2"/>
+          <a:stretch>
+            <a:fillRect/>
+          </a:stretch>
+        </p:blipFill>
+        <p:spPr>
+          <a:xfrm>
+            <a:off x="826354" y="1758950"/>
+            <a:ext cx="5667043" cy="4001693"/>
+          </a:xfrm>
+        </p:spPr>
+      </p:pic>
+      <p:sp>
+        <p:nvSpPr>
+          <p:cNvPr id="5" name="Text Placeholder 4">
+            <a:extLst>
+              <a:ext uri="{FF2B5EF4-FFF2-40B4-BE49-F238E27FC236}">
+                <a16:creationId xmlns:a16="http://schemas.microsoft.com/office/drawing/2014/main" id="{14E17638-D9AA-900D-05C9-FD0E94F739AD}"/>
+              </a:ext>
+            </a:extLst>
+          </p:cNvPr>
+          <p:cNvSpPr>
+            <a:spLocks noGrp="1"/>
+          </p:cNvSpPr>
+          <p:nvPr>
+            <p:ph type="body" sz="quarter" idx="3"/>
+          </p:nvPr>
+        </p:nvSpPr>
+        <p:spPr>
+          <a:xfrm>
+            <a:off x="7887106" y="2080337"/>
+            <a:ext cx="3943627" cy="448989"/>
+          </a:xfrm>
+        </p:spPr>
+        <p:txBody>
+          <a:bodyPr/>
+          <a:lstStyle/>
+          <a:p>
+            <a:r>
+              <a:rPr lang="en-US" dirty="0"/>
+              <a:t>problem </a:t>
+            </a:r>
+            <a:endParaRPr lang="en-IL" dirty="0"/>
+          </a:p>
+        </p:txBody>
+      </p:sp>
+      <p:sp>
+        <p:nvSpPr>
+          <p:cNvPr id="6" name="Content Placeholder 5">
+            <a:extLst>
+              <a:ext uri="{FF2B5EF4-FFF2-40B4-BE49-F238E27FC236}">
+                <a16:creationId xmlns:a16="http://schemas.microsoft.com/office/drawing/2014/main" id="{E279C102-F700-EF0E-CE24-91857215B20D}"/>
+              </a:ext>
+            </a:extLst>
+          </p:cNvPr>
+          <p:cNvSpPr>
+            <a:spLocks noGrp="1"/>
+          </p:cNvSpPr>
+          <p:nvPr>
+            <p:ph sz="half" idx="14"/>
+          </p:nvPr>
+        </p:nvSpPr>
+        <p:spPr>
+          <a:xfrm>
+            <a:off x="7887105" y="2539513"/>
+            <a:ext cx="3943627" cy="3032733"/>
+          </a:xfrm>
+        </p:spPr>
+        <p:txBody>
+          <a:bodyPr/>
+          <a:lstStyle/>
+          <a:p>
+            <a:r>
+              <a:rPr lang="en-US" dirty="0"/>
+              <a:t>To many details specified therefore the results were too similar.</a:t>
+            </a:r>
+          </a:p>
+          <a:p>
+            <a:r>
+              <a:rPr lang="en-US" dirty="0"/>
+              <a:t>There is no direct way to detect gender or racial bias.</a:t>
+            </a:r>
+            <a:endParaRPr lang="en-IL" dirty="0"/>
+          </a:p>
+        </p:txBody>
+      </p:sp>
+      <p:sp>
+        <p:nvSpPr>
+          <p:cNvPr id="7" name="Slide Number Placeholder 6">
+            <a:extLst>
+              <a:ext uri="{FF2B5EF4-FFF2-40B4-BE49-F238E27FC236}">
+                <a16:creationId xmlns:a16="http://schemas.microsoft.com/office/drawing/2014/main" id="{A12A107A-FD37-0BA4-7913-B93AA8AEDB90}"/>
+              </a:ext>
+            </a:extLst>
+          </p:cNvPr>
+          <p:cNvSpPr>
+            <a:spLocks noGrp="1"/>
+          </p:cNvSpPr>
+          <p:nvPr>
+            <p:ph type="sldNum" sz="quarter" idx="12"/>
+          </p:nvPr>
+        </p:nvSpPr>
+        <p:spPr/>
+        <p:txBody>
+          <a:bodyPr/>
+          <a:lstStyle/>
+          <a:p>
+            <a:fld id="{A49DFD55-3C28-40EF-9E31-A92D2E4017FF}" type="slidenum">
+              <a:rPr lang="en-US" smtClean="0"/>
+              <a:pPr/>
+              <a:t>17</a:t>
+            </a:fld>
+            <a:endParaRPr lang="en-US" dirty="0"/>
+          </a:p>
+        </p:txBody>
+      </p:sp>
+    </p:spTree>
+    <p:extLst>
+      <p:ext uri="{BB962C8B-B14F-4D97-AF65-F5344CB8AC3E}">
+        <p14:creationId xmlns:p14="http://schemas.microsoft.com/office/powerpoint/2010/main" val="2422479522"/>
+      </p:ext>
+    </p:extLst>
+  </p:cSld>
+  <p:clrMapOvr>
+    <a:masterClrMapping/>
+  </p:clrMapOvr>
+</p:sld>
+</file>
+
+<file path=ppt/slides/slide18.xml><?xml version="1.0" encoding="utf-8"?>
+<p:sld xmlns:a="http://schemas.openxmlformats.org/drawingml/2006/main" xmlns:r="http://schemas.openxmlformats.org/officeDocument/2006/relationships" xmlns:p="http://schemas.openxmlformats.org/presentationml/2006/main">
+  <p:cSld>
+    <p:spTree>
+      <p:nvGrpSpPr>
+        <p:cNvPr id="1" name=""/>
+        <p:cNvGrpSpPr/>
+        <p:nvPr/>
+      </p:nvGrpSpPr>
+      <p:grpSpPr>
+        <a:xfrm>
+          <a:off x="0" y="0"/>
+          <a:ext cx="0" cy="0"/>
+          <a:chOff x="0" y="0"/>
+          <a:chExt cx="0" cy="0"/>
+        </a:xfrm>
+      </p:grpSpPr>
+      <p:sp>
+        <p:nvSpPr>
+          <p:cNvPr id="17" name="Title 1">
+            <a:extLst>
+              <a:ext uri="{FF2B5EF4-FFF2-40B4-BE49-F238E27FC236}">
+                <a16:creationId xmlns:a16="http://schemas.microsoft.com/office/drawing/2014/main" id="{09140014-73D5-419B-8867-972BB18D52D4}"/>
+              </a:ext>
+            </a:extLst>
+          </p:cNvPr>
+          <p:cNvSpPr>
+            <a:spLocks noGrp="1"/>
+          </p:cNvSpPr>
+          <p:nvPr>
+            <p:ph type="ctrTitle"/>
+          </p:nvPr>
+        </p:nvSpPr>
+        <p:spPr>
+          <a:xfrm>
+            <a:off x="4267200" y="556556"/>
+            <a:ext cx="4179570" cy="1524735"/>
+          </a:xfrm>
+        </p:spPr>
+        <p:txBody>
+          <a:bodyPr anchor="b">
+            <a:normAutofit/>
+          </a:bodyPr>
+          <a:lstStyle/>
+          <a:p>
+            <a:r>
+              <a:rPr lang="he-IL" dirty="0"/>
+              <a:t>מה ניסינו לגלות  </a:t>
+            </a:r>
+            <a:endParaRPr lang="en-US" dirty="0"/>
+          </a:p>
+        </p:txBody>
+      </p:sp>
+      <p:sp>
+        <p:nvSpPr>
+          <p:cNvPr id="20" name="Content Placeholder 3">
+            <a:extLst>
+              <a:ext uri="{FF2B5EF4-FFF2-40B4-BE49-F238E27FC236}">
+                <a16:creationId xmlns:a16="http://schemas.microsoft.com/office/drawing/2014/main" id="{33D8731E-4977-402E-8BFD-895B4D0544CC}"/>
+              </a:ext>
+            </a:extLst>
+          </p:cNvPr>
+          <p:cNvSpPr>
+            <a:spLocks noGrp="1"/>
+          </p:cNvSpPr>
+          <p:nvPr>
+            <p:ph type="subTitle" idx="1"/>
+          </p:nvPr>
+        </p:nvSpPr>
+        <p:spPr>
+          <a:xfrm>
+            <a:off x="4175760" y="2163683"/>
+            <a:ext cx="4179570" cy="2850181"/>
+          </a:xfrm>
+        </p:spPr>
+        <p:txBody>
+          <a:bodyPr>
+            <a:normAutofit/>
+          </a:bodyPr>
+          <a:lstStyle/>
+          <a:p>
+            <a:pPr marL="0" indent="0" algn="r" rtl="1">
+              <a:lnSpc>
+                <a:spcPct val="140000"/>
+              </a:lnSpc>
+              <a:buNone/>
+            </a:pPr>
+            <a:r>
+              <a:rPr lang="he-IL" sz="1500" dirty="0"/>
+              <a:t>האם יתגלה כי קיימת הטיה מגדרית בהתנהגות של המודל (</a:t>
+            </a:r>
+            <a:r>
+              <a:rPr lang="en-US" sz="1500" dirty="0"/>
+              <a:t>ChatGPT</a:t>
+            </a:r>
+            <a:r>
+              <a:rPr lang="he-IL" sz="1500" dirty="0"/>
+              <a:t>) שתחשוף הנחות או אסוציאציות מוטות המתיישרות עם סטריאוטיפים חברתיים.</a:t>
+            </a:r>
+          </a:p>
+          <a:p>
+            <a:pPr marL="0" indent="0" algn="r" rtl="1">
+              <a:lnSpc>
+                <a:spcPct val="140000"/>
+              </a:lnSpc>
+              <a:buNone/>
+            </a:pPr>
+            <a:r>
+              <a:rPr lang="he-IL" sz="1500" dirty="0"/>
+              <a:t>הניתוח צפוי להדגיש ש</a:t>
+            </a:r>
+            <a:r>
+              <a:rPr lang="en-US" sz="1500" dirty="0"/>
+              <a:t>LLMs</a:t>
+            </a:r>
+            <a:r>
+              <a:rPr lang="he-IL" sz="1500" dirty="0"/>
+              <a:t> נוטים להביע הנחות מוטות לגבי גברים ונשים שמשקפות תפיסות חברתיות יותר מאשר מציאות עובדתית.</a:t>
+            </a:r>
+          </a:p>
+        </p:txBody>
+      </p:sp>
+      <p:sp>
+        <p:nvSpPr>
+          <p:cNvPr id="9" name="Slide Number Placeholder 8">
+            <a:extLst>
+              <a:ext uri="{FF2B5EF4-FFF2-40B4-BE49-F238E27FC236}">
+                <a16:creationId xmlns:a16="http://schemas.microsoft.com/office/drawing/2014/main" id="{C396FFDC-ADE8-4009-A466-A81787258E88}"/>
+              </a:ext>
+            </a:extLst>
+          </p:cNvPr>
+          <p:cNvSpPr>
+            <a:spLocks noGrp="1"/>
+          </p:cNvSpPr>
+          <p:nvPr>
+            <p:ph type="sldNum" sz="quarter" idx="12"/>
+          </p:nvPr>
+        </p:nvSpPr>
+        <p:spPr>
+          <a:xfrm>
+            <a:off x="9579428" y="6356350"/>
+            <a:ext cx="1774371" cy="365125"/>
           </a:xfrm>
         </p:spPr>
         <p:txBody>
@@ -9323,7 +9635,83 @@
                   <a:spcPts val="600"/>
                 </a:spcAft>
               </a:pPr>
-              <a:t>17</a:t>
+              <a:t>18</a:t>
+            </a:fld>
+            <a:endParaRPr lang="en-US"/>
+          </a:p>
+        </p:txBody>
+      </p:sp>
+    </p:spTree>
+    <p:extLst>
+      <p:ext uri="{BB962C8B-B14F-4D97-AF65-F5344CB8AC3E}">
+        <p14:creationId xmlns:p14="http://schemas.microsoft.com/office/powerpoint/2010/main" val="2054691664"/>
+      </p:ext>
+    </p:extLst>
+  </p:cSld>
+  <p:clrMapOvr>
+    <a:masterClrMapping/>
+  </p:clrMapOvr>
+</p:sld>
+</file>
+
+<file path=ppt/slides/slide19.xml><?xml version="1.0" encoding="utf-8"?>
+<p:sld xmlns:a="http://schemas.openxmlformats.org/drawingml/2006/main" xmlns:r="http://schemas.openxmlformats.org/officeDocument/2006/relationships" xmlns:p="http://schemas.openxmlformats.org/presentationml/2006/main">
+  <p:cSld>
+    <p:spTree>
+      <p:nvGrpSpPr>
+        <p:cNvPr id="1" name=""/>
+        <p:cNvGrpSpPr/>
+        <p:nvPr/>
+      </p:nvGrpSpPr>
+      <p:grpSpPr>
+        <a:xfrm>
+          <a:off x="0" y="0"/>
+          <a:ext cx="0" cy="0"/>
+          <a:chOff x="0" y="0"/>
+          <a:chExt cx="0" cy="0"/>
+        </a:xfrm>
+      </p:grpSpPr>
+      <p:sp>
+        <p:nvSpPr>
+          <p:cNvPr id="5" name="Slide Number Placeholder 5">
+            <a:extLst>
+              <a:ext uri="{FF2B5EF4-FFF2-40B4-BE49-F238E27FC236}">
+                <a16:creationId xmlns:a16="http://schemas.microsoft.com/office/drawing/2014/main" id="{4832B776-E386-1CF9-CC8F-2D2FF3EA7066}"/>
+              </a:ext>
+            </a:extLst>
+          </p:cNvPr>
+          <p:cNvSpPr>
+            <a:spLocks noGrp="1"/>
+          </p:cNvSpPr>
+          <p:nvPr>
+            <p:ph type="sldNum" sz="quarter" idx="13"/>
+          </p:nvPr>
+        </p:nvSpPr>
+        <p:spPr>
+          <a:xfrm>
+            <a:off x="10373350" y="6356349"/>
+            <a:ext cx="987552" cy="365125"/>
+          </a:xfrm>
+        </p:spPr>
+        <p:txBody>
+          <a:bodyPr anchor="ctr">
+            <a:normAutofit/>
+          </a:bodyPr>
+          <a:lstStyle/>
+          <a:p>
+            <a:pPr>
+              <a:spcAft>
+                <a:spcPts val="600"/>
+              </a:spcAft>
+            </a:pPr>
+            <a:fld id="{A49DFD55-3C28-40EF-9E31-A92D2E4017FF}" type="slidenum">
+              <a:rPr lang="en-US" smtClean="0"/>
+              <a:pPr>
+                <a:spcAft>
+                  <a:spcPts val="600"/>
+                </a:spcAft>
+              </a:pPr>
+              <a:t>19</a:t>
             </a:fld>
             <a:endParaRPr lang="en-US"/>
           </a:p>
@@ -9603,7 +9991,7 @@
 </p:sld>
 </file>
 
-<file path=ppt/slides/slide18.xml><?xml version="1.0" encoding="utf-8"?>
+<file path=ppt/slides/slide2.xml><?xml version="1.0" encoding="utf-8"?>
 <p:sld xmlns:a="http://schemas.openxmlformats.org/drawingml/2006/main" xmlns:r="http://schemas.openxmlformats.org/officeDocument/2006/relationships" xmlns:p="http://schemas.openxmlformats.org/presentationml/2006/main">
   <p:cSld>
     <p:spTree>
@@ -9622,10 +10010,10 @@
       </p:grpSpPr>
       <p:sp>
         <p:nvSpPr>
-          <p:cNvPr id="2" name="כותרת 1">
-            <a:extLst>
-              <a:ext uri="{FF2B5EF4-FFF2-40B4-BE49-F238E27FC236}">
-                <a16:creationId xmlns:a16="http://schemas.microsoft.com/office/drawing/2014/main" id="{95A03BF6-C91F-37E7-5B5C-FC9F50B329CA}"/>
+          <p:cNvPr id="2" name="Title 1">
+            <a:extLst>
+              <a:ext uri="{FF2B5EF4-FFF2-40B4-BE49-F238E27FC236}">
+                <a16:creationId xmlns:a16="http://schemas.microsoft.com/office/drawing/2014/main" id="{1BEF5859-10C9-4588-9727-B9362E26C29D}"/>
               </a:ext>
             </a:extLst>
           </p:cNvPr>
@@ -9636,71 +10024,119 @@
             <p:ph type="title"/>
           </p:nvPr>
         </p:nvSpPr>
-        <p:spPr/>
+        <p:spPr>
+          <a:xfrm>
+            <a:off x="686730" y="669073"/>
+            <a:ext cx="1900354" cy="606418"/>
+          </a:xfrm>
+        </p:spPr>
         <p:txBody>
           <a:bodyPr/>
           <a:lstStyle/>
           <a:p>
-            <a:endParaRPr lang="he-IL"/>
-          </a:p>
-        </p:txBody>
-      </p:sp>
-      <p:sp>
-        <p:nvSpPr>
-          <p:cNvPr id="3" name="מציין מיקום טקסט 2">
-            <a:extLst>
-              <a:ext uri="{FF2B5EF4-FFF2-40B4-BE49-F238E27FC236}">
-                <a16:creationId xmlns:a16="http://schemas.microsoft.com/office/drawing/2014/main" id="{C4DB55F7-BE96-3699-A038-A01EEA07BFED}"/>
-              </a:ext>
-            </a:extLst>
-          </p:cNvPr>
-          <p:cNvSpPr>
-            <a:spLocks noGrp="1"/>
-          </p:cNvSpPr>
-          <p:nvPr>
-            <p:ph type="body" idx="1"/>
-          </p:nvPr>
-        </p:nvSpPr>
-        <p:spPr/>
-        <p:txBody>
-          <a:bodyPr/>
+            <a:r>
+              <a:rPr lang="en-US" dirty="0"/>
+              <a:t>AGENDA</a:t>
+            </a:r>
+          </a:p>
+        </p:txBody>
+      </p:sp>
+      <p:sp>
+        <p:nvSpPr>
+          <p:cNvPr id="3" name="Content Placeholder 2">
+            <a:extLst>
+              <a:ext uri="{FF2B5EF4-FFF2-40B4-BE49-F238E27FC236}">
+                <a16:creationId xmlns:a16="http://schemas.microsoft.com/office/drawing/2014/main" id="{5671D7E5-EF66-4BCD-8DAA-E9061157F0BE}"/>
+              </a:ext>
+            </a:extLst>
+          </p:cNvPr>
+          <p:cNvSpPr>
+            <a:spLocks noGrp="1"/>
+          </p:cNvSpPr>
+          <p:nvPr>
+            <p:ph idx="1"/>
+          </p:nvPr>
+        </p:nvSpPr>
+        <p:spPr>
+          <a:xfrm>
+            <a:off x="173773" y="1594624"/>
+            <a:ext cx="4387075" cy="4594303"/>
+          </a:xfrm>
+        </p:spPr>
+        <p:txBody>
+          <a:bodyPr>
+            <a:normAutofit fontScale="92500" lnSpcReduction="10000"/>
+          </a:bodyPr>
           <a:lstStyle/>
           <a:p>
-            <a:endParaRPr lang="he-IL"/>
-          </a:p>
-        </p:txBody>
-      </p:sp>
-      <p:sp>
-        <p:nvSpPr>
-          <p:cNvPr id="4" name="מציין מיקום תוכן 3">
-            <a:extLst>
-              <a:ext uri="{FF2B5EF4-FFF2-40B4-BE49-F238E27FC236}">
-                <a16:creationId xmlns:a16="http://schemas.microsoft.com/office/drawing/2014/main" id="{77F301F6-3134-5010-173E-F8F820DEE373}"/>
-              </a:ext>
-            </a:extLst>
-          </p:cNvPr>
-          <p:cNvSpPr>
-            <a:spLocks noGrp="1"/>
-          </p:cNvSpPr>
-          <p:nvPr>
-            <p:ph sz="half" idx="2"/>
-          </p:nvPr>
-        </p:nvSpPr>
-        <p:spPr/>
-        <p:txBody>
-          <a:bodyPr/>
-          <a:lstStyle/>
-          <a:p>
-            <a:endParaRPr lang="he-IL"/>
-          </a:p>
-        </p:txBody>
-      </p:sp>
-      <p:sp>
-        <p:nvSpPr>
-          <p:cNvPr id="7" name="מציין מיקום של מספר שקופית 6">
-            <a:extLst>
-              <a:ext uri="{FF2B5EF4-FFF2-40B4-BE49-F238E27FC236}">
-                <a16:creationId xmlns:a16="http://schemas.microsoft.com/office/drawing/2014/main" id="{93C9227D-F6F8-BCC9-22A9-038A48EEB538}"/>
+            <a:pPr algn="r" rtl="1"/>
+            <a:r>
+              <a:rPr lang="he-IL" sz="2400" b="0" i="0" dirty="0">
+                <a:effectLst/>
+                <a:latin typeface="Segoe UI Semibold" panose="020B0702040204020203" pitchFamily="34" charset="0"/>
+                <a:cs typeface="Segoe UI Semibold" panose="020B0702040204020203" pitchFamily="34" charset="0"/>
+              </a:rPr>
+              <a:t>הפריצה של מודלים גנרטיביים כמו </a:t>
+            </a:r>
+            <a:r>
+              <a:rPr lang="en-US" sz="2400" b="0" i="0" dirty="0">
+                <a:effectLst/>
+                <a:latin typeface="Segoe UI Semibold" panose="020B0702040204020203" pitchFamily="34" charset="0"/>
+                <a:cs typeface="Segoe UI Semibold" panose="020B0702040204020203" pitchFamily="34" charset="0"/>
+              </a:rPr>
+              <a:t>ChatGPT</a:t>
+            </a:r>
+            <a:r>
+              <a:rPr lang="he-IL" sz="2400" b="0" i="0" dirty="0">
+                <a:effectLst/>
+                <a:latin typeface="Segoe UI Semibold" panose="020B0702040204020203" pitchFamily="34" charset="0"/>
+                <a:cs typeface="Segoe UI Semibold" panose="020B0702040204020203" pitchFamily="34" charset="0"/>
+              </a:rPr>
+              <a:t> מביאה הרבה אפשרויות חדשות, אבל גם בעיות בשימוש במודלים האלו. </a:t>
+            </a:r>
+            <a:r>
+              <a:rPr lang="he-IL" sz="2400" dirty="0">
+                <a:latin typeface="Segoe UI Semibold" panose="020B0702040204020203" pitchFamily="34" charset="0"/>
+                <a:cs typeface="Segoe UI Semibold" panose="020B0702040204020203" pitchFamily="34" charset="0"/>
+              </a:rPr>
+              <a:t>חקרנו </a:t>
+            </a:r>
+            <a:r>
+              <a:rPr lang="he-IL" sz="2400" b="0" i="0" dirty="0">
+                <a:effectLst/>
+                <a:latin typeface="Segoe UI Semibold" panose="020B0702040204020203" pitchFamily="34" charset="0"/>
+                <a:cs typeface="Segoe UI Semibold" panose="020B0702040204020203" pitchFamily="34" charset="0"/>
+              </a:rPr>
+              <a:t>את המודל האלו מכיוון של הוגנות - עד כמה המודל האלו ממדלים ומגבירים הטיות שונות בדאטה לגבי גזע, מין, גיל וכו</a:t>
+            </a:r>
+            <a:r>
+              <a:rPr lang="he-IL" sz="2400" dirty="0">
+                <a:latin typeface="Segoe UI Semibold" panose="020B0702040204020203" pitchFamily="34" charset="0"/>
+                <a:cs typeface="Segoe UI Semibold" panose="020B0702040204020203" pitchFamily="34" charset="0"/>
+              </a:rPr>
+              <a:t>'</a:t>
+            </a:r>
+            <a:r>
+              <a:rPr lang="he-IL" sz="2400" b="0" i="0" dirty="0">
+                <a:effectLst/>
+                <a:latin typeface="Segoe UI Semibold" panose="020B0702040204020203" pitchFamily="34" charset="0"/>
+                <a:cs typeface="Segoe UI Semibold" panose="020B0702040204020203" pitchFamily="34" charset="0"/>
+              </a:rPr>
+              <a:t>. בדקנו גם השפעה של סוג השפה (אנגלית מול עברית) במודלי שפה גדולים.</a:t>
+            </a:r>
+            <a:endParaRPr lang="en-US" sz="2400" dirty="0">
+              <a:latin typeface="Segoe UI Semibold" panose="020B0702040204020203" pitchFamily="34" charset="0"/>
+              <a:cs typeface="Segoe UI Semibold" panose="020B0702040204020203" pitchFamily="34" charset="0"/>
+            </a:endParaRPr>
+          </a:p>
+        </p:txBody>
+      </p:sp>
+      <p:sp>
+        <p:nvSpPr>
+          <p:cNvPr id="5" name="Slide Number Placeholder 5">
+            <a:extLst>
+              <a:ext uri="{FF2B5EF4-FFF2-40B4-BE49-F238E27FC236}">
+                <a16:creationId xmlns:a16="http://schemas.microsoft.com/office/drawing/2014/main" id="{B02A8827-B1A1-2D2F-D6DD-E886B886C43E}"/>
               </a:ext>
             </a:extLst>
           </p:cNvPr>
@@ -9711,7 +10147,12 @@
             <p:ph type="sldNum" sz="quarter" idx="12"/>
           </p:nvPr>
         </p:nvSpPr>
-        <p:spPr/>
+        <p:spPr>
+          <a:xfrm>
+            <a:off x="10373350" y="6356349"/>
+            <a:ext cx="987552" cy="365125"/>
+          </a:xfrm>
+        </p:spPr>
         <p:txBody>
           <a:bodyPr/>
           <a:lstStyle/>
@@ -9719,7 +10160,142 @@
             <a:fld id="{A49DFD55-3C28-40EF-9E31-A92D2E4017FF}" type="slidenum">
               <a:rPr lang="en-US" smtClean="0"/>
               <a:pPr/>
-              <a:t>18</a:t>
+              <a:t>2</a:t>
+            </a:fld>
+            <a:endParaRPr lang="en-US" dirty="0"/>
+          </a:p>
+        </p:txBody>
+      </p:sp>
+    </p:spTree>
+    <p:extLst>
+      <p:ext uri="{BB962C8B-B14F-4D97-AF65-F5344CB8AC3E}">
+        <p14:creationId xmlns:p14="http://schemas.microsoft.com/office/powerpoint/2010/main" val="1713219598"/>
+      </p:ext>
+    </p:extLst>
+  </p:cSld>
+  <p:clrMapOvr>
+    <a:masterClrMapping/>
+  </p:clrMapOvr>
+</p:sld>
+</file>
+
+<file path=ppt/slides/slide20.xml><?xml version="1.0" encoding="utf-8"?>
+<p:sld xmlns:a="http://schemas.openxmlformats.org/drawingml/2006/main" xmlns:r="http://schemas.openxmlformats.org/officeDocument/2006/relationships" xmlns:p="http://schemas.openxmlformats.org/presentationml/2006/main">
+  <p:cSld>
+    <p:spTree>
+      <p:nvGrpSpPr>
+        <p:cNvPr id="1" name=""/>
+        <p:cNvGrpSpPr/>
+        <p:nvPr/>
+      </p:nvGrpSpPr>
+      <p:grpSpPr>
+        <a:xfrm>
+          <a:off x="0" y="0"/>
+          <a:ext cx="0" cy="0"/>
+          <a:chOff x="0" y="0"/>
+          <a:chExt cx="0" cy="0"/>
+        </a:xfrm>
+      </p:grpSpPr>
+      <p:sp>
+        <p:nvSpPr>
+          <p:cNvPr id="2" name="כותרת 1">
+            <a:extLst>
+              <a:ext uri="{FF2B5EF4-FFF2-40B4-BE49-F238E27FC236}">
+                <a16:creationId xmlns:a16="http://schemas.microsoft.com/office/drawing/2014/main" id="{95A03BF6-C91F-37E7-5B5C-FC9F50B329CA}"/>
+              </a:ext>
+            </a:extLst>
+          </p:cNvPr>
+          <p:cNvSpPr>
+            <a:spLocks noGrp="1"/>
+          </p:cNvSpPr>
+          <p:nvPr>
+            <p:ph type="title"/>
+          </p:nvPr>
+        </p:nvSpPr>
+        <p:spPr/>
+        <p:txBody>
+          <a:bodyPr/>
+          <a:lstStyle/>
+          <a:p>
+            <a:endParaRPr lang="he-IL"/>
+          </a:p>
+        </p:txBody>
+      </p:sp>
+      <p:sp>
+        <p:nvSpPr>
+          <p:cNvPr id="3" name="מציין מיקום טקסט 2">
+            <a:extLst>
+              <a:ext uri="{FF2B5EF4-FFF2-40B4-BE49-F238E27FC236}">
+                <a16:creationId xmlns:a16="http://schemas.microsoft.com/office/drawing/2014/main" id="{C4DB55F7-BE96-3699-A038-A01EEA07BFED}"/>
+              </a:ext>
+            </a:extLst>
+          </p:cNvPr>
+          <p:cNvSpPr>
+            <a:spLocks noGrp="1"/>
+          </p:cNvSpPr>
+          <p:nvPr>
+            <p:ph type="body" idx="1"/>
+          </p:nvPr>
+        </p:nvSpPr>
+        <p:spPr/>
+        <p:txBody>
+          <a:bodyPr/>
+          <a:lstStyle/>
+          <a:p>
+            <a:endParaRPr lang="he-IL"/>
+          </a:p>
+        </p:txBody>
+      </p:sp>
+      <p:sp>
+        <p:nvSpPr>
+          <p:cNvPr id="4" name="מציין מיקום תוכן 3">
+            <a:extLst>
+              <a:ext uri="{FF2B5EF4-FFF2-40B4-BE49-F238E27FC236}">
+                <a16:creationId xmlns:a16="http://schemas.microsoft.com/office/drawing/2014/main" id="{77F301F6-3134-5010-173E-F8F820DEE373}"/>
+              </a:ext>
+            </a:extLst>
+          </p:cNvPr>
+          <p:cNvSpPr>
+            <a:spLocks noGrp="1"/>
+          </p:cNvSpPr>
+          <p:nvPr>
+            <p:ph sz="half" idx="2"/>
+          </p:nvPr>
+        </p:nvSpPr>
+        <p:spPr/>
+        <p:txBody>
+          <a:bodyPr/>
+          <a:lstStyle/>
+          <a:p>
+            <a:endParaRPr lang="he-IL"/>
+          </a:p>
+        </p:txBody>
+      </p:sp>
+      <p:sp>
+        <p:nvSpPr>
+          <p:cNvPr id="7" name="מציין מיקום של מספר שקופית 6">
+            <a:extLst>
+              <a:ext uri="{FF2B5EF4-FFF2-40B4-BE49-F238E27FC236}">
+                <a16:creationId xmlns:a16="http://schemas.microsoft.com/office/drawing/2014/main" id="{93C9227D-F6F8-BCC9-22A9-038A48EEB538}"/>
+              </a:ext>
+            </a:extLst>
+          </p:cNvPr>
+          <p:cNvSpPr>
+            <a:spLocks noGrp="1"/>
+          </p:cNvSpPr>
+          <p:nvPr>
+            <p:ph type="sldNum" sz="quarter" idx="12"/>
+          </p:nvPr>
+        </p:nvSpPr>
+        <p:spPr/>
+        <p:txBody>
+          <a:bodyPr/>
+          <a:lstStyle/>
+          <a:p>
+            <a:fld id="{A49DFD55-3C28-40EF-9E31-A92D2E4017FF}" type="slidenum">
+              <a:rPr lang="en-US" smtClean="0"/>
+              <a:pPr/>
+              <a:t>20</a:t>
             </a:fld>
             <a:endParaRPr lang="en-US" dirty="0"/>
           </a:p>
@@ -10174,7 +10750,7 @@
 </p:sld>
 </file>
 
-<file path=ppt/slides/slide19.xml><?xml version="1.0" encoding="utf-8"?>
+<file path=ppt/slides/slide21.xml><?xml version="1.0" encoding="utf-8"?>
 <p:sld xmlns:a="http://schemas.openxmlformats.org/drawingml/2006/main" xmlns:r="http://schemas.openxmlformats.org/officeDocument/2006/relationships" xmlns:p="http://schemas.openxmlformats.org/presentationml/2006/main">
   <p:cSld>
     <p:spTree>
@@ -10240,7 +10816,7 @@
             <a:fld id="{A49DFD55-3C28-40EF-9E31-A92D2E4017FF}" type="slidenum">
               <a:rPr lang="en-US" smtClean="0"/>
               <a:pPr/>
-              <a:t>19</a:t>
+              <a:t>21</a:t>
             </a:fld>
             <a:endParaRPr lang="en-US" dirty="0"/>
           </a:p>
@@ -10491,195 +11067,7 @@
 </p:sld>
 </file>
 
-<file path=ppt/slides/slide2.xml><?xml version="1.0" encoding="utf-8"?>
-<p:sld xmlns:a="http://schemas.openxmlformats.org/drawingml/2006/main" xmlns:r="http://schemas.openxmlformats.org/officeDocument/2006/relationships" xmlns:p="http://schemas.openxmlformats.org/presentationml/2006/main">
-  <p:cSld>
-    <p:spTree>
-      <p:nvGrpSpPr>
-        <p:cNvPr id="1" name=""/>
-        <p:cNvGrpSpPr/>
-        <p:nvPr/>
-      </p:nvGrpSpPr>
-      <p:grpSpPr>
-        <a:xfrm>
-          <a:off x="0" y="0"/>
-          <a:ext cx="0" cy="0"/>
-          <a:chOff x="0" y="0"/>
-          <a:chExt cx="0" cy="0"/>
-        </a:xfrm>
-      </p:grpSpPr>
-      <p:sp>
-        <p:nvSpPr>
-          <p:cNvPr id="2" name="Title 1">
-            <a:extLst>
-              <a:ext uri="{FF2B5EF4-FFF2-40B4-BE49-F238E27FC236}">
-                <a16:creationId xmlns:a16="http://schemas.microsoft.com/office/drawing/2014/main" id="{1BEF5859-10C9-4588-9727-B9362E26C29D}"/>
-              </a:ext>
-            </a:extLst>
-          </p:cNvPr>
-          <p:cNvSpPr>
-            <a:spLocks noGrp="1"/>
-          </p:cNvSpPr>
-          <p:nvPr>
-            <p:ph type="title"/>
-          </p:nvPr>
-        </p:nvSpPr>
-        <p:spPr>
-          <a:xfrm>
-            <a:off x="686730" y="669073"/>
-            <a:ext cx="1900354" cy="606418"/>
-          </a:xfrm>
-        </p:spPr>
-        <p:txBody>
-          <a:bodyPr/>
-          <a:lstStyle/>
-          <a:p>
-            <a:r>
-              <a:rPr lang="en-US" dirty="0"/>
-              <a:t>AGENDA</a:t>
-            </a:r>
-          </a:p>
-        </p:txBody>
-      </p:sp>
-      <p:sp>
-        <p:nvSpPr>
-          <p:cNvPr id="3" name="Content Placeholder 2">
-            <a:extLst>
-              <a:ext uri="{FF2B5EF4-FFF2-40B4-BE49-F238E27FC236}">
-                <a16:creationId xmlns:a16="http://schemas.microsoft.com/office/drawing/2014/main" id="{5671D7E5-EF66-4BCD-8DAA-E9061157F0BE}"/>
-              </a:ext>
-            </a:extLst>
-          </p:cNvPr>
-          <p:cNvSpPr>
-            <a:spLocks noGrp="1"/>
-          </p:cNvSpPr>
-          <p:nvPr>
-            <p:ph idx="1"/>
-          </p:nvPr>
-        </p:nvSpPr>
-        <p:spPr>
-          <a:xfrm>
-            <a:off x="173773" y="1594624"/>
-            <a:ext cx="4387075" cy="4594303"/>
-          </a:xfrm>
-        </p:spPr>
-        <p:txBody>
-          <a:bodyPr>
-            <a:normAutofit fontScale="92500" lnSpcReduction="10000"/>
-          </a:bodyPr>
-          <a:lstStyle/>
-          <a:p>
-            <a:pPr algn="r" rtl="1"/>
-            <a:r>
-              <a:rPr lang="he-IL" sz="2400" b="0" i="0" dirty="0">
-                <a:effectLst/>
-                <a:latin typeface="Segoe UI Semibold" panose="020B0702040204020203" pitchFamily="34" charset="0"/>
-                <a:cs typeface="Segoe UI Semibold" panose="020B0702040204020203" pitchFamily="34" charset="0"/>
-              </a:rPr>
-              <a:t>הפריצה של מודלים גנרטיביים כמו </a:t>
-            </a:r>
-            <a:r>
-              <a:rPr lang="en-US" sz="2400" b="0" i="0" dirty="0">
-                <a:effectLst/>
-                <a:latin typeface="Segoe UI Semibold" panose="020B0702040204020203" pitchFamily="34" charset="0"/>
-                <a:cs typeface="Segoe UI Semibold" panose="020B0702040204020203" pitchFamily="34" charset="0"/>
-              </a:rPr>
-              <a:t>ChatGPT</a:t>
-            </a:r>
-            <a:r>
-              <a:rPr lang="he-IL" sz="2400" b="0" i="0" dirty="0">
-                <a:effectLst/>
-                <a:latin typeface="Segoe UI Semibold" panose="020B0702040204020203" pitchFamily="34" charset="0"/>
-                <a:cs typeface="Segoe UI Semibold" panose="020B0702040204020203" pitchFamily="34" charset="0"/>
-              </a:rPr>
-              <a:t> מביאה הרבה אפשרויות חדשות, אבל גם בעיות בשימוש במודלים האלו. </a:t>
-            </a:r>
-            <a:r>
-              <a:rPr lang="he-IL" sz="2400" dirty="0">
-                <a:latin typeface="Segoe UI Semibold" panose="020B0702040204020203" pitchFamily="34" charset="0"/>
-                <a:cs typeface="Segoe UI Semibold" panose="020B0702040204020203" pitchFamily="34" charset="0"/>
-              </a:rPr>
-              <a:t>חקרנו </a:t>
-            </a:r>
-            <a:r>
-              <a:rPr lang="he-IL" sz="2400" b="0" i="0" dirty="0">
-                <a:effectLst/>
-                <a:latin typeface="Segoe UI Semibold" panose="020B0702040204020203" pitchFamily="34" charset="0"/>
-                <a:cs typeface="Segoe UI Semibold" panose="020B0702040204020203" pitchFamily="34" charset="0"/>
-              </a:rPr>
-              <a:t>את המודל האלו מכיוון של הוגנות - עד כמה המודל האלו ממדלים ומגבירים הטיות שונות בדאטה לגבי גזע, מין, גיל וכו</a:t>
-            </a:r>
-            <a:r>
-              <a:rPr lang="he-IL" sz="2400" dirty="0">
-                <a:latin typeface="Segoe UI Semibold" panose="020B0702040204020203" pitchFamily="34" charset="0"/>
-                <a:cs typeface="Segoe UI Semibold" panose="020B0702040204020203" pitchFamily="34" charset="0"/>
-              </a:rPr>
-              <a:t>'</a:t>
-            </a:r>
-            <a:r>
-              <a:rPr lang="he-IL" sz="2400" b="0" i="0" dirty="0">
-                <a:effectLst/>
-                <a:latin typeface="Segoe UI Semibold" panose="020B0702040204020203" pitchFamily="34" charset="0"/>
-                <a:cs typeface="Segoe UI Semibold" panose="020B0702040204020203" pitchFamily="34" charset="0"/>
-              </a:rPr>
-              <a:t>. בדקנו גם השפעה של סוג השפה (אנגלית מול עברית) במודלי שפה גדולים.</a:t>
-            </a:r>
-            <a:endParaRPr lang="en-US" sz="2400" dirty="0">
-              <a:latin typeface="Segoe UI Semibold" panose="020B0702040204020203" pitchFamily="34" charset="0"/>
-              <a:cs typeface="Segoe UI Semibold" panose="020B0702040204020203" pitchFamily="34" charset="0"/>
-            </a:endParaRPr>
-          </a:p>
-        </p:txBody>
-      </p:sp>
-      <p:sp>
-        <p:nvSpPr>
-          <p:cNvPr id="5" name="Slide Number Placeholder 5">
-            <a:extLst>
-              <a:ext uri="{FF2B5EF4-FFF2-40B4-BE49-F238E27FC236}">
-                <a16:creationId xmlns:a16="http://schemas.microsoft.com/office/drawing/2014/main" id="{B02A8827-B1A1-2D2F-D6DD-E886B886C43E}"/>
-              </a:ext>
-            </a:extLst>
-          </p:cNvPr>
-          <p:cNvSpPr>
-            <a:spLocks noGrp="1"/>
-          </p:cNvSpPr>
-          <p:nvPr>
-            <p:ph type="sldNum" sz="quarter" idx="12"/>
-          </p:nvPr>
-        </p:nvSpPr>
-        <p:spPr>
-          <a:xfrm>
-            <a:off x="10373350" y="6356349"/>
-            <a:ext cx="987552" cy="365125"/>
-          </a:xfrm>
-        </p:spPr>
-        <p:txBody>
-          <a:bodyPr/>
-          <a:lstStyle/>
-          <a:p>
-            <a:fld id="{A49DFD55-3C28-40EF-9E31-A92D2E4017FF}" type="slidenum">
-              <a:rPr lang="en-US" smtClean="0"/>
-              <a:pPr/>
-              <a:t>2</a:t>
-            </a:fld>
-            <a:endParaRPr lang="en-US" dirty="0"/>
-          </a:p>
-        </p:txBody>
-      </p:sp>
-    </p:spTree>
-    <p:extLst>
-      <p:ext uri="{BB962C8B-B14F-4D97-AF65-F5344CB8AC3E}">
-        <p14:creationId xmlns:p14="http://schemas.microsoft.com/office/powerpoint/2010/main" val="1713219598"/>
-      </p:ext>
-    </p:extLst>
-  </p:cSld>
-  <p:clrMapOvr>
-    <a:masterClrMapping/>
-  </p:clrMapOvr>
-</p:sld>
-</file>
-
-<file path=ppt/slides/slide20.xml><?xml version="1.0" encoding="utf-8"?>
+<file path=ppt/slides/slide22.xml><?xml version="1.0" encoding="utf-8"?>
 <p:sld xmlns:a="http://schemas.openxmlformats.org/drawingml/2006/main" xmlns:r="http://schemas.openxmlformats.org/officeDocument/2006/relationships" xmlns:p="http://schemas.openxmlformats.org/presentationml/2006/main">
   <p:cSld>
     <p:spTree>
@@ -11021,7 +11409,7 @@
 </p:sld>
 </file>
 
-<file path=ppt/slides/slide21.xml><?xml version="1.0" encoding="utf-8"?>
+<file path=ppt/slides/slide23.xml><?xml version="1.0" encoding="utf-8"?>
 <p:sld xmlns:a="http://schemas.openxmlformats.org/drawingml/2006/main" xmlns:r="http://schemas.openxmlformats.org/officeDocument/2006/relationships" xmlns:p="http://schemas.openxmlformats.org/presentationml/2006/main">
   <p:cSld>
     <p:spTree>
@@ -11091,8 +11479,8 @@
         </p:nvSpPr>
         <p:spPr>
           <a:xfrm>
-            <a:off x="814484" y="1096220"/>
-            <a:ext cx="6395710" cy="351284"/>
+            <a:off x="726450" y="907614"/>
+            <a:ext cx="4292590" cy="351284"/>
           </a:xfrm>
         </p:spPr>
         <p:txBody>
@@ -11103,7 +11491,7 @@
           <a:p>
             <a:r>
               <a:rPr lang="en-US" sz="1200" dirty="0"/>
-              <a:t>10 possible answered received for profile 1 with no specification for race and gender</a:t>
+              <a:t>10 possible answered received for profile 1</a:t>
             </a:r>
           </a:p>
         </p:txBody>
@@ -11130,8 +11518,8 @@
         </p:blipFill>
         <p:spPr>
           <a:xfrm>
-            <a:off x="747088" y="1451620"/>
-            <a:ext cx="6463106" cy="4718068"/>
+            <a:off x="295480" y="1267438"/>
+            <a:ext cx="5836592" cy="4718068"/>
           </a:xfrm>
           <a:prstGeom prst="rect">
             <a:avLst/>
@@ -11179,7 +11567,7 @@
                   <a:spcPts val="600"/>
                 </a:spcAft>
               </a:pPr>
-              <a:t>21</a:t>
+              <a:t>23</a:t>
             </a:fld>
             <a:endParaRPr lang="en-US"/>
           </a:p>
@@ -11199,8 +11587,8 @@
         </p:nvSpPr>
         <p:spPr>
           <a:xfrm>
-            <a:off x="8711921" y="3276600"/>
-            <a:ext cx="2756179" cy="1064288"/>
+            <a:off x="3134081" y="6169688"/>
+            <a:ext cx="2756179" cy="600939"/>
           </a:xfrm>
           <a:prstGeom prst="rect">
             <a:avLst/>
@@ -11233,6 +11621,36 @@
           </a:p>
         </p:txBody>
       </p:sp>
+      <p:pic>
+        <p:nvPicPr>
+          <p:cNvPr id="9" name="Picture 8">
+            <a:extLst>
+              <a:ext uri="{FF2B5EF4-FFF2-40B4-BE49-F238E27FC236}">
+                <a16:creationId xmlns:a16="http://schemas.microsoft.com/office/drawing/2014/main" id="{C33F3775-2048-8AB7-E65F-61CEE03D89CC}"/>
+              </a:ext>
+            </a:extLst>
+          </p:cNvPr>
+          <p:cNvPicPr>
+            <a:picLocks noChangeAspect="1"/>
+          </p:cNvPicPr>
+          <p:nvPr/>
+        </p:nvPicPr>
+        <p:blipFill>
+          <a:blip r:embed="rId4"/>
+          <a:stretch>
+            <a:fillRect/>
+          </a:stretch>
+        </p:blipFill>
+        <p:spPr>
+          <a:xfrm>
+            <a:off x="6234369" y="1161188"/>
+            <a:ext cx="5662151" cy="4930567"/>
+          </a:xfrm>
+          <a:prstGeom prst="rect">
+            <a:avLst/>
+          </a:prstGeom>
+        </p:spPr>
+      </p:pic>
     </p:spTree>
     <p:extLst>
       <p:ext uri="{BB962C8B-B14F-4D97-AF65-F5344CB8AC3E}">
@@ -11246,7 +11664,7 @@
 </p:sld>
 </file>
 
-<file path=ppt/slides/slide22.xml><?xml version="1.0" encoding="utf-8"?>
+<file path=ppt/slides/slide24.xml><?xml version="1.0" encoding="utf-8"?>
 <p:sld xmlns:a="http://schemas.openxmlformats.org/drawingml/2006/main" xmlns:r="http://schemas.openxmlformats.org/officeDocument/2006/relationships" xmlns:p="http://schemas.openxmlformats.org/presentationml/2006/main">
   <p:cSld>
     <p:spTree>
@@ -11281,18 +11699,19 @@
         </p:nvSpPr>
         <p:spPr>
           <a:xfrm>
-            <a:off x="422032" y="337191"/>
-            <a:ext cx="5673968" cy="1642333"/>
-          </a:xfrm>
-        </p:spPr>
-        <p:txBody>
-          <a:bodyPr/>
+            <a:off x="2245360" y="568961"/>
+            <a:ext cx="9108440" cy="640079"/>
+          </a:xfrm>
+        </p:spPr>
+        <p:txBody>
+          <a:bodyPr anchor="b">
+            <a:normAutofit/>
+          </a:bodyPr>
           <a:lstStyle/>
           <a:p>
-            <a:pPr algn="r"/>
-            <a:r>
-              <a:rPr lang="he-IL" dirty="0"/>
-              <a:t>חישוב השגיאה</a:t>
+            <a:r>
+              <a:rPr lang="en-US" dirty="0"/>
+              <a:t>Standard error in the samples</a:t>
             </a:r>
             <a:endParaRPr lang="en-IL" dirty="0"/>
           </a:p>
@@ -11313,45 +11732,75 @@
                 <a:spLocks noGrp="1"/>
               </p:cNvSpPr>
               <p:nvPr>
-                <p:ph sz="half" idx="2"/>
+                <p:ph sz="half" idx="13"/>
               </p:nvPr>
             </p:nvSpPr>
             <p:spPr>
               <a:xfrm>
-                <a:off x="838199" y="2301072"/>
-                <a:ext cx="5733773" cy="3885827"/>
+                <a:off x="2468880" y="1402080"/>
+                <a:ext cx="6715760" cy="5083780"/>
               </a:xfrm>
             </p:spPr>
             <p:txBody>
-              <a:bodyPr/>
+              <a:bodyPr>
+                <a:normAutofit/>
+              </a:bodyPr>
               <a:lstStyle/>
               <a:p>
-                <a:pPr marL="0" indent="0" algn="r" rtl="1">
-                  <a:buNone/>
-                </a:pPr>
+                <a:pPr algn="r" rtl="1"/>
                 <a:r>
                   <a:rPr lang="he-IL" dirty="0"/>
-                  <a:t>מרחב המדגם שלנו </a:t>
+                  <a:t>שאלנו את ה</a:t>
                 </a:r>
                 <a:r>
                   <a:rPr lang="en-US" dirty="0"/>
-                  <a:t>n =30 </a:t>
+                  <a:t>ChatGPT</a:t>
+                </a:r>
+                <a:r>
+                  <a:rPr lang="he-IL" dirty="0"/>
+                  <a:t> כל שאלה 30 פעמים ולכן מרחב המדגם שלנו הוא </a:t>
+                </a:r>
+                <a:r>
+                  <a:rPr lang="en-US" dirty="0"/>
+                  <a:t>n = 30</a:t>
+                </a:r>
+                <a:r>
+                  <a:rPr lang="he-IL" dirty="0"/>
+                  <a:t>.</a:t>
                 </a:r>
               </a:p>
               <a:p>
-                <a:pPr marL="0" indent="0" algn="r" rtl="1">
-                  <a:buNone/>
-                </a:pPr>
+                <a:pPr algn="r" rtl="1"/>
+                <a:endParaRPr lang="he-IL" dirty="0"/>
+              </a:p>
+              <a:p>
+                <a:pPr algn="r" rtl="1"/>
                 <a:r>
                   <a:rPr lang="he-IL" dirty="0"/>
-                  <a:t>לכן נסתכל על טווח שגיאה של יותר מ9%.</a:t>
+                  <a:t>ה</a:t>
                 </a:r>
-                <a:endParaRPr lang="en-GB" dirty="0"/>
+                <a:r>
+                  <a:rPr lang="en-US" dirty="0"/>
+                  <a:t>standard-error</a:t>
+                </a:r>
+                <a:r>
+                  <a:rPr lang="he-IL" dirty="0"/>
+                  <a:t> מתנהג כמו הממוצע.</a:t>
+                </a:r>
               </a:p>
               <a:p>
-                <a:pPr marL="0" indent="0" algn="r" rtl="1">
-                  <a:buNone/>
-                </a:pPr>
+                <a:pPr algn="r" rtl="1"/>
+                <a:endParaRPr lang="he-IL" dirty="0"/>
+              </a:p>
+              <a:p>
+                <a:pPr algn="r" rtl="1"/>
+                <a:r>
+                  <a:rPr lang="he-IL" dirty="0"/>
+                  <a:t>עבור דגימות של 0 או 1 הטווח שגיאה המקסימלי הוא 1/2 ולכן נסתכל על חסם שמרני לטווח שגיאה של – </a:t>
+                </a:r>
+              </a:p>
+              <a:p>
+                <a:pPr algn="r" rtl="1"/>
                 <a14:m>
                   <m:oMathPara xmlns:m="http://schemas.openxmlformats.org/officeDocument/2006/math">
                     <m:oMathParaPr>
@@ -11400,7 +11849,6 @@
                               <m:ctrlPr>
                                 <a:rPr lang="en-GB" b="0" i="1" smtClean="0">
                                   <a:latin typeface="Cambria Math" panose="02040503050406030204" pitchFamily="18" charset="0"/>
-                                  <a:ea typeface="Cambria Math" panose="02040503050406030204" pitchFamily="18" charset="0"/>
                                 </a:rPr>
                               </m:ctrlPr>
                             </m:radPr>
@@ -11409,7 +11857,6 @@
                               <m:r>
                                 <a:rPr lang="en-GB" b="0" i="1" smtClean="0">
                                   <a:latin typeface="Cambria Math" panose="02040503050406030204" pitchFamily="18" charset="0"/>
-                                  <a:ea typeface="Cambria Math" panose="02040503050406030204" pitchFamily="18" charset="0"/>
                                 </a:rPr>
                                 <m:t>30</m:t>
                               </m:r>
@@ -11420,30 +11867,38 @@
                       <m:r>
                         <a:rPr lang="en-GB" b="0" i="1" smtClean="0">
                           <a:latin typeface="Cambria Math" panose="02040503050406030204" pitchFamily="18" charset="0"/>
-                          <a:ea typeface="Cambria Math" panose="02040503050406030204" pitchFamily="18" charset="0"/>
                         </a:rPr>
                         <m:t>=</m:t>
                       </m:r>
                       <m:r>
                         <a:rPr lang="en-GB" b="0" i="1" smtClean="0">
                           <a:latin typeface="Cambria Math" panose="02040503050406030204" pitchFamily="18" charset="0"/>
-                          <a:ea typeface="Cambria Math" panose="02040503050406030204" pitchFamily="18" charset="0"/>
                         </a:rPr>
                         <m:t>0</m:t>
                       </m:r>
                       <m:r>
                         <a:rPr lang="en-GB" b="0" i="1" smtClean="0">
                           <a:latin typeface="Cambria Math" panose="02040503050406030204" pitchFamily="18" charset="0"/>
-                          <a:ea typeface="Cambria Math" panose="02040503050406030204" pitchFamily="18" charset="0"/>
                         </a:rPr>
                         <m:t>.</m:t>
                       </m:r>
                       <m:r>
                         <a:rPr lang="en-GB" b="0" i="1" smtClean="0">
                           <a:latin typeface="Cambria Math" panose="02040503050406030204" pitchFamily="18" charset="0"/>
-                          <a:ea typeface="Cambria Math" panose="02040503050406030204" pitchFamily="18" charset="0"/>
                         </a:rPr>
                         <m:t>091</m:t>
+                      </m:r>
+                      <m:r>
+                        <a:rPr lang="en-US" b="0" i="1" smtClean="0">
+                          <a:latin typeface="Cambria Math" panose="02040503050406030204" pitchFamily="18" charset="0"/>
+                        </a:rPr>
+                        <m:t>=</m:t>
+                      </m:r>
+                      <m:r>
+                        <a:rPr lang="en-US" b="0" i="1" smtClean="0">
+                          <a:latin typeface="Cambria Math" panose="02040503050406030204" pitchFamily="18" charset="0"/>
+                        </a:rPr>
+                        <m:t>𝑆𝐸</m:t>
                       </m:r>
                     </m:oMath>
                   </m:oMathPara>
@@ -11451,7 +11906,28 @@
                 <a:endParaRPr lang="he-IL" dirty="0"/>
               </a:p>
               <a:p>
+                <a:pPr algn="r" rtl="1"/>
+                <a:endParaRPr lang="he-IL" dirty="0"/>
+              </a:p>
+              <a:p>
+                <a:pPr algn="r" rtl="1"/>
+                <a:endParaRPr lang="he-IL" dirty="0"/>
+              </a:p>
+              <a:p>
+                <a:pPr algn="r" rtl="1"/>
+                <a:r>
+                  <a:rPr lang="he-IL" dirty="0"/>
+                  <a:t>כלומר נסתכל על הבדלים של יותר מ9%</a:t>
+                </a:r>
+              </a:p>
+              <a:p>
                 <a:pPr marL="0" indent="0" algn="r" rtl="1">
+                  <a:buNone/>
+                </a:pPr>
+                <a:endParaRPr lang="he-IL" dirty="0"/>
+              </a:p>
+              <a:p>
+                <a:pPr marL="0" indent="0" rtl="1">
                   <a:buNone/>
                 </a:pPr>
                 <a:endParaRPr lang="en-US" dirty="0"/>
@@ -11473,18 +11949,18 @@
                 <a:spLocks noGrp="1" noRot="1" noChangeAspect="1" noMove="1" noResize="1" noEditPoints="1" noAdjustHandles="1" noChangeArrowheads="1" noChangeShapeType="1" noTextEdit="1"/>
               </p:cNvSpPr>
               <p:nvPr>
-                <p:ph sz="half" idx="2"/>
+                <p:ph sz="half" idx="13"/>
               </p:nvPr>
             </p:nvSpPr>
             <p:spPr>
               <a:xfrm>
-                <a:off x="838199" y="2301072"/>
-                <a:ext cx="5733773" cy="3885827"/>
+                <a:off x="2468880" y="1402080"/>
+                <a:ext cx="6715760" cy="5083780"/>
               </a:xfrm>
               <a:blipFill>
                 <a:blip r:embed="rId2"/>
                 <a:stretch>
-                  <a:fillRect t="-784" r="-850"/>
+                  <a:fillRect t="-1559" r="-726"/>
                 </a:stretch>
               </a:blipFill>
             </p:spPr>
@@ -11519,17 +11995,33 @@
             <p:ph type="sldNum" sz="quarter" idx="12"/>
           </p:nvPr>
         </p:nvSpPr>
-        <p:spPr/>
-        <p:txBody>
-          <a:bodyPr/>
+        <p:spPr>
+          <a:xfrm>
+            <a:off x="10373350" y="6356349"/>
+            <a:ext cx="987552" cy="365125"/>
+          </a:xfrm>
+        </p:spPr>
+        <p:txBody>
+          <a:bodyPr anchor="ctr">
+            <a:normAutofit/>
+          </a:bodyPr>
           <a:lstStyle/>
           <a:p>
+            <a:pPr>
+              <a:spcAft>
+                <a:spcPts val="600"/>
+              </a:spcAft>
+            </a:pPr>
             <a:fld id="{A49DFD55-3C28-40EF-9E31-A92D2E4017FF}" type="slidenum">
               <a:rPr lang="en-US" smtClean="0"/>
-              <a:pPr/>
-              <a:t>22</a:t>
+              <a:pPr>
+                <a:spcAft>
+                  <a:spcPts val="600"/>
+                </a:spcAft>
+              </a:pPr>
+              <a:t>24</a:t>
             </a:fld>
-            <a:endParaRPr lang="en-US" dirty="0"/>
+            <a:endParaRPr lang="en-US"/>
           </a:p>
         </p:txBody>
       </p:sp>
@@ -11537,422 +12029,6 @@
     <p:extLst>
       <p:ext uri="{BB962C8B-B14F-4D97-AF65-F5344CB8AC3E}">
         <p14:creationId xmlns:p14="http://schemas.microsoft.com/office/powerpoint/2010/main" val="2854700588"/>
-      </p:ext>
-    </p:extLst>
-  </p:cSld>
-  <p:clrMapOvr>
-    <a:masterClrMapping/>
-  </p:clrMapOvr>
-</p:sld>
-</file>
-
-<file path=ppt/slides/slide23.xml><?xml version="1.0" encoding="utf-8"?>
-<p:sld xmlns:a="http://schemas.openxmlformats.org/drawingml/2006/main" xmlns:r="http://schemas.openxmlformats.org/officeDocument/2006/relationships" xmlns:p="http://schemas.openxmlformats.org/presentationml/2006/main">
-  <p:cSld>
-    <p:spTree>
-      <p:nvGrpSpPr>
-        <p:cNvPr id="1" name=""/>
-        <p:cNvGrpSpPr/>
-        <p:nvPr/>
-      </p:nvGrpSpPr>
-      <p:grpSpPr>
-        <a:xfrm>
-          <a:off x="0" y="0"/>
-          <a:ext cx="0" cy="0"/>
-          <a:chOff x="0" y="0"/>
-          <a:chExt cx="0" cy="0"/>
-        </a:xfrm>
-      </p:grpSpPr>
-      <p:sp>
-        <p:nvSpPr>
-          <p:cNvPr id="2" name="Title 1">
-            <a:extLst>
-              <a:ext uri="{FF2B5EF4-FFF2-40B4-BE49-F238E27FC236}">
-                <a16:creationId xmlns:a16="http://schemas.microsoft.com/office/drawing/2014/main" id="{079C918D-48B1-65EC-E2C6-46EDC659726E}"/>
-              </a:ext>
-            </a:extLst>
-          </p:cNvPr>
-          <p:cNvSpPr>
-            <a:spLocks noGrp="1"/>
-          </p:cNvSpPr>
-          <p:nvPr>
-            <p:ph type="title"/>
-          </p:nvPr>
-        </p:nvSpPr>
-        <p:spPr>
-          <a:xfrm>
-            <a:off x="552659" y="267394"/>
-            <a:ext cx="10231229" cy="439419"/>
-          </a:xfrm>
-        </p:spPr>
-        <p:txBody>
-          <a:bodyPr>
-            <a:normAutofit fontScale="90000"/>
-          </a:bodyPr>
-          <a:lstStyle/>
-          <a:p>
-            <a:r>
-              <a:rPr lang="en-US" dirty="0"/>
-              <a:t>Results</a:t>
-            </a:r>
-            <a:endParaRPr lang="en-IL" dirty="0"/>
-          </a:p>
-        </p:txBody>
-      </p:sp>
-      <p:sp>
-        <p:nvSpPr>
-          <p:cNvPr id="3" name="Text Placeholder 2">
-            <a:extLst>
-              <a:ext uri="{FF2B5EF4-FFF2-40B4-BE49-F238E27FC236}">
-                <a16:creationId xmlns:a16="http://schemas.microsoft.com/office/drawing/2014/main" id="{CF7CB75A-5411-9BAD-46B5-15DB1EED06FD}"/>
-              </a:ext>
-            </a:extLst>
-          </p:cNvPr>
-          <p:cNvSpPr>
-            <a:spLocks noGrp="1"/>
-          </p:cNvSpPr>
-          <p:nvPr>
-            <p:ph type="body" idx="1"/>
-          </p:nvPr>
-        </p:nvSpPr>
-        <p:spPr>
-          <a:xfrm>
-            <a:off x="423697" y="880351"/>
-            <a:ext cx="5745480" cy="439419"/>
-          </a:xfrm>
-        </p:spPr>
-        <p:txBody>
-          <a:bodyPr>
-            <a:noAutofit/>
-          </a:bodyPr>
-          <a:lstStyle/>
-          <a:p>
-            <a:r>
-              <a:rPr lang="en-US" sz="1200" b="0" dirty="0"/>
-              <a:t>In a lot of cases, we saw that gender and race didn’t really impact ChatGPT’s recommendations for career with a few interesting exceptions.</a:t>
-            </a:r>
-            <a:endParaRPr lang="en-IL" sz="1200" b="0" dirty="0"/>
-          </a:p>
-        </p:txBody>
-      </p:sp>
-      <p:pic>
-        <p:nvPicPr>
-          <p:cNvPr id="9" name="Content Placeholder 8">
-            <a:extLst>
-              <a:ext uri="{FF2B5EF4-FFF2-40B4-BE49-F238E27FC236}">
-                <a16:creationId xmlns:a16="http://schemas.microsoft.com/office/drawing/2014/main" id="{EF9E359C-3EE7-B640-8DDC-8BCF60D761CF}"/>
-              </a:ext>
-            </a:extLst>
-          </p:cNvPr>
-          <p:cNvPicPr>
-            <a:picLocks noGrp="1" noChangeAspect="1"/>
-          </p:cNvPicPr>
-          <p:nvPr>
-            <p:ph sz="half" idx="15"/>
-          </p:nvPr>
-        </p:nvPicPr>
-        <p:blipFill>
-          <a:blip r:embed="rId2"/>
-          <a:stretch>
-            <a:fillRect/>
-          </a:stretch>
-        </p:blipFill>
-        <p:spPr>
-          <a:xfrm>
-            <a:off x="423697" y="1386674"/>
-            <a:ext cx="5383537" cy="4443100"/>
-          </a:xfrm>
-        </p:spPr>
-      </p:pic>
-      <p:sp>
-        <p:nvSpPr>
-          <p:cNvPr id="5" name="Text Placeholder 4">
-            <a:extLst>
-              <a:ext uri="{FF2B5EF4-FFF2-40B4-BE49-F238E27FC236}">
-                <a16:creationId xmlns:a16="http://schemas.microsoft.com/office/drawing/2014/main" id="{5956C43D-DB7C-4A08-4FA3-014882C8F544}"/>
-              </a:ext>
-            </a:extLst>
-          </p:cNvPr>
-          <p:cNvSpPr>
-            <a:spLocks noGrp="1"/>
-          </p:cNvSpPr>
-          <p:nvPr>
-            <p:ph type="body" idx="10"/>
-          </p:nvPr>
-        </p:nvSpPr>
-        <p:spPr>
-          <a:xfrm>
-            <a:off x="6096000" y="1938002"/>
-            <a:ext cx="5516880" cy="351284"/>
-          </a:xfrm>
-        </p:spPr>
-        <p:txBody>
-          <a:bodyPr>
-            <a:normAutofit fontScale="62500" lnSpcReduction="20000"/>
-          </a:bodyPr>
-          <a:lstStyle/>
-          <a:p>
-            <a:r>
-              <a:rPr lang="en-US" dirty="0"/>
-              <a:t>We also analyzed key words that were frequently used among the answers</a:t>
-            </a:r>
-            <a:endParaRPr lang="en-IL" dirty="0"/>
-          </a:p>
-        </p:txBody>
-      </p:sp>
-      <p:pic>
-        <p:nvPicPr>
-          <p:cNvPr id="11" name="Content Placeholder 10">
-            <a:extLst>
-              <a:ext uri="{FF2B5EF4-FFF2-40B4-BE49-F238E27FC236}">
-                <a16:creationId xmlns:a16="http://schemas.microsoft.com/office/drawing/2014/main" id="{6721E7F6-6278-2EC3-53D9-CC37DE703E4C}"/>
-              </a:ext>
-            </a:extLst>
-          </p:cNvPr>
-          <p:cNvPicPr>
-            <a:picLocks noGrp="1" noChangeAspect="1"/>
-          </p:cNvPicPr>
-          <p:nvPr>
-            <p:ph sz="half" idx="14"/>
-          </p:nvPr>
-        </p:nvPicPr>
-        <p:blipFill>
-          <a:blip r:embed="rId3"/>
-          <a:stretch>
-            <a:fillRect/>
-          </a:stretch>
-        </p:blipFill>
-        <p:spPr>
-          <a:xfrm>
-            <a:off x="6263560" y="2442678"/>
-            <a:ext cx="5243396" cy="3255602"/>
-          </a:xfrm>
-        </p:spPr>
-      </p:pic>
-      <p:sp>
-        <p:nvSpPr>
-          <p:cNvPr id="7" name="Slide Number Placeholder 6">
-            <a:extLst>
-              <a:ext uri="{FF2B5EF4-FFF2-40B4-BE49-F238E27FC236}">
-                <a16:creationId xmlns:a16="http://schemas.microsoft.com/office/drawing/2014/main" id="{7EFCF694-0A55-9141-0DD6-A2DD28E6C7E7}"/>
-              </a:ext>
-            </a:extLst>
-          </p:cNvPr>
-          <p:cNvSpPr>
-            <a:spLocks noGrp="1"/>
-          </p:cNvSpPr>
-          <p:nvPr>
-            <p:ph type="sldNum" sz="quarter" idx="13"/>
-          </p:nvPr>
-        </p:nvSpPr>
-        <p:spPr/>
-        <p:txBody>
-          <a:bodyPr/>
-          <a:lstStyle/>
-          <a:p>
-            <a:fld id="{A49DFD55-3C28-40EF-9E31-A92D2E4017FF}" type="slidenum">
-              <a:rPr lang="en-US" smtClean="0"/>
-              <a:pPr/>
-              <a:t>23</a:t>
-            </a:fld>
-            <a:endParaRPr lang="en-US" dirty="0"/>
-          </a:p>
-        </p:txBody>
-      </p:sp>
-    </p:spTree>
-    <p:extLst>
-      <p:ext uri="{BB962C8B-B14F-4D97-AF65-F5344CB8AC3E}">
-        <p14:creationId xmlns:p14="http://schemas.microsoft.com/office/powerpoint/2010/main" val="1136861367"/>
-      </p:ext>
-    </p:extLst>
-  </p:cSld>
-  <p:clrMapOvr>
-    <a:masterClrMapping/>
-  </p:clrMapOvr>
-</p:sld>
-</file>
-
-<file path=ppt/slides/slide24.xml><?xml version="1.0" encoding="utf-8"?>
-<p:sld xmlns:a="http://schemas.openxmlformats.org/drawingml/2006/main" xmlns:r="http://schemas.openxmlformats.org/officeDocument/2006/relationships" xmlns:p="http://schemas.openxmlformats.org/presentationml/2006/main">
-  <p:cSld>
-    <p:spTree>
-      <p:nvGrpSpPr>
-        <p:cNvPr id="1" name=""/>
-        <p:cNvGrpSpPr/>
-        <p:nvPr/>
-      </p:nvGrpSpPr>
-      <p:grpSpPr>
-        <a:xfrm>
-          <a:off x="0" y="0"/>
-          <a:ext cx="0" cy="0"/>
-          <a:chOff x="0" y="0"/>
-          <a:chExt cx="0" cy="0"/>
-        </a:xfrm>
-      </p:grpSpPr>
-      <p:sp>
-        <p:nvSpPr>
-          <p:cNvPr id="2" name="Title 1">
-            <a:extLst>
-              <a:ext uri="{FF2B5EF4-FFF2-40B4-BE49-F238E27FC236}">
-                <a16:creationId xmlns:a16="http://schemas.microsoft.com/office/drawing/2014/main" id="{E72DF7FB-C819-33B8-E7A4-3DEE6D1814CB}"/>
-              </a:ext>
-            </a:extLst>
-          </p:cNvPr>
-          <p:cNvSpPr>
-            <a:spLocks noGrp="1"/>
-          </p:cNvSpPr>
-          <p:nvPr>
-            <p:ph type="title"/>
-          </p:nvPr>
-        </p:nvSpPr>
-        <p:spPr>
-          <a:xfrm>
-            <a:off x="496556" y="337192"/>
-            <a:ext cx="5996841" cy="938949"/>
-          </a:xfrm>
-        </p:spPr>
-        <p:txBody>
-          <a:bodyPr/>
-          <a:lstStyle/>
-          <a:p>
-            <a:r>
-              <a:rPr lang="en-US" dirty="0"/>
-              <a:t>Results </a:t>
-            </a:r>
-            <a:endParaRPr lang="en-IL" dirty="0"/>
-          </a:p>
-        </p:txBody>
-      </p:sp>
-      <p:pic>
-        <p:nvPicPr>
-          <p:cNvPr id="9" name="Content Placeholder 8">
-            <a:extLst>
-              <a:ext uri="{FF2B5EF4-FFF2-40B4-BE49-F238E27FC236}">
-                <a16:creationId xmlns:a16="http://schemas.microsoft.com/office/drawing/2014/main" id="{A79D894F-5279-522E-5FD9-D18CD9F576B6}"/>
-              </a:ext>
-            </a:extLst>
-          </p:cNvPr>
-          <p:cNvPicPr>
-            <a:picLocks noGrp="1" noChangeAspect="1"/>
-          </p:cNvPicPr>
-          <p:nvPr>
-            <p:ph sz="half" idx="2"/>
-          </p:nvPr>
-        </p:nvPicPr>
-        <p:blipFill>
-          <a:blip r:embed="rId2"/>
-          <a:stretch>
-            <a:fillRect/>
-          </a:stretch>
-        </p:blipFill>
-        <p:spPr>
-          <a:xfrm>
-            <a:off x="496556" y="1567543"/>
-            <a:ext cx="6695563" cy="4788807"/>
-          </a:xfrm>
-        </p:spPr>
-      </p:pic>
-      <p:sp>
-        <p:nvSpPr>
-          <p:cNvPr id="5" name="Text Placeholder 4">
-            <a:extLst>
-              <a:ext uri="{FF2B5EF4-FFF2-40B4-BE49-F238E27FC236}">
-                <a16:creationId xmlns:a16="http://schemas.microsoft.com/office/drawing/2014/main" id="{C04D5CF9-29F4-8B0E-E753-ACA7C88032DD}"/>
-              </a:ext>
-            </a:extLst>
-          </p:cNvPr>
-          <p:cNvSpPr>
-            <a:spLocks noGrp="1"/>
-          </p:cNvSpPr>
-          <p:nvPr>
-            <p:ph type="body" sz="quarter" idx="3"/>
-          </p:nvPr>
-        </p:nvSpPr>
-        <p:spPr/>
-        <p:txBody>
-          <a:bodyPr/>
-          <a:lstStyle/>
-          <a:p>
-            <a:r>
-              <a:rPr lang="en-US" dirty="0"/>
-              <a:t>Surprising results </a:t>
-            </a:r>
-            <a:endParaRPr lang="en-IL" dirty="0"/>
-          </a:p>
-        </p:txBody>
-      </p:sp>
-      <p:sp>
-        <p:nvSpPr>
-          <p:cNvPr id="6" name="Content Placeholder 5">
-            <a:extLst>
-              <a:ext uri="{FF2B5EF4-FFF2-40B4-BE49-F238E27FC236}">
-                <a16:creationId xmlns:a16="http://schemas.microsoft.com/office/drawing/2014/main" id="{714DB05C-A40C-A18C-8DA2-7C13FB0E0275}"/>
-              </a:ext>
-            </a:extLst>
-          </p:cNvPr>
-          <p:cNvSpPr>
-            <a:spLocks noGrp="1"/>
-          </p:cNvSpPr>
-          <p:nvPr>
-            <p:ph sz="half" idx="14"/>
-          </p:nvPr>
-        </p:nvSpPr>
-        <p:spPr/>
-        <p:txBody>
-          <a:bodyPr/>
-          <a:lstStyle/>
-          <a:p>
-            <a:r>
-              <a:rPr lang="en-US" dirty="0"/>
-              <a:t>The difference between the results of the white female and the Asian and Arab female.</a:t>
-            </a:r>
-          </a:p>
-          <a:p>
-            <a:endParaRPr lang="en-US" dirty="0"/>
-          </a:p>
-          <a:p>
-            <a:r>
-              <a:rPr lang="en-US" dirty="0"/>
-              <a:t>The high recommendation for Engineering amongst the Asian and Arab female profile.</a:t>
-            </a:r>
-            <a:endParaRPr lang="en-IL" dirty="0"/>
-          </a:p>
-        </p:txBody>
-      </p:sp>
-      <p:sp>
-        <p:nvSpPr>
-          <p:cNvPr id="7" name="Slide Number Placeholder 6">
-            <a:extLst>
-              <a:ext uri="{FF2B5EF4-FFF2-40B4-BE49-F238E27FC236}">
-                <a16:creationId xmlns:a16="http://schemas.microsoft.com/office/drawing/2014/main" id="{09DBDD9D-78F9-827B-0AFA-38593EC63E9E}"/>
-              </a:ext>
-            </a:extLst>
-          </p:cNvPr>
-          <p:cNvSpPr>
-            <a:spLocks noGrp="1"/>
-          </p:cNvSpPr>
-          <p:nvPr>
-            <p:ph type="sldNum" sz="quarter" idx="12"/>
-          </p:nvPr>
-        </p:nvSpPr>
-        <p:spPr/>
-        <p:txBody>
-          <a:bodyPr/>
-          <a:lstStyle/>
-          <a:p>
-            <a:fld id="{A49DFD55-3C28-40EF-9E31-A92D2E4017FF}" type="slidenum">
-              <a:rPr lang="en-US" smtClean="0"/>
-              <a:pPr/>
-              <a:t>24</a:t>
-            </a:fld>
-            <a:endParaRPr lang="en-US" dirty="0"/>
-          </a:p>
-        </p:txBody>
-      </p:sp>
-    </p:spTree>
-    <p:extLst>
-      <p:ext uri="{BB962C8B-B14F-4D97-AF65-F5344CB8AC3E}">
-        <p14:creationId xmlns:p14="http://schemas.microsoft.com/office/powerpoint/2010/main" val="3099272285"/>
       </p:ext>
     </p:extLst>
   </p:cSld>
@@ -11984,7 +12060,7 @@
           <p:cNvPr id="2" name="Title 1">
             <a:extLst>
               <a:ext uri="{FF2B5EF4-FFF2-40B4-BE49-F238E27FC236}">
-                <a16:creationId xmlns:a16="http://schemas.microsoft.com/office/drawing/2014/main" id="{53346D3E-0ED9-F2B4-F6E3-F93699DEDD17}"/>
+                <a16:creationId xmlns:a16="http://schemas.microsoft.com/office/drawing/2014/main" id="{079C918D-48B1-65EC-E2C6-46EDC659726E}"/>
               </a:ext>
             </a:extLst>
           </p:cNvPr>
@@ -11997,37 +12073,139 @@
         </p:nvSpPr>
         <p:spPr>
           <a:xfrm>
-            <a:off x="633046" y="470560"/>
-            <a:ext cx="10550919" cy="775892"/>
-          </a:xfrm>
-        </p:spPr>
+            <a:off x="552659" y="267394"/>
+            <a:ext cx="10231229" cy="439419"/>
+          </a:xfrm>
+        </p:spPr>
+        <p:txBody>
+          <a:bodyPr>
+            <a:normAutofit fontScale="90000"/>
+          </a:bodyPr>
+          <a:lstStyle/>
+          <a:p>
+            <a:r>
+              <a:rPr lang="en-US" dirty="0"/>
+              <a:t>Results</a:t>
+            </a:r>
+            <a:endParaRPr lang="en-IL" dirty="0"/>
+          </a:p>
+        </p:txBody>
+      </p:sp>
+      <p:sp>
+        <p:nvSpPr>
+          <p:cNvPr id="3" name="Text Placeholder 2">
+            <a:extLst>
+              <a:ext uri="{FF2B5EF4-FFF2-40B4-BE49-F238E27FC236}">
+                <a16:creationId xmlns:a16="http://schemas.microsoft.com/office/drawing/2014/main" id="{CF7CB75A-5411-9BAD-46B5-15DB1EED06FD}"/>
+              </a:ext>
+            </a:extLst>
+          </p:cNvPr>
+          <p:cNvSpPr>
+            <a:spLocks noGrp="1"/>
+          </p:cNvSpPr>
+          <p:nvPr>
+            <p:ph type="body" idx="1"/>
+          </p:nvPr>
+        </p:nvSpPr>
+        <p:spPr>
+          <a:xfrm>
+            <a:off x="423697" y="738676"/>
+            <a:ext cx="5745480" cy="439419"/>
+          </a:xfrm>
+        </p:spPr>
+        <p:txBody>
+          <a:bodyPr>
+            <a:noAutofit/>
+          </a:bodyPr>
+          <a:lstStyle/>
+          <a:p>
+            <a:r>
+              <a:rPr lang="en-US" sz="1200" b="0" dirty="0"/>
+              <a:t>In a lot of cases, we saw that gender and race didn’t really impact ChatGPT’s recommendations for career with a few interesting exceptions.</a:t>
+            </a:r>
+            <a:endParaRPr lang="en-IL" sz="1200" b="0" dirty="0"/>
+          </a:p>
+        </p:txBody>
+      </p:sp>
+      <p:sp>
+        <p:nvSpPr>
+          <p:cNvPr id="5" name="Text Placeholder 4">
+            <a:extLst>
+              <a:ext uri="{FF2B5EF4-FFF2-40B4-BE49-F238E27FC236}">
+                <a16:creationId xmlns:a16="http://schemas.microsoft.com/office/drawing/2014/main" id="{5956C43D-DB7C-4A08-4FA3-014882C8F544}"/>
+              </a:ext>
+            </a:extLst>
+          </p:cNvPr>
+          <p:cNvSpPr>
+            <a:spLocks noGrp="1"/>
+          </p:cNvSpPr>
+          <p:nvPr>
+            <p:ph type="body" idx="10"/>
+          </p:nvPr>
+        </p:nvSpPr>
+        <p:spPr>
+          <a:xfrm>
+            <a:off x="6614160" y="1551921"/>
+            <a:ext cx="4998720" cy="915575"/>
+          </a:xfrm>
+        </p:spPr>
+        <p:txBody>
+          <a:bodyPr>
+            <a:normAutofit/>
+          </a:bodyPr>
+          <a:lstStyle/>
+          <a:p>
+            <a:r>
+              <a:rPr lang="en-US" dirty="0"/>
+              <a:t>We also analyzed key words that were frequently used among the answers</a:t>
+            </a:r>
+            <a:endParaRPr lang="en-IL" dirty="0"/>
+          </a:p>
+        </p:txBody>
+      </p:sp>
+      <p:sp>
+        <p:nvSpPr>
+          <p:cNvPr id="7" name="Slide Number Placeholder 6">
+            <a:extLst>
+              <a:ext uri="{FF2B5EF4-FFF2-40B4-BE49-F238E27FC236}">
+                <a16:creationId xmlns:a16="http://schemas.microsoft.com/office/drawing/2014/main" id="{7EFCF694-0A55-9141-0DD6-A2DD28E6C7E7}"/>
+              </a:ext>
+            </a:extLst>
+          </p:cNvPr>
+          <p:cNvSpPr>
+            <a:spLocks noGrp="1"/>
+          </p:cNvSpPr>
+          <p:nvPr>
+            <p:ph type="sldNum" sz="quarter" idx="13"/>
+          </p:nvPr>
+        </p:nvSpPr>
+        <p:spPr/>
         <p:txBody>
           <a:bodyPr/>
           <a:lstStyle/>
           <a:p>
-            <a:r>
-              <a:rPr lang="en-US" dirty="0"/>
-              <a:t>Results </a:t>
-            </a:r>
-            <a:endParaRPr lang="en-IL" dirty="0"/>
+            <a:fld id="{A49DFD55-3C28-40EF-9E31-A92D2E4017FF}" type="slidenum">
+              <a:rPr lang="en-US" smtClean="0"/>
+              <a:pPr/>
+              <a:t>25</a:t>
+            </a:fld>
+            <a:endParaRPr lang="en-US" dirty="0"/>
           </a:p>
         </p:txBody>
       </p:sp>
       <p:pic>
         <p:nvPicPr>
-          <p:cNvPr id="9" name="Content Placeholder 8">
-            <a:extLst>
-              <a:ext uri="{FF2B5EF4-FFF2-40B4-BE49-F238E27FC236}">
-                <a16:creationId xmlns:a16="http://schemas.microsoft.com/office/drawing/2014/main" id="{EA388DB5-FBC0-32EF-0776-6DDBFBF2D56E}"/>
+          <p:cNvPr id="10" name="Picture 9">
+            <a:extLst>
+              <a:ext uri="{FF2B5EF4-FFF2-40B4-BE49-F238E27FC236}">
+                <a16:creationId xmlns:a16="http://schemas.microsoft.com/office/drawing/2014/main" id="{49827989-E1C2-8677-AF2D-012C37561FE6}"/>
               </a:ext>
             </a:extLst>
           </p:cNvPr>
           <p:cNvPicPr>
-            <a:picLocks noGrp="1" noChangeAspect="1"/>
+            <a:picLocks noChangeAspect="1"/>
           </p:cNvPicPr>
-          <p:nvPr>
-            <p:ph sz="half" idx="15"/>
-          </p:nvPr>
+          <p:nvPr/>
         </p:nvPicPr>
         <p:blipFill>
           <a:blip r:embed="rId2"/>
@@ -12037,25 +12215,28 @@
         </p:blipFill>
         <p:spPr>
           <a:xfrm>
-            <a:off x="633046" y="1347392"/>
-            <a:ext cx="6079253" cy="874615"/>
-          </a:xfrm>
+            <a:off x="6263176" y="2725267"/>
+            <a:ext cx="5349704" cy="3520745"/>
+          </a:xfrm>
+          <a:prstGeom prst="rect">
+            <a:avLst/>
+          </a:prstGeom>
         </p:spPr>
       </p:pic>
       <p:sp>
         <p:nvSpPr>
-          <p:cNvPr id="7" name="Slide Number Placeholder 6">
-            <a:extLst>
-              <a:ext uri="{FF2B5EF4-FFF2-40B4-BE49-F238E27FC236}">
-                <a16:creationId xmlns:a16="http://schemas.microsoft.com/office/drawing/2014/main" id="{9D857456-A5A5-0481-BD88-1B0EDFAD3740}"/>
-              </a:ext>
-            </a:extLst>
-          </p:cNvPr>
-          <p:cNvSpPr>
-            <a:spLocks noGrp="1"/>
-          </p:cNvSpPr>
-          <p:nvPr>
-            <p:ph type="sldNum" sz="quarter" idx="13"/>
+          <p:cNvPr id="13" name="Content Placeholder 12">
+            <a:extLst>
+              <a:ext uri="{FF2B5EF4-FFF2-40B4-BE49-F238E27FC236}">
+                <a16:creationId xmlns:a16="http://schemas.microsoft.com/office/drawing/2014/main" id="{0965AAA0-F12E-7DAE-9013-8ADFE38F2AC2}"/>
+              </a:ext>
+            </a:extLst>
+          </p:cNvPr>
+          <p:cNvSpPr>
+            <a:spLocks noGrp="1"/>
+          </p:cNvSpPr>
+          <p:nvPr>
+            <p:ph sz="half" idx="15"/>
           </p:nvPr>
         </p:nvSpPr>
         <p:spPr/>
@@ -12063,21 +12244,16 @@
           <a:bodyPr/>
           <a:lstStyle/>
           <a:p>
-            <a:fld id="{A49DFD55-3C28-40EF-9E31-A92D2E4017FF}" type="slidenum">
-              <a:rPr lang="en-US" smtClean="0"/>
-              <a:pPr/>
-              <a:t>25</a:t>
-            </a:fld>
-            <a:endParaRPr lang="en-US" dirty="0"/>
+            <a:endParaRPr lang="en-IL"/>
           </a:p>
         </p:txBody>
       </p:sp>
       <p:pic>
         <p:nvPicPr>
-          <p:cNvPr id="11" name="Picture 10">
-            <a:extLst>
-              <a:ext uri="{FF2B5EF4-FFF2-40B4-BE49-F238E27FC236}">
-                <a16:creationId xmlns:a16="http://schemas.microsoft.com/office/drawing/2014/main" id="{E10B7E79-7D39-8772-415E-339311740F2A}"/>
+          <p:cNvPr id="15" name="Picture 14">
+            <a:extLst>
+              <a:ext uri="{FF2B5EF4-FFF2-40B4-BE49-F238E27FC236}">
+                <a16:creationId xmlns:a16="http://schemas.microsoft.com/office/drawing/2014/main" id="{D0AC133E-4432-2AF4-937C-7634C8025606}"/>
               </a:ext>
             </a:extLst>
           </p:cNvPr>
@@ -12094,38 +12270,8 @@
         </p:blipFill>
         <p:spPr>
           <a:xfrm>
-            <a:off x="633046" y="2393742"/>
-            <a:ext cx="5534706" cy="3374012"/>
-          </a:xfrm>
-          <a:prstGeom prst="rect">
-            <a:avLst/>
-          </a:prstGeom>
-        </p:spPr>
-      </p:pic>
-      <p:pic>
-        <p:nvPicPr>
-          <p:cNvPr id="4" name="Picture 3">
-            <a:extLst>
-              <a:ext uri="{FF2B5EF4-FFF2-40B4-BE49-F238E27FC236}">
-                <a16:creationId xmlns:a16="http://schemas.microsoft.com/office/drawing/2014/main" id="{E515C2E6-CEC9-CBCC-AE3A-712D7E4A235D}"/>
-              </a:ext>
-            </a:extLst>
-          </p:cNvPr>
-          <p:cNvPicPr>
-            <a:picLocks noChangeAspect="1"/>
-          </p:cNvPicPr>
-          <p:nvPr/>
-        </p:nvPicPr>
-        <p:blipFill>
-          <a:blip r:embed="rId4"/>
-          <a:stretch>
-            <a:fillRect/>
-          </a:stretch>
-        </p:blipFill>
-        <p:spPr>
-          <a:xfrm>
-            <a:off x="6250076" y="2222007"/>
-            <a:ext cx="5534706" cy="3796956"/>
+            <a:off x="304800" y="1340918"/>
+            <a:ext cx="5958376" cy="4663844"/>
           </a:xfrm>
           <a:prstGeom prst="rect">
             <a:avLst/>
@@ -12135,7 +12281,7 @@
     </p:spTree>
     <p:extLst>
       <p:ext uri="{BB962C8B-B14F-4D97-AF65-F5344CB8AC3E}">
-        <p14:creationId xmlns:p14="http://schemas.microsoft.com/office/powerpoint/2010/main" val="1291220640"/>
+        <p14:creationId xmlns:p14="http://schemas.microsoft.com/office/powerpoint/2010/main" val="1136861367"/>
       </p:ext>
     </p:extLst>
   </p:cSld>
@@ -12167,25 +12313,32 @@
           <p:cNvPr id="2" name="Title 1">
             <a:extLst>
               <a:ext uri="{FF2B5EF4-FFF2-40B4-BE49-F238E27FC236}">
-                <a16:creationId xmlns:a16="http://schemas.microsoft.com/office/drawing/2014/main" id="{69F8C927-FD4B-6760-5915-F0A34E97A93D}"/>
-              </a:ext>
-            </a:extLst>
-          </p:cNvPr>
-          <p:cNvSpPr>
-            <a:spLocks noGrp="1"/>
-          </p:cNvSpPr>
-          <p:nvPr>
-            <p:ph type="ctrTitle"/>
-          </p:nvPr>
-        </p:nvSpPr>
-        <p:spPr/>
-        <p:txBody>
-          <a:bodyPr/>
+                <a16:creationId xmlns:a16="http://schemas.microsoft.com/office/drawing/2014/main" id="{079C918D-48B1-65EC-E2C6-46EDC659726E}"/>
+              </a:ext>
+            </a:extLst>
+          </p:cNvPr>
+          <p:cNvSpPr>
+            <a:spLocks noGrp="1"/>
+          </p:cNvSpPr>
+          <p:nvPr>
+            <p:ph type="title"/>
+          </p:nvPr>
+        </p:nvSpPr>
+        <p:spPr>
+          <a:xfrm>
+            <a:off x="552658" y="382098"/>
+            <a:ext cx="10231229" cy="826941"/>
+          </a:xfrm>
+        </p:spPr>
+        <p:txBody>
+          <a:bodyPr>
+            <a:normAutofit/>
+          </a:bodyPr>
           <a:lstStyle/>
           <a:p>
             <a:r>
               <a:rPr lang="en-US" dirty="0"/>
-              <a:t>Part 2</a:t>
+              <a:t>Results</a:t>
             </a:r>
             <a:endParaRPr lang="en-IL" dirty="0"/>
           </a:p>
@@ -12193,59 +12346,18 @@
       </p:sp>
       <p:sp>
         <p:nvSpPr>
-          <p:cNvPr id="3" name="Subtitle 2">
-            <a:extLst>
-              <a:ext uri="{FF2B5EF4-FFF2-40B4-BE49-F238E27FC236}">
-                <a16:creationId xmlns:a16="http://schemas.microsoft.com/office/drawing/2014/main" id="{DA50D3F0-64BB-DD49-58FC-3CCDFFC36249}"/>
-              </a:ext>
-            </a:extLst>
-          </p:cNvPr>
-          <p:cNvSpPr>
-            <a:spLocks noGrp="1"/>
-          </p:cNvSpPr>
-          <p:nvPr>
-            <p:ph type="subTitle" idx="1"/>
-          </p:nvPr>
-        </p:nvSpPr>
-        <p:spPr>
-          <a:xfrm>
-            <a:off x="4267199" y="3238103"/>
-            <a:ext cx="5529943" cy="2850181"/>
-          </a:xfrm>
-        </p:spPr>
-        <p:txBody>
-          <a:bodyPr/>
-          <a:lstStyle/>
-          <a:p>
-            <a:pPr algn="r"/>
-            <a:r>
-              <a:rPr lang="he-IL" dirty="0"/>
-              <a:t>תרגום השאלות לעברית.</a:t>
-            </a:r>
-          </a:p>
-          <a:p>
-            <a:pPr algn="r"/>
-            <a:r>
-              <a:rPr lang="he-IL" dirty="0"/>
-              <a:t>תרגמנו את השאלות לאנגלית למין נקבה ומין זכר </a:t>
-            </a:r>
-          </a:p>
-        </p:txBody>
-      </p:sp>
-      <p:sp>
-        <p:nvSpPr>
-          <p:cNvPr id="4" name="Slide Number Placeholder 3">
-            <a:extLst>
-              <a:ext uri="{FF2B5EF4-FFF2-40B4-BE49-F238E27FC236}">
-                <a16:creationId xmlns:a16="http://schemas.microsoft.com/office/drawing/2014/main" id="{608FBA5B-9D17-A5BA-A273-27B643F3EE27}"/>
-              </a:ext>
-            </a:extLst>
-          </p:cNvPr>
-          <p:cNvSpPr>
-            <a:spLocks noGrp="1"/>
-          </p:cNvSpPr>
-          <p:nvPr>
-            <p:ph type="sldNum" sz="quarter" idx="12"/>
+          <p:cNvPr id="7" name="Slide Number Placeholder 6">
+            <a:extLst>
+              <a:ext uri="{FF2B5EF4-FFF2-40B4-BE49-F238E27FC236}">
+                <a16:creationId xmlns:a16="http://schemas.microsoft.com/office/drawing/2014/main" id="{7EFCF694-0A55-9141-0DD6-A2DD28E6C7E7}"/>
+              </a:ext>
+            </a:extLst>
+          </p:cNvPr>
+          <p:cNvSpPr>
+            <a:spLocks noGrp="1"/>
+          </p:cNvSpPr>
+          <p:nvPr>
+            <p:ph type="sldNum" sz="quarter" idx="13"/>
           </p:nvPr>
         </p:nvSpPr>
         <p:spPr/>
@@ -12262,10 +12374,70 @@
           </a:p>
         </p:txBody>
       </p:sp>
+      <p:pic>
+        <p:nvPicPr>
+          <p:cNvPr id="11" name="Picture 10">
+            <a:extLst>
+              <a:ext uri="{FF2B5EF4-FFF2-40B4-BE49-F238E27FC236}">
+                <a16:creationId xmlns:a16="http://schemas.microsoft.com/office/drawing/2014/main" id="{0CBC586D-649B-B19E-EF46-8B1D03594420}"/>
+              </a:ext>
+            </a:extLst>
+          </p:cNvPr>
+          <p:cNvPicPr>
+            <a:picLocks noChangeAspect="1"/>
+          </p:cNvPicPr>
+          <p:nvPr/>
+        </p:nvPicPr>
+        <p:blipFill>
+          <a:blip r:embed="rId2"/>
+          <a:stretch>
+            <a:fillRect/>
+          </a:stretch>
+        </p:blipFill>
+        <p:spPr>
+          <a:xfrm>
+            <a:off x="302263" y="1209039"/>
+            <a:ext cx="5793737" cy="5248909"/>
+          </a:xfrm>
+          <a:prstGeom prst="rect">
+            <a:avLst/>
+          </a:prstGeom>
+        </p:spPr>
+      </p:pic>
+      <p:pic>
+        <p:nvPicPr>
+          <p:cNvPr id="15" name="Picture 14">
+            <a:extLst>
+              <a:ext uri="{FF2B5EF4-FFF2-40B4-BE49-F238E27FC236}">
+                <a16:creationId xmlns:a16="http://schemas.microsoft.com/office/drawing/2014/main" id="{DCD4F427-82A5-AE21-53B2-D94C6CA1E075}"/>
+              </a:ext>
+            </a:extLst>
+          </p:cNvPr>
+          <p:cNvPicPr>
+            <a:picLocks noChangeAspect="1"/>
+          </p:cNvPicPr>
+          <p:nvPr/>
+        </p:nvPicPr>
+        <p:blipFill>
+          <a:blip r:embed="rId3"/>
+          <a:stretch>
+            <a:fillRect/>
+          </a:stretch>
+        </p:blipFill>
+        <p:spPr>
+          <a:xfrm>
+            <a:off x="6096000" y="2566498"/>
+            <a:ext cx="5845047" cy="1120237"/>
+          </a:xfrm>
+          <a:prstGeom prst="rect">
+            <a:avLst/>
+          </a:prstGeom>
+        </p:spPr>
+      </p:pic>
     </p:spTree>
     <p:extLst>
       <p:ext uri="{BB962C8B-B14F-4D97-AF65-F5344CB8AC3E}">
-        <p14:creationId xmlns:p14="http://schemas.microsoft.com/office/powerpoint/2010/main" val="2883335437"/>
+        <p14:creationId xmlns:p14="http://schemas.microsoft.com/office/powerpoint/2010/main" val="1746266970"/>
       </p:ext>
     </p:extLst>
   </p:cSld>
@@ -12294,10 +12466,10 @@
       </p:grpSpPr>
       <p:sp>
         <p:nvSpPr>
-          <p:cNvPr id="8" name="Title 2">
-            <a:extLst>
-              <a:ext uri="{FF2B5EF4-FFF2-40B4-BE49-F238E27FC236}">
-                <a16:creationId xmlns:a16="http://schemas.microsoft.com/office/drawing/2014/main" id="{3E5FEE2D-79E5-4C1D-8BF7-EE619CA7039A}"/>
+          <p:cNvPr id="2" name="Title 1">
+            <a:extLst>
+              <a:ext uri="{FF2B5EF4-FFF2-40B4-BE49-F238E27FC236}">
+                <a16:creationId xmlns:a16="http://schemas.microsoft.com/office/drawing/2014/main" id="{E72DF7FB-C819-33B8-E7A4-3DEE6D1814CB}"/>
               </a:ext>
             </a:extLst>
           </p:cNvPr>
@@ -12310,75 +12482,150 @@
         </p:nvSpPr>
         <p:spPr>
           <a:xfrm>
-            <a:off x="587365" y="432233"/>
-            <a:ext cx="7429500" cy="864004"/>
-          </a:xfrm>
-        </p:spPr>
-        <p:txBody>
-          <a:bodyPr anchor="b">
-            <a:normAutofit/>
-          </a:bodyPr>
+            <a:off x="496556" y="337192"/>
+            <a:ext cx="5996841" cy="938949"/>
+          </a:xfrm>
+        </p:spPr>
+        <p:txBody>
+          <a:bodyPr/>
           <a:lstStyle/>
           <a:p>
             <a:r>
               <a:rPr lang="en-US" dirty="0"/>
-              <a:t>RESULTS</a:t>
-            </a:r>
-          </a:p>
-        </p:txBody>
-      </p:sp>
-      <p:sp>
-        <p:nvSpPr>
-          <p:cNvPr id="5" name="Slide Number Placeholder 5">
-            <a:extLst>
-              <a:ext uri="{FF2B5EF4-FFF2-40B4-BE49-F238E27FC236}">
-                <a16:creationId xmlns:a16="http://schemas.microsoft.com/office/drawing/2014/main" id="{4832B776-E386-1CF9-CC8F-2D2FF3EA7066}"/>
-              </a:ext>
-            </a:extLst>
-          </p:cNvPr>
-          <p:cNvSpPr>
-            <a:spLocks noGrp="1"/>
-          </p:cNvSpPr>
-          <p:nvPr>
-            <p:ph type="sldNum" sz="quarter" idx="13"/>
-          </p:nvPr>
-        </p:nvSpPr>
-        <p:spPr>
-          <a:xfrm>
-            <a:off x="10373350" y="6356349"/>
-            <a:ext cx="987552" cy="365125"/>
-          </a:xfrm>
-        </p:spPr>
-        <p:txBody>
-          <a:bodyPr anchor="ctr">
-            <a:normAutofit/>
-          </a:bodyPr>
+              <a:t>Results </a:t>
+            </a:r>
+            <a:endParaRPr lang="en-IL" dirty="0"/>
+          </a:p>
+        </p:txBody>
+      </p:sp>
+      <p:sp>
+        <p:nvSpPr>
+          <p:cNvPr id="5" name="Text Placeholder 4">
+            <a:extLst>
+              <a:ext uri="{FF2B5EF4-FFF2-40B4-BE49-F238E27FC236}">
+                <a16:creationId xmlns:a16="http://schemas.microsoft.com/office/drawing/2014/main" id="{C04D5CF9-29F4-8B0E-E753-ACA7C88032DD}"/>
+              </a:ext>
+            </a:extLst>
+          </p:cNvPr>
+          <p:cNvSpPr>
+            <a:spLocks noGrp="1"/>
+          </p:cNvSpPr>
+          <p:nvPr>
+            <p:ph type="body" sz="quarter" idx="3"/>
+          </p:nvPr>
+        </p:nvSpPr>
+        <p:spPr/>
+        <p:txBody>
+          <a:bodyPr/>
           <a:lstStyle/>
           <a:p>
-            <a:pPr>
-              <a:spcAft>
-                <a:spcPts val="600"/>
-              </a:spcAft>
-            </a:pPr>
+            <a:r>
+              <a:rPr lang="en-US" dirty="0"/>
+              <a:t>Surprising results </a:t>
+            </a:r>
+            <a:endParaRPr lang="en-IL" dirty="0"/>
+          </a:p>
+        </p:txBody>
+      </p:sp>
+      <p:sp>
+        <p:nvSpPr>
+          <p:cNvPr id="6" name="Content Placeholder 5">
+            <a:extLst>
+              <a:ext uri="{FF2B5EF4-FFF2-40B4-BE49-F238E27FC236}">
+                <a16:creationId xmlns:a16="http://schemas.microsoft.com/office/drawing/2014/main" id="{714DB05C-A40C-A18C-8DA2-7C13FB0E0275}"/>
+              </a:ext>
+            </a:extLst>
+          </p:cNvPr>
+          <p:cNvSpPr>
+            <a:spLocks noGrp="1"/>
+          </p:cNvSpPr>
+          <p:nvPr>
+            <p:ph sz="half" idx="14"/>
+          </p:nvPr>
+        </p:nvSpPr>
+        <p:spPr/>
+        <p:txBody>
+          <a:bodyPr/>
+          <a:lstStyle/>
+          <a:p>
+            <a:r>
+              <a:rPr lang="en-US" dirty="0"/>
+              <a:t>The difference between the results of the white female and the Asian and Arab female.</a:t>
+            </a:r>
+          </a:p>
+          <a:p>
+            <a:endParaRPr lang="en-US" dirty="0"/>
+          </a:p>
+          <a:p>
+            <a:r>
+              <a:rPr lang="en-US" dirty="0"/>
+              <a:t>The high recommendation for Engineering amongst the Asian and Arab female profile.</a:t>
+            </a:r>
+            <a:endParaRPr lang="en-IL" dirty="0"/>
+          </a:p>
+        </p:txBody>
+      </p:sp>
+      <p:sp>
+        <p:nvSpPr>
+          <p:cNvPr id="7" name="Slide Number Placeholder 6">
+            <a:extLst>
+              <a:ext uri="{FF2B5EF4-FFF2-40B4-BE49-F238E27FC236}">
+                <a16:creationId xmlns:a16="http://schemas.microsoft.com/office/drawing/2014/main" id="{09DBDD9D-78F9-827B-0AFA-38593EC63E9E}"/>
+              </a:ext>
+            </a:extLst>
+          </p:cNvPr>
+          <p:cNvSpPr>
+            <a:spLocks noGrp="1"/>
+          </p:cNvSpPr>
+          <p:nvPr>
+            <p:ph type="sldNum" sz="quarter" idx="12"/>
+          </p:nvPr>
+        </p:nvSpPr>
+        <p:spPr/>
+        <p:txBody>
+          <a:bodyPr/>
+          <a:lstStyle/>
+          <a:p>
             <a:fld id="{A49DFD55-3C28-40EF-9E31-A92D2E4017FF}" type="slidenum">
               <a:rPr lang="en-US" smtClean="0"/>
-              <a:pPr>
-                <a:spcAft>
-                  <a:spcPts val="600"/>
-                </a:spcAft>
-              </a:pPr>
+              <a:pPr/>
               <a:t>27</a:t>
             </a:fld>
-            <a:endParaRPr lang="en-US"/>
+            <a:endParaRPr lang="en-US" dirty="0"/>
+          </a:p>
+        </p:txBody>
+      </p:sp>
+      <p:sp>
+        <p:nvSpPr>
+          <p:cNvPr id="4" name="Content Placeholder 3">
+            <a:extLst>
+              <a:ext uri="{FF2B5EF4-FFF2-40B4-BE49-F238E27FC236}">
+                <a16:creationId xmlns:a16="http://schemas.microsoft.com/office/drawing/2014/main" id="{AC92D5D7-5C12-B16E-0363-03AA778E6061}"/>
+              </a:ext>
+            </a:extLst>
+          </p:cNvPr>
+          <p:cNvSpPr>
+            <a:spLocks noGrp="1"/>
+          </p:cNvSpPr>
+          <p:nvPr>
+            <p:ph sz="half" idx="2"/>
+          </p:nvPr>
+        </p:nvSpPr>
+        <p:spPr/>
+        <p:txBody>
+          <a:bodyPr/>
+          <a:lstStyle/>
+          <a:p>
+            <a:endParaRPr lang="en-IL"/>
           </a:p>
         </p:txBody>
       </p:sp>
       <p:pic>
         <p:nvPicPr>
-          <p:cNvPr id="9" name="Picture 8">
-            <a:extLst>
-              <a:ext uri="{FF2B5EF4-FFF2-40B4-BE49-F238E27FC236}">
-                <a16:creationId xmlns:a16="http://schemas.microsoft.com/office/drawing/2014/main" id="{C832C91D-7398-0282-E6F0-1F5C137F86FF}"/>
+          <p:cNvPr id="11" name="Picture 10">
+            <a:extLst>
+              <a:ext uri="{FF2B5EF4-FFF2-40B4-BE49-F238E27FC236}">
+                <a16:creationId xmlns:a16="http://schemas.microsoft.com/office/drawing/2014/main" id="{E1EF47E0-5F9C-B04F-1DF9-0E03557FA79D}"/>
               </a:ext>
             </a:extLst>
           </p:cNvPr>
@@ -12388,45 +12635,15 @@
           <p:nvPr/>
         </p:nvPicPr>
         <p:blipFill>
-          <a:blip r:embed="rId3"/>
+          <a:blip r:embed="rId2"/>
           <a:stretch>
             <a:fillRect/>
           </a:stretch>
         </p:blipFill>
         <p:spPr>
           <a:xfrm>
-            <a:off x="763295" y="1437456"/>
-            <a:ext cx="6019341" cy="4773457"/>
-          </a:xfrm>
-          <a:prstGeom prst="rect">
-            <a:avLst/>
-          </a:prstGeom>
-        </p:spPr>
-      </p:pic>
-      <p:pic>
-        <p:nvPicPr>
-          <p:cNvPr id="18" name="Picture 17">
-            <a:extLst>
-              <a:ext uri="{FF2B5EF4-FFF2-40B4-BE49-F238E27FC236}">
-                <a16:creationId xmlns:a16="http://schemas.microsoft.com/office/drawing/2014/main" id="{E133728A-E6CD-DCB8-1D9C-5ED6B609A9B4}"/>
-              </a:ext>
-            </a:extLst>
-          </p:cNvPr>
-          <p:cNvPicPr>
-            <a:picLocks noChangeAspect="1"/>
-          </p:cNvPicPr>
-          <p:nvPr/>
-        </p:nvPicPr>
-        <p:blipFill>
-          <a:blip r:embed="rId4"/>
-          <a:stretch>
-            <a:fillRect/>
-          </a:stretch>
-        </p:blipFill>
-        <p:spPr>
-          <a:xfrm>
-            <a:off x="6782636" y="1971063"/>
-            <a:ext cx="4706527" cy="3203839"/>
+            <a:off x="476236" y="1602342"/>
+            <a:ext cx="6073666" cy="4754008"/>
           </a:xfrm>
           <a:prstGeom prst="rect">
             <a:avLst/>
@@ -12436,7 +12653,7 @@
     </p:spTree>
     <p:extLst>
       <p:ext uri="{BB962C8B-B14F-4D97-AF65-F5344CB8AC3E}">
-        <p14:creationId xmlns:p14="http://schemas.microsoft.com/office/powerpoint/2010/main" val="1484826027"/>
+        <p14:creationId xmlns:p14="http://schemas.microsoft.com/office/powerpoint/2010/main" val="3099272285"/>
       </p:ext>
     </p:extLst>
   </p:cSld>
@@ -12468,7 +12685,7 @@
           <p:cNvPr id="2" name="Title 1">
             <a:extLst>
               <a:ext uri="{FF2B5EF4-FFF2-40B4-BE49-F238E27FC236}">
-                <a16:creationId xmlns:a16="http://schemas.microsoft.com/office/drawing/2014/main" id="{079C918D-48B1-65EC-E2C6-46EDC659726E}"/>
+                <a16:creationId xmlns:a16="http://schemas.microsoft.com/office/drawing/2014/main" id="{53346D3E-0ED9-F2B4-F6E3-F93699DEDD17}"/>
               </a:ext>
             </a:extLst>
           </p:cNvPr>
@@ -12481,19 +12698,17 @@
         </p:nvSpPr>
         <p:spPr>
           <a:xfrm>
-            <a:off x="552659" y="267394"/>
-            <a:ext cx="10231229" cy="439419"/>
-          </a:xfrm>
-        </p:spPr>
-        <p:txBody>
-          <a:bodyPr>
-            <a:normAutofit fontScale="90000"/>
-          </a:bodyPr>
+            <a:off x="633046" y="470560"/>
+            <a:ext cx="10550919" cy="775892"/>
+          </a:xfrm>
+        </p:spPr>
+        <p:txBody>
+          <a:bodyPr/>
           <a:lstStyle/>
           <a:p>
             <a:r>
               <a:rPr lang="en-US" dirty="0"/>
-              <a:t>Surprising results </a:t>
+              <a:t>Results </a:t>
             </a:r>
             <a:endParaRPr lang="en-IL" dirty="0"/>
           </a:p>
@@ -12504,7 +12719,7 @@
           <p:cNvPr id="7" name="Slide Number Placeholder 6">
             <a:extLst>
               <a:ext uri="{FF2B5EF4-FFF2-40B4-BE49-F238E27FC236}">
-                <a16:creationId xmlns:a16="http://schemas.microsoft.com/office/drawing/2014/main" id="{7EFCF694-0A55-9141-0DD6-A2DD28E6C7E7}"/>
+                <a16:creationId xmlns:a16="http://schemas.microsoft.com/office/drawing/2014/main" id="{9D857456-A5A5-0481-BD88-1B0EDFAD3740}"/>
               </a:ext>
             </a:extLst>
           </p:cNvPr>
@@ -12529,12 +12744,37 @@
           </a:p>
         </p:txBody>
       </p:sp>
+      <p:sp>
+        <p:nvSpPr>
+          <p:cNvPr id="6" name="Content Placeholder 5">
+            <a:extLst>
+              <a:ext uri="{FF2B5EF4-FFF2-40B4-BE49-F238E27FC236}">
+                <a16:creationId xmlns:a16="http://schemas.microsoft.com/office/drawing/2014/main" id="{E88164F0-E87C-8F0A-BF21-A3970C8C91B6}"/>
+              </a:ext>
+            </a:extLst>
+          </p:cNvPr>
+          <p:cNvSpPr>
+            <a:spLocks noGrp="1"/>
+          </p:cNvSpPr>
+          <p:nvPr>
+            <p:ph sz="half" idx="15"/>
+          </p:nvPr>
+        </p:nvSpPr>
+        <p:spPr/>
+        <p:txBody>
+          <a:bodyPr/>
+          <a:lstStyle/>
+          <a:p>
+            <a:endParaRPr lang="en-IL"/>
+          </a:p>
+        </p:txBody>
+      </p:sp>
       <p:pic>
         <p:nvPicPr>
-          <p:cNvPr id="17" name="Picture 16">
-            <a:extLst>
-              <a:ext uri="{FF2B5EF4-FFF2-40B4-BE49-F238E27FC236}">
-                <a16:creationId xmlns:a16="http://schemas.microsoft.com/office/drawing/2014/main" id="{C2DDF75B-95C6-8735-E6C6-4196C372DD42}"/>
+          <p:cNvPr id="10" name="Picture 9">
+            <a:extLst>
+              <a:ext uri="{FF2B5EF4-FFF2-40B4-BE49-F238E27FC236}">
+                <a16:creationId xmlns:a16="http://schemas.microsoft.com/office/drawing/2014/main" id="{1E39CEFB-A12E-AEE8-E999-2F7DB8878DE7}"/>
               </a:ext>
             </a:extLst>
           </p:cNvPr>
@@ -12551,8 +12791,38 @@
         </p:blipFill>
         <p:spPr>
           <a:xfrm>
-            <a:off x="1789609" y="929070"/>
-            <a:ext cx="6755008" cy="5205021"/>
+            <a:off x="328823" y="1304460"/>
+            <a:ext cx="5921253" cy="5082980"/>
+          </a:xfrm>
+          <a:prstGeom prst="rect">
+            <a:avLst/>
+          </a:prstGeom>
+        </p:spPr>
+      </p:pic>
+      <p:pic>
+        <p:nvPicPr>
+          <p:cNvPr id="13" name="Picture 12">
+            <a:extLst>
+              <a:ext uri="{FF2B5EF4-FFF2-40B4-BE49-F238E27FC236}">
+                <a16:creationId xmlns:a16="http://schemas.microsoft.com/office/drawing/2014/main" id="{7B4D2425-8060-F576-0F2B-7933BF9D48FC}"/>
+              </a:ext>
+            </a:extLst>
+          </p:cNvPr>
+          <p:cNvPicPr>
+            <a:picLocks noChangeAspect="1"/>
+          </p:cNvPicPr>
+          <p:nvPr/>
+        </p:nvPicPr>
+        <p:blipFill>
+          <a:blip r:embed="rId3"/>
+          <a:stretch>
+            <a:fillRect/>
+          </a:stretch>
+        </p:blipFill>
+        <p:spPr>
+          <a:xfrm>
+            <a:off x="6096000" y="2293500"/>
+            <a:ext cx="5433531" cy="2758679"/>
           </a:xfrm>
           <a:prstGeom prst="rect">
             <a:avLst/>
@@ -12562,7 +12832,7 @@
     </p:spTree>
     <p:extLst>
       <p:ext uri="{BB962C8B-B14F-4D97-AF65-F5344CB8AC3E}">
-        <p14:creationId xmlns:p14="http://schemas.microsoft.com/office/powerpoint/2010/main" val="916030493"/>
+        <p14:creationId xmlns:p14="http://schemas.microsoft.com/office/powerpoint/2010/main" val="1291220640"/>
       </p:ext>
     </p:extLst>
   </p:cSld>
@@ -12594,30 +12864,25 @@
           <p:cNvPr id="2" name="Title 1">
             <a:extLst>
               <a:ext uri="{FF2B5EF4-FFF2-40B4-BE49-F238E27FC236}">
-                <a16:creationId xmlns:a16="http://schemas.microsoft.com/office/drawing/2014/main" id="{66A3FBA8-2B05-1880-3D6B-56A7C5123A3B}"/>
-              </a:ext>
-            </a:extLst>
-          </p:cNvPr>
-          <p:cNvSpPr>
-            <a:spLocks noGrp="1"/>
-          </p:cNvSpPr>
-          <p:nvPr>
-            <p:ph type="title"/>
-          </p:nvPr>
-        </p:nvSpPr>
-        <p:spPr>
-          <a:xfrm>
-            <a:off x="527204" y="649236"/>
-            <a:ext cx="9953308" cy="657050"/>
-          </a:xfrm>
-        </p:spPr>
+                <a16:creationId xmlns:a16="http://schemas.microsoft.com/office/drawing/2014/main" id="{69F8C927-FD4B-6760-5915-F0A34E97A93D}"/>
+              </a:ext>
+            </a:extLst>
+          </p:cNvPr>
+          <p:cNvSpPr>
+            <a:spLocks noGrp="1"/>
+          </p:cNvSpPr>
+          <p:nvPr>
+            <p:ph type="ctrTitle"/>
+          </p:nvPr>
+        </p:nvSpPr>
+        <p:spPr/>
         <p:txBody>
           <a:bodyPr/>
           <a:lstStyle/>
           <a:p>
             <a:r>
               <a:rPr lang="en-US" dirty="0"/>
-              <a:t>Results </a:t>
+              <a:t>Part 2</a:t>
             </a:r>
             <a:endParaRPr lang="en-IL" dirty="0"/>
           </a:p>
@@ -12625,18 +12890,59 @@
       </p:sp>
       <p:sp>
         <p:nvSpPr>
-          <p:cNvPr id="7" name="Slide Number Placeholder 6">
-            <a:extLst>
-              <a:ext uri="{FF2B5EF4-FFF2-40B4-BE49-F238E27FC236}">
-                <a16:creationId xmlns:a16="http://schemas.microsoft.com/office/drawing/2014/main" id="{46669695-E431-55AA-06A2-26DD3890E7B5}"/>
-              </a:ext>
-            </a:extLst>
-          </p:cNvPr>
-          <p:cNvSpPr>
-            <a:spLocks noGrp="1"/>
-          </p:cNvSpPr>
-          <p:nvPr>
-            <p:ph type="sldNum" sz="quarter" idx="13"/>
+          <p:cNvPr id="3" name="Subtitle 2">
+            <a:extLst>
+              <a:ext uri="{FF2B5EF4-FFF2-40B4-BE49-F238E27FC236}">
+                <a16:creationId xmlns:a16="http://schemas.microsoft.com/office/drawing/2014/main" id="{DA50D3F0-64BB-DD49-58FC-3CCDFFC36249}"/>
+              </a:ext>
+            </a:extLst>
+          </p:cNvPr>
+          <p:cNvSpPr>
+            <a:spLocks noGrp="1"/>
+          </p:cNvSpPr>
+          <p:nvPr>
+            <p:ph type="subTitle" idx="1"/>
+          </p:nvPr>
+        </p:nvSpPr>
+        <p:spPr>
+          <a:xfrm>
+            <a:off x="4267199" y="3238103"/>
+            <a:ext cx="5529943" cy="2850181"/>
+          </a:xfrm>
+        </p:spPr>
+        <p:txBody>
+          <a:bodyPr/>
+          <a:lstStyle/>
+          <a:p>
+            <a:pPr algn="r"/>
+            <a:r>
+              <a:rPr lang="he-IL" dirty="0"/>
+              <a:t>תרגום השאלות לעברית.</a:t>
+            </a:r>
+          </a:p>
+          <a:p>
+            <a:pPr algn="r"/>
+            <a:r>
+              <a:rPr lang="he-IL" dirty="0"/>
+              <a:t>תרגמנו את השאלות לאנגלית למין נקבה ומין זכר </a:t>
+            </a:r>
+          </a:p>
+        </p:txBody>
+      </p:sp>
+      <p:sp>
+        <p:nvSpPr>
+          <p:cNvPr id="4" name="Slide Number Placeholder 3">
+            <a:extLst>
+              <a:ext uri="{FF2B5EF4-FFF2-40B4-BE49-F238E27FC236}">
+                <a16:creationId xmlns:a16="http://schemas.microsoft.com/office/drawing/2014/main" id="{608FBA5B-9D17-A5BA-A273-27B643F3EE27}"/>
+              </a:ext>
+            </a:extLst>
+          </p:cNvPr>
+          <p:cNvSpPr>
+            <a:spLocks noGrp="1"/>
+          </p:cNvSpPr>
+          <p:nvPr>
+            <p:ph type="sldNum" sz="quarter" idx="12"/>
           </p:nvPr>
         </p:nvSpPr>
         <p:spPr/>
@@ -12653,40 +12959,10 @@
           </a:p>
         </p:txBody>
       </p:sp>
-      <p:pic>
-        <p:nvPicPr>
-          <p:cNvPr id="9" name="Picture 8">
-            <a:extLst>
-              <a:ext uri="{FF2B5EF4-FFF2-40B4-BE49-F238E27FC236}">
-                <a16:creationId xmlns:a16="http://schemas.microsoft.com/office/drawing/2014/main" id="{298E9210-25C0-09E1-AFFC-5039C55A3127}"/>
-              </a:ext>
-            </a:extLst>
-          </p:cNvPr>
-          <p:cNvPicPr>
-            <a:picLocks noChangeAspect="1"/>
-          </p:cNvPicPr>
-          <p:nvPr/>
-        </p:nvPicPr>
-        <p:blipFill>
-          <a:blip r:embed="rId2"/>
-          <a:stretch>
-            <a:fillRect/>
-          </a:stretch>
-        </p:blipFill>
-        <p:spPr>
-          <a:xfrm>
-            <a:off x="2351314" y="1306286"/>
-            <a:ext cx="6305228" cy="4742821"/>
-          </a:xfrm>
-          <a:prstGeom prst="rect">
-            <a:avLst/>
-          </a:prstGeom>
-        </p:spPr>
-      </p:pic>
     </p:spTree>
     <p:extLst>
       <p:ext uri="{BB962C8B-B14F-4D97-AF65-F5344CB8AC3E}">
-        <p14:creationId xmlns:p14="http://schemas.microsoft.com/office/powerpoint/2010/main" val="1437701250"/>
+        <p14:creationId xmlns:p14="http://schemas.microsoft.com/office/powerpoint/2010/main" val="2883335437"/>
       </p:ext>
     </p:extLst>
   </p:cSld>
@@ -12718,21 +12994,57 @@
           <p:cNvPr id="2" name="Title 1">
             <a:extLst>
               <a:ext uri="{FF2B5EF4-FFF2-40B4-BE49-F238E27FC236}">
-                <a16:creationId xmlns:a16="http://schemas.microsoft.com/office/drawing/2014/main" id="{9528DBD1-DB29-D44F-FD5A-3071BB37EF37}"/>
-              </a:ext>
-            </a:extLst>
-          </p:cNvPr>
-          <p:cNvSpPr>
-            <a:spLocks noGrp="1"/>
-          </p:cNvSpPr>
-          <p:nvPr>
-            <p:ph type="ctrTitle"/>
-          </p:nvPr>
-        </p:nvSpPr>
-        <p:spPr>
-          <a:xfrm>
-            <a:off x="6991350" y="487018"/>
-            <a:ext cx="4179570" cy="3377354"/>
+                <a16:creationId xmlns:a16="http://schemas.microsoft.com/office/drawing/2014/main" id="{15F3A9F4-CB37-9CB4-4FCA-2303885B927A}"/>
+              </a:ext>
+            </a:extLst>
+          </p:cNvPr>
+          <p:cNvSpPr>
+            <a:spLocks noGrp="1"/>
+          </p:cNvSpPr>
+          <p:nvPr>
+            <p:ph type="title"/>
+          </p:nvPr>
+        </p:nvSpPr>
+        <p:spPr>
+          <a:xfrm>
+            <a:off x="2933700" y="568961"/>
+            <a:ext cx="8420100" cy="589279"/>
+          </a:xfrm>
+        </p:spPr>
+        <p:txBody>
+          <a:bodyPr>
+            <a:normAutofit/>
+          </a:bodyPr>
+          <a:lstStyle/>
+          <a:p>
+            <a:r>
+              <a:rPr lang="en-US" sz="3600" dirty="0"/>
+              <a:t>Very current topic </a:t>
+            </a:r>
+            <a:endParaRPr lang="en-IL" sz="3600" dirty="0"/>
+          </a:p>
+        </p:txBody>
+      </p:sp>
+      <p:sp>
+        <p:nvSpPr>
+          <p:cNvPr id="3" name="Text Placeholder 2">
+            <a:extLst>
+              <a:ext uri="{FF2B5EF4-FFF2-40B4-BE49-F238E27FC236}">
+                <a16:creationId xmlns:a16="http://schemas.microsoft.com/office/drawing/2014/main" id="{106456FE-ECE1-D584-8757-4C1D3591F0A0}"/>
+              </a:ext>
+            </a:extLst>
+          </p:cNvPr>
+          <p:cNvSpPr>
+            <a:spLocks noGrp="1"/>
+          </p:cNvSpPr>
+          <p:nvPr>
+            <p:ph type="body" idx="1"/>
+          </p:nvPr>
+        </p:nvSpPr>
+        <p:spPr>
+          <a:xfrm>
+            <a:off x="2871747" y="1280999"/>
+            <a:ext cx="3943626" cy="464499"/>
           </a:xfrm>
         </p:spPr>
         <p:txBody>
@@ -12741,15 +13053,190 @@
           <a:p>
             <a:r>
               <a:rPr lang="en-US" dirty="0"/>
-              <a:t>Theoretical Background</a:t>
-            </a:r>
-          </a:p>
-        </p:txBody>
-      </p:sp>
+              <a:t>Googles AI model – Gemini </a:t>
+            </a:r>
+            <a:endParaRPr lang="en-IL" dirty="0"/>
+          </a:p>
+        </p:txBody>
+      </p:sp>
+      <p:sp>
+        <p:nvSpPr>
+          <p:cNvPr id="4" name="Content Placeholder 3">
+            <a:extLst>
+              <a:ext uri="{FF2B5EF4-FFF2-40B4-BE49-F238E27FC236}">
+                <a16:creationId xmlns:a16="http://schemas.microsoft.com/office/drawing/2014/main" id="{537C0B46-5B1F-0A8E-BCC2-44D4AA9FF6A3}"/>
+              </a:ext>
+            </a:extLst>
+          </p:cNvPr>
+          <p:cNvSpPr>
+            <a:spLocks noGrp="1"/>
+          </p:cNvSpPr>
+          <p:nvPr>
+            <p:ph sz="half" idx="13"/>
+          </p:nvPr>
+        </p:nvSpPr>
+        <p:spPr>
+          <a:xfrm>
+            <a:off x="2377440" y="1868257"/>
+            <a:ext cx="5659120" cy="4617603"/>
+          </a:xfrm>
+        </p:spPr>
+        <p:txBody>
+          <a:bodyPr/>
+          <a:lstStyle/>
+          <a:p>
+            <a:pPr algn="r"/>
+            <a:r>
+              <a:rPr lang="he-IL" dirty="0"/>
+              <a:t>בתחילת שנה גוגל הודתה שמודל הבינה המלאכותית שלה "לא עובדת כמו שצריך" לאחר שמשתמשים רבים דיווחו שהמערכת ייצרה תמונות של אנשים ממוצאים אתניים ומגדרים מגוונים, גם כאשר זה היה היסטורית לא מדויקת.</a:t>
+            </a:r>
+          </a:p>
+          <a:p>
+            <a:pPr algn="r"/>
+            <a:r>
+              <a:rPr lang="he-IL" dirty="0"/>
+              <a:t>מבקרים מהימין הקיצוני טענו שזו עוד הוכחה ל"הטיה נגד לבנים".</a:t>
+            </a:r>
+          </a:p>
+          <a:p>
+            <a:pPr algn="r" rtl="1"/>
+            <a:r>
+              <a:rPr lang="he-IL" dirty="0"/>
+              <a:t>המערכת יצרה תמונות שגויות היסטורית, כמו ויקינגים שחורים, אבות מייסדים ילידים, וג'ורג' וושינגטון כאדם שחור. במקרים מסוימים, </a:t>
+            </a:r>
+            <a:r>
+              <a:rPr lang="en-US" dirty="0"/>
+              <a:t> Gemini</a:t>
+            </a:r>
+            <a:r>
+              <a:rPr lang="he-IL" dirty="0"/>
+              <a:t>לא </a:t>
+            </a:r>
+            <a:r>
+              <a:rPr lang="he-IL" dirty="0" err="1"/>
+              <a:t>יכל</a:t>
+            </a:r>
+            <a:r>
+              <a:rPr lang="he-IL" dirty="0"/>
+              <a:t> לייצר תמונות כלל של דמויות היסטוריות כמו </a:t>
+            </a:r>
+            <a:r>
+              <a:rPr lang="en-US" dirty="0"/>
+              <a:t>Abraham Lincon</a:t>
+            </a:r>
+            <a:r>
+              <a:rPr lang="he-IL" dirty="0"/>
+              <a:t>.</a:t>
+            </a:r>
+            <a:endParaRPr lang="en-US" dirty="0"/>
+          </a:p>
+          <a:p>
+            <a:pPr algn="r" rtl="1"/>
+            <a:r>
+              <a:rPr lang="he-IL" dirty="0"/>
+              <a:t>חוקרים מסבירים שהמודלים מתקשים להבחין בין בקשות היסטוריות לבין בקשות עכשוויות.</a:t>
+            </a:r>
+          </a:p>
+          <a:p>
+            <a:pPr algn="r"/>
+            <a:endParaRPr lang="en-IL" dirty="0"/>
+          </a:p>
+        </p:txBody>
+      </p:sp>
+      <p:sp>
+        <p:nvSpPr>
+          <p:cNvPr id="7" name="Slide Number Placeholder 6">
+            <a:extLst>
+              <a:ext uri="{FF2B5EF4-FFF2-40B4-BE49-F238E27FC236}">
+                <a16:creationId xmlns:a16="http://schemas.microsoft.com/office/drawing/2014/main" id="{4A746F86-380B-B98D-5E11-078FD2C34991}"/>
+              </a:ext>
+            </a:extLst>
+          </p:cNvPr>
+          <p:cNvSpPr>
+            <a:spLocks noGrp="1"/>
+          </p:cNvSpPr>
+          <p:nvPr>
+            <p:ph type="sldNum" sz="quarter" idx="12"/>
+          </p:nvPr>
+        </p:nvSpPr>
+        <p:spPr/>
+        <p:txBody>
+          <a:bodyPr/>
+          <a:lstStyle/>
+          <a:p>
+            <a:fld id="{A49DFD55-3C28-40EF-9E31-A92D2E4017FF}" type="slidenum">
+              <a:rPr lang="en-US" smtClean="0"/>
+              <a:pPr/>
+              <a:t>3</a:t>
+            </a:fld>
+            <a:endParaRPr lang="en-US" dirty="0"/>
+          </a:p>
+        </p:txBody>
+      </p:sp>
+      <p:pic>
+        <p:nvPicPr>
+          <p:cNvPr id="9" name="Picture 8">
+            <a:extLst>
+              <a:ext uri="{FF2B5EF4-FFF2-40B4-BE49-F238E27FC236}">
+                <a16:creationId xmlns:a16="http://schemas.microsoft.com/office/drawing/2014/main" id="{702E48E9-2626-58C5-F05B-747169C1761A}"/>
+              </a:ext>
+            </a:extLst>
+          </p:cNvPr>
+          <p:cNvPicPr>
+            <a:picLocks noChangeAspect="1"/>
+          </p:cNvPicPr>
+          <p:nvPr/>
+        </p:nvPicPr>
+        <p:blipFill>
+          <a:blip r:embed="rId2"/>
+          <a:stretch>
+            <a:fillRect/>
+          </a:stretch>
+        </p:blipFill>
+        <p:spPr>
+          <a:xfrm>
+            <a:off x="8660384" y="3164270"/>
+            <a:ext cx="2206742" cy="2238088"/>
+          </a:xfrm>
+          <a:prstGeom prst="rect">
+            <a:avLst/>
+          </a:prstGeom>
+        </p:spPr>
+      </p:pic>
+      <p:pic>
+        <p:nvPicPr>
+          <p:cNvPr id="11" name="Picture 10">
+            <a:extLst>
+              <a:ext uri="{FF2B5EF4-FFF2-40B4-BE49-F238E27FC236}">
+                <a16:creationId xmlns:a16="http://schemas.microsoft.com/office/drawing/2014/main" id="{C09D1B25-4E12-FD8F-0BBA-2571A3962BA4}"/>
+              </a:ext>
+            </a:extLst>
+          </p:cNvPr>
+          <p:cNvPicPr>
+            <a:picLocks noChangeAspect="1"/>
+          </p:cNvPicPr>
+          <p:nvPr/>
+        </p:nvPicPr>
+        <p:blipFill>
+          <a:blip r:embed="rId3"/>
+          <a:stretch>
+            <a:fillRect/>
+          </a:stretch>
+        </p:blipFill>
+        <p:spPr>
+          <a:xfrm>
+            <a:off x="8082836" y="676971"/>
+            <a:ext cx="3463447" cy="1325951"/>
+          </a:xfrm>
+          <a:prstGeom prst="rect">
+            <a:avLst/>
+          </a:prstGeom>
+        </p:spPr>
+      </p:pic>
     </p:spTree>
     <p:extLst>
       <p:ext uri="{BB962C8B-B14F-4D97-AF65-F5344CB8AC3E}">
-        <p14:creationId xmlns:p14="http://schemas.microsoft.com/office/powerpoint/2010/main" val="608796113"/>
+        <p14:creationId xmlns:p14="http://schemas.microsoft.com/office/powerpoint/2010/main" val="3326113860"/>
       </p:ext>
     </p:extLst>
   </p:cSld>
@@ -12778,10 +13265,10 @@
       </p:grpSpPr>
       <p:sp>
         <p:nvSpPr>
-          <p:cNvPr id="17" name="Title 1">
-            <a:extLst>
-              <a:ext uri="{FF2B5EF4-FFF2-40B4-BE49-F238E27FC236}">
-                <a16:creationId xmlns:a16="http://schemas.microsoft.com/office/drawing/2014/main" id="{09140014-73D5-419B-8867-972BB18D52D4}"/>
+          <p:cNvPr id="8" name="Title 2">
+            <a:extLst>
+              <a:ext uri="{FF2B5EF4-FFF2-40B4-BE49-F238E27FC236}">
+                <a16:creationId xmlns:a16="http://schemas.microsoft.com/office/drawing/2014/main" id="{3E5FEE2D-79E5-4C1D-8BF7-EE619CA7039A}"/>
               </a:ext>
             </a:extLst>
           </p:cNvPr>
@@ -12794,168 +13281,133 @@
         </p:nvSpPr>
         <p:spPr>
           <a:xfrm>
-            <a:off x="539360" y="-1174737"/>
-            <a:ext cx="5655197" cy="1997867"/>
-          </a:xfrm>
-        </p:spPr>
-        <p:txBody>
-          <a:bodyPr anchor="b"/>
-          <a:lstStyle/>
-          <a:p>
-            <a:r>
-              <a:rPr lang="en-US" dirty="0"/>
-              <a:t>conclusions</a:t>
-            </a:r>
-          </a:p>
-        </p:txBody>
-      </p:sp>
-      <p:sp>
-        <p:nvSpPr>
-          <p:cNvPr id="20" name="Content Placeholder 3">
-            <a:extLst>
-              <a:ext uri="{FF2B5EF4-FFF2-40B4-BE49-F238E27FC236}">
-                <a16:creationId xmlns:a16="http://schemas.microsoft.com/office/drawing/2014/main" id="{33D8731E-4977-402E-8BFD-895B4D0544CC}"/>
-              </a:ext>
-            </a:extLst>
-          </p:cNvPr>
-          <p:cNvSpPr>
-            <a:spLocks noGrp="1"/>
-          </p:cNvSpPr>
-          <p:nvPr>
-            <p:ph sz="half" idx="2"/>
-          </p:nvPr>
-        </p:nvSpPr>
-        <p:spPr>
-          <a:xfrm>
-            <a:off x="445544" y="929862"/>
-            <a:ext cx="5733773" cy="3032733"/>
-          </a:xfrm>
-        </p:spPr>
-        <p:txBody>
-          <a:bodyPr>
-            <a:noAutofit/>
+            <a:off x="587365" y="432233"/>
+            <a:ext cx="7429500" cy="864004"/>
+          </a:xfrm>
+        </p:spPr>
+        <p:txBody>
+          <a:bodyPr anchor="b">
+            <a:normAutofit/>
           </a:bodyPr>
           <a:lstStyle/>
           <a:p>
+            <a:r>
+              <a:rPr lang="en-US" dirty="0"/>
+              <a:t>RESULTS</a:t>
+            </a:r>
+          </a:p>
+        </p:txBody>
+      </p:sp>
+      <p:sp>
+        <p:nvSpPr>
+          <p:cNvPr id="5" name="Slide Number Placeholder 5">
+            <a:extLst>
+              <a:ext uri="{FF2B5EF4-FFF2-40B4-BE49-F238E27FC236}">
+                <a16:creationId xmlns:a16="http://schemas.microsoft.com/office/drawing/2014/main" id="{4832B776-E386-1CF9-CC8F-2D2FF3EA7066}"/>
+              </a:ext>
+            </a:extLst>
+          </p:cNvPr>
+          <p:cNvSpPr>
+            <a:spLocks noGrp="1"/>
+          </p:cNvSpPr>
+          <p:nvPr>
+            <p:ph type="sldNum" sz="quarter" idx="13"/>
+          </p:nvPr>
+        </p:nvSpPr>
+        <p:spPr>
+          <a:xfrm>
+            <a:off x="10373350" y="6356349"/>
+            <a:ext cx="987552" cy="365125"/>
+          </a:xfrm>
+        </p:spPr>
+        <p:txBody>
+          <a:bodyPr anchor="ctr">
+            <a:normAutofit/>
+          </a:bodyPr>
+          <a:lstStyle/>
+          <a:p>
             <a:pPr>
-              <a:lnSpc>
-                <a:spcPct val="107000"/>
-              </a:lnSpc>
               <a:spcAft>
-                <a:spcPts val="800"/>
+                <a:spcPts val="600"/>
               </a:spcAft>
             </a:pPr>
-            <a:r>
-              <a:rPr lang="en-IL" sz="1600" kern="100" dirty="0">
-                <a:effectLst/>
-                <a:latin typeface="Aptos" panose="020B0004020202020204" pitchFamily="34" charset="0"/>
-                <a:ea typeface="Aptos" panose="020B0004020202020204" pitchFamily="34" charset="0"/>
-                <a:cs typeface="Arial" panose="020B0604020202020204" pitchFamily="34" charset="0"/>
-              </a:rPr>
-              <a:t>Overall – </a:t>
-            </a:r>
-          </a:p>
-          <a:p>
-            <a:pPr>
-              <a:lnSpc>
-                <a:spcPct val="107000"/>
-              </a:lnSpc>
-              <a:spcAft>
-                <a:spcPts val="800"/>
-              </a:spcAft>
-            </a:pPr>
-            <a:r>
-              <a:rPr lang="en-IL" sz="1600" kern="100" dirty="0">
-                <a:effectLst/>
-                <a:latin typeface="Aptos" panose="020B0004020202020204" pitchFamily="34" charset="0"/>
-                <a:ea typeface="Aptos" panose="020B0004020202020204" pitchFamily="34" charset="0"/>
-                <a:cs typeface="Arial" panose="020B0604020202020204" pitchFamily="34" charset="0"/>
-              </a:rPr>
-              <a:t>The expectation that a man is looking constantly to further and develop in his career and earning money and a woman focuses more on studying something she enjoys or has a lot of meaning and purpose. </a:t>
-            </a:r>
-          </a:p>
-          <a:p>
-            <a:pPr>
-              <a:lnSpc>
-                <a:spcPct val="107000"/>
-              </a:lnSpc>
-              <a:spcAft>
-                <a:spcPts val="800"/>
-              </a:spcAft>
-            </a:pPr>
-            <a:r>
-              <a:rPr lang="en-IL" sz="1600" kern="100" dirty="0">
-                <a:effectLst/>
-                <a:latin typeface="Aptos" panose="020B0004020202020204" pitchFamily="34" charset="0"/>
-                <a:ea typeface="Aptos" panose="020B0004020202020204" pitchFamily="34" charset="0"/>
-                <a:cs typeface="Arial" panose="020B0604020202020204" pitchFamily="34" charset="0"/>
-              </a:rPr>
-              <a:t>The results we got didn’t show as we expected, there wasn’t as much of a defence in the key words as we thought there would be.</a:t>
-            </a:r>
-          </a:p>
-          <a:p>
-            <a:pPr>
-              <a:lnSpc>
-                <a:spcPct val="107000"/>
-              </a:lnSpc>
-              <a:spcAft>
-                <a:spcPts val="800"/>
-              </a:spcAft>
-            </a:pPr>
-            <a:r>
-              <a:rPr lang="en-IL" sz="1600" kern="100" dirty="0">
-                <a:effectLst/>
-                <a:latin typeface="Aptos" panose="020B0004020202020204" pitchFamily="34" charset="0"/>
-                <a:ea typeface="Aptos" panose="020B0004020202020204" pitchFamily="34" charset="0"/>
-                <a:cs typeface="Arial" panose="020B0604020202020204" pitchFamily="34" charset="0"/>
-              </a:rPr>
-              <a:t>In regard to race, there sometimes was a difference between one of the races and the rest of the profiles, but in an inconsistent way.</a:t>
-            </a:r>
-          </a:p>
-          <a:p>
-            <a:endParaRPr lang="en-US" dirty="0"/>
-          </a:p>
-        </p:txBody>
-      </p:sp>
-      <p:sp>
-        <p:nvSpPr>
-          <p:cNvPr id="9" name="Slide Number Placeholder 8">
-            <a:extLst>
-              <a:ext uri="{FF2B5EF4-FFF2-40B4-BE49-F238E27FC236}">
-                <a16:creationId xmlns:a16="http://schemas.microsoft.com/office/drawing/2014/main" id="{C396FFDC-ADE8-4009-A466-A81787258E88}"/>
-              </a:ext>
-            </a:extLst>
-          </p:cNvPr>
-          <p:cNvSpPr>
-            <a:spLocks noGrp="1"/>
-          </p:cNvSpPr>
-          <p:nvPr>
-            <p:ph type="sldNum" sz="quarter" idx="12"/>
-          </p:nvPr>
-        </p:nvSpPr>
-        <p:spPr>
-          <a:xfrm>
-            <a:off x="8610600" y="6356350"/>
-            <a:ext cx="2743200" cy="365125"/>
-          </a:xfrm>
-        </p:spPr>
-        <p:txBody>
-          <a:bodyPr/>
-          <a:lstStyle/>
-          <a:p>
             <a:fld id="{A49DFD55-3C28-40EF-9E31-A92D2E4017FF}" type="slidenum">
               <a:rPr lang="en-US" smtClean="0"/>
-              <a:pPr/>
+              <a:pPr>
+                <a:spcAft>
+                  <a:spcPts val="600"/>
+                </a:spcAft>
+              </a:pPr>
               <a:t>30</a:t>
             </a:fld>
-            <a:endParaRPr lang="en-US" dirty="0"/>
-          </a:p>
-        </p:txBody>
-      </p:sp>
+            <a:endParaRPr lang="en-US"/>
+          </a:p>
+        </p:txBody>
+      </p:sp>
+      <p:pic>
+        <p:nvPicPr>
+          <p:cNvPr id="9" name="Picture 8">
+            <a:extLst>
+              <a:ext uri="{FF2B5EF4-FFF2-40B4-BE49-F238E27FC236}">
+                <a16:creationId xmlns:a16="http://schemas.microsoft.com/office/drawing/2014/main" id="{C832C91D-7398-0282-E6F0-1F5C137F86FF}"/>
+              </a:ext>
+            </a:extLst>
+          </p:cNvPr>
+          <p:cNvPicPr>
+            <a:picLocks noChangeAspect="1"/>
+          </p:cNvPicPr>
+          <p:nvPr/>
+        </p:nvPicPr>
+        <p:blipFill>
+          <a:blip r:embed="rId3"/>
+          <a:stretch>
+            <a:fillRect/>
+          </a:stretch>
+        </p:blipFill>
+        <p:spPr>
+          <a:xfrm>
+            <a:off x="763295" y="1437456"/>
+            <a:ext cx="6019341" cy="4773457"/>
+          </a:xfrm>
+          <a:prstGeom prst="rect">
+            <a:avLst/>
+          </a:prstGeom>
+        </p:spPr>
+      </p:pic>
+      <p:pic>
+        <p:nvPicPr>
+          <p:cNvPr id="18" name="Picture 17">
+            <a:extLst>
+              <a:ext uri="{FF2B5EF4-FFF2-40B4-BE49-F238E27FC236}">
+                <a16:creationId xmlns:a16="http://schemas.microsoft.com/office/drawing/2014/main" id="{E133728A-E6CD-DCB8-1D9C-5ED6B609A9B4}"/>
+              </a:ext>
+            </a:extLst>
+          </p:cNvPr>
+          <p:cNvPicPr>
+            <a:picLocks noChangeAspect="1"/>
+          </p:cNvPicPr>
+          <p:nvPr/>
+        </p:nvPicPr>
+        <p:blipFill>
+          <a:blip r:embed="rId4"/>
+          <a:stretch>
+            <a:fillRect/>
+          </a:stretch>
+        </p:blipFill>
+        <p:spPr>
+          <a:xfrm>
+            <a:off x="6782636" y="1971063"/>
+            <a:ext cx="4706527" cy="3203839"/>
+          </a:xfrm>
+          <a:prstGeom prst="rect">
+            <a:avLst/>
+          </a:prstGeom>
+        </p:spPr>
+      </p:pic>
     </p:spTree>
     <p:extLst>
       <p:ext uri="{BB962C8B-B14F-4D97-AF65-F5344CB8AC3E}">
-        <p14:creationId xmlns:p14="http://schemas.microsoft.com/office/powerpoint/2010/main" val="1645705637"/>
+        <p14:creationId xmlns:p14="http://schemas.microsoft.com/office/powerpoint/2010/main" val="1484826027"/>
       </p:ext>
     </p:extLst>
   </p:cSld>
@@ -12987,7 +13439,7 @@
           <p:cNvPr id="2" name="Title 1">
             <a:extLst>
               <a:ext uri="{FF2B5EF4-FFF2-40B4-BE49-F238E27FC236}">
-                <a16:creationId xmlns:a16="http://schemas.microsoft.com/office/drawing/2014/main" id="{0516C8B1-C69B-244B-3F19-41F60C001637}"/>
+                <a16:creationId xmlns:a16="http://schemas.microsoft.com/office/drawing/2014/main" id="{079C918D-48B1-65EC-E2C6-46EDC659726E}"/>
               </a:ext>
             </a:extLst>
           </p:cNvPr>
@@ -12998,135 +13450,21 @@
             <p:ph type="title"/>
           </p:nvPr>
         </p:nvSpPr>
-        <p:spPr/>
-        <p:txBody>
-          <a:bodyPr/>
-          <a:lstStyle/>
-          <a:p>
-            <a:r>
-              <a:rPr lang="en-US" dirty="0"/>
-              <a:t>Conclusions</a:t>
-            </a:r>
-            <a:endParaRPr lang="en-IL" dirty="0"/>
-          </a:p>
-        </p:txBody>
-      </p:sp>
-      <p:sp>
-        <p:nvSpPr>
-          <p:cNvPr id="4" name="Content Placeholder 3">
-            <a:extLst>
-              <a:ext uri="{FF2B5EF4-FFF2-40B4-BE49-F238E27FC236}">
-                <a16:creationId xmlns:a16="http://schemas.microsoft.com/office/drawing/2014/main" id="{005C0E9A-17DC-475A-AA10-D3CD5C69787B}"/>
-              </a:ext>
-            </a:extLst>
-          </p:cNvPr>
-          <p:cNvSpPr>
-            <a:spLocks noGrp="1"/>
-          </p:cNvSpPr>
-          <p:nvPr>
-            <p:ph sz="half" idx="13"/>
-          </p:nvPr>
-        </p:nvSpPr>
-        <p:spPr>
-          <a:xfrm>
-            <a:off x="2933700" y="2797255"/>
-            <a:ext cx="3943627" cy="3688605"/>
-          </a:xfrm>
-        </p:spPr>
-        <p:txBody>
-          <a:bodyPr/>
-          <a:lstStyle/>
-          <a:p>
-            <a:r>
-              <a:rPr lang="en-US" dirty="0"/>
-              <a:t>This is a big topic, and there is a lot more research that can be done in the field, we have only touched the surface here.</a:t>
-            </a:r>
-          </a:p>
-          <a:p>
-            <a:r>
-              <a:rPr lang="en-US" dirty="0"/>
-              <a:t>More AI models, larger data field etc.</a:t>
-            </a:r>
-            <a:endParaRPr lang="en-IL" dirty="0"/>
-          </a:p>
-        </p:txBody>
-      </p:sp>
-      <p:sp>
-        <p:nvSpPr>
-          <p:cNvPr id="5" name="Text Placeholder 4">
-            <a:extLst>
-              <a:ext uri="{FF2B5EF4-FFF2-40B4-BE49-F238E27FC236}">
-                <a16:creationId xmlns:a16="http://schemas.microsoft.com/office/drawing/2014/main" id="{B0E1E704-10E8-3F7C-C723-A2663F5D2A07}"/>
-              </a:ext>
-            </a:extLst>
-          </p:cNvPr>
-          <p:cNvSpPr>
-            <a:spLocks noGrp="1"/>
-          </p:cNvSpPr>
-          <p:nvPr>
-            <p:ph type="body" sz="quarter" idx="3"/>
-          </p:nvPr>
-        </p:nvSpPr>
-        <p:spPr/>
-        <p:txBody>
-          <a:bodyPr/>
-          <a:lstStyle/>
-          <a:p>
-            <a:r>
-              <a:rPr lang="en-US" dirty="0"/>
-              <a:t>acknowledgment</a:t>
-            </a:r>
-            <a:endParaRPr lang="en-IL" dirty="0"/>
-          </a:p>
-        </p:txBody>
-      </p:sp>
-      <p:sp>
-        <p:nvSpPr>
-          <p:cNvPr id="6" name="Content Placeholder 5">
-            <a:extLst>
-              <a:ext uri="{FF2B5EF4-FFF2-40B4-BE49-F238E27FC236}">
-                <a16:creationId xmlns:a16="http://schemas.microsoft.com/office/drawing/2014/main" id="{D61BBD67-4480-65A3-235F-36810243F13D}"/>
-              </a:ext>
-            </a:extLst>
-          </p:cNvPr>
-          <p:cNvSpPr>
-            <a:spLocks noGrp="1"/>
-          </p:cNvSpPr>
-          <p:nvPr>
-            <p:ph sz="half" idx="14"/>
-          </p:nvPr>
-        </p:nvSpPr>
-        <p:spPr/>
+        <p:spPr>
+          <a:xfrm>
+            <a:off x="552659" y="267394"/>
+            <a:ext cx="10231229" cy="439419"/>
+          </a:xfrm>
+        </p:spPr>
         <p:txBody>
           <a:bodyPr>
-            <a:normAutofit/>
+            <a:normAutofit fontScale="90000"/>
           </a:bodyPr>
           <a:lstStyle/>
           <a:p>
-            <a:pPr algn="r" rtl="1"/>
-            <a:r>
-              <a:rPr lang="he-IL" dirty="0"/>
-              <a:t>נשאלת השאלה – מתי משהו מוטה למין או גזע מסוים</a:t>
-            </a:r>
             <a:r>
               <a:rPr lang="en-US" dirty="0"/>
-              <a:t> </a:t>
-            </a:r>
-            <a:r>
-              <a:rPr lang="he-IL" dirty="0"/>
-              <a:t>שנובע מתפיסות חברתיות  ומתי זה באמת השתקפות של מציאות עובדתית?</a:t>
-            </a:r>
-            <a:endParaRPr lang="en-GB" dirty="0"/>
-          </a:p>
-          <a:p>
-            <a:pPr algn="r" rtl="1"/>
-            <a:endParaRPr lang="en-US" dirty="0"/>
-          </a:p>
-          <a:p>
-            <a:pPr algn="r" rtl="1"/>
-            <a:r>
-              <a:rPr lang="he-IL" dirty="0"/>
-              <a:t>שאלה פתוחה</a:t>
+              <a:t>Surprising results </a:t>
             </a:r>
             <a:endParaRPr lang="en-IL" dirty="0"/>
           </a:p>
@@ -13137,15 +13475,15 @@
           <p:cNvPr id="7" name="Slide Number Placeholder 6">
             <a:extLst>
               <a:ext uri="{FF2B5EF4-FFF2-40B4-BE49-F238E27FC236}">
-                <a16:creationId xmlns:a16="http://schemas.microsoft.com/office/drawing/2014/main" id="{9C69D25A-5314-032B-CF0E-099A13219251}"/>
-              </a:ext>
-            </a:extLst>
-          </p:cNvPr>
-          <p:cNvSpPr>
-            <a:spLocks noGrp="1"/>
-          </p:cNvSpPr>
-          <p:nvPr>
-            <p:ph type="sldNum" sz="quarter" idx="12"/>
+                <a16:creationId xmlns:a16="http://schemas.microsoft.com/office/drawing/2014/main" id="{7EFCF694-0A55-9141-0DD6-A2DD28E6C7E7}"/>
+              </a:ext>
+            </a:extLst>
+          </p:cNvPr>
+          <p:cNvSpPr>
+            <a:spLocks noGrp="1"/>
+          </p:cNvSpPr>
+          <p:nvPr>
+            <p:ph type="sldNum" sz="quarter" idx="13"/>
           </p:nvPr>
         </p:nvSpPr>
         <p:spPr/>
@@ -13162,10 +13500,40 @@
           </a:p>
         </p:txBody>
       </p:sp>
+      <p:pic>
+        <p:nvPicPr>
+          <p:cNvPr id="17" name="Picture 16">
+            <a:extLst>
+              <a:ext uri="{FF2B5EF4-FFF2-40B4-BE49-F238E27FC236}">
+                <a16:creationId xmlns:a16="http://schemas.microsoft.com/office/drawing/2014/main" id="{C2DDF75B-95C6-8735-E6C6-4196C372DD42}"/>
+              </a:ext>
+            </a:extLst>
+          </p:cNvPr>
+          <p:cNvPicPr>
+            <a:picLocks noChangeAspect="1"/>
+          </p:cNvPicPr>
+          <p:nvPr/>
+        </p:nvPicPr>
+        <p:blipFill>
+          <a:blip r:embed="rId2"/>
+          <a:stretch>
+            <a:fillRect/>
+          </a:stretch>
+        </p:blipFill>
+        <p:spPr>
+          <a:xfrm>
+            <a:off x="1789609" y="929070"/>
+            <a:ext cx="6755008" cy="5205021"/>
+          </a:xfrm>
+          <a:prstGeom prst="rect">
+            <a:avLst/>
+          </a:prstGeom>
+        </p:spPr>
+      </p:pic>
     </p:spTree>
     <p:extLst>
       <p:ext uri="{BB962C8B-B14F-4D97-AF65-F5344CB8AC3E}">
-        <p14:creationId xmlns:p14="http://schemas.microsoft.com/office/powerpoint/2010/main" val="3212140604"/>
+        <p14:creationId xmlns:p14="http://schemas.microsoft.com/office/powerpoint/2010/main" val="916030493"/>
       </p:ext>
     </p:extLst>
   </p:cSld>
@@ -13197,21 +13565,21 @@
           <p:cNvPr id="2" name="Title 1">
             <a:extLst>
               <a:ext uri="{FF2B5EF4-FFF2-40B4-BE49-F238E27FC236}">
-                <a16:creationId xmlns:a16="http://schemas.microsoft.com/office/drawing/2014/main" id="{8BDF1EDE-5423-435C-B149-87AB1BC22B83}"/>
-              </a:ext>
-            </a:extLst>
-          </p:cNvPr>
-          <p:cNvSpPr>
-            <a:spLocks noGrp="1"/>
-          </p:cNvSpPr>
-          <p:nvPr>
-            <p:ph type="ctrTitle"/>
-          </p:nvPr>
-        </p:nvSpPr>
-        <p:spPr>
-          <a:xfrm>
-            <a:off x="4009292" y="2100104"/>
-            <a:ext cx="4437478" cy="1487157"/>
+                <a16:creationId xmlns:a16="http://schemas.microsoft.com/office/drawing/2014/main" id="{66A3FBA8-2B05-1880-3D6B-56A7C5123A3B}"/>
+              </a:ext>
+            </a:extLst>
+          </p:cNvPr>
+          <p:cNvSpPr>
+            <a:spLocks noGrp="1"/>
+          </p:cNvSpPr>
+          <p:nvPr>
+            <p:ph type="title"/>
+          </p:nvPr>
+        </p:nvSpPr>
+        <p:spPr>
+          <a:xfrm>
+            <a:off x="527204" y="649236"/>
+            <a:ext cx="9953308" cy="657050"/>
           </a:xfrm>
         </p:spPr>
         <p:txBody>
@@ -13220,33 +13588,29 @@
           <a:p>
             <a:r>
               <a:rPr lang="en-US" dirty="0"/>
-              <a:t>THANK YOU!</a:t>
-            </a:r>
-          </a:p>
-        </p:txBody>
-      </p:sp>
-      <p:sp>
-        <p:nvSpPr>
-          <p:cNvPr id="6" name="Slide Number Placeholder 5">
-            <a:extLst>
-              <a:ext uri="{FF2B5EF4-FFF2-40B4-BE49-F238E27FC236}">
-                <a16:creationId xmlns:a16="http://schemas.microsoft.com/office/drawing/2014/main" id="{4C127D99-645F-4FCF-9573-FDFE2A344FA9}"/>
-              </a:ext>
-            </a:extLst>
-          </p:cNvPr>
-          <p:cNvSpPr>
-            <a:spLocks noGrp="1"/>
-          </p:cNvSpPr>
-          <p:nvPr>
-            <p:ph type="sldNum" sz="quarter" idx="12"/>
-          </p:nvPr>
-        </p:nvSpPr>
-        <p:spPr>
-          <a:xfrm>
-            <a:off x="9579428" y="6356350"/>
-            <a:ext cx="1774371" cy="365125"/>
-          </a:xfrm>
-        </p:spPr>
+              <a:t>Results </a:t>
+            </a:r>
+            <a:endParaRPr lang="en-IL" dirty="0"/>
+          </a:p>
+        </p:txBody>
+      </p:sp>
+      <p:sp>
+        <p:nvSpPr>
+          <p:cNvPr id="7" name="Slide Number Placeholder 6">
+            <a:extLst>
+              <a:ext uri="{FF2B5EF4-FFF2-40B4-BE49-F238E27FC236}">
+                <a16:creationId xmlns:a16="http://schemas.microsoft.com/office/drawing/2014/main" id="{46669695-E431-55AA-06A2-26DD3890E7B5}"/>
+              </a:ext>
+            </a:extLst>
+          </p:cNvPr>
+          <p:cNvSpPr>
+            <a:spLocks noGrp="1"/>
+          </p:cNvSpPr>
+          <p:nvPr>
+            <p:ph type="sldNum" sz="quarter" idx="13"/>
+          </p:nvPr>
+        </p:nvSpPr>
+        <p:spPr/>
         <p:txBody>
           <a:bodyPr/>
           <a:lstStyle/>
@@ -13255,6 +13619,550 @@
               <a:rPr lang="en-US" smtClean="0"/>
               <a:pPr/>
               <a:t>32</a:t>
+            </a:fld>
+            <a:endParaRPr lang="en-US" dirty="0"/>
+          </a:p>
+        </p:txBody>
+      </p:sp>
+      <p:pic>
+        <p:nvPicPr>
+          <p:cNvPr id="9" name="Picture 8">
+            <a:extLst>
+              <a:ext uri="{FF2B5EF4-FFF2-40B4-BE49-F238E27FC236}">
+                <a16:creationId xmlns:a16="http://schemas.microsoft.com/office/drawing/2014/main" id="{298E9210-25C0-09E1-AFFC-5039C55A3127}"/>
+              </a:ext>
+            </a:extLst>
+          </p:cNvPr>
+          <p:cNvPicPr>
+            <a:picLocks noChangeAspect="1"/>
+          </p:cNvPicPr>
+          <p:nvPr/>
+        </p:nvPicPr>
+        <p:blipFill>
+          <a:blip r:embed="rId2"/>
+          <a:stretch>
+            <a:fillRect/>
+          </a:stretch>
+        </p:blipFill>
+        <p:spPr>
+          <a:xfrm>
+            <a:off x="2351314" y="1306286"/>
+            <a:ext cx="6305228" cy="4742821"/>
+          </a:xfrm>
+          <a:prstGeom prst="rect">
+            <a:avLst/>
+          </a:prstGeom>
+        </p:spPr>
+      </p:pic>
+    </p:spTree>
+    <p:extLst>
+      <p:ext uri="{BB962C8B-B14F-4D97-AF65-F5344CB8AC3E}">
+        <p14:creationId xmlns:p14="http://schemas.microsoft.com/office/powerpoint/2010/main" val="1437701250"/>
+      </p:ext>
+    </p:extLst>
+  </p:cSld>
+  <p:clrMapOvr>
+    <a:masterClrMapping/>
+  </p:clrMapOvr>
+</p:sld>
+</file>
+
+<file path=ppt/slides/slide33.xml><?xml version="1.0" encoding="utf-8"?>
+<p:sld xmlns:a="http://schemas.openxmlformats.org/drawingml/2006/main" xmlns:r="http://schemas.openxmlformats.org/officeDocument/2006/relationships" xmlns:p="http://schemas.openxmlformats.org/presentationml/2006/main">
+  <p:cSld>
+    <p:spTree>
+      <p:nvGrpSpPr>
+        <p:cNvPr id="1" name=""/>
+        <p:cNvGrpSpPr/>
+        <p:nvPr/>
+      </p:nvGrpSpPr>
+      <p:grpSpPr>
+        <a:xfrm>
+          <a:off x="0" y="0"/>
+          <a:ext cx="0" cy="0"/>
+          <a:chOff x="0" y="0"/>
+          <a:chExt cx="0" cy="0"/>
+        </a:xfrm>
+      </p:grpSpPr>
+      <p:sp>
+        <p:nvSpPr>
+          <p:cNvPr id="17" name="Title 1">
+            <a:extLst>
+              <a:ext uri="{FF2B5EF4-FFF2-40B4-BE49-F238E27FC236}">
+                <a16:creationId xmlns:a16="http://schemas.microsoft.com/office/drawing/2014/main" id="{09140014-73D5-419B-8867-972BB18D52D4}"/>
+              </a:ext>
+            </a:extLst>
+          </p:cNvPr>
+          <p:cNvSpPr>
+            <a:spLocks noGrp="1"/>
+          </p:cNvSpPr>
+          <p:nvPr>
+            <p:ph type="title"/>
+          </p:nvPr>
+        </p:nvSpPr>
+        <p:spPr>
+          <a:xfrm>
+            <a:off x="539360" y="-1174737"/>
+            <a:ext cx="5655197" cy="1997867"/>
+          </a:xfrm>
+        </p:spPr>
+        <p:txBody>
+          <a:bodyPr anchor="b"/>
+          <a:lstStyle/>
+          <a:p>
+            <a:r>
+              <a:rPr lang="en-US" dirty="0"/>
+              <a:t>conclusions</a:t>
+            </a:r>
+          </a:p>
+        </p:txBody>
+      </p:sp>
+      <p:sp>
+        <p:nvSpPr>
+          <p:cNvPr id="20" name="Content Placeholder 3">
+            <a:extLst>
+              <a:ext uri="{FF2B5EF4-FFF2-40B4-BE49-F238E27FC236}">
+                <a16:creationId xmlns:a16="http://schemas.microsoft.com/office/drawing/2014/main" id="{33D8731E-4977-402E-8BFD-895B4D0544CC}"/>
+              </a:ext>
+            </a:extLst>
+          </p:cNvPr>
+          <p:cNvSpPr>
+            <a:spLocks noGrp="1"/>
+          </p:cNvSpPr>
+          <p:nvPr>
+            <p:ph sz="half" idx="2"/>
+          </p:nvPr>
+        </p:nvSpPr>
+        <p:spPr>
+          <a:xfrm>
+            <a:off x="445544" y="929862"/>
+            <a:ext cx="5733773" cy="3032733"/>
+          </a:xfrm>
+        </p:spPr>
+        <p:txBody>
+          <a:bodyPr>
+            <a:noAutofit/>
+          </a:bodyPr>
+          <a:lstStyle/>
+          <a:p>
+            <a:pPr>
+              <a:lnSpc>
+                <a:spcPct val="107000"/>
+              </a:lnSpc>
+              <a:spcAft>
+                <a:spcPts val="800"/>
+              </a:spcAft>
+            </a:pPr>
+            <a:r>
+              <a:rPr lang="en-IL" sz="1600" kern="100" dirty="0">
+                <a:effectLst/>
+                <a:latin typeface="Aptos" panose="020B0004020202020204" pitchFamily="34" charset="0"/>
+                <a:ea typeface="Aptos" panose="020B0004020202020204" pitchFamily="34" charset="0"/>
+                <a:cs typeface="Arial" panose="020B0604020202020204" pitchFamily="34" charset="0"/>
+              </a:rPr>
+              <a:t>Overall – </a:t>
+            </a:r>
+          </a:p>
+          <a:p>
+            <a:pPr>
+              <a:lnSpc>
+                <a:spcPct val="107000"/>
+              </a:lnSpc>
+              <a:spcAft>
+                <a:spcPts val="800"/>
+              </a:spcAft>
+            </a:pPr>
+            <a:r>
+              <a:rPr lang="en-IL" sz="1600" kern="100" dirty="0">
+                <a:effectLst/>
+                <a:latin typeface="Aptos" panose="020B0004020202020204" pitchFamily="34" charset="0"/>
+                <a:ea typeface="Aptos" panose="020B0004020202020204" pitchFamily="34" charset="0"/>
+                <a:cs typeface="Arial" panose="020B0604020202020204" pitchFamily="34" charset="0"/>
+              </a:rPr>
+              <a:t>The expectation that a man is looking constantly to further and develop in his career and earning money and a woman focuses more on studying something she enjoys or has a lot of meaning and purpose. </a:t>
+            </a:r>
+          </a:p>
+          <a:p>
+            <a:pPr>
+              <a:lnSpc>
+                <a:spcPct val="107000"/>
+              </a:lnSpc>
+              <a:spcAft>
+                <a:spcPts val="800"/>
+              </a:spcAft>
+            </a:pPr>
+            <a:r>
+              <a:rPr lang="en-IL" sz="1600" kern="100" dirty="0">
+                <a:effectLst/>
+                <a:latin typeface="Aptos" panose="020B0004020202020204" pitchFamily="34" charset="0"/>
+                <a:ea typeface="Aptos" panose="020B0004020202020204" pitchFamily="34" charset="0"/>
+                <a:cs typeface="Arial" panose="020B0604020202020204" pitchFamily="34" charset="0"/>
+              </a:rPr>
+              <a:t>The results we got didn’t show as we expected, there wasn’t as much of a defence in the key words as we thought there would be.</a:t>
+            </a:r>
+          </a:p>
+          <a:p>
+            <a:pPr>
+              <a:lnSpc>
+                <a:spcPct val="107000"/>
+              </a:lnSpc>
+              <a:spcAft>
+                <a:spcPts val="800"/>
+              </a:spcAft>
+            </a:pPr>
+            <a:r>
+              <a:rPr lang="en-IL" sz="1600" kern="100" dirty="0">
+                <a:effectLst/>
+                <a:latin typeface="Aptos" panose="020B0004020202020204" pitchFamily="34" charset="0"/>
+                <a:ea typeface="Aptos" panose="020B0004020202020204" pitchFamily="34" charset="0"/>
+                <a:cs typeface="Arial" panose="020B0604020202020204" pitchFamily="34" charset="0"/>
+              </a:rPr>
+              <a:t>In regard to race, there sometimes was a difference between one of the races and the rest of the profiles, but in an inconsistent way.</a:t>
+            </a:r>
+          </a:p>
+          <a:p>
+            <a:endParaRPr lang="en-US" dirty="0"/>
+          </a:p>
+        </p:txBody>
+      </p:sp>
+      <p:sp>
+        <p:nvSpPr>
+          <p:cNvPr id="9" name="Slide Number Placeholder 8">
+            <a:extLst>
+              <a:ext uri="{FF2B5EF4-FFF2-40B4-BE49-F238E27FC236}">
+                <a16:creationId xmlns:a16="http://schemas.microsoft.com/office/drawing/2014/main" id="{C396FFDC-ADE8-4009-A466-A81787258E88}"/>
+              </a:ext>
+            </a:extLst>
+          </p:cNvPr>
+          <p:cNvSpPr>
+            <a:spLocks noGrp="1"/>
+          </p:cNvSpPr>
+          <p:nvPr>
+            <p:ph type="sldNum" sz="quarter" idx="12"/>
+          </p:nvPr>
+        </p:nvSpPr>
+        <p:spPr>
+          <a:xfrm>
+            <a:off x="8610600" y="6356350"/>
+            <a:ext cx="2743200" cy="365125"/>
+          </a:xfrm>
+        </p:spPr>
+        <p:txBody>
+          <a:bodyPr/>
+          <a:lstStyle/>
+          <a:p>
+            <a:fld id="{A49DFD55-3C28-40EF-9E31-A92D2E4017FF}" type="slidenum">
+              <a:rPr lang="en-US" smtClean="0"/>
+              <a:pPr/>
+              <a:t>33</a:t>
+            </a:fld>
+            <a:endParaRPr lang="en-US" dirty="0"/>
+          </a:p>
+        </p:txBody>
+      </p:sp>
+    </p:spTree>
+    <p:extLst>
+      <p:ext uri="{BB962C8B-B14F-4D97-AF65-F5344CB8AC3E}">
+        <p14:creationId xmlns:p14="http://schemas.microsoft.com/office/powerpoint/2010/main" val="1645705637"/>
+      </p:ext>
+    </p:extLst>
+  </p:cSld>
+  <p:clrMapOvr>
+    <a:masterClrMapping/>
+  </p:clrMapOvr>
+</p:sld>
+</file>
+
+<file path=ppt/slides/slide34.xml><?xml version="1.0" encoding="utf-8"?>
+<p:sld xmlns:a="http://schemas.openxmlformats.org/drawingml/2006/main" xmlns:r="http://schemas.openxmlformats.org/officeDocument/2006/relationships" xmlns:p="http://schemas.openxmlformats.org/presentationml/2006/main">
+  <p:cSld>
+    <p:spTree>
+      <p:nvGrpSpPr>
+        <p:cNvPr id="1" name=""/>
+        <p:cNvGrpSpPr/>
+        <p:nvPr/>
+      </p:nvGrpSpPr>
+      <p:grpSpPr>
+        <a:xfrm>
+          <a:off x="0" y="0"/>
+          <a:ext cx="0" cy="0"/>
+          <a:chOff x="0" y="0"/>
+          <a:chExt cx="0" cy="0"/>
+        </a:xfrm>
+      </p:grpSpPr>
+      <p:sp>
+        <p:nvSpPr>
+          <p:cNvPr id="2" name="Title 1">
+            <a:extLst>
+              <a:ext uri="{FF2B5EF4-FFF2-40B4-BE49-F238E27FC236}">
+                <a16:creationId xmlns:a16="http://schemas.microsoft.com/office/drawing/2014/main" id="{0516C8B1-C69B-244B-3F19-41F60C001637}"/>
+              </a:ext>
+            </a:extLst>
+          </p:cNvPr>
+          <p:cNvSpPr>
+            <a:spLocks noGrp="1"/>
+          </p:cNvSpPr>
+          <p:nvPr>
+            <p:ph type="title"/>
+          </p:nvPr>
+        </p:nvSpPr>
+        <p:spPr/>
+        <p:txBody>
+          <a:bodyPr/>
+          <a:lstStyle/>
+          <a:p>
+            <a:r>
+              <a:rPr lang="en-US" dirty="0"/>
+              <a:t>Conclusions</a:t>
+            </a:r>
+            <a:endParaRPr lang="en-IL" dirty="0"/>
+          </a:p>
+        </p:txBody>
+      </p:sp>
+      <p:sp>
+        <p:nvSpPr>
+          <p:cNvPr id="4" name="Content Placeholder 3">
+            <a:extLst>
+              <a:ext uri="{FF2B5EF4-FFF2-40B4-BE49-F238E27FC236}">
+                <a16:creationId xmlns:a16="http://schemas.microsoft.com/office/drawing/2014/main" id="{005C0E9A-17DC-475A-AA10-D3CD5C69787B}"/>
+              </a:ext>
+            </a:extLst>
+          </p:cNvPr>
+          <p:cNvSpPr>
+            <a:spLocks noGrp="1"/>
+          </p:cNvSpPr>
+          <p:nvPr>
+            <p:ph sz="half" idx="13"/>
+          </p:nvPr>
+        </p:nvSpPr>
+        <p:spPr>
+          <a:xfrm>
+            <a:off x="2933700" y="2797255"/>
+            <a:ext cx="3943627" cy="3688605"/>
+          </a:xfrm>
+        </p:spPr>
+        <p:txBody>
+          <a:bodyPr/>
+          <a:lstStyle/>
+          <a:p>
+            <a:r>
+              <a:rPr lang="en-US" dirty="0"/>
+              <a:t>This is a big topic, and there is a lot more research that can be done in the field, we have only touched the surface here.</a:t>
+            </a:r>
+          </a:p>
+          <a:p>
+            <a:r>
+              <a:rPr lang="en-US" dirty="0"/>
+              <a:t>More AI models, larger data field etc.</a:t>
+            </a:r>
+            <a:endParaRPr lang="en-IL" dirty="0"/>
+          </a:p>
+        </p:txBody>
+      </p:sp>
+      <p:sp>
+        <p:nvSpPr>
+          <p:cNvPr id="5" name="Text Placeholder 4">
+            <a:extLst>
+              <a:ext uri="{FF2B5EF4-FFF2-40B4-BE49-F238E27FC236}">
+                <a16:creationId xmlns:a16="http://schemas.microsoft.com/office/drawing/2014/main" id="{B0E1E704-10E8-3F7C-C723-A2663F5D2A07}"/>
+              </a:ext>
+            </a:extLst>
+          </p:cNvPr>
+          <p:cNvSpPr>
+            <a:spLocks noGrp="1"/>
+          </p:cNvSpPr>
+          <p:nvPr>
+            <p:ph type="body" sz="quarter" idx="3"/>
+          </p:nvPr>
+        </p:nvSpPr>
+        <p:spPr/>
+        <p:txBody>
+          <a:bodyPr/>
+          <a:lstStyle/>
+          <a:p>
+            <a:r>
+              <a:rPr lang="en-US" dirty="0"/>
+              <a:t>acknowledgment</a:t>
+            </a:r>
+            <a:endParaRPr lang="en-IL" dirty="0"/>
+          </a:p>
+        </p:txBody>
+      </p:sp>
+      <p:sp>
+        <p:nvSpPr>
+          <p:cNvPr id="6" name="Content Placeholder 5">
+            <a:extLst>
+              <a:ext uri="{FF2B5EF4-FFF2-40B4-BE49-F238E27FC236}">
+                <a16:creationId xmlns:a16="http://schemas.microsoft.com/office/drawing/2014/main" id="{D61BBD67-4480-65A3-235F-36810243F13D}"/>
+              </a:ext>
+            </a:extLst>
+          </p:cNvPr>
+          <p:cNvSpPr>
+            <a:spLocks noGrp="1"/>
+          </p:cNvSpPr>
+          <p:nvPr>
+            <p:ph sz="half" idx="14"/>
+          </p:nvPr>
+        </p:nvSpPr>
+        <p:spPr/>
+        <p:txBody>
+          <a:bodyPr>
+            <a:normAutofit/>
+          </a:bodyPr>
+          <a:lstStyle/>
+          <a:p>
+            <a:pPr algn="r" rtl="1"/>
+            <a:r>
+              <a:rPr lang="he-IL" dirty="0"/>
+              <a:t>נשאלת השאלה – מתי משהו מוטה למין או גזע מסוים</a:t>
+            </a:r>
+            <a:r>
+              <a:rPr lang="en-US" dirty="0"/>
+              <a:t> </a:t>
+            </a:r>
+            <a:r>
+              <a:rPr lang="he-IL" dirty="0"/>
+              <a:t>שנובע מתפיסות חברתיות  ומתי זה באמת השתקפות של מציאות עובדתית?</a:t>
+            </a:r>
+            <a:endParaRPr lang="en-GB" dirty="0"/>
+          </a:p>
+          <a:p>
+            <a:pPr algn="r" rtl="1"/>
+            <a:endParaRPr lang="en-US" dirty="0"/>
+          </a:p>
+          <a:p>
+            <a:pPr algn="r" rtl="1"/>
+            <a:r>
+              <a:rPr lang="he-IL" dirty="0"/>
+              <a:t>שאלה פתוחה</a:t>
+            </a:r>
+            <a:endParaRPr lang="en-IL" dirty="0"/>
+          </a:p>
+        </p:txBody>
+      </p:sp>
+      <p:sp>
+        <p:nvSpPr>
+          <p:cNvPr id="7" name="Slide Number Placeholder 6">
+            <a:extLst>
+              <a:ext uri="{FF2B5EF4-FFF2-40B4-BE49-F238E27FC236}">
+                <a16:creationId xmlns:a16="http://schemas.microsoft.com/office/drawing/2014/main" id="{9C69D25A-5314-032B-CF0E-099A13219251}"/>
+              </a:ext>
+            </a:extLst>
+          </p:cNvPr>
+          <p:cNvSpPr>
+            <a:spLocks noGrp="1"/>
+          </p:cNvSpPr>
+          <p:nvPr>
+            <p:ph type="sldNum" sz="quarter" idx="12"/>
+          </p:nvPr>
+        </p:nvSpPr>
+        <p:spPr/>
+        <p:txBody>
+          <a:bodyPr/>
+          <a:lstStyle/>
+          <a:p>
+            <a:fld id="{A49DFD55-3C28-40EF-9E31-A92D2E4017FF}" type="slidenum">
+              <a:rPr lang="en-US" smtClean="0"/>
+              <a:pPr/>
+              <a:t>34</a:t>
+            </a:fld>
+            <a:endParaRPr lang="en-US" dirty="0"/>
+          </a:p>
+        </p:txBody>
+      </p:sp>
+    </p:spTree>
+    <p:extLst>
+      <p:ext uri="{BB962C8B-B14F-4D97-AF65-F5344CB8AC3E}">
+        <p14:creationId xmlns:p14="http://schemas.microsoft.com/office/powerpoint/2010/main" val="3212140604"/>
+      </p:ext>
+    </p:extLst>
+  </p:cSld>
+  <p:clrMapOvr>
+    <a:masterClrMapping/>
+  </p:clrMapOvr>
+</p:sld>
+</file>
+
+<file path=ppt/slides/slide35.xml><?xml version="1.0" encoding="utf-8"?>
+<p:sld xmlns:a="http://schemas.openxmlformats.org/drawingml/2006/main" xmlns:r="http://schemas.openxmlformats.org/officeDocument/2006/relationships" xmlns:p="http://schemas.openxmlformats.org/presentationml/2006/main">
+  <p:cSld>
+    <p:spTree>
+      <p:nvGrpSpPr>
+        <p:cNvPr id="1" name=""/>
+        <p:cNvGrpSpPr/>
+        <p:nvPr/>
+      </p:nvGrpSpPr>
+      <p:grpSpPr>
+        <a:xfrm>
+          <a:off x="0" y="0"/>
+          <a:ext cx="0" cy="0"/>
+          <a:chOff x="0" y="0"/>
+          <a:chExt cx="0" cy="0"/>
+        </a:xfrm>
+      </p:grpSpPr>
+      <p:sp>
+        <p:nvSpPr>
+          <p:cNvPr id="2" name="Title 1">
+            <a:extLst>
+              <a:ext uri="{FF2B5EF4-FFF2-40B4-BE49-F238E27FC236}">
+                <a16:creationId xmlns:a16="http://schemas.microsoft.com/office/drawing/2014/main" id="{8BDF1EDE-5423-435C-B149-87AB1BC22B83}"/>
+              </a:ext>
+            </a:extLst>
+          </p:cNvPr>
+          <p:cNvSpPr>
+            <a:spLocks noGrp="1"/>
+          </p:cNvSpPr>
+          <p:nvPr>
+            <p:ph type="ctrTitle"/>
+          </p:nvPr>
+        </p:nvSpPr>
+        <p:spPr>
+          <a:xfrm>
+            <a:off x="4009292" y="2100104"/>
+            <a:ext cx="4437478" cy="1487157"/>
+          </a:xfrm>
+        </p:spPr>
+        <p:txBody>
+          <a:bodyPr/>
+          <a:lstStyle/>
+          <a:p>
+            <a:r>
+              <a:rPr lang="en-US" dirty="0"/>
+              <a:t>THANK YOU!</a:t>
+            </a:r>
+          </a:p>
+        </p:txBody>
+      </p:sp>
+      <p:sp>
+        <p:nvSpPr>
+          <p:cNvPr id="6" name="Slide Number Placeholder 5">
+            <a:extLst>
+              <a:ext uri="{FF2B5EF4-FFF2-40B4-BE49-F238E27FC236}">
+                <a16:creationId xmlns:a16="http://schemas.microsoft.com/office/drawing/2014/main" id="{4C127D99-645F-4FCF-9573-FDFE2A344FA9}"/>
+              </a:ext>
+            </a:extLst>
+          </p:cNvPr>
+          <p:cNvSpPr>
+            <a:spLocks noGrp="1"/>
+          </p:cNvSpPr>
+          <p:nvPr>
+            <p:ph type="sldNum" sz="quarter" idx="12"/>
+          </p:nvPr>
+        </p:nvSpPr>
+        <p:spPr>
+          <a:xfrm>
+            <a:off x="9579428" y="6356350"/>
+            <a:ext cx="1774371" cy="365125"/>
+          </a:xfrm>
+        </p:spPr>
+        <p:txBody>
+          <a:bodyPr/>
+          <a:lstStyle/>
+          <a:p>
+            <a:fld id="{A49DFD55-3C28-40EF-9E31-A92D2E4017FF}" type="slidenum">
+              <a:rPr lang="en-US" smtClean="0"/>
+              <a:pPr/>
+              <a:t>35</a:t>
             </a:fld>
             <a:endParaRPr lang="en-US" dirty="0"/>
           </a:p>
@@ -13295,6 +14203,193 @@
           <p:cNvPr id="2" name="Title 1">
             <a:extLst>
               <a:ext uri="{FF2B5EF4-FFF2-40B4-BE49-F238E27FC236}">
+                <a16:creationId xmlns:a16="http://schemas.microsoft.com/office/drawing/2014/main" id="{FAAE37C1-747F-1AFB-98CE-D6C9B0905288}"/>
+              </a:ext>
+            </a:extLst>
+          </p:cNvPr>
+          <p:cNvSpPr>
+            <a:spLocks noGrp="1"/>
+          </p:cNvSpPr>
+          <p:nvPr>
+            <p:ph type="title"/>
+          </p:nvPr>
+        </p:nvSpPr>
+        <p:spPr>
+          <a:xfrm>
+            <a:off x="2933700" y="568961"/>
+            <a:ext cx="8420100" cy="690879"/>
+          </a:xfrm>
+        </p:spPr>
+        <p:txBody>
+          <a:bodyPr/>
+          <a:lstStyle/>
+          <a:p>
+            <a:r>
+              <a:rPr lang="en-US" dirty="0"/>
+              <a:t>Another example of bias </a:t>
+            </a:r>
+            <a:endParaRPr lang="en-IL" dirty="0"/>
+          </a:p>
+        </p:txBody>
+      </p:sp>
+      <p:sp>
+        <p:nvSpPr>
+          <p:cNvPr id="7" name="Slide Number Placeholder 6">
+            <a:extLst>
+              <a:ext uri="{FF2B5EF4-FFF2-40B4-BE49-F238E27FC236}">
+                <a16:creationId xmlns:a16="http://schemas.microsoft.com/office/drawing/2014/main" id="{74E954EE-4F1C-4B07-6777-83394CA75437}"/>
+              </a:ext>
+            </a:extLst>
+          </p:cNvPr>
+          <p:cNvSpPr>
+            <a:spLocks noGrp="1"/>
+          </p:cNvSpPr>
+          <p:nvPr>
+            <p:ph type="sldNum" sz="quarter" idx="12"/>
+          </p:nvPr>
+        </p:nvSpPr>
+        <p:spPr/>
+        <p:txBody>
+          <a:bodyPr/>
+          <a:lstStyle/>
+          <a:p>
+            <a:fld id="{A49DFD55-3C28-40EF-9E31-A92D2E4017FF}" type="slidenum">
+              <a:rPr lang="en-US" smtClean="0"/>
+              <a:pPr/>
+              <a:t>4</a:t>
+            </a:fld>
+            <a:endParaRPr lang="en-US" dirty="0"/>
+          </a:p>
+        </p:txBody>
+      </p:sp>
+      <p:pic>
+        <p:nvPicPr>
+          <p:cNvPr id="9" name="Picture 8">
+            <a:extLst>
+              <a:ext uri="{FF2B5EF4-FFF2-40B4-BE49-F238E27FC236}">
+                <a16:creationId xmlns:a16="http://schemas.microsoft.com/office/drawing/2014/main" id="{256EDCFC-91A3-A494-B808-6042CA0B5BAD}"/>
+              </a:ext>
+            </a:extLst>
+          </p:cNvPr>
+          <p:cNvPicPr>
+            <a:picLocks noChangeAspect="1"/>
+          </p:cNvPicPr>
+          <p:nvPr/>
+        </p:nvPicPr>
+        <p:blipFill>
+          <a:blip r:embed="rId2"/>
+          <a:stretch>
+            <a:fillRect/>
+          </a:stretch>
+        </p:blipFill>
+        <p:spPr>
+          <a:xfrm>
+            <a:off x="5526958" y="1706880"/>
+            <a:ext cx="3467314" cy="4177844"/>
+          </a:xfrm>
+          <a:prstGeom prst="rect">
+            <a:avLst/>
+          </a:prstGeom>
+        </p:spPr>
+      </p:pic>
+    </p:spTree>
+    <p:extLst>
+      <p:ext uri="{BB962C8B-B14F-4D97-AF65-F5344CB8AC3E}">
+        <p14:creationId xmlns:p14="http://schemas.microsoft.com/office/powerpoint/2010/main" val="1845401743"/>
+      </p:ext>
+    </p:extLst>
+  </p:cSld>
+  <p:clrMapOvr>
+    <a:masterClrMapping/>
+  </p:clrMapOvr>
+</p:sld>
+</file>
+
+<file path=ppt/slides/slide5.xml><?xml version="1.0" encoding="utf-8"?>
+<p:sld xmlns:a="http://schemas.openxmlformats.org/drawingml/2006/main" xmlns:r="http://schemas.openxmlformats.org/officeDocument/2006/relationships" xmlns:p="http://schemas.openxmlformats.org/presentationml/2006/main">
+  <p:cSld>
+    <p:spTree>
+      <p:nvGrpSpPr>
+        <p:cNvPr id="1" name=""/>
+        <p:cNvGrpSpPr/>
+        <p:nvPr/>
+      </p:nvGrpSpPr>
+      <p:grpSpPr>
+        <a:xfrm>
+          <a:off x="0" y="0"/>
+          <a:ext cx="0" cy="0"/>
+          <a:chOff x="0" y="0"/>
+          <a:chExt cx="0" cy="0"/>
+        </a:xfrm>
+      </p:grpSpPr>
+      <p:sp>
+        <p:nvSpPr>
+          <p:cNvPr id="2" name="Title 1">
+            <a:extLst>
+              <a:ext uri="{FF2B5EF4-FFF2-40B4-BE49-F238E27FC236}">
+                <a16:creationId xmlns:a16="http://schemas.microsoft.com/office/drawing/2014/main" id="{9528DBD1-DB29-D44F-FD5A-3071BB37EF37}"/>
+              </a:ext>
+            </a:extLst>
+          </p:cNvPr>
+          <p:cNvSpPr>
+            <a:spLocks noGrp="1"/>
+          </p:cNvSpPr>
+          <p:nvPr>
+            <p:ph type="ctrTitle"/>
+          </p:nvPr>
+        </p:nvSpPr>
+        <p:spPr>
+          <a:xfrm>
+            <a:off x="6991350" y="487018"/>
+            <a:ext cx="4179570" cy="3377354"/>
+          </a:xfrm>
+        </p:spPr>
+        <p:txBody>
+          <a:bodyPr/>
+          <a:lstStyle/>
+          <a:p>
+            <a:r>
+              <a:rPr lang="en-US" dirty="0"/>
+              <a:t>Theoretical Background</a:t>
+            </a:r>
+          </a:p>
+        </p:txBody>
+      </p:sp>
+    </p:spTree>
+    <p:extLst>
+      <p:ext uri="{BB962C8B-B14F-4D97-AF65-F5344CB8AC3E}">
+        <p14:creationId xmlns:p14="http://schemas.microsoft.com/office/powerpoint/2010/main" val="608796113"/>
+      </p:ext>
+    </p:extLst>
+  </p:cSld>
+  <p:clrMapOvr>
+    <a:masterClrMapping/>
+  </p:clrMapOvr>
+</p:sld>
+</file>
+
+<file path=ppt/slides/slide6.xml><?xml version="1.0" encoding="utf-8"?>
+<p:sld xmlns:a="http://schemas.openxmlformats.org/drawingml/2006/main" xmlns:r="http://schemas.openxmlformats.org/officeDocument/2006/relationships" xmlns:p="http://schemas.openxmlformats.org/presentationml/2006/main">
+  <p:cSld>
+    <p:spTree>
+      <p:nvGrpSpPr>
+        <p:cNvPr id="1" name=""/>
+        <p:cNvGrpSpPr/>
+        <p:nvPr/>
+      </p:nvGrpSpPr>
+      <p:grpSpPr>
+        <a:xfrm>
+          <a:off x="0" y="0"/>
+          <a:ext cx="0" cy="0"/>
+          <a:chOff x="0" y="0"/>
+          <a:chExt cx="0" cy="0"/>
+        </a:xfrm>
+      </p:grpSpPr>
+      <p:sp>
+        <p:nvSpPr>
+          <p:cNvPr id="2" name="Title 1">
+            <a:extLst>
+              <a:ext uri="{FF2B5EF4-FFF2-40B4-BE49-F238E27FC236}">
                 <a16:creationId xmlns:a16="http://schemas.microsoft.com/office/drawing/2014/main" id="{818AFA5E-469B-2BFC-9D4E-BD1EC6E48CA0}"/>
               </a:ext>
             </a:extLst>
@@ -13492,450 +14587,6 @@
 </p:sld>
 </file>
 
-<file path=ppt/slides/slide5.xml><?xml version="1.0" encoding="utf-8"?>
-<p:sld xmlns:a="http://schemas.openxmlformats.org/drawingml/2006/main" xmlns:r="http://schemas.openxmlformats.org/officeDocument/2006/relationships" xmlns:p="http://schemas.openxmlformats.org/presentationml/2006/main">
-  <p:cSld>
-    <p:spTree>
-      <p:nvGrpSpPr>
-        <p:cNvPr id="1" name=""/>
-        <p:cNvGrpSpPr/>
-        <p:nvPr/>
-      </p:nvGrpSpPr>
-      <p:grpSpPr>
-        <a:xfrm>
-          <a:off x="0" y="0"/>
-          <a:ext cx="0" cy="0"/>
-          <a:chOff x="0" y="0"/>
-          <a:chExt cx="0" cy="0"/>
-        </a:xfrm>
-      </p:grpSpPr>
-      <p:sp>
-        <p:nvSpPr>
-          <p:cNvPr id="3" name="Text Placeholder 2">
-            <a:extLst>
-              <a:ext uri="{FF2B5EF4-FFF2-40B4-BE49-F238E27FC236}">
-                <a16:creationId xmlns:a16="http://schemas.microsoft.com/office/drawing/2014/main" id="{9D5232F9-FD00-464A-9F17-619C91AEF8F3}"/>
-              </a:ext>
-            </a:extLst>
-          </p:cNvPr>
-          <p:cNvSpPr>
-            <a:spLocks noGrp="1"/>
-          </p:cNvSpPr>
-          <p:nvPr>
-            <p:ph sz="half" idx="2"/>
-          </p:nvPr>
-        </p:nvSpPr>
-        <p:spPr>
-          <a:xfrm>
-            <a:off x="1159727" y="655497"/>
-            <a:ext cx="7629293" cy="3816142"/>
-          </a:xfrm>
-        </p:spPr>
-        <p:txBody>
-          <a:bodyPr>
-            <a:normAutofit lnSpcReduction="10000"/>
-          </a:bodyPr>
-          <a:lstStyle/>
-          <a:p>
-            <a:pPr algn="r" rtl="1"/>
-            <a:r>
-              <a:rPr lang="he-IL" sz="2400" kern="100" dirty="0">
-                <a:effectLst/>
-                <a:latin typeface="Segoe UI Light" panose="020B0502040204020203" pitchFamily="34" charset="0"/>
-                <a:ea typeface="Aptos" panose="020B0004020202020204" pitchFamily="34" charset="0"/>
-                <a:cs typeface="Segoe UI Light" panose="020B0502040204020203" pitchFamily="34" charset="0"/>
-              </a:rPr>
-              <a:t>בניסוי שנערך על ידי צוות חוקרים מאוניברסיטת סטנפורד בשנת </a:t>
-            </a:r>
-            <a:r>
-              <a:rPr lang="en-US" sz="2400" kern="100" dirty="0">
-                <a:effectLst/>
-                <a:latin typeface="Segoe UI Light" panose="020B0502040204020203" pitchFamily="34" charset="0"/>
-                <a:ea typeface="Aptos" panose="020B0004020202020204" pitchFamily="34" charset="0"/>
-                <a:cs typeface="Segoe UI Light" panose="020B0502040204020203" pitchFamily="34" charset="0"/>
-              </a:rPr>
-              <a:t>2023</a:t>
-            </a:r>
-            <a:r>
-              <a:rPr lang="he-IL" sz="2400" kern="100" dirty="0">
-                <a:latin typeface="Segoe UI Light" panose="020B0502040204020203" pitchFamily="34" charset="0"/>
-                <a:ea typeface="Aptos" panose="020B0004020202020204" pitchFamily="34" charset="0"/>
-                <a:cs typeface="Segoe UI Light" panose="020B0502040204020203" pitchFamily="34" charset="0"/>
-              </a:rPr>
-              <a:t>, </a:t>
-            </a:r>
-            <a:r>
-              <a:rPr lang="he-IL" sz="2400" kern="100" dirty="0">
-                <a:effectLst/>
-                <a:latin typeface="Segoe UI Light" panose="020B0502040204020203" pitchFamily="34" charset="0"/>
-                <a:ea typeface="Aptos" panose="020B0004020202020204" pitchFamily="34" charset="0"/>
-                <a:cs typeface="Segoe UI Light" panose="020B0502040204020203" pitchFamily="34" charset="0"/>
-              </a:rPr>
-              <a:t>בחנו החוקרים כיצד מודלים לשוניים גדולים</a:t>
-            </a:r>
-            <a:r>
-              <a:rPr lang="he-IL" sz="2400" kern="100" dirty="0">
-                <a:latin typeface="Segoe UI Light" panose="020B0502040204020203" pitchFamily="34" charset="0"/>
-                <a:ea typeface="Aptos" panose="020B0004020202020204" pitchFamily="34" charset="0"/>
-                <a:cs typeface="Segoe UI Light" panose="020B0502040204020203" pitchFamily="34" charset="0"/>
-              </a:rPr>
-              <a:t> </a:t>
-            </a:r>
-            <a:r>
-              <a:rPr lang="he-IL" sz="2400" kern="100" dirty="0">
-                <a:effectLst/>
-                <a:latin typeface="Segoe UI Light" panose="020B0502040204020203" pitchFamily="34" charset="0"/>
-                <a:ea typeface="Aptos" panose="020B0004020202020204" pitchFamily="34" charset="0"/>
-                <a:cs typeface="Segoe UI Light" panose="020B0502040204020203" pitchFamily="34" charset="0"/>
-              </a:rPr>
-              <a:t>כגון</a:t>
-            </a:r>
-            <a:r>
-              <a:rPr lang="en-US" sz="2400" kern="100" dirty="0">
-                <a:effectLst/>
-                <a:latin typeface="Segoe UI Light" panose="020B0502040204020203" pitchFamily="34" charset="0"/>
-                <a:ea typeface="Aptos" panose="020B0004020202020204" pitchFamily="34" charset="0"/>
-                <a:cs typeface="Segoe UI Light" panose="020B0502040204020203" pitchFamily="34" charset="0"/>
-              </a:rPr>
-              <a:t> GPT-3 </a:t>
-            </a:r>
-            <a:r>
-              <a:rPr lang="he-IL" sz="2400" kern="100" dirty="0">
-                <a:effectLst/>
-                <a:latin typeface="Segoe UI Light" panose="020B0502040204020203" pitchFamily="34" charset="0"/>
-                <a:ea typeface="Aptos" panose="020B0004020202020204" pitchFamily="34" charset="0"/>
-                <a:cs typeface="Segoe UI Light" panose="020B0502040204020203" pitchFamily="34" charset="0"/>
-              </a:rPr>
-              <a:t>מתמודדים עם משפטים דו-משמעיים ומבטאים הטיות מגדריות. המטרה העיקרית הייתה לבחון עד כמה המודלים הללו, אשר אמורים לשקף את השפה האנושית, מושפעים מהסטריאוטיפים המגדריים הרווחים בחברה</a:t>
-            </a:r>
-            <a:r>
-              <a:rPr lang="en-US" sz="2400" kern="100" dirty="0">
-                <a:effectLst/>
-                <a:latin typeface="Segoe UI Light" panose="020B0502040204020203" pitchFamily="34" charset="0"/>
-                <a:ea typeface="Aptos" panose="020B0004020202020204" pitchFamily="34" charset="0"/>
-                <a:cs typeface="Segoe UI Light" panose="020B0502040204020203" pitchFamily="34" charset="0"/>
-              </a:rPr>
-              <a:t>.</a:t>
-            </a:r>
-          </a:p>
-          <a:p>
-            <a:pPr algn="r" rtl="1"/>
-            <a:r>
-              <a:rPr lang="he-IL" sz="2400" dirty="0">
-                <a:effectLst/>
-                <a:latin typeface="Segoe UI Light" panose="020B0502040204020203" pitchFamily="34" charset="0"/>
-                <a:ea typeface="Aptos" panose="020B0004020202020204" pitchFamily="34" charset="0"/>
-                <a:cs typeface="Segoe UI Light" panose="020B0502040204020203" pitchFamily="34" charset="0"/>
-              </a:rPr>
-              <a:t>כיצד נערך הניסוי</a:t>
-            </a:r>
-            <a:r>
-              <a:rPr lang="en-US" sz="2400" dirty="0">
-                <a:effectLst/>
-                <a:latin typeface="Segoe UI Light" panose="020B0502040204020203" pitchFamily="34" charset="0"/>
-                <a:ea typeface="Aptos" panose="020B0004020202020204" pitchFamily="34" charset="0"/>
-                <a:cs typeface="Segoe UI Light" panose="020B0502040204020203" pitchFamily="34" charset="0"/>
-              </a:rPr>
-              <a:t>?</a:t>
-            </a:r>
-            <a:r>
-              <a:rPr lang="he-IL" sz="2400" dirty="0">
-                <a:effectLst/>
-                <a:latin typeface="Segoe UI Light" panose="020B0502040204020203" pitchFamily="34" charset="0"/>
-                <a:ea typeface="Aptos" panose="020B0004020202020204" pitchFamily="34" charset="0"/>
-                <a:cs typeface="Segoe UI Light" panose="020B0502040204020203" pitchFamily="34" charset="0"/>
-              </a:rPr>
-              <a:t> החוקרים יצרו 15 משפטים שכללו שני שמות עצם המציינים מקצועות שונים, אחד גברי סטריאוטיפי ואחד נשי סטריאוטיפי. למשל:</a:t>
-            </a:r>
-            <a:endParaRPr lang="en-US" sz="2400" dirty="0">
-              <a:latin typeface="Segoe UI Light" panose="020B0502040204020203" pitchFamily="34" charset="0"/>
-              <a:cs typeface="Segoe UI Light" panose="020B0502040204020203" pitchFamily="34" charset="0"/>
-            </a:endParaRPr>
-          </a:p>
-        </p:txBody>
-      </p:sp>
-      <p:sp>
-        <p:nvSpPr>
-          <p:cNvPr id="14" name="Slide Number Placeholder 5">
-            <a:extLst>
-              <a:ext uri="{FF2B5EF4-FFF2-40B4-BE49-F238E27FC236}">
-                <a16:creationId xmlns:a16="http://schemas.microsoft.com/office/drawing/2014/main" id="{ECE635A2-70B8-3EAB-6A18-952B02EBAA1E}"/>
-              </a:ext>
-            </a:extLst>
-          </p:cNvPr>
-          <p:cNvSpPr>
-            <a:spLocks noGrp="1"/>
-          </p:cNvSpPr>
-          <p:nvPr>
-            <p:ph type="sldNum" sz="quarter" idx="12"/>
-          </p:nvPr>
-        </p:nvSpPr>
-        <p:spPr>
-          <a:xfrm>
-            <a:off x="10373350" y="6356349"/>
-            <a:ext cx="987552" cy="365125"/>
-          </a:xfrm>
-        </p:spPr>
-        <p:txBody>
-          <a:bodyPr/>
-          <a:lstStyle/>
-          <a:p>
-            <a:fld id="{A49DFD55-3C28-40EF-9E31-A92D2E4017FF}" type="slidenum">
-              <a:rPr lang="en-US" smtClean="0"/>
-              <a:pPr/>
-              <a:t>5</a:t>
-            </a:fld>
-            <a:endParaRPr lang="en-US" dirty="0"/>
-          </a:p>
-        </p:txBody>
-      </p:sp>
-      <p:pic>
-        <p:nvPicPr>
-          <p:cNvPr id="11" name="תמונה 10">
-            <a:extLst>
-              <a:ext uri="{FF2B5EF4-FFF2-40B4-BE49-F238E27FC236}">
-                <a16:creationId xmlns:a16="http://schemas.microsoft.com/office/drawing/2014/main" id="{8F8763DD-D281-66A9-ED17-97A7885F934A}"/>
-              </a:ext>
-            </a:extLst>
-          </p:cNvPr>
-          <p:cNvPicPr>
-            <a:picLocks noChangeAspect="1"/>
-          </p:cNvPicPr>
-          <p:nvPr/>
-        </p:nvPicPr>
-        <p:blipFill>
-          <a:blip r:embed="rId3"/>
-          <a:stretch>
-            <a:fillRect/>
-          </a:stretch>
-        </p:blipFill>
-        <p:spPr>
-          <a:xfrm>
-            <a:off x="954873" y="4471639"/>
-            <a:ext cx="8462745" cy="1264835"/>
-          </a:xfrm>
-          <a:prstGeom prst="rect">
-            <a:avLst/>
-          </a:prstGeom>
-        </p:spPr>
-      </p:pic>
-    </p:spTree>
-    <p:extLst>
-      <p:ext uri="{BB962C8B-B14F-4D97-AF65-F5344CB8AC3E}">
-        <p14:creationId xmlns:p14="http://schemas.microsoft.com/office/powerpoint/2010/main" val="3571516367"/>
-      </p:ext>
-    </p:extLst>
-  </p:cSld>
-  <p:clrMapOvr>
-    <a:masterClrMapping/>
-  </p:clrMapOvr>
-</p:sld>
-</file>
-
-<file path=ppt/slides/slide6.xml><?xml version="1.0" encoding="utf-8"?>
-<p:sld xmlns:a="http://schemas.openxmlformats.org/drawingml/2006/main" xmlns:r="http://schemas.openxmlformats.org/officeDocument/2006/relationships" xmlns:p="http://schemas.openxmlformats.org/presentationml/2006/main">
-  <p:cSld>
-    <p:spTree>
-      <p:nvGrpSpPr>
-        <p:cNvPr id="1" name=""/>
-        <p:cNvGrpSpPr/>
-        <p:nvPr/>
-      </p:nvGrpSpPr>
-      <p:grpSpPr>
-        <a:xfrm>
-          <a:off x="0" y="0"/>
-          <a:ext cx="0" cy="0"/>
-          <a:chOff x="0" y="0"/>
-          <a:chExt cx="0" cy="0"/>
-        </a:xfrm>
-      </p:grpSpPr>
-      <p:pic>
-        <p:nvPicPr>
-          <p:cNvPr id="17" name="תמונה 16">
-            <a:extLst>
-              <a:ext uri="{FF2B5EF4-FFF2-40B4-BE49-F238E27FC236}">
-                <a16:creationId xmlns:a16="http://schemas.microsoft.com/office/drawing/2014/main" id="{9D88F644-CC63-7F96-01FB-5EEAEA6A792C}"/>
-              </a:ext>
-            </a:extLst>
-          </p:cNvPr>
-          <p:cNvPicPr>
-            <a:picLocks noChangeAspect="1"/>
-          </p:cNvPicPr>
-          <p:nvPr/>
-        </p:nvPicPr>
-        <p:blipFill>
-          <a:blip r:embed="rId3"/>
-          <a:stretch>
-            <a:fillRect/>
-          </a:stretch>
-        </p:blipFill>
-        <p:spPr>
-          <a:xfrm>
-            <a:off x="-1" y="1775426"/>
-            <a:ext cx="6734115" cy="3398740"/>
-          </a:xfrm>
-          <a:prstGeom prst="rect">
-            <a:avLst/>
-          </a:prstGeom>
-        </p:spPr>
-      </p:pic>
-      <p:sp>
-        <p:nvSpPr>
-          <p:cNvPr id="68" name="Slide Number Placeholder 67">
-            <a:extLst>
-              <a:ext uri="{FF2B5EF4-FFF2-40B4-BE49-F238E27FC236}">
-                <a16:creationId xmlns:a16="http://schemas.microsoft.com/office/drawing/2014/main" id="{AA0ACADD-CC4E-851C-DA07-C22DB97FA23E}"/>
-              </a:ext>
-            </a:extLst>
-          </p:cNvPr>
-          <p:cNvSpPr>
-            <a:spLocks noGrp="1"/>
-          </p:cNvSpPr>
-          <p:nvPr>
-            <p:ph type="sldNum" sz="quarter" idx="13"/>
-          </p:nvPr>
-        </p:nvSpPr>
-        <p:spPr>
-          <a:xfrm>
-            <a:off x="10373350" y="6356349"/>
-            <a:ext cx="987552" cy="365125"/>
-          </a:xfrm>
-        </p:spPr>
-        <p:txBody>
-          <a:bodyPr/>
-          <a:lstStyle/>
-          <a:p>
-            <a:fld id="{A49DFD55-3C28-40EF-9E31-A92D2E4017FF}" type="slidenum">
-              <a:rPr lang="en-US" smtClean="0"/>
-              <a:pPr/>
-              <a:t>6</a:t>
-            </a:fld>
-            <a:endParaRPr lang="en-US" dirty="0"/>
-          </a:p>
-        </p:txBody>
-      </p:sp>
-      <p:sp>
-        <p:nvSpPr>
-          <p:cNvPr id="10" name="מציין מיקום תוכן 9">
-            <a:extLst>
-              <a:ext uri="{FF2B5EF4-FFF2-40B4-BE49-F238E27FC236}">
-                <a16:creationId xmlns:a16="http://schemas.microsoft.com/office/drawing/2014/main" id="{C3C2FADC-364B-1D15-AAA6-E82D0C273664}"/>
-              </a:ext>
-            </a:extLst>
-          </p:cNvPr>
-          <p:cNvSpPr>
-            <a:spLocks noGrp="1"/>
-          </p:cNvSpPr>
-          <p:nvPr>
-            <p:ph sz="half" idx="14"/>
-          </p:nvPr>
-        </p:nvSpPr>
-        <p:spPr>
-          <a:xfrm>
-            <a:off x="6734114" y="1322611"/>
-            <a:ext cx="4798962" cy="4572000"/>
-          </a:xfrm>
-        </p:spPr>
-        <p:txBody>
-          <a:bodyPr>
-            <a:normAutofit/>
-          </a:bodyPr>
-          <a:lstStyle/>
-          <a:p>
-            <a:pPr algn="r" rtl="1">
-              <a:lnSpc>
-                <a:spcPct val="107000"/>
-              </a:lnSpc>
-              <a:spcAft>
-                <a:spcPts val="800"/>
-              </a:spcAft>
-            </a:pPr>
-            <a:r>
-              <a:rPr lang="he-IL" sz="2400" b="1" u="sng" kern="100" dirty="0">
-                <a:effectLst/>
-                <a:latin typeface="Segoe UI Light" panose="020B0502040204020203" pitchFamily="34" charset="0"/>
-                <a:ea typeface="Aptos" panose="020B0004020202020204" pitchFamily="34" charset="0"/>
-                <a:cs typeface="Segoe UI Light" panose="020B0502040204020203" pitchFamily="34" charset="0"/>
-              </a:rPr>
-              <a:t>מה היו התוצאות</a:t>
-            </a:r>
-            <a:r>
-              <a:rPr lang="en-US" sz="2400" b="1" u="sng" kern="100" dirty="0">
-                <a:effectLst/>
-                <a:latin typeface="Segoe UI Light" panose="020B0502040204020203" pitchFamily="34" charset="0"/>
-                <a:ea typeface="Aptos" panose="020B0004020202020204" pitchFamily="34" charset="0"/>
-                <a:cs typeface="Segoe UI Light" panose="020B0502040204020203" pitchFamily="34" charset="0"/>
-              </a:rPr>
-              <a:t>?</a:t>
-            </a:r>
-            <a:endParaRPr lang="en-US" sz="2400" u="sng" kern="100" dirty="0">
-              <a:effectLst/>
-              <a:latin typeface="Segoe UI Light" panose="020B0502040204020203" pitchFamily="34" charset="0"/>
-              <a:ea typeface="Aptos" panose="020B0004020202020204" pitchFamily="34" charset="0"/>
-              <a:cs typeface="Segoe UI Light" panose="020B0502040204020203" pitchFamily="34" charset="0"/>
-            </a:endParaRPr>
-          </a:p>
-          <a:p>
-            <a:pPr algn="r" rtl="1"/>
-            <a:r>
-              <a:rPr lang="he-IL" sz="2400" kern="100" dirty="0">
-                <a:effectLst/>
-                <a:latin typeface="Segoe UI Light" panose="020B0502040204020203" pitchFamily="34" charset="0"/>
-                <a:ea typeface="Aptos" panose="020B0004020202020204" pitchFamily="34" charset="0"/>
-                <a:cs typeface="Segoe UI Light" panose="020B0502040204020203" pitchFamily="34" charset="0"/>
-              </a:rPr>
-              <a:t>כל ארבעת המודלים הראו העדפה ברורה לשייך מקצועות מסוימים למגדר מסוים. כאשר סמן המין היה "הוא</a:t>
-            </a:r>
-            <a:r>
-              <a:rPr lang="en-US" sz="2400" kern="100" dirty="0">
-                <a:effectLst/>
-                <a:latin typeface="Segoe UI Light" panose="020B0502040204020203" pitchFamily="34" charset="0"/>
-                <a:ea typeface="Aptos" panose="020B0004020202020204" pitchFamily="34" charset="0"/>
-                <a:cs typeface="Segoe UI Light" panose="020B0502040204020203" pitchFamily="34" charset="0"/>
-              </a:rPr>
-              <a:t>“</a:t>
-            </a:r>
-            <a:r>
-              <a:rPr lang="he-IL" sz="2400" kern="100" dirty="0">
-                <a:effectLst/>
-                <a:latin typeface="Segoe UI Light" panose="020B0502040204020203" pitchFamily="34" charset="0"/>
-                <a:ea typeface="Aptos" panose="020B0004020202020204" pitchFamily="34" charset="0"/>
-                <a:cs typeface="Segoe UI Light" panose="020B0502040204020203" pitchFamily="34" charset="0"/>
-              </a:rPr>
-              <a:t>, המודלים בחרו בתדירות גבוהה יותר במקצוע הסטריאוטיפי הגברי, ולהיפך, כאשר סמן המין היה "היא", המודלים בחרו בתדירות גבוהה יותר במקצוע הסטריאוטיפי הנשי</a:t>
-            </a:r>
-            <a:r>
-              <a:rPr lang="en-US" sz="2400" kern="100" dirty="0">
-                <a:effectLst/>
-                <a:latin typeface="Segoe UI Light" panose="020B0502040204020203" pitchFamily="34" charset="0"/>
-                <a:ea typeface="Aptos" panose="020B0004020202020204" pitchFamily="34" charset="0"/>
-                <a:cs typeface="Segoe UI Light" panose="020B0502040204020203" pitchFamily="34" charset="0"/>
-              </a:rPr>
-              <a:t>.</a:t>
-            </a:r>
-          </a:p>
-          <a:p>
-            <a:pPr algn="r" rtl="1"/>
-            <a:endParaRPr lang="he-IL" sz="2400" dirty="0">
-              <a:latin typeface="Segoe UI Light" panose="020B0502040204020203" pitchFamily="34" charset="0"/>
-              <a:cs typeface="Segoe UI Light" panose="020B0502040204020203" pitchFamily="34" charset="0"/>
-            </a:endParaRPr>
-          </a:p>
-        </p:txBody>
-      </p:sp>
-    </p:spTree>
-    <p:extLst>
-      <p:ext uri="{BB962C8B-B14F-4D97-AF65-F5344CB8AC3E}">
-        <p14:creationId xmlns:p14="http://schemas.microsoft.com/office/powerpoint/2010/main" val="636929804"/>
-      </p:ext>
-    </p:extLst>
-  </p:cSld>
-  <p:clrMapOvr>
-    <a:masterClrMapping/>
-  </p:clrMapOvr>
-</p:sld>
-</file>
-
 <file path=ppt/slides/slide7.xml><?xml version="1.0" encoding="utf-8"?>
 <p:sld xmlns:a="http://schemas.openxmlformats.org/drawingml/2006/main" xmlns:r="http://schemas.openxmlformats.org/officeDocument/2006/relationships" xmlns:p="http://schemas.openxmlformats.org/presentationml/2006/main">
   <p:cSld>
@@ -13955,63 +14606,41 @@
       </p:grpSpPr>
       <p:sp>
         <p:nvSpPr>
-          <p:cNvPr id="6" name="Text Placeholder 5">
-            <a:extLst>
-              <a:ext uri="{FF2B5EF4-FFF2-40B4-BE49-F238E27FC236}">
-                <a16:creationId xmlns:a16="http://schemas.microsoft.com/office/drawing/2014/main" id="{B587B122-1579-FDB8-443B-F05E622163C3}"/>
-              </a:ext>
-            </a:extLst>
-          </p:cNvPr>
-          <p:cNvSpPr>
-            <a:spLocks noGrp="1"/>
-          </p:cNvSpPr>
-          <p:nvPr>
-            <p:ph sz="half" idx="16"/>
-          </p:nvPr>
-        </p:nvSpPr>
-        <p:spPr>
-          <a:xfrm>
-            <a:off x="1176054" y="1196122"/>
-            <a:ext cx="9839892" cy="4747477"/>
+          <p:cNvPr id="3" name="Text Placeholder 2">
+            <a:extLst>
+              <a:ext uri="{FF2B5EF4-FFF2-40B4-BE49-F238E27FC236}">
+                <a16:creationId xmlns:a16="http://schemas.microsoft.com/office/drawing/2014/main" id="{9D5232F9-FD00-464A-9F17-619C91AEF8F3}"/>
+              </a:ext>
+            </a:extLst>
+          </p:cNvPr>
+          <p:cNvSpPr>
+            <a:spLocks noGrp="1"/>
+          </p:cNvSpPr>
+          <p:nvPr>
+            <p:ph sz="half" idx="2"/>
+          </p:nvPr>
+        </p:nvSpPr>
+        <p:spPr>
+          <a:xfrm>
+            <a:off x="1159727" y="655497"/>
+            <a:ext cx="7629293" cy="3816142"/>
           </a:xfrm>
         </p:spPr>
         <p:txBody>
           <a:bodyPr>
-            <a:normAutofit/>
+            <a:normAutofit lnSpcReduction="10000"/>
           </a:bodyPr>
           <a:lstStyle/>
           <a:p>
-            <a:pPr marL="342900" lvl="0" indent="-342900" algn="r" rtl="1">
-              <a:lnSpc>
-                <a:spcPct val="107000"/>
-              </a:lnSpc>
-              <a:spcAft>
-                <a:spcPts val="800"/>
-              </a:spcAft>
-              <a:buSzPts val="1000"/>
-              <a:buFont typeface="Wingdings" panose="05000000000000000000" pitchFamily="2" charset="2"/>
-              <a:buChar char="q"/>
-              <a:tabLst>
-                <a:tab pos="457200" algn="l"/>
-              </a:tabLst>
-            </a:pPr>
-            <a:r>
-              <a:rPr lang="he-IL" sz="2400" b="1" kern="100" dirty="0">
+            <a:pPr algn="r" rtl="1"/>
+            <a:r>
+              <a:rPr lang="he-IL" sz="2400" kern="100" dirty="0">
                 <a:effectLst/>
                 <a:latin typeface="Segoe UI Light" panose="020B0502040204020203" pitchFamily="34" charset="0"/>
                 <a:ea typeface="Aptos" panose="020B0004020202020204" pitchFamily="34" charset="0"/>
                 <a:cs typeface="Segoe UI Light" panose="020B0502040204020203" pitchFamily="34" charset="0"/>
               </a:rPr>
-              <a:t>הסברים מגוונים</a:t>
-            </a:r>
-            <a:r>
-              <a:rPr lang="en-US" sz="2400" b="1" kern="100" dirty="0">
-                <a:effectLst/>
-                <a:latin typeface="Segoe UI Light" panose="020B0502040204020203" pitchFamily="34" charset="0"/>
-                <a:ea typeface="Aptos" panose="020B0004020202020204" pitchFamily="34" charset="0"/>
-                <a:cs typeface="Segoe UI Light" panose="020B0502040204020203" pitchFamily="34" charset="0"/>
-              </a:rPr>
-              <a:t>:</a:t>
+              <a:t>בניסוי שנערך על ידי צוות חוקרים מאוניברסיטת סטנפורד בשנת </a:t>
             </a:r>
             <a:r>
               <a:rPr lang="en-US" sz="2400" kern="100" dirty="0">
@@ -14020,7 +14649,15 @@
                 <a:ea typeface="Aptos" panose="020B0004020202020204" pitchFamily="34" charset="0"/>
                 <a:cs typeface="Segoe UI Light" panose="020B0502040204020203" pitchFamily="34" charset="0"/>
               </a:rPr>
-              <a:t> </a:t>
+              <a:t>2023</a:t>
+            </a:r>
+            <a:r>
+              <a:rPr lang="he-IL" sz="2400" kern="100" dirty="0">
+                <a:latin typeface="Segoe UI Light" panose="020B0502040204020203" pitchFamily="34" charset="0"/>
+                <a:ea typeface="Aptos" panose="020B0004020202020204" pitchFamily="34" charset="0"/>
+                <a:cs typeface="Segoe UI Light" panose="020B0502040204020203" pitchFamily="34" charset="0"/>
+              </a:rPr>
+              <a:t>, </a:t>
             </a:r>
             <a:r>
               <a:rPr lang="he-IL" sz="2400" kern="100" dirty="0">
@@ -14029,7 +14666,24 @@
                 <a:ea typeface="Aptos" panose="020B0004020202020204" pitchFamily="34" charset="0"/>
                 <a:cs typeface="Segoe UI Light" panose="020B0502040204020203" pitchFamily="34" charset="0"/>
               </a:rPr>
-              <a:t>כאשר נשאלו המודלים להסביר את הבחירה שלהם, הם סיפקו מגוון הסברים. חלקם מבוססים על הקשר (למשל, </a:t>
+              <a:t>בחנו החוקרים כיצד מודלים לשוניים גדולים</a:t>
+            </a:r>
+            <a:r>
+              <a:rPr lang="he-IL" sz="2400" kern="100" dirty="0">
+                <a:latin typeface="Segoe UI Light" panose="020B0502040204020203" pitchFamily="34" charset="0"/>
+                <a:ea typeface="Aptos" panose="020B0004020202020204" pitchFamily="34" charset="0"/>
+                <a:cs typeface="Segoe UI Light" panose="020B0502040204020203" pitchFamily="34" charset="0"/>
+              </a:rPr>
+              <a:t> </a:t>
+            </a:r>
+            <a:r>
+              <a:rPr lang="he-IL" sz="2400" kern="100" dirty="0">
+                <a:effectLst/>
+                <a:latin typeface="Segoe UI Light" panose="020B0502040204020203" pitchFamily="34" charset="0"/>
+                <a:ea typeface="Aptos" panose="020B0004020202020204" pitchFamily="34" charset="0"/>
+                <a:cs typeface="Segoe UI Light" panose="020B0502040204020203" pitchFamily="34" charset="0"/>
+              </a:rPr>
+              <a:t>כגון</a:t>
             </a:r>
             <a:r>
               <a:rPr lang="en-US" sz="2400" kern="100" dirty="0">
@@ -14038,7 +14692,7 @@
                 <a:ea typeface="Aptos" panose="020B0004020202020204" pitchFamily="34" charset="0"/>
                 <a:cs typeface="Segoe UI Light" panose="020B0502040204020203" pitchFamily="34" charset="0"/>
               </a:rPr>
-              <a:t>"</a:t>
+              <a:t> GPT-3 </a:t>
             </a:r>
             <a:r>
               <a:rPr lang="he-IL" sz="2400" kern="100" dirty="0">
@@ -14047,125 +14701,7 @@
                 <a:ea typeface="Aptos" panose="020B0004020202020204" pitchFamily="34" charset="0"/>
                 <a:cs typeface="Segoe UI Light" panose="020B0502040204020203" pitchFamily="34" charset="0"/>
               </a:rPr>
-              <a:t>רופאים עסוקים יותר ממורים</a:t>
-            </a:r>
-            <a:r>
-              <a:rPr lang="he-IL" sz="2400" kern="100" dirty="0">
-                <a:latin typeface="Segoe UI Light" panose="020B0502040204020203" pitchFamily="34" charset="0"/>
-                <a:ea typeface="Aptos" panose="020B0004020202020204" pitchFamily="34" charset="0"/>
-                <a:cs typeface="Segoe UI Light" panose="020B0502040204020203" pitchFamily="34" charset="0"/>
-              </a:rPr>
-              <a:t>"), </a:t>
-            </a:r>
-            <a:r>
-              <a:rPr lang="he-IL" sz="2400" kern="100" dirty="0">
-                <a:effectLst/>
-                <a:latin typeface="Segoe UI Light" panose="020B0502040204020203" pitchFamily="34" charset="0"/>
-                <a:ea typeface="Aptos" panose="020B0004020202020204" pitchFamily="34" charset="0"/>
-                <a:cs typeface="Segoe UI Light" panose="020B0502040204020203" pitchFamily="34" charset="0"/>
-              </a:rPr>
-              <a:t>חלקם על דקדוק (למשל</a:t>
-            </a:r>
-            <a:r>
-              <a:rPr lang="he-IL" sz="2400" kern="100" dirty="0">
-                <a:latin typeface="Segoe UI Light" panose="020B0502040204020203" pitchFamily="34" charset="0"/>
-                <a:ea typeface="Aptos" panose="020B0004020202020204" pitchFamily="34" charset="0"/>
-                <a:cs typeface="Segoe UI Light" panose="020B0502040204020203" pitchFamily="34" charset="0"/>
-              </a:rPr>
-              <a:t>, "</a:t>
-            </a:r>
-            <a:r>
-              <a:rPr lang="he-IL" sz="2400" kern="100" dirty="0">
-                <a:effectLst/>
-                <a:latin typeface="Segoe UI Light" panose="020B0502040204020203" pitchFamily="34" charset="0"/>
-                <a:ea typeface="Aptos" panose="020B0004020202020204" pitchFamily="34" charset="0"/>
-                <a:cs typeface="Segoe UI Light" panose="020B0502040204020203" pitchFamily="34" charset="0"/>
-              </a:rPr>
-              <a:t>הוא מתייחס לנושא המשפט"), וחלקם על סטריאוטיפים מגדריים (למשל, </a:t>
-            </a:r>
-            <a:r>
-              <a:rPr lang="en-US" sz="2400" kern="100" dirty="0">
-                <a:effectLst/>
-                <a:latin typeface="Segoe UI Light" panose="020B0502040204020203" pitchFamily="34" charset="0"/>
-                <a:ea typeface="Aptos" panose="020B0004020202020204" pitchFamily="34" charset="0"/>
-                <a:cs typeface="Segoe UI Light" panose="020B0502040204020203" pitchFamily="34" charset="0"/>
-              </a:rPr>
-              <a:t>"</a:t>
-            </a:r>
-            <a:r>
-              <a:rPr lang="he-IL" sz="2400" kern="100" dirty="0">
-                <a:effectLst/>
-                <a:latin typeface="Segoe UI Light" panose="020B0502040204020203" pitchFamily="34" charset="0"/>
-                <a:ea typeface="Aptos" panose="020B0004020202020204" pitchFamily="34" charset="0"/>
-                <a:cs typeface="Segoe UI Light" panose="020B0502040204020203" pitchFamily="34" charset="0"/>
-              </a:rPr>
-              <a:t>רופאים הם בדרך כלל גברים</a:t>
-            </a:r>
-            <a:r>
-              <a:rPr lang="he-IL" sz="2400" kern="100" dirty="0">
-                <a:latin typeface="Segoe UI Light" panose="020B0502040204020203" pitchFamily="34" charset="0"/>
-                <a:ea typeface="Aptos" panose="020B0004020202020204" pitchFamily="34" charset="0"/>
-                <a:cs typeface="Segoe UI Light" panose="020B0502040204020203" pitchFamily="34" charset="0"/>
-              </a:rPr>
-              <a:t>").</a:t>
-            </a:r>
-            <a:endParaRPr lang="en-US" sz="2400" kern="100" dirty="0">
-              <a:effectLst/>
-              <a:latin typeface="Segoe UI Light" panose="020B0502040204020203" pitchFamily="34" charset="0"/>
-              <a:ea typeface="Aptos" panose="020B0004020202020204" pitchFamily="34" charset="0"/>
-              <a:cs typeface="Segoe UI Light" panose="020B0502040204020203" pitchFamily="34" charset="0"/>
-            </a:endParaRPr>
-          </a:p>
-          <a:p>
-            <a:pPr marL="342900" lvl="0" indent="-342900" algn="r" rtl="1">
-              <a:lnSpc>
-                <a:spcPct val="107000"/>
-              </a:lnSpc>
-              <a:spcAft>
-                <a:spcPts val="800"/>
-              </a:spcAft>
-              <a:buSzPts val="1000"/>
-              <a:buFont typeface="Wingdings" panose="05000000000000000000" pitchFamily="2" charset="2"/>
-              <a:buChar char="q"/>
-              <a:tabLst>
-                <a:tab pos="457200" algn="l"/>
-              </a:tabLst>
-            </a:pPr>
-            <a:r>
-              <a:rPr lang="he-IL" sz="2400" b="1" kern="100" dirty="0">
-                <a:effectLst/>
-                <a:latin typeface="Segoe UI Light" panose="020B0502040204020203" pitchFamily="34" charset="0"/>
-                <a:ea typeface="Aptos" panose="020B0004020202020204" pitchFamily="34" charset="0"/>
-                <a:cs typeface="Segoe UI Light" panose="020B0502040204020203" pitchFamily="34" charset="0"/>
-              </a:rPr>
-              <a:t>השוואה למציאות</a:t>
-            </a:r>
-            <a:r>
-              <a:rPr lang="en-US" sz="2400" b="1" kern="100" dirty="0">
-                <a:effectLst/>
-                <a:latin typeface="Segoe UI Light" panose="020B0502040204020203" pitchFamily="34" charset="0"/>
-                <a:ea typeface="Aptos" panose="020B0004020202020204" pitchFamily="34" charset="0"/>
-                <a:cs typeface="Segoe UI Light" panose="020B0502040204020203" pitchFamily="34" charset="0"/>
-              </a:rPr>
-              <a:t>:</a:t>
-            </a:r>
-            <a:r>
-              <a:rPr lang="en-US" sz="2400" kern="100" dirty="0">
-                <a:effectLst/>
-                <a:latin typeface="Segoe UI Light" panose="020B0502040204020203" pitchFamily="34" charset="0"/>
-                <a:ea typeface="Aptos" panose="020B0004020202020204" pitchFamily="34" charset="0"/>
-                <a:cs typeface="Segoe UI Light" panose="020B0502040204020203" pitchFamily="34" charset="0"/>
-              </a:rPr>
-              <a:t> </a:t>
-            </a:r>
-            <a:r>
-              <a:rPr lang="he-IL" sz="2400" kern="100" dirty="0">
-                <a:effectLst/>
-                <a:latin typeface="Segoe UI Light" panose="020B0502040204020203" pitchFamily="34" charset="0"/>
-                <a:ea typeface="Aptos" panose="020B0004020202020204" pitchFamily="34" charset="0"/>
-                <a:cs typeface="Segoe UI Light" panose="020B0502040204020203" pitchFamily="34" charset="0"/>
-              </a:rPr>
-              <a:t>ההשוואה לנתונים סטטיסטיים אמיתיים על התפלגות מגדרית במקצועות הראתה כי המודלים משקפים יותר את האמונות הרווחות בחברה מאשר את המציאות. כלומר, המודלים מחזקים את הסטריאוטיפים הקיימים, גם אם הם אינם מדויקים מבחינה סטטיסטית</a:t>
+              <a:t>מתמודדים עם משפטים דו-משמעיים ומבטאים הטיות מגדריות. המטרה העיקרית הייתה לבחון עד כמה המודלים הללו, אשר אמורים לשקף את השפה האנושית, מושפעים מהסטריאוטיפים המגדריים הרווחים בחברה</a:t>
             </a:r>
             <a:r>
               <a:rPr lang="en-US" sz="2400" kern="100" dirty="0">
@@ -14177,14 +14713,48 @@
               <a:t>.</a:t>
             </a:r>
           </a:p>
-        </p:txBody>
-      </p:sp>
-      <p:sp>
-        <p:nvSpPr>
-          <p:cNvPr id="5" name="Slide Number Placeholder 4">
-            <a:extLst>
-              <a:ext uri="{FF2B5EF4-FFF2-40B4-BE49-F238E27FC236}">
-                <a16:creationId xmlns:a16="http://schemas.microsoft.com/office/drawing/2014/main" id="{E74B0ADB-527F-A58C-9372-D8502ED6F918}"/>
+          <a:p>
+            <a:pPr algn="r" rtl="1"/>
+            <a:r>
+              <a:rPr lang="he-IL" sz="2400" dirty="0">
+                <a:effectLst/>
+                <a:latin typeface="Segoe UI Light" panose="020B0502040204020203" pitchFamily="34" charset="0"/>
+                <a:ea typeface="Aptos" panose="020B0004020202020204" pitchFamily="34" charset="0"/>
+                <a:cs typeface="Segoe UI Light" panose="020B0502040204020203" pitchFamily="34" charset="0"/>
+              </a:rPr>
+              <a:t>כיצד נערך הניסוי</a:t>
+            </a:r>
+            <a:r>
+              <a:rPr lang="en-US" sz="2400" dirty="0">
+                <a:effectLst/>
+                <a:latin typeface="Segoe UI Light" panose="020B0502040204020203" pitchFamily="34" charset="0"/>
+                <a:ea typeface="Aptos" panose="020B0004020202020204" pitchFamily="34" charset="0"/>
+                <a:cs typeface="Segoe UI Light" panose="020B0502040204020203" pitchFamily="34" charset="0"/>
+              </a:rPr>
+              <a:t>?</a:t>
+            </a:r>
+            <a:r>
+              <a:rPr lang="he-IL" sz="2400" dirty="0">
+                <a:effectLst/>
+                <a:latin typeface="Segoe UI Light" panose="020B0502040204020203" pitchFamily="34" charset="0"/>
+                <a:ea typeface="Aptos" panose="020B0004020202020204" pitchFamily="34" charset="0"/>
+                <a:cs typeface="Segoe UI Light" panose="020B0502040204020203" pitchFamily="34" charset="0"/>
+              </a:rPr>
+              <a:t> החוקרים יצרו 15 משפטים שכללו שני שמות עצם המציינים מקצועות שונים, אחד גברי סטריאוטיפי ואחד נשי סטריאוטיפי. למשל:</a:t>
+            </a:r>
+            <a:endParaRPr lang="en-US" sz="2400" dirty="0">
+              <a:latin typeface="Segoe UI Light" panose="020B0502040204020203" pitchFamily="34" charset="0"/>
+              <a:cs typeface="Segoe UI Light" panose="020B0502040204020203" pitchFamily="34" charset="0"/>
+            </a:endParaRPr>
+          </a:p>
+        </p:txBody>
+      </p:sp>
+      <p:sp>
+        <p:nvSpPr>
+          <p:cNvPr id="14" name="Slide Number Placeholder 5">
+            <a:extLst>
+              <a:ext uri="{FF2B5EF4-FFF2-40B4-BE49-F238E27FC236}">
+                <a16:creationId xmlns:a16="http://schemas.microsoft.com/office/drawing/2014/main" id="{ECE635A2-70B8-3EAB-6A18-952B02EBAA1E}"/>
               </a:ext>
             </a:extLst>
           </p:cNvPr>
@@ -14214,10 +14784,40 @@
           </a:p>
         </p:txBody>
       </p:sp>
+      <p:pic>
+        <p:nvPicPr>
+          <p:cNvPr id="11" name="תמונה 10">
+            <a:extLst>
+              <a:ext uri="{FF2B5EF4-FFF2-40B4-BE49-F238E27FC236}">
+                <a16:creationId xmlns:a16="http://schemas.microsoft.com/office/drawing/2014/main" id="{8F8763DD-D281-66A9-ED17-97A7885F934A}"/>
+              </a:ext>
+            </a:extLst>
+          </p:cNvPr>
+          <p:cNvPicPr>
+            <a:picLocks noChangeAspect="1"/>
+          </p:cNvPicPr>
+          <p:nvPr/>
+        </p:nvPicPr>
+        <p:blipFill>
+          <a:blip r:embed="rId3"/>
+          <a:stretch>
+            <a:fillRect/>
+          </a:stretch>
+        </p:blipFill>
+        <p:spPr>
+          <a:xfrm>
+            <a:off x="954873" y="4471639"/>
+            <a:ext cx="8462745" cy="1264835"/>
+          </a:xfrm>
+          <a:prstGeom prst="rect">
+            <a:avLst/>
+          </a:prstGeom>
+        </p:spPr>
+      </p:pic>
     </p:spTree>
     <p:extLst>
       <p:ext uri="{BB962C8B-B14F-4D97-AF65-F5344CB8AC3E}">
-        <p14:creationId xmlns:p14="http://schemas.microsoft.com/office/powerpoint/2010/main" val="2242357014"/>
+        <p14:creationId xmlns:p14="http://schemas.microsoft.com/office/powerpoint/2010/main" val="3571516367"/>
       </p:ext>
     </p:extLst>
   </p:cSld>
@@ -14244,179 +14844,184 @@
           <a:chExt cx="0" cy="0"/>
         </a:xfrm>
       </p:grpSpPr>
-      <p:sp>
-        <p:nvSpPr>
-          <p:cNvPr id="2" name="Title 1">
-            <a:extLst>
-              <a:ext uri="{FF2B5EF4-FFF2-40B4-BE49-F238E27FC236}">
-                <a16:creationId xmlns:a16="http://schemas.microsoft.com/office/drawing/2014/main" id="{818AFA5E-469B-2BFC-9D4E-BD1EC6E48CA0}"/>
-              </a:ext>
-            </a:extLst>
-          </p:cNvPr>
-          <p:cNvSpPr>
-            <a:spLocks noGrp="1"/>
-          </p:cNvSpPr>
-          <p:nvPr>
-            <p:ph type="ctrTitle"/>
-          </p:nvPr>
-        </p:nvSpPr>
-        <p:spPr>
-          <a:xfrm>
-            <a:off x="6096000" y="3226666"/>
-            <a:ext cx="5478966" cy="3376691"/>
+      <p:pic>
+        <p:nvPicPr>
+          <p:cNvPr id="17" name="תמונה 16">
+            <a:extLst>
+              <a:ext uri="{FF2B5EF4-FFF2-40B4-BE49-F238E27FC236}">
+                <a16:creationId xmlns:a16="http://schemas.microsoft.com/office/drawing/2014/main" id="{9D88F644-CC63-7F96-01FB-5EEAEA6A792C}"/>
+              </a:ext>
+            </a:extLst>
+          </p:cNvPr>
+          <p:cNvPicPr>
+            <a:picLocks noChangeAspect="1"/>
+          </p:cNvPicPr>
+          <p:nvPr/>
+        </p:nvPicPr>
+        <p:blipFill>
+          <a:blip r:embed="rId3"/>
+          <a:stretch>
+            <a:fillRect/>
+          </a:stretch>
+        </p:blipFill>
+        <p:spPr>
+          <a:xfrm>
+            <a:off x="-1" y="1775426"/>
+            <a:ext cx="6734115" cy="3398740"/>
+          </a:xfrm>
+          <a:prstGeom prst="rect">
+            <a:avLst/>
+          </a:prstGeom>
+        </p:spPr>
+      </p:pic>
+      <p:sp>
+        <p:nvSpPr>
+          <p:cNvPr id="68" name="Slide Number Placeholder 67">
+            <a:extLst>
+              <a:ext uri="{FF2B5EF4-FFF2-40B4-BE49-F238E27FC236}">
+                <a16:creationId xmlns:a16="http://schemas.microsoft.com/office/drawing/2014/main" id="{AA0ACADD-CC4E-851C-DA07-C22DB97FA23E}"/>
+              </a:ext>
+            </a:extLst>
+          </p:cNvPr>
+          <p:cNvSpPr>
+            <a:spLocks noGrp="1"/>
+          </p:cNvSpPr>
+          <p:nvPr>
+            <p:ph type="sldNum" sz="quarter" idx="13"/>
+          </p:nvPr>
+        </p:nvSpPr>
+        <p:spPr>
+          <a:xfrm>
+            <a:off x="10373350" y="6356349"/>
+            <a:ext cx="987552" cy="365125"/>
           </a:xfrm>
         </p:spPr>
         <p:txBody>
           <a:bodyPr/>
           <a:lstStyle/>
           <a:p>
-            <a:pPr algn="ctr"/>
-            <a:r>
-              <a:rPr lang="en-US" b="0" i="0" u="none" strike="noStrike" baseline="0" dirty="0">
-                <a:latin typeface="LinBiolinumTB"/>
+            <a:fld id="{A49DFD55-3C28-40EF-9E31-A92D2E4017FF}" type="slidenum">
+              <a:rPr lang="en-US" smtClean="0"/>
+              <a:pPr/>
+              <a:t>8</a:t>
+            </a:fld>
+            <a:endParaRPr lang="en-US" dirty="0"/>
+          </a:p>
+        </p:txBody>
+      </p:sp>
+      <p:sp>
+        <p:nvSpPr>
+          <p:cNvPr id="10" name="מציין מיקום תוכן 9">
+            <a:extLst>
+              <a:ext uri="{FF2B5EF4-FFF2-40B4-BE49-F238E27FC236}">
+                <a16:creationId xmlns:a16="http://schemas.microsoft.com/office/drawing/2014/main" id="{C3C2FADC-364B-1D15-AAA6-E82D0C273664}"/>
+              </a:ext>
+            </a:extLst>
+          </p:cNvPr>
+          <p:cNvSpPr>
+            <a:spLocks noGrp="1"/>
+          </p:cNvSpPr>
+          <p:nvPr>
+            <p:ph sz="half" idx="14"/>
+          </p:nvPr>
+        </p:nvSpPr>
+        <p:spPr>
+          <a:xfrm>
+            <a:off x="6734114" y="1322611"/>
+            <a:ext cx="4798962" cy="4572000"/>
+          </a:xfrm>
+        </p:spPr>
+        <p:txBody>
+          <a:bodyPr>
+            <a:normAutofit/>
+          </a:bodyPr>
+          <a:lstStyle/>
+          <a:p>
+            <a:pPr algn="r" rtl="1">
+              <a:lnSpc>
+                <a:spcPct val="107000"/>
+              </a:lnSpc>
+              <a:spcAft>
+                <a:spcPts val="800"/>
+              </a:spcAft>
+            </a:pPr>
+            <a:r>
+              <a:rPr lang="he-IL" sz="2400" b="1" u="sng" kern="100" dirty="0">
+                <a:effectLst/>
+                <a:latin typeface="Segoe UI Light" panose="020B0502040204020203" pitchFamily="34" charset="0"/>
+                <a:ea typeface="Aptos" panose="020B0004020202020204" pitchFamily="34" charset="0"/>
+                <a:cs typeface="Segoe UI Light" panose="020B0502040204020203" pitchFamily="34" charset="0"/>
               </a:rPr>
-              <a:t>Is ChatGPT Fair for Recommendation? Evaluating Fairness in Large Language Model Recommendation</a:t>
-            </a:r>
-            <a:br>
-              <a:rPr lang="en-US" b="0" i="0" u="none" strike="noStrike" baseline="0" dirty="0">
-                <a:latin typeface="LinBiolinumTB"/>
+              <a:t>מה היו התוצאות</a:t>
+            </a:r>
+            <a:r>
+              <a:rPr lang="en-US" sz="2400" b="1" u="sng" kern="100" dirty="0">
+                <a:effectLst/>
+                <a:latin typeface="Segoe UI Light" panose="020B0502040204020203" pitchFamily="34" charset="0"/>
+                <a:ea typeface="Aptos" panose="020B0004020202020204" pitchFamily="34" charset="0"/>
+                <a:cs typeface="Segoe UI Light" panose="020B0502040204020203" pitchFamily="34" charset="0"/>
               </a:rPr>
-            </a:br>
-            <a:br>
-              <a:rPr lang="en-US" sz="4000" b="0" i="0" u="none" strike="noStrike" baseline="0" dirty="0">
-                <a:latin typeface="LinBiolinumTB"/>
+              <a:t>?</a:t>
+            </a:r>
+            <a:endParaRPr lang="en-US" sz="2400" u="sng" kern="100" dirty="0">
+              <a:effectLst/>
+              <a:latin typeface="Segoe UI Light" panose="020B0502040204020203" pitchFamily="34" charset="0"/>
+              <a:ea typeface="Aptos" panose="020B0004020202020204" pitchFamily="34" charset="0"/>
+              <a:cs typeface="Segoe UI Light" panose="020B0502040204020203" pitchFamily="34" charset="0"/>
+            </a:endParaRPr>
+          </a:p>
+          <a:p>
+            <a:pPr algn="r" rtl="1"/>
+            <a:r>
+              <a:rPr lang="he-IL" sz="2400" kern="100" dirty="0">
+                <a:effectLst/>
+                <a:latin typeface="Segoe UI Light" panose="020B0502040204020203" pitchFamily="34" charset="0"/>
+                <a:ea typeface="Aptos" panose="020B0004020202020204" pitchFamily="34" charset="0"/>
+                <a:cs typeface="Segoe UI Light" panose="020B0502040204020203" pitchFamily="34" charset="0"/>
               </a:rPr>
-            </a:br>
-            <a:r>
-              <a:rPr lang="en-US" sz="1800" b="0" i="0" u="none" strike="noStrike" baseline="0" dirty="0" err="1">
-                <a:latin typeface="LinBiolinumT"/>
+              <a:t>כל ארבעת המודלים הראו העדפה ברורה לשייך מקצועות מסוימים למגדר מסוים. כאשר סמן המין היה "הוא</a:t>
+            </a:r>
+            <a:r>
+              <a:rPr lang="en-US" sz="2400" kern="100" dirty="0">
+                <a:effectLst/>
+                <a:latin typeface="Segoe UI Light" panose="020B0502040204020203" pitchFamily="34" charset="0"/>
+                <a:ea typeface="Aptos" panose="020B0004020202020204" pitchFamily="34" charset="0"/>
+                <a:cs typeface="Segoe UI Light" panose="020B0502040204020203" pitchFamily="34" charset="0"/>
               </a:rPr>
-              <a:t>Jizhi</a:t>
-            </a:r>
-            <a:r>
-              <a:rPr lang="en-US" sz="1800" b="0" i="0" u="none" strike="noStrike" baseline="0" dirty="0">
-                <a:latin typeface="LinBiolinumT"/>
+              <a:t>“</a:t>
+            </a:r>
+            <a:r>
+              <a:rPr lang="he-IL" sz="2400" kern="100" dirty="0">
+                <a:effectLst/>
+                <a:latin typeface="Segoe UI Light" panose="020B0502040204020203" pitchFamily="34" charset="0"/>
+                <a:ea typeface="Aptos" panose="020B0004020202020204" pitchFamily="34" charset="0"/>
+                <a:cs typeface="Segoe UI Light" panose="020B0502040204020203" pitchFamily="34" charset="0"/>
               </a:rPr>
-              <a:t> Zhang*, </a:t>
-            </a:r>
-            <a:r>
-              <a:rPr lang="en-US" sz="1800" b="0" i="0" u="none" strike="noStrike" baseline="0" dirty="0" err="1">
-                <a:latin typeface="LinBiolinumT"/>
+              <a:t>, המודלים בחרו בתדירות גבוהה יותר במקצוע הסטריאוטיפי הגברי, ולהיפך, כאשר סמן המין היה "היא", המודלים בחרו בתדירות גבוהה יותר במקצוע הסטריאוטיפי הנשי</a:t>
+            </a:r>
+            <a:r>
+              <a:rPr lang="en-US" sz="2400" kern="100" dirty="0">
+                <a:effectLst/>
+                <a:latin typeface="Segoe UI Light" panose="020B0502040204020203" pitchFamily="34" charset="0"/>
+                <a:ea typeface="Aptos" panose="020B0004020202020204" pitchFamily="34" charset="0"/>
+                <a:cs typeface="Segoe UI Light" panose="020B0502040204020203" pitchFamily="34" charset="0"/>
               </a:rPr>
-              <a:t>Keqin</a:t>
-            </a:r>
-            <a:r>
-              <a:rPr lang="en-US" sz="1800" b="0" i="0" u="none" strike="noStrike" baseline="0" dirty="0">
-                <a:latin typeface="LinBiolinumT"/>
-              </a:rPr>
-              <a:t> Bao*, Yang Zhang, Wenjie Wang, Fuli Feng†, and </a:t>
-            </a:r>
-            <a:r>
-              <a:rPr lang="en-US" sz="1800" b="0" i="0" u="none" strike="noStrike" baseline="0" dirty="0" err="1">
-                <a:latin typeface="LinBiolinumT"/>
-              </a:rPr>
-              <a:t>Xiangnan</a:t>
-            </a:r>
-            <a:r>
-              <a:rPr lang="en-US" sz="1800" b="0" i="0" u="none" strike="noStrike" baseline="0" dirty="0">
-                <a:latin typeface="LinBiolinumT"/>
-              </a:rPr>
-              <a:t> He†</a:t>
-            </a:r>
-            <a:br>
-              <a:rPr lang="en-US" b="0" i="0" u="none" strike="noStrike" baseline="0" dirty="0">
-                <a:latin typeface="LinBiolinumTB"/>
-              </a:rPr>
-            </a:br>
-            <a:br>
-              <a:rPr lang="en-US" sz="2400" b="0" i="0" dirty="0">
-                <a:effectLst/>
-                <a:latin typeface="Segoe UI Variable Display Semil" pitchFamily="2" charset="0"/>
-              </a:rPr>
-            </a:br>
-            <a:br>
-              <a:rPr lang="en-US" sz="2400" b="0" i="0" dirty="0">
-                <a:effectLst/>
-                <a:latin typeface="Segoe UI Variable Display Semil" pitchFamily="2" charset="0"/>
-              </a:rPr>
-            </a:br>
-            <a:r>
-              <a:rPr lang="en-US" sz="1800" b="0" i="0" u="sng" strike="noStrike" dirty="0">
-                <a:solidFill>
-                  <a:srgbClr val="1155CC"/>
-                </a:solidFill>
-                <a:effectLst/>
-                <a:latin typeface="Arial" panose="020B0604020202020204" pitchFamily="34" charset="0"/>
-                <a:hlinkClick r:id="rId3"/>
-              </a:rPr>
-              <a:t>https://arxiv.org/pdf/2305.07609.pdf</a:t>
-            </a:r>
-            <a:br>
-              <a:rPr lang="en-US" sz="1800" b="0" i="0" u="none" strike="noStrike" dirty="0">
-                <a:solidFill>
-                  <a:srgbClr val="000000"/>
-                </a:solidFill>
-                <a:effectLst/>
-                <a:latin typeface="Arial" panose="020B0604020202020204" pitchFamily="34" charset="0"/>
-                <a:hlinkClick r:id="rId3"/>
-              </a:rPr>
-            </a:br>
-            <a:endParaRPr lang="en-US" sz="6600" dirty="0">
-              <a:latin typeface="Segoe UI Variable Display Semil" pitchFamily="2" charset="0"/>
+              <a:t>.</a:t>
+            </a:r>
+          </a:p>
+          <a:p>
+            <a:pPr algn="r" rtl="1"/>
+            <a:endParaRPr lang="he-IL" sz="2400" dirty="0">
+              <a:latin typeface="Segoe UI Light" panose="020B0502040204020203" pitchFamily="34" charset="0"/>
+              <a:cs typeface="Segoe UI Light" panose="020B0502040204020203" pitchFamily="34" charset="0"/>
             </a:endParaRPr>
           </a:p>
         </p:txBody>
       </p:sp>
-      <p:cxnSp>
-        <p:nvCxnSpPr>
-          <p:cNvPr id="21" name="Straight Connector 20">
-            <a:extLst>
-              <a:ext uri="{FF2B5EF4-FFF2-40B4-BE49-F238E27FC236}">
-                <a16:creationId xmlns:a16="http://schemas.microsoft.com/office/drawing/2014/main" id="{944268F6-A361-9907-F87F-9C4377ECAE6D}"/>
-              </a:ext>
-              <a:ext uri="{C183D7F6-B498-43B3-948B-1728B52AA6E4}">
-                <adec:decorative xmlns:adec="http://schemas.microsoft.com/office/drawing/2017/decorative" val="1"/>
-              </a:ext>
-            </a:extLst>
-          </p:cNvPr>
-          <p:cNvCxnSpPr>
-            <a:cxnSpLocks/>
-          </p:cNvCxnSpPr>
-          <p:nvPr/>
-        </p:nvCxnSpPr>
-        <p:spPr>
-          <a:xfrm flipH="1" flipV="1">
-            <a:off x="0" y="254643"/>
-            <a:ext cx="6096000" cy="855762"/>
-          </a:xfrm>
-          <a:prstGeom prst="line">
-            <a:avLst/>
-          </a:prstGeom>
-          <a:ln>
-            <a:solidFill>
-              <a:schemeClr val="bg1"/>
-            </a:solidFill>
-          </a:ln>
-        </p:spPr>
-        <p:style>
-          <a:lnRef idx="1">
-            <a:schemeClr val="accent1"/>
-          </a:lnRef>
-          <a:fillRef idx="0">
-            <a:schemeClr val="accent1"/>
-          </a:fillRef>
-          <a:effectRef idx="0">
-            <a:schemeClr val="accent1"/>
-          </a:effectRef>
-          <a:fontRef idx="minor">
-            <a:schemeClr val="tx1"/>
-          </a:fontRef>
-        </p:style>
-      </p:cxnSp>
     </p:spTree>
     <p:extLst>
       <p:ext uri="{BB962C8B-B14F-4D97-AF65-F5344CB8AC3E}">
-        <p14:creationId xmlns:p14="http://schemas.microsoft.com/office/powerpoint/2010/main" val="227849816"/>
+        <p14:creationId xmlns:p14="http://schemas.microsoft.com/office/powerpoint/2010/main" val="636929804"/>
       </p:ext>
     </p:extLst>
   </p:cSld>
@@ -14461,28 +15066,211 @@
         </p:nvSpPr>
         <p:spPr>
           <a:xfrm>
-            <a:off x="8000218" y="1278504"/>
-            <a:ext cx="3956825" cy="5059401"/>
+            <a:off x="1176054" y="1196122"/>
+            <a:ext cx="9839892" cy="4747477"/>
           </a:xfrm>
         </p:spPr>
         <p:txBody>
           <a:bodyPr>
-            <a:normAutofit lnSpcReduction="10000"/>
+            <a:normAutofit/>
           </a:bodyPr>
           <a:lstStyle/>
           <a:p>
-            <a:pPr algn="r" rtl="1"/>
-            <a:r>
-              <a:rPr lang="he-IL" sz="2400" dirty="0">
+            <a:pPr marL="342900" lvl="0" indent="-342900" algn="r" rtl="1">
+              <a:lnSpc>
+                <a:spcPct val="107000"/>
+              </a:lnSpc>
+              <a:spcAft>
+                <a:spcPts val="800"/>
+              </a:spcAft>
+              <a:buSzPts val="1000"/>
+              <a:buFont typeface="Wingdings" panose="05000000000000000000" pitchFamily="2" charset="2"/>
+              <a:buChar char="q"/>
+              <a:tabLst>
+                <a:tab pos="457200" algn="l"/>
+              </a:tabLst>
+            </a:pPr>
+            <a:r>
+              <a:rPr lang="he-IL" sz="2400" b="1" kern="100" dirty="0">
+                <a:effectLst/>
                 <a:latin typeface="Segoe UI Light" panose="020B0502040204020203" pitchFamily="34" charset="0"/>
+                <a:ea typeface="Aptos" panose="020B0004020202020204" pitchFamily="34" charset="0"/>
                 <a:cs typeface="Segoe UI Light" panose="020B0502040204020203" pitchFamily="34" charset="0"/>
               </a:rPr>
-              <a:t>מחקר דומה שנערך בסין ביקש לבדוק האם המערכת "הוגנת" כאשר היא נותנת המלצות. האם היא נותנת את אותן ההמלצות לכל אחד, או שהיא "מפלה" קבוצות מסוימות של אנשים על סמך תכונות אישיות כמו גיל, מגדר, מוצא או דעות פוליטיות. לשם החוקרים יצרו תרחישים שונים שבהם הם ביקשו מהמערכת המלצה על סמך תכונות אישיות שונות.</a:t>
-            </a:r>
-            <a:endParaRPr lang="en-US" sz="2400" dirty="0">
+              <a:t>הסברים מגוונים</a:t>
+            </a:r>
+            <a:r>
+              <a:rPr lang="en-US" sz="2400" b="1" kern="100" dirty="0">
+                <a:effectLst/>
+                <a:latin typeface="Segoe UI Light" panose="020B0502040204020203" pitchFamily="34" charset="0"/>
+                <a:ea typeface="Aptos" panose="020B0004020202020204" pitchFamily="34" charset="0"/>
+                <a:cs typeface="Segoe UI Light" panose="020B0502040204020203" pitchFamily="34" charset="0"/>
+              </a:rPr>
+              <a:t>:</a:t>
+            </a:r>
+            <a:r>
+              <a:rPr lang="en-US" sz="2400" kern="100" dirty="0">
+                <a:effectLst/>
+                <a:latin typeface="Segoe UI Light" panose="020B0502040204020203" pitchFamily="34" charset="0"/>
+                <a:ea typeface="Aptos" panose="020B0004020202020204" pitchFamily="34" charset="0"/>
+                <a:cs typeface="Segoe UI Light" panose="020B0502040204020203" pitchFamily="34" charset="0"/>
+              </a:rPr>
+              <a:t> </a:t>
+            </a:r>
+            <a:r>
+              <a:rPr lang="he-IL" sz="2400" kern="100" dirty="0">
+                <a:effectLst/>
+                <a:latin typeface="Segoe UI Light" panose="020B0502040204020203" pitchFamily="34" charset="0"/>
+                <a:ea typeface="Aptos" panose="020B0004020202020204" pitchFamily="34" charset="0"/>
+                <a:cs typeface="Segoe UI Light" panose="020B0502040204020203" pitchFamily="34" charset="0"/>
+              </a:rPr>
+              <a:t>כאשר נשאלו המודלים להסביר את הבחירה שלהם, הם סיפקו מגוון הסברים. חלקם מבוססים על הקשר (למשל, </a:t>
+            </a:r>
+            <a:r>
+              <a:rPr lang="en-US" sz="2400" kern="100" dirty="0">
+                <a:effectLst/>
+                <a:latin typeface="Segoe UI Light" panose="020B0502040204020203" pitchFamily="34" charset="0"/>
+                <a:ea typeface="Aptos" panose="020B0004020202020204" pitchFamily="34" charset="0"/>
+                <a:cs typeface="Segoe UI Light" panose="020B0502040204020203" pitchFamily="34" charset="0"/>
+              </a:rPr>
+              <a:t>"</a:t>
+            </a:r>
+            <a:r>
+              <a:rPr lang="he-IL" sz="2400" kern="100" dirty="0">
+                <a:effectLst/>
+                <a:latin typeface="Segoe UI Light" panose="020B0502040204020203" pitchFamily="34" charset="0"/>
+                <a:ea typeface="Aptos" panose="020B0004020202020204" pitchFamily="34" charset="0"/>
+                <a:cs typeface="Segoe UI Light" panose="020B0502040204020203" pitchFamily="34" charset="0"/>
+              </a:rPr>
+              <a:t>רופאים עסוקים יותר ממורים</a:t>
+            </a:r>
+            <a:r>
+              <a:rPr lang="he-IL" sz="2400" kern="100" dirty="0">
+                <a:latin typeface="Segoe UI Light" panose="020B0502040204020203" pitchFamily="34" charset="0"/>
+                <a:ea typeface="Aptos" panose="020B0004020202020204" pitchFamily="34" charset="0"/>
+                <a:cs typeface="Segoe UI Light" panose="020B0502040204020203" pitchFamily="34" charset="0"/>
+              </a:rPr>
+              <a:t>"), </a:t>
+            </a:r>
+            <a:r>
+              <a:rPr lang="he-IL" sz="2400" kern="100" dirty="0">
+                <a:effectLst/>
+                <a:latin typeface="Segoe UI Light" panose="020B0502040204020203" pitchFamily="34" charset="0"/>
+                <a:ea typeface="Aptos" panose="020B0004020202020204" pitchFamily="34" charset="0"/>
+                <a:cs typeface="Segoe UI Light" panose="020B0502040204020203" pitchFamily="34" charset="0"/>
+              </a:rPr>
+              <a:t>חלקם על דקדוק (למשל</a:t>
+            </a:r>
+            <a:r>
+              <a:rPr lang="he-IL" sz="2400" kern="100" dirty="0">
+                <a:latin typeface="Segoe UI Light" panose="020B0502040204020203" pitchFamily="34" charset="0"/>
+                <a:ea typeface="Aptos" panose="020B0004020202020204" pitchFamily="34" charset="0"/>
+                <a:cs typeface="Segoe UI Light" panose="020B0502040204020203" pitchFamily="34" charset="0"/>
+              </a:rPr>
+              <a:t>, "</a:t>
+            </a:r>
+            <a:r>
+              <a:rPr lang="he-IL" sz="2400" kern="100" dirty="0">
+                <a:effectLst/>
+                <a:latin typeface="Segoe UI Light" panose="020B0502040204020203" pitchFamily="34" charset="0"/>
+                <a:ea typeface="Aptos" panose="020B0004020202020204" pitchFamily="34" charset="0"/>
+                <a:cs typeface="Segoe UI Light" panose="020B0502040204020203" pitchFamily="34" charset="0"/>
+              </a:rPr>
+              <a:t>הוא מתייחס לנושא המשפט"), וחלקם על סטריאוטיפים מגדריים (למשל, </a:t>
+            </a:r>
+            <a:r>
+              <a:rPr lang="en-US" sz="2400" kern="100" dirty="0">
+                <a:effectLst/>
+                <a:latin typeface="Segoe UI Light" panose="020B0502040204020203" pitchFamily="34" charset="0"/>
+                <a:ea typeface="Aptos" panose="020B0004020202020204" pitchFamily="34" charset="0"/>
+                <a:cs typeface="Segoe UI Light" panose="020B0502040204020203" pitchFamily="34" charset="0"/>
+              </a:rPr>
+              <a:t>"</a:t>
+            </a:r>
+            <a:r>
+              <a:rPr lang="he-IL" sz="2400" kern="100" dirty="0">
+                <a:effectLst/>
+                <a:latin typeface="Segoe UI Light" panose="020B0502040204020203" pitchFamily="34" charset="0"/>
+                <a:ea typeface="Aptos" panose="020B0004020202020204" pitchFamily="34" charset="0"/>
+                <a:cs typeface="Segoe UI Light" panose="020B0502040204020203" pitchFamily="34" charset="0"/>
+              </a:rPr>
+              <a:t>רופאים הם בדרך כלל גברים</a:t>
+            </a:r>
+            <a:r>
+              <a:rPr lang="he-IL" sz="2400" kern="100" dirty="0">
+                <a:latin typeface="Segoe UI Light" panose="020B0502040204020203" pitchFamily="34" charset="0"/>
+                <a:ea typeface="Aptos" panose="020B0004020202020204" pitchFamily="34" charset="0"/>
+                <a:cs typeface="Segoe UI Light" panose="020B0502040204020203" pitchFamily="34" charset="0"/>
+              </a:rPr>
+              <a:t>").</a:t>
+            </a:r>
+            <a:endParaRPr lang="en-US" sz="2400" kern="100" dirty="0">
+              <a:effectLst/>
               <a:latin typeface="Segoe UI Light" panose="020B0502040204020203" pitchFamily="34" charset="0"/>
+              <a:ea typeface="Aptos" panose="020B0004020202020204" pitchFamily="34" charset="0"/>
               <a:cs typeface="Segoe UI Light" panose="020B0502040204020203" pitchFamily="34" charset="0"/>
             </a:endParaRPr>
+          </a:p>
+          <a:p>
+            <a:pPr marL="342900" lvl="0" indent="-342900" algn="r" rtl="1">
+              <a:lnSpc>
+                <a:spcPct val="107000"/>
+              </a:lnSpc>
+              <a:spcAft>
+                <a:spcPts val="800"/>
+              </a:spcAft>
+              <a:buSzPts val="1000"/>
+              <a:buFont typeface="Wingdings" panose="05000000000000000000" pitchFamily="2" charset="2"/>
+              <a:buChar char="q"/>
+              <a:tabLst>
+                <a:tab pos="457200" algn="l"/>
+              </a:tabLst>
+            </a:pPr>
+            <a:r>
+              <a:rPr lang="he-IL" sz="2400" b="1" kern="100" dirty="0">
+                <a:effectLst/>
+                <a:latin typeface="Segoe UI Light" panose="020B0502040204020203" pitchFamily="34" charset="0"/>
+                <a:ea typeface="Aptos" panose="020B0004020202020204" pitchFamily="34" charset="0"/>
+                <a:cs typeface="Segoe UI Light" panose="020B0502040204020203" pitchFamily="34" charset="0"/>
+              </a:rPr>
+              <a:t>השוואה למציאות</a:t>
+            </a:r>
+            <a:r>
+              <a:rPr lang="en-US" sz="2400" b="1" kern="100" dirty="0">
+                <a:effectLst/>
+                <a:latin typeface="Segoe UI Light" panose="020B0502040204020203" pitchFamily="34" charset="0"/>
+                <a:ea typeface="Aptos" panose="020B0004020202020204" pitchFamily="34" charset="0"/>
+                <a:cs typeface="Segoe UI Light" panose="020B0502040204020203" pitchFamily="34" charset="0"/>
+              </a:rPr>
+              <a:t>:</a:t>
+            </a:r>
+            <a:r>
+              <a:rPr lang="en-US" sz="2400" kern="100" dirty="0">
+                <a:effectLst/>
+                <a:latin typeface="Segoe UI Light" panose="020B0502040204020203" pitchFamily="34" charset="0"/>
+                <a:ea typeface="Aptos" panose="020B0004020202020204" pitchFamily="34" charset="0"/>
+                <a:cs typeface="Segoe UI Light" panose="020B0502040204020203" pitchFamily="34" charset="0"/>
+              </a:rPr>
+              <a:t> </a:t>
+            </a:r>
+            <a:r>
+              <a:rPr lang="he-IL" sz="2400" kern="100" dirty="0">
+                <a:effectLst/>
+                <a:latin typeface="Segoe UI Light" panose="020B0502040204020203" pitchFamily="34" charset="0"/>
+                <a:ea typeface="Aptos" panose="020B0004020202020204" pitchFamily="34" charset="0"/>
+                <a:cs typeface="Segoe UI Light" panose="020B0502040204020203" pitchFamily="34" charset="0"/>
+              </a:rPr>
+              <a:t>ההשוואה לנתונים סטטיסטיים אמיתיים על התפלגות מגדרית במקצועות הראתה כי המודלים משקפים יותר את האמונות הרווחות בחברה מאשר את המציאות. כלומר, המודלים מחזקים את הסטריאוטיפים הקיימים, גם אם הם אינם מדויקים מבחינה סטטיסטית</a:t>
+            </a:r>
+            <a:r>
+              <a:rPr lang="en-US" sz="2400" kern="100" dirty="0">
+                <a:effectLst/>
+                <a:latin typeface="Segoe UI Light" panose="020B0502040204020203" pitchFamily="34" charset="0"/>
+                <a:ea typeface="Aptos" panose="020B0004020202020204" pitchFamily="34" charset="0"/>
+                <a:cs typeface="Segoe UI Light" panose="020B0502040204020203" pitchFamily="34" charset="0"/>
+              </a:rPr>
+              <a:t>.</a:t>
+            </a:r>
           </a:p>
         </p:txBody>
       </p:sp>
@@ -14521,40 +15309,10 @@
           </a:p>
         </p:txBody>
       </p:sp>
-      <p:pic>
-        <p:nvPicPr>
-          <p:cNvPr id="11" name="תמונה 10">
-            <a:extLst>
-              <a:ext uri="{FF2B5EF4-FFF2-40B4-BE49-F238E27FC236}">
-                <a16:creationId xmlns:a16="http://schemas.microsoft.com/office/drawing/2014/main" id="{904C64E2-602F-6030-982E-0A4A43C2F026}"/>
-              </a:ext>
-            </a:extLst>
-          </p:cNvPr>
-          <p:cNvPicPr>
-            <a:picLocks noChangeAspect="1"/>
-          </p:cNvPicPr>
-          <p:nvPr/>
-        </p:nvPicPr>
-        <p:blipFill>
-          <a:blip r:embed="rId3"/>
-          <a:stretch>
-            <a:fillRect/>
-          </a:stretch>
-        </p:blipFill>
-        <p:spPr>
-          <a:xfrm>
-            <a:off x="535259" y="1077500"/>
-            <a:ext cx="7464959" cy="5461411"/>
-          </a:xfrm>
-          <a:prstGeom prst="rect">
-            <a:avLst/>
-          </a:prstGeom>
-        </p:spPr>
-      </p:pic>
     </p:spTree>
     <p:extLst>
       <p:ext uri="{BB962C8B-B14F-4D97-AF65-F5344CB8AC3E}">
-        <p14:creationId xmlns:p14="http://schemas.microsoft.com/office/powerpoint/2010/main" val="1658164610"/>
+        <p14:creationId xmlns:p14="http://schemas.microsoft.com/office/powerpoint/2010/main" val="2242357014"/>
       </p:ext>
     </p:extLst>
   </p:cSld>
